--- a/courses/apcsp/create_task/create_task.pptx
+++ b/courses/apcsp/create_task/create_task.pptx
@@ -24,6 +24,10 @@
     <p:sldId id="304" r:id="rId18"/>
     <p:sldId id="306" r:id="rId19"/>
     <p:sldId id="307" r:id="rId20"/>
+    <p:sldId id="309" r:id="rId21"/>
+    <p:sldId id="310" r:id="rId22"/>
+    <p:sldId id="308" r:id="rId23"/>
+    <p:sldId id="311" r:id="rId24"/>
   </p:sldIdLst>
   <p:sldSz cx="9144000" cy="5715000" type="screen16x10"/>
   <p:notesSz cx="6858000" cy="9144000"/>
@@ -133,7 +137,7 @@
 <file path=ppt/revisionInfo.xml><?xml version="1.0" encoding="utf-8"?>
 <p1510:revInfo xmlns:a="http://schemas.openxmlformats.org/drawingml/2006/main" xmlns:r="http://schemas.openxmlformats.org/officeDocument/2006/relationships" xmlns:p1510="http://schemas.microsoft.com/office/powerpoint/2015/10/main">
   <p1510:revLst>
-    <p1510:client id="{920E45FF-707A-564B-83B3-9BA7BB1D0D1B}" v="37" dt="2021-03-10T13:28:18.422"/>
+    <p1510:client id="{920E45FF-707A-564B-83B3-9BA7BB1D0D1B}" v="391" dt="2021-03-15T14:45:50.272"/>
   </p1510:revLst>
 </p1510:revInfo>
 </file>
@@ -606,7 +610,7 @@
   <pc:docChgLst>
     <pc:chgData name="Long B Nguyen" userId="f59fb8f3-a021-417a-8bc1-65c8d471c621" providerId="ADAL" clId="{920E45FF-707A-564B-83B3-9BA7BB1D0D1B}"/>
     <pc:docChg chg="custSel addSld delSld modSld">
-      <pc:chgData name="Long B Nguyen" userId="f59fb8f3-a021-417a-8bc1-65c8d471c621" providerId="ADAL" clId="{920E45FF-707A-564B-83B3-9BA7BB1D0D1B}" dt="2021-03-10T13:28:34.854" v="1983" actId="2696"/>
+      <pc:chgData name="Long B Nguyen" userId="f59fb8f3-a021-417a-8bc1-65c8d471c621" providerId="ADAL" clId="{920E45FF-707A-564B-83B3-9BA7BB1D0D1B}" dt="2021-03-15T14:45:50.271" v="3243" actId="20577"/>
       <pc:docMkLst>
         <pc:docMk/>
       </pc:docMkLst>
@@ -1245,7 +1249,7 @@
         </pc:spChg>
       </pc:sldChg>
       <pc:sldChg chg="delSp modSp new mod modAnim">
-        <pc:chgData name="Long B Nguyen" userId="f59fb8f3-a021-417a-8bc1-65c8d471c621" providerId="ADAL" clId="{920E45FF-707A-564B-83B3-9BA7BB1D0D1B}" dt="2021-03-10T13:28:02.442" v="1973"/>
+        <pc:chgData name="Long B Nguyen" userId="f59fb8f3-a021-417a-8bc1-65c8d471c621" providerId="ADAL" clId="{920E45FF-707A-564B-83B3-9BA7BB1D0D1B}" dt="2021-03-15T04:36:55.445" v="2023" actId="20577"/>
         <pc:sldMkLst>
           <pc:docMk/>
           <pc:sldMk cId="728426104" sldId="306"/>
@@ -1259,7 +1263,7 @@
           </ac:spMkLst>
         </pc:spChg>
         <pc:spChg chg="mod">
-          <ac:chgData name="Long B Nguyen" userId="f59fb8f3-a021-417a-8bc1-65c8d471c621" providerId="ADAL" clId="{920E45FF-707A-564B-83B3-9BA7BB1D0D1B}" dt="2021-03-09T14:53:16.407" v="1009" actId="20577"/>
+          <ac:chgData name="Long B Nguyen" userId="f59fb8f3-a021-417a-8bc1-65c8d471c621" providerId="ADAL" clId="{920E45FF-707A-564B-83B3-9BA7BB1D0D1B}" dt="2021-03-15T04:36:55.445" v="2023" actId="20577"/>
           <ac:spMkLst>
             <pc:docMk/>
             <pc:sldMk cId="728426104" sldId="306"/>
@@ -1289,6 +1293,96 @@
             <ac:spMk id="3" creationId="{07A68376-B585-E14E-9D3B-3DDBFB3E4329}"/>
           </ac:spMkLst>
         </pc:spChg>
+      </pc:sldChg>
+      <pc:sldChg chg="modSp new del mod">
+        <pc:chgData name="Long B Nguyen" userId="f59fb8f3-a021-417a-8bc1-65c8d471c621" providerId="ADAL" clId="{920E45FF-707A-564B-83B3-9BA7BB1D0D1B}" dt="2021-03-15T12:13:25.387" v="2914" actId="2696"/>
+        <pc:sldMkLst>
+          <pc:docMk/>
+          <pc:sldMk cId="1173666888" sldId="308"/>
+        </pc:sldMkLst>
+        <pc:spChg chg="mod">
+          <ac:chgData name="Long B Nguyen" userId="f59fb8f3-a021-417a-8bc1-65c8d471c621" providerId="ADAL" clId="{920E45FF-707A-564B-83B3-9BA7BB1D0D1B}" dt="2021-03-15T04:38:21.619" v="2051" actId="14100"/>
+          <ac:spMkLst>
+            <pc:docMk/>
+            <pc:sldMk cId="1173666888" sldId="308"/>
+            <ac:spMk id="2" creationId="{2CAD482E-9621-034B-B5B9-A2A3E3815EBF}"/>
+          </ac:spMkLst>
+        </pc:spChg>
+        <pc:spChg chg="mod">
+          <ac:chgData name="Long B Nguyen" userId="f59fb8f3-a021-417a-8bc1-65c8d471c621" providerId="ADAL" clId="{920E45FF-707A-564B-83B3-9BA7BB1D0D1B}" dt="2021-03-15T11:59:15.087" v="2507" actId="20577"/>
+          <ac:spMkLst>
+            <pc:docMk/>
+            <pc:sldMk cId="1173666888" sldId="308"/>
+            <ac:spMk id="3" creationId="{BE9CE75A-CAA3-5646-AB61-E94C601FF013}"/>
+          </ac:spMkLst>
+        </pc:spChg>
+      </pc:sldChg>
+      <pc:sldChg chg="modSp add mod modAnim">
+        <pc:chgData name="Long B Nguyen" userId="f59fb8f3-a021-417a-8bc1-65c8d471c621" providerId="ADAL" clId="{920E45FF-707A-564B-83B3-9BA7BB1D0D1B}" dt="2021-03-15T12:23:50.046" v="2954"/>
+        <pc:sldMkLst>
+          <pc:docMk/>
+          <pc:sldMk cId="1886395027" sldId="308"/>
+        </pc:sldMkLst>
+        <pc:spChg chg="mod">
+          <ac:chgData name="Long B Nguyen" userId="f59fb8f3-a021-417a-8bc1-65c8d471c621" providerId="ADAL" clId="{920E45FF-707A-564B-83B3-9BA7BB1D0D1B}" dt="2021-03-15T12:13:37.645" v="2937" actId="20577"/>
+          <ac:spMkLst>
+            <pc:docMk/>
+            <pc:sldMk cId="1886395027" sldId="308"/>
+            <ac:spMk id="3" creationId="{BE9CE75A-CAA3-5646-AB61-E94C601FF013}"/>
+          </ac:spMkLst>
+        </pc:spChg>
+      </pc:sldChg>
+      <pc:sldChg chg="modSp add mod modAnim">
+        <pc:chgData name="Long B Nguyen" userId="f59fb8f3-a021-417a-8bc1-65c8d471c621" providerId="ADAL" clId="{920E45FF-707A-564B-83B3-9BA7BB1D0D1B}" dt="2021-03-15T12:23:06.154" v="2947"/>
+        <pc:sldMkLst>
+          <pc:docMk/>
+          <pc:sldMk cId="2859835922" sldId="309"/>
+        </pc:sldMkLst>
+        <pc:spChg chg="mod">
+          <ac:chgData name="Long B Nguyen" userId="f59fb8f3-a021-417a-8bc1-65c8d471c621" providerId="ADAL" clId="{920E45FF-707A-564B-83B3-9BA7BB1D0D1B}" dt="2021-03-15T12:22:45.961" v="2941" actId="20577"/>
+          <ac:spMkLst>
+            <pc:docMk/>
+            <pc:sldMk cId="2859835922" sldId="309"/>
+            <ac:spMk id="3" creationId="{BE9CE75A-CAA3-5646-AB61-E94C601FF013}"/>
+          </ac:spMkLst>
+        </pc:spChg>
+      </pc:sldChg>
+      <pc:sldChg chg="modSp add mod modAnim">
+        <pc:chgData name="Long B Nguyen" userId="f59fb8f3-a021-417a-8bc1-65c8d471c621" providerId="ADAL" clId="{920E45FF-707A-564B-83B3-9BA7BB1D0D1B}" dt="2021-03-15T12:23:18.106" v="2950"/>
+        <pc:sldMkLst>
+          <pc:docMk/>
+          <pc:sldMk cId="472026148" sldId="310"/>
+        </pc:sldMkLst>
+        <pc:spChg chg="mod">
+          <ac:chgData name="Long B Nguyen" userId="f59fb8f3-a021-417a-8bc1-65c8d471c621" providerId="ADAL" clId="{920E45FF-707A-564B-83B3-9BA7BB1D0D1B}" dt="2021-03-15T12:05:29.835" v="2913" actId="20577"/>
+          <ac:spMkLst>
+            <pc:docMk/>
+            <pc:sldMk cId="472026148" sldId="310"/>
+            <ac:spMk id="3" creationId="{BE9CE75A-CAA3-5646-AB61-E94C601FF013}"/>
+          </ac:spMkLst>
+        </pc:spChg>
+      </pc:sldChg>
+      <pc:sldChg chg="modSp add modAnim">
+        <pc:chgData name="Long B Nguyen" userId="f59fb8f3-a021-417a-8bc1-65c8d471c621" providerId="ADAL" clId="{920E45FF-707A-564B-83B3-9BA7BB1D0D1B}" dt="2021-03-15T14:45:50.271" v="3243" actId="20577"/>
+        <pc:sldMkLst>
+          <pc:docMk/>
+          <pc:sldMk cId="2074214818" sldId="311"/>
+        </pc:sldMkLst>
+        <pc:spChg chg="mod">
+          <ac:chgData name="Long B Nguyen" userId="f59fb8f3-a021-417a-8bc1-65c8d471c621" providerId="ADAL" clId="{920E45FF-707A-564B-83B3-9BA7BB1D0D1B}" dt="2021-03-15T14:45:50.271" v="3243" actId="20577"/>
+          <ac:spMkLst>
+            <pc:docMk/>
+            <pc:sldMk cId="2074214818" sldId="311"/>
+            <ac:spMk id="3" creationId="{BE9CE75A-CAA3-5646-AB61-E94C601FF013}"/>
+          </ac:spMkLst>
+        </pc:spChg>
+      </pc:sldChg>
+      <pc:sldChg chg="add del">
+        <pc:chgData name="Long B Nguyen" userId="f59fb8f3-a021-417a-8bc1-65c8d471c621" providerId="ADAL" clId="{920E45FF-707A-564B-83B3-9BA7BB1D0D1B}" dt="2021-03-15T11:59:19.192" v="2508" actId="2696"/>
+        <pc:sldMkLst>
+          <pc:docMk/>
+          <pc:sldMk cId="2189312620" sldId="356"/>
+        </pc:sldMkLst>
       </pc:sldChg>
     </pc:docChg>
   </pc:docChgLst>
@@ -1983,7 +2077,7 @@
           <a:p>
             <a:fld id="{4AAD347D-5ACD-4C99-B74B-A9C85AD731AF}" type="datetimeFigureOut">
               <a:rPr lang="en-US" smtClean="0"/>
-              <a:t>3/10/21</a:t>
+              <a:t>3/15/21</a:t>
             </a:fld>
             <a:endParaRPr lang="en-US" dirty="0"/>
           </a:p>
@@ -2153,7 +2247,7 @@
           <a:p>
             <a:fld id="{4509A250-FF31-4206-8172-F9D3106AACB1}" type="datetimeFigureOut">
               <a:rPr lang="en-US" smtClean="0"/>
-              <a:t>3/10/21</a:t>
+              <a:t>3/15/21</a:t>
             </a:fld>
             <a:endParaRPr lang="en-US" dirty="0"/>
           </a:p>
@@ -2333,7 +2427,7 @@
           <a:p>
             <a:fld id="{4509A250-FF31-4206-8172-F9D3106AACB1}" type="datetimeFigureOut">
               <a:rPr lang="en-US" smtClean="0"/>
-              <a:t>3/10/21</a:t>
+              <a:t>3/15/21</a:t>
             </a:fld>
             <a:endParaRPr lang="en-US" dirty="0"/>
           </a:p>
@@ -2503,7 +2597,7 @@
           <a:p>
             <a:fld id="{4509A250-FF31-4206-8172-F9D3106AACB1}" type="datetimeFigureOut">
               <a:rPr lang="en-US" smtClean="0"/>
-              <a:t>3/10/21</a:t>
+              <a:t>3/15/21</a:t>
             </a:fld>
             <a:endParaRPr lang="en-US" dirty="0"/>
           </a:p>
@@ -2749,7 +2843,7 @@
           <a:p>
             <a:fld id="{9796027F-7875-4030-9381-8BD8C4F21935}" type="datetimeFigureOut">
               <a:rPr lang="en-US" smtClean="0"/>
-              <a:t>3/10/21</a:t>
+              <a:t>3/15/21</a:t>
             </a:fld>
             <a:endParaRPr lang="en-US" dirty="0"/>
           </a:p>
@@ -2981,7 +3075,7 @@
           <a:p>
             <a:fld id="{9796027F-7875-4030-9381-8BD8C4F21935}" type="datetimeFigureOut">
               <a:rPr lang="en-US" smtClean="0"/>
-              <a:t>3/10/21</a:t>
+              <a:t>3/15/21</a:t>
             </a:fld>
             <a:endParaRPr lang="en-US" dirty="0"/>
           </a:p>
@@ -3348,7 +3442,7 @@
           <a:p>
             <a:fld id="{9796027F-7875-4030-9381-8BD8C4F21935}" type="datetimeFigureOut">
               <a:rPr lang="en-US" smtClean="0"/>
-              <a:t>3/10/21</a:t>
+              <a:t>3/15/21</a:t>
             </a:fld>
             <a:endParaRPr lang="en-US" dirty="0"/>
           </a:p>
@@ -3466,7 +3560,7 @@
           <a:p>
             <a:fld id="{4509A250-FF31-4206-8172-F9D3106AACB1}" type="datetimeFigureOut">
               <a:rPr lang="en-US" smtClean="0"/>
-              <a:t>3/10/21</a:t>
+              <a:t>3/15/21</a:t>
             </a:fld>
             <a:endParaRPr lang="en-US" dirty="0"/>
           </a:p>
@@ -3561,7 +3655,7 @@
           <a:p>
             <a:fld id="{4509A250-FF31-4206-8172-F9D3106AACB1}" type="datetimeFigureOut">
               <a:rPr lang="en-US" smtClean="0"/>
-              <a:t>3/10/21</a:t>
+              <a:t>3/15/21</a:t>
             </a:fld>
             <a:endParaRPr lang="en-US" dirty="0"/>
           </a:p>
@@ -3838,7 +3932,7 @@
           <a:p>
             <a:fld id="{4509A250-FF31-4206-8172-F9D3106AACB1}" type="datetimeFigureOut">
               <a:rPr lang="en-US" smtClean="0"/>
-              <a:t>3/10/21</a:t>
+              <a:t>3/15/21</a:t>
             </a:fld>
             <a:endParaRPr lang="en-US" dirty="0"/>
           </a:p>
@@ -4095,7 +4189,7 @@
           <a:p>
             <a:fld id="{4509A250-FF31-4206-8172-F9D3106AACB1}" type="datetimeFigureOut">
               <a:rPr lang="en-US" smtClean="0"/>
-              <a:t>3/10/21</a:t>
+              <a:t>3/15/21</a:t>
             </a:fld>
             <a:endParaRPr lang="en-US" dirty="0"/>
           </a:p>
@@ -4308,7 +4402,7 @@
           <a:p>
             <a:fld id="{4AAD347D-5ACD-4C99-B74B-A9C85AD731AF}" type="datetimeFigureOut">
               <a:rPr lang="en-US" smtClean="0"/>
-              <a:t>3/10/21</a:t>
+              <a:t>3/15/21</a:t>
             </a:fld>
             <a:endParaRPr lang="en-US" dirty="0"/>
           </a:p>
@@ -5967,8 +6061,10 @@
               <a:t> example </a:t>
             </a:r>
             <a:r>
-              <a:rPr lang="en-US" dirty="0" err="1"/>
-              <a:t>StudentGrades</a:t>
+              <a:rPr lang="en-US" dirty="0">
+                <a:hlinkClick r:id="rId2"/>
+              </a:rPr>
+              <a:t>Substitution Encryption</a:t>
             </a:r>
             <a:r>
               <a:rPr lang="en-US" dirty="0"/>
@@ -6704,6 +6800,1815 @@
     <p:extLst>
       <p:ext uri="{BB962C8B-B14F-4D97-AF65-F5344CB8AC3E}">
         <p14:creationId xmlns:p14="http://schemas.microsoft.com/office/powerpoint/2010/main" val="3370589591"/>
+      </p:ext>
+    </p:extLst>
+  </p:cSld>
+  <p:clrMapOvr>
+    <a:masterClrMapping/>
+  </p:clrMapOvr>
+</p:sld>
+</file>
+
+<file path=ppt/slides/slide20.xml><?xml version="1.0" encoding="utf-8"?>
+<p:sld xmlns:a="http://schemas.openxmlformats.org/drawingml/2006/main" xmlns:r="http://schemas.openxmlformats.org/officeDocument/2006/relationships" xmlns:p="http://schemas.openxmlformats.org/presentationml/2006/main">
+  <p:cSld>
+    <p:spTree>
+      <p:nvGrpSpPr>
+        <p:cNvPr id="1" name=""/>
+        <p:cNvGrpSpPr/>
+        <p:nvPr/>
+      </p:nvGrpSpPr>
+      <p:grpSpPr>
+        <a:xfrm>
+          <a:off x="0" y="0"/>
+          <a:ext cx="0" cy="0"/>
+          <a:chOff x="0" y="0"/>
+          <a:chExt cx="0" cy="0"/>
+        </a:xfrm>
+      </p:grpSpPr>
+      <p:sp>
+        <p:nvSpPr>
+          <p:cNvPr id="2" name="Title 1">
+            <a:extLst>
+              <a:ext uri="{FF2B5EF4-FFF2-40B4-BE49-F238E27FC236}">
+                <a16:creationId xmlns:a16="http://schemas.microsoft.com/office/drawing/2014/main" id="{2CAD482E-9621-034B-B5B9-A2A3E3815EBF}"/>
+              </a:ext>
+            </a:extLst>
+          </p:cNvPr>
+          <p:cNvSpPr>
+            <a:spLocks noGrp="1"/>
+          </p:cNvSpPr>
+          <p:nvPr>
+            <p:ph type="title"/>
+          </p:nvPr>
+        </p:nvSpPr>
+        <p:spPr>
+          <a:xfrm>
+            <a:off x="220687" y="191729"/>
+            <a:ext cx="7886700" cy="680468"/>
+          </a:xfrm>
+        </p:spPr>
+        <p:txBody>
+          <a:bodyPr/>
+          <a:lstStyle/>
+          <a:p>
+            <a:r>
+              <a:rPr lang="en-US" dirty="0"/>
+              <a:t>Create Task Example</a:t>
+            </a:r>
+          </a:p>
+        </p:txBody>
+      </p:sp>
+      <p:sp>
+        <p:nvSpPr>
+          <p:cNvPr id="3" name="Content Placeholder 2">
+            <a:extLst>
+              <a:ext uri="{FF2B5EF4-FFF2-40B4-BE49-F238E27FC236}">
+                <a16:creationId xmlns:a16="http://schemas.microsoft.com/office/drawing/2014/main" id="{BE9CE75A-CAA3-5646-AB61-E94C601FF013}"/>
+              </a:ext>
+            </a:extLst>
+          </p:cNvPr>
+          <p:cNvSpPr>
+            <a:spLocks noGrp="1"/>
+          </p:cNvSpPr>
+          <p:nvPr>
+            <p:ph idx="1"/>
+          </p:nvPr>
+        </p:nvSpPr>
+        <p:spPr>
+          <a:xfrm>
+            <a:off x="220687" y="872197"/>
+            <a:ext cx="8702626" cy="4651074"/>
+          </a:xfrm>
+        </p:spPr>
+        <p:txBody>
+          <a:bodyPr/>
+          <a:lstStyle/>
+          <a:p>
+            <a:pPr marL="0" indent="0">
+              <a:buNone/>
+            </a:pPr>
+            <a:r>
+              <a:rPr lang="en-US" dirty="0"/>
+              <a:t>We will walk through a full example of a Create Task. In this example, we will do a simple encryption program. Given a message </a:t>
+            </a:r>
+            <a:r>
+              <a:rPr lang="en-US" b="1" dirty="0"/>
+              <a:t>plaintext</a:t>
+            </a:r>
+            <a:r>
+              <a:rPr lang="en-US" dirty="0"/>
+              <a:t>, we like to encrypted into a secret message called </a:t>
+            </a:r>
+            <a:r>
+              <a:rPr lang="en-US" b="1" dirty="0" err="1"/>
+              <a:t>cipertext</a:t>
+            </a:r>
+            <a:r>
+              <a:rPr lang="en-US" dirty="0"/>
+              <a:t>. </a:t>
+            </a:r>
+          </a:p>
+          <a:p>
+            <a:pPr marL="0" indent="0">
+              <a:buNone/>
+            </a:pPr>
+            <a:endParaRPr lang="en-US" dirty="0"/>
+          </a:p>
+          <a:p>
+            <a:pPr marL="0" indent="0">
+              <a:buNone/>
+            </a:pPr>
+            <a:r>
+              <a:rPr lang="en-US" dirty="0"/>
+              <a:t>We do this by simply substituting each letter with a different letter from a secret </a:t>
+            </a:r>
+            <a:r>
+              <a:rPr lang="en-US" b="1" dirty="0"/>
+              <a:t>key</a:t>
+            </a:r>
+            <a:r>
+              <a:rPr lang="en-US" dirty="0"/>
+              <a:t> which is some permutation of the alphabet.</a:t>
+            </a:r>
+          </a:p>
+          <a:p>
+            <a:pPr marL="0" indent="0">
+              <a:buNone/>
+            </a:pPr>
+            <a:endParaRPr lang="en-US" dirty="0"/>
+          </a:p>
+          <a:p>
+            <a:pPr marL="0" indent="0">
+              <a:buNone/>
+            </a:pPr>
+            <a:r>
+              <a:rPr lang="en-US" dirty="0"/>
+              <a:t>Sample key:  YTNSHKVEFXRBAUQZCLWDMIPGJO</a:t>
+            </a:r>
+          </a:p>
+          <a:p>
+            <a:pPr marL="0" indent="0">
+              <a:buNone/>
+            </a:pPr>
+            <a:endParaRPr lang="en-US" dirty="0"/>
+          </a:p>
+          <a:p>
+            <a:pPr marL="0" indent="0">
+              <a:buNone/>
+            </a:pPr>
+            <a:r>
+              <a:rPr lang="en-US" dirty="0"/>
+              <a:t>In this case, 'A' is replaced with 'Y', 'B' is replaced with 'T', </a:t>
+            </a:r>
+            <a:r>
+              <a:rPr lang="en-US" dirty="0" err="1"/>
+              <a:t>etc</a:t>
+            </a:r>
+            <a:r>
+              <a:rPr lang="en-US" dirty="0"/>
+              <a:t>…</a:t>
+            </a:r>
+          </a:p>
+          <a:p>
+            <a:pPr marL="0" indent="0">
+              <a:buNone/>
+            </a:pPr>
+            <a:r>
+              <a:rPr lang="en-US" dirty="0"/>
+              <a:t>This substitution is case sensitive 'a' is replaced with 'y', 'b' with 't', </a:t>
+            </a:r>
+            <a:r>
+              <a:rPr lang="en-US" dirty="0" err="1"/>
+              <a:t>etc</a:t>
+            </a:r>
+            <a:r>
+              <a:rPr lang="en-US" dirty="0"/>
+              <a:t>…</a:t>
+            </a:r>
+          </a:p>
+          <a:p>
+            <a:pPr marL="0" indent="0">
+              <a:buNone/>
+            </a:pPr>
+            <a:r>
+              <a:rPr lang="en-US" dirty="0"/>
+              <a:t>Any character not in the key is kept the same. </a:t>
+            </a:r>
+          </a:p>
+          <a:p>
+            <a:pPr marL="0" indent="0">
+              <a:buNone/>
+            </a:pPr>
+            <a:endParaRPr lang="en-US" dirty="0"/>
+          </a:p>
+          <a:p>
+            <a:pPr marL="0" indent="0">
+              <a:buNone/>
+            </a:pPr>
+            <a:endParaRPr lang="en-US" dirty="0"/>
+          </a:p>
+          <a:p>
+            <a:pPr marL="0" indent="0">
+              <a:buNone/>
+            </a:pPr>
+            <a:endParaRPr lang="en-US" dirty="0"/>
+          </a:p>
+        </p:txBody>
+      </p:sp>
+    </p:spTree>
+    <p:extLst>
+      <p:ext uri="{BB962C8B-B14F-4D97-AF65-F5344CB8AC3E}">
+        <p14:creationId xmlns:p14="http://schemas.microsoft.com/office/powerpoint/2010/main" val="2859835922"/>
+      </p:ext>
+    </p:extLst>
+  </p:cSld>
+  <p:clrMapOvr>
+    <a:masterClrMapping/>
+  </p:clrMapOvr>
+  <p:timing>
+    <p:tnLst>
+      <p:par>
+        <p:cTn id="1" dur="indefinite" restart="never" nodeType="tmRoot">
+          <p:childTnLst>
+            <p:seq concurrent="1" nextAc="seek">
+              <p:cTn id="2" dur="indefinite" nodeType="mainSeq">
+                <p:childTnLst>
+                  <p:par>
+                    <p:cTn id="3" fill="hold">
+                      <p:stCondLst>
+                        <p:cond delay="indefinite"/>
+                      </p:stCondLst>
+                      <p:childTnLst>
+                        <p:par>
+                          <p:cTn id="4" fill="hold">
+                            <p:stCondLst>
+                              <p:cond delay="0"/>
+                            </p:stCondLst>
+                            <p:childTnLst>
+                              <p:par>
+                                <p:cTn id="5" presetID="1" presetClass="entr" presetSubtype="0" fill="hold" nodeType="clickEffect">
+                                  <p:stCondLst>
+                                    <p:cond delay="0"/>
+                                  </p:stCondLst>
+                                  <p:childTnLst>
+                                    <p:set>
+                                      <p:cBhvr>
+                                        <p:cTn id="6" dur="1" fill="hold">
+                                          <p:stCondLst>
+                                            <p:cond delay="0"/>
+                                          </p:stCondLst>
+                                        </p:cTn>
+                                        <p:tgtEl>
+                                          <p:spTgt spid="3">
+                                            <p:txEl>
+                                              <p:pRg st="0" end="0"/>
+                                            </p:txEl>
+                                          </p:spTgt>
+                                        </p:tgtEl>
+                                        <p:attrNameLst>
+                                          <p:attrName>style.visibility</p:attrName>
+                                        </p:attrNameLst>
+                                      </p:cBhvr>
+                                      <p:to>
+                                        <p:strVal val="visible"/>
+                                      </p:to>
+                                    </p:set>
+                                  </p:childTnLst>
+                                </p:cTn>
+                              </p:par>
+                            </p:childTnLst>
+                          </p:cTn>
+                        </p:par>
+                      </p:childTnLst>
+                    </p:cTn>
+                  </p:par>
+                  <p:par>
+                    <p:cTn id="7" fill="hold">
+                      <p:stCondLst>
+                        <p:cond delay="indefinite"/>
+                      </p:stCondLst>
+                      <p:childTnLst>
+                        <p:par>
+                          <p:cTn id="8" fill="hold">
+                            <p:stCondLst>
+                              <p:cond delay="0"/>
+                            </p:stCondLst>
+                            <p:childTnLst>
+                              <p:par>
+                                <p:cTn id="9" presetID="1" presetClass="entr" presetSubtype="0" fill="hold" nodeType="clickEffect">
+                                  <p:stCondLst>
+                                    <p:cond delay="0"/>
+                                  </p:stCondLst>
+                                  <p:childTnLst>
+                                    <p:set>
+                                      <p:cBhvr>
+                                        <p:cTn id="10" dur="1" fill="hold">
+                                          <p:stCondLst>
+                                            <p:cond delay="0"/>
+                                          </p:stCondLst>
+                                        </p:cTn>
+                                        <p:tgtEl>
+                                          <p:spTgt spid="3">
+                                            <p:txEl>
+                                              <p:pRg st="2" end="2"/>
+                                            </p:txEl>
+                                          </p:spTgt>
+                                        </p:tgtEl>
+                                        <p:attrNameLst>
+                                          <p:attrName>style.visibility</p:attrName>
+                                        </p:attrNameLst>
+                                      </p:cBhvr>
+                                      <p:to>
+                                        <p:strVal val="visible"/>
+                                      </p:to>
+                                    </p:set>
+                                  </p:childTnLst>
+                                </p:cTn>
+                              </p:par>
+                            </p:childTnLst>
+                          </p:cTn>
+                        </p:par>
+                      </p:childTnLst>
+                    </p:cTn>
+                  </p:par>
+                  <p:par>
+                    <p:cTn id="11" fill="hold">
+                      <p:stCondLst>
+                        <p:cond delay="indefinite"/>
+                      </p:stCondLst>
+                      <p:childTnLst>
+                        <p:par>
+                          <p:cTn id="12" fill="hold">
+                            <p:stCondLst>
+                              <p:cond delay="0"/>
+                            </p:stCondLst>
+                            <p:childTnLst>
+                              <p:par>
+                                <p:cTn id="13" presetID="1" presetClass="entr" presetSubtype="0" fill="hold" nodeType="clickEffect">
+                                  <p:stCondLst>
+                                    <p:cond delay="0"/>
+                                  </p:stCondLst>
+                                  <p:childTnLst>
+                                    <p:set>
+                                      <p:cBhvr>
+                                        <p:cTn id="14" dur="1" fill="hold">
+                                          <p:stCondLst>
+                                            <p:cond delay="0"/>
+                                          </p:stCondLst>
+                                        </p:cTn>
+                                        <p:tgtEl>
+                                          <p:spTgt spid="3">
+                                            <p:txEl>
+                                              <p:pRg st="4" end="4"/>
+                                            </p:txEl>
+                                          </p:spTgt>
+                                        </p:tgtEl>
+                                        <p:attrNameLst>
+                                          <p:attrName>style.visibility</p:attrName>
+                                        </p:attrNameLst>
+                                      </p:cBhvr>
+                                      <p:to>
+                                        <p:strVal val="visible"/>
+                                      </p:to>
+                                    </p:set>
+                                  </p:childTnLst>
+                                </p:cTn>
+                              </p:par>
+                            </p:childTnLst>
+                          </p:cTn>
+                        </p:par>
+                      </p:childTnLst>
+                    </p:cTn>
+                  </p:par>
+                  <p:par>
+                    <p:cTn id="15" fill="hold">
+                      <p:stCondLst>
+                        <p:cond delay="indefinite"/>
+                      </p:stCondLst>
+                      <p:childTnLst>
+                        <p:par>
+                          <p:cTn id="16" fill="hold">
+                            <p:stCondLst>
+                              <p:cond delay="0"/>
+                            </p:stCondLst>
+                            <p:childTnLst>
+                              <p:par>
+                                <p:cTn id="17" presetID="1" presetClass="entr" presetSubtype="0" fill="hold" nodeType="clickEffect">
+                                  <p:stCondLst>
+                                    <p:cond delay="0"/>
+                                  </p:stCondLst>
+                                  <p:childTnLst>
+                                    <p:set>
+                                      <p:cBhvr>
+                                        <p:cTn id="18" dur="1" fill="hold">
+                                          <p:stCondLst>
+                                            <p:cond delay="0"/>
+                                          </p:stCondLst>
+                                        </p:cTn>
+                                        <p:tgtEl>
+                                          <p:spTgt spid="3">
+                                            <p:txEl>
+                                              <p:pRg st="6" end="6"/>
+                                            </p:txEl>
+                                          </p:spTgt>
+                                        </p:tgtEl>
+                                        <p:attrNameLst>
+                                          <p:attrName>style.visibility</p:attrName>
+                                        </p:attrNameLst>
+                                      </p:cBhvr>
+                                      <p:to>
+                                        <p:strVal val="visible"/>
+                                      </p:to>
+                                    </p:set>
+                                  </p:childTnLst>
+                                </p:cTn>
+                              </p:par>
+                            </p:childTnLst>
+                          </p:cTn>
+                        </p:par>
+                      </p:childTnLst>
+                    </p:cTn>
+                  </p:par>
+                  <p:par>
+                    <p:cTn id="19" fill="hold">
+                      <p:stCondLst>
+                        <p:cond delay="indefinite"/>
+                      </p:stCondLst>
+                      <p:childTnLst>
+                        <p:par>
+                          <p:cTn id="20" fill="hold">
+                            <p:stCondLst>
+                              <p:cond delay="0"/>
+                            </p:stCondLst>
+                            <p:childTnLst>
+                              <p:par>
+                                <p:cTn id="21" presetID="1" presetClass="entr" presetSubtype="0" fill="hold" nodeType="clickEffect">
+                                  <p:stCondLst>
+                                    <p:cond delay="0"/>
+                                  </p:stCondLst>
+                                  <p:childTnLst>
+                                    <p:set>
+                                      <p:cBhvr>
+                                        <p:cTn id="22" dur="1" fill="hold">
+                                          <p:stCondLst>
+                                            <p:cond delay="0"/>
+                                          </p:stCondLst>
+                                        </p:cTn>
+                                        <p:tgtEl>
+                                          <p:spTgt spid="3">
+                                            <p:txEl>
+                                              <p:pRg st="7" end="7"/>
+                                            </p:txEl>
+                                          </p:spTgt>
+                                        </p:tgtEl>
+                                        <p:attrNameLst>
+                                          <p:attrName>style.visibility</p:attrName>
+                                        </p:attrNameLst>
+                                      </p:cBhvr>
+                                      <p:to>
+                                        <p:strVal val="visible"/>
+                                      </p:to>
+                                    </p:set>
+                                  </p:childTnLst>
+                                </p:cTn>
+                              </p:par>
+                            </p:childTnLst>
+                          </p:cTn>
+                        </p:par>
+                      </p:childTnLst>
+                    </p:cTn>
+                  </p:par>
+                  <p:par>
+                    <p:cTn id="23" fill="hold">
+                      <p:stCondLst>
+                        <p:cond delay="indefinite"/>
+                      </p:stCondLst>
+                      <p:childTnLst>
+                        <p:par>
+                          <p:cTn id="24" fill="hold">
+                            <p:stCondLst>
+                              <p:cond delay="0"/>
+                            </p:stCondLst>
+                            <p:childTnLst>
+                              <p:par>
+                                <p:cTn id="25" presetID="1" presetClass="entr" presetSubtype="0" fill="hold" nodeType="clickEffect">
+                                  <p:stCondLst>
+                                    <p:cond delay="0"/>
+                                  </p:stCondLst>
+                                  <p:childTnLst>
+                                    <p:set>
+                                      <p:cBhvr>
+                                        <p:cTn id="26" dur="1" fill="hold">
+                                          <p:stCondLst>
+                                            <p:cond delay="0"/>
+                                          </p:stCondLst>
+                                        </p:cTn>
+                                        <p:tgtEl>
+                                          <p:spTgt spid="3">
+                                            <p:txEl>
+                                              <p:pRg st="8" end="8"/>
+                                            </p:txEl>
+                                          </p:spTgt>
+                                        </p:tgtEl>
+                                        <p:attrNameLst>
+                                          <p:attrName>style.visibility</p:attrName>
+                                        </p:attrNameLst>
+                                      </p:cBhvr>
+                                      <p:to>
+                                        <p:strVal val="visible"/>
+                                      </p:to>
+                                    </p:set>
+                                  </p:childTnLst>
+                                </p:cTn>
+                              </p:par>
+                            </p:childTnLst>
+                          </p:cTn>
+                        </p:par>
+                      </p:childTnLst>
+                    </p:cTn>
+                  </p:par>
+                </p:childTnLst>
+              </p:cTn>
+              <p:prevCondLst>
+                <p:cond evt="onPrev" delay="0">
+                  <p:tgtEl>
+                    <p:sldTgt/>
+                  </p:tgtEl>
+                </p:cond>
+              </p:prevCondLst>
+              <p:nextCondLst>
+                <p:cond evt="onNext" delay="0">
+                  <p:tgtEl>
+                    <p:sldTgt/>
+                  </p:tgtEl>
+                </p:cond>
+              </p:nextCondLst>
+            </p:seq>
+          </p:childTnLst>
+        </p:cTn>
+      </p:par>
+    </p:tnLst>
+  </p:timing>
+</p:sld>
+</file>
+
+<file path=ppt/slides/slide21.xml><?xml version="1.0" encoding="utf-8"?>
+<p:sld xmlns:a="http://schemas.openxmlformats.org/drawingml/2006/main" xmlns:r="http://schemas.openxmlformats.org/officeDocument/2006/relationships" xmlns:p="http://schemas.openxmlformats.org/presentationml/2006/main">
+  <p:cSld>
+    <p:spTree>
+      <p:nvGrpSpPr>
+        <p:cNvPr id="1" name=""/>
+        <p:cNvGrpSpPr/>
+        <p:nvPr/>
+      </p:nvGrpSpPr>
+      <p:grpSpPr>
+        <a:xfrm>
+          <a:off x="0" y="0"/>
+          <a:ext cx="0" cy="0"/>
+          <a:chOff x="0" y="0"/>
+          <a:chExt cx="0" cy="0"/>
+        </a:xfrm>
+      </p:grpSpPr>
+      <p:sp>
+        <p:nvSpPr>
+          <p:cNvPr id="2" name="Title 1">
+            <a:extLst>
+              <a:ext uri="{FF2B5EF4-FFF2-40B4-BE49-F238E27FC236}">
+                <a16:creationId xmlns:a16="http://schemas.microsoft.com/office/drawing/2014/main" id="{2CAD482E-9621-034B-B5B9-A2A3E3815EBF}"/>
+              </a:ext>
+            </a:extLst>
+          </p:cNvPr>
+          <p:cNvSpPr>
+            <a:spLocks noGrp="1"/>
+          </p:cNvSpPr>
+          <p:nvPr>
+            <p:ph type="title"/>
+          </p:nvPr>
+        </p:nvSpPr>
+        <p:spPr>
+          <a:xfrm>
+            <a:off x="220687" y="191729"/>
+            <a:ext cx="7886700" cy="680468"/>
+          </a:xfrm>
+        </p:spPr>
+        <p:txBody>
+          <a:bodyPr/>
+          <a:lstStyle/>
+          <a:p>
+            <a:r>
+              <a:rPr lang="en-US" dirty="0"/>
+              <a:t>Create Task Example</a:t>
+            </a:r>
+          </a:p>
+        </p:txBody>
+      </p:sp>
+      <p:sp>
+        <p:nvSpPr>
+          <p:cNvPr id="3" name="Content Placeholder 2">
+            <a:extLst>
+              <a:ext uri="{FF2B5EF4-FFF2-40B4-BE49-F238E27FC236}">
+                <a16:creationId xmlns:a16="http://schemas.microsoft.com/office/drawing/2014/main" id="{BE9CE75A-CAA3-5646-AB61-E94C601FF013}"/>
+              </a:ext>
+            </a:extLst>
+          </p:cNvPr>
+          <p:cNvSpPr>
+            <a:spLocks noGrp="1"/>
+          </p:cNvSpPr>
+          <p:nvPr>
+            <p:ph idx="1"/>
+          </p:nvPr>
+        </p:nvSpPr>
+        <p:spPr>
+          <a:xfrm>
+            <a:off x="220687" y="872197"/>
+            <a:ext cx="8501282" cy="4487593"/>
+          </a:xfrm>
+        </p:spPr>
+        <p:txBody>
+          <a:bodyPr/>
+          <a:lstStyle/>
+          <a:p>
+            <a:pPr marL="0" indent="0">
+              <a:buNone/>
+            </a:pPr>
+            <a:endParaRPr lang="en-US" dirty="0"/>
+          </a:p>
+          <a:p>
+            <a:pPr marL="0" indent="0">
+              <a:buNone/>
+            </a:pPr>
+            <a:r>
+              <a:rPr lang="en-US" dirty="0"/>
+              <a:t>Sample key:  YTNSHKVEFXRBAUQZCLWDMIPGJO</a:t>
+            </a:r>
+          </a:p>
+          <a:p>
+            <a:pPr marL="0" indent="0">
+              <a:buNone/>
+            </a:pPr>
+            <a:endParaRPr lang="en-US" dirty="0"/>
+          </a:p>
+          <a:p>
+            <a:pPr marL="0" indent="0">
+              <a:buNone/>
+            </a:pPr>
+            <a:r>
+              <a:rPr lang="en-US" dirty="0"/>
+              <a:t>If the plaintext is 'cat', the </a:t>
+            </a:r>
+            <a:r>
+              <a:rPr lang="en-US" dirty="0" err="1"/>
+              <a:t>cipertext</a:t>
+            </a:r>
+            <a:r>
+              <a:rPr lang="en-US" dirty="0"/>
+              <a:t> is '</a:t>
+            </a:r>
+            <a:r>
+              <a:rPr lang="en-US" dirty="0" err="1"/>
+              <a:t>nyd</a:t>
+            </a:r>
+            <a:r>
+              <a:rPr lang="en-US" dirty="0"/>
+              <a:t>'.</a:t>
+            </a:r>
+          </a:p>
+          <a:p>
+            <a:pPr marL="0" indent="0">
+              <a:buNone/>
+            </a:pPr>
+            <a:endParaRPr lang="en-US" dirty="0"/>
+          </a:p>
+          <a:p>
+            <a:pPr marL="0" indent="0">
+              <a:buNone/>
+            </a:pPr>
+            <a:r>
+              <a:rPr lang="en-US" dirty="0"/>
+              <a:t>If the plaintext is 'Cat', the </a:t>
+            </a:r>
+            <a:r>
+              <a:rPr lang="en-US" dirty="0" err="1"/>
+              <a:t>cipertext</a:t>
+            </a:r>
+            <a:r>
+              <a:rPr lang="en-US" dirty="0"/>
+              <a:t> is '</a:t>
+            </a:r>
+            <a:r>
+              <a:rPr lang="en-US" dirty="0" err="1"/>
+              <a:t>Nyd</a:t>
+            </a:r>
+            <a:r>
+              <a:rPr lang="en-US" dirty="0"/>
+              <a:t>'.</a:t>
+            </a:r>
+          </a:p>
+          <a:p>
+            <a:pPr marL="0" indent="0">
+              <a:buNone/>
+            </a:pPr>
+            <a:endParaRPr lang="en-US" dirty="0"/>
+          </a:p>
+          <a:p>
+            <a:pPr marL="0" indent="0">
+              <a:buNone/>
+            </a:pPr>
+            <a:r>
+              <a:rPr lang="en-US" dirty="0"/>
+              <a:t>If the plaintext is 'Cat123', the </a:t>
+            </a:r>
+            <a:r>
+              <a:rPr lang="en-US" dirty="0" err="1"/>
+              <a:t>cipertext</a:t>
+            </a:r>
+            <a:r>
+              <a:rPr lang="en-US" dirty="0"/>
+              <a:t> is 'Nyd123'.</a:t>
+            </a:r>
+          </a:p>
+          <a:p>
+            <a:pPr marL="0" indent="0">
+              <a:buNone/>
+            </a:pPr>
+            <a:endParaRPr lang="en-US" dirty="0"/>
+          </a:p>
+          <a:p>
+            <a:pPr marL="0" indent="0">
+              <a:buNone/>
+            </a:pPr>
+            <a:endParaRPr lang="en-US" dirty="0"/>
+          </a:p>
+          <a:p>
+            <a:pPr marL="0" indent="0">
+              <a:buNone/>
+            </a:pPr>
+            <a:endParaRPr lang="en-US" dirty="0"/>
+          </a:p>
+          <a:p>
+            <a:pPr marL="0" indent="0">
+              <a:buNone/>
+            </a:pPr>
+            <a:endParaRPr lang="en-US" dirty="0"/>
+          </a:p>
+          <a:p>
+            <a:pPr marL="0" indent="0">
+              <a:buNone/>
+            </a:pPr>
+            <a:endParaRPr lang="en-US" dirty="0"/>
+          </a:p>
+        </p:txBody>
+      </p:sp>
+    </p:spTree>
+    <p:extLst>
+      <p:ext uri="{BB962C8B-B14F-4D97-AF65-F5344CB8AC3E}">
+        <p14:creationId xmlns:p14="http://schemas.microsoft.com/office/powerpoint/2010/main" val="472026148"/>
+      </p:ext>
+    </p:extLst>
+  </p:cSld>
+  <p:clrMapOvr>
+    <a:masterClrMapping/>
+  </p:clrMapOvr>
+  <p:timing>
+    <p:tnLst>
+      <p:par>
+        <p:cTn id="1" dur="indefinite" restart="never" nodeType="tmRoot">
+          <p:childTnLst>
+            <p:seq concurrent="1" nextAc="seek">
+              <p:cTn id="2" dur="indefinite" nodeType="mainSeq">
+                <p:childTnLst>
+                  <p:par>
+                    <p:cTn id="3" fill="hold">
+                      <p:stCondLst>
+                        <p:cond delay="indefinite"/>
+                      </p:stCondLst>
+                      <p:childTnLst>
+                        <p:par>
+                          <p:cTn id="4" fill="hold">
+                            <p:stCondLst>
+                              <p:cond delay="0"/>
+                            </p:stCondLst>
+                            <p:childTnLst>
+                              <p:par>
+                                <p:cTn id="5" presetID="1" presetClass="entr" presetSubtype="0" fill="hold" nodeType="clickEffect">
+                                  <p:stCondLst>
+                                    <p:cond delay="0"/>
+                                  </p:stCondLst>
+                                  <p:childTnLst>
+                                    <p:set>
+                                      <p:cBhvr>
+                                        <p:cTn id="6" dur="1" fill="hold">
+                                          <p:stCondLst>
+                                            <p:cond delay="0"/>
+                                          </p:stCondLst>
+                                        </p:cTn>
+                                        <p:tgtEl>
+                                          <p:spTgt spid="3">
+                                            <p:txEl>
+                                              <p:pRg st="3" end="3"/>
+                                            </p:txEl>
+                                          </p:spTgt>
+                                        </p:tgtEl>
+                                        <p:attrNameLst>
+                                          <p:attrName>style.visibility</p:attrName>
+                                        </p:attrNameLst>
+                                      </p:cBhvr>
+                                      <p:to>
+                                        <p:strVal val="visible"/>
+                                      </p:to>
+                                    </p:set>
+                                  </p:childTnLst>
+                                </p:cTn>
+                              </p:par>
+                            </p:childTnLst>
+                          </p:cTn>
+                        </p:par>
+                      </p:childTnLst>
+                    </p:cTn>
+                  </p:par>
+                  <p:par>
+                    <p:cTn id="7" fill="hold">
+                      <p:stCondLst>
+                        <p:cond delay="indefinite"/>
+                      </p:stCondLst>
+                      <p:childTnLst>
+                        <p:par>
+                          <p:cTn id="8" fill="hold">
+                            <p:stCondLst>
+                              <p:cond delay="0"/>
+                            </p:stCondLst>
+                            <p:childTnLst>
+                              <p:par>
+                                <p:cTn id="9" presetID="1" presetClass="entr" presetSubtype="0" fill="hold" nodeType="clickEffect">
+                                  <p:stCondLst>
+                                    <p:cond delay="0"/>
+                                  </p:stCondLst>
+                                  <p:childTnLst>
+                                    <p:set>
+                                      <p:cBhvr>
+                                        <p:cTn id="10" dur="1" fill="hold">
+                                          <p:stCondLst>
+                                            <p:cond delay="0"/>
+                                          </p:stCondLst>
+                                        </p:cTn>
+                                        <p:tgtEl>
+                                          <p:spTgt spid="3">
+                                            <p:txEl>
+                                              <p:pRg st="5" end="5"/>
+                                            </p:txEl>
+                                          </p:spTgt>
+                                        </p:tgtEl>
+                                        <p:attrNameLst>
+                                          <p:attrName>style.visibility</p:attrName>
+                                        </p:attrNameLst>
+                                      </p:cBhvr>
+                                      <p:to>
+                                        <p:strVal val="visible"/>
+                                      </p:to>
+                                    </p:set>
+                                  </p:childTnLst>
+                                </p:cTn>
+                              </p:par>
+                            </p:childTnLst>
+                          </p:cTn>
+                        </p:par>
+                      </p:childTnLst>
+                    </p:cTn>
+                  </p:par>
+                  <p:par>
+                    <p:cTn id="11" fill="hold">
+                      <p:stCondLst>
+                        <p:cond delay="indefinite"/>
+                      </p:stCondLst>
+                      <p:childTnLst>
+                        <p:par>
+                          <p:cTn id="12" fill="hold">
+                            <p:stCondLst>
+                              <p:cond delay="0"/>
+                            </p:stCondLst>
+                            <p:childTnLst>
+                              <p:par>
+                                <p:cTn id="13" presetID="1" presetClass="entr" presetSubtype="0" fill="hold" nodeType="clickEffect">
+                                  <p:stCondLst>
+                                    <p:cond delay="0"/>
+                                  </p:stCondLst>
+                                  <p:childTnLst>
+                                    <p:set>
+                                      <p:cBhvr>
+                                        <p:cTn id="14" dur="1" fill="hold">
+                                          <p:stCondLst>
+                                            <p:cond delay="0"/>
+                                          </p:stCondLst>
+                                        </p:cTn>
+                                        <p:tgtEl>
+                                          <p:spTgt spid="3">
+                                            <p:txEl>
+                                              <p:pRg st="7" end="7"/>
+                                            </p:txEl>
+                                          </p:spTgt>
+                                        </p:tgtEl>
+                                        <p:attrNameLst>
+                                          <p:attrName>style.visibility</p:attrName>
+                                        </p:attrNameLst>
+                                      </p:cBhvr>
+                                      <p:to>
+                                        <p:strVal val="visible"/>
+                                      </p:to>
+                                    </p:set>
+                                  </p:childTnLst>
+                                </p:cTn>
+                              </p:par>
+                            </p:childTnLst>
+                          </p:cTn>
+                        </p:par>
+                      </p:childTnLst>
+                    </p:cTn>
+                  </p:par>
+                </p:childTnLst>
+              </p:cTn>
+              <p:prevCondLst>
+                <p:cond evt="onPrev" delay="0">
+                  <p:tgtEl>
+                    <p:sldTgt/>
+                  </p:tgtEl>
+                </p:cond>
+              </p:prevCondLst>
+              <p:nextCondLst>
+                <p:cond evt="onNext" delay="0">
+                  <p:tgtEl>
+                    <p:sldTgt/>
+                  </p:tgtEl>
+                </p:cond>
+              </p:nextCondLst>
+            </p:seq>
+          </p:childTnLst>
+        </p:cTn>
+      </p:par>
+    </p:tnLst>
+  </p:timing>
+</p:sld>
+</file>
+
+<file path=ppt/slides/slide22.xml><?xml version="1.0" encoding="utf-8"?>
+<p:sld xmlns:a="http://schemas.openxmlformats.org/drawingml/2006/main" xmlns:r="http://schemas.openxmlformats.org/officeDocument/2006/relationships" xmlns:p="http://schemas.openxmlformats.org/presentationml/2006/main">
+  <p:cSld>
+    <p:spTree>
+      <p:nvGrpSpPr>
+        <p:cNvPr id="1" name=""/>
+        <p:cNvGrpSpPr/>
+        <p:nvPr/>
+      </p:nvGrpSpPr>
+      <p:grpSpPr>
+        <a:xfrm>
+          <a:off x="0" y="0"/>
+          <a:ext cx="0" cy="0"/>
+          <a:chOff x="0" y="0"/>
+          <a:chExt cx="0" cy="0"/>
+        </a:xfrm>
+      </p:grpSpPr>
+      <p:sp>
+        <p:nvSpPr>
+          <p:cNvPr id="2" name="Title 1">
+            <a:extLst>
+              <a:ext uri="{FF2B5EF4-FFF2-40B4-BE49-F238E27FC236}">
+                <a16:creationId xmlns:a16="http://schemas.microsoft.com/office/drawing/2014/main" id="{2CAD482E-9621-034B-B5B9-A2A3E3815EBF}"/>
+              </a:ext>
+            </a:extLst>
+          </p:cNvPr>
+          <p:cNvSpPr>
+            <a:spLocks noGrp="1"/>
+          </p:cNvSpPr>
+          <p:nvPr>
+            <p:ph type="title"/>
+          </p:nvPr>
+        </p:nvSpPr>
+        <p:spPr>
+          <a:xfrm>
+            <a:off x="220687" y="191729"/>
+            <a:ext cx="7886700" cy="680468"/>
+          </a:xfrm>
+        </p:spPr>
+        <p:txBody>
+          <a:bodyPr/>
+          <a:lstStyle/>
+          <a:p>
+            <a:r>
+              <a:rPr lang="en-US" dirty="0"/>
+              <a:t>Create Task Example</a:t>
+            </a:r>
+          </a:p>
+        </p:txBody>
+      </p:sp>
+      <p:sp>
+        <p:nvSpPr>
+          <p:cNvPr id="3" name="Content Placeholder 2">
+            <a:extLst>
+              <a:ext uri="{FF2B5EF4-FFF2-40B4-BE49-F238E27FC236}">
+                <a16:creationId xmlns:a16="http://schemas.microsoft.com/office/drawing/2014/main" id="{BE9CE75A-CAA3-5646-AB61-E94C601FF013}"/>
+              </a:ext>
+            </a:extLst>
+          </p:cNvPr>
+          <p:cNvSpPr>
+            <a:spLocks noGrp="1"/>
+          </p:cNvSpPr>
+          <p:nvPr>
+            <p:ph idx="1"/>
+          </p:nvPr>
+        </p:nvSpPr>
+        <p:spPr>
+          <a:xfrm>
+            <a:off x="220687" y="872197"/>
+            <a:ext cx="8501282" cy="4487593"/>
+          </a:xfrm>
+        </p:spPr>
+        <p:txBody>
+          <a:bodyPr/>
+          <a:lstStyle/>
+          <a:p>
+            <a:pPr marL="0" indent="0">
+              <a:buNone/>
+            </a:pPr>
+            <a:r>
+              <a:rPr lang="en-US" dirty="0"/>
+              <a:t>Some preliminaries:</a:t>
+            </a:r>
+          </a:p>
+          <a:p>
+            <a:pPr marL="0" indent="0">
+              <a:buNone/>
+            </a:pPr>
+            <a:endParaRPr lang="en-US" dirty="0"/>
+          </a:p>
+          <a:p>
+            <a:pPr marL="0" indent="0">
+              <a:buNone/>
+            </a:pPr>
+            <a:r>
+              <a:rPr lang="en-US" dirty="0" err="1"/>
+              <a:t>ord</a:t>
+            </a:r>
+            <a:r>
+              <a:rPr lang="en-US" dirty="0"/>
+              <a:t>() converts a single Unicode character to its integer code point.</a:t>
+            </a:r>
+            <a:endParaRPr lang="en-US" sz="2000" b="1" dirty="0">
+              <a:solidFill>
+                <a:srgbClr val="000087"/>
+              </a:solidFill>
+              <a:latin typeface="Inconsolata" panose="020B0609030003000000" pitchFamily="49" charset="77"/>
+            </a:endParaRPr>
+          </a:p>
+          <a:p>
+            <a:pPr marL="0" indent="0">
+              <a:buNone/>
+            </a:pPr>
+            <a:endParaRPr lang="en-US" sz="2000" b="1" dirty="0">
+              <a:solidFill>
+                <a:srgbClr val="000087"/>
+              </a:solidFill>
+              <a:latin typeface="Inconsolata" panose="020B0609030003000000" pitchFamily="49" charset="77"/>
+            </a:endParaRPr>
+          </a:p>
+          <a:p>
+            <a:pPr marL="0" indent="0">
+              <a:buNone/>
+            </a:pPr>
+            <a:r>
+              <a:rPr lang="en-US" sz="2000" b="1" dirty="0">
+                <a:solidFill>
+                  <a:srgbClr val="000087"/>
+                </a:solidFill>
+                <a:latin typeface="Inconsolata" panose="020B0609030003000000" pitchFamily="49" charset="77"/>
+              </a:rPr>
+              <a:t>In </a:t>
+            </a:r>
+            <a:r>
+              <a:rPr lang="en-US" sz="2000" b="1" dirty="0">
+                <a:latin typeface="Inconsolata" panose="020B0609030003000000" pitchFamily="49" charset="77"/>
+              </a:rPr>
+              <a:t>[</a:t>
+            </a:r>
+            <a:r>
+              <a:rPr lang="en-US" sz="2000" b="1" dirty="0">
+                <a:solidFill>
+                  <a:srgbClr val="FF6600"/>
+                </a:solidFill>
+                <a:latin typeface="Inconsolata" panose="020B0609030003000000" pitchFamily="49" charset="77"/>
+              </a:rPr>
+              <a:t>1</a:t>
+            </a:r>
+            <a:r>
+              <a:rPr lang="en-US" sz="2000" b="1" dirty="0">
+                <a:latin typeface="Inconsolata" panose="020B0609030003000000" pitchFamily="49" charset="77"/>
+              </a:rPr>
+              <a:t>]: </a:t>
+            </a:r>
+            <a:r>
+              <a:rPr lang="en-US" sz="2000" dirty="0" err="1">
+                <a:solidFill>
+                  <a:srgbClr val="204A87"/>
+                </a:solidFill>
+              </a:rPr>
+              <a:t>ord</a:t>
+            </a:r>
+            <a:r>
+              <a:rPr lang="en-US" sz="2000" dirty="0">
+                <a:solidFill>
+                  <a:srgbClr val="000000"/>
+                </a:solidFill>
+              </a:rPr>
+              <a:t>('A</a:t>
+            </a:r>
+            <a:r>
+              <a:rPr lang="en-US" sz="2000" b="1" dirty="0"/>
+              <a:t>'</a:t>
+            </a:r>
+            <a:r>
+              <a:rPr lang="en-US" sz="2000" dirty="0">
+                <a:solidFill>
+                  <a:srgbClr val="000000"/>
+                </a:solidFill>
+              </a:rPr>
+              <a:t>)</a:t>
+            </a:r>
+          </a:p>
+          <a:p>
+            <a:pPr marL="0" indent="0">
+              <a:buNone/>
+            </a:pPr>
+            <a:r>
+              <a:rPr lang="en-US" sz="2000" b="1" dirty="0">
+                <a:latin typeface="Inconsolata" panose="020B0609030003000000" pitchFamily="49" charset="77"/>
+              </a:rPr>
+              <a:t>Out [1]: 65</a:t>
+            </a:r>
+            <a:endParaRPr lang="en-US" sz="2000" b="1" dirty="0">
+              <a:solidFill>
+                <a:srgbClr val="000000"/>
+              </a:solidFill>
+              <a:latin typeface="Inconsolata" panose="020B0609030003000000" pitchFamily="49" charset="77"/>
+            </a:endParaRPr>
+          </a:p>
+          <a:p>
+            <a:pPr marL="0" indent="0">
+              <a:buNone/>
+            </a:pPr>
+            <a:r>
+              <a:rPr lang="en-US" sz="2000" b="1" dirty="0">
+                <a:solidFill>
+                  <a:srgbClr val="000087"/>
+                </a:solidFill>
+                <a:latin typeface="Inconsolata" panose="020B0609030003000000" pitchFamily="49" charset="77"/>
+              </a:rPr>
+              <a:t>In </a:t>
+            </a:r>
+            <a:r>
+              <a:rPr lang="en-US" sz="2000" b="1" dirty="0">
+                <a:latin typeface="Inconsolata" panose="020B0609030003000000" pitchFamily="49" charset="77"/>
+              </a:rPr>
+              <a:t>[</a:t>
+            </a:r>
+            <a:r>
+              <a:rPr lang="en-US" sz="2000" b="1" dirty="0">
+                <a:solidFill>
+                  <a:srgbClr val="FF6600"/>
+                </a:solidFill>
+                <a:latin typeface="Inconsolata" panose="020B0609030003000000" pitchFamily="49" charset="77"/>
+              </a:rPr>
+              <a:t>2</a:t>
+            </a:r>
+            <a:r>
+              <a:rPr lang="en-US" sz="2000" b="1" dirty="0">
+                <a:latin typeface="Inconsolata" panose="020B0609030003000000" pitchFamily="49" charset="77"/>
+              </a:rPr>
+              <a:t>]: </a:t>
+            </a:r>
+            <a:r>
+              <a:rPr lang="en-US" sz="2000" dirty="0" err="1">
+                <a:solidFill>
+                  <a:srgbClr val="204A87"/>
+                </a:solidFill>
+              </a:rPr>
+              <a:t>ord</a:t>
+            </a:r>
+            <a:r>
+              <a:rPr lang="en-US" sz="2000" dirty="0">
+                <a:solidFill>
+                  <a:srgbClr val="000000"/>
+                </a:solidFill>
+              </a:rPr>
+              <a:t>('a</a:t>
+            </a:r>
+            <a:r>
+              <a:rPr lang="en-US" sz="2000" b="1" dirty="0"/>
+              <a:t>'</a:t>
+            </a:r>
+            <a:r>
+              <a:rPr lang="en-US" sz="2000" dirty="0">
+                <a:solidFill>
+                  <a:srgbClr val="000000"/>
+                </a:solidFill>
+              </a:rPr>
+              <a:t>)</a:t>
+            </a:r>
+          </a:p>
+          <a:p>
+            <a:pPr marL="0" indent="0">
+              <a:buNone/>
+            </a:pPr>
+            <a:r>
+              <a:rPr lang="en-US" sz="2000" b="1" dirty="0">
+                <a:latin typeface="Inconsolata" panose="020B0609030003000000" pitchFamily="49" charset="77"/>
+              </a:rPr>
+              <a:t>Out [2]: 97</a:t>
+            </a:r>
+            <a:endParaRPr lang="en-US" sz="2000" b="1" dirty="0">
+              <a:solidFill>
+                <a:srgbClr val="000000"/>
+              </a:solidFill>
+              <a:latin typeface="Inconsolata" panose="020B0609030003000000" pitchFamily="49" charset="77"/>
+            </a:endParaRPr>
+          </a:p>
+          <a:p>
+            <a:pPr marL="0" indent="0">
+              <a:buNone/>
+            </a:pPr>
+            <a:r>
+              <a:rPr lang="en-US" sz="2000" b="1" dirty="0">
+                <a:solidFill>
+                  <a:srgbClr val="000087"/>
+                </a:solidFill>
+                <a:latin typeface="Inconsolata" panose="020B0609030003000000" pitchFamily="49" charset="77"/>
+              </a:rPr>
+              <a:t>In </a:t>
+            </a:r>
+            <a:r>
+              <a:rPr lang="en-US" sz="2000" b="1" dirty="0">
+                <a:latin typeface="Inconsolata" panose="020B0609030003000000" pitchFamily="49" charset="77"/>
+              </a:rPr>
+              <a:t>[</a:t>
+            </a:r>
+            <a:r>
+              <a:rPr lang="en-US" sz="2000" b="1" dirty="0">
+                <a:solidFill>
+                  <a:srgbClr val="FF6600"/>
+                </a:solidFill>
+                <a:latin typeface="Inconsolata" panose="020B0609030003000000" pitchFamily="49" charset="77"/>
+              </a:rPr>
+              <a:t>2</a:t>
+            </a:r>
+            <a:r>
+              <a:rPr lang="en-US" sz="2000" b="1" dirty="0">
+                <a:latin typeface="Inconsolata" panose="020B0609030003000000" pitchFamily="49" charset="77"/>
+              </a:rPr>
+              <a:t>]: </a:t>
+            </a:r>
+            <a:r>
+              <a:rPr lang="en-US" sz="2000" dirty="0" err="1">
+                <a:solidFill>
+                  <a:srgbClr val="204A87"/>
+                </a:solidFill>
+              </a:rPr>
+              <a:t>ord</a:t>
+            </a:r>
+            <a:r>
+              <a:rPr lang="en-US" sz="2000" dirty="0">
+                <a:solidFill>
+                  <a:srgbClr val="000000"/>
+                </a:solidFill>
+              </a:rPr>
+              <a:t>('</a:t>
+            </a:r>
+            <a:r>
+              <a:rPr lang="en-US" sz="2000" b="1" dirty="0"/>
+              <a:t>😀'</a:t>
+            </a:r>
+            <a:r>
+              <a:rPr lang="en-US" sz="2000" dirty="0">
+                <a:solidFill>
+                  <a:srgbClr val="000000"/>
+                </a:solidFill>
+              </a:rPr>
+              <a:t>)</a:t>
+            </a:r>
+          </a:p>
+          <a:p>
+            <a:pPr marL="0" indent="0">
+              <a:buNone/>
+            </a:pPr>
+            <a:r>
+              <a:rPr lang="en-US" sz="2000" b="1" dirty="0">
+                <a:latin typeface="Inconsolata" panose="020B0609030003000000" pitchFamily="49" charset="77"/>
+              </a:rPr>
+              <a:t>Out [2]: 128512</a:t>
+            </a:r>
+            <a:endParaRPr lang="en-US" sz="2000" b="1" dirty="0">
+              <a:solidFill>
+                <a:srgbClr val="000000"/>
+              </a:solidFill>
+              <a:latin typeface="Inconsolata" panose="020B0609030003000000" pitchFamily="49" charset="77"/>
+            </a:endParaRPr>
+          </a:p>
+          <a:p>
+            <a:pPr marL="0" indent="0">
+              <a:buNone/>
+            </a:pPr>
+            <a:endParaRPr lang="en-US" sz="2000" dirty="0"/>
+          </a:p>
+          <a:p>
+            <a:pPr marL="0" indent="0">
+              <a:buNone/>
+            </a:pPr>
+            <a:endParaRPr lang="en-US" dirty="0"/>
+          </a:p>
+          <a:p>
+            <a:pPr marL="0" indent="0">
+              <a:buNone/>
+            </a:pPr>
+            <a:endParaRPr lang="en-US" dirty="0"/>
+          </a:p>
+          <a:p>
+            <a:pPr marL="0" indent="0">
+              <a:buNone/>
+            </a:pPr>
+            <a:endParaRPr lang="en-US" dirty="0"/>
+          </a:p>
+        </p:txBody>
+      </p:sp>
+    </p:spTree>
+    <p:extLst>
+      <p:ext uri="{BB962C8B-B14F-4D97-AF65-F5344CB8AC3E}">
+        <p14:creationId xmlns:p14="http://schemas.microsoft.com/office/powerpoint/2010/main" val="1886395027"/>
+      </p:ext>
+    </p:extLst>
+  </p:cSld>
+  <p:clrMapOvr>
+    <a:masterClrMapping/>
+  </p:clrMapOvr>
+  <p:timing>
+    <p:tnLst>
+      <p:par>
+        <p:cTn id="1" dur="indefinite" restart="never" nodeType="tmRoot">
+          <p:childTnLst>
+            <p:seq concurrent="1" nextAc="seek">
+              <p:cTn id="2" dur="indefinite" nodeType="mainSeq">
+                <p:childTnLst>
+                  <p:par>
+                    <p:cTn id="3" fill="hold">
+                      <p:stCondLst>
+                        <p:cond delay="indefinite"/>
+                      </p:stCondLst>
+                      <p:childTnLst>
+                        <p:par>
+                          <p:cTn id="4" fill="hold">
+                            <p:stCondLst>
+                              <p:cond delay="0"/>
+                            </p:stCondLst>
+                            <p:childTnLst>
+                              <p:par>
+                                <p:cTn id="5" presetID="1" presetClass="entr" presetSubtype="0" fill="hold" nodeType="clickEffect">
+                                  <p:stCondLst>
+                                    <p:cond delay="0"/>
+                                  </p:stCondLst>
+                                  <p:childTnLst>
+                                    <p:set>
+                                      <p:cBhvr>
+                                        <p:cTn id="6" dur="1" fill="hold">
+                                          <p:stCondLst>
+                                            <p:cond delay="0"/>
+                                          </p:stCondLst>
+                                        </p:cTn>
+                                        <p:tgtEl>
+                                          <p:spTgt spid="3">
+                                            <p:txEl>
+                                              <p:pRg st="5" end="5"/>
+                                            </p:txEl>
+                                          </p:spTgt>
+                                        </p:tgtEl>
+                                        <p:attrNameLst>
+                                          <p:attrName>style.visibility</p:attrName>
+                                        </p:attrNameLst>
+                                      </p:cBhvr>
+                                      <p:to>
+                                        <p:strVal val="visible"/>
+                                      </p:to>
+                                    </p:set>
+                                  </p:childTnLst>
+                                </p:cTn>
+                              </p:par>
+                            </p:childTnLst>
+                          </p:cTn>
+                        </p:par>
+                      </p:childTnLst>
+                    </p:cTn>
+                  </p:par>
+                  <p:par>
+                    <p:cTn id="7" fill="hold">
+                      <p:stCondLst>
+                        <p:cond delay="indefinite"/>
+                      </p:stCondLst>
+                      <p:childTnLst>
+                        <p:par>
+                          <p:cTn id="8" fill="hold">
+                            <p:stCondLst>
+                              <p:cond delay="0"/>
+                            </p:stCondLst>
+                            <p:childTnLst>
+                              <p:par>
+                                <p:cTn id="9" presetID="1" presetClass="entr" presetSubtype="0" fill="hold" nodeType="clickEffect">
+                                  <p:stCondLst>
+                                    <p:cond delay="0"/>
+                                  </p:stCondLst>
+                                  <p:childTnLst>
+                                    <p:set>
+                                      <p:cBhvr>
+                                        <p:cTn id="10" dur="1" fill="hold">
+                                          <p:stCondLst>
+                                            <p:cond delay="0"/>
+                                          </p:stCondLst>
+                                        </p:cTn>
+                                        <p:tgtEl>
+                                          <p:spTgt spid="3">
+                                            <p:txEl>
+                                              <p:pRg st="6" end="6"/>
+                                            </p:txEl>
+                                          </p:spTgt>
+                                        </p:tgtEl>
+                                        <p:attrNameLst>
+                                          <p:attrName>style.visibility</p:attrName>
+                                        </p:attrNameLst>
+                                      </p:cBhvr>
+                                      <p:to>
+                                        <p:strVal val="visible"/>
+                                      </p:to>
+                                    </p:set>
+                                  </p:childTnLst>
+                                </p:cTn>
+                              </p:par>
+                            </p:childTnLst>
+                          </p:cTn>
+                        </p:par>
+                      </p:childTnLst>
+                    </p:cTn>
+                  </p:par>
+                  <p:par>
+                    <p:cTn id="11" fill="hold">
+                      <p:stCondLst>
+                        <p:cond delay="indefinite"/>
+                      </p:stCondLst>
+                      <p:childTnLst>
+                        <p:par>
+                          <p:cTn id="12" fill="hold">
+                            <p:stCondLst>
+                              <p:cond delay="0"/>
+                            </p:stCondLst>
+                            <p:childTnLst>
+                              <p:par>
+                                <p:cTn id="13" presetID="1" presetClass="entr" presetSubtype="0" fill="hold" nodeType="clickEffect">
+                                  <p:stCondLst>
+                                    <p:cond delay="0"/>
+                                  </p:stCondLst>
+                                  <p:childTnLst>
+                                    <p:set>
+                                      <p:cBhvr>
+                                        <p:cTn id="14" dur="1" fill="hold">
+                                          <p:stCondLst>
+                                            <p:cond delay="0"/>
+                                          </p:stCondLst>
+                                        </p:cTn>
+                                        <p:tgtEl>
+                                          <p:spTgt spid="3">
+                                            <p:txEl>
+                                              <p:pRg st="7" end="7"/>
+                                            </p:txEl>
+                                          </p:spTgt>
+                                        </p:tgtEl>
+                                        <p:attrNameLst>
+                                          <p:attrName>style.visibility</p:attrName>
+                                        </p:attrNameLst>
+                                      </p:cBhvr>
+                                      <p:to>
+                                        <p:strVal val="visible"/>
+                                      </p:to>
+                                    </p:set>
+                                  </p:childTnLst>
+                                </p:cTn>
+                              </p:par>
+                            </p:childTnLst>
+                          </p:cTn>
+                        </p:par>
+                      </p:childTnLst>
+                    </p:cTn>
+                  </p:par>
+                  <p:par>
+                    <p:cTn id="15" fill="hold">
+                      <p:stCondLst>
+                        <p:cond delay="indefinite"/>
+                      </p:stCondLst>
+                      <p:childTnLst>
+                        <p:par>
+                          <p:cTn id="16" fill="hold">
+                            <p:stCondLst>
+                              <p:cond delay="0"/>
+                            </p:stCondLst>
+                            <p:childTnLst>
+                              <p:par>
+                                <p:cTn id="17" presetID="1" presetClass="entr" presetSubtype="0" fill="hold" nodeType="clickEffect">
+                                  <p:stCondLst>
+                                    <p:cond delay="0"/>
+                                  </p:stCondLst>
+                                  <p:childTnLst>
+                                    <p:set>
+                                      <p:cBhvr>
+                                        <p:cTn id="18" dur="1" fill="hold">
+                                          <p:stCondLst>
+                                            <p:cond delay="0"/>
+                                          </p:stCondLst>
+                                        </p:cTn>
+                                        <p:tgtEl>
+                                          <p:spTgt spid="3">
+                                            <p:txEl>
+                                              <p:pRg st="8" end="8"/>
+                                            </p:txEl>
+                                          </p:spTgt>
+                                        </p:tgtEl>
+                                        <p:attrNameLst>
+                                          <p:attrName>style.visibility</p:attrName>
+                                        </p:attrNameLst>
+                                      </p:cBhvr>
+                                      <p:to>
+                                        <p:strVal val="visible"/>
+                                      </p:to>
+                                    </p:set>
+                                  </p:childTnLst>
+                                </p:cTn>
+                              </p:par>
+                              <p:par>
+                                <p:cTn id="19" presetID="1" presetClass="entr" presetSubtype="0" fill="hold" nodeType="withEffect">
+                                  <p:stCondLst>
+                                    <p:cond delay="0"/>
+                                  </p:stCondLst>
+                                  <p:childTnLst>
+                                    <p:set>
+                                      <p:cBhvr>
+                                        <p:cTn id="20" dur="1" fill="hold">
+                                          <p:stCondLst>
+                                            <p:cond delay="0"/>
+                                          </p:stCondLst>
+                                        </p:cTn>
+                                        <p:tgtEl>
+                                          <p:spTgt spid="3">
+                                            <p:txEl>
+                                              <p:pRg st="9" end="9"/>
+                                            </p:txEl>
+                                          </p:spTgt>
+                                        </p:tgtEl>
+                                        <p:attrNameLst>
+                                          <p:attrName>style.visibility</p:attrName>
+                                        </p:attrNameLst>
+                                      </p:cBhvr>
+                                      <p:to>
+                                        <p:strVal val="visible"/>
+                                      </p:to>
+                                    </p:set>
+                                  </p:childTnLst>
+                                </p:cTn>
+                              </p:par>
+                            </p:childTnLst>
+                          </p:cTn>
+                        </p:par>
+                      </p:childTnLst>
+                    </p:cTn>
+                  </p:par>
+                </p:childTnLst>
+              </p:cTn>
+              <p:prevCondLst>
+                <p:cond evt="onPrev" delay="0">
+                  <p:tgtEl>
+                    <p:sldTgt/>
+                  </p:tgtEl>
+                </p:cond>
+              </p:prevCondLst>
+              <p:nextCondLst>
+                <p:cond evt="onNext" delay="0">
+                  <p:tgtEl>
+                    <p:sldTgt/>
+                  </p:tgtEl>
+                </p:cond>
+              </p:nextCondLst>
+            </p:seq>
+          </p:childTnLst>
+        </p:cTn>
+      </p:par>
+    </p:tnLst>
+  </p:timing>
+</p:sld>
+</file>
+
+<file path=ppt/slides/slide23.xml><?xml version="1.0" encoding="utf-8"?>
+<p:sld xmlns:a="http://schemas.openxmlformats.org/drawingml/2006/main" xmlns:r="http://schemas.openxmlformats.org/officeDocument/2006/relationships" xmlns:p="http://schemas.openxmlformats.org/presentationml/2006/main">
+  <p:cSld>
+    <p:spTree>
+      <p:nvGrpSpPr>
+        <p:cNvPr id="1" name=""/>
+        <p:cNvGrpSpPr/>
+        <p:nvPr/>
+      </p:nvGrpSpPr>
+      <p:grpSpPr>
+        <a:xfrm>
+          <a:off x="0" y="0"/>
+          <a:ext cx="0" cy="0"/>
+          <a:chOff x="0" y="0"/>
+          <a:chExt cx="0" cy="0"/>
+        </a:xfrm>
+      </p:grpSpPr>
+      <p:sp>
+        <p:nvSpPr>
+          <p:cNvPr id="2" name="Title 1">
+            <a:extLst>
+              <a:ext uri="{FF2B5EF4-FFF2-40B4-BE49-F238E27FC236}">
+                <a16:creationId xmlns:a16="http://schemas.microsoft.com/office/drawing/2014/main" id="{2CAD482E-9621-034B-B5B9-A2A3E3815EBF}"/>
+              </a:ext>
+            </a:extLst>
+          </p:cNvPr>
+          <p:cNvSpPr>
+            <a:spLocks noGrp="1"/>
+          </p:cNvSpPr>
+          <p:nvPr>
+            <p:ph type="title"/>
+          </p:nvPr>
+        </p:nvSpPr>
+        <p:spPr>
+          <a:xfrm>
+            <a:off x="220687" y="191729"/>
+            <a:ext cx="7886700" cy="680468"/>
+          </a:xfrm>
+        </p:spPr>
+        <p:txBody>
+          <a:bodyPr/>
+          <a:lstStyle/>
+          <a:p>
+            <a:r>
+              <a:rPr lang="en-US" dirty="0"/>
+              <a:t>Create Task Example</a:t>
+            </a:r>
+          </a:p>
+        </p:txBody>
+      </p:sp>
+      <p:sp>
+        <p:nvSpPr>
+          <p:cNvPr id="3" name="Content Placeholder 2">
+            <a:extLst>
+              <a:ext uri="{FF2B5EF4-FFF2-40B4-BE49-F238E27FC236}">
+                <a16:creationId xmlns:a16="http://schemas.microsoft.com/office/drawing/2014/main" id="{BE9CE75A-CAA3-5646-AB61-E94C601FF013}"/>
+              </a:ext>
+            </a:extLst>
+          </p:cNvPr>
+          <p:cNvSpPr>
+            <a:spLocks noGrp="1"/>
+          </p:cNvSpPr>
+          <p:nvPr>
+            <p:ph idx="1"/>
+          </p:nvPr>
+        </p:nvSpPr>
+        <p:spPr>
+          <a:xfrm>
+            <a:off x="220687" y="872197"/>
+            <a:ext cx="8501282" cy="4487593"/>
+          </a:xfrm>
+        </p:spPr>
+        <p:txBody>
+          <a:bodyPr/>
+          <a:lstStyle/>
+          <a:p>
+            <a:pPr marL="0" indent="0">
+              <a:buNone/>
+            </a:pPr>
+            <a:endParaRPr lang="en-US" dirty="0"/>
+          </a:p>
+          <a:p>
+            <a:pPr marL="0" indent="0">
+              <a:buNone/>
+            </a:pPr>
+            <a:endParaRPr lang="en-US" dirty="0"/>
+          </a:p>
+          <a:p>
+            <a:pPr marL="0" indent="0">
+              <a:buNone/>
+            </a:pPr>
+            <a:r>
+              <a:rPr lang="en-US" sz="2000" b="1" dirty="0">
+                <a:latin typeface="INCONSOLATA" panose="020B0609030003000000" pitchFamily="49" charset="77"/>
+              </a:rPr>
+              <a:t>key = "YTNSHKVEFXRBAUQZCLWDMIPGJO"</a:t>
+            </a:r>
+          </a:p>
+          <a:p>
+            <a:pPr marL="0" indent="0">
+              <a:buNone/>
+            </a:pPr>
+            <a:r>
+              <a:rPr lang="en-US" b="1" dirty="0">
+                <a:latin typeface="INCONSOLATA" panose="020B0609030003000000" pitchFamily="49" charset="77"/>
+              </a:rPr>
+              <a:t>letter = 's'</a:t>
+            </a:r>
+          </a:p>
+          <a:p>
+            <a:pPr marL="0" indent="0">
+              <a:buNone/>
+            </a:pPr>
+            <a:r>
+              <a:rPr lang="en-US" b="1" dirty="0">
+                <a:latin typeface="INCONSOLATA" panose="020B0609030003000000" pitchFamily="49" charset="77"/>
+              </a:rPr>
+              <a:t>index = </a:t>
+            </a:r>
+            <a:r>
+              <a:rPr lang="en-US" b="1" dirty="0" err="1">
+                <a:latin typeface="INCONSOLATA" panose="020B0609030003000000" pitchFamily="49" charset="77"/>
+              </a:rPr>
+              <a:t>ord</a:t>
+            </a:r>
+            <a:r>
+              <a:rPr lang="en-US" b="1" dirty="0">
+                <a:latin typeface="INCONSOLATA" panose="020B0609030003000000" pitchFamily="49" charset="77"/>
+              </a:rPr>
+              <a:t>(letter) – </a:t>
+            </a:r>
+            <a:r>
+              <a:rPr lang="en-US" b="1" dirty="0" err="1">
+                <a:latin typeface="INCONSOLATA" panose="020B0609030003000000" pitchFamily="49" charset="77"/>
+              </a:rPr>
+              <a:t>ord</a:t>
+            </a:r>
+            <a:r>
+              <a:rPr lang="en-US" b="1" dirty="0">
+                <a:latin typeface="INCONSOLATA" panose="020B0609030003000000" pitchFamily="49" charset="77"/>
+              </a:rPr>
+              <a:t>('a')</a:t>
+            </a:r>
+          </a:p>
+          <a:p>
+            <a:pPr marL="0" indent="0">
+              <a:buNone/>
+            </a:pPr>
+            <a:r>
+              <a:rPr lang="en-US" b="1" dirty="0" err="1">
+                <a:latin typeface="INCONSOLATA" panose="020B0609030003000000" pitchFamily="49" charset="77"/>
+              </a:rPr>
+              <a:t>cipherletter</a:t>
+            </a:r>
+            <a:r>
+              <a:rPr lang="en-US" b="1" dirty="0">
+                <a:latin typeface="INCONSOLATA" panose="020B0609030003000000" pitchFamily="49" charset="77"/>
+              </a:rPr>
+              <a:t> = key[index]</a:t>
+            </a:r>
+          </a:p>
+          <a:p>
+            <a:pPr marL="0" indent="0">
+              <a:buNone/>
+            </a:pPr>
+            <a:endParaRPr lang="en-US" dirty="0"/>
+          </a:p>
+          <a:p>
+            <a:pPr marL="0" indent="0">
+              <a:buNone/>
+            </a:pPr>
+            <a:endParaRPr lang="en-US" dirty="0"/>
+          </a:p>
+          <a:p>
+            <a:pPr marL="0" indent="0">
+              <a:buNone/>
+            </a:pPr>
+            <a:endParaRPr lang="en-US" dirty="0"/>
+          </a:p>
+          <a:p>
+            <a:pPr marL="0" indent="0">
+              <a:buNone/>
+            </a:pPr>
+            <a:endParaRPr lang="en-US" dirty="0"/>
+          </a:p>
+          <a:p>
+            <a:pPr marL="0" indent="0">
+              <a:buNone/>
+            </a:pPr>
+            <a:endParaRPr lang="en-US" dirty="0"/>
+          </a:p>
+          <a:p>
+            <a:pPr marL="0" indent="0">
+              <a:buNone/>
+            </a:pPr>
+            <a:endParaRPr lang="en-US" dirty="0"/>
+          </a:p>
+        </p:txBody>
+      </p:sp>
+    </p:spTree>
+    <p:extLst>
+      <p:ext uri="{BB962C8B-B14F-4D97-AF65-F5344CB8AC3E}">
+        <p14:creationId xmlns:p14="http://schemas.microsoft.com/office/powerpoint/2010/main" val="2074214818"/>
       </p:ext>
     </p:extLst>
   </p:cSld>

--- a/courses/apcsp/create_task/create_task.pptx
+++ b/courses/apcsp/create_task/create_task.pptx
@@ -137,7 +137,7 @@
 <file path=ppt/revisionInfo.xml><?xml version="1.0" encoding="utf-8"?>
 <p1510:revInfo xmlns:a="http://schemas.openxmlformats.org/drawingml/2006/main" xmlns:r="http://schemas.openxmlformats.org/officeDocument/2006/relationships" xmlns:p1510="http://schemas.microsoft.com/office/powerpoint/2015/10/main">
   <p1510:revLst>
-    <p1510:client id="{920E45FF-707A-564B-83B3-9BA7BB1D0D1B}" v="391" dt="2021-03-15T14:45:50.272"/>
+    <p1510:client id="{920E45FF-707A-564B-83B3-9BA7BB1D0D1B}" v="405" dt="2021-03-16T13:36:42.413"/>
   </p1510:revLst>
 </p1510:revInfo>
 </file>
@@ -610,7 +610,7 @@
   <pc:docChgLst>
     <pc:chgData name="Long B Nguyen" userId="f59fb8f3-a021-417a-8bc1-65c8d471c621" providerId="ADAL" clId="{920E45FF-707A-564B-83B3-9BA7BB1D0D1B}"/>
     <pc:docChg chg="custSel addSld delSld modSld">
-      <pc:chgData name="Long B Nguyen" userId="f59fb8f3-a021-417a-8bc1-65c8d471c621" providerId="ADAL" clId="{920E45FF-707A-564B-83B3-9BA7BB1D0D1B}" dt="2021-03-15T14:45:50.271" v="3243" actId="20577"/>
+      <pc:chgData name="Long B Nguyen" userId="f59fb8f3-a021-417a-8bc1-65c8d471c621" providerId="ADAL" clId="{920E45FF-707A-564B-83B3-9BA7BB1D0D1B}" dt="2021-03-16T13:36:42.413" v="3257" actId="20577"/>
       <pc:docMkLst>
         <pc:docMk/>
       </pc:docMkLst>
@@ -1333,13 +1333,13 @@
         </pc:spChg>
       </pc:sldChg>
       <pc:sldChg chg="modSp add mod modAnim">
-        <pc:chgData name="Long B Nguyen" userId="f59fb8f3-a021-417a-8bc1-65c8d471c621" providerId="ADAL" clId="{920E45FF-707A-564B-83B3-9BA7BB1D0D1B}" dt="2021-03-15T12:23:06.154" v="2947"/>
+        <pc:chgData name="Long B Nguyen" userId="f59fb8f3-a021-417a-8bc1-65c8d471c621" providerId="ADAL" clId="{920E45FF-707A-564B-83B3-9BA7BB1D0D1B}" dt="2021-03-16T12:39:40.609" v="3248" actId="20577"/>
         <pc:sldMkLst>
           <pc:docMk/>
           <pc:sldMk cId="2859835922" sldId="309"/>
         </pc:sldMkLst>
         <pc:spChg chg="mod">
-          <ac:chgData name="Long B Nguyen" userId="f59fb8f3-a021-417a-8bc1-65c8d471c621" providerId="ADAL" clId="{920E45FF-707A-564B-83B3-9BA7BB1D0D1B}" dt="2021-03-15T12:22:45.961" v="2941" actId="20577"/>
+          <ac:chgData name="Long B Nguyen" userId="f59fb8f3-a021-417a-8bc1-65c8d471c621" providerId="ADAL" clId="{920E45FF-707A-564B-83B3-9BA7BB1D0D1B}" dt="2021-03-16T12:39:40.609" v="3248" actId="20577"/>
           <ac:spMkLst>
             <pc:docMk/>
             <pc:sldMk cId="2859835922" sldId="309"/>
@@ -1363,13 +1363,13 @@
         </pc:spChg>
       </pc:sldChg>
       <pc:sldChg chg="modSp add modAnim">
-        <pc:chgData name="Long B Nguyen" userId="f59fb8f3-a021-417a-8bc1-65c8d471c621" providerId="ADAL" clId="{920E45FF-707A-564B-83B3-9BA7BB1D0D1B}" dt="2021-03-15T14:45:50.271" v="3243" actId="20577"/>
+        <pc:chgData name="Long B Nguyen" userId="f59fb8f3-a021-417a-8bc1-65c8d471c621" providerId="ADAL" clId="{920E45FF-707A-564B-83B3-9BA7BB1D0D1B}" dt="2021-03-16T13:36:42.413" v="3257" actId="20577"/>
         <pc:sldMkLst>
           <pc:docMk/>
           <pc:sldMk cId="2074214818" sldId="311"/>
         </pc:sldMkLst>
         <pc:spChg chg="mod">
-          <ac:chgData name="Long B Nguyen" userId="f59fb8f3-a021-417a-8bc1-65c8d471c621" providerId="ADAL" clId="{920E45FF-707A-564B-83B3-9BA7BB1D0D1B}" dt="2021-03-15T14:45:50.271" v="3243" actId="20577"/>
+          <ac:chgData name="Long B Nguyen" userId="f59fb8f3-a021-417a-8bc1-65c8d471c621" providerId="ADAL" clId="{920E45FF-707A-564B-83B3-9BA7BB1D0D1B}" dt="2021-03-16T13:36:42.413" v="3257" actId="20577"/>
           <ac:spMkLst>
             <pc:docMk/>
             <pc:sldMk cId="2074214818" sldId="311"/>
@@ -2077,7 +2077,7 @@
           <a:p>
             <a:fld id="{4AAD347D-5ACD-4C99-B74B-A9C85AD731AF}" type="datetimeFigureOut">
               <a:rPr lang="en-US" smtClean="0"/>
-              <a:t>3/15/21</a:t>
+              <a:t>3/16/21</a:t>
             </a:fld>
             <a:endParaRPr lang="en-US" dirty="0"/>
           </a:p>
@@ -2247,7 +2247,7 @@
           <a:p>
             <a:fld id="{4509A250-FF31-4206-8172-F9D3106AACB1}" type="datetimeFigureOut">
               <a:rPr lang="en-US" smtClean="0"/>
-              <a:t>3/15/21</a:t>
+              <a:t>3/16/21</a:t>
             </a:fld>
             <a:endParaRPr lang="en-US" dirty="0"/>
           </a:p>
@@ -2427,7 +2427,7 @@
           <a:p>
             <a:fld id="{4509A250-FF31-4206-8172-F9D3106AACB1}" type="datetimeFigureOut">
               <a:rPr lang="en-US" smtClean="0"/>
-              <a:t>3/15/21</a:t>
+              <a:t>3/16/21</a:t>
             </a:fld>
             <a:endParaRPr lang="en-US" dirty="0"/>
           </a:p>
@@ -2597,7 +2597,7 @@
           <a:p>
             <a:fld id="{4509A250-FF31-4206-8172-F9D3106AACB1}" type="datetimeFigureOut">
               <a:rPr lang="en-US" smtClean="0"/>
-              <a:t>3/15/21</a:t>
+              <a:t>3/16/21</a:t>
             </a:fld>
             <a:endParaRPr lang="en-US" dirty="0"/>
           </a:p>
@@ -2843,7 +2843,7 @@
           <a:p>
             <a:fld id="{9796027F-7875-4030-9381-8BD8C4F21935}" type="datetimeFigureOut">
               <a:rPr lang="en-US" smtClean="0"/>
-              <a:t>3/15/21</a:t>
+              <a:t>3/16/21</a:t>
             </a:fld>
             <a:endParaRPr lang="en-US" dirty="0"/>
           </a:p>
@@ -3075,7 +3075,7 @@
           <a:p>
             <a:fld id="{9796027F-7875-4030-9381-8BD8C4F21935}" type="datetimeFigureOut">
               <a:rPr lang="en-US" smtClean="0"/>
-              <a:t>3/15/21</a:t>
+              <a:t>3/16/21</a:t>
             </a:fld>
             <a:endParaRPr lang="en-US" dirty="0"/>
           </a:p>
@@ -3442,7 +3442,7 @@
           <a:p>
             <a:fld id="{9796027F-7875-4030-9381-8BD8C4F21935}" type="datetimeFigureOut">
               <a:rPr lang="en-US" smtClean="0"/>
-              <a:t>3/15/21</a:t>
+              <a:t>3/16/21</a:t>
             </a:fld>
             <a:endParaRPr lang="en-US" dirty="0"/>
           </a:p>
@@ -3560,7 +3560,7 @@
           <a:p>
             <a:fld id="{4509A250-FF31-4206-8172-F9D3106AACB1}" type="datetimeFigureOut">
               <a:rPr lang="en-US" smtClean="0"/>
-              <a:t>3/15/21</a:t>
+              <a:t>3/16/21</a:t>
             </a:fld>
             <a:endParaRPr lang="en-US" dirty="0"/>
           </a:p>
@@ -3655,7 +3655,7 @@
           <a:p>
             <a:fld id="{4509A250-FF31-4206-8172-F9D3106AACB1}" type="datetimeFigureOut">
               <a:rPr lang="en-US" smtClean="0"/>
-              <a:t>3/15/21</a:t>
+              <a:t>3/16/21</a:t>
             </a:fld>
             <a:endParaRPr lang="en-US" dirty="0"/>
           </a:p>
@@ -3932,7 +3932,7 @@
           <a:p>
             <a:fld id="{4509A250-FF31-4206-8172-F9D3106AACB1}" type="datetimeFigureOut">
               <a:rPr lang="en-US" smtClean="0"/>
-              <a:t>3/15/21</a:t>
+              <a:t>3/16/21</a:t>
             </a:fld>
             <a:endParaRPr lang="en-US" dirty="0"/>
           </a:p>
@@ -4189,7 +4189,7 @@
           <a:p>
             <a:fld id="{4509A250-FF31-4206-8172-F9D3106AACB1}" type="datetimeFigureOut">
               <a:rPr lang="en-US" smtClean="0"/>
-              <a:t>3/15/21</a:t>
+              <a:t>3/16/21</a:t>
             </a:fld>
             <a:endParaRPr lang="en-US" dirty="0"/>
           </a:p>
@@ -4402,7 +4402,7 @@
           <a:p>
             <a:fld id="{4AAD347D-5ACD-4C99-B74B-A9C85AD731AF}" type="datetimeFigureOut">
               <a:rPr lang="en-US" smtClean="0"/>
-              <a:t>3/15/21</a:t>
+              <a:t>3/16/21</a:t>
             </a:fld>
             <a:endParaRPr lang="en-US" dirty="0"/>
           </a:p>
@@ -6901,8 +6901,8 @@
               <a:t>, we like to encrypted into a secret message called </a:t>
             </a:r>
             <a:r>
-              <a:rPr lang="en-US" b="1" dirty="0" err="1"/>
-              <a:t>cipertext</a:t>
+              <a:rPr lang="en-US" b="1" dirty="0"/>
+              <a:t>ciphertext</a:t>
             </a:r>
             <a:r>
               <a:rPr lang="en-US" dirty="0"/>
@@ -8512,8 +8512,17 @@
               <a:rPr lang="en-US" b="1" dirty="0">
                 <a:latin typeface="INCONSOLATA" panose="020B0609030003000000" pitchFamily="49" charset="77"/>
               </a:rPr>
-              <a:t>letter = 's'</a:t>
-            </a:r>
+              <a:t>letter </a:t>
+            </a:r>
+            <a:r>
+              <a:rPr lang="en-US" b="1">
+                <a:latin typeface="INCONSOLATA" panose="020B0609030003000000" pitchFamily="49" charset="77"/>
+              </a:rPr>
+              <a:t>= 'D'</a:t>
+            </a:r>
+            <a:endParaRPr lang="en-US" b="1" dirty="0">
+              <a:latin typeface="INCONSOLATA" panose="020B0609030003000000" pitchFamily="49" charset="77"/>
+            </a:endParaRPr>
           </a:p>
           <a:p>
             <a:pPr marL="0" indent="0">
@@ -8547,7 +8556,7 @@
               <a:rPr lang="en-US" b="1" dirty="0">
                 <a:latin typeface="INCONSOLATA" panose="020B0609030003000000" pitchFamily="49" charset="77"/>
               </a:rPr>
-              <a:t>('a')</a:t>
+              <a:t>('A')</a:t>
             </a:r>
           </a:p>
           <a:p>
@@ -8615,6 +8624,183 @@
   <p:clrMapOvr>
     <a:masterClrMapping/>
   </p:clrMapOvr>
+  <p:timing>
+    <p:tnLst>
+      <p:par>
+        <p:cTn id="1" dur="indefinite" restart="never" nodeType="tmRoot">
+          <p:childTnLst>
+            <p:seq concurrent="1" nextAc="seek">
+              <p:cTn id="2" dur="indefinite" nodeType="mainSeq">
+                <p:childTnLst>
+                  <p:par>
+                    <p:cTn id="3" fill="hold">
+                      <p:stCondLst>
+                        <p:cond delay="indefinite"/>
+                      </p:stCondLst>
+                      <p:childTnLst>
+                        <p:par>
+                          <p:cTn id="4" fill="hold">
+                            <p:stCondLst>
+                              <p:cond delay="0"/>
+                            </p:stCondLst>
+                            <p:childTnLst>
+                              <p:par>
+                                <p:cTn id="5" presetID="1" presetClass="entr" presetSubtype="0" fill="hold" nodeType="clickEffect">
+                                  <p:stCondLst>
+                                    <p:cond delay="0"/>
+                                  </p:stCondLst>
+                                  <p:childTnLst>
+                                    <p:set>
+                                      <p:cBhvr>
+                                        <p:cTn id="6" dur="1" fill="hold">
+                                          <p:stCondLst>
+                                            <p:cond delay="0"/>
+                                          </p:stCondLst>
+                                        </p:cTn>
+                                        <p:tgtEl>
+                                          <p:spTgt spid="3">
+                                            <p:txEl>
+                                              <p:pRg st="3" end="3"/>
+                                            </p:txEl>
+                                          </p:spTgt>
+                                        </p:tgtEl>
+                                        <p:attrNameLst>
+                                          <p:attrName>style.visibility</p:attrName>
+                                        </p:attrNameLst>
+                                      </p:cBhvr>
+                                      <p:to>
+                                        <p:strVal val="visible"/>
+                                      </p:to>
+                                    </p:set>
+                                  </p:childTnLst>
+                                </p:cTn>
+                              </p:par>
+                            </p:childTnLst>
+                          </p:cTn>
+                        </p:par>
+                      </p:childTnLst>
+                    </p:cTn>
+                  </p:par>
+                  <p:par>
+                    <p:cTn id="7" fill="hold">
+                      <p:stCondLst>
+                        <p:cond delay="indefinite"/>
+                      </p:stCondLst>
+                      <p:childTnLst>
+                        <p:par>
+                          <p:cTn id="8" fill="hold">
+                            <p:stCondLst>
+                              <p:cond delay="0"/>
+                            </p:stCondLst>
+                            <p:childTnLst>
+                              <p:par>
+                                <p:cTn id="9" presetID="1" presetClass="entr" presetSubtype="0" fill="hold" nodeType="clickEffect">
+                                  <p:stCondLst>
+                                    <p:cond delay="0"/>
+                                  </p:stCondLst>
+                                  <p:childTnLst>
+                                    <p:set>
+                                      <p:cBhvr>
+                                        <p:cTn id="10" dur="1" fill="hold">
+                                          <p:stCondLst>
+                                            <p:cond delay="0"/>
+                                          </p:stCondLst>
+                                        </p:cTn>
+                                        <p:tgtEl>
+                                          <p:spTgt spid="3">
+                                            <p:txEl>
+                                              <p:pRg st="4" end="4"/>
+                                            </p:txEl>
+                                          </p:spTgt>
+                                        </p:tgtEl>
+                                        <p:attrNameLst>
+                                          <p:attrName>style.visibility</p:attrName>
+                                        </p:attrNameLst>
+                                      </p:cBhvr>
+                                      <p:to>
+                                        <p:strVal val="visible"/>
+                                      </p:to>
+                                    </p:set>
+                                  </p:childTnLst>
+                                </p:cTn>
+                              </p:par>
+                            </p:childTnLst>
+                          </p:cTn>
+                        </p:par>
+                      </p:childTnLst>
+                    </p:cTn>
+                  </p:par>
+                  <p:par>
+                    <p:cTn id="11" fill="hold">
+                      <p:stCondLst>
+                        <p:cond delay="indefinite"/>
+                      </p:stCondLst>
+                      <p:childTnLst>
+                        <p:par>
+                          <p:cTn id="12" fill="hold">
+                            <p:stCondLst>
+                              <p:cond delay="0"/>
+                            </p:stCondLst>
+                            <p:childTnLst>
+                              <p:par>
+                                <p:cTn id="13" presetID="1" presetClass="entr" presetSubtype="0" fill="hold" nodeType="clickEffect">
+                                  <p:stCondLst>
+                                    <p:cond delay="0"/>
+                                  </p:stCondLst>
+                                  <p:childTnLst>
+                                    <p:set>
+                                      <p:cBhvr>
+                                        <p:cTn id="14" dur="1" fill="hold">
+                                          <p:stCondLst>
+                                            <p:cond delay="0"/>
+                                          </p:stCondLst>
+                                        </p:cTn>
+                                        <p:tgtEl>
+                                          <p:spTgt spid="3">
+                                            <p:txEl>
+                                              <p:pRg st="5" end="5"/>
+                                            </p:txEl>
+                                          </p:spTgt>
+                                        </p:tgtEl>
+                                        <p:attrNameLst>
+                                          <p:attrName>style.visibility</p:attrName>
+                                        </p:attrNameLst>
+                                      </p:cBhvr>
+                                      <p:to>
+                                        <p:strVal val="visible"/>
+                                      </p:to>
+                                    </p:set>
+                                  </p:childTnLst>
+                                </p:cTn>
+                              </p:par>
+                            </p:childTnLst>
+                          </p:cTn>
+                        </p:par>
+                      </p:childTnLst>
+                    </p:cTn>
+                  </p:par>
+                </p:childTnLst>
+              </p:cTn>
+              <p:prevCondLst>
+                <p:cond evt="onPrev" delay="0">
+                  <p:tgtEl>
+                    <p:sldTgt/>
+                  </p:tgtEl>
+                </p:cond>
+              </p:prevCondLst>
+              <p:nextCondLst>
+                <p:cond evt="onNext" delay="0">
+                  <p:tgtEl>
+                    <p:sldTgt/>
+                  </p:tgtEl>
+                </p:cond>
+              </p:nextCondLst>
+            </p:seq>
+          </p:childTnLst>
+        </p:cTn>
+      </p:par>
+    </p:tnLst>
+  </p:timing>
 </p:sld>
 </file>
 

--- a/courses/apcsp/create_task/create_task.pptx
+++ b/courses/apcsp/create_task/create_task.pptx
@@ -28,6 +28,10 @@
     <p:sldId id="310" r:id="rId22"/>
     <p:sldId id="308" r:id="rId23"/>
     <p:sldId id="311" r:id="rId24"/>
+    <p:sldId id="313" r:id="rId25"/>
+    <p:sldId id="314" r:id="rId26"/>
+    <p:sldId id="556" r:id="rId27"/>
+    <p:sldId id="312" r:id="rId28"/>
   </p:sldIdLst>
   <p:sldSz cx="9144000" cy="5715000" type="screen16x10"/>
   <p:notesSz cx="6858000" cy="9144000"/>
@@ -137,7 +141,7 @@
 <file path=ppt/revisionInfo.xml><?xml version="1.0" encoding="utf-8"?>
 <p1510:revInfo xmlns:a="http://schemas.openxmlformats.org/drawingml/2006/main" xmlns:r="http://schemas.openxmlformats.org/officeDocument/2006/relationships" xmlns:p1510="http://schemas.microsoft.com/office/powerpoint/2015/10/main">
   <p1510:revLst>
-    <p1510:client id="{920E45FF-707A-564B-83B3-9BA7BB1D0D1B}" v="405" dt="2021-03-16T13:36:42.413"/>
+    <p1510:client id="{920E45FF-707A-564B-83B3-9BA7BB1D0D1B}" v="902" dt="2021-03-19T14:14:26.029"/>
   </p1510:revLst>
 </p1510:revInfo>
 </file>
@@ -610,7 +614,7 @@
   <pc:docChgLst>
     <pc:chgData name="Long B Nguyen" userId="f59fb8f3-a021-417a-8bc1-65c8d471c621" providerId="ADAL" clId="{920E45FF-707A-564B-83B3-9BA7BB1D0D1B}"/>
     <pc:docChg chg="custSel addSld delSld modSld">
-      <pc:chgData name="Long B Nguyen" userId="f59fb8f3-a021-417a-8bc1-65c8d471c621" providerId="ADAL" clId="{920E45FF-707A-564B-83B3-9BA7BB1D0D1B}" dt="2021-03-16T13:36:42.413" v="3257" actId="20577"/>
+      <pc:chgData name="Long B Nguyen" userId="f59fb8f3-a021-417a-8bc1-65c8d471c621" providerId="ADAL" clId="{920E45FF-707A-564B-83B3-9BA7BB1D0D1B}" dt="2021-03-19T14:15:32.956" v="4603" actId="20577"/>
       <pc:docMkLst>
         <pc:docMk/>
       </pc:docMkLst>
@@ -1318,11 +1322,19 @@
         </pc:spChg>
       </pc:sldChg>
       <pc:sldChg chg="modSp add mod modAnim">
-        <pc:chgData name="Long B Nguyen" userId="f59fb8f3-a021-417a-8bc1-65c8d471c621" providerId="ADAL" clId="{920E45FF-707A-564B-83B3-9BA7BB1D0D1B}" dt="2021-03-15T12:23:50.046" v="2954"/>
+        <pc:chgData name="Long B Nguyen" userId="f59fb8f3-a021-417a-8bc1-65c8d471c621" providerId="ADAL" clId="{920E45FF-707A-564B-83B3-9BA7BB1D0D1B}" dt="2021-03-19T13:59:55.213" v="3323" actId="20577"/>
         <pc:sldMkLst>
           <pc:docMk/>
           <pc:sldMk cId="1886395027" sldId="308"/>
         </pc:sldMkLst>
+        <pc:spChg chg="mod">
+          <ac:chgData name="Long B Nguyen" userId="f59fb8f3-a021-417a-8bc1-65c8d471c621" providerId="ADAL" clId="{920E45FF-707A-564B-83B3-9BA7BB1D0D1B}" dt="2021-03-19T13:59:55.213" v="3323" actId="20577"/>
+          <ac:spMkLst>
+            <pc:docMk/>
+            <pc:sldMk cId="1886395027" sldId="308"/>
+            <ac:spMk id="2" creationId="{2CAD482E-9621-034B-B5B9-A2A3E3815EBF}"/>
+          </ac:spMkLst>
+        </pc:spChg>
         <pc:spChg chg="mod">
           <ac:chgData name="Long B Nguyen" userId="f59fb8f3-a021-417a-8bc1-65c8d471c621" providerId="ADAL" clId="{920E45FF-707A-564B-83B3-9BA7BB1D0D1B}" dt="2021-03-15T12:13:37.645" v="2937" actId="20577"/>
           <ac:spMkLst>
@@ -1333,11 +1345,19 @@
         </pc:spChg>
       </pc:sldChg>
       <pc:sldChg chg="modSp add mod modAnim">
-        <pc:chgData name="Long B Nguyen" userId="f59fb8f3-a021-417a-8bc1-65c8d471c621" providerId="ADAL" clId="{920E45FF-707A-564B-83B3-9BA7BB1D0D1B}" dt="2021-03-16T12:39:40.609" v="3248" actId="20577"/>
+        <pc:chgData name="Long B Nguyen" userId="f59fb8f3-a021-417a-8bc1-65c8d471c621" providerId="ADAL" clId="{920E45FF-707A-564B-83B3-9BA7BB1D0D1B}" dt="2021-03-19T13:59:46.339" v="3317" actId="20577"/>
         <pc:sldMkLst>
           <pc:docMk/>
           <pc:sldMk cId="2859835922" sldId="309"/>
         </pc:sldMkLst>
+        <pc:spChg chg="mod">
+          <ac:chgData name="Long B Nguyen" userId="f59fb8f3-a021-417a-8bc1-65c8d471c621" providerId="ADAL" clId="{920E45FF-707A-564B-83B3-9BA7BB1D0D1B}" dt="2021-03-19T13:59:46.339" v="3317" actId="20577"/>
+          <ac:spMkLst>
+            <pc:docMk/>
+            <pc:sldMk cId="2859835922" sldId="309"/>
+            <ac:spMk id="2" creationId="{2CAD482E-9621-034B-B5B9-A2A3E3815EBF}"/>
+          </ac:spMkLst>
+        </pc:spChg>
         <pc:spChg chg="mod">
           <ac:chgData name="Long B Nguyen" userId="f59fb8f3-a021-417a-8bc1-65c8d471c621" providerId="ADAL" clId="{920E45FF-707A-564B-83B3-9BA7BB1D0D1B}" dt="2021-03-16T12:39:40.609" v="3248" actId="20577"/>
           <ac:spMkLst>
@@ -1348,12 +1368,20 @@
         </pc:spChg>
       </pc:sldChg>
       <pc:sldChg chg="modSp add mod modAnim">
-        <pc:chgData name="Long B Nguyen" userId="f59fb8f3-a021-417a-8bc1-65c8d471c621" providerId="ADAL" clId="{920E45FF-707A-564B-83B3-9BA7BB1D0D1B}" dt="2021-03-15T12:23:18.106" v="2950"/>
+        <pc:chgData name="Long B Nguyen" userId="f59fb8f3-a021-417a-8bc1-65c8d471c621" providerId="ADAL" clId="{920E45FF-707A-564B-83B3-9BA7BB1D0D1B}" dt="2021-03-19T13:59:51.229" v="3321" actId="20577"/>
         <pc:sldMkLst>
           <pc:docMk/>
           <pc:sldMk cId="472026148" sldId="310"/>
         </pc:sldMkLst>
         <pc:spChg chg="mod">
+          <ac:chgData name="Long B Nguyen" userId="f59fb8f3-a021-417a-8bc1-65c8d471c621" providerId="ADAL" clId="{920E45FF-707A-564B-83B3-9BA7BB1D0D1B}" dt="2021-03-19T13:59:51.229" v="3321" actId="20577"/>
+          <ac:spMkLst>
+            <pc:docMk/>
+            <pc:sldMk cId="472026148" sldId="310"/>
+            <ac:spMk id="2" creationId="{2CAD482E-9621-034B-B5B9-A2A3E3815EBF}"/>
+          </ac:spMkLst>
+        </pc:spChg>
+        <pc:spChg chg="mod">
           <ac:chgData name="Long B Nguyen" userId="f59fb8f3-a021-417a-8bc1-65c8d471c621" providerId="ADAL" clId="{920E45FF-707A-564B-83B3-9BA7BB1D0D1B}" dt="2021-03-15T12:05:29.835" v="2913" actId="20577"/>
           <ac:spMkLst>
             <pc:docMk/>
@@ -1362,17 +1390,86 @@
           </ac:spMkLst>
         </pc:spChg>
       </pc:sldChg>
-      <pc:sldChg chg="modSp add modAnim">
-        <pc:chgData name="Long B Nguyen" userId="f59fb8f3-a021-417a-8bc1-65c8d471c621" providerId="ADAL" clId="{920E45FF-707A-564B-83B3-9BA7BB1D0D1B}" dt="2021-03-16T13:36:42.413" v="3257" actId="20577"/>
+      <pc:sldChg chg="modSp add mod modAnim">
+        <pc:chgData name="Long B Nguyen" userId="f59fb8f3-a021-417a-8bc1-65c8d471c621" providerId="ADAL" clId="{920E45FF-707A-564B-83B3-9BA7BB1D0D1B}" dt="2021-03-19T14:00:00.147" v="3327" actId="20577"/>
         <pc:sldMkLst>
           <pc:docMk/>
           <pc:sldMk cId="2074214818" sldId="311"/>
         </pc:sldMkLst>
         <pc:spChg chg="mod">
-          <ac:chgData name="Long B Nguyen" userId="f59fb8f3-a021-417a-8bc1-65c8d471c621" providerId="ADAL" clId="{920E45FF-707A-564B-83B3-9BA7BB1D0D1B}" dt="2021-03-16T13:36:42.413" v="3257" actId="20577"/>
+          <ac:chgData name="Long B Nguyen" userId="f59fb8f3-a021-417a-8bc1-65c8d471c621" providerId="ADAL" clId="{920E45FF-707A-564B-83B3-9BA7BB1D0D1B}" dt="2021-03-19T14:00:00.147" v="3327" actId="20577"/>
           <ac:spMkLst>
             <pc:docMk/>
             <pc:sldMk cId="2074214818" sldId="311"/>
+            <ac:spMk id="2" creationId="{2CAD482E-9621-034B-B5B9-A2A3E3815EBF}"/>
+          </ac:spMkLst>
+        </pc:spChg>
+        <pc:spChg chg="mod">
+          <ac:chgData name="Long B Nguyen" userId="f59fb8f3-a021-417a-8bc1-65c8d471c621" providerId="ADAL" clId="{920E45FF-707A-564B-83B3-9BA7BB1D0D1B}" dt="2021-03-19T13:59:35.857" v="3315" actId="20577"/>
+          <ac:spMkLst>
+            <pc:docMk/>
+            <pc:sldMk cId="2074214818" sldId="311"/>
+            <ac:spMk id="3" creationId="{BE9CE75A-CAA3-5646-AB61-E94C601FF013}"/>
+          </ac:spMkLst>
+        </pc:spChg>
+      </pc:sldChg>
+      <pc:sldChg chg="delSp modSp new mod">
+        <pc:chgData name="Long B Nguyen" userId="f59fb8f3-a021-417a-8bc1-65c8d471c621" providerId="ADAL" clId="{920E45FF-707A-564B-83B3-9BA7BB1D0D1B}" dt="2021-03-19T14:15:32.956" v="4603" actId="20577"/>
+        <pc:sldMkLst>
+          <pc:docMk/>
+          <pc:sldMk cId="3704334471" sldId="312"/>
+        </pc:sldMkLst>
+        <pc:spChg chg="del">
+          <ac:chgData name="Long B Nguyen" userId="f59fb8f3-a021-417a-8bc1-65c8d471c621" providerId="ADAL" clId="{920E45FF-707A-564B-83B3-9BA7BB1D0D1B}" dt="2021-03-19T14:14:29.993" v="4401" actId="478"/>
+          <ac:spMkLst>
+            <pc:docMk/>
+            <pc:sldMk cId="3704334471" sldId="312"/>
+            <ac:spMk id="2" creationId="{D3A11481-A1F2-2C4A-B13E-2D83E61DA610}"/>
+          </ac:spMkLst>
+        </pc:spChg>
+        <pc:spChg chg="mod">
+          <ac:chgData name="Long B Nguyen" userId="f59fb8f3-a021-417a-8bc1-65c8d471c621" providerId="ADAL" clId="{920E45FF-707A-564B-83B3-9BA7BB1D0D1B}" dt="2021-03-19T14:15:32.956" v="4603" actId="20577"/>
+          <ac:spMkLst>
+            <pc:docMk/>
+            <pc:sldMk cId="3704334471" sldId="312"/>
+            <ac:spMk id="3" creationId="{07B480AF-2DED-464A-83F7-5E54DCD0C557}"/>
+          </ac:spMkLst>
+        </pc:spChg>
+      </pc:sldChg>
+      <pc:sldChg chg="modSp add mod modAnim">
+        <pc:chgData name="Long B Nguyen" userId="f59fb8f3-a021-417a-8bc1-65c8d471c621" providerId="ADAL" clId="{920E45FF-707A-564B-83B3-9BA7BB1D0D1B}" dt="2021-03-19T14:13:03.873" v="4395" actId="20577"/>
+        <pc:sldMkLst>
+          <pc:docMk/>
+          <pc:sldMk cId="2818469488" sldId="313"/>
+        </pc:sldMkLst>
+        <pc:spChg chg="mod">
+          <ac:chgData name="Long B Nguyen" userId="f59fb8f3-a021-417a-8bc1-65c8d471c621" providerId="ADAL" clId="{920E45FF-707A-564B-83B3-9BA7BB1D0D1B}" dt="2021-03-19T14:04:49.056" v="3693" actId="1076"/>
+          <ac:spMkLst>
+            <pc:docMk/>
+            <pc:sldMk cId="2818469488" sldId="313"/>
+            <ac:spMk id="2" creationId="{2CAD482E-9621-034B-B5B9-A2A3E3815EBF}"/>
+          </ac:spMkLst>
+        </pc:spChg>
+        <pc:spChg chg="mod">
+          <ac:chgData name="Long B Nguyen" userId="f59fb8f3-a021-417a-8bc1-65c8d471c621" providerId="ADAL" clId="{920E45FF-707A-564B-83B3-9BA7BB1D0D1B}" dt="2021-03-19T14:13:03.873" v="4395" actId="20577"/>
+          <ac:spMkLst>
+            <pc:docMk/>
+            <pc:sldMk cId="2818469488" sldId="313"/>
+            <ac:spMk id="3" creationId="{BE9CE75A-CAA3-5646-AB61-E94C601FF013}"/>
+          </ac:spMkLst>
+        </pc:spChg>
+      </pc:sldChg>
+      <pc:sldChg chg="modSp add mod modAnim">
+        <pc:chgData name="Long B Nguyen" userId="f59fb8f3-a021-417a-8bc1-65c8d471c621" providerId="ADAL" clId="{920E45FF-707A-564B-83B3-9BA7BB1D0D1B}" dt="2021-03-19T14:13:21.076" v="4398"/>
+        <pc:sldMkLst>
+          <pc:docMk/>
+          <pc:sldMk cId="1495716717" sldId="314"/>
+        </pc:sldMkLst>
+        <pc:spChg chg="mod">
+          <ac:chgData name="Long B Nguyen" userId="f59fb8f3-a021-417a-8bc1-65c8d471c621" providerId="ADAL" clId="{920E45FF-707A-564B-83B3-9BA7BB1D0D1B}" dt="2021-03-19T14:12:30.024" v="4387" actId="1076"/>
+          <ac:spMkLst>
+            <pc:docMk/>
+            <pc:sldMk cId="1495716717" sldId="314"/>
             <ac:spMk id="3" creationId="{BE9CE75A-CAA3-5646-AB61-E94C601FF013}"/>
           </ac:spMkLst>
         </pc:spChg>
@@ -1383,6 +1480,45 @@
           <pc:docMk/>
           <pc:sldMk cId="2189312620" sldId="356"/>
         </pc:sldMkLst>
+      </pc:sldChg>
+      <pc:sldChg chg="addSp delSp modSp add mod delAnim modAnim">
+        <pc:chgData name="Long B Nguyen" userId="f59fb8f3-a021-417a-8bc1-65c8d471c621" providerId="ADAL" clId="{920E45FF-707A-564B-83B3-9BA7BB1D0D1B}" dt="2021-03-19T14:11:36.215" v="4299" actId="478"/>
+        <pc:sldMkLst>
+          <pc:docMk/>
+          <pc:sldMk cId="2984014915" sldId="556"/>
+        </pc:sldMkLst>
+        <pc:spChg chg="del">
+          <ac:chgData name="Long B Nguyen" userId="f59fb8f3-a021-417a-8bc1-65c8d471c621" providerId="ADAL" clId="{920E45FF-707A-564B-83B3-9BA7BB1D0D1B}" dt="2021-03-19T14:11:36.215" v="4299" actId="478"/>
+          <ac:spMkLst>
+            <pc:docMk/>
+            <pc:sldMk cId="2984014915" sldId="556"/>
+            <ac:spMk id="4" creationId="{337D7E28-6576-C043-832E-2CDC9179B6E0}"/>
+          </ac:spMkLst>
+        </pc:spChg>
+        <pc:spChg chg="add mod">
+          <ac:chgData name="Long B Nguyen" userId="f59fb8f3-a021-417a-8bc1-65c8d471c621" providerId="ADAL" clId="{920E45FF-707A-564B-83B3-9BA7BB1D0D1B}" dt="2021-03-19T14:10:24.465" v="4298" actId="1076"/>
+          <ac:spMkLst>
+            <pc:docMk/>
+            <pc:sldMk cId="2984014915" sldId="556"/>
+            <ac:spMk id="8" creationId="{C6364B6A-CF35-B049-A125-AFAFEE462FD5}"/>
+          </ac:spMkLst>
+        </pc:spChg>
+        <pc:cxnChg chg="del">
+          <ac:chgData name="Long B Nguyen" userId="f59fb8f3-a021-417a-8bc1-65c8d471c621" providerId="ADAL" clId="{920E45FF-707A-564B-83B3-9BA7BB1D0D1B}" dt="2021-03-19T14:11:36.215" v="4299" actId="478"/>
+          <ac:cxnSpMkLst>
+            <pc:docMk/>
+            <pc:sldMk cId="2984014915" sldId="556"/>
+            <ac:cxnSpMk id="10" creationId="{A7554D4B-A0AA-934D-95C7-A5055505D0B9}"/>
+          </ac:cxnSpMkLst>
+        </pc:cxnChg>
+        <pc:cxnChg chg="add mod">
+          <ac:chgData name="Long B Nguyen" userId="f59fb8f3-a021-417a-8bc1-65c8d471c621" providerId="ADAL" clId="{920E45FF-707A-564B-83B3-9BA7BB1D0D1B}" dt="2021-03-19T14:10:00.425" v="4294" actId="1076"/>
+          <ac:cxnSpMkLst>
+            <pc:docMk/>
+            <pc:sldMk cId="2984014915" sldId="556"/>
+            <ac:cxnSpMk id="11" creationId="{3F8D02A8-381C-254F-9732-2F5C2716B0D3}"/>
+          </ac:cxnSpMkLst>
+        </pc:cxnChg>
       </pc:sldChg>
     </pc:docChg>
   </pc:docChgLst>
@@ -2077,7 +2213,7 @@
           <a:p>
             <a:fld id="{4AAD347D-5ACD-4C99-B74B-A9C85AD731AF}" type="datetimeFigureOut">
               <a:rPr lang="en-US" smtClean="0"/>
-              <a:t>3/16/21</a:t>
+              <a:t>3/19/21</a:t>
             </a:fld>
             <a:endParaRPr lang="en-US" dirty="0"/>
           </a:p>
@@ -2247,7 +2383,7 @@
           <a:p>
             <a:fld id="{4509A250-FF31-4206-8172-F9D3106AACB1}" type="datetimeFigureOut">
               <a:rPr lang="en-US" smtClean="0"/>
-              <a:t>3/16/21</a:t>
+              <a:t>3/19/21</a:t>
             </a:fld>
             <a:endParaRPr lang="en-US" dirty="0"/>
           </a:p>
@@ -2427,7 +2563,7 @@
           <a:p>
             <a:fld id="{4509A250-FF31-4206-8172-F9D3106AACB1}" type="datetimeFigureOut">
               <a:rPr lang="en-US" smtClean="0"/>
-              <a:t>3/16/21</a:t>
+              <a:t>3/19/21</a:t>
             </a:fld>
             <a:endParaRPr lang="en-US" dirty="0"/>
           </a:p>
@@ -2597,7 +2733,7 @@
           <a:p>
             <a:fld id="{4509A250-FF31-4206-8172-F9D3106AACB1}" type="datetimeFigureOut">
               <a:rPr lang="en-US" smtClean="0"/>
-              <a:t>3/16/21</a:t>
+              <a:t>3/19/21</a:t>
             </a:fld>
             <a:endParaRPr lang="en-US" dirty="0"/>
           </a:p>
@@ -2843,7 +2979,7 @@
           <a:p>
             <a:fld id="{9796027F-7875-4030-9381-8BD8C4F21935}" type="datetimeFigureOut">
               <a:rPr lang="en-US" smtClean="0"/>
-              <a:t>3/16/21</a:t>
+              <a:t>3/19/21</a:t>
             </a:fld>
             <a:endParaRPr lang="en-US" dirty="0"/>
           </a:p>
@@ -3075,7 +3211,7 @@
           <a:p>
             <a:fld id="{9796027F-7875-4030-9381-8BD8C4F21935}" type="datetimeFigureOut">
               <a:rPr lang="en-US" smtClean="0"/>
-              <a:t>3/16/21</a:t>
+              <a:t>3/19/21</a:t>
             </a:fld>
             <a:endParaRPr lang="en-US" dirty="0"/>
           </a:p>
@@ -3442,7 +3578,7 @@
           <a:p>
             <a:fld id="{9796027F-7875-4030-9381-8BD8C4F21935}" type="datetimeFigureOut">
               <a:rPr lang="en-US" smtClean="0"/>
-              <a:t>3/16/21</a:t>
+              <a:t>3/19/21</a:t>
             </a:fld>
             <a:endParaRPr lang="en-US" dirty="0"/>
           </a:p>
@@ -3560,7 +3696,7 @@
           <a:p>
             <a:fld id="{4509A250-FF31-4206-8172-F9D3106AACB1}" type="datetimeFigureOut">
               <a:rPr lang="en-US" smtClean="0"/>
-              <a:t>3/16/21</a:t>
+              <a:t>3/19/21</a:t>
             </a:fld>
             <a:endParaRPr lang="en-US" dirty="0"/>
           </a:p>
@@ -3655,7 +3791,7 @@
           <a:p>
             <a:fld id="{4509A250-FF31-4206-8172-F9D3106AACB1}" type="datetimeFigureOut">
               <a:rPr lang="en-US" smtClean="0"/>
-              <a:t>3/16/21</a:t>
+              <a:t>3/19/21</a:t>
             </a:fld>
             <a:endParaRPr lang="en-US" dirty="0"/>
           </a:p>
@@ -3932,7 +4068,7 @@
           <a:p>
             <a:fld id="{4509A250-FF31-4206-8172-F9D3106AACB1}" type="datetimeFigureOut">
               <a:rPr lang="en-US" smtClean="0"/>
-              <a:t>3/16/21</a:t>
+              <a:t>3/19/21</a:t>
             </a:fld>
             <a:endParaRPr lang="en-US" dirty="0"/>
           </a:p>
@@ -4189,7 +4325,7 @@
           <a:p>
             <a:fld id="{4509A250-FF31-4206-8172-F9D3106AACB1}" type="datetimeFigureOut">
               <a:rPr lang="en-US" smtClean="0"/>
-              <a:t>3/16/21</a:t>
+              <a:t>3/19/21</a:t>
             </a:fld>
             <a:endParaRPr lang="en-US" dirty="0"/>
           </a:p>
@@ -4402,7 +4538,7 @@
           <a:p>
             <a:fld id="{4AAD347D-5ACD-4C99-B74B-A9C85AD731AF}" type="datetimeFigureOut">
               <a:rPr lang="en-US" smtClean="0"/>
-              <a:t>3/16/21</a:t>
+              <a:t>3/19/21</a:t>
             </a:fld>
             <a:endParaRPr lang="en-US" dirty="0"/>
           </a:p>
@@ -6854,7 +6990,7 @@
           <a:p>
             <a:r>
               <a:rPr lang="en-US" dirty="0"/>
-              <a:t>Create Task Example</a:t>
+              <a:t>Create Task Example 1</a:t>
             </a:r>
           </a:p>
         </p:txBody>
@@ -7398,7 +7534,7 @@
           <a:p>
             <a:r>
               <a:rPr lang="en-US" dirty="0"/>
-              <a:t>Create Task Example</a:t>
+              <a:t>Create Task Example 1</a:t>
             </a:r>
           </a:p>
         </p:txBody>
@@ -7795,7 +7931,7 @@
           <a:p>
             <a:r>
               <a:rPr lang="en-US" dirty="0"/>
-              <a:t>Create Task Example</a:t>
+              <a:t>Create Task Example 1</a:t>
             </a:r>
           </a:p>
         </p:txBody>
@@ -8451,7 +8587,7 @@
           <a:p>
             <a:r>
               <a:rPr lang="en-US" dirty="0"/>
-              <a:t>Create Task Example</a:t>
+              <a:t>Create Task Example 1</a:t>
             </a:r>
           </a:p>
         </p:txBody>
@@ -8512,17 +8648,8 @@
               <a:rPr lang="en-US" b="1" dirty="0">
                 <a:latin typeface="INCONSOLATA" panose="020B0609030003000000" pitchFamily="49" charset="77"/>
               </a:rPr>
-              <a:t>letter </a:t>
-            </a:r>
-            <a:r>
-              <a:rPr lang="en-US" b="1">
-                <a:latin typeface="INCONSOLATA" panose="020B0609030003000000" pitchFamily="49" charset="77"/>
-              </a:rPr>
-              <a:t>= 'D'</a:t>
-            </a:r>
-            <a:endParaRPr lang="en-US" b="1" dirty="0">
-              <a:latin typeface="INCONSOLATA" panose="020B0609030003000000" pitchFamily="49" charset="77"/>
-            </a:endParaRPr>
+              <a:t>letter = 'D'</a:t>
+            </a:r>
           </a:p>
           <a:p>
             <a:pPr marL="0" indent="0">
@@ -8587,6 +8714,25 @@
               <a:buNone/>
             </a:pPr>
             <a:endParaRPr lang="en-US" dirty="0"/>
+          </a:p>
+          <a:p>
+            <a:pPr marL="0" indent="0">
+              <a:buNone/>
+            </a:pPr>
+            <a:r>
+              <a:rPr lang="en-US" dirty="0"/>
+              <a:t>The full code for this task can be found </a:t>
+            </a:r>
+            <a:r>
+              <a:rPr lang="en-US" dirty="0">
+                <a:hlinkClick r:id="rId2"/>
+              </a:rPr>
+              <a:t>here</a:t>
+            </a:r>
+            <a:r>
+              <a:rPr lang="en-US" dirty="0"/>
+              <a:t>.</a:t>
+            </a:r>
           </a:p>
           <a:p>
             <a:pPr marL="0" indent="0">
@@ -8779,6 +8925,55 @@
                       </p:childTnLst>
                     </p:cTn>
                   </p:par>
+                  <p:par>
+                    <p:cTn id="15" fill="hold">
+                      <p:stCondLst>
+                        <p:cond delay="indefinite"/>
+                      </p:stCondLst>
+                      <p:childTnLst>
+                        <p:par>
+                          <p:cTn id="16" fill="hold">
+                            <p:stCondLst>
+                              <p:cond delay="0"/>
+                            </p:stCondLst>
+                            <p:childTnLst>
+                              <p:par>
+                                <p:cTn id="17" presetID="1" presetClass="entr" presetSubtype="0" fill="hold" nodeType="clickEffect">
+                                  <p:stCondLst>
+                                    <p:cond delay="0"/>
+                                  </p:stCondLst>
+                                  <p:childTnLst>
+                                    <p:set>
+                                      <p:cBhvr>
+                                        <p:cTn id="18" dur="1" fill="hold">
+                                          <p:stCondLst>
+                                            <p:cond delay="0"/>
+                                          </p:stCondLst>
+                                        </p:cTn>
+                                        <p:tgtEl>
+                                          <p:spTgt spid="3">
+                                            <p:txEl>
+                                              <p:pRg st="8" end="8"/>
+                                            </p:txEl>
+                                          </p:spTgt>
+                                        </p:tgtEl>
+                                        <p:attrNameLst>
+                                          <p:attrName>style.visibility</p:attrName>
+                                        </p:attrNameLst>
+                                      </p:cBhvr>
+                                      <p:to>
+                                        <p:strVal val="visible"/>
+                                      </p:to>
+                                    </p:set>
+                                  </p:childTnLst>
+                                </p:cTn>
+                              </p:par>
+                            </p:childTnLst>
+                          </p:cTn>
+                        </p:par>
+                      </p:childTnLst>
+                    </p:cTn>
+                  </p:par>
                 </p:childTnLst>
               </p:cTn>
               <p:prevCondLst>
@@ -8801,6 +8996,2440 @@
       </p:par>
     </p:tnLst>
   </p:timing>
+</p:sld>
+</file>
+
+<file path=ppt/slides/slide24.xml><?xml version="1.0" encoding="utf-8"?>
+<p:sld xmlns:a="http://schemas.openxmlformats.org/drawingml/2006/main" xmlns:r="http://schemas.openxmlformats.org/officeDocument/2006/relationships" xmlns:p="http://schemas.openxmlformats.org/presentationml/2006/main">
+  <p:cSld>
+    <p:spTree>
+      <p:nvGrpSpPr>
+        <p:cNvPr id="1" name=""/>
+        <p:cNvGrpSpPr/>
+        <p:nvPr/>
+      </p:nvGrpSpPr>
+      <p:grpSpPr>
+        <a:xfrm>
+          <a:off x="0" y="0"/>
+          <a:ext cx="0" cy="0"/>
+          <a:chOff x="0" y="0"/>
+          <a:chExt cx="0" cy="0"/>
+        </a:xfrm>
+      </p:grpSpPr>
+      <p:sp>
+        <p:nvSpPr>
+          <p:cNvPr id="2" name="Title 1">
+            <a:extLst>
+              <a:ext uri="{FF2B5EF4-FFF2-40B4-BE49-F238E27FC236}">
+                <a16:creationId xmlns:a16="http://schemas.microsoft.com/office/drawing/2014/main" id="{2CAD482E-9621-034B-B5B9-A2A3E3815EBF}"/>
+              </a:ext>
+            </a:extLst>
+          </p:cNvPr>
+          <p:cNvSpPr>
+            <a:spLocks noGrp="1"/>
+          </p:cNvSpPr>
+          <p:nvPr>
+            <p:ph type="title"/>
+          </p:nvPr>
+        </p:nvSpPr>
+        <p:spPr>
+          <a:xfrm>
+            <a:off x="220686" y="102829"/>
+            <a:ext cx="7886700" cy="680468"/>
+          </a:xfrm>
+        </p:spPr>
+        <p:txBody>
+          <a:bodyPr/>
+          <a:lstStyle/>
+          <a:p>
+            <a:r>
+              <a:rPr lang="en-US" dirty="0"/>
+              <a:t>Example 2</a:t>
+            </a:r>
+          </a:p>
+        </p:txBody>
+      </p:sp>
+      <p:sp>
+        <p:nvSpPr>
+          <p:cNvPr id="3" name="Content Placeholder 2">
+            <a:extLst>
+              <a:ext uri="{FF2B5EF4-FFF2-40B4-BE49-F238E27FC236}">
+                <a16:creationId xmlns:a16="http://schemas.microsoft.com/office/drawing/2014/main" id="{BE9CE75A-CAA3-5646-AB61-E94C601FF013}"/>
+              </a:ext>
+            </a:extLst>
+          </p:cNvPr>
+          <p:cNvSpPr>
+            <a:spLocks noGrp="1"/>
+          </p:cNvSpPr>
+          <p:nvPr>
+            <p:ph idx="1"/>
+          </p:nvPr>
+        </p:nvSpPr>
+        <p:spPr>
+          <a:xfrm>
+            <a:off x="220686" y="769368"/>
+            <a:ext cx="8809013" cy="4842803"/>
+          </a:xfrm>
+        </p:spPr>
+        <p:txBody>
+          <a:bodyPr/>
+          <a:lstStyle/>
+          <a:p>
+            <a:pPr marL="0" indent="0">
+              <a:buNone/>
+            </a:pPr>
+            <a:r>
+              <a:rPr lang="en-US" dirty="0"/>
+              <a:t>This is a second example of a create task. In this example, the input to the program will be a text file. In the previous example, our list was a list of letters that represent some key. </a:t>
+            </a:r>
+          </a:p>
+          <a:p>
+            <a:pPr marL="0" indent="0">
+              <a:buNone/>
+            </a:pPr>
+            <a:endParaRPr lang="en-US" dirty="0"/>
+          </a:p>
+          <a:p>
+            <a:pPr marL="0" indent="0">
+              <a:buNone/>
+            </a:pPr>
+            <a:r>
+              <a:rPr lang="en-US" dirty="0"/>
+              <a:t>Suppose we are writing a program that manages a database of students.  Our list will now store a collection of students. We need a data type that contains information about a student. </a:t>
+            </a:r>
+          </a:p>
+          <a:p>
+            <a:pPr marL="0" indent="0">
+              <a:buNone/>
+            </a:pPr>
+            <a:endParaRPr lang="en-US" dirty="0"/>
+          </a:p>
+          <a:p>
+            <a:pPr marL="0" indent="0">
+              <a:buNone/>
+            </a:pPr>
+            <a:r>
+              <a:rPr lang="en-US" dirty="0"/>
+              <a:t>A student has more than just one piece of information: name, age, id, address, </a:t>
+            </a:r>
+            <a:r>
+              <a:rPr lang="en-US" dirty="0" err="1"/>
+              <a:t>etc</a:t>
+            </a:r>
+            <a:r>
+              <a:rPr lang="en-US" dirty="0"/>
+              <a:t>…These collectively are the </a:t>
+            </a:r>
+            <a:r>
+              <a:rPr lang="en-US" b="1" dirty="0"/>
+              <a:t>data</a:t>
+            </a:r>
+            <a:r>
+              <a:rPr lang="en-US" dirty="0"/>
+              <a:t> of a student.</a:t>
+            </a:r>
+          </a:p>
+          <a:p>
+            <a:pPr marL="0" indent="0">
+              <a:buNone/>
+            </a:pPr>
+            <a:endParaRPr lang="en-US" dirty="0"/>
+          </a:p>
+          <a:p>
+            <a:pPr marL="0" indent="0">
+              <a:buNone/>
+            </a:pPr>
+            <a:r>
+              <a:rPr lang="en-US" dirty="0"/>
+              <a:t> A student might have some </a:t>
+            </a:r>
+            <a:r>
+              <a:rPr lang="en-US" b="1" dirty="0"/>
+              <a:t>functionality</a:t>
+            </a:r>
+            <a:r>
+              <a:rPr lang="en-US" dirty="0"/>
+              <a:t>: ability to print personal information, change their address, update school information. </a:t>
+            </a:r>
+          </a:p>
+          <a:p>
+            <a:pPr marL="0" indent="0">
+              <a:buNone/>
+            </a:pPr>
+            <a:r>
+              <a:rPr lang="en-US" dirty="0"/>
+              <a:t>How do we store such complex information about a student?</a:t>
+            </a:r>
+          </a:p>
+          <a:p>
+            <a:pPr marL="0" indent="0">
+              <a:buNone/>
+            </a:pPr>
+            <a:endParaRPr lang="en-US" dirty="0"/>
+          </a:p>
+          <a:p>
+            <a:pPr marL="0" indent="0">
+              <a:buNone/>
+            </a:pPr>
+            <a:endParaRPr lang="en-US" dirty="0"/>
+          </a:p>
+          <a:p>
+            <a:pPr marL="0" indent="0">
+              <a:buNone/>
+            </a:pPr>
+            <a:endParaRPr lang="en-US" dirty="0"/>
+          </a:p>
+        </p:txBody>
+      </p:sp>
+    </p:spTree>
+    <p:extLst>
+      <p:ext uri="{BB962C8B-B14F-4D97-AF65-F5344CB8AC3E}">
+        <p14:creationId xmlns:p14="http://schemas.microsoft.com/office/powerpoint/2010/main" val="2818469488"/>
+      </p:ext>
+    </p:extLst>
+  </p:cSld>
+  <p:clrMapOvr>
+    <a:masterClrMapping/>
+  </p:clrMapOvr>
+  <p:timing>
+    <p:tnLst>
+      <p:par>
+        <p:cTn id="1" dur="indefinite" restart="never" nodeType="tmRoot">
+          <p:childTnLst>
+            <p:seq concurrent="1" nextAc="seek">
+              <p:cTn id="2" dur="indefinite" nodeType="mainSeq">
+                <p:childTnLst>
+                  <p:par>
+                    <p:cTn id="3" fill="hold">
+                      <p:stCondLst>
+                        <p:cond delay="indefinite"/>
+                      </p:stCondLst>
+                      <p:childTnLst>
+                        <p:par>
+                          <p:cTn id="4" fill="hold">
+                            <p:stCondLst>
+                              <p:cond delay="0"/>
+                            </p:stCondLst>
+                            <p:childTnLst>
+                              <p:par>
+                                <p:cTn id="5" presetID="1" presetClass="entr" presetSubtype="0" fill="hold" nodeType="clickEffect">
+                                  <p:stCondLst>
+                                    <p:cond delay="0"/>
+                                  </p:stCondLst>
+                                  <p:childTnLst>
+                                    <p:set>
+                                      <p:cBhvr>
+                                        <p:cTn id="6" dur="1" fill="hold">
+                                          <p:stCondLst>
+                                            <p:cond delay="0"/>
+                                          </p:stCondLst>
+                                        </p:cTn>
+                                        <p:tgtEl>
+                                          <p:spTgt spid="3">
+                                            <p:txEl>
+                                              <p:pRg st="2" end="2"/>
+                                            </p:txEl>
+                                          </p:spTgt>
+                                        </p:tgtEl>
+                                        <p:attrNameLst>
+                                          <p:attrName>style.visibility</p:attrName>
+                                        </p:attrNameLst>
+                                      </p:cBhvr>
+                                      <p:to>
+                                        <p:strVal val="visible"/>
+                                      </p:to>
+                                    </p:set>
+                                  </p:childTnLst>
+                                </p:cTn>
+                              </p:par>
+                            </p:childTnLst>
+                          </p:cTn>
+                        </p:par>
+                      </p:childTnLst>
+                    </p:cTn>
+                  </p:par>
+                  <p:par>
+                    <p:cTn id="7" fill="hold">
+                      <p:stCondLst>
+                        <p:cond delay="indefinite"/>
+                      </p:stCondLst>
+                      <p:childTnLst>
+                        <p:par>
+                          <p:cTn id="8" fill="hold">
+                            <p:stCondLst>
+                              <p:cond delay="0"/>
+                            </p:stCondLst>
+                            <p:childTnLst>
+                              <p:par>
+                                <p:cTn id="9" presetID="1" presetClass="entr" presetSubtype="0" fill="hold" nodeType="clickEffect">
+                                  <p:stCondLst>
+                                    <p:cond delay="0"/>
+                                  </p:stCondLst>
+                                  <p:childTnLst>
+                                    <p:set>
+                                      <p:cBhvr>
+                                        <p:cTn id="10" dur="1" fill="hold">
+                                          <p:stCondLst>
+                                            <p:cond delay="0"/>
+                                          </p:stCondLst>
+                                        </p:cTn>
+                                        <p:tgtEl>
+                                          <p:spTgt spid="3">
+                                            <p:txEl>
+                                              <p:pRg st="4" end="4"/>
+                                            </p:txEl>
+                                          </p:spTgt>
+                                        </p:tgtEl>
+                                        <p:attrNameLst>
+                                          <p:attrName>style.visibility</p:attrName>
+                                        </p:attrNameLst>
+                                      </p:cBhvr>
+                                      <p:to>
+                                        <p:strVal val="visible"/>
+                                      </p:to>
+                                    </p:set>
+                                  </p:childTnLst>
+                                </p:cTn>
+                              </p:par>
+                            </p:childTnLst>
+                          </p:cTn>
+                        </p:par>
+                      </p:childTnLst>
+                    </p:cTn>
+                  </p:par>
+                  <p:par>
+                    <p:cTn id="11" fill="hold">
+                      <p:stCondLst>
+                        <p:cond delay="indefinite"/>
+                      </p:stCondLst>
+                      <p:childTnLst>
+                        <p:par>
+                          <p:cTn id="12" fill="hold">
+                            <p:stCondLst>
+                              <p:cond delay="0"/>
+                            </p:stCondLst>
+                            <p:childTnLst>
+                              <p:par>
+                                <p:cTn id="13" presetID="1" presetClass="entr" presetSubtype="0" fill="hold" nodeType="clickEffect">
+                                  <p:stCondLst>
+                                    <p:cond delay="0"/>
+                                  </p:stCondLst>
+                                  <p:childTnLst>
+                                    <p:set>
+                                      <p:cBhvr>
+                                        <p:cTn id="14" dur="1" fill="hold">
+                                          <p:stCondLst>
+                                            <p:cond delay="0"/>
+                                          </p:stCondLst>
+                                        </p:cTn>
+                                        <p:tgtEl>
+                                          <p:spTgt spid="3">
+                                            <p:txEl>
+                                              <p:pRg st="6" end="6"/>
+                                            </p:txEl>
+                                          </p:spTgt>
+                                        </p:tgtEl>
+                                        <p:attrNameLst>
+                                          <p:attrName>style.visibility</p:attrName>
+                                        </p:attrNameLst>
+                                      </p:cBhvr>
+                                      <p:to>
+                                        <p:strVal val="visible"/>
+                                      </p:to>
+                                    </p:set>
+                                  </p:childTnLst>
+                                </p:cTn>
+                              </p:par>
+                            </p:childTnLst>
+                          </p:cTn>
+                        </p:par>
+                      </p:childTnLst>
+                    </p:cTn>
+                  </p:par>
+                  <p:par>
+                    <p:cTn id="15" fill="hold">
+                      <p:stCondLst>
+                        <p:cond delay="indefinite"/>
+                      </p:stCondLst>
+                      <p:childTnLst>
+                        <p:par>
+                          <p:cTn id="16" fill="hold">
+                            <p:stCondLst>
+                              <p:cond delay="0"/>
+                            </p:stCondLst>
+                            <p:childTnLst>
+                              <p:par>
+                                <p:cTn id="17" presetID="1" presetClass="entr" presetSubtype="0" fill="hold" nodeType="clickEffect">
+                                  <p:stCondLst>
+                                    <p:cond delay="0"/>
+                                  </p:stCondLst>
+                                  <p:childTnLst>
+                                    <p:set>
+                                      <p:cBhvr>
+                                        <p:cTn id="18" dur="1" fill="hold">
+                                          <p:stCondLst>
+                                            <p:cond delay="0"/>
+                                          </p:stCondLst>
+                                        </p:cTn>
+                                        <p:tgtEl>
+                                          <p:spTgt spid="3">
+                                            <p:txEl>
+                                              <p:pRg st="7" end="7"/>
+                                            </p:txEl>
+                                          </p:spTgt>
+                                        </p:tgtEl>
+                                        <p:attrNameLst>
+                                          <p:attrName>style.visibility</p:attrName>
+                                        </p:attrNameLst>
+                                      </p:cBhvr>
+                                      <p:to>
+                                        <p:strVal val="visible"/>
+                                      </p:to>
+                                    </p:set>
+                                  </p:childTnLst>
+                                </p:cTn>
+                              </p:par>
+                            </p:childTnLst>
+                          </p:cTn>
+                        </p:par>
+                      </p:childTnLst>
+                    </p:cTn>
+                  </p:par>
+                </p:childTnLst>
+              </p:cTn>
+              <p:prevCondLst>
+                <p:cond evt="onPrev" delay="0">
+                  <p:tgtEl>
+                    <p:sldTgt/>
+                  </p:tgtEl>
+                </p:cond>
+              </p:prevCondLst>
+              <p:nextCondLst>
+                <p:cond evt="onNext" delay="0">
+                  <p:tgtEl>
+                    <p:sldTgt/>
+                  </p:tgtEl>
+                </p:cond>
+              </p:nextCondLst>
+            </p:seq>
+          </p:childTnLst>
+        </p:cTn>
+      </p:par>
+    </p:tnLst>
+  </p:timing>
+</p:sld>
+</file>
+
+<file path=ppt/slides/slide25.xml><?xml version="1.0" encoding="utf-8"?>
+<p:sld xmlns:a="http://schemas.openxmlformats.org/drawingml/2006/main" xmlns:r="http://schemas.openxmlformats.org/officeDocument/2006/relationships" xmlns:p="http://schemas.openxmlformats.org/presentationml/2006/main">
+  <p:cSld>
+    <p:spTree>
+      <p:nvGrpSpPr>
+        <p:cNvPr id="1" name=""/>
+        <p:cNvGrpSpPr/>
+        <p:nvPr/>
+      </p:nvGrpSpPr>
+      <p:grpSpPr>
+        <a:xfrm>
+          <a:off x="0" y="0"/>
+          <a:ext cx="0" cy="0"/>
+          <a:chOff x="0" y="0"/>
+          <a:chExt cx="0" cy="0"/>
+        </a:xfrm>
+      </p:grpSpPr>
+      <p:sp>
+        <p:nvSpPr>
+          <p:cNvPr id="2" name="Title 1">
+            <a:extLst>
+              <a:ext uri="{FF2B5EF4-FFF2-40B4-BE49-F238E27FC236}">
+                <a16:creationId xmlns:a16="http://schemas.microsoft.com/office/drawing/2014/main" id="{2CAD482E-9621-034B-B5B9-A2A3E3815EBF}"/>
+              </a:ext>
+            </a:extLst>
+          </p:cNvPr>
+          <p:cNvSpPr>
+            <a:spLocks noGrp="1"/>
+          </p:cNvSpPr>
+          <p:nvPr>
+            <p:ph type="title"/>
+          </p:nvPr>
+        </p:nvSpPr>
+        <p:spPr>
+          <a:xfrm>
+            <a:off x="220686" y="102829"/>
+            <a:ext cx="7886700" cy="680468"/>
+          </a:xfrm>
+        </p:spPr>
+        <p:txBody>
+          <a:bodyPr/>
+          <a:lstStyle/>
+          <a:p>
+            <a:r>
+              <a:rPr lang="en-US" dirty="0"/>
+              <a:t>Example 2</a:t>
+            </a:r>
+          </a:p>
+        </p:txBody>
+      </p:sp>
+      <p:sp>
+        <p:nvSpPr>
+          <p:cNvPr id="3" name="Content Placeholder 2">
+            <a:extLst>
+              <a:ext uri="{FF2B5EF4-FFF2-40B4-BE49-F238E27FC236}">
+                <a16:creationId xmlns:a16="http://schemas.microsoft.com/office/drawing/2014/main" id="{BE9CE75A-CAA3-5646-AB61-E94C601FF013}"/>
+              </a:ext>
+            </a:extLst>
+          </p:cNvPr>
+          <p:cNvSpPr>
+            <a:spLocks noGrp="1"/>
+          </p:cNvSpPr>
+          <p:nvPr>
+            <p:ph idx="1"/>
+          </p:nvPr>
+        </p:nvSpPr>
+        <p:spPr>
+          <a:xfrm>
+            <a:off x="220686" y="1016000"/>
+            <a:ext cx="8809013" cy="4596171"/>
+          </a:xfrm>
+        </p:spPr>
+        <p:txBody>
+          <a:bodyPr/>
+          <a:lstStyle/>
+          <a:p>
+            <a:pPr marL="0" indent="0">
+              <a:buNone/>
+            </a:pPr>
+            <a:r>
+              <a:rPr lang="en-US" dirty="0"/>
+              <a:t>We have seen this before in Processing. The class Sprite was able to store many pieces of data about a Sprite: position, velocity, image. It also stored different functionality of what a Sprite can do: draw itself, update itself, get left side of Sprite, set left side of Sprite, etc..</a:t>
+            </a:r>
+          </a:p>
+          <a:p>
+            <a:pPr marL="0" indent="0">
+              <a:buNone/>
+            </a:pPr>
+            <a:endParaRPr lang="en-US" dirty="0"/>
+          </a:p>
+          <a:p>
+            <a:pPr marL="0" indent="0">
+              <a:buNone/>
+            </a:pPr>
+            <a:endParaRPr lang="en-US" dirty="0"/>
+          </a:p>
+          <a:p>
+            <a:pPr marL="0" indent="0">
+              <a:buNone/>
+            </a:pPr>
+            <a:r>
+              <a:rPr lang="en-US" dirty="0"/>
+              <a:t>We like a data type that can bundle </a:t>
+            </a:r>
+            <a:r>
+              <a:rPr lang="en-US" b="1" dirty="0"/>
+              <a:t>data</a:t>
+            </a:r>
+            <a:r>
+              <a:rPr lang="en-US" dirty="0"/>
+              <a:t> and </a:t>
+            </a:r>
+            <a:r>
+              <a:rPr lang="en-US" b="1" dirty="0"/>
+              <a:t>functionality</a:t>
+            </a:r>
+            <a:r>
+              <a:rPr lang="en-US" dirty="0"/>
+              <a:t> into one variable.</a:t>
+            </a:r>
+          </a:p>
+          <a:p>
+            <a:pPr marL="0" indent="0">
+              <a:buNone/>
+            </a:pPr>
+            <a:r>
+              <a:rPr lang="en-US" dirty="0"/>
+              <a:t>A </a:t>
+            </a:r>
+            <a:r>
+              <a:rPr lang="en-US" b="1" dirty="0"/>
+              <a:t>class</a:t>
+            </a:r>
+            <a:r>
+              <a:rPr lang="en-US" dirty="0"/>
+              <a:t> bundles together </a:t>
+            </a:r>
+            <a:r>
+              <a:rPr lang="en-US" i="1" dirty="0"/>
+              <a:t>data </a:t>
+            </a:r>
+            <a:r>
+              <a:rPr lang="en-US" dirty="0"/>
+              <a:t>(instance variables or attributes) and </a:t>
+            </a:r>
+            <a:r>
+              <a:rPr lang="en-US" i="1" dirty="0"/>
+              <a:t>functionality </a:t>
+            </a:r>
+            <a:r>
+              <a:rPr lang="en-US" dirty="0"/>
+              <a:t>(methods). Another name for class is </a:t>
+            </a:r>
+            <a:r>
+              <a:rPr lang="en-US" b="1" dirty="0"/>
+              <a:t>type</a:t>
+            </a:r>
+            <a:r>
+              <a:rPr lang="en-US" dirty="0"/>
+              <a:t>.</a:t>
+            </a:r>
+          </a:p>
+          <a:p>
+            <a:pPr marL="0" indent="0">
+              <a:buNone/>
+            </a:pPr>
+            <a:endParaRPr lang="en-US" dirty="0"/>
+          </a:p>
+          <a:p>
+            <a:pPr marL="0" indent="0">
+              <a:buNone/>
+            </a:pPr>
+            <a:r>
+              <a:rPr lang="en-US" dirty="0"/>
+              <a:t>Motivated by the Sprite class, we will write the Student class. Compare this example to the Sprite class we have used in Processing.</a:t>
+            </a:r>
+          </a:p>
+          <a:p>
+            <a:pPr marL="0" indent="0">
+              <a:buNone/>
+            </a:pPr>
+            <a:endParaRPr lang="en-US" dirty="0"/>
+          </a:p>
+          <a:p>
+            <a:pPr marL="0" indent="0">
+              <a:buNone/>
+            </a:pPr>
+            <a:endParaRPr lang="en-US" dirty="0"/>
+          </a:p>
+          <a:p>
+            <a:pPr marL="0" indent="0">
+              <a:buNone/>
+            </a:pPr>
+            <a:endParaRPr lang="en-US" dirty="0"/>
+          </a:p>
+        </p:txBody>
+      </p:sp>
+    </p:spTree>
+    <p:extLst>
+      <p:ext uri="{BB962C8B-B14F-4D97-AF65-F5344CB8AC3E}">
+        <p14:creationId xmlns:p14="http://schemas.microsoft.com/office/powerpoint/2010/main" val="1495716717"/>
+      </p:ext>
+    </p:extLst>
+  </p:cSld>
+  <p:clrMapOvr>
+    <a:masterClrMapping/>
+  </p:clrMapOvr>
+  <p:timing>
+    <p:tnLst>
+      <p:par>
+        <p:cTn id="1" dur="indefinite" restart="never" nodeType="tmRoot">
+          <p:childTnLst>
+            <p:seq concurrent="1" nextAc="seek">
+              <p:cTn id="2" dur="indefinite" nodeType="mainSeq">
+                <p:childTnLst>
+                  <p:par>
+                    <p:cTn id="3" fill="hold">
+                      <p:stCondLst>
+                        <p:cond delay="indefinite"/>
+                      </p:stCondLst>
+                      <p:childTnLst>
+                        <p:par>
+                          <p:cTn id="4" fill="hold">
+                            <p:stCondLst>
+                              <p:cond delay="0"/>
+                            </p:stCondLst>
+                            <p:childTnLst>
+                              <p:par>
+                                <p:cTn id="5" presetID="1" presetClass="entr" presetSubtype="0" fill="hold" nodeType="clickEffect">
+                                  <p:stCondLst>
+                                    <p:cond delay="0"/>
+                                  </p:stCondLst>
+                                  <p:childTnLst>
+                                    <p:set>
+                                      <p:cBhvr>
+                                        <p:cTn id="6" dur="1" fill="hold">
+                                          <p:stCondLst>
+                                            <p:cond delay="0"/>
+                                          </p:stCondLst>
+                                        </p:cTn>
+                                        <p:tgtEl>
+                                          <p:spTgt spid="3">
+                                            <p:txEl>
+                                              <p:pRg st="3" end="3"/>
+                                            </p:txEl>
+                                          </p:spTgt>
+                                        </p:tgtEl>
+                                        <p:attrNameLst>
+                                          <p:attrName>style.visibility</p:attrName>
+                                        </p:attrNameLst>
+                                      </p:cBhvr>
+                                      <p:to>
+                                        <p:strVal val="visible"/>
+                                      </p:to>
+                                    </p:set>
+                                  </p:childTnLst>
+                                </p:cTn>
+                              </p:par>
+                            </p:childTnLst>
+                          </p:cTn>
+                        </p:par>
+                      </p:childTnLst>
+                    </p:cTn>
+                  </p:par>
+                  <p:par>
+                    <p:cTn id="7" fill="hold">
+                      <p:stCondLst>
+                        <p:cond delay="indefinite"/>
+                      </p:stCondLst>
+                      <p:childTnLst>
+                        <p:par>
+                          <p:cTn id="8" fill="hold">
+                            <p:stCondLst>
+                              <p:cond delay="0"/>
+                            </p:stCondLst>
+                            <p:childTnLst>
+                              <p:par>
+                                <p:cTn id="9" presetID="1" presetClass="entr" presetSubtype="0" fill="hold" nodeType="clickEffect">
+                                  <p:stCondLst>
+                                    <p:cond delay="0"/>
+                                  </p:stCondLst>
+                                  <p:childTnLst>
+                                    <p:set>
+                                      <p:cBhvr>
+                                        <p:cTn id="10" dur="1" fill="hold">
+                                          <p:stCondLst>
+                                            <p:cond delay="0"/>
+                                          </p:stCondLst>
+                                        </p:cTn>
+                                        <p:tgtEl>
+                                          <p:spTgt spid="3">
+                                            <p:txEl>
+                                              <p:pRg st="4" end="4"/>
+                                            </p:txEl>
+                                          </p:spTgt>
+                                        </p:tgtEl>
+                                        <p:attrNameLst>
+                                          <p:attrName>style.visibility</p:attrName>
+                                        </p:attrNameLst>
+                                      </p:cBhvr>
+                                      <p:to>
+                                        <p:strVal val="visible"/>
+                                      </p:to>
+                                    </p:set>
+                                  </p:childTnLst>
+                                </p:cTn>
+                              </p:par>
+                            </p:childTnLst>
+                          </p:cTn>
+                        </p:par>
+                      </p:childTnLst>
+                    </p:cTn>
+                  </p:par>
+                  <p:par>
+                    <p:cTn id="11" fill="hold">
+                      <p:stCondLst>
+                        <p:cond delay="indefinite"/>
+                      </p:stCondLst>
+                      <p:childTnLst>
+                        <p:par>
+                          <p:cTn id="12" fill="hold">
+                            <p:stCondLst>
+                              <p:cond delay="0"/>
+                            </p:stCondLst>
+                            <p:childTnLst>
+                              <p:par>
+                                <p:cTn id="13" presetID="1" presetClass="entr" presetSubtype="0" fill="hold" nodeType="clickEffect">
+                                  <p:stCondLst>
+                                    <p:cond delay="0"/>
+                                  </p:stCondLst>
+                                  <p:childTnLst>
+                                    <p:set>
+                                      <p:cBhvr>
+                                        <p:cTn id="14" dur="1" fill="hold">
+                                          <p:stCondLst>
+                                            <p:cond delay="0"/>
+                                          </p:stCondLst>
+                                        </p:cTn>
+                                        <p:tgtEl>
+                                          <p:spTgt spid="3">
+                                            <p:txEl>
+                                              <p:pRg st="6" end="6"/>
+                                            </p:txEl>
+                                          </p:spTgt>
+                                        </p:tgtEl>
+                                        <p:attrNameLst>
+                                          <p:attrName>style.visibility</p:attrName>
+                                        </p:attrNameLst>
+                                      </p:cBhvr>
+                                      <p:to>
+                                        <p:strVal val="visible"/>
+                                      </p:to>
+                                    </p:set>
+                                  </p:childTnLst>
+                                </p:cTn>
+                              </p:par>
+                            </p:childTnLst>
+                          </p:cTn>
+                        </p:par>
+                      </p:childTnLst>
+                    </p:cTn>
+                  </p:par>
+                </p:childTnLst>
+              </p:cTn>
+              <p:prevCondLst>
+                <p:cond evt="onPrev" delay="0">
+                  <p:tgtEl>
+                    <p:sldTgt/>
+                  </p:tgtEl>
+                </p:cond>
+              </p:prevCondLst>
+              <p:nextCondLst>
+                <p:cond evt="onNext" delay="0">
+                  <p:tgtEl>
+                    <p:sldTgt/>
+                  </p:tgtEl>
+                </p:cond>
+              </p:nextCondLst>
+            </p:seq>
+          </p:childTnLst>
+        </p:cTn>
+      </p:par>
+    </p:tnLst>
+  </p:timing>
+</p:sld>
+</file>
+
+<file path=ppt/slides/slide26.xml><?xml version="1.0" encoding="utf-8"?>
+<p:sld xmlns:a="http://schemas.openxmlformats.org/drawingml/2006/main" xmlns:r="http://schemas.openxmlformats.org/officeDocument/2006/relationships" xmlns:p="http://schemas.openxmlformats.org/presentationml/2006/main">
+  <p:cSld>
+    <p:spTree>
+      <p:nvGrpSpPr>
+        <p:cNvPr id="1" name=""/>
+        <p:cNvGrpSpPr/>
+        <p:nvPr/>
+      </p:nvGrpSpPr>
+      <p:grpSpPr>
+        <a:xfrm>
+          <a:off x="0" y="0"/>
+          <a:ext cx="0" cy="0"/>
+          <a:chOff x="0" y="0"/>
+          <a:chExt cx="0" cy="0"/>
+        </a:xfrm>
+      </p:grpSpPr>
+      <p:sp>
+        <p:nvSpPr>
+          <p:cNvPr id="2" name="Title 1">
+            <a:extLst>
+              <a:ext uri="{FF2B5EF4-FFF2-40B4-BE49-F238E27FC236}">
+                <a16:creationId xmlns:a16="http://schemas.microsoft.com/office/drawing/2014/main" id="{AA3A228F-61D0-D949-A5E7-F83756230BF8}"/>
+              </a:ext>
+            </a:extLst>
+          </p:cNvPr>
+          <p:cNvSpPr>
+            <a:spLocks noGrp="1"/>
+          </p:cNvSpPr>
+          <p:nvPr>
+            <p:ph type="title"/>
+          </p:nvPr>
+        </p:nvSpPr>
+        <p:spPr>
+          <a:xfrm>
+            <a:off x="483848" y="83453"/>
+            <a:ext cx="7053542" cy="535672"/>
+          </a:xfrm>
+        </p:spPr>
+        <p:txBody>
+          <a:bodyPr/>
+          <a:lstStyle/>
+          <a:p>
+            <a:r>
+              <a:rPr lang="en-US" dirty="0"/>
+              <a:t>An Example of a class</a:t>
+            </a:r>
+          </a:p>
+        </p:txBody>
+      </p:sp>
+      <p:sp>
+        <p:nvSpPr>
+          <p:cNvPr id="9" name="Content Placeholder 8">
+            <a:extLst>
+              <a:ext uri="{FF2B5EF4-FFF2-40B4-BE49-F238E27FC236}">
+                <a16:creationId xmlns:a16="http://schemas.microsoft.com/office/drawing/2014/main" id="{E3B2E017-30B2-884B-A113-B419A2ED51AD}"/>
+              </a:ext>
+            </a:extLst>
+          </p:cNvPr>
+          <p:cNvSpPr>
+            <a:spLocks noGrp="1"/>
+          </p:cNvSpPr>
+          <p:nvPr>
+            <p:ph idx="1"/>
+          </p:nvPr>
+        </p:nvSpPr>
+        <p:spPr>
+          <a:xfrm>
+            <a:off x="483848" y="619125"/>
+            <a:ext cx="8051725" cy="5095875"/>
+          </a:xfrm>
+        </p:spPr>
+        <p:txBody>
+          <a:bodyPr>
+            <a:noAutofit/>
+          </a:bodyPr>
+          <a:lstStyle/>
+          <a:p>
+            <a:pPr marL="0" indent="0">
+              <a:buNone/>
+            </a:pPr>
+            <a:r>
+              <a:rPr lang="en-US" sz="1600" b="1" dirty="0" err="1">
+                <a:solidFill>
+                  <a:srgbClr val="FF0000"/>
+                </a:solidFill>
+                <a:latin typeface="Inconsolata" panose="020B0609030003000000" pitchFamily="49" charset="77"/>
+              </a:rPr>
+              <a:t>main.py</a:t>
+            </a:r>
+            <a:endParaRPr lang="en-US" sz="1600" b="1" dirty="0">
+              <a:solidFill>
+                <a:srgbClr val="34A327"/>
+              </a:solidFill>
+              <a:latin typeface="Inconsolata" panose="020B0609030003000000" pitchFamily="49" charset="77"/>
+            </a:endParaRPr>
+          </a:p>
+          <a:p>
+            <a:pPr marL="0" indent="0">
+              <a:buNone/>
+            </a:pPr>
+            <a:r>
+              <a:rPr lang="en-US" sz="1600" b="1" dirty="0">
+                <a:solidFill>
+                  <a:srgbClr val="34A327"/>
+                </a:solidFill>
+                <a:latin typeface="Inconsolata" panose="020B0609030003000000" pitchFamily="49" charset="77"/>
+              </a:rPr>
+              <a:t>class</a:t>
+            </a:r>
+            <a:r>
+              <a:rPr lang="en-US" sz="1600" b="1" dirty="0">
+                <a:solidFill>
+                  <a:srgbClr val="000000"/>
+                </a:solidFill>
+                <a:latin typeface="Inconsolata" panose="020B0609030003000000" pitchFamily="49" charset="77"/>
+              </a:rPr>
+              <a:t> </a:t>
+            </a:r>
+            <a:r>
+              <a:rPr lang="en-US" sz="1600" b="1" dirty="0">
+                <a:solidFill>
+                  <a:srgbClr val="3C9FF2"/>
+                </a:solidFill>
+                <a:latin typeface="Inconsolata" panose="020B0609030003000000" pitchFamily="49" charset="77"/>
+              </a:rPr>
+              <a:t>Student:</a:t>
+            </a:r>
+          </a:p>
+          <a:p>
+            <a:pPr marL="0" indent="0">
+              <a:buNone/>
+            </a:pPr>
+            <a:r>
+              <a:rPr lang="en-US" sz="1600" b="1" dirty="0">
+                <a:solidFill>
+                  <a:srgbClr val="3C9FF2"/>
+                </a:solidFill>
+                <a:latin typeface="Inconsolata" panose="020B0609030003000000" pitchFamily="49" charset="77"/>
+              </a:rPr>
+              <a:t>	def __</a:t>
+            </a:r>
+            <a:r>
+              <a:rPr lang="en-US" sz="1600" b="1" dirty="0" err="1">
+                <a:solidFill>
+                  <a:srgbClr val="3C9FF2"/>
+                </a:solidFill>
+                <a:latin typeface="Inconsolata" panose="020B0609030003000000" pitchFamily="49" charset="77"/>
+              </a:rPr>
+              <a:t>init</a:t>
+            </a:r>
+            <a:r>
+              <a:rPr lang="en-US" sz="1600" b="1" dirty="0">
+                <a:solidFill>
+                  <a:srgbClr val="3C9FF2"/>
+                </a:solidFill>
+                <a:latin typeface="Inconsolata" panose="020B0609030003000000" pitchFamily="49" charset="77"/>
+              </a:rPr>
+              <a:t>__(self, </a:t>
+            </a:r>
+            <a:r>
+              <a:rPr lang="en-US" sz="1600" b="1" dirty="0">
+                <a:latin typeface="Inconsolata" panose="020B0609030003000000" pitchFamily="49" charset="77"/>
+              </a:rPr>
+              <a:t>name</a:t>
+            </a:r>
+            <a:r>
+              <a:rPr lang="en-US" sz="1600" b="1" dirty="0">
+                <a:solidFill>
+                  <a:srgbClr val="3C9FF2"/>
+                </a:solidFill>
+                <a:latin typeface="Inconsolata" panose="020B0609030003000000" pitchFamily="49" charset="77"/>
+              </a:rPr>
+              <a:t>, </a:t>
+            </a:r>
+            <a:r>
+              <a:rPr lang="en-US" sz="1600" b="1" dirty="0">
+                <a:latin typeface="Inconsolata" panose="020B0609030003000000" pitchFamily="49" charset="77"/>
+              </a:rPr>
+              <a:t>id</a:t>
+            </a:r>
+            <a:r>
+              <a:rPr lang="en-US" sz="1600" b="1" dirty="0">
+                <a:solidFill>
+                  <a:srgbClr val="3C9FF2"/>
+                </a:solidFill>
+                <a:latin typeface="Inconsolata" panose="020B0609030003000000" pitchFamily="49" charset="77"/>
+              </a:rPr>
+              <a:t>):</a:t>
+            </a:r>
+          </a:p>
+          <a:p>
+            <a:pPr marL="0" indent="0">
+              <a:buNone/>
+            </a:pPr>
+            <a:r>
+              <a:rPr lang="en-US" sz="1600" b="1" dirty="0">
+                <a:solidFill>
+                  <a:srgbClr val="3C9FF2"/>
+                </a:solidFill>
+                <a:latin typeface="Inconsolata" panose="020B0609030003000000" pitchFamily="49" charset="77"/>
+              </a:rPr>
+              <a:t>		</a:t>
+            </a:r>
+            <a:r>
+              <a:rPr lang="en-US" sz="1600" b="1" dirty="0" err="1">
+                <a:latin typeface="Inconsolata" panose="020B0609030003000000" pitchFamily="49" charset="77"/>
+              </a:rPr>
+              <a:t>self.name</a:t>
+            </a:r>
+            <a:r>
+              <a:rPr lang="en-US" sz="1600" b="1" dirty="0">
+                <a:latin typeface="Inconsolata" panose="020B0609030003000000" pitchFamily="49" charset="77"/>
+              </a:rPr>
+              <a:t> </a:t>
+            </a:r>
+            <a:r>
+              <a:rPr lang="en-US" sz="1600" b="1" dirty="0">
+                <a:solidFill>
+                  <a:srgbClr val="3C9FF2"/>
+                </a:solidFill>
+                <a:latin typeface="Inconsolata" panose="020B0609030003000000" pitchFamily="49" charset="77"/>
+              </a:rPr>
+              <a:t>= name</a:t>
+            </a:r>
+          </a:p>
+          <a:p>
+            <a:pPr marL="0" indent="0">
+              <a:buNone/>
+            </a:pPr>
+            <a:r>
+              <a:rPr lang="en-US" sz="1600" b="1" dirty="0">
+                <a:solidFill>
+                  <a:srgbClr val="3C9FF2"/>
+                </a:solidFill>
+                <a:latin typeface="Inconsolata" panose="020B0609030003000000" pitchFamily="49" charset="77"/>
+              </a:rPr>
+              <a:t>		</a:t>
+            </a:r>
+            <a:r>
+              <a:rPr lang="en-US" sz="1600" b="1" dirty="0" err="1">
+                <a:latin typeface="Inconsolata" panose="020B0609030003000000" pitchFamily="49" charset="77"/>
+              </a:rPr>
+              <a:t>self.id</a:t>
+            </a:r>
+            <a:r>
+              <a:rPr lang="en-US" sz="1600" b="1" dirty="0">
+                <a:latin typeface="Inconsolata" panose="020B0609030003000000" pitchFamily="49" charset="77"/>
+              </a:rPr>
+              <a:t> </a:t>
+            </a:r>
+            <a:r>
+              <a:rPr lang="en-US" sz="1600" b="1" dirty="0">
+                <a:solidFill>
+                  <a:srgbClr val="3C9FF2"/>
+                </a:solidFill>
+                <a:latin typeface="Inconsolata" panose="020B0609030003000000" pitchFamily="49" charset="77"/>
+              </a:rPr>
+              <a:t>= id</a:t>
+            </a:r>
+          </a:p>
+          <a:p>
+            <a:pPr marL="0" indent="0">
+              <a:buNone/>
+            </a:pPr>
+            <a:r>
+              <a:rPr lang="en-US" sz="1600" b="1" dirty="0">
+                <a:solidFill>
+                  <a:srgbClr val="3C9FF2"/>
+                </a:solidFill>
+                <a:latin typeface="Inconsolata" panose="020B0609030003000000" pitchFamily="49" charset="77"/>
+              </a:rPr>
+              <a:t>	def </a:t>
+            </a:r>
+            <a:r>
+              <a:rPr lang="en-US" sz="1600" b="1" dirty="0" err="1">
+                <a:solidFill>
+                  <a:srgbClr val="3C9FF2"/>
+                </a:solidFill>
+                <a:latin typeface="Inconsolata" panose="020B0609030003000000" pitchFamily="49" charset="77"/>
+              </a:rPr>
+              <a:t>print_info</a:t>
+            </a:r>
+            <a:r>
+              <a:rPr lang="en-US" sz="1600" b="1" dirty="0">
+                <a:solidFill>
+                  <a:srgbClr val="3C9FF2"/>
+                </a:solidFill>
+                <a:latin typeface="Inconsolata" panose="020B0609030003000000" pitchFamily="49" charset="77"/>
+              </a:rPr>
+              <a:t>(self):</a:t>
+            </a:r>
+          </a:p>
+          <a:p>
+            <a:pPr marL="0" indent="0">
+              <a:buNone/>
+            </a:pPr>
+            <a:r>
+              <a:rPr lang="en-US" sz="1600" b="1" dirty="0">
+                <a:solidFill>
+                  <a:srgbClr val="3C9FF2"/>
+                </a:solidFill>
+                <a:latin typeface="Inconsolata" panose="020B0609030003000000" pitchFamily="49" charset="77"/>
+              </a:rPr>
+              <a:t>		</a:t>
+            </a:r>
+            <a:r>
+              <a:rPr lang="en-US" sz="1600" b="1" dirty="0">
+                <a:latin typeface="Inconsolata" panose="020B0609030003000000" pitchFamily="49" charset="77"/>
+              </a:rPr>
+              <a:t>print(</a:t>
+            </a:r>
+            <a:r>
+              <a:rPr lang="en-US" sz="1600" b="1" dirty="0" err="1">
+                <a:latin typeface="Inconsolata" panose="020B0609030003000000" pitchFamily="49" charset="77"/>
+              </a:rPr>
+              <a:t>self.name</a:t>
+            </a:r>
+            <a:r>
+              <a:rPr lang="en-US" sz="1600" b="1" dirty="0">
+                <a:latin typeface="Inconsolata" panose="020B0609030003000000" pitchFamily="49" charset="77"/>
+              </a:rPr>
+              <a:t>, </a:t>
+            </a:r>
+            <a:r>
+              <a:rPr lang="en-US" sz="1600" b="1" dirty="0" err="1">
+                <a:latin typeface="Inconsolata" panose="020B0609030003000000" pitchFamily="49" charset="77"/>
+              </a:rPr>
+              <a:t>self.id</a:t>
+            </a:r>
+            <a:r>
+              <a:rPr lang="en-US" sz="1600" b="1" dirty="0">
+                <a:latin typeface="Inconsolata" panose="020B0609030003000000" pitchFamily="49" charset="77"/>
+              </a:rPr>
+              <a:t>)</a:t>
+            </a:r>
+            <a:endParaRPr lang="en-US" sz="1600" b="1" dirty="0">
+              <a:solidFill>
+                <a:srgbClr val="34A327"/>
+              </a:solidFill>
+              <a:latin typeface="Inconsolata" panose="020B0609030003000000" pitchFamily="49" charset="77"/>
+            </a:endParaRPr>
+          </a:p>
+          <a:p>
+            <a:pPr marL="0" indent="0">
+              <a:buNone/>
+            </a:pPr>
+            <a:r>
+              <a:rPr lang="en-US" sz="1600" b="1" dirty="0">
+                <a:solidFill>
+                  <a:srgbClr val="34A327"/>
+                </a:solidFill>
+                <a:latin typeface="Inconsolata" panose="020B0609030003000000" pitchFamily="49" charset="77"/>
+              </a:rPr>
+              <a:t>def</a:t>
+            </a:r>
+            <a:r>
+              <a:rPr lang="en-US" sz="1600" b="1" dirty="0">
+                <a:solidFill>
+                  <a:srgbClr val="000000"/>
+                </a:solidFill>
+                <a:latin typeface="Inconsolata" panose="020B0609030003000000" pitchFamily="49" charset="77"/>
+              </a:rPr>
+              <a:t> </a:t>
+            </a:r>
+            <a:r>
+              <a:rPr lang="en-US" sz="1600" b="1" dirty="0">
+                <a:solidFill>
+                  <a:srgbClr val="3C9FF2"/>
+                </a:solidFill>
+                <a:latin typeface="Inconsolata" panose="020B0609030003000000" pitchFamily="49" charset="77"/>
+              </a:rPr>
+              <a:t>main</a:t>
+            </a:r>
+            <a:r>
+              <a:rPr lang="en-US" sz="1600" b="1" dirty="0">
+                <a:solidFill>
+                  <a:srgbClr val="000000"/>
+                </a:solidFill>
+                <a:latin typeface="Inconsolata" panose="020B0609030003000000" pitchFamily="49" charset="77"/>
+              </a:rPr>
+              <a:t>(): </a:t>
+            </a:r>
+          </a:p>
+          <a:p>
+            <a:pPr marL="0" indent="0">
+              <a:buNone/>
+            </a:pPr>
+            <a:r>
+              <a:rPr lang="en-US" sz="1600" b="1" dirty="0">
+                <a:solidFill>
+                  <a:srgbClr val="000000"/>
+                </a:solidFill>
+                <a:latin typeface="Inconsolata" panose="020B0609030003000000" pitchFamily="49" charset="77"/>
+              </a:rPr>
+              <a:t>	s1 = Student("Mike Smith", 34323)</a:t>
+            </a:r>
+          </a:p>
+          <a:p>
+            <a:pPr marL="0" indent="0">
+              <a:buNone/>
+            </a:pPr>
+            <a:r>
+              <a:rPr lang="en-US" sz="1600" b="1" dirty="0">
+                <a:solidFill>
+                  <a:srgbClr val="000000"/>
+                </a:solidFill>
+                <a:latin typeface="Inconsolata" panose="020B0609030003000000" pitchFamily="49" charset="77"/>
+              </a:rPr>
+              <a:t>	s2 = Student("Sarah Jones", 67432)</a:t>
+            </a:r>
+          </a:p>
+          <a:p>
+            <a:pPr marL="0" indent="0">
+              <a:buNone/>
+            </a:pPr>
+            <a:r>
+              <a:rPr lang="en-US" sz="1600" b="1" dirty="0">
+                <a:solidFill>
+                  <a:srgbClr val="000000"/>
+                </a:solidFill>
+                <a:latin typeface="Inconsolata" panose="020B0609030003000000" pitchFamily="49" charset="77"/>
+              </a:rPr>
+              <a:t>	print(s1.name)	</a:t>
+            </a:r>
+            <a:r>
+              <a:rPr lang="en-US" sz="1600" b="1" dirty="0">
+                <a:solidFill>
+                  <a:schemeClr val="accent1"/>
+                </a:solidFill>
+                <a:latin typeface="Inconsolata" panose="020B0609030003000000" pitchFamily="49" charset="77"/>
+              </a:rPr>
+              <a:t># Mike Smith</a:t>
+            </a:r>
+          </a:p>
+          <a:p>
+            <a:pPr marL="0" indent="0">
+              <a:buNone/>
+            </a:pPr>
+            <a:r>
+              <a:rPr lang="en-US" sz="1600" b="1" dirty="0">
+                <a:solidFill>
+                  <a:srgbClr val="000000"/>
+                </a:solidFill>
+                <a:latin typeface="Inconsolata" panose="020B0609030003000000" pitchFamily="49" charset="77"/>
+              </a:rPr>
+              <a:t>	print(s2.name)	</a:t>
+            </a:r>
+            <a:r>
+              <a:rPr lang="en-US" sz="1600" b="1" dirty="0">
+                <a:solidFill>
+                  <a:schemeClr val="accent1"/>
+                </a:solidFill>
+                <a:latin typeface="Inconsolata" panose="020B0609030003000000" pitchFamily="49" charset="77"/>
+              </a:rPr>
+              <a:t># Sarah Jones</a:t>
+            </a:r>
+          </a:p>
+          <a:p>
+            <a:pPr marL="0" indent="0">
+              <a:buNone/>
+            </a:pPr>
+            <a:r>
+              <a:rPr lang="en-US" sz="1600" b="1" dirty="0">
+                <a:solidFill>
+                  <a:srgbClr val="000000"/>
+                </a:solidFill>
+                <a:latin typeface="Inconsolata" panose="020B0609030003000000" pitchFamily="49" charset="77"/>
+              </a:rPr>
+              <a:t>	print(s1.id)		</a:t>
+            </a:r>
+            <a:r>
+              <a:rPr lang="en-US" sz="1600" b="1" dirty="0">
+                <a:solidFill>
+                  <a:schemeClr val="accent1"/>
+                </a:solidFill>
+                <a:latin typeface="Inconsolata" panose="020B0609030003000000" pitchFamily="49" charset="77"/>
+              </a:rPr>
+              <a:t># 34323</a:t>
+            </a:r>
+          </a:p>
+          <a:p>
+            <a:pPr marL="0" indent="0">
+              <a:buNone/>
+            </a:pPr>
+            <a:r>
+              <a:rPr lang="en-US" sz="1600" b="1" dirty="0">
+                <a:solidFill>
+                  <a:srgbClr val="000000"/>
+                </a:solidFill>
+                <a:latin typeface="Inconsolata" panose="020B0609030003000000" pitchFamily="49" charset="77"/>
+              </a:rPr>
+              <a:t>	s1.print_info()	</a:t>
+            </a:r>
+            <a:r>
+              <a:rPr lang="en-US" sz="1600" b="1" dirty="0">
+                <a:solidFill>
+                  <a:schemeClr val="accent1"/>
+                </a:solidFill>
+                <a:latin typeface="Inconsolata" panose="020B0609030003000000" pitchFamily="49" charset="77"/>
+              </a:rPr>
+              <a:t># Mike Smith 34323</a:t>
+            </a:r>
+          </a:p>
+          <a:p>
+            <a:pPr marL="0" indent="0">
+              <a:buNone/>
+            </a:pPr>
+            <a:r>
+              <a:rPr lang="en-US" sz="1600" b="1" dirty="0">
+                <a:solidFill>
+                  <a:srgbClr val="000000"/>
+                </a:solidFill>
+                <a:latin typeface="Inconsolata" panose="020B0609030003000000" pitchFamily="49" charset="77"/>
+              </a:rPr>
+              <a:t>	s2.print_info()	</a:t>
+            </a:r>
+            <a:r>
+              <a:rPr lang="en-US" sz="1600" b="1" dirty="0">
+                <a:solidFill>
+                  <a:schemeClr val="accent1"/>
+                </a:solidFill>
+                <a:latin typeface="Inconsolata" panose="020B0609030003000000" pitchFamily="49" charset="77"/>
+              </a:rPr>
+              <a:t># Sarah Jones 67432</a:t>
+            </a:r>
+          </a:p>
+          <a:p>
+            <a:pPr marL="0" indent="0">
+              <a:buNone/>
+            </a:pPr>
+            <a:r>
+              <a:rPr lang="en-US" sz="1600" b="1" dirty="0">
+                <a:solidFill>
+                  <a:srgbClr val="000000"/>
+                </a:solidFill>
+                <a:latin typeface="Inconsolata" panose="020B0609030003000000" pitchFamily="49" charset="77"/>
+              </a:rPr>
+              <a:t>main()</a:t>
+            </a:r>
+          </a:p>
+          <a:p>
+            <a:pPr marL="0" indent="0">
+              <a:buNone/>
+            </a:pPr>
+            <a:endParaRPr lang="en-US" sz="1600" b="1" dirty="0">
+              <a:solidFill>
+                <a:srgbClr val="000000"/>
+              </a:solidFill>
+              <a:latin typeface="Inconsolata" panose="020B0609030003000000" pitchFamily="49" charset="77"/>
+            </a:endParaRPr>
+          </a:p>
+          <a:p>
+            <a:pPr marL="0" indent="0">
+              <a:buNone/>
+            </a:pPr>
+            <a:endParaRPr lang="en-US" sz="1600" b="1" dirty="0">
+              <a:solidFill>
+                <a:srgbClr val="000000"/>
+              </a:solidFill>
+              <a:latin typeface="Inconsolata" panose="020B0609030003000000" pitchFamily="49" charset="77"/>
+            </a:endParaRPr>
+          </a:p>
+          <a:p>
+            <a:pPr marL="0" indent="0">
+              <a:buNone/>
+            </a:pPr>
+            <a:endParaRPr lang="en-US" sz="1600" b="1" dirty="0">
+              <a:latin typeface="Inconsolata" panose="020B0609030003000000" pitchFamily="49" charset="77"/>
+            </a:endParaRPr>
+          </a:p>
+        </p:txBody>
+      </p:sp>
+      <p:cxnSp>
+        <p:nvCxnSpPr>
+          <p:cNvPr id="5" name="Straight Arrow Connector 4">
+            <a:extLst>
+              <a:ext uri="{FF2B5EF4-FFF2-40B4-BE49-F238E27FC236}">
+                <a16:creationId xmlns:a16="http://schemas.microsoft.com/office/drawing/2014/main" id="{574B46E1-76CC-9549-A9EA-426276DA9BB1}"/>
+              </a:ext>
+            </a:extLst>
+          </p:cNvPr>
+          <p:cNvCxnSpPr>
+            <a:cxnSpLocks/>
+          </p:cNvCxnSpPr>
+          <p:nvPr/>
+        </p:nvCxnSpPr>
+        <p:spPr>
+          <a:xfrm flipV="1">
+            <a:off x="3578061" y="1573619"/>
+            <a:ext cx="0" cy="1701208"/>
+          </a:xfrm>
+          <a:prstGeom prst="straightConnector1">
+            <a:avLst/>
+          </a:prstGeom>
+          <a:ln w="25400">
+            <a:tailEnd type="triangle"/>
+          </a:ln>
+        </p:spPr>
+        <p:style>
+          <a:lnRef idx="1">
+            <a:schemeClr val="dk1"/>
+          </a:lnRef>
+          <a:fillRef idx="0">
+            <a:schemeClr val="dk1"/>
+          </a:fillRef>
+          <a:effectRef idx="0">
+            <a:schemeClr val="dk1"/>
+          </a:effectRef>
+          <a:fontRef idx="minor">
+            <a:schemeClr val="tx1"/>
+          </a:fontRef>
+        </p:style>
+      </p:cxnSp>
+      <p:cxnSp>
+        <p:nvCxnSpPr>
+          <p:cNvPr id="7" name="Straight Arrow Connector 6">
+            <a:extLst>
+              <a:ext uri="{FF2B5EF4-FFF2-40B4-BE49-F238E27FC236}">
+                <a16:creationId xmlns:a16="http://schemas.microsoft.com/office/drawing/2014/main" id="{127FB062-DB15-4646-AE2B-FEAD356A26B0}"/>
+              </a:ext>
+            </a:extLst>
+          </p:cNvPr>
+          <p:cNvCxnSpPr>
+            <a:cxnSpLocks/>
+          </p:cNvCxnSpPr>
+          <p:nvPr/>
+        </p:nvCxnSpPr>
+        <p:spPr>
+          <a:xfrm flipH="1" flipV="1">
+            <a:off x="3987209" y="1573619"/>
+            <a:ext cx="318978" cy="1593444"/>
+          </a:xfrm>
+          <a:prstGeom prst="straightConnector1">
+            <a:avLst/>
+          </a:prstGeom>
+          <a:ln w="25400">
+            <a:tailEnd type="triangle"/>
+          </a:ln>
+        </p:spPr>
+        <p:style>
+          <a:lnRef idx="1">
+            <a:schemeClr val="dk1"/>
+          </a:lnRef>
+          <a:fillRef idx="0">
+            <a:schemeClr val="dk1"/>
+          </a:fillRef>
+          <a:effectRef idx="0">
+            <a:schemeClr val="dk1"/>
+          </a:effectRef>
+          <a:fontRef idx="minor">
+            <a:schemeClr val="tx1"/>
+          </a:fontRef>
+        </p:style>
+      </p:cxnSp>
+      <p:sp>
+        <p:nvSpPr>
+          <p:cNvPr id="8" name="TextBox 7">
+            <a:extLst>
+              <a:ext uri="{FF2B5EF4-FFF2-40B4-BE49-F238E27FC236}">
+                <a16:creationId xmlns:a16="http://schemas.microsoft.com/office/drawing/2014/main" id="{C6364B6A-CF35-B049-A125-AFAFEE462FD5}"/>
+              </a:ext>
+            </a:extLst>
+          </p:cNvPr>
+          <p:cNvSpPr txBox="1"/>
+          <p:nvPr/>
+        </p:nvSpPr>
+        <p:spPr>
+          <a:xfrm>
+            <a:off x="5671321" y="2087818"/>
+            <a:ext cx="2864252" cy="923330"/>
+          </a:xfrm>
+          <a:prstGeom prst="rect">
+            <a:avLst/>
+          </a:prstGeom>
+          <a:noFill/>
+        </p:spPr>
+        <p:txBody>
+          <a:bodyPr wrap="square" rtlCol="0">
+            <a:spAutoFit/>
+          </a:bodyPr>
+          <a:lstStyle/>
+          <a:p>
+            <a:r>
+              <a:rPr lang="en-US" sz="1800" dirty="0">
+                <a:solidFill>
+                  <a:srgbClr val="FF0000"/>
+                </a:solidFill>
+                <a:latin typeface="Gill Sans MT" panose="020B0502020104020203" pitchFamily="34" charset="77"/>
+              </a:rPr>
+              <a:t>Student is a </a:t>
+            </a:r>
+            <a:r>
+              <a:rPr lang="en-US" sz="1800" b="1" dirty="0">
+                <a:solidFill>
+                  <a:srgbClr val="FF0000"/>
+                </a:solidFill>
+                <a:latin typeface="Gill Sans MT" panose="020B0502020104020203" pitchFamily="34" charset="77"/>
+              </a:rPr>
+              <a:t>class</a:t>
+            </a:r>
+            <a:r>
+              <a:rPr lang="en-US" sz="1800" dirty="0">
+                <a:solidFill>
+                  <a:srgbClr val="FF0000"/>
+                </a:solidFill>
+                <a:latin typeface="Gill Sans MT" panose="020B0502020104020203" pitchFamily="34" charset="77"/>
+              </a:rPr>
+              <a:t>(or </a:t>
+            </a:r>
+            <a:r>
+              <a:rPr lang="en-US" sz="1800" b="1" dirty="0">
+                <a:solidFill>
+                  <a:srgbClr val="FF0000"/>
+                </a:solidFill>
+                <a:latin typeface="Gill Sans MT" panose="020B0502020104020203" pitchFamily="34" charset="77"/>
+              </a:rPr>
+              <a:t>type</a:t>
+            </a:r>
+            <a:r>
+              <a:rPr lang="en-US" sz="1800" dirty="0">
+                <a:solidFill>
+                  <a:srgbClr val="FF0000"/>
+                </a:solidFill>
+                <a:latin typeface="Gill Sans MT" panose="020B0502020104020203" pitchFamily="34" charset="77"/>
+              </a:rPr>
+              <a:t>) and s1 and s2 are two of its </a:t>
+            </a:r>
+            <a:r>
+              <a:rPr lang="en-US" sz="1800" b="1" dirty="0">
+                <a:solidFill>
+                  <a:srgbClr val="FF0000"/>
+                </a:solidFill>
+                <a:latin typeface="Gill Sans MT" panose="020B0502020104020203" pitchFamily="34" charset="77"/>
+              </a:rPr>
+              <a:t>objects</a:t>
+            </a:r>
+            <a:r>
+              <a:rPr lang="en-US" sz="1800" dirty="0">
+                <a:solidFill>
+                  <a:srgbClr val="FF0000"/>
+                </a:solidFill>
+                <a:latin typeface="Gill Sans MT" panose="020B0502020104020203" pitchFamily="34" charset="77"/>
+              </a:rPr>
+              <a:t>. </a:t>
+            </a:r>
+          </a:p>
+        </p:txBody>
+      </p:sp>
+      <p:cxnSp>
+        <p:nvCxnSpPr>
+          <p:cNvPr id="11" name="Straight Arrow Connector 10">
+            <a:extLst>
+              <a:ext uri="{FF2B5EF4-FFF2-40B4-BE49-F238E27FC236}">
+                <a16:creationId xmlns:a16="http://schemas.microsoft.com/office/drawing/2014/main" id="{3F8D02A8-381C-254F-9732-2F5C2716B0D3}"/>
+              </a:ext>
+            </a:extLst>
+          </p:cNvPr>
+          <p:cNvCxnSpPr>
+            <a:cxnSpLocks/>
+          </p:cNvCxnSpPr>
+          <p:nvPr/>
+        </p:nvCxnSpPr>
+        <p:spPr>
+          <a:xfrm flipH="1">
+            <a:off x="5037962" y="3047540"/>
+            <a:ext cx="1523152" cy="311829"/>
+          </a:xfrm>
+          <a:prstGeom prst="straightConnector1">
+            <a:avLst/>
+          </a:prstGeom>
+          <a:ln w="25400">
+            <a:tailEnd type="triangle"/>
+          </a:ln>
+        </p:spPr>
+        <p:style>
+          <a:lnRef idx="1">
+            <a:schemeClr val="dk1"/>
+          </a:lnRef>
+          <a:fillRef idx="0">
+            <a:schemeClr val="dk1"/>
+          </a:fillRef>
+          <a:effectRef idx="0">
+            <a:schemeClr val="dk1"/>
+          </a:effectRef>
+          <a:fontRef idx="minor">
+            <a:schemeClr val="tx1"/>
+          </a:fontRef>
+        </p:style>
+      </p:cxnSp>
+    </p:spTree>
+    <p:extLst>
+      <p:ext uri="{BB962C8B-B14F-4D97-AF65-F5344CB8AC3E}">
+        <p14:creationId xmlns:p14="http://schemas.microsoft.com/office/powerpoint/2010/main" val="2984014915"/>
+      </p:ext>
+    </p:extLst>
+  </p:cSld>
+  <p:clrMapOvr>
+    <a:masterClrMapping/>
+  </p:clrMapOvr>
+  <p:timing>
+    <p:tnLst>
+      <p:par>
+        <p:cTn id="1" dur="indefinite" restart="never" nodeType="tmRoot">
+          <p:childTnLst>
+            <p:seq concurrent="1" nextAc="seek">
+              <p:cTn id="2" dur="indefinite" nodeType="mainSeq">
+                <p:childTnLst>
+                  <p:par>
+                    <p:cTn id="3" fill="hold">
+                      <p:stCondLst>
+                        <p:cond delay="indefinite"/>
+                      </p:stCondLst>
+                      <p:childTnLst>
+                        <p:par>
+                          <p:cTn id="4" fill="hold">
+                            <p:stCondLst>
+                              <p:cond delay="0"/>
+                            </p:stCondLst>
+                            <p:childTnLst>
+                              <p:par>
+                                <p:cTn id="5" presetID="1" presetClass="entr" presetSubtype="0" fill="hold" nodeType="clickEffect">
+                                  <p:stCondLst>
+                                    <p:cond delay="0"/>
+                                  </p:stCondLst>
+                                  <p:childTnLst>
+                                    <p:set>
+                                      <p:cBhvr>
+                                        <p:cTn id="6" dur="1" fill="hold">
+                                          <p:stCondLst>
+                                            <p:cond delay="0"/>
+                                          </p:stCondLst>
+                                        </p:cTn>
+                                        <p:tgtEl>
+                                          <p:spTgt spid="9">
+                                            <p:txEl>
+                                              <p:pRg st="1" end="1"/>
+                                            </p:txEl>
+                                          </p:spTgt>
+                                        </p:tgtEl>
+                                        <p:attrNameLst>
+                                          <p:attrName>style.visibility</p:attrName>
+                                        </p:attrNameLst>
+                                      </p:cBhvr>
+                                      <p:to>
+                                        <p:strVal val="visible"/>
+                                      </p:to>
+                                    </p:set>
+                                  </p:childTnLst>
+                                </p:cTn>
+                              </p:par>
+                              <p:par>
+                                <p:cTn id="7" presetID="1" presetClass="entr" presetSubtype="0" fill="hold" nodeType="withEffect">
+                                  <p:stCondLst>
+                                    <p:cond delay="0"/>
+                                  </p:stCondLst>
+                                  <p:childTnLst>
+                                    <p:set>
+                                      <p:cBhvr>
+                                        <p:cTn id="8" dur="1" fill="hold">
+                                          <p:stCondLst>
+                                            <p:cond delay="0"/>
+                                          </p:stCondLst>
+                                        </p:cTn>
+                                        <p:tgtEl>
+                                          <p:spTgt spid="9">
+                                            <p:txEl>
+                                              <p:pRg st="2" end="2"/>
+                                            </p:txEl>
+                                          </p:spTgt>
+                                        </p:tgtEl>
+                                        <p:attrNameLst>
+                                          <p:attrName>style.visibility</p:attrName>
+                                        </p:attrNameLst>
+                                      </p:cBhvr>
+                                      <p:to>
+                                        <p:strVal val="visible"/>
+                                      </p:to>
+                                    </p:set>
+                                  </p:childTnLst>
+                                </p:cTn>
+                              </p:par>
+                              <p:par>
+                                <p:cTn id="9" presetID="1" presetClass="entr" presetSubtype="0" fill="hold" nodeType="withEffect">
+                                  <p:stCondLst>
+                                    <p:cond delay="0"/>
+                                  </p:stCondLst>
+                                  <p:childTnLst>
+                                    <p:set>
+                                      <p:cBhvr>
+                                        <p:cTn id="10" dur="1" fill="hold">
+                                          <p:stCondLst>
+                                            <p:cond delay="0"/>
+                                          </p:stCondLst>
+                                        </p:cTn>
+                                        <p:tgtEl>
+                                          <p:spTgt spid="9">
+                                            <p:txEl>
+                                              <p:pRg st="3" end="3"/>
+                                            </p:txEl>
+                                          </p:spTgt>
+                                        </p:tgtEl>
+                                        <p:attrNameLst>
+                                          <p:attrName>style.visibility</p:attrName>
+                                        </p:attrNameLst>
+                                      </p:cBhvr>
+                                      <p:to>
+                                        <p:strVal val="visible"/>
+                                      </p:to>
+                                    </p:set>
+                                  </p:childTnLst>
+                                </p:cTn>
+                              </p:par>
+                              <p:par>
+                                <p:cTn id="11" presetID="1" presetClass="entr" presetSubtype="0" fill="hold" nodeType="withEffect">
+                                  <p:stCondLst>
+                                    <p:cond delay="0"/>
+                                  </p:stCondLst>
+                                  <p:childTnLst>
+                                    <p:set>
+                                      <p:cBhvr>
+                                        <p:cTn id="12" dur="1" fill="hold">
+                                          <p:stCondLst>
+                                            <p:cond delay="0"/>
+                                          </p:stCondLst>
+                                        </p:cTn>
+                                        <p:tgtEl>
+                                          <p:spTgt spid="9">
+                                            <p:txEl>
+                                              <p:pRg st="4" end="4"/>
+                                            </p:txEl>
+                                          </p:spTgt>
+                                        </p:tgtEl>
+                                        <p:attrNameLst>
+                                          <p:attrName>style.visibility</p:attrName>
+                                        </p:attrNameLst>
+                                      </p:cBhvr>
+                                      <p:to>
+                                        <p:strVal val="visible"/>
+                                      </p:to>
+                                    </p:set>
+                                  </p:childTnLst>
+                                </p:cTn>
+                              </p:par>
+                              <p:par>
+                                <p:cTn id="13" presetID="1" presetClass="entr" presetSubtype="0" fill="hold" nodeType="withEffect">
+                                  <p:stCondLst>
+                                    <p:cond delay="0"/>
+                                  </p:stCondLst>
+                                  <p:childTnLst>
+                                    <p:set>
+                                      <p:cBhvr>
+                                        <p:cTn id="14" dur="1" fill="hold">
+                                          <p:stCondLst>
+                                            <p:cond delay="0"/>
+                                          </p:stCondLst>
+                                        </p:cTn>
+                                        <p:tgtEl>
+                                          <p:spTgt spid="9">
+                                            <p:txEl>
+                                              <p:pRg st="5" end="5"/>
+                                            </p:txEl>
+                                          </p:spTgt>
+                                        </p:tgtEl>
+                                        <p:attrNameLst>
+                                          <p:attrName>style.visibility</p:attrName>
+                                        </p:attrNameLst>
+                                      </p:cBhvr>
+                                      <p:to>
+                                        <p:strVal val="visible"/>
+                                      </p:to>
+                                    </p:set>
+                                  </p:childTnLst>
+                                </p:cTn>
+                              </p:par>
+                              <p:par>
+                                <p:cTn id="15" presetID="1" presetClass="entr" presetSubtype="0" fill="hold" nodeType="withEffect">
+                                  <p:stCondLst>
+                                    <p:cond delay="0"/>
+                                  </p:stCondLst>
+                                  <p:childTnLst>
+                                    <p:set>
+                                      <p:cBhvr>
+                                        <p:cTn id="16" dur="1" fill="hold">
+                                          <p:stCondLst>
+                                            <p:cond delay="0"/>
+                                          </p:stCondLst>
+                                        </p:cTn>
+                                        <p:tgtEl>
+                                          <p:spTgt spid="9">
+                                            <p:txEl>
+                                              <p:pRg st="6" end="6"/>
+                                            </p:txEl>
+                                          </p:spTgt>
+                                        </p:tgtEl>
+                                        <p:attrNameLst>
+                                          <p:attrName>style.visibility</p:attrName>
+                                        </p:attrNameLst>
+                                      </p:cBhvr>
+                                      <p:to>
+                                        <p:strVal val="visible"/>
+                                      </p:to>
+                                    </p:set>
+                                  </p:childTnLst>
+                                </p:cTn>
+                              </p:par>
+                            </p:childTnLst>
+                          </p:cTn>
+                        </p:par>
+                      </p:childTnLst>
+                    </p:cTn>
+                  </p:par>
+                  <p:par>
+                    <p:cTn id="17" fill="hold">
+                      <p:stCondLst>
+                        <p:cond delay="indefinite"/>
+                      </p:stCondLst>
+                      <p:childTnLst>
+                        <p:par>
+                          <p:cTn id="18" fill="hold">
+                            <p:stCondLst>
+                              <p:cond delay="0"/>
+                            </p:stCondLst>
+                            <p:childTnLst>
+                              <p:par>
+                                <p:cTn id="19" presetID="1" presetClass="entr" presetSubtype="0" fill="hold" nodeType="clickEffect">
+                                  <p:stCondLst>
+                                    <p:cond delay="0"/>
+                                  </p:stCondLst>
+                                  <p:childTnLst>
+                                    <p:set>
+                                      <p:cBhvr>
+                                        <p:cTn id="20" dur="1" fill="hold">
+                                          <p:stCondLst>
+                                            <p:cond delay="0"/>
+                                          </p:stCondLst>
+                                        </p:cTn>
+                                        <p:tgtEl>
+                                          <p:spTgt spid="9">
+                                            <p:txEl>
+                                              <p:pRg st="7" end="7"/>
+                                            </p:txEl>
+                                          </p:spTgt>
+                                        </p:tgtEl>
+                                        <p:attrNameLst>
+                                          <p:attrName>style.visibility</p:attrName>
+                                        </p:attrNameLst>
+                                      </p:cBhvr>
+                                      <p:to>
+                                        <p:strVal val="visible"/>
+                                      </p:to>
+                                    </p:set>
+                                  </p:childTnLst>
+                                </p:cTn>
+                              </p:par>
+                              <p:par>
+                                <p:cTn id="21" presetID="1" presetClass="entr" presetSubtype="0" fill="hold" nodeType="withEffect">
+                                  <p:stCondLst>
+                                    <p:cond delay="0"/>
+                                  </p:stCondLst>
+                                  <p:childTnLst>
+                                    <p:set>
+                                      <p:cBhvr>
+                                        <p:cTn id="22" dur="1" fill="hold">
+                                          <p:stCondLst>
+                                            <p:cond delay="0"/>
+                                          </p:stCondLst>
+                                        </p:cTn>
+                                        <p:tgtEl>
+                                          <p:spTgt spid="9">
+                                            <p:txEl>
+                                              <p:pRg st="8" end="8"/>
+                                            </p:txEl>
+                                          </p:spTgt>
+                                        </p:tgtEl>
+                                        <p:attrNameLst>
+                                          <p:attrName>style.visibility</p:attrName>
+                                        </p:attrNameLst>
+                                      </p:cBhvr>
+                                      <p:to>
+                                        <p:strVal val="visible"/>
+                                      </p:to>
+                                    </p:set>
+                                  </p:childTnLst>
+                                </p:cTn>
+                              </p:par>
+                              <p:par>
+                                <p:cTn id="23" presetID="1" presetClass="entr" presetSubtype="0" fill="hold" nodeType="withEffect">
+                                  <p:stCondLst>
+                                    <p:cond delay="0"/>
+                                  </p:stCondLst>
+                                  <p:childTnLst>
+                                    <p:set>
+                                      <p:cBhvr>
+                                        <p:cTn id="24" dur="1" fill="hold">
+                                          <p:stCondLst>
+                                            <p:cond delay="0"/>
+                                          </p:stCondLst>
+                                        </p:cTn>
+                                        <p:tgtEl>
+                                          <p:spTgt spid="5"/>
+                                        </p:tgtEl>
+                                        <p:attrNameLst>
+                                          <p:attrName>style.visibility</p:attrName>
+                                        </p:attrNameLst>
+                                      </p:cBhvr>
+                                      <p:to>
+                                        <p:strVal val="visible"/>
+                                      </p:to>
+                                    </p:set>
+                                  </p:childTnLst>
+                                </p:cTn>
+                              </p:par>
+                              <p:par>
+                                <p:cTn id="25" presetID="1" presetClass="entr" presetSubtype="0" fill="hold" nodeType="withEffect">
+                                  <p:stCondLst>
+                                    <p:cond delay="0"/>
+                                  </p:stCondLst>
+                                  <p:childTnLst>
+                                    <p:set>
+                                      <p:cBhvr>
+                                        <p:cTn id="26" dur="1" fill="hold">
+                                          <p:stCondLst>
+                                            <p:cond delay="0"/>
+                                          </p:stCondLst>
+                                        </p:cTn>
+                                        <p:tgtEl>
+                                          <p:spTgt spid="7"/>
+                                        </p:tgtEl>
+                                        <p:attrNameLst>
+                                          <p:attrName>style.visibility</p:attrName>
+                                        </p:attrNameLst>
+                                      </p:cBhvr>
+                                      <p:to>
+                                        <p:strVal val="visible"/>
+                                      </p:to>
+                                    </p:set>
+                                  </p:childTnLst>
+                                </p:cTn>
+                              </p:par>
+                            </p:childTnLst>
+                          </p:cTn>
+                        </p:par>
+                      </p:childTnLst>
+                    </p:cTn>
+                  </p:par>
+                  <p:par>
+                    <p:cTn id="27" fill="hold">
+                      <p:stCondLst>
+                        <p:cond delay="indefinite"/>
+                      </p:stCondLst>
+                      <p:childTnLst>
+                        <p:par>
+                          <p:cTn id="28" fill="hold">
+                            <p:stCondLst>
+                              <p:cond delay="0"/>
+                            </p:stCondLst>
+                            <p:childTnLst>
+                              <p:par>
+                                <p:cTn id="29" presetID="1" presetClass="entr" presetSubtype="0" fill="hold" nodeType="clickEffect">
+                                  <p:stCondLst>
+                                    <p:cond delay="0"/>
+                                  </p:stCondLst>
+                                  <p:childTnLst>
+                                    <p:set>
+                                      <p:cBhvr>
+                                        <p:cTn id="30" dur="1" fill="hold">
+                                          <p:stCondLst>
+                                            <p:cond delay="0"/>
+                                          </p:stCondLst>
+                                        </p:cTn>
+                                        <p:tgtEl>
+                                          <p:spTgt spid="9">
+                                            <p:txEl>
+                                              <p:pRg st="9" end="9"/>
+                                            </p:txEl>
+                                          </p:spTgt>
+                                        </p:tgtEl>
+                                        <p:attrNameLst>
+                                          <p:attrName>style.visibility</p:attrName>
+                                        </p:attrNameLst>
+                                      </p:cBhvr>
+                                      <p:to>
+                                        <p:strVal val="visible"/>
+                                      </p:to>
+                                    </p:set>
+                                  </p:childTnLst>
+                                </p:cTn>
+                              </p:par>
+                            </p:childTnLst>
+                          </p:cTn>
+                        </p:par>
+                      </p:childTnLst>
+                    </p:cTn>
+                  </p:par>
+                  <p:par>
+                    <p:cTn id="31" fill="hold">
+                      <p:stCondLst>
+                        <p:cond delay="indefinite"/>
+                      </p:stCondLst>
+                      <p:childTnLst>
+                        <p:par>
+                          <p:cTn id="32" fill="hold">
+                            <p:stCondLst>
+                              <p:cond delay="0"/>
+                            </p:stCondLst>
+                            <p:childTnLst>
+                              <p:par>
+                                <p:cTn id="33" presetID="1" presetClass="entr" presetSubtype="0" fill="hold" nodeType="clickEffect">
+                                  <p:stCondLst>
+                                    <p:cond delay="0"/>
+                                  </p:stCondLst>
+                                  <p:childTnLst>
+                                    <p:set>
+                                      <p:cBhvr>
+                                        <p:cTn id="34" dur="1" fill="hold">
+                                          <p:stCondLst>
+                                            <p:cond delay="0"/>
+                                          </p:stCondLst>
+                                        </p:cTn>
+                                        <p:tgtEl>
+                                          <p:spTgt spid="9">
+                                            <p:txEl>
+                                              <p:pRg st="10" end="10"/>
+                                            </p:txEl>
+                                          </p:spTgt>
+                                        </p:tgtEl>
+                                        <p:attrNameLst>
+                                          <p:attrName>style.visibility</p:attrName>
+                                        </p:attrNameLst>
+                                      </p:cBhvr>
+                                      <p:to>
+                                        <p:strVal val="visible"/>
+                                      </p:to>
+                                    </p:set>
+                                  </p:childTnLst>
+                                </p:cTn>
+                              </p:par>
+                            </p:childTnLst>
+                          </p:cTn>
+                        </p:par>
+                      </p:childTnLst>
+                    </p:cTn>
+                  </p:par>
+                  <p:par>
+                    <p:cTn id="35" fill="hold">
+                      <p:stCondLst>
+                        <p:cond delay="indefinite"/>
+                      </p:stCondLst>
+                      <p:childTnLst>
+                        <p:par>
+                          <p:cTn id="36" fill="hold">
+                            <p:stCondLst>
+                              <p:cond delay="0"/>
+                            </p:stCondLst>
+                            <p:childTnLst>
+                              <p:par>
+                                <p:cTn id="37" presetID="1" presetClass="entr" presetSubtype="0" fill="hold" nodeType="clickEffect">
+                                  <p:stCondLst>
+                                    <p:cond delay="0"/>
+                                  </p:stCondLst>
+                                  <p:childTnLst>
+                                    <p:set>
+                                      <p:cBhvr>
+                                        <p:cTn id="38" dur="1" fill="hold">
+                                          <p:stCondLst>
+                                            <p:cond delay="0"/>
+                                          </p:stCondLst>
+                                        </p:cTn>
+                                        <p:tgtEl>
+                                          <p:spTgt spid="9">
+                                            <p:txEl>
+                                              <p:pRg st="11" end="11"/>
+                                            </p:txEl>
+                                          </p:spTgt>
+                                        </p:tgtEl>
+                                        <p:attrNameLst>
+                                          <p:attrName>style.visibility</p:attrName>
+                                        </p:attrNameLst>
+                                      </p:cBhvr>
+                                      <p:to>
+                                        <p:strVal val="visible"/>
+                                      </p:to>
+                                    </p:set>
+                                  </p:childTnLst>
+                                </p:cTn>
+                              </p:par>
+                            </p:childTnLst>
+                          </p:cTn>
+                        </p:par>
+                      </p:childTnLst>
+                    </p:cTn>
+                  </p:par>
+                  <p:par>
+                    <p:cTn id="39" fill="hold">
+                      <p:stCondLst>
+                        <p:cond delay="indefinite"/>
+                      </p:stCondLst>
+                      <p:childTnLst>
+                        <p:par>
+                          <p:cTn id="40" fill="hold">
+                            <p:stCondLst>
+                              <p:cond delay="0"/>
+                            </p:stCondLst>
+                            <p:childTnLst>
+                              <p:par>
+                                <p:cTn id="41" presetID="1" presetClass="entr" presetSubtype="0" fill="hold" nodeType="clickEffect">
+                                  <p:stCondLst>
+                                    <p:cond delay="0"/>
+                                  </p:stCondLst>
+                                  <p:childTnLst>
+                                    <p:set>
+                                      <p:cBhvr>
+                                        <p:cTn id="42" dur="1" fill="hold">
+                                          <p:stCondLst>
+                                            <p:cond delay="0"/>
+                                          </p:stCondLst>
+                                        </p:cTn>
+                                        <p:tgtEl>
+                                          <p:spTgt spid="9">
+                                            <p:txEl>
+                                              <p:pRg st="12" end="12"/>
+                                            </p:txEl>
+                                          </p:spTgt>
+                                        </p:tgtEl>
+                                        <p:attrNameLst>
+                                          <p:attrName>style.visibility</p:attrName>
+                                        </p:attrNameLst>
+                                      </p:cBhvr>
+                                      <p:to>
+                                        <p:strVal val="visible"/>
+                                      </p:to>
+                                    </p:set>
+                                  </p:childTnLst>
+                                </p:cTn>
+                              </p:par>
+                            </p:childTnLst>
+                          </p:cTn>
+                        </p:par>
+                      </p:childTnLst>
+                    </p:cTn>
+                  </p:par>
+                  <p:par>
+                    <p:cTn id="43" fill="hold">
+                      <p:stCondLst>
+                        <p:cond delay="indefinite"/>
+                      </p:stCondLst>
+                      <p:childTnLst>
+                        <p:par>
+                          <p:cTn id="44" fill="hold">
+                            <p:stCondLst>
+                              <p:cond delay="0"/>
+                            </p:stCondLst>
+                            <p:childTnLst>
+                              <p:par>
+                                <p:cTn id="45" presetID="1" presetClass="entr" presetSubtype="0" fill="hold" nodeType="clickEffect">
+                                  <p:stCondLst>
+                                    <p:cond delay="0"/>
+                                  </p:stCondLst>
+                                  <p:childTnLst>
+                                    <p:set>
+                                      <p:cBhvr>
+                                        <p:cTn id="46" dur="1" fill="hold">
+                                          <p:stCondLst>
+                                            <p:cond delay="0"/>
+                                          </p:stCondLst>
+                                        </p:cTn>
+                                        <p:tgtEl>
+                                          <p:spTgt spid="9">
+                                            <p:txEl>
+                                              <p:pRg st="13" end="13"/>
+                                            </p:txEl>
+                                          </p:spTgt>
+                                        </p:tgtEl>
+                                        <p:attrNameLst>
+                                          <p:attrName>style.visibility</p:attrName>
+                                        </p:attrNameLst>
+                                      </p:cBhvr>
+                                      <p:to>
+                                        <p:strVal val="visible"/>
+                                      </p:to>
+                                    </p:set>
+                                  </p:childTnLst>
+                                </p:cTn>
+                              </p:par>
+                            </p:childTnLst>
+                          </p:cTn>
+                        </p:par>
+                      </p:childTnLst>
+                    </p:cTn>
+                  </p:par>
+                  <p:par>
+                    <p:cTn id="47" fill="hold">
+                      <p:stCondLst>
+                        <p:cond delay="indefinite"/>
+                      </p:stCondLst>
+                      <p:childTnLst>
+                        <p:par>
+                          <p:cTn id="48" fill="hold">
+                            <p:stCondLst>
+                              <p:cond delay="0"/>
+                            </p:stCondLst>
+                            <p:childTnLst>
+                              <p:par>
+                                <p:cTn id="49" presetID="1" presetClass="entr" presetSubtype="0" fill="hold" nodeType="clickEffect">
+                                  <p:stCondLst>
+                                    <p:cond delay="0"/>
+                                  </p:stCondLst>
+                                  <p:childTnLst>
+                                    <p:set>
+                                      <p:cBhvr>
+                                        <p:cTn id="50" dur="1" fill="hold">
+                                          <p:stCondLst>
+                                            <p:cond delay="0"/>
+                                          </p:stCondLst>
+                                        </p:cTn>
+                                        <p:tgtEl>
+                                          <p:spTgt spid="9">
+                                            <p:txEl>
+                                              <p:pRg st="14" end="14"/>
+                                            </p:txEl>
+                                          </p:spTgt>
+                                        </p:tgtEl>
+                                        <p:attrNameLst>
+                                          <p:attrName>style.visibility</p:attrName>
+                                        </p:attrNameLst>
+                                      </p:cBhvr>
+                                      <p:to>
+                                        <p:strVal val="visible"/>
+                                      </p:to>
+                                    </p:set>
+                                  </p:childTnLst>
+                                </p:cTn>
+                              </p:par>
+                              <p:par>
+                                <p:cTn id="51" presetID="1" presetClass="entr" presetSubtype="0" fill="hold" nodeType="withEffect">
+                                  <p:stCondLst>
+                                    <p:cond delay="0"/>
+                                  </p:stCondLst>
+                                  <p:childTnLst>
+                                    <p:set>
+                                      <p:cBhvr>
+                                        <p:cTn id="52" dur="1" fill="hold">
+                                          <p:stCondLst>
+                                            <p:cond delay="0"/>
+                                          </p:stCondLst>
+                                        </p:cTn>
+                                        <p:tgtEl>
+                                          <p:spTgt spid="11"/>
+                                        </p:tgtEl>
+                                        <p:attrNameLst>
+                                          <p:attrName>style.visibility</p:attrName>
+                                        </p:attrNameLst>
+                                      </p:cBhvr>
+                                      <p:to>
+                                        <p:strVal val="visible"/>
+                                      </p:to>
+                                    </p:set>
+                                  </p:childTnLst>
+                                </p:cTn>
+                              </p:par>
+                              <p:par>
+                                <p:cTn id="53" presetID="1" presetClass="entr" presetSubtype="0" fill="hold" grpId="0" nodeType="withEffect">
+                                  <p:stCondLst>
+                                    <p:cond delay="0"/>
+                                  </p:stCondLst>
+                                  <p:childTnLst>
+                                    <p:set>
+                                      <p:cBhvr>
+                                        <p:cTn id="54" dur="1" fill="hold">
+                                          <p:stCondLst>
+                                            <p:cond delay="0"/>
+                                          </p:stCondLst>
+                                        </p:cTn>
+                                        <p:tgtEl>
+                                          <p:spTgt spid="8"/>
+                                        </p:tgtEl>
+                                        <p:attrNameLst>
+                                          <p:attrName>style.visibility</p:attrName>
+                                        </p:attrNameLst>
+                                      </p:cBhvr>
+                                      <p:to>
+                                        <p:strVal val="visible"/>
+                                      </p:to>
+                                    </p:set>
+                                  </p:childTnLst>
+                                </p:cTn>
+                              </p:par>
+                            </p:childTnLst>
+                          </p:cTn>
+                        </p:par>
+                      </p:childTnLst>
+                    </p:cTn>
+                  </p:par>
+                </p:childTnLst>
+              </p:cTn>
+              <p:prevCondLst>
+                <p:cond evt="onPrev" delay="0">
+                  <p:tgtEl>
+                    <p:sldTgt/>
+                  </p:tgtEl>
+                </p:cond>
+              </p:prevCondLst>
+              <p:nextCondLst>
+                <p:cond evt="onNext" delay="0">
+                  <p:tgtEl>
+                    <p:sldTgt/>
+                  </p:tgtEl>
+                </p:cond>
+              </p:nextCondLst>
+            </p:seq>
+          </p:childTnLst>
+        </p:cTn>
+      </p:par>
+    </p:tnLst>
+    <p:bldLst>
+      <p:bldP spid="8" grpId="0"/>
+    </p:bldLst>
+  </p:timing>
+</p:sld>
+</file>
+
+<file path=ppt/slides/slide27.xml><?xml version="1.0" encoding="utf-8"?>
+<p:sld xmlns:a="http://schemas.openxmlformats.org/drawingml/2006/main" xmlns:r="http://schemas.openxmlformats.org/officeDocument/2006/relationships" xmlns:p="http://schemas.openxmlformats.org/presentationml/2006/main">
+  <p:cSld>
+    <p:spTree>
+      <p:nvGrpSpPr>
+        <p:cNvPr id="1" name=""/>
+        <p:cNvGrpSpPr/>
+        <p:nvPr/>
+      </p:nvGrpSpPr>
+      <p:grpSpPr>
+        <a:xfrm>
+          <a:off x="0" y="0"/>
+          <a:ext cx="0" cy="0"/>
+          <a:chOff x="0" y="0"/>
+          <a:chExt cx="0" cy="0"/>
+        </a:xfrm>
+      </p:grpSpPr>
+      <p:sp>
+        <p:nvSpPr>
+          <p:cNvPr id="3" name="Content Placeholder 2">
+            <a:extLst>
+              <a:ext uri="{FF2B5EF4-FFF2-40B4-BE49-F238E27FC236}">
+                <a16:creationId xmlns:a16="http://schemas.microsoft.com/office/drawing/2014/main" id="{07B480AF-2DED-464A-83F7-5E54DCD0C557}"/>
+              </a:ext>
+            </a:extLst>
+          </p:cNvPr>
+          <p:cNvSpPr>
+            <a:spLocks noGrp="1"/>
+          </p:cNvSpPr>
+          <p:nvPr>
+            <p:ph idx="1"/>
+          </p:nvPr>
+        </p:nvSpPr>
+        <p:spPr>
+          <a:xfrm>
+            <a:off x="165100" y="304800"/>
+            <a:ext cx="8788400" cy="5168900"/>
+          </a:xfrm>
+        </p:spPr>
+        <p:txBody>
+          <a:bodyPr/>
+          <a:lstStyle/>
+          <a:p>
+            <a:pPr marL="0" indent="0">
+              <a:buNone/>
+            </a:pPr>
+            <a:endParaRPr lang="en-US"/>
+          </a:p>
+          <a:p>
+            <a:pPr marL="0" indent="0">
+              <a:buNone/>
+            </a:pPr>
+            <a:r>
+              <a:rPr lang="en-US"/>
+              <a:t>This </a:t>
+            </a:r>
+            <a:r>
+              <a:rPr lang="en-US" dirty="0"/>
+              <a:t>Create Task example will read in a text file of students: name and list of grades. It will create a list of Student objects and have provide some filtering capabilities. </a:t>
+            </a:r>
+          </a:p>
+          <a:p>
+            <a:pPr marL="0" indent="0">
+              <a:buNone/>
+            </a:pPr>
+            <a:endParaRPr lang="en-US" dirty="0"/>
+          </a:p>
+          <a:p>
+            <a:pPr marL="0" indent="0">
+              <a:buNone/>
+            </a:pPr>
+            <a:r>
+              <a:rPr lang="en-US" dirty="0"/>
+              <a:t>https://</a:t>
+            </a:r>
+            <a:r>
+              <a:rPr lang="en-US" dirty="0" err="1"/>
+              <a:t>replit.com</a:t>
+            </a:r>
+            <a:r>
+              <a:rPr lang="en-US" dirty="0"/>
+              <a:t>/@LongNguyen18/</a:t>
+            </a:r>
+            <a:r>
+              <a:rPr lang="en-US" dirty="0" err="1"/>
+              <a:t>CreateTaskStudentGrades</a:t>
+            </a:r>
+            <a:endParaRPr lang="en-US" dirty="0"/>
+          </a:p>
+        </p:txBody>
+      </p:sp>
+    </p:spTree>
+    <p:extLst>
+      <p:ext uri="{BB962C8B-B14F-4D97-AF65-F5344CB8AC3E}">
+        <p14:creationId xmlns:p14="http://schemas.microsoft.com/office/powerpoint/2010/main" val="3704334471"/>
+      </p:ext>
+    </p:extLst>
+  </p:cSld>
+  <p:clrMapOvr>
+    <a:masterClrMapping/>
+  </p:clrMapOvr>
 </p:sld>
 </file>
 

--- a/courses/apcsp/create_task/create_task.pptx
+++ b/courses/apcsp/create_task/create_task.pptx
@@ -32,6 +32,13 @@
     <p:sldId id="314" r:id="rId26"/>
     <p:sldId id="556" r:id="rId27"/>
     <p:sldId id="312" r:id="rId28"/>
+    <p:sldId id="557" r:id="rId29"/>
+    <p:sldId id="559" r:id="rId30"/>
+    <p:sldId id="560" r:id="rId31"/>
+    <p:sldId id="561" r:id="rId32"/>
+    <p:sldId id="558" r:id="rId33"/>
+    <p:sldId id="562" r:id="rId34"/>
+    <p:sldId id="563" r:id="rId35"/>
   </p:sldIdLst>
   <p:sldSz cx="9144000" cy="5715000" type="screen16x10"/>
   <p:notesSz cx="6858000" cy="9144000"/>
@@ -141,7 +148,7 @@
 <file path=ppt/revisionInfo.xml><?xml version="1.0" encoding="utf-8"?>
 <p1510:revInfo xmlns:a="http://schemas.openxmlformats.org/drawingml/2006/main" xmlns:r="http://schemas.openxmlformats.org/officeDocument/2006/relationships" xmlns:p1510="http://schemas.microsoft.com/office/powerpoint/2015/10/main">
   <p1510:revLst>
-    <p1510:client id="{920E45FF-707A-564B-83B3-9BA7BB1D0D1B}" v="902" dt="2021-03-19T14:14:26.029"/>
+    <p1510:client id="{920E45FF-707A-564B-83B3-9BA7BB1D0D1B}" v="1473" dt="2021-03-25T13:24:14.214"/>
   </p1510:revLst>
 </p1510:revInfo>
 </file>
@@ -614,7 +621,7 @@
   <pc:docChgLst>
     <pc:chgData name="Long B Nguyen" userId="f59fb8f3-a021-417a-8bc1-65c8d471c621" providerId="ADAL" clId="{920E45FF-707A-564B-83B3-9BA7BB1D0D1B}"/>
     <pc:docChg chg="custSel addSld delSld modSld">
-      <pc:chgData name="Long B Nguyen" userId="f59fb8f3-a021-417a-8bc1-65c8d471c621" providerId="ADAL" clId="{920E45FF-707A-564B-83B3-9BA7BB1D0D1B}" dt="2021-03-19T14:15:32.956" v="4603" actId="20577"/>
+      <pc:chgData name="Long B Nguyen" userId="f59fb8f3-a021-417a-8bc1-65c8d471c621" providerId="ADAL" clId="{920E45FF-707A-564B-83B3-9BA7BB1D0D1B}" dt="2021-03-25T13:24:38.150" v="7703" actId="20577"/>
       <pc:docMkLst>
         <pc:docMk/>
       </pc:docMkLst>
@@ -1414,7 +1421,7 @@
         </pc:spChg>
       </pc:sldChg>
       <pc:sldChg chg="delSp modSp new mod">
-        <pc:chgData name="Long B Nguyen" userId="f59fb8f3-a021-417a-8bc1-65c8d471c621" providerId="ADAL" clId="{920E45FF-707A-564B-83B3-9BA7BB1D0D1B}" dt="2021-03-19T14:15:32.956" v="4603" actId="20577"/>
+        <pc:chgData name="Long B Nguyen" userId="f59fb8f3-a021-417a-8bc1-65c8d471c621" providerId="ADAL" clId="{920E45FF-707A-564B-83B3-9BA7BB1D0D1B}" dt="2021-03-25T12:51:00.237" v="4641" actId="20577"/>
         <pc:sldMkLst>
           <pc:docMk/>
           <pc:sldMk cId="3704334471" sldId="312"/>
@@ -1428,7 +1435,7 @@
           </ac:spMkLst>
         </pc:spChg>
         <pc:spChg chg="mod">
-          <ac:chgData name="Long B Nguyen" userId="f59fb8f3-a021-417a-8bc1-65c8d471c621" providerId="ADAL" clId="{920E45FF-707A-564B-83B3-9BA7BB1D0D1B}" dt="2021-03-19T14:15:32.956" v="4603" actId="20577"/>
+          <ac:chgData name="Long B Nguyen" userId="f59fb8f3-a021-417a-8bc1-65c8d471c621" providerId="ADAL" clId="{920E45FF-707A-564B-83B3-9BA7BB1D0D1B}" dt="2021-03-25T12:51:00.237" v="4641" actId="20577"/>
           <ac:spMkLst>
             <pc:docMk/>
             <pc:sldMk cId="3704334471" sldId="312"/>
@@ -1437,13 +1444,13 @@
         </pc:spChg>
       </pc:sldChg>
       <pc:sldChg chg="modSp add mod modAnim">
-        <pc:chgData name="Long B Nguyen" userId="f59fb8f3-a021-417a-8bc1-65c8d471c621" providerId="ADAL" clId="{920E45FF-707A-564B-83B3-9BA7BB1D0D1B}" dt="2021-03-19T14:13:03.873" v="4395" actId="20577"/>
+        <pc:chgData name="Long B Nguyen" userId="f59fb8f3-a021-417a-8bc1-65c8d471c621" providerId="ADAL" clId="{920E45FF-707A-564B-83B3-9BA7BB1D0D1B}" dt="2021-03-25T12:51:06.687" v="4651" actId="20577"/>
         <pc:sldMkLst>
           <pc:docMk/>
           <pc:sldMk cId="2818469488" sldId="313"/>
         </pc:sldMkLst>
         <pc:spChg chg="mod">
-          <ac:chgData name="Long B Nguyen" userId="f59fb8f3-a021-417a-8bc1-65c8d471c621" providerId="ADAL" clId="{920E45FF-707A-564B-83B3-9BA7BB1D0D1B}" dt="2021-03-19T14:04:49.056" v="3693" actId="1076"/>
+          <ac:chgData name="Long B Nguyen" userId="f59fb8f3-a021-417a-8bc1-65c8d471c621" providerId="ADAL" clId="{920E45FF-707A-564B-83B3-9BA7BB1D0D1B}" dt="2021-03-25T12:51:06.687" v="4651" actId="20577"/>
           <ac:spMkLst>
             <pc:docMk/>
             <pc:sldMk cId="2818469488" sldId="313"/>
@@ -1460,11 +1467,19 @@
         </pc:spChg>
       </pc:sldChg>
       <pc:sldChg chg="modSp add mod modAnim">
-        <pc:chgData name="Long B Nguyen" userId="f59fb8f3-a021-417a-8bc1-65c8d471c621" providerId="ADAL" clId="{920E45FF-707A-564B-83B3-9BA7BB1D0D1B}" dt="2021-03-19T14:13:21.076" v="4398"/>
+        <pc:chgData name="Long B Nguyen" userId="f59fb8f3-a021-417a-8bc1-65c8d471c621" providerId="ADAL" clId="{920E45FF-707A-564B-83B3-9BA7BB1D0D1B}" dt="2021-03-25T12:50:40.317" v="4615" actId="20577"/>
         <pc:sldMkLst>
           <pc:docMk/>
           <pc:sldMk cId="1495716717" sldId="314"/>
         </pc:sldMkLst>
+        <pc:spChg chg="mod">
+          <ac:chgData name="Long B Nguyen" userId="f59fb8f3-a021-417a-8bc1-65c8d471c621" providerId="ADAL" clId="{920E45FF-707A-564B-83B3-9BA7BB1D0D1B}" dt="2021-03-25T12:50:40.317" v="4615" actId="20577"/>
+          <ac:spMkLst>
+            <pc:docMk/>
+            <pc:sldMk cId="1495716717" sldId="314"/>
+            <ac:spMk id="2" creationId="{2CAD482E-9621-034B-B5B9-A2A3E3815EBF}"/>
+          </ac:spMkLst>
+        </pc:spChg>
         <pc:spChg chg="mod">
           <ac:chgData name="Long B Nguyen" userId="f59fb8f3-a021-417a-8bc1-65c8d471c621" providerId="ADAL" clId="{920E45FF-707A-564B-83B3-9BA7BB1D0D1B}" dt="2021-03-19T14:12:30.024" v="4387" actId="1076"/>
           <ac:spMkLst>
@@ -1482,11 +1497,19 @@
         </pc:sldMkLst>
       </pc:sldChg>
       <pc:sldChg chg="addSp delSp modSp add mod delAnim modAnim">
-        <pc:chgData name="Long B Nguyen" userId="f59fb8f3-a021-417a-8bc1-65c8d471c621" providerId="ADAL" clId="{920E45FF-707A-564B-83B3-9BA7BB1D0D1B}" dt="2021-03-19T14:11:36.215" v="4299" actId="478"/>
+        <pc:chgData name="Long B Nguyen" userId="f59fb8f3-a021-417a-8bc1-65c8d471c621" providerId="ADAL" clId="{920E45FF-707A-564B-83B3-9BA7BB1D0D1B}" dt="2021-03-25T12:50:48.736" v="4625" actId="20577"/>
         <pc:sldMkLst>
           <pc:docMk/>
           <pc:sldMk cId="2984014915" sldId="556"/>
         </pc:sldMkLst>
+        <pc:spChg chg="mod">
+          <ac:chgData name="Long B Nguyen" userId="f59fb8f3-a021-417a-8bc1-65c8d471c621" providerId="ADAL" clId="{920E45FF-707A-564B-83B3-9BA7BB1D0D1B}" dt="2021-03-25T12:50:48.736" v="4625" actId="20577"/>
+          <ac:spMkLst>
+            <pc:docMk/>
+            <pc:sldMk cId="2984014915" sldId="556"/>
+            <ac:spMk id="2" creationId="{AA3A228F-61D0-D949-A5E7-F83756230BF8}"/>
+          </ac:spMkLst>
+        </pc:spChg>
         <pc:spChg chg="del">
           <ac:chgData name="Long B Nguyen" userId="f59fb8f3-a021-417a-8bc1-65c8d471c621" providerId="ADAL" clId="{920E45FF-707A-564B-83B3-9BA7BB1D0D1B}" dt="2021-03-19T14:11:36.215" v="4299" actId="478"/>
           <ac:spMkLst>
@@ -1519,6 +1542,223 @@
             <ac:cxnSpMk id="11" creationId="{3F8D02A8-381C-254F-9732-2F5C2716B0D3}"/>
           </ac:cxnSpMkLst>
         </pc:cxnChg>
+      </pc:sldChg>
+      <pc:sldChg chg="modSp new mod modAnim">
+        <pc:chgData name="Long B Nguyen" userId="f59fb8f3-a021-417a-8bc1-65c8d471c621" providerId="ADAL" clId="{920E45FF-707A-564B-83B3-9BA7BB1D0D1B}" dt="2021-03-25T12:58:07.801" v="5656"/>
+        <pc:sldMkLst>
+          <pc:docMk/>
+          <pc:sldMk cId="1336684213" sldId="557"/>
+        </pc:sldMkLst>
+        <pc:spChg chg="mod">
+          <ac:chgData name="Long B Nguyen" userId="f59fb8f3-a021-417a-8bc1-65c8d471c621" providerId="ADAL" clId="{920E45FF-707A-564B-83B3-9BA7BB1D0D1B}" dt="2021-03-25T12:51:47.923" v="4696" actId="14100"/>
+          <ac:spMkLst>
+            <pc:docMk/>
+            <pc:sldMk cId="1336684213" sldId="557"/>
+            <ac:spMk id="2" creationId="{556B981A-229A-B54C-ACC7-41D2A16654A0}"/>
+          </ac:spMkLst>
+        </pc:spChg>
+        <pc:spChg chg="mod">
+          <ac:chgData name="Long B Nguyen" userId="f59fb8f3-a021-417a-8bc1-65c8d471c621" providerId="ADAL" clId="{920E45FF-707A-564B-83B3-9BA7BB1D0D1B}" dt="2021-03-25T12:57:47.974" v="5650" actId="14100"/>
+          <ac:spMkLst>
+            <pc:docMk/>
+            <pc:sldMk cId="1336684213" sldId="557"/>
+            <ac:spMk id="3" creationId="{C84102BA-DE72-B749-AF52-12A584032098}"/>
+          </ac:spMkLst>
+        </pc:spChg>
+      </pc:sldChg>
+      <pc:sldChg chg="addSp modSp new mod">
+        <pc:chgData name="Long B Nguyen" userId="f59fb8f3-a021-417a-8bc1-65c8d471c621" providerId="ADAL" clId="{920E45FF-707A-564B-83B3-9BA7BB1D0D1B}" dt="2021-03-25T13:22:14.316" v="7563" actId="1076"/>
+        <pc:sldMkLst>
+          <pc:docMk/>
+          <pc:sldMk cId="3255312717" sldId="558"/>
+        </pc:sldMkLst>
+        <pc:spChg chg="mod">
+          <ac:chgData name="Long B Nguyen" userId="f59fb8f3-a021-417a-8bc1-65c8d471c621" providerId="ADAL" clId="{920E45FF-707A-564B-83B3-9BA7BB1D0D1B}" dt="2021-03-25T13:21:40.860" v="7553" actId="20577"/>
+          <ac:spMkLst>
+            <pc:docMk/>
+            <pc:sldMk cId="3255312717" sldId="558"/>
+            <ac:spMk id="2" creationId="{FA100432-FD08-B74C-B1ED-A29F2DDCCC2C}"/>
+          </ac:spMkLst>
+        </pc:spChg>
+        <pc:spChg chg="add mod">
+          <ac:chgData name="Long B Nguyen" userId="f59fb8f3-a021-417a-8bc1-65c8d471c621" providerId="ADAL" clId="{920E45FF-707A-564B-83B3-9BA7BB1D0D1B}" dt="2021-03-25T13:22:11.934" v="7562" actId="1076"/>
+          <ac:spMkLst>
+            <pc:docMk/>
+            <pc:sldMk cId="3255312717" sldId="558"/>
+            <ac:spMk id="5" creationId="{19A7A71F-DB30-9240-B08C-B4876A1563A9}"/>
+          </ac:spMkLst>
+        </pc:spChg>
+        <pc:picChg chg="add mod">
+          <ac:chgData name="Long B Nguyen" userId="f59fb8f3-a021-417a-8bc1-65c8d471c621" providerId="ADAL" clId="{920E45FF-707A-564B-83B3-9BA7BB1D0D1B}" dt="2021-03-25T13:22:14.316" v="7563" actId="1076"/>
+          <ac:picMkLst>
+            <pc:docMk/>
+            <pc:sldMk cId="3255312717" sldId="558"/>
+            <ac:picMk id="4" creationId="{BCA4671A-1610-7E4B-AF2F-6841E021CB67}"/>
+          </ac:picMkLst>
+        </pc:picChg>
+      </pc:sldChg>
+      <pc:sldChg chg="modSp add mod modAnim">
+        <pc:chgData name="Long B Nguyen" userId="f59fb8f3-a021-417a-8bc1-65c8d471c621" providerId="ADAL" clId="{920E45FF-707A-564B-83B3-9BA7BB1D0D1B}" dt="2021-03-25T13:18:19.820" v="7510"/>
+        <pc:sldMkLst>
+          <pc:docMk/>
+          <pc:sldMk cId="500399139" sldId="559"/>
+        </pc:sldMkLst>
+        <pc:spChg chg="mod">
+          <ac:chgData name="Long B Nguyen" userId="f59fb8f3-a021-417a-8bc1-65c8d471c621" providerId="ADAL" clId="{920E45FF-707A-564B-83B3-9BA7BB1D0D1B}" dt="2021-03-25T13:17:14.139" v="7479" actId="1076"/>
+          <ac:spMkLst>
+            <pc:docMk/>
+            <pc:sldMk cId="500399139" sldId="559"/>
+            <ac:spMk id="2" creationId="{556B981A-229A-B54C-ACC7-41D2A16654A0}"/>
+          </ac:spMkLst>
+        </pc:spChg>
+        <pc:spChg chg="mod">
+          <ac:chgData name="Long B Nguyen" userId="f59fb8f3-a021-417a-8bc1-65c8d471c621" providerId="ADAL" clId="{920E45FF-707A-564B-83B3-9BA7BB1D0D1B}" dt="2021-03-25T13:17:34.477" v="7509" actId="14100"/>
+          <ac:spMkLst>
+            <pc:docMk/>
+            <pc:sldMk cId="500399139" sldId="559"/>
+            <ac:spMk id="3" creationId="{C84102BA-DE72-B749-AF52-12A584032098}"/>
+          </ac:spMkLst>
+        </pc:spChg>
+      </pc:sldChg>
+      <pc:sldChg chg="modSp add mod modAnim">
+        <pc:chgData name="Long B Nguyen" userId="f59fb8f3-a021-417a-8bc1-65c8d471c621" providerId="ADAL" clId="{920E45FF-707A-564B-83B3-9BA7BB1D0D1B}" dt="2021-03-25T13:18:37.970" v="7515" actId="20577"/>
+        <pc:sldMkLst>
+          <pc:docMk/>
+          <pc:sldMk cId="781774871" sldId="560"/>
+        </pc:sldMkLst>
+        <pc:spChg chg="mod">
+          <ac:chgData name="Long B Nguyen" userId="f59fb8f3-a021-417a-8bc1-65c8d471c621" providerId="ADAL" clId="{920E45FF-707A-564B-83B3-9BA7BB1D0D1B}" dt="2021-03-25T13:01:44.720" v="5953" actId="20577"/>
+          <ac:spMkLst>
+            <pc:docMk/>
+            <pc:sldMk cId="781774871" sldId="560"/>
+            <ac:spMk id="2" creationId="{556B981A-229A-B54C-ACC7-41D2A16654A0}"/>
+          </ac:spMkLst>
+        </pc:spChg>
+        <pc:spChg chg="mod">
+          <ac:chgData name="Long B Nguyen" userId="f59fb8f3-a021-417a-8bc1-65c8d471c621" providerId="ADAL" clId="{920E45FF-707A-564B-83B3-9BA7BB1D0D1B}" dt="2021-03-25T13:18:37.970" v="7515" actId="20577"/>
+          <ac:spMkLst>
+            <pc:docMk/>
+            <pc:sldMk cId="781774871" sldId="560"/>
+            <ac:spMk id="3" creationId="{C84102BA-DE72-B749-AF52-12A584032098}"/>
+          </ac:spMkLst>
+        </pc:spChg>
+      </pc:sldChg>
+      <pc:sldChg chg="modSp add mod modAnim">
+        <pc:chgData name="Long B Nguyen" userId="f59fb8f3-a021-417a-8bc1-65c8d471c621" providerId="ADAL" clId="{920E45FF-707A-564B-83B3-9BA7BB1D0D1B}" dt="2021-03-25T13:18:49.464" v="7519"/>
+        <pc:sldMkLst>
+          <pc:docMk/>
+          <pc:sldMk cId="3916325109" sldId="561"/>
+        </pc:sldMkLst>
+        <pc:spChg chg="mod">
+          <ac:chgData name="Long B Nguyen" userId="f59fb8f3-a021-417a-8bc1-65c8d471c621" providerId="ADAL" clId="{920E45FF-707A-564B-83B3-9BA7BB1D0D1B}" dt="2021-03-25T13:15:44.155" v="7236" actId="20577"/>
+          <ac:spMkLst>
+            <pc:docMk/>
+            <pc:sldMk cId="3916325109" sldId="561"/>
+            <ac:spMk id="3" creationId="{C84102BA-DE72-B749-AF52-12A584032098}"/>
+          </ac:spMkLst>
+        </pc:spChg>
+      </pc:sldChg>
+      <pc:sldChg chg="addSp delSp modSp add mod">
+        <pc:chgData name="Long B Nguyen" userId="f59fb8f3-a021-417a-8bc1-65c8d471c621" providerId="ADAL" clId="{920E45FF-707A-564B-83B3-9BA7BB1D0D1B}" dt="2021-03-25T13:24:12.224" v="7639"/>
+        <pc:sldMkLst>
+          <pc:docMk/>
+          <pc:sldMk cId="963005197" sldId="562"/>
+        </pc:sldMkLst>
+        <pc:spChg chg="mod">
+          <ac:chgData name="Long B Nguyen" userId="f59fb8f3-a021-417a-8bc1-65c8d471c621" providerId="ADAL" clId="{920E45FF-707A-564B-83B3-9BA7BB1D0D1B}" dt="2021-03-25T13:22:24.323" v="7575" actId="20577"/>
+          <ac:spMkLst>
+            <pc:docMk/>
+            <pc:sldMk cId="963005197" sldId="562"/>
+            <ac:spMk id="2" creationId="{FA100432-FD08-B74C-B1ED-A29F2DDCCC2C}"/>
+          </ac:spMkLst>
+        </pc:spChg>
+        <pc:spChg chg="mod">
+          <ac:chgData name="Long B Nguyen" userId="f59fb8f3-a021-417a-8bc1-65c8d471c621" providerId="ADAL" clId="{920E45FF-707A-564B-83B3-9BA7BB1D0D1B}" dt="2021-03-25T13:23:29.763" v="7636" actId="20577"/>
+          <ac:spMkLst>
+            <pc:docMk/>
+            <pc:sldMk cId="963005197" sldId="562"/>
+            <ac:spMk id="3" creationId="{095AEB11-C94C-8944-8BC0-B5111383C9C5}"/>
+          </ac:spMkLst>
+        </pc:spChg>
+        <pc:spChg chg="mod">
+          <ac:chgData name="Long B Nguyen" userId="f59fb8f3-a021-417a-8bc1-65c8d471c621" providerId="ADAL" clId="{920E45FF-707A-564B-83B3-9BA7BB1D0D1B}" dt="2021-03-25T13:22:53.628" v="7580" actId="255"/>
+          <ac:spMkLst>
+            <pc:docMk/>
+            <pc:sldMk cId="963005197" sldId="562"/>
+            <ac:spMk id="5" creationId="{19A7A71F-DB30-9240-B08C-B4876A1563A9}"/>
+          </ac:spMkLst>
+        </pc:spChg>
+        <pc:picChg chg="del">
+          <ac:chgData name="Long B Nguyen" userId="f59fb8f3-a021-417a-8bc1-65c8d471c621" providerId="ADAL" clId="{920E45FF-707A-564B-83B3-9BA7BB1D0D1B}" dt="2021-03-25T13:23:13.808" v="7581" actId="478"/>
+          <ac:picMkLst>
+            <pc:docMk/>
+            <pc:sldMk cId="963005197" sldId="562"/>
+            <ac:picMk id="4" creationId="{BCA4671A-1610-7E4B-AF2F-6841E021CB67}"/>
+          </ac:picMkLst>
+        </pc:picChg>
+        <pc:picChg chg="add mod">
+          <ac:chgData name="Long B Nguyen" userId="f59fb8f3-a021-417a-8bc1-65c8d471c621" providerId="ADAL" clId="{920E45FF-707A-564B-83B3-9BA7BB1D0D1B}" dt="2021-03-25T13:23:32.453" v="7638" actId="1076"/>
+          <ac:picMkLst>
+            <pc:docMk/>
+            <pc:sldMk cId="963005197" sldId="562"/>
+            <ac:picMk id="6" creationId="{B465E76B-E942-B343-82C8-889CC29E0D41}"/>
+          </ac:picMkLst>
+        </pc:picChg>
+        <pc:picChg chg="add">
+          <ac:chgData name="Long B Nguyen" userId="f59fb8f3-a021-417a-8bc1-65c8d471c621" providerId="ADAL" clId="{920E45FF-707A-564B-83B3-9BA7BB1D0D1B}" dt="2021-03-25T13:24:12.224" v="7639"/>
+          <ac:picMkLst>
+            <pc:docMk/>
+            <pc:sldMk cId="963005197" sldId="562"/>
+            <ac:picMk id="7" creationId="{157F941E-AE1C-2346-8DAE-A5B65AF26313}"/>
+          </ac:picMkLst>
+        </pc:picChg>
+      </pc:sldChg>
+      <pc:sldChg chg="delSp modSp add mod">
+        <pc:chgData name="Long B Nguyen" userId="f59fb8f3-a021-417a-8bc1-65c8d471c621" providerId="ADAL" clId="{920E45FF-707A-564B-83B3-9BA7BB1D0D1B}" dt="2021-03-25T13:24:38.150" v="7703" actId="20577"/>
+        <pc:sldMkLst>
+          <pc:docMk/>
+          <pc:sldMk cId="107728642" sldId="563"/>
+        </pc:sldMkLst>
+        <pc:spChg chg="mod">
+          <ac:chgData name="Long B Nguyen" userId="f59fb8f3-a021-417a-8bc1-65c8d471c621" providerId="ADAL" clId="{920E45FF-707A-564B-83B3-9BA7BB1D0D1B}" dt="2021-03-25T13:24:19.128" v="7651" actId="20577"/>
+          <ac:spMkLst>
+            <pc:docMk/>
+            <pc:sldMk cId="107728642" sldId="563"/>
+            <ac:spMk id="2" creationId="{FA100432-FD08-B74C-B1ED-A29F2DDCCC2C}"/>
+          </ac:spMkLst>
+        </pc:spChg>
+        <pc:spChg chg="mod">
+          <ac:chgData name="Long B Nguyen" userId="f59fb8f3-a021-417a-8bc1-65c8d471c621" providerId="ADAL" clId="{920E45FF-707A-564B-83B3-9BA7BB1D0D1B}" dt="2021-03-25T13:24:29.440" v="7658" actId="20577"/>
+          <ac:spMkLst>
+            <pc:docMk/>
+            <pc:sldMk cId="107728642" sldId="563"/>
+            <ac:spMk id="3" creationId="{095AEB11-C94C-8944-8BC0-B5111383C9C5}"/>
+          </ac:spMkLst>
+        </pc:spChg>
+        <pc:spChg chg="mod">
+          <ac:chgData name="Long B Nguyen" userId="f59fb8f3-a021-417a-8bc1-65c8d471c621" providerId="ADAL" clId="{920E45FF-707A-564B-83B3-9BA7BB1D0D1B}" dt="2021-03-25T13:24:38.150" v="7703" actId="20577"/>
+          <ac:spMkLst>
+            <pc:docMk/>
+            <pc:sldMk cId="107728642" sldId="563"/>
+            <ac:spMk id="5" creationId="{19A7A71F-DB30-9240-B08C-B4876A1563A9}"/>
+          </ac:spMkLst>
+        </pc:spChg>
+        <pc:picChg chg="del">
+          <ac:chgData name="Long B Nguyen" userId="f59fb8f3-a021-417a-8bc1-65c8d471c621" providerId="ADAL" clId="{920E45FF-707A-564B-83B3-9BA7BB1D0D1B}" dt="2021-03-25T13:24:23.397" v="7652" actId="478"/>
+          <ac:picMkLst>
+            <pc:docMk/>
+            <pc:sldMk cId="107728642" sldId="563"/>
+            <ac:picMk id="6" creationId="{B465E76B-E942-B343-82C8-889CC29E0D41}"/>
+          </ac:picMkLst>
+        </pc:picChg>
+        <pc:picChg chg="mod">
+          <ac:chgData name="Long B Nguyen" userId="f59fb8f3-a021-417a-8bc1-65c8d471c621" providerId="ADAL" clId="{920E45FF-707A-564B-83B3-9BA7BB1D0D1B}" dt="2021-03-25T13:24:25.692" v="7653" actId="1076"/>
+          <ac:picMkLst>
+            <pc:docMk/>
+            <pc:sldMk cId="107728642" sldId="563"/>
+            <ac:picMk id="7" creationId="{157F941E-AE1C-2346-8DAE-A5B65AF26313}"/>
+          </ac:picMkLst>
+        </pc:picChg>
       </pc:sldChg>
     </pc:docChg>
   </pc:docChgLst>
@@ -2213,7 +2453,7 @@
           <a:p>
             <a:fld id="{4AAD347D-5ACD-4C99-B74B-A9C85AD731AF}" type="datetimeFigureOut">
               <a:rPr lang="en-US" smtClean="0"/>
-              <a:t>3/19/21</a:t>
+              <a:t>3/25/21</a:t>
             </a:fld>
             <a:endParaRPr lang="en-US" dirty="0"/>
           </a:p>
@@ -2383,7 +2623,7 @@
           <a:p>
             <a:fld id="{4509A250-FF31-4206-8172-F9D3106AACB1}" type="datetimeFigureOut">
               <a:rPr lang="en-US" smtClean="0"/>
-              <a:t>3/19/21</a:t>
+              <a:t>3/25/21</a:t>
             </a:fld>
             <a:endParaRPr lang="en-US" dirty="0"/>
           </a:p>
@@ -2563,7 +2803,7 @@
           <a:p>
             <a:fld id="{4509A250-FF31-4206-8172-F9D3106AACB1}" type="datetimeFigureOut">
               <a:rPr lang="en-US" smtClean="0"/>
-              <a:t>3/19/21</a:t>
+              <a:t>3/25/21</a:t>
             </a:fld>
             <a:endParaRPr lang="en-US" dirty="0"/>
           </a:p>
@@ -2733,7 +2973,7 @@
           <a:p>
             <a:fld id="{4509A250-FF31-4206-8172-F9D3106AACB1}" type="datetimeFigureOut">
               <a:rPr lang="en-US" smtClean="0"/>
-              <a:t>3/19/21</a:t>
+              <a:t>3/25/21</a:t>
             </a:fld>
             <a:endParaRPr lang="en-US" dirty="0"/>
           </a:p>
@@ -2979,7 +3219,7 @@
           <a:p>
             <a:fld id="{9796027F-7875-4030-9381-8BD8C4F21935}" type="datetimeFigureOut">
               <a:rPr lang="en-US" smtClean="0"/>
-              <a:t>3/19/21</a:t>
+              <a:t>3/25/21</a:t>
             </a:fld>
             <a:endParaRPr lang="en-US" dirty="0"/>
           </a:p>
@@ -3211,7 +3451,7 @@
           <a:p>
             <a:fld id="{9796027F-7875-4030-9381-8BD8C4F21935}" type="datetimeFigureOut">
               <a:rPr lang="en-US" smtClean="0"/>
-              <a:t>3/19/21</a:t>
+              <a:t>3/25/21</a:t>
             </a:fld>
             <a:endParaRPr lang="en-US" dirty="0"/>
           </a:p>
@@ -3578,7 +3818,7 @@
           <a:p>
             <a:fld id="{9796027F-7875-4030-9381-8BD8C4F21935}" type="datetimeFigureOut">
               <a:rPr lang="en-US" smtClean="0"/>
-              <a:t>3/19/21</a:t>
+              <a:t>3/25/21</a:t>
             </a:fld>
             <a:endParaRPr lang="en-US" dirty="0"/>
           </a:p>
@@ -3696,7 +3936,7 @@
           <a:p>
             <a:fld id="{4509A250-FF31-4206-8172-F9D3106AACB1}" type="datetimeFigureOut">
               <a:rPr lang="en-US" smtClean="0"/>
-              <a:t>3/19/21</a:t>
+              <a:t>3/25/21</a:t>
             </a:fld>
             <a:endParaRPr lang="en-US" dirty="0"/>
           </a:p>
@@ -3791,7 +4031,7 @@
           <a:p>
             <a:fld id="{4509A250-FF31-4206-8172-F9D3106AACB1}" type="datetimeFigureOut">
               <a:rPr lang="en-US" smtClean="0"/>
-              <a:t>3/19/21</a:t>
+              <a:t>3/25/21</a:t>
             </a:fld>
             <a:endParaRPr lang="en-US" dirty="0"/>
           </a:p>
@@ -4068,7 +4308,7 @@
           <a:p>
             <a:fld id="{4509A250-FF31-4206-8172-F9D3106AACB1}" type="datetimeFigureOut">
               <a:rPr lang="en-US" smtClean="0"/>
-              <a:t>3/19/21</a:t>
+              <a:t>3/25/21</a:t>
             </a:fld>
             <a:endParaRPr lang="en-US" dirty="0"/>
           </a:p>
@@ -4325,7 +4565,7 @@
           <a:p>
             <a:fld id="{4509A250-FF31-4206-8172-F9D3106AACB1}" type="datetimeFigureOut">
               <a:rPr lang="en-US" smtClean="0"/>
-              <a:t>3/19/21</a:t>
+              <a:t>3/25/21</a:t>
             </a:fld>
             <a:endParaRPr lang="en-US" dirty="0"/>
           </a:p>
@@ -4538,7 +4778,7 @@
           <a:p>
             <a:fld id="{4AAD347D-5ACD-4C99-B74B-A9C85AD731AF}" type="datetimeFigureOut">
               <a:rPr lang="en-US" smtClean="0"/>
-              <a:t>3/19/21</a:t>
+              <a:t>3/25/21</a:t>
             </a:fld>
             <a:endParaRPr lang="en-US" dirty="0"/>
           </a:p>
@@ -9044,7 +9284,7 @@
           <a:p>
             <a:r>
               <a:rPr lang="en-US" dirty="0"/>
-              <a:t>Example 2</a:t>
+              <a:t>Example 2(Optional)</a:t>
             </a:r>
           </a:p>
         </p:txBody>
@@ -9465,7 +9705,7 @@
           <a:p>
             <a:r>
               <a:rPr lang="en-US" dirty="0"/>
-              <a:t>Example 2</a:t>
+              <a:t>Example 2(Optional)</a:t>
             </a:r>
           </a:p>
         </p:txBody>
@@ -9852,7 +10092,7 @@
           <a:p>
             <a:r>
               <a:rPr lang="en-US" dirty="0"/>
-              <a:t>An Example of a class</a:t>
+              <a:t>An Example of a class(Optional)</a:t>
             </a:r>
           </a:p>
         </p:txBody>
@@ -11375,19 +11615,30 @@
             <a:pPr marL="0" indent="0">
               <a:buNone/>
             </a:pPr>
-            <a:endParaRPr lang="en-US"/>
-          </a:p>
-          <a:p>
-            <a:pPr marL="0" indent="0">
-              <a:buNone/>
-            </a:pPr>
-            <a:r>
-              <a:rPr lang="en-US"/>
-              <a:t>This </a:t>
-            </a:r>
             <a:r>
               <a:rPr lang="en-US" dirty="0"/>
-              <a:t>Create Task example will read in a text file of students: name and list of grades. It will create a list of Student objects and have provide some filtering capabilities. </a:t>
+              <a:t>(Optional)</a:t>
+            </a:r>
+          </a:p>
+          <a:p>
+            <a:pPr marL="0" indent="0">
+              <a:buNone/>
+            </a:pPr>
+            <a:endParaRPr lang="en-US" dirty="0"/>
+          </a:p>
+          <a:p>
+            <a:pPr marL="0" indent="0">
+              <a:buNone/>
+            </a:pPr>
+            <a:endParaRPr lang="en-US" dirty="0"/>
+          </a:p>
+          <a:p>
+            <a:pPr marL="0" indent="0">
+              <a:buNone/>
+            </a:pPr>
+            <a:r>
+              <a:rPr lang="en-US" dirty="0"/>
+              <a:t>This Create Task example will read in a text file of students: name and list of grades. It will create a list of Student objects and have provide some filtering capabilities. </a:t>
             </a:r>
           </a:p>
           <a:p>
@@ -11430,6 +11681,1058 @@
   <p:clrMapOvr>
     <a:masterClrMapping/>
   </p:clrMapOvr>
+</p:sld>
+</file>
+
+<file path=ppt/slides/slide28.xml><?xml version="1.0" encoding="utf-8"?>
+<p:sld xmlns:a="http://schemas.openxmlformats.org/drawingml/2006/main" xmlns:r="http://schemas.openxmlformats.org/officeDocument/2006/relationships" xmlns:p="http://schemas.openxmlformats.org/presentationml/2006/main">
+  <p:cSld>
+    <p:spTree>
+      <p:nvGrpSpPr>
+        <p:cNvPr id="1" name=""/>
+        <p:cNvGrpSpPr/>
+        <p:nvPr/>
+      </p:nvGrpSpPr>
+      <p:grpSpPr>
+        <a:xfrm>
+          <a:off x="0" y="0"/>
+          <a:ext cx="0" cy="0"/>
+          <a:chOff x="0" y="0"/>
+          <a:chExt cx="0" cy="0"/>
+        </a:xfrm>
+      </p:grpSpPr>
+      <p:sp>
+        <p:nvSpPr>
+          <p:cNvPr id="2" name="Title 1">
+            <a:extLst>
+              <a:ext uri="{FF2B5EF4-FFF2-40B4-BE49-F238E27FC236}">
+                <a16:creationId xmlns:a16="http://schemas.microsoft.com/office/drawing/2014/main" id="{556B981A-229A-B54C-ACC7-41D2A16654A0}"/>
+              </a:ext>
+            </a:extLst>
+          </p:cNvPr>
+          <p:cNvSpPr>
+            <a:spLocks noGrp="1"/>
+          </p:cNvSpPr>
+          <p:nvPr>
+            <p:ph type="title"/>
+          </p:nvPr>
+        </p:nvSpPr>
+        <p:spPr>
+          <a:xfrm>
+            <a:off x="190500" y="254001"/>
+            <a:ext cx="8324850" cy="622300"/>
+          </a:xfrm>
+        </p:spPr>
+        <p:txBody>
+          <a:bodyPr/>
+          <a:lstStyle/>
+          <a:p>
+            <a:r>
+              <a:rPr lang="en-US" dirty="0"/>
+              <a:t>Steps for Create Task </a:t>
+            </a:r>
+          </a:p>
+        </p:txBody>
+      </p:sp>
+      <p:sp>
+        <p:nvSpPr>
+          <p:cNvPr id="3" name="Content Placeholder 2">
+            <a:extLst>
+              <a:ext uri="{FF2B5EF4-FFF2-40B4-BE49-F238E27FC236}">
+                <a16:creationId xmlns:a16="http://schemas.microsoft.com/office/drawing/2014/main" id="{C84102BA-DE72-B749-AF52-12A584032098}"/>
+              </a:ext>
+            </a:extLst>
+          </p:cNvPr>
+          <p:cNvSpPr>
+            <a:spLocks noGrp="1"/>
+          </p:cNvSpPr>
+          <p:nvPr>
+            <p:ph idx="1"/>
+          </p:nvPr>
+        </p:nvSpPr>
+        <p:spPr>
+          <a:xfrm>
+            <a:off x="190500" y="876302"/>
+            <a:ext cx="8496300" cy="4686298"/>
+          </a:xfrm>
+        </p:spPr>
+        <p:txBody>
+          <a:bodyPr/>
+          <a:lstStyle/>
+          <a:p>
+            <a:pPr marL="457200" indent="-457200">
+              <a:buAutoNum type="arabicParenR"/>
+            </a:pPr>
+            <a:r>
+              <a:rPr lang="en-US" dirty="0"/>
+              <a:t>Design Program: Brainstorm and think carefully about your program. What is your list? What is the student-developed procedure with parameters that used iteration(loops) and selection(conditionals)? Plan before writing code can save a lot of time!</a:t>
+            </a:r>
+          </a:p>
+          <a:p>
+            <a:pPr marL="457200" indent="-457200">
+              <a:buAutoNum type="arabicParenR"/>
+            </a:pPr>
+            <a:r>
+              <a:rPr lang="en-US" dirty="0"/>
+              <a:t>Code the Program: Troubleshoot, test and refine. Start writing the student developed procedure and test it with hard-coded inputs. For example, from our encrypt example: print(encrypt("hello", sub)). Refine and repeat. </a:t>
+            </a:r>
+          </a:p>
+          <a:p>
+            <a:pPr marL="457200" indent="-457200">
+              <a:buAutoNum type="arabicParenR"/>
+            </a:pPr>
+            <a:r>
+              <a:rPr lang="en-US" dirty="0"/>
+              <a:t>Make Video</a:t>
+            </a:r>
+          </a:p>
+          <a:p>
+            <a:pPr marL="457200" indent="-457200">
+              <a:buAutoNum type="arabicParenR"/>
+            </a:pPr>
+            <a:r>
+              <a:rPr lang="en-US" dirty="0"/>
+              <a:t>Complete Written Response 3a.</a:t>
+            </a:r>
+          </a:p>
+          <a:p>
+            <a:pPr marL="457200" indent="-457200">
+              <a:buAutoNum type="arabicParenR"/>
+            </a:pPr>
+            <a:r>
+              <a:rPr lang="en-US" dirty="0"/>
+              <a:t>Four Screenshots for 3b: </a:t>
+            </a:r>
+            <a:r>
+              <a:rPr lang="en-US" dirty="0" err="1"/>
+              <a:t>i</a:t>
+            </a:r>
+            <a:r>
+              <a:rPr lang="en-US" dirty="0"/>
+              <a:t> and ii, 3c: </a:t>
+            </a:r>
+            <a:r>
+              <a:rPr lang="en-US" dirty="0" err="1"/>
+              <a:t>i</a:t>
+            </a:r>
+            <a:r>
+              <a:rPr lang="en-US" dirty="0"/>
+              <a:t> and ii.</a:t>
+            </a:r>
+          </a:p>
+          <a:p>
+            <a:pPr marL="457200" indent="-457200">
+              <a:buAutoNum type="arabicParenR"/>
+            </a:pPr>
+            <a:r>
+              <a:rPr lang="en-US" dirty="0"/>
+              <a:t>Complete written response 3b, 3c and 3d.</a:t>
+            </a:r>
+          </a:p>
+          <a:p>
+            <a:pPr marL="457200" indent="-457200">
+              <a:buAutoNum type="arabicParenR"/>
+            </a:pPr>
+            <a:r>
+              <a:rPr lang="en-US" dirty="0"/>
+              <a:t>Submit portfolio on College Board site. </a:t>
+            </a:r>
+          </a:p>
+          <a:p>
+            <a:pPr marL="457200" indent="-457200">
+              <a:buAutoNum type="arabicParenR"/>
+            </a:pPr>
+            <a:endParaRPr lang="en-US" dirty="0"/>
+          </a:p>
+          <a:p>
+            <a:pPr marL="457200" indent="-457200">
+              <a:buAutoNum type="arabicParenR"/>
+            </a:pPr>
+            <a:endParaRPr lang="en-US" dirty="0"/>
+          </a:p>
+        </p:txBody>
+      </p:sp>
+    </p:spTree>
+    <p:extLst>
+      <p:ext uri="{BB962C8B-B14F-4D97-AF65-F5344CB8AC3E}">
+        <p14:creationId xmlns:p14="http://schemas.microsoft.com/office/powerpoint/2010/main" val="1336684213"/>
+      </p:ext>
+    </p:extLst>
+  </p:cSld>
+  <p:clrMapOvr>
+    <a:masterClrMapping/>
+  </p:clrMapOvr>
+  <p:timing>
+    <p:tnLst>
+      <p:par>
+        <p:cTn id="1" dur="indefinite" restart="never" nodeType="tmRoot">
+          <p:childTnLst>
+            <p:seq concurrent="1" nextAc="seek">
+              <p:cTn id="2" dur="indefinite" nodeType="mainSeq">
+                <p:childTnLst>
+                  <p:par>
+                    <p:cTn id="3" fill="hold">
+                      <p:stCondLst>
+                        <p:cond delay="indefinite"/>
+                      </p:stCondLst>
+                      <p:childTnLst>
+                        <p:par>
+                          <p:cTn id="4" fill="hold">
+                            <p:stCondLst>
+                              <p:cond delay="0"/>
+                            </p:stCondLst>
+                            <p:childTnLst>
+                              <p:par>
+                                <p:cTn id="5" presetID="1" presetClass="entr" presetSubtype="0" fill="hold" nodeType="clickEffect">
+                                  <p:stCondLst>
+                                    <p:cond delay="0"/>
+                                  </p:stCondLst>
+                                  <p:childTnLst>
+                                    <p:set>
+                                      <p:cBhvr>
+                                        <p:cTn id="6" dur="1" fill="hold">
+                                          <p:stCondLst>
+                                            <p:cond delay="0"/>
+                                          </p:stCondLst>
+                                        </p:cTn>
+                                        <p:tgtEl>
+                                          <p:spTgt spid="3">
+                                            <p:txEl>
+                                              <p:pRg st="1" end="1"/>
+                                            </p:txEl>
+                                          </p:spTgt>
+                                        </p:tgtEl>
+                                        <p:attrNameLst>
+                                          <p:attrName>style.visibility</p:attrName>
+                                        </p:attrNameLst>
+                                      </p:cBhvr>
+                                      <p:to>
+                                        <p:strVal val="visible"/>
+                                      </p:to>
+                                    </p:set>
+                                  </p:childTnLst>
+                                </p:cTn>
+                              </p:par>
+                            </p:childTnLst>
+                          </p:cTn>
+                        </p:par>
+                      </p:childTnLst>
+                    </p:cTn>
+                  </p:par>
+                  <p:par>
+                    <p:cTn id="7" fill="hold">
+                      <p:stCondLst>
+                        <p:cond delay="indefinite"/>
+                      </p:stCondLst>
+                      <p:childTnLst>
+                        <p:par>
+                          <p:cTn id="8" fill="hold">
+                            <p:stCondLst>
+                              <p:cond delay="0"/>
+                            </p:stCondLst>
+                            <p:childTnLst>
+                              <p:par>
+                                <p:cTn id="9" presetID="1" presetClass="entr" presetSubtype="0" fill="hold" nodeType="clickEffect">
+                                  <p:stCondLst>
+                                    <p:cond delay="0"/>
+                                  </p:stCondLst>
+                                  <p:childTnLst>
+                                    <p:set>
+                                      <p:cBhvr>
+                                        <p:cTn id="10" dur="1" fill="hold">
+                                          <p:stCondLst>
+                                            <p:cond delay="0"/>
+                                          </p:stCondLst>
+                                        </p:cTn>
+                                        <p:tgtEl>
+                                          <p:spTgt spid="3">
+                                            <p:txEl>
+                                              <p:pRg st="2" end="2"/>
+                                            </p:txEl>
+                                          </p:spTgt>
+                                        </p:tgtEl>
+                                        <p:attrNameLst>
+                                          <p:attrName>style.visibility</p:attrName>
+                                        </p:attrNameLst>
+                                      </p:cBhvr>
+                                      <p:to>
+                                        <p:strVal val="visible"/>
+                                      </p:to>
+                                    </p:set>
+                                  </p:childTnLst>
+                                </p:cTn>
+                              </p:par>
+                            </p:childTnLst>
+                          </p:cTn>
+                        </p:par>
+                      </p:childTnLst>
+                    </p:cTn>
+                  </p:par>
+                  <p:par>
+                    <p:cTn id="11" fill="hold">
+                      <p:stCondLst>
+                        <p:cond delay="indefinite"/>
+                      </p:stCondLst>
+                      <p:childTnLst>
+                        <p:par>
+                          <p:cTn id="12" fill="hold">
+                            <p:stCondLst>
+                              <p:cond delay="0"/>
+                            </p:stCondLst>
+                            <p:childTnLst>
+                              <p:par>
+                                <p:cTn id="13" presetID="1" presetClass="entr" presetSubtype="0" fill="hold" nodeType="clickEffect">
+                                  <p:stCondLst>
+                                    <p:cond delay="0"/>
+                                  </p:stCondLst>
+                                  <p:childTnLst>
+                                    <p:set>
+                                      <p:cBhvr>
+                                        <p:cTn id="14" dur="1" fill="hold">
+                                          <p:stCondLst>
+                                            <p:cond delay="0"/>
+                                          </p:stCondLst>
+                                        </p:cTn>
+                                        <p:tgtEl>
+                                          <p:spTgt spid="3">
+                                            <p:txEl>
+                                              <p:pRg st="3" end="3"/>
+                                            </p:txEl>
+                                          </p:spTgt>
+                                        </p:tgtEl>
+                                        <p:attrNameLst>
+                                          <p:attrName>style.visibility</p:attrName>
+                                        </p:attrNameLst>
+                                      </p:cBhvr>
+                                      <p:to>
+                                        <p:strVal val="visible"/>
+                                      </p:to>
+                                    </p:set>
+                                  </p:childTnLst>
+                                </p:cTn>
+                              </p:par>
+                            </p:childTnLst>
+                          </p:cTn>
+                        </p:par>
+                      </p:childTnLst>
+                    </p:cTn>
+                  </p:par>
+                  <p:par>
+                    <p:cTn id="15" fill="hold">
+                      <p:stCondLst>
+                        <p:cond delay="indefinite"/>
+                      </p:stCondLst>
+                      <p:childTnLst>
+                        <p:par>
+                          <p:cTn id="16" fill="hold">
+                            <p:stCondLst>
+                              <p:cond delay="0"/>
+                            </p:stCondLst>
+                            <p:childTnLst>
+                              <p:par>
+                                <p:cTn id="17" presetID="1" presetClass="entr" presetSubtype="0" fill="hold" nodeType="clickEffect">
+                                  <p:stCondLst>
+                                    <p:cond delay="0"/>
+                                  </p:stCondLst>
+                                  <p:childTnLst>
+                                    <p:set>
+                                      <p:cBhvr>
+                                        <p:cTn id="18" dur="1" fill="hold">
+                                          <p:stCondLst>
+                                            <p:cond delay="0"/>
+                                          </p:stCondLst>
+                                        </p:cTn>
+                                        <p:tgtEl>
+                                          <p:spTgt spid="3">
+                                            <p:txEl>
+                                              <p:pRg st="4" end="4"/>
+                                            </p:txEl>
+                                          </p:spTgt>
+                                        </p:tgtEl>
+                                        <p:attrNameLst>
+                                          <p:attrName>style.visibility</p:attrName>
+                                        </p:attrNameLst>
+                                      </p:cBhvr>
+                                      <p:to>
+                                        <p:strVal val="visible"/>
+                                      </p:to>
+                                    </p:set>
+                                  </p:childTnLst>
+                                </p:cTn>
+                              </p:par>
+                            </p:childTnLst>
+                          </p:cTn>
+                        </p:par>
+                      </p:childTnLst>
+                    </p:cTn>
+                  </p:par>
+                  <p:par>
+                    <p:cTn id="19" fill="hold">
+                      <p:stCondLst>
+                        <p:cond delay="indefinite"/>
+                      </p:stCondLst>
+                      <p:childTnLst>
+                        <p:par>
+                          <p:cTn id="20" fill="hold">
+                            <p:stCondLst>
+                              <p:cond delay="0"/>
+                            </p:stCondLst>
+                            <p:childTnLst>
+                              <p:par>
+                                <p:cTn id="21" presetID="1" presetClass="entr" presetSubtype="0" fill="hold" nodeType="clickEffect">
+                                  <p:stCondLst>
+                                    <p:cond delay="0"/>
+                                  </p:stCondLst>
+                                  <p:childTnLst>
+                                    <p:set>
+                                      <p:cBhvr>
+                                        <p:cTn id="22" dur="1" fill="hold">
+                                          <p:stCondLst>
+                                            <p:cond delay="0"/>
+                                          </p:stCondLst>
+                                        </p:cTn>
+                                        <p:tgtEl>
+                                          <p:spTgt spid="3">
+                                            <p:txEl>
+                                              <p:pRg st="5" end="5"/>
+                                            </p:txEl>
+                                          </p:spTgt>
+                                        </p:tgtEl>
+                                        <p:attrNameLst>
+                                          <p:attrName>style.visibility</p:attrName>
+                                        </p:attrNameLst>
+                                      </p:cBhvr>
+                                      <p:to>
+                                        <p:strVal val="visible"/>
+                                      </p:to>
+                                    </p:set>
+                                  </p:childTnLst>
+                                </p:cTn>
+                              </p:par>
+                            </p:childTnLst>
+                          </p:cTn>
+                        </p:par>
+                      </p:childTnLst>
+                    </p:cTn>
+                  </p:par>
+                  <p:par>
+                    <p:cTn id="23" fill="hold">
+                      <p:stCondLst>
+                        <p:cond delay="indefinite"/>
+                      </p:stCondLst>
+                      <p:childTnLst>
+                        <p:par>
+                          <p:cTn id="24" fill="hold">
+                            <p:stCondLst>
+                              <p:cond delay="0"/>
+                            </p:stCondLst>
+                            <p:childTnLst>
+                              <p:par>
+                                <p:cTn id="25" presetID="1" presetClass="entr" presetSubtype="0" fill="hold" nodeType="clickEffect">
+                                  <p:stCondLst>
+                                    <p:cond delay="0"/>
+                                  </p:stCondLst>
+                                  <p:childTnLst>
+                                    <p:set>
+                                      <p:cBhvr>
+                                        <p:cTn id="26" dur="1" fill="hold">
+                                          <p:stCondLst>
+                                            <p:cond delay="0"/>
+                                          </p:stCondLst>
+                                        </p:cTn>
+                                        <p:tgtEl>
+                                          <p:spTgt spid="3">
+                                            <p:txEl>
+                                              <p:pRg st="6" end="6"/>
+                                            </p:txEl>
+                                          </p:spTgt>
+                                        </p:tgtEl>
+                                        <p:attrNameLst>
+                                          <p:attrName>style.visibility</p:attrName>
+                                        </p:attrNameLst>
+                                      </p:cBhvr>
+                                      <p:to>
+                                        <p:strVal val="visible"/>
+                                      </p:to>
+                                    </p:set>
+                                  </p:childTnLst>
+                                </p:cTn>
+                              </p:par>
+                            </p:childTnLst>
+                          </p:cTn>
+                        </p:par>
+                      </p:childTnLst>
+                    </p:cTn>
+                  </p:par>
+                </p:childTnLst>
+              </p:cTn>
+              <p:prevCondLst>
+                <p:cond evt="onPrev" delay="0">
+                  <p:tgtEl>
+                    <p:sldTgt/>
+                  </p:tgtEl>
+                </p:cond>
+              </p:prevCondLst>
+              <p:nextCondLst>
+                <p:cond evt="onNext" delay="0">
+                  <p:tgtEl>
+                    <p:sldTgt/>
+                  </p:tgtEl>
+                </p:cond>
+              </p:nextCondLst>
+            </p:seq>
+          </p:childTnLst>
+        </p:cTn>
+      </p:par>
+    </p:tnLst>
+  </p:timing>
+</p:sld>
+</file>
+
+<file path=ppt/slides/slide29.xml><?xml version="1.0" encoding="utf-8"?>
+<p:sld xmlns:a="http://schemas.openxmlformats.org/drawingml/2006/main" xmlns:r="http://schemas.openxmlformats.org/officeDocument/2006/relationships" xmlns:p="http://schemas.openxmlformats.org/presentationml/2006/main">
+  <p:cSld>
+    <p:spTree>
+      <p:nvGrpSpPr>
+        <p:cNvPr id="1" name=""/>
+        <p:cNvGrpSpPr/>
+        <p:nvPr/>
+      </p:nvGrpSpPr>
+      <p:grpSpPr>
+        <a:xfrm>
+          <a:off x="0" y="0"/>
+          <a:ext cx="0" cy="0"/>
+          <a:chOff x="0" y="0"/>
+          <a:chExt cx="0" cy="0"/>
+        </a:xfrm>
+      </p:grpSpPr>
+      <p:sp>
+        <p:nvSpPr>
+          <p:cNvPr id="2" name="Title 1">
+            <a:extLst>
+              <a:ext uri="{FF2B5EF4-FFF2-40B4-BE49-F238E27FC236}">
+                <a16:creationId xmlns:a16="http://schemas.microsoft.com/office/drawing/2014/main" id="{556B981A-229A-B54C-ACC7-41D2A16654A0}"/>
+              </a:ext>
+            </a:extLst>
+          </p:cNvPr>
+          <p:cNvSpPr>
+            <a:spLocks noGrp="1"/>
+          </p:cNvSpPr>
+          <p:nvPr>
+            <p:ph type="title"/>
+          </p:nvPr>
+        </p:nvSpPr>
+        <p:spPr>
+          <a:xfrm>
+            <a:off x="190500" y="152400"/>
+            <a:ext cx="8324850" cy="622300"/>
+          </a:xfrm>
+        </p:spPr>
+        <p:txBody>
+          <a:bodyPr/>
+          <a:lstStyle/>
+          <a:p>
+            <a:r>
+              <a:rPr lang="en-US" dirty="0"/>
+              <a:t>Timeframe</a:t>
+            </a:r>
+          </a:p>
+        </p:txBody>
+      </p:sp>
+      <p:sp>
+        <p:nvSpPr>
+          <p:cNvPr id="3" name="Content Placeholder 2">
+            <a:extLst>
+              <a:ext uri="{FF2B5EF4-FFF2-40B4-BE49-F238E27FC236}">
+                <a16:creationId xmlns:a16="http://schemas.microsoft.com/office/drawing/2014/main" id="{C84102BA-DE72-B749-AF52-12A584032098}"/>
+              </a:ext>
+            </a:extLst>
+          </p:cNvPr>
+          <p:cNvSpPr>
+            <a:spLocks noGrp="1"/>
+          </p:cNvSpPr>
+          <p:nvPr>
+            <p:ph idx="1"/>
+          </p:nvPr>
+        </p:nvSpPr>
+        <p:spPr>
+          <a:xfrm>
+            <a:off x="190500" y="774700"/>
+            <a:ext cx="8763000" cy="4787900"/>
+          </a:xfrm>
+        </p:spPr>
+        <p:txBody>
+          <a:bodyPr/>
+          <a:lstStyle/>
+          <a:p>
+            <a:pPr marL="0" indent="0">
+              <a:buNone/>
+            </a:pPr>
+            <a:endParaRPr lang="en-US" dirty="0"/>
+          </a:p>
+          <a:p>
+            <a:pPr marL="457200" indent="-457200">
+              <a:buAutoNum type="arabicParenR"/>
+            </a:pPr>
+            <a:r>
+              <a:rPr lang="en-US" dirty="0"/>
+              <a:t>Design including brainstorming(2 hours)</a:t>
+            </a:r>
+          </a:p>
+          <a:p>
+            <a:pPr marL="457200" indent="-457200">
+              <a:buAutoNum type="arabicParenR"/>
+            </a:pPr>
+            <a:r>
+              <a:rPr lang="en-US" dirty="0"/>
+              <a:t>Coding(5 hours)</a:t>
+            </a:r>
+          </a:p>
+          <a:p>
+            <a:pPr marL="457200" indent="-457200">
+              <a:buAutoNum type="arabicParenR"/>
+            </a:pPr>
+            <a:r>
+              <a:rPr lang="en-US" dirty="0"/>
+              <a:t>Video(1 hour)</a:t>
+            </a:r>
+          </a:p>
+          <a:p>
+            <a:pPr marL="457200" indent="-457200">
+              <a:buAutoNum type="arabicParenR"/>
+            </a:pPr>
+            <a:r>
+              <a:rPr lang="en-US" dirty="0"/>
+              <a:t>Written Response(2 Hours)</a:t>
+            </a:r>
+          </a:p>
+          <a:p>
+            <a:pPr marL="457200" indent="-457200">
+              <a:buAutoNum type="arabicParenR"/>
+            </a:pPr>
+            <a:r>
+              <a:rPr lang="en-US" dirty="0"/>
+              <a:t>Review and refine written response answers using rubric(1 hour)</a:t>
+            </a:r>
+          </a:p>
+          <a:p>
+            <a:pPr marL="457200" indent="-457200">
+              <a:buAutoNum type="arabicParenR"/>
+            </a:pPr>
+            <a:r>
+              <a:rPr lang="en-US" dirty="0"/>
+              <a:t>Uploading to Digital Portfolio(1 hour)</a:t>
+            </a:r>
+          </a:p>
+          <a:p>
+            <a:pPr marL="457200" indent="-457200">
+              <a:buAutoNum type="arabicParenR"/>
+            </a:pPr>
+            <a:endParaRPr lang="en-US" dirty="0"/>
+          </a:p>
+          <a:p>
+            <a:pPr marL="0" indent="0">
+              <a:buNone/>
+            </a:pPr>
+            <a:r>
+              <a:rPr lang="en-US" dirty="0"/>
+              <a:t>Total: 12 hours</a:t>
+            </a:r>
+          </a:p>
+          <a:p>
+            <a:pPr marL="0" indent="0">
+              <a:buNone/>
+            </a:pPr>
+            <a:endParaRPr lang="en-US" dirty="0"/>
+          </a:p>
+          <a:p>
+            <a:pPr marL="0" indent="0">
+              <a:buNone/>
+            </a:pPr>
+            <a:r>
+              <a:rPr lang="en-US" dirty="0"/>
+              <a:t>This is the minimum amount of time you should spend on this. Likely you will need to spend more time(outside of class) to refine and create the best possible portfolio. </a:t>
+            </a:r>
+          </a:p>
+          <a:p>
+            <a:pPr marL="0" indent="0">
+              <a:buNone/>
+            </a:pPr>
+            <a:endParaRPr lang="en-US" dirty="0"/>
+          </a:p>
+          <a:p>
+            <a:pPr marL="457200" indent="-457200">
+              <a:buAutoNum type="arabicParenR"/>
+            </a:pPr>
+            <a:endParaRPr lang="en-US" dirty="0"/>
+          </a:p>
+        </p:txBody>
+      </p:sp>
+    </p:spTree>
+    <p:extLst>
+      <p:ext uri="{BB962C8B-B14F-4D97-AF65-F5344CB8AC3E}">
+        <p14:creationId xmlns:p14="http://schemas.microsoft.com/office/powerpoint/2010/main" val="500399139"/>
+      </p:ext>
+    </p:extLst>
+  </p:cSld>
+  <p:clrMapOvr>
+    <a:masterClrMapping/>
+  </p:clrMapOvr>
+  <p:timing>
+    <p:tnLst>
+      <p:par>
+        <p:cTn id="1" dur="indefinite" restart="never" nodeType="tmRoot">
+          <p:childTnLst>
+            <p:seq concurrent="1" nextAc="seek">
+              <p:cTn id="2" dur="indefinite" nodeType="mainSeq">
+                <p:childTnLst>
+                  <p:par>
+                    <p:cTn id="3" fill="hold">
+                      <p:stCondLst>
+                        <p:cond delay="indefinite"/>
+                      </p:stCondLst>
+                      <p:childTnLst>
+                        <p:par>
+                          <p:cTn id="4" fill="hold">
+                            <p:stCondLst>
+                              <p:cond delay="0"/>
+                            </p:stCondLst>
+                            <p:childTnLst>
+                              <p:par>
+                                <p:cTn id="5" presetID="1" presetClass="entr" presetSubtype="0" fill="hold" nodeType="clickEffect">
+                                  <p:stCondLst>
+                                    <p:cond delay="0"/>
+                                  </p:stCondLst>
+                                  <p:childTnLst>
+                                    <p:set>
+                                      <p:cBhvr>
+                                        <p:cTn id="6" dur="1" fill="hold">
+                                          <p:stCondLst>
+                                            <p:cond delay="0"/>
+                                          </p:stCondLst>
+                                        </p:cTn>
+                                        <p:tgtEl>
+                                          <p:spTgt spid="3">
+                                            <p:txEl>
+                                              <p:pRg st="2" end="2"/>
+                                            </p:txEl>
+                                          </p:spTgt>
+                                        </p:tgtEl>
+                                        <p:attrNameLst>
+                                          <p:attrName>style.visibility</p:attrName>
+                                        </p:attrNameLst>
+                                      </p:cBhvr>
+                                      <p:to>
+                                        <p:strVal val="visible"/>
+                                      </p:to>
+                                    </p:set>
+                                  </p:childTnLst>
+                                </p:cTn>
+                              </p:par>
+                            </p:childTnLst>
+                          </p:cTn>
+                        </p:par>
+                      </p:childTnLst>
+                    </p:cTn>
+                  </p:par>
+                  <p:par>
+                    <p:cTn id="7" fill="hold">
+                      <p:stCondLst>
+                        <p:cond delay="indefinite"/>
+                      </p:stCondLst>
+                      <p:childTnLst>
+                        <p:par>
+                          <p:cTn id="8" fill="hold">
+                            <p:stCondLst>
+                              <p:cond delay="0"/>
+                            </p:stCondLst>
+                            <p:childTnLst>
+                              <p:par>
+                                <p:cTn id="9" presetID="1" presetClass="entr" presetSubtype="0" fill="hold" nodeType="clickEffect">
+                                  <p:stCondLst>
+                                    <p:cond delay="0"/>
+                                  </p:stCondLst>
+                                  <p:childTnLst>
+                                    <p:set>
+                                      <p:cBhvr>
+                                        <p:cTn id="10" dur="1" fill="hold">
+                                          <p:stCondLst>
+                                            <p:cond delay="0"/>
+                                          </p:stCondLst>
+                                        </p:cTn>
+                                        <p:tgtEl>
+                                          <p:spTgt spid="3">
+                                            <p:txEl>
+                                              <p:pRg st="3" end="3"/>
+                                            </p:txEl>
+                                          </p:spTgt>
+                                        </p:tgtEl>
+                                        <p:attrNameLst>
+                                          <p:attrName>style.visibility</p:attrName>
+                                        </p:attrNameLst>
+                                      </p:cBhvr>
+                                      <p:to>
+                                        <p:strVal val="visible"/>
+                                      </p:to>
+                                    </p:set>
+                                  </p:childTnLst>
+                                </p:cTn>
+                              </p:par>
+                            </p:childTnLst>
+                          </p:cTn>
+                        </p:par>
+                      </p:childTnLst>
+                    </p:cTn>
+                  </p:par>
+                  <p:par>
+                    <p:cTn id="11" fill="hold">
+                      <p:stCondLst>
+                        <p:cond delay="indefinite"/>
+                      </p:stCondLst>
+                      <p:childTnLst>
+                        <p:par>
+                          <p:cTn id="12" fill="hold">
+                            <p:stCondLst>
+                              <p:cond delay="0"/>
+                            </p:stCondLst>
+                            <p:childTnLst>
+                              <p:par>
+                                <p:cTn id="13" presetID="1" presetClass="entr" presetSubtype="0" fill="hold" nodeType="clickEffect">
+                                  <p:stCondLst>
+                                    <p:cond delay="0"/>
+                                  </p:stCondLst>
+                                  <p:childTnLst>
+                                    <p:set>
+                                      <p:cBhvr>
+                                        <p:cTn id="14" dur="1" fill="hold">
+                                          <p:stCondLst>
+                                            <p:cond delay="0"/>
+                                          </p:stCondLst>
+                                        </p:cTn>
+                                        <p:tgtEl>
+                                          <p:spTgt spid="3">
+                                            <p:txEl>
+                                              <p:pRg st="4" end="4"/>
+                                            </p:txEl>
+                                          </p:spTgt>
+                                        </p:tgtEl>
+                                        <p:attrNameLst>
+                                          <p:attrName>style.visibility</p:attrName>
+                                        </p:attrNameLst>
+                                      </p:cBhvr>
+                                      <p:to>
+                                        <p:strVal val="visible"/>
+                                      </p:to>
+                                    </p:set>
+                                  </p:childTnLst>
+                                </p:cTn>
+                              </p:par>
+                            </p:childTnLst>
+                          </p:cTn>
+                        </p:par>
+                      </p:childTnLst>
+                    </p:cTn>
+                  </p:par>
+                  <p:par>
+                    <p:cTn id="15" fill="hold">
+                      <p:stCondLst>
+                        <p:cond delay="indefinite"/>
+                      </p:stCondLst>
+                      <p:childTnLst>
+                        <p:par>
+                          <p:cTn id="16" fill="hold">
+                            <p:stCondLst>
+                              <p:cond delay="0"/>
+                            </p:stCondLst>
+                            <p:childTnLst>
+                              <p:par>
+                                <p:cTn id="17" presetID="1" presetClass="entr" presetSubtype="0" fill="hold" nodeType="clickEffect">
+                                  <p:stCondLst>
+                                    <p:cond delay="0"/>
+                                  </p:stCondLst>
+                                  <p:childTnLst>
+                                    <p:set>
+                                      <p:cBhvr>
+                                        <p:cTn id="18" dur="1" fill="hold">
+                                          <p:stCondLst>
+                                            <p:cond delay="0"/>
+                                          </p:stCondLst>
+                                        </p:cTn>
+                                        <p:tgtEl>
+                                          <p:spTgt spid="3">
+                                            <p:txEl>
+                                              <p:pRg st="5" end="5"/>
+                                            </p:txEl>
+                                          </p:spTgt>
+                                        </p:tgtEl>
+                                        <p:attrNameLst>
+                                          <p:attrName>style.visibility</p:attrName>
+                                        </p:attrNameLst>
+                                      </p:cBhvr>
+                                      <p:to>
+                                        <p:strVal val="visible"/>
+                                      </p:to>
+                                    </p:set>
+                                  </p:childTnLst>
+                                </p:cTn>
+                              </p:par>
+                            </p:childTnLst>
+                          </p:cTn>
+                        </p:par>
+                      </p:childTnLst>
+                    </p:cTn>
+                  </p:par>
+                  <p:par>
+                    <p:cTn id="19" fill="hold">
+                      <p:stCondLst>
+                        <p:cond delay="indefinite"/>
+                      </p:stCondLst>
+                      <p:childTnLst>
+                        <p:par>
+                          <p:cTn id="20" fill="hold">
+                            <p:stCondLst>
+                              <p:cond delay="0"/>
+                            </p:stCondLst>
+                            <p:childTnLst>
+                              <p:par>
+                                <p:cTn id="21" presetID="1" presetClass="entr" presetSubtype="0" fill="hold" nodeType="clickEffect">
+                                  <p:stCondLst>
+                                    <p:cond delay="0"/>
+                                  </p:stCondLst>
+                                  <p:childTnLst>
+                                    <p:set>
+                                      <p:cBhvr>
+                                        <p:cTn id="22" dur="1" fill="hold">
+                                          <p:stCondLst>
+                                            <p:cond delay="0"/>
+                                          </p:stCondLst>
+                                        </p:cTn>
+                                        <p:tgtEl>
+                                          <p:spTgt spid="3">
+                                            <p:txEl>
+                                              <p:pRg st="6" end="6"/>
+                                            </p:txEl>
+                                          </p:spTgt>
+                                        </p:tgtEl>
+                                        <p:attrNameLst>
+                                          <p:attrName>style.visibility</p:attrName>
+                                        </p:attrNameLst>
+                                      </p:cBhvr>
+                                      <p:to>
+                                        <p:strVal val="visible"/>
+                                      </p:to>
+                                    </p:set>
+                                  </p:childTnLst>
+                                </p:cTn>
+                              </p:par>
+                            </p:childTnLst>
+                          </p:cTn>
+                        </p:par>
+                      </p:childTnLst>
+                    </p:cTn>
+                  </p:par>
+                  <p:par>
+                    <p:cTn id="23" fill="hold">
+                      <p:stCondLst>
+                        <p:cond delay="indefinite"/>
+                      </p:stCondLst>
+                      <p:childTnLst>
+                        <p:par>
+                          <p:cTn id="24" fill="hold">
+                            <p:stCondLst>
+                              <p:cond delay="0"/>
+                            </p:stCondLst>
+                            <p:childTnLst>
+                              <p:par>
+                                <p:cTn id="25" presetID="1" presetClass="entr" presetSubtype="0" fill="hold" nodeType="clickEffect">
+                                  <p:stCondLst>
+                                    <p:cond delay="0"/>
+                                  </p:stCondLst>
+                                  <p:childTnLst>
+                                    <p:set>
+                                      <p:cBhvr>
+                                        <p:cTn id="26" dur="1" fill="hold">
+                                          <p:stCondLst>
+                                            <p:cond delay="0"/>
+                                          </p:stCondLst>
+                                        </p:cTn>
+                                        <p:tgtEl>
+                                          <p:spTgt spid="3">
+                                            <p:txEl>
+                                              <p:pRg st="8" end="8"/>
+                                            </p:txEl>
+                                          </p:spTgt>
+                                        </p:tgtEl>
+                                        <p:attrNameLst>
+                                          <p:attrName>style.visibility</p:attrName>
+                                        </p:attrNameLst>
+                                      </p:cBhvr>
+                                      <p:to>
+                                        <p:strVal val="visible"/>
+                                      </p:to>
+                                    </p:set>
+                                  </p:childTnLst>
+                                </p:cTn>
+                              </p:par>
+                              <p:par>
+                                <p:cTn id="27" presetID="1" presetClass="entr" presetSubtype="0" fill="hold" nodeType="withEffect">
+                                  <p:stCondLst>
+                                    <p:cond delay="0"/>
+                                  </p:stCondLst>
+                                  <p:childTnLst>
+                                    <p:set>
+                                      <p:cBhvr>
+                                        <p:cTn id="28" dur="1" fill="hold">
+                                          <p:stCondLst>
+                                            <p:cond delay="0"/>
+                                          </p:stCondLst>
+                                        </p:cTn>
+                                        <p:tgtEl>
+                                          <p:spTgt spid="3">
+                                            <p:txEl>
+                                              <p:pRg st="10" end="10"/>
+                                            </p:txEl>
+                                          </p:spTgt>
+                                        </p:tgtEl>
+                                        <p:attrNameLst>
+                                          <p:attrName>style.visibility</p:attrName>
+                                        </p:attrNameLst>
+                                      </p:cBhvr>
+                                      <p:to>
+                                        <p:strVal val="visible"/>
+                                      </p:to>
+                                    </p:set>
+                                  </p:childTnLst>
+                                </p:cTn>
+                              </p:par>
+                            </p:childTnLst>
+                          </p:cTn>
+                        </p:par>
+                      </p:childTnLst>
+                    </p:cTn>
+                  </p:par>
+                </p:childTnLst>
+              </p:cTn>
+              <p:prevCondLst>
+                <p:cond evt="onPrev" delay="0">
+                  <p:tgtEl>
+                    <p:sldTgt/>
+                  </p:tgtEl>
+                </p:cond>
+              </p:prevCondLst>
+              <p:nextCondLst>
+                <p:cond evt="onNext" delay="0">
+                  <p:tgtEl>
+                    <p:sldTgt/>
+                  </p:tgtEl>
+                </p:cond>
+              </p:nextCondLst>
+            </p:seq>
+          </p:childTnLst>
+        </p:cTn>
+      </p:par>
+    </p:tnLst>
+  </p:timing>
 </p:sld>
 </file>
 
@@ -11678,6 +12981,1336 @@
       </p:par>
     </p:tnLst>
   </p:timing>
+</p:sld>
+</file>
+
+<file path=ppt/slides/slide30.xml><?xml version="1.0" encoding="utf-8"?>
+<p:sld xmlns:a="http://schemas.openxmlformats.org/drawingml/2006/main" xmlns:r="http://schemas.openxmlformats.org/officeDocument/2006/relationships" xmlns:p="http://schemas.openxmlformats.org/presentationml/2006/main">
+  <p:cSld>
+    <p:spTree>
+      <p:nvGrpSpPr>
+        <p:cNvPr id="1" name=""/>
+        <p:cNvGrpSpPr/>
+        <p:nvPr/>
+      </p:nvGrpSpPr>
+      <p:grpSpPr>
+        <a:xfrm>
+          <a:off x="0" y="0"/>
+          <a:ext cx="0" cy="0"/>
+          <a:chOff x="0" y="0"/>
+          <a:chExt cx="0" cy="0"/>
+        </a:xfrm>
+      </p:grpSpPr>
+      <p:sp>
+        <p:nvSpPr>
+          <p:cNvPr id="2" name="Title 1">
+            <a:extLst>
+              <a:ext uri="{FF2B5EF4-FFF2-40B4-BE49-F238E27FC236}">
+                <a16:creationId xmlns:a16="http://schemas.microsoft.com/office/drawing/2014/main" id="{556B981A-229A-B54C-ACC7-41D2A16654A0}"/>
+              </a:ext>
+            </a:extLst>
+          </p:cNvPr>
+          <p:cNvSpPr>
+            <a:spLocks noGrp="1"/>
+          </p:cNvSpPr>
+          <p:nvPr>
+            <p:ph type="title"/>
+          </p:nvPr>
+        </p:nvSpPr>
+        <p:spPr>
+          <a:xfrm>
+            <a:off x="190500" y="254001"/>
+            <a:ext cx="8324850" cy="622300"/>
+          </a:xfrm>
+        </p:spPr>
+        <p:txBody>
+          <a:bodyPr/>
+          <a:lstStyle/>
+          <a:p>
+            <a:r>
+              <a:rPr lang="en-US" dirty="0"/>
+              <a:t>Program Code</a:t>
+            </a:r>
+          </a:p>
+        </p:txBody>
+      </p:sp>
+      <p:sp>
+        <p:nvSpPr>
+          <p:cNvPr id="3" name="Content Placeholder 2">
+            <a:extLst>
+              <a:ext uri="{FF2B5EF4-FFF2-40B4-BE49-F238E27FC236}">
+                <a16:creationId xmlns:a16="http://schemas.microsoft.com/office/drawing/2014/main" id="{C84102BA-DE72-B749-AF52-12A584032098}"/>
+              </a:ext>
+            </a:extLst>
+          </p:cNvPr>
+          <p:cNvSpPr>
+            <a:spLocks noGrp="1"/>
+          </p:cNvSpPr>
+          <p:nvPr>
+            <p:ph idx="1"/>
+          </p:nvPr>
+        </p:nvSpPr>
+        <p:spPr>
+          <a:xfrm>
+            <a:off x="190500" y="876302"/>
+            <a:ext cx="8496300" cy="4686298"/>
+          </a:xfrm>
+        </p:spPr>
+        <p:txBody>
+          <a:bodyPr/>
+          <a:lstStyle/>
+          <a:p>
+            <a:pPr marL="457200" indent="-457200">
+              <a:buAutoNum type="arabicParenR"/>
+            </a:pPr>
+            <a:endParaRPr lang="en-US" dirty="0"/>
+          </a:p>
+          <a:p>
+            <a:pPr marL="0" indent="0">
+              <a:buNone/>
+            </a:pPr>
+            <a:r>
+              <a:rPr lang="en-US" dirty="0"/>
+              <a:t>Minimum Requirements:</a:t>
+            </a:r>
+          </a:p>
+          <a:p>
+            <a:pPr marL="0" indent="0">
+              <a:buNone/>
+            </a:pPr>
+            <a:endParaRPr lang="en-US" dirty="0"/>
+          </a:p>
+          <a:p>
+            <a:pPr marL="457200" indent="-457200">
+              <a:buAutoNum type="arabicParenR"/>
+            </a:pPr>
+            <a:r>
+              <a:rPr lang="en-US" dirty="0"/>
+              <a:t>Some type of input and output(input can be from keyboard or from file)</a:t>
+            </a:r>
+          </a:p>
+          <a:p>
+            <a:pPr marL="457200" indent="-457200">
+              <a:buAutoNum type="arabicParenR"/>
+            </a:pPr>
+            <a:r>
+              <a:rPr lang="en-US" dirty="0"/>
+              <a:t>At least one list or dictionary that manages complexity. The list or dictionary should be essential to your program. Your program should be very difficult to write without the use of this list/dictionary. </a:t>
+            </a:r>
+          </a:p>
+          <a:p>
+            <a:pPr marL="457200" indent="-457200">
+              <a:buAutoNum type="arabicParenR"/>
+            </a:pPr>
+            <a:r>
+              <a:rPr lang="en-US" dirty="0"/>
+              <a:t>At least one student-developed procedure that has an algorithm which uses one or more parameters that used iteration(loops) and selection(conditionals).</a:t>
+            </a:r>
+          </a:p>
+          <a:p>
+            <a:pPr marL="0" indent="0">
+              <a:buNone/>
+            </a:pPr>
+            <a:endParaRPr lang="en-US" dirty="0"/>
+          </a:p>
+          <a:p>
+            <a:pPr marL="0" indent="0">
+              <a:buNone/>
+            </a:pPr>
+            <a:r>
+              <a:rPr lang="en-US" dirty="0"/>
+              <a:t> </a:t>
+            </a:r>
+          </a:p>
+        </p:txBody>
+      </p:sp>
+    </p:spTree>
+    <p:extLst>
+      <p:ext uri="{BB962C8B-B14F-4D97-AF65-F5344CB8AC3E}">
+        <p14:creationId xmlns:p14="http://schemas.microsoft.com/office/powerpoint/2010/main" val="781774871"/>
+      </p:ext>
+    </p:extLst>
+  </p:cSld>
+  <p:clrMapOvr>
+    <a:masterClrMapping/>
+  </p:clrMapOvr>
+  <p:timing>
+    <p:tnLst>
+      <p:par>
+        <p:cTn id="1" dur="indefinite" restart="never" nodeType="tmRoot">
+          <p:childTnLst>
+            <p:seq concurrent="1" nextAc="seek">
+              <p:cTn id="2" dur="indefinite" nodeType="mainSeq">
+                <p:childTnLst>
+                  <p:par>
+                    <p:cTn id="3" fill="hold">
+                      <p:stCondLst>
+                        <p:cond delay="indefinite"/>
+                      </p:stCondLst>
+                      <p:childTnLst>
+                        <p:par>
+                          <p:cTn id="4" fill="hold">
+                            <p:stCondLst>
+                              <p:cond delay="0"/>
+                            </p:stCondLst>
+                            <p:childTnLst>
+                              <p:par>
+                                <p:cTn id="5" presetID="1" presetClass="entr" presetSubtype="0" fill="hold" nodeType="clickEffect">
+                                  <p:stCondLst>
+                                    <p:cond delay="0"/>
+                                  </p:stCondLst>
+                                  <p:childTnLst>
+                                    <p:set>
+                                      <p:cBhvr>
+                                        <p:cTn id="6" dur="1" fill="hold">
+                                          <p:stCondLst>
+                                            <p:cond delay="0"/>
+                                          </p:stCondLst>
+                                        </p:cTn>
+                                        <p:tgtEl>
+                                          <p:spTgt spid="3">
+                                            <p:txEl>
+                                              <p:pRg st="3" end="3"/>
+                                            </p:txEl>
+                                          </p:spTgt>
+                                        </p:tgtEl>
+                                        <p:attrNameLst>
+                                          <p:attrName>style.visibility</p:attrName>
+                                        </p:attrNameLst>
+                                      </p:cBhvr>
+                                      <p:to>
+                                        <p:strVal val="visible"/>
+                                      </p:to>
+                                    </p:set>
+                                  </p:childTnLst>
+                                </p:cTn>
+                              </p:par>
+                            </p:childTnLst>
+                          </p:cTn>
+                        </p:par>
+                      </p:childTnLst>
+                    </p:cTn>
+                  </p:par>
+                  <p:par>
+                    <p:cTn id="7" fill="hold">
+                      <p:stCondLst>
+                        <p:cond delay="indefinite"/>
+                      </p:stCondLst>
+                      <p:childTnLst>
+                        <p:par>
+                          <p:cTn id="8" fill="hold">
+                            <p:stCondLst>
+                              <p:cond delay="0"/>
+                            </p:stCondLst>
+                            <p:childTnLst>
+                              <p:par>
+                                <p:cTn id="9" presetID="1" presetClass="entr" presetSubtype="0" fill="hold" nodeType="clickEffect">
+                                  <p:stCondLst>
+                                    <p:cond delay="0"/>
+                                  </p:stCondLst>
+                                  <p:childTnLst>
+                                    <p:set>
+                                      <p:cBhvr>
+                                        <p:cTn id="10" dur="1" fill="hold">
+                                          <p:stCondLst>
+                                            <p:cond delay="0"/>
+                                          </p:stCondLst>
+                                        </p:cTn>
+                                        <p:tgtEl>
+                                          <p:spTgt spid="3">
+                                            <p:txEl>
+                                              <p:pRg st="4" end="4"/>
+                                            </p:txEl>
+                                          </p:spTgt>
+                                        </p:tgtEl>
+                                        <p:attrNameLst>
+                                          <p:attrName>style.visibility</p:attrName>
+                                        </p:attrNameLst>
+                                      </p:cBhvr>
+                                      <p:to>
+                                        <p:strVal val="visible"/>
+                                      </p:to>
+                                    </p:set>
+                                  </p:childTnLst>
+                                </p:cTn>
+                              </p:par>
+                            </p:childTnLst>
+                          </p:cTn>
+                        </p:par>
+                      </p:childTnLst>
+                    </p:cTn>
+                  </p:par>
+                  <p:par>
+                    <p:cTn id="11" fill="hold">
+                      <p:stCondLst>
+                        <p:cond delay="indefinite"/>
+                      </p:stCondLst>
+                      <p:childTnLst>
+                        <p:par>
+                          <p:cTn id="12" fill="hold">
+                            <p:stCondLst>
+                              <p:cond delay="0"/>
+                            </p:stCondLst>
+                            <p:childTnLst>
+                              <p:par>
+                                <p:cTn id="13" presetID="1" presetClass="entr" presetSubtype="0" fill="hold" nodeType="clickEffect">
+                                  <p:stCondLst>
+                                    <p:cond delay="0"/>
+                                  </p:stCondLst>
+                                  <p:childTnLst>
+                                    <p:set>
+                                      <p:cBhvr>
+                                        <p:cTn id="14" dur="1" fill="hold">
+                                          <p:stCondLst>
+                                            <p:cond delay="0"/>
+                                          </p:stCondLst>
+                                        </p:cTn>
+                                        <p:tgtEl>
+                                          <p:spTgt spid="3">
+                                            <p:txEl>
+                                              <p:pRg st="5" end="5"/>
+                                            </p:txEl>
+                                          </p:spTgt>
+                                        </p:tgtEl>
+                                        <p:attrNameLst>
+                                          <p:attrName>style.visibility</p:attrName>
+                                        </p:attrNameLst>
+                                      </p:cBhvr>
+                                      <p:to>
+                                        <p:strVal val="visible"/>
+                                      </p:to>
+                                    </p:set>
+                                  </p:childTnLst>
+                                </p:cTn>
+                              </p:par>
+                            </p:childTnLst>
+                          </p:cTn>
+                        </p:par>
+                      </p:childTnLst>
+                    </p:cTn>
+                  </p:par>
+                </p:childTnLst>
+              </p:cTn>
+              <p:prevCondLst>
+                <p:cond evt="onPrev" delay="0">
+                  <p:tgtEl>
+                    <p:sldTgt/>
+                  </p:tgtEl>
+                </p:cond>
+              </p:prevCondLst>
+              <p:nextCondLst>
+                <p:cond evt="onNext" delay="0">
+                  <p:tgtEl>
+                    <p:sldTgt/>
+                  </p:tgtEl>
+                </p:cond>
+              </p:nextCondLst>
+            </p:seq>
+          </p:childTnLst>
+        </p:cTn>
+      </p:par>
+    </p:tnLst>
+  </p:timing>
+</p:sld>
+</file>
+
+<file path=ppt/slides/slide31.xml><?xml version="1.0" encoding="utf-8"?>
+<p:sld xmlns:a="http://schemas.openxmlformats.org/drawingml/2006/main" xmlns:r="http://schemas.openxmlformats.org/officeDocument/2006/relationships" xmlns:p="http://schemas.openxmlformats.org/presentationml/2006/main">
+  <p:cSld>
+    <p:spTree>
+      <p:nvGrpSpPr>
+        <p:cNvPr id="1" name=""/>
+        <p:cNvGrpSpPr/>
+        <p:nvPr/>
+      </p:nvGrpSpPr>
+      <p:grpSpPr>
+        <a:xfrm>
+          <a:off x="0" y="0"/>
+          <a:ext cx="0" cy="0"/>
+          <a:chOff x="0" y="0"/>
+          <a:chExt cx="0" cy="0"/>
+        </a:xfrm>
+      </p:grpSpPr>
+      <p:sp>
+        <p:nvSpPr>
+          <p:cNvPr id="2" name="Title 1">
+            <a:extLst>
+              <a:ext uri="{FF2B5EF4-FFF2-40B4-BE49-F238E27FC236}">
+                <a16:creationId xmlns:a16="http://schemas.microsoft.com/office/drawing/2014/main" id="{556B981A-229A-B54C-ACC7-41D2A16654A0}"/>
+              </a:ext>
+            </a:extLst>
+          </p:cNvPr>
+          <p:cNvSpPr>
+            <a:spLocks noGrp="1"/>
+          </p:cNvSpPr>
+          <p:nvPr>
+            <p:ph type="title"/>
+          </p:nvPr>
+        </p:nvSpPr>
+        <p:spPr>
+          <a:xfrm>
+            <a:off x="190500" y="254001"/>
+            <a:ext cx="8324850" cy="622300"/>
+          </a:xfrm>
+        </p:spPr>
+        <p:txBody>
+          <a:bodyPr/>
+          <a:lstStyle/>
+          <a:p>
+            <a:r>
+              <a:rPr lang="en-US" dirty="0"/>
+              <a:t>Program Code</a:t>
+            </a:r>
+          </a:p>
+        </p:txBody>
+      </p:sp>
+      <p:sp>
+        <p:nvSpPr>
+          <p:cNvPr id="3" name="Content Placeholder 2">
+            <a:extLst>
+              <a:ext uri="{FF2B5EF4-FFF2-40B4-BE49-F238E27FC236}">
+                <a16:creationId xmlns:a16="http://schemas.microsoft.com/office/drawing/2014/main" id="{C84102BA-DE72-B749-AF52-12A584032098}"/>
+              </a:ext>
+            </a:extLst>
+          </p:cNvPr>
+          <p:cNvSpPr>
+            <a:spLocks noGrp="1"/>
+          </p:cNvSpPr>
+          <p:nvPr>
+            <p:ph idx="1"/>
+          </p:nvPr>
+        </p:nvSpPr>
+        <p:spPr>
+          <a:xfrm>
+            <a:off x="190500" y="876302"/>
+            <a:ext cx="8496300" cy="4686298"/>
+          </a:xfrm>
+        </p:spPr>
+        <p:txBody>
+          <a:bodyPr/>
+          <a:lstStyle/>
+          <a:p>
+            <a:pPr marL="457200" indent="-457200">
+              <a:buAutoNum type="arabicParenR"/>
+            </a:pPr>
+            <a:endParaRPr lang="en-US" dirty="0"/>
+          </a:p>
+          <a:p>
+            <a:pPr marL="0" indent="0">
+              <a:buNone/>
+            </a:pPr>
+            <a:r>
+              <a:rPr lang="en-US" dirty="0"/>
+              <a:t>The goal is to complete your code by April 16(day before April break). </a:t>
+            </a:r>
+          </a:p>
+          <a:p>
+            <a:pPr marL="0" indent="0">
+              <a:buNone/>
+            </a:pPr>
+            <a:endParaRPr lang="en-US" dirty="0"/>
+          </a:p>
+          <a:p>
+            <a:pPr marL="0" indent="0">
+              <a:buNone/>
+            </a:pPr>
+            <a:r>
+              <a:rPr lang="en-US" dirty="0"/>
+              <a:t>There will be weekly check-ins. See Google classroom assignments. </a:t>
+            </a:r>
+          </a:p>
+          <a:p>
+            <a:pPr marL="0" indent="0">
+              <a:buNone/>
+            </a:pPr>
+            <a:endParaRPr lang="en-US" dirty="0"/>
+          </a:p>
+          <a:p>
+            <a:pPr marL="0" indent="0">
+              <a:buNone/>
+            </a:pPr>
+            <a:r>
+              <a:rPr lang="en-US" dirty="0"/>
+              <a:t>First Check In(April 2):  list and student-developed function, tested with hard-coded inputs.</a:t>
+            </a:r>
+          </a:p>
+          <a:p>
+            <a:pPr marL="0" indent="0">
+              <a:buNone/>
+            </a:pPr>
+            <a:r>
+              <a:rPr lang="en-US" dirty="0"/>
+              <a:t>Second Check-In(April 9): helper functions and refining program.</a:t>
+            </a:r>
+          </a:p>
+          <a:p>
+            <a:pPr marL="0" indent="0">
+              <a:buNone/>
+            </a:pPr>
+            <a:r>
+              <a:rPr lang="en-US" dirty="0"/>
+              <a:t>Third Check-In(April 16): main function and finishing up program. At the </a:t>
+            </a:r>
+            <a:r>
+              <a:rPr lang="en-US" dirty="0" err="1"/>
+              <a:t>lastest</a:t>
+            </a:r>
+            <a:r>
+              <a:rPr lang="en-US" dirty="0"/>
+              <a:t>, program should be done after April break.</a:t>
+            </a:r>
+          </a:p>
+          <a:p>
+            <a:pPr marL="0" indent="0">
+              <a:buNone/>
+            </a:pPr>
+            <a:endParaRPr lang="en-US" dirty="0"/>
+          </a:p>
+          <a:p>
+            <a:pPr marL="0" indent="0">
+              <a:buNone/>
+            </a:pPr>
+            <a:endParaRPr lang="en-US" dirty="0"/>
+          </a:p>
+          <a:p>
+            <a:pPr marL="0" indent="0">
+              <a:buNone/>
+            </a:pPr>
+            <a:r>
+              <a:rPr lang="en-US" dirty="0"/>
+              <a:t> </a:t>
+            </a:r>
+          </a:p>
+        </p:txBody>
+      </p:sp>
+    </p:spTree>
+    <p:extLst>
+      <p:ext uri="{BB962C8B-B14F-4D97-AF65-F5344CB8AC3E}">
+        <p14:creationId xmlns:p14="http://schemas.microsoft.com/office/powerpoint/2010/main" val="3916325109"/>
+      </p:ext>
+    </p:extLst>
+  </p:cSld>
+  <p:clrMapOvr>
+    <a:masterClrMapping/>
+  </p:clrMapOvr>
+  <p:timing>
+    <p:tnLst>
+      <p:par>
+        <p:cTn id="1" dur="indefinite" restart="never" nodeType="tmRoot">
+          <p:childTnLst>
+            <p:seq concurrent="1" nextAc="seek">
+              <p:cTn id="2" dur="indefinite" nodeType="mainSeq">
+                <p:childTnLst>
+                  <p:par>
+                    <p:cTn id="3" fill="hold">
+                      <p:stCondLst>
+                        <p:cond delay="indefinite"/>
+                      </p:stCondLst>
+                      <p:childTnLst>
+                        <p:par>
+                          <p:cTn id="4" fill="hold">
+                            <p:stCondLst>
+                              <p:cond delay="0"/>
+                            </p:stCondLst>
+                            <p:childTnLst>
+                              <p:par>
+                                <p:cTn id="5" presetID="1" presetClass="entr" presetSubtype="0" fill="hold" nodeType="clickEffect">
+                                  <p:stCondLst>
+                                    <p:cond delay="0"/>
+                                  </p:stCondLst>
+                                  <p:childTnLst>
+                                    <p:set>
+                                      <p:cBhvr>
+                                        <p:cTn id="6" dur="1" fill="hold">
+                                          <p:stCondLst>
+                                            <p:cond delay="0"/>
+                                          </p:stCondLst>
+                                        </p:cTn>
+                                        <p:tgtEl>
+                                          <p:spTgt spid="3">
+                                            <p:txEl>
+                                              <p:pRg st="3" end="3"/>
+                                            </p:txEl>
+                                          </p:spTgt>
+                                        </p:tgtEl>
+                                        <p:attrNameLst>
+                                          <p:attrName>style.visibility</p:attrName>
+                                        </p:attrNameLst>
+                                      </p:cBhvr>
+                                      <p:to>
+                                        <p:strVal val="visible"/>
+                                      </p:to>
+                                    </p:set>
+                                  </p:childTnLst>
+                                </p:cTn>
+                              </p:par>
+                            </p:childTnLst>
+                          </p:cTn>
+                        </p:par>
+                      </p:childTnLst>
+                    </p:cTn>
+                  </p:par>
+                  <p:par>
+                    <p:cTn id="7" fill="hold">
+                      <p:stCondLst>
+                        <p:cond delay="indefinite"/>
+                      </p:stCondLst>
+                      <p:childTnLst>
+                        <p:par>
+                          <p:cTn id="8" fill="hold">
+                            <p:stCondLst>
+                              <p:cond delay="0"/>
+                            </p:stCondLst>
+                            <p:childTnLst>
+                              <p:par>
+                                <p:cTn id="9" presetID="1" presetClass="entr" presetSubtype="0" fill="hold" nodeType="clickEffect">
+                                  <p:stCondLst>
+                                    <p:cond delay="0"/>
+                                  </p:stCondLst>
+                                  <p:childTnLst>
+                                    <p:set>
+                                      <p:cBhvr>
+                                        <p:cTn id="10" dur="1" fill="hold">
+                                          <p:stCondLst>
+                                            <p:cond delay="0"/>
+                                          </p:stCondLst>
+                                        </p:cTn>
+                                        <p:tgtEl>
+                                          <p:spTgt spid="3">
+                                            <p:txEl>
+                                              <p:pRg st="5" end="5"/>
+                                            </p:txEl>
+                                          </p:spTgt>
+                                        </p:tgtEl>
+                                        <p:attrNameLst>
+                                          <p:attrName>style.visibility</p:attrName>
+                                        </p:attrNameLst>
+                                      </p:cBhvr>
+                                      <p:to>
+                                        <p:strVal val="visible"/>
+                                      </p:to>
+                                    </p:set>
+                                  </p:childTnLst>
+                                </p:cTn>
+                              </p:par>
+                            </p:childTnLst>
+                          </p:cTn>
+                        </p:par>
+                      </p:childTnLst>
+                    </p:cTn>
+                  </p:par>
+                  <p:par>
+                    <p:cTn id="11" fill="hold">
+                      <p:stCondLst>
+                        <p:cond delay="indefinite"/>
+                      </p:stCondLst>
+                      <p:childTnLst>
+                        <p:par>
+                          <p:cTn id="12" fill="hold">
+                            <p:stCondLst>
+                              <p:cond delay="0"/>
+                            </p:stCondLst>
+                            <p:childTnLst>
+                              <p:par>
+                                <p:cTn id="13" presetID="1" presetClass="entr" presetSubtype="0" fill="hold" nodeType="clickEffect">
+                                  <p:stCondLst>
+                                    <p:cond delay="0"/>
+                                  </p:stCondLst>
+                                  <p:childTnLst>
+                                    <p:set>
+                                      <p:cBhvr>
+                                        <p:cTn id="14" dur="1" fill="hold">
+                                          <p:stCondLst>
+                                            <p:cond delay="0"/>
+                                          </p:stCondLst>
+                                        </p:cTn>
+                                        <p:tgtEl>
+                                          <p:spTgt spid="3">
+                                            <p:txEl>
+                                              <p:pRg st="6" end="6"/>
+                                            </p:txEl>
+                                          </p:spTgt>
+                                        </p:tgtEl>
+                                        <p:attrNameLst>
+                                          <p:attrName>style.visibility</p:attrName>
+                                        </p:attrNameLst>
+                                      </p:cBhvr>
+                                      <p:to>
+                                        <p:strVal val="visible"/>
+                                      </p:to>
+                                    </p:set>
+                                  </p:childTnLst>
+                                </p:cTn>
+                              </p:par>
+                            </p:childTnLst>
+                          </p:cTn>
+                        </p:par>
+                      </p:childTnLst>
+                    </p:cTn>
+                  </p:par>
+                  <p:par>
+                    <p:cTn id="15" fill="hold">
+                      <p:stCondLst>
+                        <p:cond delay="indefinite"/>
+                      </p:stCondLst>
+                      <p:childTnLst>
+                        <p:par>
+                          <p:cTn id="16" fill="hold">
+                            <p:stCondLst>
+                              <p:cond delay="0"/>
+                            </p:stCondLst>
+                            <p:childTnLst>
+                              <p:par>
+                                <p:cTn id="17" presetID="1" presetClass="entr" presetSubtype="0" fill="hold" nodeType="clickEffect">
+                                  <p:stCondLst>
+                                    <p:cond delay="0"/>
+                                  </p:stCondLst>
+                                  <p:childTnLst>
+                                    <p:set>
+                                      <p:cBhvr>
+                                        <p:cTn id="18" dur="1" fill="hold">
+                                          <p:stCondLst>
+                                            <p:cond delay="0"/>
+                                          </p:stCondLst>
+                                        </p:cTn>
+                                        <p:tgtEl>
+                                          <p:spTgt spid="3">
+                                            <p:txEl>
+                                              <p:pRg st="7" end="7"/>
+                                            </p:txEl>
+                                          </p:spTgt>
+                                        </p:tgtEl>
+                                        <p:attrNameLst>
+                                          <p:attrName>style.visibility</p:attrName>
+                                        </p:attrNameLst>
+                                      </p:cBhvr>
+                                      <p:to>
+                                        <p:strVal val="visible"/>
+                                      </p:to>
+                                    </p:set>
+                                  </p:childTnLst>
+                                </p:cTn>
+                              </p:par>
+                            </p:childTnLst>
+                          </p:cTn>
+                        </p:par>
+                      </p:childTnLst>
+                    </p:cTn>
+                  </p:par>
+                </p:childTnLst>
+              </p:cTn>
+              <p:prevCondLst>
+                <p:cond evt="onPrev" delay="0">
+                  <p:tgtEl>
+                    <p:sldTgt/>
+                  </p:tgtEl>
+                </p:cond>
+              </p:prevCondLst>
+              <p:nextCondLst>
+                <p:cond evt="onNext" delay="0">
+                  <p:tgtEl>
+                    <p:sldTgt/>
+                  </p:tgtEl>
+                </p:cond>
+              </p:nextCondLst>
+            </p:seq>
+          </p:childTnLst>
+        </p:cTn>
+      </p:par>
+    </p:tnLst>
+  </p:timing>
+</p:sld>
+</file>
+
+<file path=ppt/slides/slide32.xml><?xml version="1.0" encoding="utf-8"?>
+<p:sld xmlns:a="http://schemas.openxmlformats.org/drawingml/2006/main" xmlns:r="http://schemas.openxmlformats.org/officeDocument/2006/relationships" xmlns:p="http://schemas.openxmlformats.org/presentationml/2006/main">
+  <p:cSld>
+    <p:spTree>
+      <p:nvGrpSpPr>
+        <p:cNvPr id="1" name=""/>
+        <p:cNvGrpSpPr/>
+        <p:nvPr/>
+      </p:nvGrpSpPr>
+      <p:grpSpPr>
+        <a:xfrm>
+          <a:off x="0" y="0"/>
+          <a:ext cx="0" cy="0"/>
+          <a:chOff x="0" y="0"/>
+          <a:chExt cx="0" cy="0"/>
+        </a:xfrm>
+      </p:grpSpPr>
+      <p:sp>
+        <p:nvSpPr>
+          <p:cNvPr id="2" name="Title 1">
+            <a:extLst>
+              <a:ext uri="{FF2B5EF4-FFF2-40B4-BE49-F238E27FC236}">
+                <a16:creationId xmlns:a16="http://schemas.microsoft.com/office/drawing/2014/main" id="{FA100432-FD08-B74C-B1ED-A29F2DDCCC2C}"/>
+              </a:ext>
+            </a:extLst>
+          </p:cNvPr>
+          <p:cNvSpPr>
+            <a:spLocks noGrp="1"/>
+          </p:cNvSpPr>
+          <p:nvPr>
+            <p:ph type="title"/>
+          </p:nvPr>
+        </p:nvSpPr>
+        <p:spPr>
+          <a:xfrm>
+            <a:off x="120650" y="180674"/>
+            <a:ext cx="7715250" cy="443368"/>
+          </a:xfrm>
+        </p:spPr>
+        <p:txBody>
+          <a:bodyPr/>
+          <a:lstStyle/>
+          <a:p>
+            <a:r>
+              <a:rPr lang="en-US" dirty="0"/>
+              <a:t>First Check-In Example:</a:t>
+            </a:r>
+          </a:p>
+        </p:txBody>
+      </p:sp>
+      <p:sp>
+        <p:nvSpPr>
+          <p:cNvPr id="3" name="Content Placeholder 2">
+            <a:extLst>
+              <a:ext uri="{FF2B5EF4-FFF2-40B4-BE49-F238E27FC236}">
+                <a16:creationId xmlns:a16="http://schemas.microsoft.com/office/drawing/2014/main" id="{095AEB11-C94C-8944-8BC0-B5111383C9C5}"/>
+              </a:ext>
+            </a:extLst>
+          </p:cNvPr>
+          <p:cNvSpPr>
+            <a:spLocks noGrp="1"/>
+          </p:cNvSpPr>
+          <p:nvPr>
+            <p:ph idx="1"/>
+          </p:nvPr>
+        </p:nvSpPr>
+        <p:spPr/>
+        <p:txBody>
+          <a:bodyPr/>
+          <a:lstStyle/>
+          <a:p>
+            <a:endParaRPr lang="en-US"/>
+          </a:p>
+        </p:txBody>
+      </p:sp>
+      <p:pic>
+        <p:nvPicPr>
+          <p:cNvPr id="4" name="Picture 3">
+            <a:extLst>
+              <a:ext uri="{FF2B5EF4-FFF2-40B4-BE49-F238E27FC236}">
+                <a16:creationId xmlns:a16="http://schemas.microsoft.com/office/drawing/2014/main" id="{BCA4671A-1610-7E4B-AF2F-6841E021CB67}"/>
+              </a:ext>
+            </a:extLst>
+          </p:cNvPr>
+          <p:cNvPicPr>
+            <a:picLocks noChangeAspect="1"/>
+          </p:cNvPicPr>
+          <p:nvPr/>
+        </p:nvPicPr>
+        <p:blipFill>
+          <a:blip r:embed="rId2"/>
+          <a:stretch>
+            <a:fillRect/>
+          </a:stretch>
+        </p:blipFill>
+        <p:spPr>
+          <a:xfrm>
+            <a:off x="311946" y="1349074"/>
+            <a:ext cx="8279604" cy="4365926"/>
+          </a:xfrm>
+          <a:prstGeom prst="rect">
+            <a:avLst/>
+          </a:prstGeom>
+        </p:spPr>
+      </p:pic>
+      <p:sp>
+        <p:nvSpPr>
+          <p:cNvPr id="5" name="Title 1">
+            <a:extLst>
+              <a:ext uri="{FF2B5EF4-FFF2-40B4-BE49-F238E27FC236}">
+                <a16:creationId xmlns:a16="http://schemas.microsoft.com/office/drawing/2014/main" id="{19A7A71F-DB30-9240-B08C-B4876A1563A9}"/>
+              </a:ext>
+            </a:extLst>
+          </p:cNvPr>
+          <p:cNvSpPr txBox="1">
+            <a:spLocks/>
+          </p:cNvSpPr>
+          <p:nvPr/>
+        </p:nvSpPr>
+        <p:spPr>
+          <a:xfrm>
+            <a:off x="120650" y="624042"/>
+            <a:ext cx="8470900" cy="443368"/>
+          </a:xfrm>
+          <a:prstGeom prst="rect">
+            <a:avLst/>
+          </a:prstGeom>
+        </p:spPr>
+        <p:txBody>
+          <a:bodyPr vert="horz" lIns="91440" tIns="45720" rIns="91440" bIns="45720" rtlCol="0" anchor="ctr">
+            <a:normAutofit fontScale="70000" lnSpcReduction="20000"/>
+          </a:bodyPr>
+          <a:lstStyle>
+            <a:lvl1pPr algn="l" defTabSz="685800" rtl="0" eaLnBrk="1" latinLnBrk="0" hangingPunct="1">
+              <a:lnSpc>
+                <a:spcPct val="90000"/>
+              </a:lnSpc>
+              <a:spcBef>
+                <a:spcPct val="0"/>
+              </a:spcBef>
+              <a:buNone/>
+              <a:defRPr sz="3300" kern="1200">
+                <a:solidFill>
+                  <a:schemeClr val="tx1"/>
+                </a:solidFill>
+                <a:latin typeface="+mj-lt"/>
+                <a:ea typeface="+mj-ea"/>
+                <a:cs typeface="+mj-cs"/>
+              </a:defRPr>
+            </a:lvl1pPr>
+          </a:lstStyle>
+          <a:p>
+            <a:r>
+              <a:rPr lang="en-US" dirty="0"/>
+              <a:t>list and student-developed function, tested with hard-coded inputs.</a:t>
+            </a:r>
+          </a:p>
+        </p:txBody>
+      </p:sp>
+    </p:spTree>
+    <p:extLst>
+      <p:ext uri="{BB962C8B-B14F-4D97-AF65-F5344CB8AC3E}">
+        <p14:creationId xmlns:p14="http://schemas.microsoft.com/office/powerpoint/2010/main" val="3255312717"/>
+      </p:ext>
+    </p:extLst>
+  </p:cSld>
+  <p:clrMapOvr>
+    <a:masterClrMapping/>
+  </p:clrMapOvr>
+</p:sld>
+</file>
+
+<file path=ppt/slides/slide33.xml><?xml version="1.0" encoding="utf-8"?>
+<p:sld xmlns:a="http://schemas.openxmlformats.org/drawingml/2006/main" xmlns:r="http://schemas.openxmlformats.org/officeDocument/2006/relationships" xmlns:p="http://schemas.openxmlformats.org/presentationml/2006/main">
+  <p:cSld>
+    <p:spTree>
+      <p:nvGrpSpPr>
+        <p:cNvPr id="1" name=""/>
+        <p:cNvGrpSpPr/>
+        <p:nvPr/>
+      </p:nvGrpSpPr>
+      <p:grpSpPr>
+        <a:xfrm>
+          <a:off x="0" y="0"/>
+          <a:ext cx="0" cy="0"/>
+          <a:chOff x="0" y="0"/>
+          <a:chExt cx="0" cy="0"/>
+        </a:xfrm>
+      </p:grpSpPr>
+      <p:sp>
+        <p:nvSpPr>
+          <p:cNvPr id="2" name="Title 1">
+            <a:extLst>
+              <a:ext uri="{FF2B5EF4-FFF2-40B4-BE49-F238E27FC236}">
+                <a16:creationId xmlns:a16="http://schemas.microsoft.com/office/drawing/2014/main" id="{FA100432-FD08-B74C-B1ED-A29F2DDCCC2C}"/>
+              </a:ext>
+            </a:extLst>
+          </p:cNvPr>
+          <p:cNvSpPr>
+            <a:spLocks noGrp="1"/>
+          </p:cNvSpPr>
+          <p:nvPr>
+            <p:ph type="title"/>
+          </p:nvPr>
+        </p:nvSpPr>
+        <p:spPr>
+          <a:xfrm>
+            <a:off x="120650" y="180674"/>
+            <a:ext cx="7715250" cy="443368"/>
+          </a:xfrm>
+        </p:spPr>
+        <p:txBody>
+          <a:bodyPr/>
+          <a:lstStyle/>
+          <a:p>
+            <a:r>
+              <a:rPr lang="en-US" dirty="0"/>
+              <a:t>Second Check-In Example:</a:t>
+            </a:r>
+          </a:p>
+        </p:txBody>
+      </p:sp>
+      <p:sp>
+        <p:nvSpPr>
+          <p:cNvPr id="3" name="Content Placeholder 2">
+            <a:extLst>
+              <a:ext uri="{FF2B5EF4-FFF2-40B4-BE49-F238E27FC236}">
+                <a16:creationId xmlns:a16="http://schemas.microsoft.com/office/drawing/2014/main" id="{095AEB11-C94C-8944-8BC0-B5111383C9C5}"/>
+              </a:ext>
+            </a:extLst>
+          </p:cNvPr>
+          <p:cNvSpPr>
+            <a:spLocks noGrp="1"/>
+          </p:cNvSpPr>
+          <p:nvPr>
+            <p:ph idx="1"/>
+          </p:nvPr>
+        </p:nvSpPr>
+        <p:spPr>
+          <a:xfrm>
+            <a:off x="228600" y="1181100"/>
+            <a:ext cx="8915400" cy="4203700"/>
+          </a:xfrm>
+        </p:spPr>
+        <p:txBody>
+          <a:bodyPr/>
+          <a:lstStyle/>
+          <a:p>
+            <a:pPr marL="0" indent="0">
+              <a:buNone/>
+            </a:pPr>
+            <a:r>
+              <a:rPr lang="en-US" dirty="0"/>
+              <a:t>Previous code from last slide PLUS:</a:t>
+            </a:r>
+          </a:p>
+          <a:p>
+            <a:pPr marL="0" indent="0">
+              <a:buNone/>
+            </a:pPr>
+            <a:endParaRPr lang="en-US" dirty="0"/>
+          </a:p>
+          <a:p>
+            <a:pPr marL="0" indent="0">
+              <a:buNone/>
+            </a:pPr>
+            <a:endParaRPr lang="en-US" dirty="0"/>
+          </a:p>
+        </p:txBody>
+      </p:sp>
+      <p:sp>
+        <p:nvSpPr>
+          <p:cNvPr id="5" name="Title 1">
+            <a:extLst>
+              <a:ext uri="{FF2B5EF4-FFF2-40B4-BE49-F238E27FC236}">
+                <a16:creationId xmlns:a16="http://schemas.microsoft.com/office/drawing/2014/main" id="{19A7A71F-DB30-9240-B08C-B4876A1563A9}"/>
+              </a:ext>
+            </a:extLst>
+          </p:cNvPr>
+          <p:cNvSpPr txBox="1">
+            <a:spLocks/>
+          </p:cNvSpPr>
+          <p:nvPr/>
+        </p:nvSpPr>
+        <p:spPr>
+          <a:xfrm>
+            <a:off x="120650" y="624042"/>
+            <a:ext cx="8470900" cy="443368"/>
+          </a:xfrm>
+          <a:prstGeom prst="rect">
+            <a:avLst/>
+          </a:prstGeom>
+        </p:spPr>
+        <p:txBody>
+          <a:bodyPr vert="horz" lIns="91440" tIns="45720" rIns="91440" bIns="45720" rtlCol="0" anchor="ctr">
+            <a:normAutofit/>
+          </a:bodyPr>
+          <a:lstStyle>
+            <a:lvl1pPr algn="l" defTabSz="685800" rtl="0" eaLnBrk="1" latinLnBrk="0" hangingPunct="1">
+              <a:lnSpc>
+                <a:spcPct val="90000"/>
+              </a:lnSpc>
+              <a:spcBef>
+                <a:spcPct val="0"/>
+              </a:spcBef>
+              <a:buNone/>
+              <a:defRPr sz="3300" kern="1200">
+                <a:solidFill>
+                  <a:schemeClr val="tx1"/>
+                </a:solidFill>
+                <a:latin typeface="+mj-lt"/>
+                <a:ea typeface="+mj-ea"/>
+                <a:cs typeface="+mj-cs"/>
+              </a:defRPr>
+            </a:lvl1pPr>
+          </a:lstStyle>
+          <a:p>
+            <a:r>
+              <a:rPr lang="en-US" sz="2300" dirty="0"/>
+              <a:t>helper functions and refining program.</a:t>
+            </a:r>
+          </a:p>
+        </p:txBody>
+      </p:sp>
+      <p:pic>
+        <p:nvPicPr>
+          <p:cNvPr id="6" name="Picture 5">
+            <a:extLst>
+              <a:ext uri="{FF2B5EF4-FFF2-40B4-BE49-F238E27FC236}">
+                <a16:creationId xmlns:a16="http://schemas.microsoft.com/office/drawing/2014/main" id="{B465E76B-E942-B343-82C8-889CC29E0D41}"/>
+              </a:ext>
+            </a:extLst>
+          </p:cNvPr>
+          <p:cNvPicPr>
+            <a:picLocks noChangeAspect="1"/>
+          </p:cNvPicPr>
+          <p:nvPr/>
+        </p:nvPicPr>
+        <p:blipFill>
+          <a:blip r:embed="rId2"/>
+          <a:stretch>
+            <a:fillRect/>
+          </a:stretch>
+        </p:blipFill>
+        <p:spPr>
+          <a:xfrm>
+            <a:off x="114300" y="1892224"/>
+            <a:ext cx="9144000" cy="3642102"/>
+          </a:xfrm>
+          <a:prstGeom prst="rect">
+            <a:avLst/>
+          </a:prstGeom>
+        </p:spPr>
+      </p:pic>
+      <p:pic>
+        <p:nvPicPr>
+          <p:cNvPr id="7" name="Picture 6">
+            <a:extLst>
+              <a:ext uri="{FF2B5EF4-FFF2-40B4-BE49-F238E27FC236}">
+                <a16:creationId xmlns:a16="http://schemas.microsoft.com/office/drawing/2014/main" id="{157F941E-AE1C-2346-8DAE-A5B65AF26313}"/>
+              </a:ext>
+            </a:extLst>
+          </p:cNvPr>
+          <p:cNvPicPr>
+            <a:picLocks noChangeAspect="1"/>
+          </p:cNvPicPr>
+          <p:nvPr/>
+        </p:nvPicPr>
+        <p:blipFill>
+          <a:blip r:embed="rId3"/>
+          <a:stretch>
+            <a:fillRect/>
+          </a:stretch>
+        </p:blipFill>
+        <p:spPr>
+          <a:xfrm>
+            <a:off x="0" y="1583493"/>
+            <a:ext cx="9144000" cy="2548013"/>
+          </a:xfrm>
+          <a:prstGeom prst="rect">
+            <a:avLst/>
+          </a:prstGeom>
+        </p:spPr>
+      </p:pic>
+    </p:spTree>
+    <p:extLst>
+      <p:ext uri="{BB962C8B-B14F-4D97-AF65-F5344CB8AC3E}">
+        <p14:creationId xmlns:p14="http://schemas.microsoft.com/office/powerpoint/2010/main" val="963005197"/>
+      </p:ext>
+    </p:extLst>
+  </p:cSld>
+  <p:clrMapOvr>
+    <a:masterClrMapping/>
+  </p:clrMapOvr>
+</p:sld>
+</file>
+
+<file path=ppt/slides/slide34.xml><?xml version="1.0" encoding="utf-8"?>
+<p:sld xmlns:a="http://schemas.openxmlformats.org/drawingml/2006/main" xmlns:r="http://schemas.openxmlformats.org/officeDocument/2006/relationships" xmlns:p="http://schemas.openxmlformats.org/presentationml/2006/main">
+  <p:cSld>
+    <p:spTree>
+      <p:nvGrpSpPr>
+        <p:cNvPr id="1" name=""/>
+        <p:cNvGrpSpPr/>
+        <p:nvPr/>
+      </p:nvGrpSpPr>
+      <p:grpSpPr>
+        <a:xfrm>
+          <a:off x="0" y="0"/>
+          <a:ext cx="0" cy="0"/>
+          <a:chOff x="0" y="0"/>
+          <a:chExt cx="0" cy="0"/>
+        </a:xfrm>
+      </p:grpSpPr>
+      <p:sp>
+        <p:nvSpPr>
+          <p:cNvPr id="2" name="Title 1">
+            <a:extLst>
+              <a:ext uri="{FF2B5EF4-FFF2-40B4-BE49-F238E27FC236}">
+                <a16:creationId xmlns:a16="http://schemas.microsoft.com/office/drawing/2014/main" id="{FA100432-FD08-B74C-B1ED-A29F2DDCCC2C}"/>
+              </a:ext>
+            </a:extLst>
+          </p:cNvPr>
+          <p:cNvSpPr>
+            <a:spLocks noGrp="1"/>
+          </p:cNvSpPr>
+          <p:nvPr>
+            <p:ph type="title"/>
+          </p:nvPr>
+        </p:nvSpPr>
+        <p:spPr>
+          <a:xfrm>
+            <a:off x="120650" y="180674"/>
+            <a:ext cx="7715250" cy="443368"/>
+          </a:xfrm>
+        </p:spPr>
+        <p:txBody>
+          <a:bodyPr/>
+          <a:lstStyle/>
+          <a:p>
+            <a:r>
+              <a:rPr lang="en-US" dirty="0"/>
+              <a:t>Third Check-In Example:</a:t>
+            </a:r>
+          </a:p>
+        </p:txBody>
+      </p:sp>
+      <p:sp>
+        <p:nvSpPr>
+          <p:cNvPr id="3" name="Content Placeholder 2">
+            <a:extLst>
+              <a:ext uri="{FF2B5EF4-FFF2-40B4-BE49-F238E27FC236}">
+                <a16:creationId xmlns:a16="http://schemas.microsoft.com/office/drawing/2014/main" id="{095AEB11-C94C-8944-8BC0-B5111383C9C5}"/>
+              </a:ext>
+            </a:extLst>
+          </p:cNvPr>
+          <p:cNvSpPr>
+            <a:spLocks noGrp="1"/>
+          </p:cNvSpPr>
+          <p:nvPr>
+            <p:ph idx="1"/>
+          </p:nvPr>
+        </p:nvSpPr>
+        <p:spPr>
+          <a:xfrm>
+            <a:off x="228600" y="1181100"/>
+            <a:ext cx="8915400" cy="4203700"/>
+          </a:xfrm>
+        </p:spPr>
+        <p:txBody>
+          <a:bodyPr/>
+          <a:lstStyle/>
+          <a:p>
+            <a:pPr marL="0" indent="0">
+              <a:buNone/>
+            </a:pPr>
+            <a:r>
+              <a:rPr lang="en-US" dirty="0"/>
+              <a:t>Previous code from last two slides PLUS:</a:t>
+            </a:r>
+          </a:p>
+          <a:p>
+            <a:pPr marL="0" indent="0">
+              <a:buNone/>
+            </a:pPr>
+            <a:endParaRPr lang="en-US" dirty="0"/>
+          </a:p>
+          <a:p>
+            <a:pPr marL="0" indent="0">
+              <a:buNone/>
+            </a:pPr>
+            <a:endParaRPr lang="en-US" dirty="0"/>
+          </a:p>
+        </p:txBody>
+      </p:sp>
+      <p:sp>
+        <p:nvSpPr>
+          <p:cNvPr id="5" name="Title 1">
+            <a:extLst>
+              <a:ext uri="{FF2B5EF4-FFF2-40B4-BE49-F238E27FC236}">
+                <a16:creationId xmlns:a16="http://schemas.microsoft.com/office/drawing/2014/main" id="{19A7A71F-DB30-9240-B08C-B4876A1563A9}"/>
+              </a:ext>
+            </a:extLst>
+          </p:cNvPr>
+          <p:cNvSpPr txBox="1">
+            <a:spLocks/>
+          </p:cNvSpPr>
+          <p:nvPr/>
+        </p:nvSpPr>
+        <p:spPr>
+          <a:xfrm>
+            <a:off x="120650" y="624042"/>
+            <a:ext cx="8470900" cy="443368"/>
+          </a:xfrm>
+          <a:prstGeom prst="rect">
+            <a:avLst/>
+          </a:prstGeom>
+        </p:spPr>
+        <p:txBody>
+          <a:bodyPr vert="horz" lIns="91440" tIns="45720" rIns="91440" bIns="45720" rtlCol="0" anchor="ctr">
+            <a:normAutofit/>
+          </a:bodyPr>
+          <a:lstStyle>
+            <a:lvl1pPr algn="l" defTabSz="685800" rtl="0" eaLnBrk="1" latinLnBrk="0" hangingPunct="1">
+              <a:lnSpc>
+                <a:spcPct val="90000"/>
+              </a:lnSpc>
+              <a:spcBef>
+                <a:spcPct val="0"/>
+              </a:spcBef>
+              <a:buNone/>
+              <a:defRPr sz="3300" kern="1200">
+                <a:solidFill>
+                  <a:schemeClr val="tx1"/>
+                </a:solidFill>
+                <a:latin typeface="+mj-lt"/>
+                <a:ea typeface="+mj-ea"/>
+                <a:cs typeface="+mj-cs"/>
+              </a:defRPr>
+            </a:lvl1pPr>
+          </a:lstStyle>
+          <a:p>
+            <a:r>
+              <a:rPr lang="en-US" sz="2300" dirty="0"/>
+              <a:t>adding main function and finishing up program</a:t>
+            </a:r>
+          </a:p>
+        </p:txBody>
+      </p:sp>
+      <p:pic>
+        <p:nvPicPr>
+          <p:cNvPr id="7" name="Picture 6">
+            <a:extLst>
+              <a:ext uri="{FF2B5EF4-FFF2-40B4-BE49-F238E27FC236}">
+                <a16:creationId xmlns:a16="http://schemas.microsoft.com/office/drawing/2014/main" id="{157F941E-AE1C-2346-8DAE-A5B65AF26313}"/>
+              </a:ext>
+            </a:extLst>
+          </p:cNvPr>
+          <p:cNvPicPr>
+            <a:picLocks noChangeAspect="1"/>
+          </p:cNvPicPr>
+          <p:nvPr/>
+        </p:nvPicPr>
+        <p:blipFill>
+          <a:blip r:embed="rId2"/>
+          <a:stretch>
+            <a:fillRect/>
+          </a:stretch>
+        </p:blipFill>
+        <p:spPr>
+          <a:xfrm>
+            <a:off x="0" y="2008943"/>
+            <a:ext cx="9144000" cy="2548013"/>
+          </a:xfrm>
+          <a:prstGeom prst="rect">
+            <a:avLst/>
+          </a:prstGeom>
+        </p:spPr>
+      </p:pic>
+    </p:spTree>
+    <p:extLst>
+      <p:ext uri="{BB962C8B-B14F-4D97-AF65-F5344CB8AC3E}">
+        <p14:creationId xmlns:p14="http://schemas.microsoft.com/office/powerpoint/2010/main" val="107728642"/>
+      </p:ext>
+    </p:extLst>
+  </p:cSld>
+  <p:clrMapOvr>
+    <a:masterClrMapping/>
+  </p:clrMapOvr>
 </p:sld>
 </file>
 

--- a/courses/apcsp/create_task/create_task.pptx
+++ b/courses/apcsp/create_task/create_task.pptx
@@ -621,7 +621,7 @@
   <pc:docChgLst>
     <pc:chgData name="Long B Nguyen" userId="f59fb8f3-a021-417a-8bc1-65c8d471c621" providerId="ADAL" clId="{920E45FF-707A-564B-83B3-9BA7BB1D0D1B}"/>
     <pc:docChg chg="custSel addSld delSld modSld">
-      <pc:chgData name="Long B Nguyen" userId="f59fb8f3-a021-417a-8bc1-65c8d471c621" providerId="ADAL" clId="{920E45FF-707A-564B-83B3-9BA7BB1D0D1B}" dt="2021-03-25T13:24:38.150" v="7703" actId="20577"/>
+      <pc:chgData name="Long B Nguyen" userId="f59fb8f3-a021-417a-8bc1-65c8d471c621" providerId="ADAL" clId="{920E45FF-707A-564B-83B3-9BA7BB1D0D1B}" dt="2021-03-25T13:59:06.614" v="7705" actId="478"/>
       <pc:docMkLst>
         <pc:docMk/>
       </pc:docMkLst>
@@ -1659,7 +1659,7 @@
         </pc:spChg>
       </pc:sldChg>
       <pc:sldChg chg="addSp delSp modSp add mod">
-        <pc:chgData name="Long B Nguyen" userId="f59fb8f3-a021-417a-8bc1-65c8d471c621" providerId="ADAL" clId="{920E45FF-707A-564B-83B3-9BA7BB1D0D1B}" dt="2021-03-25T13:24:12.224" v="7639"/>
+        <pc:chgData name="Long B Nguyen" userId="f59fb8f3-a021-417a-8bc1-65c8d471c621" providerId="ADAL" clId="{920E45FF-707A-564B-83B3-9BA7BB1D0D1B}" dt="2021-03-25T13:59:06.614" v="7705" actId="478"/>
         <pc:sldMkLst>
           <pc:docMk/>
           <pc:sldMk cId="963005197" sldId="562"/>
@@ -1704,8 +1704,8 @@
             <ac:picMk id="6" creationId="{B465E76B-E942-B343-82C8-889CC29E0D41}"/>
           </ac:picMkLst>
         </pc:picChg>
-        <pc:picChg chg="add">
-          <ac:chgData name="Long B Nguyen" userId="f59fb8f3-a021-417a-8bc1-65c8d471c621" providerId="ADAL" clId="{920E45FF-707A-564B-83B3-9BA7BB1D0D1B}" dt="2021-03-25T13:24:12.224" v="7639"/>
+        <pc:picChg chg="add del mod">
+          <ac:chgData name="Long B Nguyen" userId="f59fb8f3-a021-417a-8bc1-65c8d471c621" providerId="ADAL" clId="{920E45FF-707A-564B-83B3-9BA7BB1D0D1B}" dt="2021-03-25T13:59:06.614" v="7705" actId="478"/>
           <ac:picMkLst>
             <pc:docMk/>
             <pc:sldMk cId="963005197" sldId="562"/>
@@ -14076,36 +14076,6 @@
           </a:prstGeom>
         </p:spPr>
       </p:pic>
-      <p:pic>
-        <p:nvPicPr>
-          <p:cNvPr id="7" name="Picture 6">
-            <a:extLst>
-              <a:ext uri="{FF2B5EF4-FFF2-40B4-BE49-F238E27FC236}">
-                <a16:creationId xmlns:a16="http://schemas.microsoft.com/office/drawing/2014/main" id="{157F941E-AE1C-2346-8DAE-A5B65AF26313}"/>
-              </a:ext>
-            </a:extLst>
-          </p:cNvPr>
-          <p:cNvPicPr>
-            <a:picLocks noChangeAspect="1"/>
-          </p:cNvPicPr>
-          <p:nvPr/>
-        </p:nvPicPr>
-        <p:blipFill>
-          <a:blip r:embed="rId3"/>
-          <a:stretch>
-            <a:fillRect/>
-          </a:stretch>
-        </p:blipFill>
-        <p:spPr>
-          <a:xfrm>
-            <a:off x="0" y="1583493"/>
-            <a:ext cx="9144000" cy="2548013"/>
-          </a:xfrm>
-          <a:prstGeom prst="rect">
-            <a:avLst/>
-          </a:prstGeom>
-        </p:spPr>
-      </p:pic>
     </p:spTree>
     <p:extLst>
       <p:ext uri="{BB962C8B-B14F-4D97-AF65-F5344CB8AC3E}">

--- a/courses/apcsp/create_task/create_task.pptx
+++ b/courses/apcsp/create_task/create_task.pptx
@@ -23,22 +23,11 @@
     <p:sldId id="303" r:id="rId17"/>
     <p:sldId id="304" r:id="rId18"/>
     <p:sldId id="306" r:id="rId19"/>
-    <p:sldId id="307" r:id="rId20"/>
-    <p:sldId id="309" r:id="rId21"/>
-    <p:sldId id="310" r:id="rId22"/>
-    <p:sldId id="308" r:id="rId23"/>
-    <p:sldId id="311" r:id="rId24"/>
-    <p:sldId id="313" r:id="rId25"/>
-    <p:sldId id="314" r:id="rId26"/>
-    <p:sldId id="556" r:id="rId27"/>
-    <p:sldId id="312" r:id="rId28"/>
-    <p:sldId id="557" r:id="rId29"/>
-    <p:sldId id="559" r:id="rId30"/>
-    <p:sldId id="560" r:id="rId31"/>
-    <p:sldId id="561" r:id="rId32"/>
-    <p:sldId id="558" r:id="rId33"/>
-    <p:sldId id="562" r:id="rId34"/>
-    <p:sldId id="563" r:id="rId35"/>
+    <p:sldId id="557" r:id="rId20"/>
+    <p:sldId id="559" r:id="rId21"/>
+    <p:sldId id="560" r:id="rId22"/>
+    <p:sldId id="561" r:id="rId23"/>
+    <p:sldId id="309" r:id="rId24"/>
   </p:sldIdLst>
   <p:sldSz cx="9144000" cy="5715000" type="screen16x10"/>
   <p:notesSz cx="6858000" cy="9144000"/>
@@ -148,13 +137,259 @@
 <file path=ppt/revisionInfo.xml><?xml version="1.0" encoding="utf-8"?>
 <p1510:revInfo xmlns:a="http://schemas.openxmlformats.org/drawingml/2006/main" xmlns:r="http://schemas.openxmlformats.org/officeDocument/2006/relationships" xmlns:p1510="http://schemas.microsoft.com/office/powerpoint/2015/10/main">
   <p1510:revLst>
-    <p1510:client id="{920E45FF-707A-564B-83B3-9BA7BB1D0D1B}" v="1473" dt="2021-03-25T13:24:14.214"/>
+    <p1510:client id="{9524EE58-25A9-8F4B-8612-E4B64A01E140}" v="540" dt="2021-12-13T14:41:33.770"/>
   </p1510:revLst>
 </p1510:revInfo>
 </file>
 
 <file path=ppt/changesInfos/changesInfo1.xml><?xml version="1.0" encoding="utf-8"?>
 <pc:chgInfo xmlns:a="http://schemas.openxmlformats.org/drawingml/2006/main" xmlns:r="http://schemas.openxmlformats.org/officeDocument/2006/relationships" xmlns:ac="http://schemas.microsoft.com/office/drawing/2013/main/command" xmlns:pc="http://schemas.microsoft.com/office/powerpoint/2013/main/command">
+  <pc:docChgLst>
+    <pc:chgData name="Long B Nguyen" userId="f59fb8f3-a021-417a-8bc1-65c8d471c621" providerId="ADAL" clId="{9524EE58-25A9-8F4B-8612-E4B64A01E140}"/>
+    <pc:docChg chg="custSel addSld delSld modSld">
+      <pc:chgData name="Long B Nguyen" userId="f59fb8f3-a021-417a-8bc1-65c8d471c621" providerId="ADAL" clId="{9524EE58-25A9-8F4B-8612-E4B64A01E140}" dt="2021-12-13T14:41:46.585" v="574" actId="255"/>
+      <pc:docMkLst>
+        <pc:docMk/>
+      </pc:docMkLst>
+      <pc:sldChg chg="modSp mod">
+        <pc:chgData name="Long B Nguyen" userId="f59fb8f3-a021-417a-8bc1-65c8d471c621" providerId="ADAL" clId="{9524EE58-25A9-8F4B-8612-E4B64A01E140}" dt="2021-12-13T14:41:46.585" v="574" actId="255"/>
+        <pc:sldMkLst>
+          <pc:docMk/>
+          <pc:sldMk cId="3370589591" sldId="274"/>
+        </pc:sldMkLst>
+        <pc:spChg chg="mod">
+          <ac:chgData name="Long B Nguyen" userId="f59fb8f3-a021-417a-8bc1-65c8d471c621" providerId="ADAL" clId="{9524EE58-25A9-8F4B-8612-E4B64A01E140}" dt="2021-12-13T14:41:46.585" v="574" actId="255"/>
+          <ac:spMkLst>
+            <pc:docMk/>
+            <pc:sldMk cId="3370589591" sldId="274"/>
+            <ac:spMk id="171011" creationId="{A4934963-D788-7042-9063-DB3982108402}"/>
+          </ac:spMkLst>
+        </pc:spChg>
+      </pc:sldChg>
+      <pc:sldChg chg="modSp modAnim">
+        <pc:chgData name="Long B Nguyen" userId="f59fb8f3-a021-417a-8bc1-65c8d471c621" providerId="ADAL" clId="{9524EE58-25A9-8F4B-8612-E4B64A01E140}" dt="2021-12-13T14:41:15.007" v="569" actId="20577"/>
+        <pc:sldMkLst>
+          <pc:docMk/>
+          <pc:sldMk cId="728426104" sldId="306"/>
+        </pc:sldMkLst>
+        <pc:spChg chg="mod">
+          <ac:chgData name="Long B Nguyen" userId="f59fb8f3-a021-417a-8bc1-65c8d471c621" providerId="ADAL" clId="{9524EE58-25A9-8F4B-8612-E4B64A01E140}" dt="2021-12-13T14:41:15.007" v="569" actId="20577"/>
+          <ac:spMkLst>
+            <pc:docMk/>
+            <pc:sldMk cId="728426104" sldId="306"/>
+            <ac:spMk id="3" creationId="{ED8E330A-0574-5B43-A1B4-044AE8138EBC}"/>
+          </ac:spMkLst>
+        </pc:spChg>
+      </pc:sldChg>
+      <pc:sldChg chg="modSp del modAnim">
+        <pc:chgData name="Long B Nguyen" userId="f59fb8f3-a021-417a-8bc1-65c8d471c621" providerId="ADAL" clId="{9524EE58-25A9-8F4B-8612-E4B64A01E140}" dt="2021-12-13T12:51:37.197" v="6" actId="2696"/>
+        <pc:sldMkLst>
+          <pc:docMk/>
+          <pc:sldMk cId="2699723502" sldId="307"/>
+        </pc:sldMkLst>
+        <pc:spChg chg="mod">
+          <ac:chgData name="Long B Nguyen" userId="f59fb8f3-a021-417a-8bc1-65c8d471c621" providerId="ADAL" clId="{9524EE58-25A9-8F4B-8612-E4B64A01E140}" dt="2021-12-13T12:51:33.078" v="5" actId="20577"/>
+          <ac:spMkLst>
+            <pc:docMk/>
+            <pc:sldMk cId="2699723502" sldId="307"/>
+            <ac:spMk id="3" creationId="{07A68376-B585-E14E-9D3B-3DDBFB3E4329}"/>
+          </ac:spMkLst>
+        </pc:spChg>
+      </pc:sldChg>
+      <pc:sldChg chg="del">
+        <pc:chgData name="Long B Nguyen" userId="f59fb8f3-a021-417a-8bc1-65c8d471c621" providerId="ADAL" clId="{9524EE58-25A9-8F4B-8612-E4B64A01E140}" dt="2021-12-13T12:56:37.776" v="140" actId="2696"/>
+        <pc:sldMkLst>
+          <pc:docMk/>
+          <pc:sldMk cId="1886395027" sldId="308"/>
+        </pc:sldMkLst>
+      </pc:sldChg>
+      <pc:sldChg chg="modSp add modAnim">
+        <pc:chgData name="Long B Nguyen" userId="f59fb8f3-a021-417a-8bc1-65c8d471c621" providerId="ADAL" clId="{9524EE58-25A9-8F4B-8612-E4B64A01E140}" dt="2021-12-13T14:41:33.770" v="571" actId="20577"/>
+        <pc:sldMkLst>
+          <pc:docMk/>
+          <pc:sldMk cId="35145435" sldId="309"/>
+        </pc:sldMkLst>
+        <pc:spChg chg="mod">
+          <ac:chgData name="Long B Nguyen" userId="f59fb8f3-a021-417a-8bc1-65c8d471c621" providerId="ADAL" clId="{9524EE58-25A9-8F4B-8612-E4B64A01E140}" dt="2021-12-13T14:41:33.770" v="571" actId="20577"/>
+          <ac:spMkLst>
+            <pc:docMk/>
+            <pc:sldMk cId="35145435" sldId="309"/>
+            <ac:spMk id="3" creationId="{BE9CE75A-CAA3-5646-AB61-E94C601FF013}"/>
+          </ac:spMkLst>
+        </pc:spChg>
+      </pc:sldChg>
+      <pc:sldChg chg="modSp del modAnim">
+        <pc:chgData name="Long B Nguyen" userId="f59fb8f3-a021-417a-8bc1-65c8d471c621" providerId="ADAL" clId="{9524EE58-25A9-8F4B-8612-E4B64A01E140}" dt="2021-12-13T12:56:43.373" v="141" actId="2696"/>
+        <pc:sldMkLst>
+          <pc:docMk/>
+          <pc:sldMk cId="2859835922" sldId="309"/>
+        </pc:sldMkLst>
+        <pc:spChg chg="mod">
+          <ac:chgData name="Long B Nguyen" userId="f59fb8f3-a021-417a-8bc1-65c8d471c621" providerId="ADAL" clId="{9524EE58-25A9-8F4B-8612-E4B64A01E140}" dt="2021-12-13T12:56:31.304" v="139" actId="20577"/>
+          <ac:spMkLst>
+            <pc:docMk/>
+            <pc:sldMk cId="2859835922" sldId="309"/>
+            <ac:spMk id="3" creationId="{BE9CE75A-CAA3-5646-AB61-E94C601FF013}"/>
+          </ac:spMkLst>
+        </pc:spChg>
+      </pc:sldChg>
+      <pc:sldChg chg="del">
+        <pc:chgData name="Long B Nguyen" userId="f59fb8f3-a021-417a-8bc1-65c8d471c621" providerId="ADAL" clId="{9524EE58-25A9-8F4B-8612-E4B64A01E140}" dt="2021-12-13T12:56:37.776" v="140" actId="2696"/>
+        <pc:sldMkLst>
+          <pc:docMk/>
+          <pc:sldMk cId="472026148" sldId="310"/>
+        </pc:sldMkLst>
+      </pc:sldChg>
+      <pc:sldChg chg="del">
+        <pc:chgData name="Long B Nguyen" userId="f59fb8f3-a021-417a-8bc1-65c8d471c621" providerId="ADAL" clId="{9524EE58-25A9-8F4B-8612-E4B64A01E140}" dt="2021-12-13T12:56:37.776" v="140" actId="2696"/>
+        <pc:sldMkLst>
+          <pc:docMk/>
+          <pc:sldMk cId="2074214818" sldId="311"/>
+        </pc:sldMkLst>
+      </pc:sldChg>
+      <pc:sldChg chg="del">
+        <pc:chgData name="Long B Nguyen" userId="f59fb8f3-a021-417a-8bc1-65c8d471c621" providerId="ADAL" clId="{9524EE58-25A9-8F4B-8612-E4B64A01E140}" dt="2021-12-13T12:56:37.776" v="140" actId="2696"/>
+        <pc:sldMkLst>
+          <pc:docMk/>
+          <pc:sldMk cId="3704334471" sldId="312"/>
+        </pc:sldMkLst>
+      </pc:sldChg>
+      <pc:sldChg chg="del">
+        <pc:chgData name="Long B Nguyen" userId="f59fb8f3-a021-417a-8bc1-65c8d471c621" providerId="ADAL" clId="{9524EE58-25A9-8F4B-8612-E4B64A01E140}" dt="2021-12-13T12:56:37.776" v="140" actId="2696"/>
+        <pc:sldMkLst>
+          <pc:docMk/>
+          <pc:sldMk cId="2818469488" sldId="313"/>
+        </pc:sldMkLst>
+      </pc:sldChg>
+      <pc:sldChg chg="del">
+        <pc:chgData name="Long B Nguyen" userId="f59fb8f3-a021-417a-8bc1-65c8d471c621" providerId="ADAL" clId="{9524EE58-25A9-8F4B-8612-E4B64A01E140}" dt="2021-12-13T12:56:37.776" v="140" actId="2696"/>
+        <pc:sldMkLst>
+          <pc:docMk/>
+          <pc:sldMk cId="1495716717" sldId="314"/>
+        </pc:sldMkLst>
+      </pc:sldChg>
+      <pc:sldChg chg="del">
+        <pc:chgData name="Long B Nguyen" userId="f59fb8f3-a021-417a-8bc1-65c8d471c621" providerId="ADAL" clId="{9524EE58-25A9-8F4B-8612-E4B64A01E140}" dt="2021-12-13T12:56:37.776" v="140" actId="2696"/>
+        <pc:sldMkLst>
+          <pc:docMk/>
+          <pc:sldMk cId="2984014915" sldId="556"/>
+        </pc:sldMkLst>
+      </pc:sldChg>
+      <pc:sldChg chg="modSp">
+        <pc:chgData name="Long B Nguyen" userId="f59fb8f3-a021-417a-8bc1-65c8d471c621" providerId="ADAL" clId="{9524EE58-25A9-8F4B-8612-E4B64A01E140}" dt="2021-12-13T14:30:22.578" v="245" actId="20577"/>
+        <pc:sldMkLst>
+          <pc:docMk/>
+          <pc:sldMk cId="1336684213" sldId="557"/>
+        </pc:sldMkLst>
+        <pc:spChg chg="mod">
+          <ac:chgData name="Long B Nguyen" userId="f59fb8f3-a021-417a-8bc1-65c8d471c621" providerId="ADAL" clId="{9524EE58-25A9-8F4B-8612-E4B64A01E140}" dt="2021-12-13T14:30:22.578" v="245" actId="20577"/>
+          <ac:spMkLst>
+            <pc:docMk/>
+            <pc:sldMk cId="1336684213" sldId="557"/>
+            <ac:spMk id="3" creationId="{C84102BA-DE72-B749-AF52-12A584032098}"/>
+          </ac:spMkLst>
+        </pc:spChg>
+      </pc:sldChg>
+      <pc:sldChg chg="delSp del mod">
+        <pc:chgData name="Long B Nguyen" userId="f59fb8f3-a021-417a-8bc1-65c8d471c621" providerId="ADAL" clId="{9524EE58-25A9-8F4B-8612-E4B64A01E140}" dt="2021-12-13T14:32:25.112" v="350" actId="2696"/>
+        <pc:sldMkLst>
+          <pc:docMk/>
+          <pc:sldMk cId="3255312717" sldId="558"/>
+        </pc:sldMkLst>
+        <pc:picChg chg="del">
+          <ac:chgData name="Long B Nguyen" userId="f59fb8f3-a021-417a-8bc1-65c8d471c621" providerId="ADAL" clId="{9524EE58-25A9-8F4B-8612-E4B64A01E140}" dt="2021-12-13T12:55:25.988" v="52" actId="478"/>
+          <ac:picMkLst>
+            <pc:docMk/>
+            <pc:sldMk cId="3255312717" sldId="558"/>
+            <ac:picMk id="4" creationId="{BCA4671A-1610-7E4B-AF2F-6841E021CB67}"/>
+          </ac:picMkLst>
+        </pc:picChg>
+      </pc:sldChg>
+      <pc:sldChg chg="modSp">
+        <pc:chgData name="Long B Nguyen" userId="f59fb8f3-a021-417a-8bc1-65c8d471c621" providerId="ADAL" clId="{9524EE58-25A9-8F4B-8612-E4B64A01E140}" dt="2021-12-13T14:30:52.683" v="293" actId="20577"/>
+        <pc:sldMkLst>
+          <pc:docMk/>
+          <pc:sldMk cId="500399139" sldId="559"/>
+        </pc:sldMkLst>
+        <pc:spChg chg="mod">
+          <ac:chgData name="Long B Nguyen" userId="f59fb8f3-a021-417a-8bc1-65c8d471c621" providerId="ADAL" clId="{9524EE58-25A9-8F4B-8612-E4B64A01E140}" dt="2021-12-13T14:30:52.683" v="293" actId="20577"/>
+          <ac:spMkLst>
+            <pc:docMk/>
+            <pc:sldMk cId="500399139" sldId="559"/>
+            <ac:spMk id="3" creationId="{C84102BA-DE72-B749-AF52-12A584032098}"/>
+          </ac:spMkLst>
+        </pc:spChg>
+      </pc:sldChg>
+      <pc:sldChg chg="modSp">
+        <pc:chgData name="Long B Nguyen" userId="f59fb8f3-a021-417a-8bc1-65c8d471c621" providerId="ADAL" clId="{9524EE58-25A9-8F4B-8612-E4B64A01E140}" dt="2021-12-13T14:31:10.688" v="315" actId="20577"/>
+        <pc:sldMkLst>
+          <pc:docMk/>
+          <pc:sldMk cId="781774871" sldId="560"/>
+        </pc:sldMkLst>
+        <pc:spChg chg="mod">
+          <ac:chgData name="Long B Nguyen" userId="f59fb8f3-a021-417a-8bc1-65c8d471c621" providerId="ADAL" clId="{9524EE58-25A9-8F4B-8612-E4B64A01E140}" dt="2021-12-13T14:31:10.688" v="315" actId="20577"/>
+          <ac:spMkLst>
+            <pc:docMk/>
+            <pc:sldMk cId="781774871" sldId="560"/>
+            <ac:spMk id="3" creationId="{C84102BA-DE72-B749-AF52-12A584032098}"/>
+          </ac:spMkLst>
+        </pc:spChg>
+      </pc:sldChg>
+      <pc:sldChg chg="modSp mod modAnim">
+        <pc:chgData name="Long B Nguyen" userId="f59fb8f3-a021-417a-8bc1-65c8d471c621" providerId="ADAL" clId="{9524EE58-25A9-8F4B-8612-E4B64A01E140}" dt="2021-12-13T12:57:10.156" v="150" actId="20577"/>
+        <pc:sldMkLst>
+          <pc:docMk/>
+          <pc:sldMk cId="3916325109" sldId="561"/>
+        </pc:sldMkLst>
+        <pc:spChg chg="mod">
+          <ac:chgData name="Long B Nguyen" userId="f59fb8f3-a021-417a-8bc1-65c8d471c621" providerId="ADAL" clId="{9524EE58-25A9-8F4B-8612-E4B64A01E140}" dt="2021-12-13T12:57:10.156" v="150" actId="20577"/>
+          <ac:spMkLst>
+            <pc:docMk/>
+            <pc:sldMk cId="3916325109" sldId="561"/>
+            <ac:spMk id="2" creationId="{556B981A-229A-B54C-ACC7-41D2A16654A0}"/>
+          </ac:spMkLst>
+        </pc:spChg>
+        <pc:spChg chg="mod">
+          <ac:chgData name="Long B Nguyen" userId="f59fb8f3-a021-417a-8bc1-65c8d471c621" providerId="ADAL" clId="{9524EE58-25A9-8F4B-8612-E4B64A01E140}" dt="2021-12-13T12:57:05.451" v="145" actId="20577"/>
+          <ac:spMkLst>
+            <pc:docMk/>
+            <pc:sldMk cId="3916325109" sldId="561"/>
+            <ac:spMk id="3" creationId="{C84102BA-DE72-B749-AF52-12A584032098}"/>
+          </ac:spMkLst>
+        </pc:spChg>
+      </pc:sldChg>
+      <pc:sldChg chg="delSp del mod">
+        <pc:chgData name="Long B Nguyen" userId="f59fb8f3-a021-417a-8bc1-65c8d471c621" providerId="ADAL" clId="{9524EE58-25A9-8F4B-8612-E4B64A01E140}" dt="2021-12-13T14:32:25.112" v="350" actId="2696"/>
+        <pc:sldMkLst>
+          <pc:docMk/>
+          <pc:sldMk cId="963005197" sldId="562"/>
+        </pc:sldMkLst>
+        <pc:picChg chg="del">
+          <ac:chgData name="Long B Nguyen" userId="f59fb8f3-a021-417a-8bc1-65c8d471c621" providerId="ADAL" clId="{9524EE58-25A9-8F4B-8612-E4B64A01E140}" dt="2021-12-13T12:55:28.990" v="53" actId="478"/>
+          <ac:picMkLst>
+            <pc:docMk/>
+            <pc:sldMk cId="963005197" sldId="562"/>
+            <ac:picMk id="6" creationId="{B465E76B-E942-B343-82C8-889CC29E0D41}"/>
+          </ac:picMkLst>
+        </pc:picChg>
+      </pc:sldChg>
+      <pc:sldChg chg="delSp del mod">
+        <pc:chgData name="Long B Nguyen" userId="f59fb8f3-a021-417a-8bc1-65c8d471c621" providerId="ADAL" clId="{9524EE58-25A9-8F4B-8612-E4B64A01E140}" dt="2021-12-13T14:32:25.112" v="350" actId="2696"/>
+        <pc:sldMkLst>
+          <pc:docMk/>
+          <pc:sldMk cId="107728642" sldId="563"/>
+        </pc:sldMkLst>
+        <pc:picChg chg="del">
+          <ac:chgData name="Long B Nguyen" userId="f59fb8f3-a021-417a-8bc1-65c8d471c621" providerId="ADAL" clId="{9524EE58-25A9-8F4B-8612-E4B64A01E140}" dt="2021-12-13T12:55:31.791" v="54" actId="478"/>
+          <ac:picMkLst>
+            <pc:docMk/>
+            <pc:sldMk cId="107728642" sldId="563"/>
+            <ac:picMk id="7" creationId="{157F941E-AE1C-2346-8DAE-A5B65AF26313}"/>
+          </ac:picMkLst>
+        </pc:picChg>
+      </pc:sldChg>
+    </pc:docChg>
+  </pc:docChgLst>
   <pc:docChgLst>
     <pc:chgData name="Long B Nguyen" userId="f59fb8f3-a021-417a-8bc1-65c8d471c621" providerId="ADAL" clId="{05A1C5B8-6AA9-824C-B77D-182A36FCC0A3}"/>
     <pc:docChg chg="custSel addSld delSld modSld">
@@ -2453,7 +2688,7 @@
           <a:p>
             <a:fld id="{4AAD347D-5ACD-4C99-B74B-A9C85AD731AF}" type="datetimeFigureOut">
               <a:rPr lang="en-US" smtClean="0"/>
-              <a:t>3/25/21</a:t>
+              <a:t>12/13/21</a:t>
             </a:fld>
             <a:endParaRPr lang="en-US" dirty="0"/>
           </a:p>
@@ -2623,7 +2858,7 @@
           <a:p>
             <a:fld id="{4509A250-FF31-4206-8172-F9D3106AACB1}" type="datetimeFigureOut">
               <a:rPr lang="en-US" smtClean="0"/>
-              <a:t>3/25/21</a:t>
+              <a:t>12/13/21</a:t>
             </a:fld>
             <a:endParaRPr lang="en-US" dirty="0"/>
           </a:p>
@@ -2803,7 +3038,7 @@
           <a:p>
             <a:fld id="{4509A250-FF31-4206-8172-F9D3106AACB1}" type="datetimeFigureOut">
               <a:rPr lang="en-US" smtClean="0"/>
-              <a:t>3/25/21</a:t>
+              <a:t>12/13/21</a:t>
             </a:fld>
             <a:endParaRPr lang="en-US" dirty="0"/>
           </a:p>
@@ -2973,7 +3208,7 @@
           <a:p>
             <a:fld id="{4509A250-FF31-4206-8172-F9D3106AACB1}" type="datetimeFigureOut">
               <a:rPr lang="en-US" smtClean="0"/>
-              <a:t>3/25/21</a:t>
+              <a:t>12/13/21</a:t>
             </a:fld>
             <a:endParaRPr lang="en-US" dirty="0"/>
           </a:p>
@@ -3219,7 +3454,7 @@
           <a:p>
             <a:fld id="{9796027F-7875-4030-9381-8BD8C4F21935}" type="datetimeFigureOut">
               <a:rPr lang="en-US" smtClean="0"/>
-              <a:t>3/25/21</a:t>
+              <a:t>12/13/21</a:t>
             </a:fld>
             <a:endParaRPr lang="en-US" dirty="0"/>
           </a:p>
@@ -3451,7 +3686,7 @@
           <a:p>
             <a:fld id="{9796027F-7875-4030-9381-8BD8C4F21935}" type="datetimeFigureOut">
               <a:rPr lang="en-US" smtClean="0"/>
-              <a:t>3/25/21</a:t>
+              <a:t>12/13/21</a:t>
             </a:fld>
             <a:endParaRPr lang="en-US" dirty="0"/>
           </a:p>
@@ -3818,7 +4053,7 @@
           <a:p>
             <a:fld id="{9796027F-7875-4030-9381-8BD8C4F21935}" type="datetimeFigureOut">
               <a:rPr lang="en-US" smtClean="0"/>
-              <a:t>3/25/21</a:t>
+              <a:t>12/13/21</a:t>
             </a:fld>
             <a:endParaRPr lang="en-US" dirty="0"/>
           </a:p>
@@ -3936,7 +4171,7 @@
           <a:p>
             <a:fld id="{4509A250-FF31-4206-8172-F9D3106AACB1}" type="datetimeFigureOut">
               <a:rPr lang="en-US" smtClean="0"/>
-              <a:t>3/25/21</a:t>
+              <a:t>12/13/21</a:t>
             </a:fld>
             <a:endParaRPr lang="en-US" dirty="0"/>
           </a:p>
@@ -4031,7 +4266,7 @@
           <a:p>
             <a:fld id="{4509A250-FF31-4206-8172-F9D3106AACB1}" type="datetimeFigureOut">
               <a:rPr lang="en-US" smtClean="0"/>
-              <a:t>3/25/21</a:t>
+              <a:t>12/13/21</a:t>
             </a:fld>
             <a:endParaRPr lang="en-US" dirty="0"/>
           </a:p>
@@ -4308,7 +4543,7 @@
           <a:p>
             <a:fld id="{4509A250-FF31-4206-8172-F9D3106AACB1}" type="datetimeFigureOut">
               <a:rPr lang="en-US" smtClean="0"/>
-              <a:t>3/25/21</a:t>
+              <a:t>12/13/21</a:t>
             </a:fld>
             <a:endParaRPr lang="en-US" dirty="0"/>
           </a:p>
@@ -4565,7 +4800,7 @@
           <a:p>
             <a:fld id="{4509A250-FF31-4206-8172-F9D3106AACB1}" type="datetimeFigureOut">
               <a:rPr lang="en-US" smtClean="0"/>
-              <a:t>3/25/21</a:t>
+              <a:t>12/13/21</a:t>
             </a:fld>
             <a:endParaRPr lang="en-US" dirty="0"/>
           </a:p>
@@ -4778,7 +5013,7 @@
           <a:p>
             <a:fld id="{4AAD347D-5ACD-4C99-B74B-A9C85AD731AF}" type="datetimeFigureOut">
               <a:rPr lang="en-US" smtClean="0"/>
-              <a:t>3/25/21</a:t>
+              <a:t>12/13/21</a:t>
             </a:fld>
             <a:endParaRPr lang="en-US" dirty="0"/>
           </a:p>
@@ -6426,25 +6661,7 @@
             </a:pPr>
             <a:r>
               <a:rPr lang="en-US" dirty="0"/>
-              <a:t>As we'll see from the examples this week, it can be a very simple program(see the </a:t>
-            </a:r>
-            <a:r>
-              <a:rPr lang="en-US" dirty="0" err="1"/>
-              <a:t>replit</a:t>
-            </a:r>
-            <a:r>
-              <a:rPr lang="en-US" dirty="0"/>
-              <a:t> example </a:t>
-            </a:r>
-            <a:r>
-              <a:rPr lang="en-US" dirty="0">
-                <a:hlinkClick r:id="rId2"/>
-              </a:rPr>
-              <a:t>Substitution Encryption</a:t>
-            </a:r>
-            <a:r>
-              <a:rPr lang="en-US" dirty="0"/>
-              <a:t>). And it's ok if it's a boring program!</a:t>
+              <a:t>As we'll see from the examples this week, it can be a very simple program. We'll do a full walkthrough of a sample program and you'll have the chance to answer all of the free response questions for this program to understand how the Create Task works. </a:t>
             </a:r>
           </a:p>
           <a:p>
@@ -6721,4988 +6938,6 @@
       </p:grpSpPr>
       <p:sp>
         <p:nvSpPr>
-          <p:cNvPr id="3" name="Content Placeholder 2">
-            <a:extLst>
-              <a:ext uri="{FF2B5EF4-FFF2-40B4-BE49-F238E27FC236}">
-                <a16:creationId xmlns:a16="http://schemas.microsoft.com/office/drawing/2014/main" id="{07A68376-B585-E14E-9D3B-3DDBFB3E4329}"/>
-              </a:ext>
-            </a:extLst>
-          </p:cNvPr>
-          <p:cNvSpPr>
-            <a:spLocks noGrp="1"/>
-          </p:cNvSpPr>
-          <p:nvPr>
-            <p:ph idx="1"/>
-          </p:nvPr>
-        </p:nvSpPr>
-        <p:spPr>
-          <a:xfrm>
-            <a:off x="195209" y="164388"/>
-            <a:ext cx="8712485" cy="5332286"/>
-          </a:xfrm>
-        </p:spPr>
-        <p:txBody>
-          <a:bodyPr/>
-          <a:lstStyle/>
-          <a:p>
-            <a:pPr marL="0" indent="0">
-              <a:buNone/>
-            </a:pPr>
-            <a:r>
-              <a:rPr lang="en-US" dirty="0"/>
-              <a:t>You can use: </a:t>
-            </a:r>
-          </a:p>
-          <a:p>
-            <a:pPr marL="0" indent="0">
-              <a:buNone/>
-            </a:pPr>
-            <a:endParaRPr lang="en-US" dirty="0"/>
-          </a:p>
-          <a:p>
-            <a:pPr marL="0" indent="0">
-              <a:buNone/>
-            </a:pPr>
-            <a:r>
-              <a:rPr lang="en-US" dirty="0"/>
-              <a:t>1) </a:t>
-            </a:r>
-            <a:r>
-              <a:rPr lang="en-US" dirty="0" err="1"/>
-              <a:t>replit</a:t>
-            </a:r>
-            <a:r>
-              <a:rPr lang="en-US" dirty="0"/>
-              <a:t>: </a:t>
-            </a:r>
-            <a:r>
-              <a:rPr lang="en-US" dirty="0">
-                <a:solidFill>
-                  <a:srgbClr val="FF0000"/>
-                </a:solidFill>
-              </a:rPr>
-              <a:t>This is a highly recommended option for most students</a:t>
-            </a:r>
-            <a:r>
-              <a:rPr lang="en-US" dirty="0"/>
-              <a:t>. This will limit your create task to something simple without all of the debugging errors that come with Processing. </a:t>
-            </a:r>
-          </a:p>
-          <a:p>
-            <a:pPr marL="0" indent="0">
-              <a:buNone/>
-            </a:pPr>
-            <a:endParaRPr lang="en-US" dirty="0"/>
-          </a:p>
-          <a:p>
-            <a:pPr marL="0" indent="0">
-              <a:buNone/>
-            </a:pPr>
-            <a:r>
-              <a:rPr lang="en-US" dirty="0"/>
-              <a:t>2) </a:t>
-            </a:r>
-            <a:r>
-              <a:rPr lang="en-US" dirty="0">
-                <a:solidFill>
-                  <a:srgbClr val="FF0000"/>
-                </a:solidFill>
-              </a:rPr>
-              <a:t>Processing: I don't recommend this option. </a:t>
-            </a:r>
-          </a:p>
-          <a:p>
-            <a:pPr marL="0" indent="0">
-              <a:buNone/>
-            </a:pPr>
-            <a:endParaRPr lang="en-US" dirty="0"/>
-          </a:p>
-          <a:p>
-            <a:pPr marL="0" indent="0">
-              <a:buNone/>
-            </a:pPr>
-            <a:r>
-              <a:rPr lang="en-US" dirty="0"/>
-              <a:t>Students end up spending too much time on getting the program to work and less time on the free response answers and often score low on the task. </a:t>
-            </a:r>
-          </a:p>
-          <a:p>
-            <a:pPr marL="0" indent="0">
-              <a:buNone/>
-            </a:pPr>
-            <a:endParaRPr lang="en-US" dirty="0"/>
-          </a:p>
-          <a:p>
-            <a:pPr marL="0" indent="0">
-              <a:buNone/>
-            </a:pPr>
-            <a:r>
-              <a:rPr lang="en-US" dirty="0"/>
-              <a:t>Use only this option if you have done all of the labs and were able to get them to work without too much help. In fact, you'll need permission from me if you like to use Processing for your create task. </a:t>
-            </a:r>
-          </a:p>
-        </p:txBody>
-      </p:sp>
-    </p:spTree>
-    <p:extLst>
-      <p:ext uri="{BB962C8B-B14F-4D97-AF65-F5344CB8AC3E}">
-        <p14:creationId xmlns:p14="http://schemas.microsoft.com/office/powerpoint/2010/main" val="2699723502"/>
-      </p:ext>
-    </p:extLst>
-  </p:cSld>
-  <p:clrMapOvr>
-    <a:masterClrMapping/>
-  </p:clrMapOvr>
-  <p:timing>
-    <p:tnLst>
-      <p:par>
-        <p:cTn id="1" dur="indefinite" restart="never" nodeType="tmRoot">
-          <p:childTnLst>
-            <p:seq concurrent="1" nextAc="seek">
-              <p:cTn id="2" dur="indefinite" nodeType="mainSeq">
-                <p:childTnLst>
-                  <p:par>
-                    <p:cTn id="3" fill="hold">
-                      <p:stCondLst>
-                        <p:cond delay="indefinite"/>
-                      </p:stCondLst>
-                      <p:childTnLst>
-                        <p:par>
-                          <p:cTn id="4" fill="hold">
-                            <p:stCondLst>
-                              <p:cond delay="0"/>
-                            </p:stCondLst>
-                            <p:childTnLst>
-                              <p:par>
-                                <p:cTn id="5" presetID="1" presetClass="entr" presetSubtype="0" fill="hold" nodeType="clickEffect">
-                                  <p:stCondLst>
-                                    <p:cond delay="0"/>
-                                  </p:stCondLst>
-                                  <p:childTnLst>
-                                    <p:set>
-                                      <p:cBhvr>
-                                        <p:cTn id="6" dur="1" fill="hold">
-                                          <p:stCondLst>
-                                            <p:cond delay="0"/>
-                                          </p:stCondLst>
-                                        </p:cTn>
-                                        <p:tgtEl>
-                                          <p:spTgt spid="3">
-                                            <p:txEl>
-                                              <p:pRg st="4" end="4"/>
-                                            </p:txEl>
-                                          </p:spTgt>
-                                        </p:tgtEl>
-                                        <p:attrNameLst>
-                                          <p:attrName>style.visibility</p:attrName>
-                                        </p:attrNameLst>
-                                      </p:cBhvr>
-                                      <p:to>
-                                        <p:strVal val="visible"/>
-                                      </p:to>
-                                    </p:set>
-                                  </p:childTnLst>
-                                </p:cTn>
-                              </p:par>
-                            </p:childTnLst>
-                          </p:cTn>
-                        </p:par>
-                      </p:childTnLst>
-                    </p:cTn>
-                  </p:par>
-                  <p:par>
-                    <p:cTn id="7" fill="hold">
-                      <p:stCondLst>
-                        <p:cond delay="indefinite"/>
-                      </p:stCondLst>
-                      <p:childTnLst>
-                        <p:par>
-                          <p:cTn id="8" fill="hold">
-                            <p:stCondLst>
-                              <p:cond delay="0"/>
-                            </p:stCondLst>
-                            <p:childTnLst>
-                              <p:par>
-                                <p:cTn id="9" presetID="1" presetClass="entr" presetSubtype="0" fill="hold" nodeType="clickEffect">
-                                  <p:stCondLst>
-                                    <p:cond delay="0"/>
-                                  </p:stCondLst>
-                                  <p:childTnLst>
-                                    <p:set>
-                                      <p:cBhvr>
-                                        <p:cTn id="10" dur="1" fill="hold">
-                                          <p:stCondLst>
-                                            <p:cond delay="0"/>
-                                          </p:stCondLst>
-                                        </p:cTn>
-                                        <p:tgtEl>
-                                          <p:spTgt spid="3">
-                                            <p:txEl>
-                                              <p:pRg st="6" end="6"/>
-                                            </p:txEl>
-                                          </p:spTgt>
-                                        </p:tgtEl>
-                                        <p:attrNameLst>
-                                          <p:attrName>style.visibility</p:attrName>
-                                        </p:attrNameLst>
-                                      </p:cBhvr>
-                                      <p:to>
-                                        <p:strVal val="visible"/>
-                                      </p:to>
-                                    </p:set>
-                                  </p:childTnLst>
-                                </p:cTn>
-                              </p:par>
-                            </p:childTnLst>
-                          </p:cTn>
-                        </p:par>
-                      </p:childTnLst>
-                    </p:cTn>
-                  </p:par>
-                  <p:par>
-                    <p:cTn id="11" fill="hold">
-                      <p:stCondLst>
-                        <p:cond delay="indefinite"/>
-                      </p:stCondLst>
-                      <p:childTnLst>
-                        <p:par>
-                          <p:cTn id="12" fill="hold">
-                            <p:stCondLst>
-                              <p:cond delay="0"/>
-                            </p:stCondLst>
-                            <p:childTnLst>
-                              <p:par>
-                                <p:cTn id="13" presetID="1" presetClass="entr" presetSubtype="0" fill="hold" nodeType="clickEffect">
-                                  <p:stCondLst>
-                                    <p:cond delay="0"/>
-                                  </p:stCondLst>
-                                  <p:childTnLst>
-                                    <p:set>
-                                      <p:cBhvr>
-                                        <p:cTn id="14" dur="1" fill="hold">
-                                          <p:stCondLst>
-                                            <p:cond delay="0"/>
-                                          </p:stCondLst>
-                                        </p:cTn>
-                                        <p:tgtEl>
-                                          <p:spTgt spid="3">
-                                            <p:txEl>
-                                              <p:pRg st="8" end="8"/>
-                                            </p:txEl>
-                                          </p:spTgt>
-                                        </p:tgtEl>
-                                        <p:attrNameLst>
-                                          <p:attrName>style.visibility</p:attrName>
-                                        </p:attrNameLst>
-                                      </p:cBhvr>
-                                      <p:to>
-                                        <p:strVal val="visible"/>
-                                      </p:to>
-                                    </p:set>
-                                  </p:childTnLst>
-                                </p:cTn>
-                              </p:par>
-                            </p:childTnLst>
-                          </p:cTn>
-                        </p:par>
-                      </p:childTnLst>
-                    </p:cTn>
-                  </p:par>
-                </p:childTnLst>
-              </p:cTn>
-              <p:prevCondLst>
-                <p:cond evt="onPrev" delay="0">
-                  <p:tgtEl>
-                    <p:sldTgt/>
-                  </p:tgtEl>
-                </p:cond>
-              </p:prevCondLst>
-              <p:nextCondLst>
-                <p:cond evt="onNext" delay="0">
-                  <p:tgtEl>
-                    <p:sldTgt/>
-                  </p:tgtEl>
-                </p:cond>
-              </p:nextCondLst>
-            </p:seq>
-          </p:childTnLst>
-        </p:cTn>
-      </p:par>
-    </p:tnLst>
-  </p:timing>
-</p:sld>
-</file>
-
-<file path=ppt/slides/slide2.xml><?xml version="1.0" encoding="utf-8"?>
-<p:sld xmlns:a="http://schemas.openxmlformats.org/drawingml/2006/main" xmlns:r="http://schemas.openxmlformats.org/officeDocument/2006/relationships" xmlns:p="http://schemas.openxmlformats.org/presentationml/2006/main">
-  <p:cSld>
-    <p:spTree>
-      <p:nvGrpSpPr>
-        <p:cNvPr id="1" name=""/>
-        <p:cNvGrpSpPr/>
-        <p:nvPr/>
-      </p:nvGrpSpPr>
-      <p:grpSpPr>
-        <a:xfrm>
-          <a:off x="0" y="0"/>
-          <a:ext cx="0" cy="0"/>
-          <a:chOff x="0" y="0"/>
-          <a:chExt cx="0" cy="0"/>
-        </a:xfrm>
-      </p:grpSpPr>
-      <p:sp>
-        <p:nvSpPr>
-          <p:cNvPr id="16385" name="Rectangle 2">
-            <a:extLst>
-              <a:ext uri="{FF2B5EF4-FFF2-40B4-BE49-F238E27FC236}">
-                <a16:creationId xmlns:a16="http://schemas.microsoft.com/office/drawing/2014/main" id="{4498AE75-FAB7-A64A-B652-05526FC15FE3}"/>
-              </a:ext>
-            </a:extLst>
-          </p:cNvPr>
-          <p:cNvSpPr>
-            <a:spLocks noGrp="1" noChangeArrowheads="1"/>
-          </p:cNvSpPr>
-          <p:nvPr>
-            <p:ph type="title"/>
-          </p:nvPr>
-        </p:nvSpPr>
-        <p:spPr>
-          <a:xfrm>
-            <a:off x="238232" y="243221"/>
-            <a:ext cx="7886700" cy="648619"/>
-          </a:xfrm>
-        </p:spPr>
-        <p:txBody>
-          <a:bodyPr/>
-          <a:lstStyle/>
-          <a:p>
-            <a:pPr eaLnBrk="1" hangingPunct="1"/>
-            <a:r>
-              <a:rPr lang="en-US" altLang="en-US" sz="2333" dirty="0">
-                <a:ea typeface="ＭＳ Ｐゴシック" panose="020B0600070205080204" pitchFamily="34" charset="-128"/>
-              </a:rPr>
-              <a:t>Create Task</a:t>
-            </a:r>
-          </a:p>
-        </p:txBody>
-      </p:sp>
-      <p:sp>
-        <p:nvSpPr>
-          <p:cNvPr id="171011" name="Rectangle 3">
-            <a:extLst>
-              <a:ext uri="{FF2B5EF4-FFF2-40B4-BE49-F238E27FC236}">
-                <a16:creationId xmlns:a16="http://schemas.microsoft.com/office/drawing/2014/main" id="{A4934963-D788-7042-9063-DB3982108402}"/>
-              </a:ext>
-            </a:extLst>
-          </p:cNvPr>
-          <p:cNvSpPr>
-            <a:spLocks noGrp="1" noChangeArrowheads="1"/>
-          </p:cNvSpPr>
-          <p:nvPr>
-            <p:ph type="body" idx="1"/>
-          </p:nvPr>
-        </p:nvSpPr>
-        <p:spPr>
-          <a:xfrm>
-            <a:off x="238232" y="891840"/>
-            <a:ext cx="8277118" cy="4255629"/>
-          </a:xfrm>
-        </p:spPr>
-        <p:txBody>
-          <a:bodyPr/>
-          <a:lstStyle/>
-          <a:p>
-            <a:pPr marL="0" indent="0">
-              <a:buNone/>
-              <a:defRPr/>
-            </a:pPr>
-            <a:endParaRPr lang="en-US" sz="1667" dirty="0"/>
-          </a:p>
-          <a:p>
-            <a:pPr marL="0" indent="0">
-              <a:buNone/>
-              <a:defRPr/>
-            </a:pPr>
-            <a:endParaRPr lang="en-US" sz="1667" dirty="0"/>
-          </a:p>
-          <a:p>
-            <a:pPr eaLnBrk="1" hangingPunct="1">
-              <a:defRPr/>
-            </a:pPr>
-            <a:r>
-              <a:rPr lang="en-US" sz="1667" dirty="0"/>
-              <a:t>Written in Python</a:t>
-            </a:r>
-          </a:p>
-          <a:p>
-            <a:pPr eaLnBrk="1" hangingPunct="1">
-              <a:defRPr/>
-            </a:pPr>
-            <a:r>
-              <a:rPr lang="en-US" sz="1667" dirty="0"/>
-              <a:t>Processing or </a:t>
-            </a:r>
-            <a:r>
-              <a:rPr lang="en-US" sz="1667" dirty="0" err="1"/>
-              <a:t>replit</a:t>
-            </a:r>
-            <a:endParaRPr lang="en-US" sz="1667" dirty="0"/>
-          </a:p>
-          <a:p>
-            <a:pPr eaLnBrk="1" hangingPunct="1">
-              <a:defRPr/>
-            </a:pPr>
-            <a:r>
-              <a:rPr lang="en-US" sz="1667" dirty="0"/>
-              <a:t>Game, application, or mathematical simulation.</a:t>
-            </a:r>
-          </a:p>
-          <a:p>
-            <a:pPr marL="0" indent="0">
-              <a:buNone/>
-              <a:defRPr/>
-            </a:pPr>
-            <a:endParaRPr lang="en-US" sz="1667" dirty="0"/>
-          </a:p>
-          <a:p>
-            <a:pPr eaLnBrk="1" hangingPunct="1">
-              <a:defRPr/>
-            </a:pPr>
-            <a:endParaRPr lang="en-US" sz="1667" dirty="0"/>
-          </a:p>
-        </p:txBody>
-      </p:sp>
-    </p:spTree>
-    <p:extLst>
-      <p:ext uri="{BB962C8B-B14F-4D97-AF65-F5344CB8AC3E}">
-        <p14:creationId xmlns:p14="http://schemas.microsoft.com/office/powerpoint/2010/main" val="3370589591"/>
-      </p:ext>
-    </p:extLst>
-  </p:cSld>
-  <p:clrMapOvr>
-    <a:masterClrMapping/>
-  </p:clrMapOvr>
-</p:sld>
-</file>
-
-<file path=ppt/slides/slide20.xml><?xml version="1.0" encoding="utf-8"?>
-<p:sld xmlns:a="http://schemas.openxmlformats.org/drawingml/2006/main" xmlns:r="http://schemas.openxmlformats.org/officeDocument/2006/relationships" xmlns:p="http://schemas.openxmlformats.org/presentationml/2006/main">
-  <p:cSld>
-    <p:spTree>
-      <p:nvGrpSpPr>
-        <p:cNvPr id="1" name=""/>
-        <p:cNvGrpSpPr/>
-        <p:nvPr/>
-      </p:nvGrpSpPr>
-      <p:grpSpPr>
-        <a:xfrm>
-          <a:off x="0" y="0"/>
-          <a:ext cx="0" cy="0"/>
-          <a:chOff x="0" y="0"/>
-          <a:chExt cx="0" cy="0"/>
-        </a:xfrm>
-      </p:grpSpPr>
-      <p:sp>
-        <p:nvSpPr>
-          <p:cNvPr id="2" name="Title 1">
-            <a:extLst>
-              <a:ext uri="{FF2B5EF4-FFF2-40B4-BE49-F238E27FC236}">
-                <a16:creationId xmlns:a16="http://schemas.microsoft.com/office/drawing/2014/main" id="{2CAD482E-9621-034B-B5B9-A2A3E3815EBF}"/>
-              </a:ext>
-            </a:extLst>
-          </p:cNvPr>
-          <p:cNvSpPr>
-            <a:spLocks noGrp="1"/>
-          </p:cNvSpPr>
-          <p:nvPr>
-            <p:ph type="title"/>
-          </p:nvPr>
-        </p:nvSpPr>
-        <p:spPr>
-          <a:xfrm>
-            <a:off x="220687" y="191729"/>
-            <a:ext cx="7886700" cy="680468"/>
-          </a:xfrm>
-        </p:spPr>
-        <p:txBody>
-          <a:bodyPr/>
-          <a:lstStyle/>
-          <a:p>
-            <a:r>
-              <a:rPr lang="en-US" dirty="0"/>
-              <a:t>Create Task Example 1</a:t>
-            </a:r>
-          </a:p>
-        </p:txBody>
-      </p:sp>
-      <p:sp>
-        <p:nvSpPr>
-          <p:cNvPr id="3" name="Content Placeholder 2">
-            <a:extLst>
-              <a:ext uri="{FF2B5EF4-FFF2-40B4-BE49-F238E27FC236}">
-                <a16:creationId xmlns:a16="http://schemas.microsoft.com/office/drawing/2014/main" id="{BE9CE75A-CAA3-5646-AB61-E94C601FF013}"/>
-              </a:ext>
-            </a:extLst>
-          </p:cNvPr>
-          <p:cNvSpPr>
-            <a:spLocks noGrp="1"/>
-          </p:cNvSpPr>
-          <p:nvPr>
-            <p:ph idx="1"/>
-          </p:nvPr>
-        </p:nvSpPr>
-        <p:spPr>
-          <a:xfrm>
-            <a:off x="220687" y="872197"/>
-            <a:ext cx="8702626" cy="4651074"/>
-          </a:xfrm>
-        </p:spPr>
-        <p:txBody>
-          <a:bodyPr/>
-          <a:lstStyle/>
-          <a:p>
-            <a:pPr marL="0" indent="0">
-              <a:buNone/>
-            </a:pPr>
-            <a:r>
-              <a:rPr lang="en-US" dirty="0"/>
-              <a:t>We will walk through a full example of a Create Task. In this example, we will do a simple encryption program. Given a message </a:t>
-            </a:r>
-            <a:r>
-              <a:rPr lang="en-US" b="1" dirty="0"/>
-              <a:t>plaintext</a:t>
-            </a:r>
-            <a:r>
-              <a:rPr lang="en-US" dirty="0"/>
-              <a:t>, we like to encrypted into a secret message called </a:t>
-            </a:r>
-            <a:r>
-              <a:rPr lang="en-US" b="1" dirty="0"/>
-              <a:t>ciphertext</a:t>
-            </a:r>
-            <a:r>
-              <a:rPr lang="en-US" dirty="0"/>
-              <a:t>. </a:t>
-            </a:r>
-          </a:p>
-          <a:p>
-            <a:pPr marL="0" indent="0">
-              <a:buNone/>
-            </a:pPr>
-            <a:endParaRPr lang="en-US" dirty="0"/>
-          </a:p>
-          <a:p>
-            <a:pPr marL="0" indent="0">
-              <a:buNone/>
-            </a:pPr>
-            <a:r>
-              <a:rPr lang="en-US" dirty="0"/>
-              <a:t>We do this by simply substituting each letter with a different letter from a secret </a:t>
-            </a:r>
-            <a:r>
-              <a:rPr lang="en-US" b="1" dirty="0"/>
-              <a:t>key</a:t>
-            </a:r>
-            <a:r>
-              <a:rPr lang="en-US" dirty="0"/>
-              <a:t> which is some permutation of the alphabet.</a:t>
-            </a:r>
-          </a:p>
-          <a:p>
-            <a:pPr marL="0" indent="0">
-              <a:buNone/>
-            </a:pPr>
-            <a:endParaRPr lang="en-US" dirty="0"/>
-          </a:p>
-          <a:p>
-            <a:pPr marL="0" indent="0">
-              <a:buNone/>
-            </a:pPr>
-            <a:r>
-              <a:rPr lang="en-US" dirty="0"/>
-              <a:t>Sample key:  YTNSHKVEFXRBAUQZCLWDMIPGJO</a:t>
-            </a:r>
-          </a:p>
-          <a:p>
-            <a:pPr marL="0" indent="0">
-              <a:buNone/>
-            </a:pPr>
-            <a:endParaRPr lang="en-US" dirty="0"/>
-          </a:p>
-          <a:p>
-            <a:pPr marL="0" indent="0">
-              <a:buNone/>
-            </a:pPr>
-            <a:r>
-              <a:rPr lang="en-US" dirty="0"/>
-              <a:t>In this case, 'A' is replaced with 'Y', 'B' is replaced with 'T', </a:t>
-            </a:r>
-            <a:r>
-              <a:rPr lang="en-US" dirty="0" err="1"/>
-              <a:t>etc</a:t>
-            </a:r>
-            <a:r>
-              <a:rPr lang="en-US" dirty="0"/>
-              <a:t>…</a:t>
-            </a:r>
-          </a:p>
-          <a:p>
-            <a:pPr marL="0" indent="0">
-              <a:buNone/>
-            </a:pPr>
-            <a:r>
-              <a:rPr lang="en-US" dirty="0"/>
-              <a:t>This substitution is case sensitive 'a' is replaced with 'y', 'b' with 't', </a:t>
-            </a:r>
-            <a:r>
-              <a:rPr lang="en-US" dirty="0" err="1"/>
-              <a:t>etc</a:t>
-            </a:r>
-            <a:r>
-              <a:rPr lang="en-US" dirty="0"/>
-              <a:t>…</a:t>
-            </a:r>
-          </a:p>
-          <a:p>
-            <a:pPr marL="0" indent="0">
-              <a:buNone/>
-            </a:pPr>
-            <a:r>
-              <a:rPr lang="en-US" dirty="0"/>
-              <a:t>Any character not in the key is kept the same. </a:t>
-            </a:r>
-          </a:p>
-          <a:p>
-            <a:pPr marL="0" indent="0">
-              <a:buNone/>
-            </a:pPr>
-            <a:endParaRPr lang="en-US" dirty="0"/>
-          </a:p>
-          <a:p>
-            <a:pPr marL="0" indent="0">
-              <a:buNone/>
-            </a:pPr>
-            <a:endParaRPr lang="en-US" dirty="0"/>
-          </a:p>
-          <a:p>
-            <a:pPr marL="0" indent="0">
-              <a:buNone/>
-            </a:pPr>
-            <a:endParaRPr lang="en-US" dirty="0"/>
-          </a:p>
-        </p:txBody>
-      </p:sp>
-    </p:spTree>
-    <p:extLst>
-      <p:ext uri="{BB962C8B-B14F-4D97-AF65-F5344CB8AC3E}">
-        <p14:creationId xmlns:p14="http://schemas.microsoft.com/office/powerpoint/2010/main" val="2859835922"/>
-      </p:ext>
-    </p:extLst>
-  </p:cSld>
-  <p:clrMapOvr>
-    <a:masterClrMapping/>
-  </p:clrMapOvr>
-  <p:timing>
-    <p:tnLst>
-      <p:par>
-        <p:cTn id="1" dur="indefinite" restart="never" nodeType="tmRoot">
-          <p:childTnLst>
-            <p:seq concurrent="1" nextAc="seek">
-              <p:cTn id="2" dur="indefinite" nodeType="mainSeq">
-                <p:childTnLst>
-                  <p:par>
-                    <p:cTn id="3" fill="hold">
-                      <p:stCondLst>
-                        <p:cond delay="indefinite"/>
-                      </p:stCondLst>
-                      <p:childTnLst>
-                        <p:par>
-                          <p:cTn id="4" fill="hold">
-                            <p:stCondLst>
-                              <p:cond delay="0"/>
-                            </p:stCondLst>
-                            <p:childTnLst>
-                              <p:par>
-                                <p:cTn id="5" presetID="1" presetClass="entr" presetSubtype="0" fill="hold" nodeType="clickEffect">
-                                  <p:stCondLst>
-                                    <p:cond delay="0"/>
-                                  </p:stCondLst>
-                                  <p:childTnLst>
-                                    <p:set>
-                                      <p:cBhvr>
-                                        <p:cTn id="6" dur="1" fill="hold">
-                                          <p:stCondLst>
-                                            <p:cond delay="0"/>
-                                          </p:stCondLst>
-                                        </p:cTn>
-                                        <p:tgtEl>
-                                          <p:spTgt spid="3">
-                                            <p:txEl>
-                                              <p:pRg st="0" end="0"/>
-                                            </p:txEl>
-                                          </p:spTgt>
-                                        </p:tgtEl>
-                                        <p:attrNameLst>
-                                          <p:attrName>style.visibility</p:attrName>
-                                        </p:attrNameLst>
-                                      </p:cBhvr>
-                                      <p:to>
-                                        <p:strVal val="visible"/>
-                                      </p:to>
-                                    </p:set>
-                                  </p:childTnLst>
-                                </p:cTn>
-                              </p:par>
-                            </p:childTnLst>
-                          </p:cTn>
-                        </p:par>
-                      </p:childTnLst>
-                    </p:cTn>
-                  </p:par>
-                  <p:par>
-                    <p:cTn id="7" fill="hold">
-                      <p:stCondLst>
-                        <p:cond delay="indefinite"/>
-                      </p:stCondLst>
-                      <p:childTnLst>
-                        <p:par>
-                          <p:cTn id="8" fill="hold">
-                            <p:stCondLst>
-                              <p:cond delay="0"/>
-                            </p:stCondLst>
-                            <p:childTnLst>
-                              <p:par>
-                                <p:cTn id="9" presetID="1" presetClass="entr" presetSubtype="0" fill="hold" nodeType="clickEffect">
-                                  <p:stCondLst>
-                                    <p:cond delay="0"/>
-                                  </p:stCondLst>
-                                  <p:childTnLst>
-                                    <p:set>
-                                      <p:cBhvr>
-                                        <p:cTn id="10" dur="1" fill="hold">
-                                          <p:stCondLst>
-                                            <p:cond delay="0"/>
-                                          </p:stCondLst>
-                                        </p:cTn>
-                                        <p:tgtEl>
-                                          <p:spTgt spid="3">
-                                            <p:txEl>
-                                              <p:pRg st="2" end="2"/>
-                                            </p:txEl>
-                                          </p:spTgt>
-                                        </p:tgtEl>
-                                        <p:attrNameLst>
-                                          <p:attrName>style.visibility</p:attrName>
-                                        </p:attrNameLst>
-                                      </p:cBhvr>
-                                      <p:to>
-                                        <p:strVal val="visible"/>
-                                      </p:to>
-                                    </p:set>
-                                  </p:childTnLst>
-                                </p:cTn>
-                              </p:par>
-                            </p:childTnLst>
-                          </p:cTn>
-                        </p:par>
-                      </p:childTnLst>
-                    </p:cTn>
-                  </p:par>
-                  <p:par>
-                    <p:cTn id="11" fill="hold">
-                      <p:stCondLst>
-                        <p:cond delay="indefinite"/>
-                      </p:stCondLst>
-                      <p:childTnLst>
-                        <p:par>
-                          <p:cTn id="12" fill="hold">
-                            <p:stCondLst>
-                              <p:cond delay="0"/>
-                            </p:stCondLst>
-                            <p:childTnLst>
-                              <p:par>
-                                <p:cTn id="13" presetID="1" presetClass="entr" presetSubtype="0" fill="hold" nodeType="clickEffect">
-                                  <p:stCondLst>
-                                    <p:cond delay="0"/>
-                                  </p:stCondLst>
-                                  <p:childTnLst>
-                                    <p:set>
-                                      <p:cBhvr>
-                                        <p:cTn id="14" dur="1" fill="hold">
-                                          <p:stCondLst>
-                                            <p:cond delay="0"/>
-                                          </p:stCondLst>
-                                        </p:cTn>
-                                        <p:tgtEl>
-                                          <p:spTgt spid="3">
-                                            <p:txEl>
-                                              <p:pRg st="4" end="4"/>
-                                            </p:txEl>
-                                          </p:spTgt>
-                                        </p:tgtEl>
-                                        <p:attrNameLst>
-                                          <p:attrName>style.visibility</p:attrName>
-                                        </p:attrNameLst>
-                                      </p:cBhvr>
-                                      <p:to>
-                                        <p:strVal val="visible"/>
-                                      </p:to>
-                                    </p:set>
-                                  </p:childTnLst>
-                                </p:cTn>
-                              </p:par>
-                            </p:childTnLst>
-                          </p:cTn>
-                        </p:par>
-                      </p:childTnLst>
-                    </p:cTn>
-                  </p:par>
-                  <p:par>
-                    <p:cTn id="15" fill="hold">
-                      <p:stCondLst>
-                        <p:cond delay="indefinite"/>
-                      </p:stCondLst>
-                      <p:childTnLst>
-                        <p:par>
-                          <p:cTn id="16" fill="hold">
-                            <p:stCondLst>
-                              <p:cond delay="0"/>
-                            </p:stCondLst>
-                            <p:childTnLst>
-                              <p:par>
-                                <p:cTn id="17" presetID="1" presetClass="entr" presetSubtype="0" fill="hold" nodeType="clickEffect">
-                                  <p:stCondLst>
-                                    <p:cond delay="0"/>
-                                  </p:stCondLst>
-                                  <p:childTnLst>
-                                    <p:set>
-                                      <p:cBhvr>
-                                        <p:cTn id="18" dur="1" fill="hold">
-                                          <p:stCondLst>
-                                            <p:cond delay="0"/>
-                                          </p:stCondLst>
-                                        </p:cTn>
-                                        <p:tgtEl>
-                                          <p:spTgt spid="3">
-                                            <p:txEl>
-                                              <p:pRg st="6" end="6"/>
-                                            </p:txEl>
-                                          </p:spTgt>
-                                        </p:tgtEl>
-                                        <p:attrNameLst>
-                                          <p:attrName>style.visibility</p:attrName>
-                                        </p:attrNameLst>
-                                      </p:cBhvr>
-                                      <p:to>
-                                        <p:strVal val="visible"/>
-                                      </p:to>
-                                    </p:set>
-                                  </p:childTnLst>
-                                </p:cTn>
-                              </p:par>
-                            </p:childTnLst>
-                          </p:cTn>
-                        </p:par>
-                      </p:childTnLst>
-                    </p:cTn>
-                  </p:par>
-                  <p:par>
-                    <p:cTn id="19" fill="hold">
-                      <p:stCondLst>
-                        <p:cond delay="indefinite"/>
-                      </p:stCondLst>
-                      <p:childTnLst>
-                        <p:par>
-                          <p:cTn id="20" fill="hold">
-                            <p:stCondLst>
-                              <p:cond delay="0"/>
-                            </p:stCondLst>
-                            <p:childTnLst>
-                              <p:par>
-                                <p:cTn id="21" presetID="1" presetClass="entr" presetSubtype="0" fill="hold" nodeType="clickEffect">
-                                  <p:stCondLst>
-                                    <p:cond delay="0"/>
-                                  </p:stCondLst>
-                                  <p:childTnLst>
-                                    <p:set>
-                                      <p:cBhvr>
-                                        <p:cTn id="22" dur="1" fill="hold">
-                                          <p:stCondLst>
-                                            <p:cond delay="0"/>
-                                          </p:stCondLst>
-                                        </p:cTn>
-                                        <p:tgtEl>
-                                          <p:spTgt spid="3">
-                                            <p:txEl>
-                                              <p:pRg st="7" end="7"/>
-                                            </p:txEl>
-                                          </p:spTgt>
-                                        </p:tgtEl>
-                                        <p:attrNameLst>
-                                          <p:attrName>style.visibility</p:attrName>
-                                        </p:attrNameLst>
-                                      </p:cBhvr>
-                                      <p:to>
-                                        <p:strVal val="visible"/>
-                                      </p:to>
-                                    </p:set>
-                                  </p:childTnLst>
-                                </p:cTn>
-                              </p:par>
-                            </p:childTnLst>
-                          </p:cTn>
-                        </p:par>
-                      </p:childTnLst>
-                    </p:cTn>
-                  </p:par>
-                  <p:par>
-                    <p:cTn id="23" fill="hold">
-                      <p:stCondLst>
-                        <p:cond delay="indefinite"/>
-                      </p:stCondLst>
-                      <p:childTnLst>
-                        <p:par>
-                          <p:cTn id="24" fill="hold">
-                            <p:stCondLst>
-                              <p:cond delay="0"/>
-                            </p:stCondLst>
-                            <p:childTnLst>
-                              <p:par>
-                                <p:cTn id="25" presetID="1" presetClass="entr" presetSubtype="0" fill="hold" nodeType="clickEffect">
-                                  <p:stCondLst>
-                                    <p:cond delay="0"/>
-                                  </p:stCondLst>
-                                  <p:childTnLst>
-                                    <p:set>
-                                      <p:cBhvr>
-                                        <p:cTn id="26" dur="1" fill="hold">
-                                          <p:stCondLst>
-                                            <p:cond delay="0"/>
-                                          </p:stCondLst>
-                                        </p:cTn>
-                                        <p:tgtEl>
-                                          <p:spTgt spid="3">
-                                            <p:txEl>
-                                              <p:pRg st="8" end="8"/>
-                                            </p:txEl>
-                                          </p:spTgt>
-                                        </p:tgtEl>
-                                        <p:attrNameLst>
-                                          <p:attrName>style.visibility</p:attrName>
-                                        </p:attrNameLst>
-                                      </p:cBhvr>
-                                      <p:to>
-                                        <p:strVal val="visible"/>
-                                      </p:to>
-                                    </p:set>
-                                  </p:childTnLst>
-                                </p:cTn>
-                              </p:par>
-                            </p:childTnLst>
-                          </p:cTn>
-                        </p:par>
-                      </p:childTnLst>
-                    </p:cTn>
-                  </p:par>
-                </p:childTnLst>
-              </p:cTn>
-              <p:prevCondLst>
-                <p:cond evt="onPrev" delay="0">
-                  <p:tgtEl>
-                    <p:sldTgt/>
-                  </p:tgtEl>
-                </p:cond>
-              </p:prevCondLst>
-              <p:nextCondLst>
-                <p:cond evt="onNext" delay="0">
-                  <p:tgtEl>
-                    <p:sldTgt/>
-                  </p:tgtEl>
-                </p:cond>
-              </p:nextCondLst>
-            </p:seq>
-          </p:childTnLst>
-        </p:cTn>
-      </p:par>
-    </p:tnLst>
-  </p:timing>
-</p:sld>
-</file>
-
-<file path=ppt/slides/slide21.xml><?xml version="1.0" encoding="utf-8"?>
-<p:sld xmlns:a="http://schemas.openxmlformats.org/drawingml/2006/main" xmlns:r="http://schemas.openxmlformats.org/officeDocument/2006/relationships" xmlns:p="http://schemas.openxmlformats.org/presentationml/2006/main">
-  <p:cSld>
-    <p:spTree>
-      <p:nvGrpSpPr>
-        <p:cNvPr id="1" name=""/>
-        <p:cNvGrpSpPr/>
-        <p:nvPr/>
-      </p:nvGrpSpPr>
-      <p:grpSpPr>
-        <a:xfrm>
-          <a:off x="0" y="0"/>
-          <a:ext cx="0" cy="0"/>
-          <a:chOff x="0" y="0"/>
-          <a:chExt cx="0" cy="0"/>
-        </a:xfrm>
-      </p:grpSpPr>
-      <p:sp>
-        <p:nvSpPr>
-          <p:cNvPr id="2" name="Title 1">
-            <a:extLst>
-              <a:ext uri="{FF2B5EF4-FFF2-40B4-BE49-F238E27FC236}">
-                <a16:creationId xmlns:a16="http://schemas.microsoft.com/office/drawing/2014/main" id="{2CAD482E-9621-034B-B5B9-A2A3E3815EBF}"/>
-              </a:ext>
-            </a:extLst>
-          </p:cNvPr>
-          <p:cNvSpPr>
-            <a:spLocks noGrp="1"/>
-          </p:cNvSpPr>
-          <p:nvPr>
-            <p:ph type="title"/>
-          </p:nvPr>
-        </p:nvSpPr>
-        <p:spPr>
-          <a:xfrm>
-            <a:off x="220687" y="191729"/>
-            <a:ext cx="7886700" cy="680468"/>
-          </a:xfrm>
-        </p:spPr>
-        <p:txBody>
-          <a:bodyPr/>
-          <a:lstStyle/>
-          <a:p>
-            <a:r>
-              <a:rPr lang="en-US" dirty="0"/>
-              <a:t>Create Task Example 1</a:t>
-            </a:r>
-          </a:p>
-        </p:txBody>
-      </p:sp>
-      <p:sp>
-        <p:nvSpPr>
-          <p:cNvPr id="3" name="Content Placeholder 2">
-            <a:extLst>
-              <a:ext uri="{FF2B5EF4-FFF2-40B4-BE49-F238E27FC236}">
-                <a16:creationId xmlns:a16="http://schemas.microsoft.com/office/drawing/2014/main" id="{BE9CE75A-CAA3-5646-AB61-E94C601FF013}"/>
-              </a:ext>
-            </a:extLst>
-          </p:cNvPr>
-          <p:cNvSpPr>
-            <a:spLocks noGrp="1"/>
-          </p:cNvSpPr>
-          <p:nvPr>
-            <p:ph idx="1"/>
-          </p:nvPr>
-        </p:nvSpPr>
-        <p:spPr>
-          <a:xfrm>
-            <a:off x="220687" y="872197"/>
-            <a:ext cx="8501282" cy="4487593"/>
-          </a:xfrm>
-        </p:spPr>
-        <p:txBody>
-          <a:bodyPr/>
-          <a:lstStyle/>
-          <a:p>
-            <a:pPr marL="0" indent="0">
-              <a:buNone/>
-            </a:pPr>
-            <a:endParaRPr lang="en-US" dirty="0"/>
-          </a:p>
-          <a:p>
-            <a:pPr marL="0" indent="0">
-              <a:buNone/>
-            </a:pPr>
-            <a:r>
-              <a:rPr lang="en-US" dirty="0"/>
-              <a:t>Sample key:  YTNSHKVEFXRBAUQZCLWDMIPGJO</a:t>
-            </a:r>
-          </a:p>
-          <a:p>
-            <a:pPr marL="0" indent="0">
-              <a:buNone/>
-            </a:pPr>
-            <a:endParaRPr lang="en-US" dirty="0"/>
-          </a:p>
-          <a:p>
-            <a:pPr marL="0" indent="0">
-              <a:buNone/>
-            </a:pPr>
-            <a:r>
-              <a:rPr lang="en-US" dirty="0"/>
-              <a:t>If the plaintext is 'cat', the </a:t>
-            </a:r>
-            <a:r>
-              <a:rPr lang="en-US" dirty="0" err="1"/>
-              <a:t>cipertext</a:t>
-            </a:r>
-            <a:r>
-              <a:rPr lang="en-US" dirty="0"/>
-              <a:t> is '</a:t>
-            </a:r>
-            <a:r>
-              <a:rPr lang="en-US" dirty="0" err="1"/>
-              <a:t>nyd</a:t>
-            </a:r>
-            <a:r>
-              <a:rPr lang="en-US" dirty="0"/>
-              <a:t>'.</a:t>
-            </a:r>
-          </a:p>
-          <a:p>
-            <a:pPr marL="0" indent="0">
-              <a:buNone/>
-            </a:pPr>
-            <a:endParaRPr lang="en-US" dirty="0"/>
-          </a:p>
-          <a:p>
-            <a:pPr marL="0" indent="0">
-              <a:buNone/>
-            </a:pPr>
-            <a:r>
-              <a:rPr lang="en-US" dirty="0"/>
-              <a:t>If the plaintext is 'Cat', the </a:t>
-            </a:r>
-            <a:r>
-              <a:rPr lang="en-US" dirty="0" err="1"/>
-              <a:t>cipertext</a:t>
-            </a:r>
-            <a:r>
-              <a:rPr lang="en-US" dirty="0"/>
-              <a:t> is '</a:t>
-            </a:r>
-            <a:r>
-              <a:rPr lang="en-US" dirty="0" err="1"/>
-              <a:t>Nyd</a:t>
-            </a:r>
-            <a:r>
-              <a:rPr lang="en-US" dirty="0"/>
-              <a:t>'.</a:t>
-            </a:r>
-          </a:p>
-          <a:p>
-            <a:pPr marL="0" indent="0">
-              <a:buNone/>
-            </a:pPr>
-            <a:endParaRPr lang="en-US" dirty="0"/>
-          </a:p>
-          <a:p>
-            <a:pPr marL="0" indent="0">
-              <a:buNone/>
-            </a:pPr>
-            <a:r>
-              <a:rPr lang="en-US" dirty="0"/>
-              <a:t>If the plaintext is 'Cat123', the </a:t>
-            </a:r>
-            <a:r>
-              <a:rPr lang="en-US" dirty="0" err="1"/>
-              <a:t>cipertext</a:t>
-            </a:r>
-            <a:r>
-              <a:rPr lang="en-US" dirty="0"/>
-              <a:t> is 'Nyd123'.</a:t>
-            </a:r>
-          </a:p>
-          <a:p>
-            <a:pPr marL="0" indent="0">
-              <a:buNone/>
-            </a:pPr>
-            <a:endParaRPr lang="en-US" dirty="0"/>
-          </a:p>
-          <a:p>
-            <a:pPr marL="0" indent="0">
-              <a:buNone/>
-            </a:pPr>
-            <a:endParaRPr lang="en-US" dirty="0"/>
-          </a:p>
-          <a:p>
-            <a:pPr marL="0" indent="0">
-              <a:buNone/>
-            </a:pPr>
-            <a:endParaRPr lang="en-US" dirty="0"/>
-          </a:p>
-          <a:p>
-            <a:pPr marL="0" indent="0">
-              <a:buNone/>
-            </a:pPr>
-            <a:endParaRPr lang="en-US" dirty="0"/>
-          </a:p>
-          <a:p>
-            <a:pPr marL="0" indent="0">
-              <a:buNone/>
-            </a:pPr>
-            <a:endParaRPr lang="en-US" dirty="0"/>
-          </a:p>
-        </p:txBody>
-      </p:sp>
-    </p:spTree>
-    <p:extLst>
-      <p:ext uri="{BB962C8B-B14F-4D97-AF65-F5344CB8AC3E}">
-        <p14:creationId xmlns:p14="http://schemas.microsoft.com/office/powerpoint/2010/main" val="472026148"/>
-      </p:ext>
-    </p:extLst>
-  </p:cSld>
-  <p:clrMapOvr>
-    <a:masterClrMapping/>
-  </p:clrMapOvr>
-  <p:timing>
-    <p:tnLst>
-      <p:par>
-        <p:cTn id="1" dur="indefinite" restart="never" nodeType="tmRoot">
-          <p:childTnLst>
-            <p:seq concurrent="1" nextAc="seek">
-              <p:cTn id="2" dur="indefinite" nodeType="mainSeq">
-                <p:childTnLst>
-                  <p:par>
-                    <p:cTn id="3" fill="hold">
-                      <p:stCondLst>
-                        <p:cond delay="indefinite"/>
-                      </p:stCondLst>
-                      <p:childTnLst>
-                        <p:par>
-                          <p:cTn id="4" fill="hold">
-                            <p:stCondLst>
-                              <p:cond delay="0"/>
-                            </p:stCondLst>
-                            <p:childTnLst>
-                              <p:par>
-                                <p:cTn id="5" presetID="1" presetClass="entr" presetSubtype="0" fill="hold" nodeType="clickEffect">
-                                  <p:stCondLst>
-                                    <p:cond delay="0"/>
-                                  </p:stCondLst>
-                                  <p:childTnLst>
-                                    <p:set>
-                                      <p:cBhvr>
-                                        <p:cTn id="6" dur="1" fill="hold">
-                                          <p:stCondLst>
-                                            <p:cond delay="0"/>
-                                          </p:stCondLst>
-                                        </p:cTn>
-                                        <p:tgtEl>
-                                          <p:spTgt spid="3">
-                                            <p:txEl>
-                                              <p:pRg st="3" end="3"/>
-                                            </p:txEl>
-                                          </p:spTgt>
-                                        </p:tgtEl>
-                                        <p:attrNameLst>
-                                          <p:attrName>style.visibility</p:attrName>
-                                        </p:attrNameLst>
-                                      </p:cBhvr>
-                                      <p:to>
-                                        <p:strVal val="visible"/>
-                                      </p:to>
-                                    </p:set>
-                                  </p:childTnLst>
-                                </p:cTn>
-                              </p:par>
-                            </p:childTnLst>
-                          </p:cTn>
-                        </p:par>
-                      </p:childTnLst>
-                    </p:cTn>
-                  </p:par>
-                  <p:par>
-                    <p:cTn id="7" fill="hold">
-                      <p:stCondLst>
-                        <p:cond delay="indefinite"/>
-                      </p:stCondLst>
-                      <p:childTnLst>
-                        <p:par>
-                          <p:cTn id="8" fill="hold">
-                            <p:stCondLst>
-                              <p:cond delay="0"/>
-                            </p:stCondLst>
-                            <p:childTnLst>
-                              <p:par>
-                                <p:cTn id="9" presetID="1" presetClass="entr" presetSubtype="0" fill="hold" nodeType="clickEffect">
-                                  <p:stCondLst>
-                                    <p:cond delay="0"/>
-                                  </p:stCondLst>
-                                  <p:childTnLst>
-                                    <p:set>
-                                      <p:cBhvr>
-                                        <p:cTn id="10" dur="1" fill="hold">
-                                          <p:stCondLst>
-                                            <p:cond delay="0"/>
-                                          </p:stCondLst>
-                                        </p:cTn>
-                                        <p:tgtEl>
-                                          <p:spTgt spid="3">
-                                            <p:txEl>
-                                              <p:pRg st="5" end="5"/>
-                                            </p:txEl>
-                                          </p:spTgt>
-                                        </p:tgtEl>
-                                        <p:attrNameLst>
-                                          <p:attrName>style.visibility</p:attrName>
-                                        </p:attrNameLst>
-                                      </p:cBhvr>
-                                      <p:to>
-                                        <p:strVal val="visible"/>
-                                      </p:to>
-                                    </p:set>
-                                  </p:childTnLst>
-                                </p:cTn>
-                              </p:par>
-                            </p:childTnLst>
-                          </p:cTn>
-                        </p:par>
-                      </p:childTnLst>
-                    </p:cTn>
-                  </p:par>
-                  <p:par>
-                    <p:cTn id="11" fill="hold">
-                      <p:stCondLst>
-                        <p:cond delay="indefinite"/>
-                      </p:stCondLst>
-                      <p:childTnLst>
-                        <p:par>
-                          <p:cTn id="12" fill="hold">
-                            <p:stCondLst>
-                              <p:cond delay="0"/>
-                            </p:stCondLst>
-                            <p:childTnLst>
-                              <p:par>
-                                <p:cTn id="13" presetID="1" presetClass="entr" presetSubtype="0" fill="hold" nodeType="clickEffect">
-                                  <p:stCondLst>
-                                    <p:cond delay="0"/>
-                                  </p:stCondLst>
-                                  <p:childTnLst>
-                                    <p:set>
-                                      <p:cBhvr>
-                                        <p:cTn id="14" dur="1" fill="hold">
-                                          <p:stCondLst>
-                                            <p:cond delay="0"/>
-                                          </p:stCondLst>
-                                        </p:cTn>
-                                        <p:tgtEl>
-                                          <p:spTgt spid="3">
-                                            <p:txEl>
-                                              <p:pRg st="7" end="7"/>
-                                            </p:txEl>
-                                          </p:spTgt>
-                                        </p:tgtEl>
-                                        <p:attrNameLst>
-                                          <p:attrName>style.visibility</p:attrName>
-                                        </p:attrNameLst>
-                                      </p:cBhvr>
-                                      <p:to>
-                                        <p:strVal val="visible"/>
-                                      </p:to>
-                                    </p:set>
-                                  </p:childTnLst>
-                                </p:cTn>
-                              </p:par>
-                            </p:childTnLst>
-                          </p:cTn>
-                        </p:par>
-                      </p:childTnLst>
-                    </p:cTn>
-                  </p:par>
-                </p:childTnLst>
-              </p:cTn>
-              <p:prevCondLst>
-                <p:cond evt="onPrev" delay="0">
-                  <p:tgtEl>
-                    <p:sldTgt/>
-                  </p:tgtEl>
-                </p:cond>
-              </p:prevCondLst>
-              <p:nextCondLst>
-                <p:cond evt="onNext" delay="0">
-                  <p:tgtEl>
-                    <p:sldTgt/>
-                  </p:tgtEl>
-                </p:cond>
-              </p:nextCondLst>
-            </p:seq>
-          </p:childTnLst>
-        </p:cTn>
-      </p:par>
-    </p:tnLst>
-  </p:timing>
-</p:sld>
-</file>
-
-<file path=ppt/slides/slide22.xml><?xml version="1.0" encoding="utf-8"?>
-<p:sld xmlns:a="http://schemas.openxmlformats.org/drawingml/2006/main" xmlns:r="http://schemas.openxmlformats.org/officeDocument/2006/relationships" xmlns:p="http://schemas.openxmlformats.org/presentationml/2006/main">
-  <p:cSld>
-    <p:spTree>
-      <p:nvGrpSpPr>
-        <p:cNvPr id="1" name=""/>
-        <p:cNvGrpSpPr/>
-        <p:nvPr/>
-      </p:nvGrpSpPr>
-      <p:grpSpPr>
-        <a:xfrm>
-          <a:off x="0" y="0"/>
-          <a:ext cx="0" cy="0"/>
-          <a:chOff x="0" y="0"/>
-          <a:chExt cx="0" cy="0"/>
-        </a:xfrm>
-      </p:grpSpPr>
-      <p:sp>
-        <p:nvSpPr>
-          <p:cNvPr id="2" name="Title 1">
-            <a:extLst>
-              <a:ext uri="{FF2B5EF4-FFF2-40B4-BE49-F238E27FC236}">
-                <a16:creationId xmlns:a16="http://schemas.microsoft.com/office/drawing/2014/main" id="{2CAD482E-9621-034B-B5B9-A2A3E3815EBF}"/>
-              </a:ext>
-            </a:extLst>
-          </p:cNvPr>
-          <p:cNvSpPr>
-            <a:spLocks noGrp="1"/>
-          </p:cNvSpPr>
-          <p:nvPr>
-            <p:ph type="title"/>
-          </p:nvPr>
-        </p:nvSpPr>
-        <p:spPr>
-          <a:xfrm>
-            <a:off x="220687" y="191729"/>
-            <a:ext cx="7886700" cy="680468"/>
-          </a:xfrm>
-        </p:spPr>
-        <p:txBody>
-          <a:bodyPr/>
-          <a:lstStyle/>
-          <a:p>
-            <a:r>
-              <a:rPr lang="en-US" dirty="0"/>
-              <a:t>Create Task Example 1</a:t>
-            </a:r>
-          </a:p>
-        </p:txBody>
-      </p:sp>
-      <p:sp>
-        <p:nvSpPr>
-          <p:cNvPr id="3" name="Content Placeholder 2">
-            <a:extLst>
-              <a:ext uri="{FF2B5EF4-FFF2-40B4-BE49-F238E27FC236}">
-                <a16:creationId xmlns:a16="http://schemas.microsoft.com/office/drawing/2014/main" id="{BE9CE75A-CAA3-5646-AB61-E94C601FF013}"/>
-              </a:ext>
-            </a:extLst>
-          </p:cNvPr>
-          <p:cNvSpPr>
-            <a:spLocks noGrp="1"/>
-          </p:cNvSpPr>
-          <p:nvPr>
-            <p:ph idx="1"/>
-          </p:nvPr>
-        </p:nvSpPr>
-        <p:spPr>
-          <a:xfrm>
-            <a:off x="220687" y="872197"/>
-            <a:ext cx="8501282" cy="4487593"/>
-          </a:xfrm>
-        </p:spPr>
-        <p:txBody>
-          <a:bodyPr/>
-          <a:lstStyle/>
-          <a:p>
-            <a:pPr marL="0" indent="0">
-              <a:buNone/>
-            </a:pPr>
-            <a:r>
-              <a:rPr lang="en-US" dirty="0"/>
-              <a:t>Some preliminaries:</a:t>
-            </a:r>
-          </a:p>
-          <a:p>
-            <a:pPr marL="0" indent="0">
-              <a:buNone/>
-            </a:pPr>
-            <a:endParaRPr lang="en-US" dirty="0"/>
-          </a:p>
-          <a:p>
-            <a:pPr marL="0" indent="0">
-              <a:buNone/>
-            </a:pPr>
-            <a:r>
-              <a:rPr lang="en-US" dirty="0" err="1"/>
-              <a:t>ord</a:t>
-            </a:r>
-            <a:r>
-              <a:rPr lang="en-US" dirty="0"/>
-              <a:t>() converts a single Unicode character to its integer code point.</a:t>
-            </a:r>
-            <a:endParaRPr lang="en-US" sz="2000" b="1" dirty="0">
-              <a:solidFill>
-                <a:srgbClr val="000087"/>
-              </a:solidFill>
-              <a:latin typeface="Inconsolata" panose="020B0609030003000000" pitchFamily="49" charset="77"/>
-            </a:endParaRPr>
-          </a:p>
-          <a:p>
-            <a:pPr marL="0" indent="0">
-              <a:buNone/>
-            </a:pPr>
-            <a:endParaRPr lang="en-US" sz="2000" b="1" dirty="0">
-              <a:solidFill>
-                <a:srgbClr val="000087"/>
-              </a:solidFill>
-              <a:latin typeface="Inconsolata" panose="020B0609030003000000" pitchFamily="49" charset="77"/>
-            </a:endParaRPr>
-          </a:p>
-          <a:p>
-            <a:pPr marL="0" indent="0">
-              <a:buNone/>
-            </a:pPr>
-            <a:r>
-              <a:rPr lang="en-US" sz="2000" b="1" dirty="0">
-                <a:solidFill>
-                  <a:srgbClr val="000087"/>
-                </a:solidFill>
-                <a:latin typeface="Inconsolata" panose="020B0609030003000000" pitchFamily="49" charset="77"/>
-              </a:rPr>
-              <a:t>In </a:t>
-            </a:r>
-            <a:r>
-              <a:rPr lang="en-US" sz="2000" b="1" dirty="0">
-                <a:latin typeface="Inconsolata" panose="020B0609030003000000" pitchFamily="49" charset="77"/>
-              </a:rPr>
-              <a:t>[</a:t>
-            </a:r>
-            <a:r>
-              <a:rPr lang="en-US" sz="2000" b="1" dirty="0">
-                <a:solidFill>
-                  <a:srgbClr val="FF6600"/>
-                </a:solidFill>
-                <a:latin typeface="Inconsolata" panose="020B0609030003000000" pitchFamily="49" charset="77"/>
-              </a:rPr>
-              <a:t>1</a:t>
-            </a:r>
-            <a:r>
-              <a:rPr lang="en-US" sz="2000" b="1" dirty="0">
-                <a:latin typeface="Inconsolata" panose="020B0609030003000000" pitchFamily="49" charset="77"/>
-              </a:rPr>
-              <a:t>]: </a:t>
-            </a:r>
-            <a:r>
-              <a:rPr lang="en-US" sz="2000" dirty="0" err="1">
-                <a:solidFill>
-                  <a:srgbClr val="204A87"/>
-                </a:solidFill>
-              </a:rPr>
-              <a:t>ord</a:t>
-            </a:r>
-            <a:r>
-              <a:rPr lang="en-US" sz="2000" dirty="0">
-                <a:solidFill>
-                  <a:srgbClr val="000000"/>
-                </a:solidFill>
-              </a:rPr>
-              <a:t>('A</a:t>
-            </a:r>
-            <a:r>
-              <a:rPr lang="en-US" sz="2000" b="1" dirty="0"/>
-              <a:t>'</a:t>
-            </a:r>
-            <a:r>
-              <a:rPr lang="en-US" sz="2000" dirty="0">
-                <a:solidFill>
-                  <a:srgbClr val="000000"/>
-                </a:solidFill>
-              </a:rPr>
-              <a:t>)</a:t>
-            </a:r>
-          </a:p>
-          <a:p>
-            <a:pPr marL="0" indent="0">
-              <a:buNone/>
-            </a:pPr>
-            <a:r>
-              <a:rPr lang="en-US" sz="2000" b="1" dirty="0">
-                <a:latin typeface="Inconsolata" panose="020B0609030003000000" pitchFamily="49" charset="77"/>
-              </a:rPr>
-              <a:t>Out [1]: 65</a:t>
-            </a:r>
-            <a:endParaRPr lang="en-US" sz="2000" b="1" dirty="0">
-              <a:solidFill>
-                <a:srgbClr val="000000"/>
-              </a:solidFill>
-              <a:latin typeface="Inconsolata" panose="020B0609030003000000" pitchFamily="49" charset="77"/>
-            </a:endParaRPr>
-          </a:p>
-          <a:p>
-            <a:pPr marL="0" indent="0">
-              <a:buNone/>
-            </a:pPr>
-            <a:r>
-              <a:rPr lang="en-US" sz="2000" b="1" dirty="0">
-                <a:solidFill>
-                  <a:srgbClr val="000087"/>
-                </a:solidFill>
-                <a:latin typeface="Inconsolata" panose="020B0609030003000000" pitchFamily="49" charset="77"/>
-              </a:rPr>
-              <a:t>In </a:t>
-            </a:r>
-            <a:r>
-              <a:rPr lang="en-US" sz="2000" b="1" dirty="0">
-                <a:latin typeface="Inconsolata" panose="020B0609030003000000" pitchFamily="49" charset="77"/>
-              </a:rPr>
-              <a:t>[</a:t>
-            </a:r>
-            <a:r>
-              <a:rPr lang="en-US" sz="2000" b="1" dirty="0">
-                <a:solidFill>
-                  <a:srgbClr val="FF6600"/>
-                </a:solidFill>
-                <a:latin typeface="Inconsolata" panose="020B0609030003000000" pitchFamily="49" charset="77"/>
-              </a:rPr>
-              <a:t>2</a:t>
-            </a:r>
-            <a:r>
-              <a:rPr lang="en-US" sz="2000" b="1" dirty="0">
-                <a:latin typeface="Inconsolata" panose="020B0609030003000000" pitchFamily="49" charset="77"/>
-              </a:rPr>
-              <a:t>]: </a:t>
-            </a:r>
-            <a:r>
-              <a:rPr lang="en-US" sz="2000" dirty="0" err="1">
-                <a:solidFill>
-                  <a:srgbClr val="204A87"/>
-                </a:solidFill>
-              </a:rPr>
-              <a:t>ord</a:t>
-            </a:r>
-            <a:r>
-              <a:rPr lang="en-US" sz="2000" dirty="0">
-                <a:solidFill>
-                  <a:srgbClr val="000000"/>
-                </a:solidFill>
-              </a:rPr>
-              <a:t>('a</a:t>
-            </a:r>
-            <a:r>
-              <a:rPr lang="en-US" sz="2000" b="1" dirty="0"/>
-              <a:t>'</a:t>
-            </a:r>
-            <a:r>
-              <a:rPr lang="en-US" sz="2000" dirty="0">
-                <a:solidFill>
-                  <a:srgbClr val="000000"/>
-                </a:solidFill>
-              </a:rPr>
-              <a:t>)</a:t>
-            </a:r>
-          </a:p>
-          <a:p>
-            <a:pPr marL="0" indent="0">
-              <a:buNone/>
-            </a:pPr>
-            <a:r>
-              <a:rPr lang="en-US" sz="2000" b="1" dirty="0">
-                <a:latin typeface="Inconsolata" panose="020B0609030003000000" pitchFamily="49" charset="77"/>
-              </a:rPr>
-              <a:t>Out [2]: 97</a:t>
-            </a:r>
-            <a:endParaRPr lang="en-US" sz="2000" b="1" dirty="0">
-              <a:solidFill>
-                <a:srgbClr val="000000"/>
-              </a:solidFill>
-              <a:latin typeface="Inconsolata" panose="020B0609030003000000" pitchFamily="49" charset="77"/>
-            </a:endParaRPr>
-          </a:p>
-          <a:p>
-            <a:pPr marL="0" indent="0">
-              <a:buNone/>
-            </a:pPr>
-            <a:r>
-              <a:rPr lang="en-US" sz="2000" b="1" dirty="0">
-                <a:solidFill>
-                  <a:srgbClr val="000087"/>
-                </a:solidFill>
-                <a:latin typeface="Inconsolata" panose="020B0609030003000000" pitchFamily="49" charset="77"/>
-              </a:rPr>
-              <a:t>In </a:t>
-            </a:r>
-            <a:r>
-              <a:rPr lang="en-US" sz="2000" b="1" dirty="0">
-                <a:latin typeface="Inconsolata" panose="020B0609030003000000" pitchFamily="49" charset="77"/>
-              </a:rPr>
-              <a:t>[</a:t>
-            </a:r>
-            <a:r>
-              <a:rPr lang="en-US" sz="2000" b="1" dirty="0">
-                <a:solidFill>
-                  <a:srgbClr val="FF6600"/>
-                </a:solidFill>
-                <a:latin typeface="Inconsolata" panose="020B0609030003000000" pitchFamily="49" charset="77"/>
-              </a:rPr>
-              <a:t>2</a:t>
-            </a:r>
-            <a:r>
-              <a:rPr lang="en-US" sz="2000" b="1" dirty="0">
-                <a:latin typeface="Inconsolata" panose="020B0609030003000000" pitchFamily="49" charset="77"/>
-              </a:rPr>
-              <a:t>]: </a:t>
-            </a:r>
-            <a:r>
-              <a:rPr lang="en-US" sz="2000" dirty="0" err="1">
-                <a:solidFill>
-                  <a:srgbClr val="204A87"/>
-                </a:solidFill>
-              </a:rPr>
-              <a:t>ord</a:t>
-            </a:r>
-            <a:r>
-              <a:rPr lang="en-US" sz="2000" dirty="0">
-                <a:solidFill>
-                  <a:srgbClr val="000000"/>
-                </a:solidFill>
-              </a:rPr>
-              <a:t>('</a:t>
-            </a:r>
-            <a:r>
-              <a:rPr lang="en-US" sz="2000" b="1" dirty="0"/>
-              <a:t>😀'</a:t>
-            </a:r>
-            <a:r>
-              <a:rPr lang="en-US" sz="2000" dirty="0">
-                <a:solidFill>
-                  <a:srgbClr val="000000"/>
-                </a:solidFill>
-              </a:rPr>
-              <a:t>)</a:t>
-            </a:r>
-          </a:p>
-          <a:p>
-            <a:pPr marL="0" indent="0">
-              <a:buNone/>
-            </a:pPr>
-            <a:r>
-              <a:rPr lang="en-US" sz="2000" b="1" dirty="0">
-                <a:latin typeface="Inconsolata" panose="020B0609030003000000" pitchFamily="49" charset="77"/>
-              </a:rPr>
-              <a:t>Out [2]: 128512</a:t>
-            </a:r>
-            <a:endParaRPr lang="en-US" sz="2000" b="1" dirty="0">
-              <a:solidFill>
-                <a:srgbClr val="000000"/>
-              </a:solidFill>
-              <a:latin typeface="Inconsolata" panose="020B0609030003000000" pitchFamily="49" charset="77"/>
-            </a:endParaRPr>
-          </a:p>
-          <a:p>
-            <a:pPr marL="0" indent="0">
-              <a:buNone/>
-            </a:pPr>
-            <a:endParaRPr lang="en-US" sz="2000" dirty="0"/>
-          </a:p>
-          <a:p>
-            <a:pPr marL="0" indent="0">
-              <a:buNone/>
-            </a:pPr>
-            <a:endParaRPr lang="en-US" dirty="0"/>
-          </a:p>
-          <a:p>
-            <a:pPr marL="0" indent="0">
-              <a:buNone/>
-            </a:pPr>
-            <a:endParaRPr lang="en-US" dirty="0"/>
-          </a:p>
-          <a:p>
-            <a:pPr marL="0" indent="0">
-              <a:buNone/>
-            </a:pPr>
-            <a:endParaRPr lang="en-US" dirty="0"/>
-          </a:p>
-        </p:txBody>
-      </p:sp>
-    </p:spTree>
-    <p:extLst>
-      <p:ext uri="{BB962C8B-B14F-4D97-AF65-F5344CB8AC3E}">
-        <p14:creationId xmlns:p14="http://schemas.microsoft.com/office/powerpoint/2010/main" val="1886395027"/>
-      </p:ext>
-    </p:extLst>
-  </p:cSld>
-  <p:clrMapOvr>
-    <a:masterClrMapping/>
-  </p:clrMapOvr>
-  <p:timing>
-    <p:tnLst>
-      <p:par>
-        <p:cTn id="1" dur="indefinite" restart="never" nodeType="tmRoot">
-          <p:childTnLst>
-            <p:seq concurrent="1" nextAc="seek">
-              <p:cTn id="2" dur="indefinite" nodeType="mainSeq">
-                <p:childTnLst>
-                  <p:par>
-                    <p:cTn id="3" fill="hold">
-                      <p:stCondLst>
-                        <p:cond delay="indefinite"/>
-                      </p:stCondLst>
-                      <p:childTnLst>
-                        <p:par>
-                          <p:cTn id="4" fill="hold">
-                            <p:stCondLst>
-                              <p:cond delay="0"/>
-                            </p:stCondLst>
-                            <p:childTnLst>
-                              <p:par>
-                                <p:cTn id="5" presetID="1" presetClass="entr" presetSubtype="0" fill="hold" nodeType="clickEffect">
-                                  <p:stCondLst>
-                                    <p:cond delay="0"/>
-                                  </p:stCondLst>
-                                  <p:childTnLst>
-                                    <p:set>
-                                      <p:cBhvr>
-                                        <p:cTn id="6" dur="1" fill="hold">
-                                          <p:stCondLst>
-                                            <p:cond delay="0"/>
-                                          </p:stCondLst>
-                                        </p:cTn>
-                                        <p:tgtEl>
-                                          <p:spTgt spid="3">
-                                            <p:txEl>
-                                              <p:pRg st="5" end="5"/>
-                                            </p:txEl>
-                                          </p:spTgt>
-                                        </p:tgtEl>
-                                        <p:attrNameLst>
-                                          <p:attrName>style.visibility</p:attrName>
-                                        </p:attrNameLst>
-                                      </p:cBhvr>
-                                      <p:to>
-                                        <p:strVal val="visible"/>
-                                      </p:to>
-                                    </p:set>
-                                  </p:childTnLst>
-                                </p:cTn>
-                              </p:par>
-                            </p:childTnLst>
-                          </p:cTn>
-                        </p:par>
-                      </p:childTnLst>
-                    </p:cTn>
-                  </p:par>
-                  <p:par>
-                    <p:cTn id="7" fill="hold">
-                      <p:stCondLst>
-                        <p:cond delay="indefinite"/>
-                      </p:stCondLst>
-                      <p:childTnLst>
-                        <p:par>
-                          <p:cTn id="8" fill="hold">
-                            <p:stCondLst>
-                              <p:cond delay="0"/>
-                            </p:stCondLst>
-                            <p:childTnLst>
-                              <p:par>
-                                <p:cTn id="9" presetID="1" presetClass="entr" presetSubtype="0" fill="hold" nodeType="clickEffect">
-                                  <p:stCondLst>
-                                    <p:cond delay="0"/>
-                                  </p:stCondLst>
-                                  <p:childTnLst>
-                                    <p:set>
-                                      <p:cBhvr>
-                                        <p:cTn id="10" dur="1" fill="hold">
-                                          <p:stCondLst>
-                                            <p:cond delay="0"/>
-                                          </p:stCondLst>
-                                        </p:cTn>
-                                        <p:tgtEl>
-                                          <p:spTgt spid="3">
-                                            <p:txEl>
-                                              <p:pRg st="6" end="6"/>
-                                            </p:txEl>
-                                          </p:spTgt>
-                                        </p:tgtEl>
-                                        <p:attrNameLst>
-                                          <p:attrName>style.visibility</p:attrName>
-                                        </p:attrNameLst>
-                                      </p:cBhvr>
-                                      <p:to>
-                                        <p:strVal val="visible"/>
-                                      </p:to>
-                                    </p:set>
-                                  </p:childTnLst>
-                                </p:cTn>
-                              </p:par>
-                            </p:childTnLst>
-                          </p:cTn>
-                        </p:par>
-                      </p:childTnLst>
-                    </p:cTn>
-                  </p:par>
-                  <p:par>
-                    <p:cTn id="11" fill="hold">
-                      <p:stCondLst>
-                        <p:cond delay="indefinite"/>
-                      </p:stCondLst>
-                      <p:childTnLst>
-                        <p:par>
-                          <p:cTn id="12" fill="hold">
-                            <p:stCondLst>
-                              <p:cond delay="0"/>
-                            </p:stCondLst>
-                            <p:childTnLst>
-                              <p:par>
-                                <p:cTn id="13" presetID="1" presetClass="entr" presetSubtype="0" fill="hold" nodeType="clickEffect">
-                                  <p:stCondLst>
-                                    <p:cond delay="0"/>
-                                  </p:stCondLst>
-                                  <p:childTnLst>
-                                    <p:set>
-                                      <p:cBhvr>
-                                        <p:cTn id="14" dur="1" fill="hold">
-                                          <p:stCondLst>
-                                            <p:cond delay="0"/>
-                                          </p:stCondLst>
-                                        </p:cTn>
-                                        <p:tgtEl>
-                                          <p:spTgt spid="3">
-                                            <p:txEl>
-                                              <p:pRg st="7" end="7"/>
-                                            </p:txEl>
-                                          </p:spTgt>
-                                        </p:tgtEl>
-                                        <p:attrNameLst>
-                                          <p:attrName>style.visibility</p:attrName>
-                                        </p:attrNameLst>
-                                      </p:cBhvr>
-                                      <p:to>
-                                        <p:strVal val="visible"/>
-                                      </p:to>
-                                    </p:set>
-                                  </p:childTnLst>
-                                </p:cTn>
-                              </p:par>
-                            </p:childTnLst>
-                          </p:cTn>
-                        </p:par>
-                      </p:childTnLst>
-                    </p:cTn>
-                  </p:par>
-                  <p:par>
-                    <p:cTn id="15" fill="hold">
-                      <p:stCondLst>
-                        <p:cond delay="indefinite"/>
-                      </p:stCondLst>
-                      <p:childTnLst>
-                        <p:par>
-                          <p:cTn id="16" fill="hold">
-                            <p:stCondLst>
-                              <p:cond delay="0"/>
-                            </p:stCondLst>
-                            <p:childTnLst>
-                              <p:par>
-                                <p:cTn id="17" presetID="1" presetClass="entr" presetSubtype="0" fill="hold" nodeType="clickEffect">
-                                  <p:stCondLst>
-                                    <p:cond delay="0"/>
-                                  </p:stCondLst>
-                                  <p:childTnLst>
-                                    <p:set>
-                                      <p:cBhvr>
-                                        <p:cTn id="18" dur="1" fill="hold">
-                                          <p:stCondLst>
-                                            <p:cond delay="0"/>
-                                          </p:stCondLst>
-                                        </p:cTn>
-                                        <p:tgtEl>
-                                          <p:spTgt spid="3">
-                                            <p:txEl>
-                                              <p:pRg st="8" end="8"/>
-                                            </p:txEl>
-                                          </p:spTgt>
-                                        </p:tgtEl>
-                                        <p:attrNameLst>
-                                          <p:attrName>style.visibility</p:attrName>
-                                        </p:attrNameLst>
-                                      </p:cBhvr>
-                                      <p:to>
-                                        <p:strVal val="visible"/>
-                                      </p:to>
-                                    </p:set>
-                                  </p:childTnLst>
-                                </p:cTn>
-                              </p:par>
-                              <p:par>
-                                <p:cTn id="19" presetID="1" presetClass="entr" presetSubtype="0" fill="hold" nodeType="withEffect">
-                                  <p:stCondLst>
-                                    <p:cond delay="0"/>
-                                  </p:stCondLst>
-                                  <p:childTnLst>
-                                    <p:set>
-                                      <p:cBhvr>
-                                        <p:cTn id="20" dur="1" fill="hold">
-                                          <p:stCondLst>
-                                            <p:cond delay="0"/>
-                                          </p:stCondLst>
-                                        </p:cTn>
-                                        <p:tgtEl>
-                                          <p:spTgt spid="3">
-                                            <p:txEl>
-                                              <p:pRg st="9" end="9"/>
-                                            </p:txEl>
-                                          </p:spTgt>
-                                        </p:tgtEl>
-                                        <p:attrNameLst>
-                                          <p:attrName>style.visibility</p:attrName>
-                                        </p:attrNameLst>
-                                      </p:cBhvr>
-                                      <p:to>
-                                        <p:strVal val="visible"/>
-                                      </p:to>
-                                    </p:set>
-                                  </p:childTnLst>
-                                </p:cTn>
-                              </p:par>
-                            </p:childTnLst>
-                          </p:cTn>
-                        </p:par>
-                      </p:childTnLst>
-                    </p:cTn>
-                  </p:par>
-                </p:childTnLst>
-              </p:cTn>
-              <p:prevCondLst>
-                <p:cond evt="onPrev" delay="0">
-                  <p:tgtEl>
-                    <p:sldTgt/>
-                  </p:tgtEl>
-                </p:cond>
-              </p:prevCondLst>
-              <p:nextCondLst>
-                <p:cond evt="onNext" delay="0">
-                  <p:tgtEl>
-                    <p:sldTgt/>
-                  </p:tgtEl>
-                </p:cond>
-              </p:nextCondLst>
-            </p:seq>
-          </p:childTnLst>
-        </p:cTn>
-      </p:par>
-    </p:tnLst>
-  </p:timing>
-</p:sld>
-</file>
-
-<file path=ppt/slides/slide23.xml><?xml version="1.0" encoding="utf-8"?>
-<p:sld xmlns:a="http://schemas.openxmlformats.org/drawingml/2006/main" xmlns:r="http://schemas.openxmlformats.org/officeDocument/2006/relationships" xmlns:p="http://schemas.openxmlformats.org/presentationml/2006/main">
-  <p:cSld>
-    <p:spTree>
-      <p:nvGrpSpPr>
-        <p:cNvPr id="1" name=""/>
-        <p:cNvGrpSpPr/>
-        <p:nvPr/>
-      </p:nvGrpSpPr>
-      <p:grpSpPr>
-        <a:xfrm>
-          <a:off x="0" y="0"/>
-          <a:ext cx="0" cy="0"/>
-          <a:chOff x="0" y="0"/>
-          <a:chExt cx="0" cy="0"/>
-        </a:xfrm>
-      </p:grpSpPr>
-      <p:sp>
-        <p:nvSpPr>
-          <p:cNvPr id="2" name="Title 1">
-            <a:extLst>
-              <a:ext uri="{FF2B5EF4-FFF2-40B4-BE49-F238E27FC236}">
-                <a16:creationId xmlns:a16="http://schemas.microsoft.com/office/drawing/2014/main" id="{2CAD482E-9621-034B-B5B9-A2A3E3815EBF}"/>
-              </a:ext>
-            </a:extLst>
-          </p:cNvPr>
-          <p:cNvSpPr>
-            <a:spLocks noGrp="1"/>
-          </p:cNvSpPr>
-          <p:nvPr>
-            <p:ph type="title"/>
-          </p:nvPr>
-        </p:nvSpPr>
-        <p:spPr>
-          <a:xfrm>
-            <a:off x="220687" y="191729"/>
-            <a:ext cx="7886700" cy="680468"/>
-          </a:xfrm>
-        </p:spPr>
-        <p:txBody>
-          <a:bodyPr/>
-          <a:lstStyle/>
-          <a:p>
-            <a:r>
-              <a:rPr lang="en-US" dirty="0"/>
-              <a:t>Create Task Example 1</a:t>
-            </a:r>
-          </a:p>
-        </p:txBody>
-      </p:sp>
-      <p:sp>
-        <p:nvSpPr>
-          <p:cNvPr id="3" name="Content Placeholder 2">
-            <a:extLst>
-              <a:ext uri="{FF2B5EF4-FFF2-40B4-BE49-F238E27FC236}">
-                <a16:creationId xmlns:a16="http://schemas.microsoft.com/office/drawing/2014/main" id="{BE9CE75A-CAA3-5646-AB61-E94C601FF013}"/>
-              </a:ext>
-            </a:extLst>
-          </p:cNvPr>
-          <p:cNvSpPr>
-            <a:spLocks noGrp="1"/>
-          </p:cNvSpPr>
-          <p:nvPr>
-            <p:ph idx="1"/>
-          </p:nvPr>
-        </p:nvSpPr>
-        <p:spPr>
-          <a:xfrm>
-            <a:off x="220687" y="872197"/>
-            <a:ext cx="8501282" cy="4487593"/>
-          </a:xfrm>
-        </p:spPr>
-        <p:txBody>
-          <a:bodyPr/>
-          <a:lstStyle/>
-          <a:p>
-            <a:pPr marL="0" indent="0">
-              <a:buNone/>
-            </a:pPr>
-            <a:endParaRPr lang="en-US" dirty="0"/>
-          </a:p>
-          <a:p>
-            <a:pPr marL="0" indent="0">
-              <a:buNone/>
-            </a:pPr>
-            <a:endParaRPr lang="en-US" dirty="0"/>
-          </a:p>
-          <a:p>
-            <a:pPr marL="0" indent="0">
-              <a:buNone/>
-            </a:pPr>
-            <a:r>
-              <a:rPr lang="en-US" sz="2000" b="1" dirty="0">
-                <a:latin typeface="INCONSOLATA" panose="020B0609030003000000" pitchFamily="49" charset="77"/>
-              </a:rPr>
-              <a:t>key = "YTNSHKVEFXRBAUQZCLWDMIPGJO"</a:t>
-            </a:r>
-          </a:p>
-          <a:p>
-            <a:pPr marL="0" indent="0">
-              <a:buNone/>
-            </a:pPr>
-            <a:r>
-              <a:rPr lang="en-US" b="1" dirty="0">
-                <a:latin typeface="INCONSOLATA" panose="020B0609030003000000" pitchFamily="49" charset="77"/>
-              </a:rPr>
-              <a:t>letter = 'D'</a:t>
-            </a:r>
-          </a:p>
-          <a:p>
-            <a:pPr marL="0" indent="0">
-              <a:buNone/>
-            </a:pPr>
-            <a:r>
-              <a:rPr lang="en-US" b="1" dirty="0">
-                <a:latin typeface="INCONSOLATA" panose="020B0609030003000000" pitchFamily="49" charset="77"/>
-              </a:rPr>
-              <a:t>index = </a:t>
-            </a:r>
-            <a:r>
-              <a:rPr lang="en-US" b="1" dirty="0" err="1">
-                <a:latin typeface="INCONSOLATA" panose="020B0609030003000000" pitchFamily="49" charset="77"/>
-              </a:rPr>
-              <a:t>ord</a:t>
-            </a:r>
-            <a:r>
-              <a:rPr lang="en-US" b="1" dirty="0">
-                <a:latin typeface="INCONSOLATA" panose="020B0609030003000000" pitchFamily="49" charset="77"/>
-              </a:rPr>
-              <a:t>(letter) – </a:t>
-            </a:r>
-            <a:r>
-              <a:rPr lang="en-US" b="1" dirty="0" err="1">
-                <a:latin typeface="INCONSOLATA" panose="020B0609030003000000" pitchFamily="49" charset="77"/>
-              </a:rPr>
-              <a:t>ord</a:t>
-            </a:r>
-            <a:r>
-              <a:rPr lang="en-US" b="1" dirty="0">
-                <a:latin typeface="INCONSOLATA" panose="020B0609030003000000" pitchFamily="49" charset="77"/>
-              </a:rPr>
-              <a:t>('A')</a:t>
-            </a:r>
-          </a:p>
-          <a:p>
-            <a:pPr marL="0" indent="0">
-              <a:buNone/>
-            </a:pPr>
-            <a:r>
-              <a:rPr lang="en-US" b="1" dirty="0" err="1">
-                <a:latin typeface="INCONSOLATA" panose="020B0609030003000000" pitchFamily="49" charset="77"/>
-              </a:rPr>
-              <a:t>cipherletter</a:t>
-            </a:r>
-            <a:r>
-              <a:rPr lang="en-US" b="1" dirty="0">
-                <a:latin typeface="INCONSOLATA" panose="020B0609030003000000" pitchFamily="49" charset="77"/>
-              </a:rPr>
-              <a:t> = key[index]</a:t>
-            </a:r>
-          </a:p>
-          <a:p>
-            <a:pPr marL="0" indent="0">
-              <a:buNone/>
-            </a:pPr>
-            <a:endParaRPr lang="en-US" dirty="0"/>
-          </a:p>
-          <a:p>
-            <a:pPr marL="0" indent="0">
-              <a:buNone/>
-            </a:pPr>
-            <a:endParaRPr lang="en-US" dirty="0"/>
-          </a:p>
-          <a:p>
-            <a:pPr marL="0" indent="0">
-              <a:buNone/>
-            </a:pPr>
-            <a:r>
-              <a:rPr lang="en-US" dirty="0"/>
-              <a:t>The full code for this task can be found </a:t>
-            </a:r>
-            <a:r>
-              <a:rPr lang="en-US" dirty="0">
-                <a:hlinkClick r:id="rId2"/>
-              </a:rPr>
-              <a:t>here</a:t>
-            </a:r>
-            <a:r>
-              <a:rPr lang="en-US" dirty="0"/>
-              <a:t>.</a:t>
-            </a:r>
-          </a:p>
-          <a:p>
-            <a:pPr marL="0" indent="0">
-              <a:buNone/>
-            </a:pPr>
-            <a:endParaRPr lang="en-US" dirty="0"/>
-          </a:p>
-          <a:p>
-            <a:pPr marL="0" indent="0">
-              <a:buNone/>
-            </a:pPr>
-            <a:endParaRPr lang="en-US" dirty="0"/>
-          </a:p>
-          <a:p>
-            <a:pPr marL="0" indent="0">
-              <a:buNone/>
-            </a:pPr>
-            <a:endParaRPr lang="en-US" dirty="0"/>
-          </a:p>
-          <a:p>
-            <a:pPr marL="0" indent="0">
-              <a:buNone/>
-            </a:pPr>
-            <a:endParaRPr lang="en-US" dirty="0"/>
-          </a:p>
-        </p:txBody>
-      </p:sp>
-    </p:spTree>
-    <p:extLst>
-      <p:ext uri="{BB962C8B-B14F-4D97-AF65-F5344CB8AC3E}">
-        <p14:creationId xmlns:p14="http://schemas.microsoft.com/office/powerpoint/2010/main" val="2074214818"/>
-      </p:ext>
-    </p:extLst>
-  </p:cSld>
-  <p:clrMapOvr>
-    <a:masterClrMapping/>
-  </p:clrMapOvr>
-  <p:timing>
-    <p:tnLst>
-      <p:par>
-        <p:cTn id="1" dur="indefinite" restart="never" nodeType="tmRoot">
-          <p:childTnLst>
-            <p:seq concurrent="1" nextAc="seek">
-              <p:cTn id="2" dur="indefinite" nodeType="mainSeq">
-                <p:childTnLst>
-                  <p:par>
-                    <p:cTn id="3" fill="hold">
-                      <p:stCondLst>
-                        <p:cond delay="indefinite"/>
-                      </p:stCondLst>
-                      <p:childTnLst>
-                        <p:par>
-                          <p:cTn id="4" fill="hold">
-                            <p:stCondLst>
-                              <p:cond delay="0"/>
-                            </p:stCondLst>
-                            <p:childTnLst>
-                              <p:par>
-                                <p:cTn id="5" presetID="1" presetClass="entr" presetSubtype="0" fill="hold" nodeType="clickEffect">
-                                  <p:stCondLst>
-                                    <p:cond delay="0"/>
-                                  </p:stCondLst>
-                                  <p:childTnLst>
-                                    <p:set>
-                                      <p:cBhvr>
-                                        <p:cTn id="6" dur="1" fill="hold">
-                                          <p:stCondLst>
-                                            <p:cond delay="0"/>
-                                          </p:stCondLst>
-                                        </p:cTn>
-                                        <p:tgtEl>
-                                          <p:spTgt spid="3">
-                                            <p:txEl>
-                                              <p:pRg st="3" end="3"/>
-                                            </p:txEl>
-                                          </p:spTgt>
-                                        </p:tgtEl>
-                                        <p:attrNameLst>
-                                          <p:attrName>style.visibility</p:attrName>
-                                        </p:attrNameLst>
-                                      </p:cBhvr>
-                                      <p:to>
-                                        <p:strVal val="visible"/>
-                                      </p:to>
-                                    </p:set>
-                                  </p:childTnLst>
-                                </p:cTn>
-                              </p:par>
-                            </p:childTnLst>
-                          </p:cTn>
-                        </p:par>
-                      </p:childTnLst>
-                    </p:cTn>
-                  </p:par>
-                  <p:par>
-                    <p:cTn id="7" fill="hold">
-                      <p:stCondLst>
-                        <p:cond delay="indefinite"/>
-                      </p:stCondLst>
-                      <p:childTnLst>
-                        <p:par>
-                          <p:cTn id="8" fill="hold">
-                            <p:stCondLst>
-                              <p:cond delay="0"/>
-                            </p:stCondLst>
-                            <p:childTnLst>
-                              <p:par>
-                                <p:cTn id="9" presetID="1" presetClass="entr" presetSubtype="0" fill="hold" nodeType="clickEffect">
-                                  <p:stCondLst>
-                                    <p:cond delay="0"/>
-                                  </p:stCondLst>
-                                  <p:childTnLst>
-                                    <p:set>
-                                      <p:cBhvr>
-                                        <p:cTn id="10" dur="1" fill="hold">
-                                          <p:stCondLst>
-                                            <p:cond delay="0"/>
-                                          </p:stCondLst>
-                                        </p:cTn>
-                                        <p:tgtEl>
-                                          <p:spTgt spid="3">
-                                            <p:txEl>
-                                              <p:pRg st="4" end="4"/>
-                                            </p:txEl>
-                                          </p:spTgt>
-                                        </p:tgtEl>
-                                        <p:attrNameLst>
-                                          <p:attrName>style.visibility</p:attrName>
-                                        </p:attrNameLst>
-                                      </p:cBhvr>
-                                      <p:to>
-                                        <p:strVal val="visible"/>
-                                      </p:to>
-                                    </p:set>
-                                  </p:childTnLst>
-                                </p:cTn>
-                              </p:par>
-                            </p:childTnLst>
-                          </p:cTn>
-                        </p:par>
-                      </p:childTnLst>
-                    </p:cTn>
-                  </p:par>
-                  <p:par>
-                    <p:cTn id="11" fill="hold">
-                      <p:stCondLst>
-                        <p:cond delay="indefinite"/>
-                      </p:stCondLst>
-                      <p:childTnLst>
-                        <p:par>
-                          <p:cTn id="12" fill="hold">
-                            <p:stCondLst>
-                              <p:cond delay="0"/>
-                            </p:stCondLst>
-                            <p:childTnLst>
-                              <p:par>
-                                <p:cTn id="13" presetID="1" presetClass="entr" presetSubtype="0" fill="hold" nodeType="clickEffect">
-                                  <p:stCondLst>
-                                    <p:cond delay="0"/>
-                                  </p:stCondLst>
-                                  <p:childTnLst>
-                                    <p:set>
-                                      <p:cBhvr>
-                                        <p:cTn id="14" dur="1" fill="hold">
-                                          <p:stCondLst>
-                                            <p:cond delay="0"/>
-                                          </p:stCondLst>
-                                        </p:cTn>
-                                        <p:tgtEl>
-                                          <p:spTgt spid="3">
-                                            <p:txEl>
-                                              <p:pRg st="5" end="5"/>
-                                            </p:txEl>
-                                          </p:spTgt>
-                                        </p:tgtEl>
-                                        <p:attrNameLst>
-                                          <p:attrName>style.visibility</p:attrName>
-                                        </p:attrNameLst>
-                                      </p:cBhvr>
-                                      <p:to>
-                                        <p:strVal val="visible"/>
-                                      </p:to>
-                                    </p:set>
-                                  </p:childTnLst>
-                                </p:cTn>
-                              </p:par>
-                            </p:childTnLst>
-                          </p:cTn>
-                        </p:par>
-                      </p:childTnLst>
-                    </p:cTn>
-                  </p:par>
-                  <p:par>
-                    <p:cTn id="15" fill="hold">
-                      <p:stCondLst>
-                        <p:cond delay="indefinite"/>
-                      </p:stCondLst>
-                      <p:childTnLst>
-                        <p:par>
-                          <p:cTn id="16" fill="hold">
-                            <p:stCondLst>
-                              <p:cond delay="0"/>
-                            </p:stCondLst>
-                            <p:childTnLst>
-                              <p:par>
-                                <p:cTn id="17" presetID="1" presetClass="entr" presetSubtype="0" fill="hold" nodeType="clickEffect">
-                                  <p:stCondLst>
-                                    <p:cond delay="0"/>
-                                  </p:stCondLst>
-                                  <p:childTnLst>
-                                    <p:set>
-                                      <p:cBhvr>
-                                        <p:cTn id="18" dur="1" fill="hold">
-                                          <p:stCondLst>
-                                            <p:cond delay="0"/>
-                                          </p:stCondLst>
-                                        </p:cTn>
-                                        <p:tgtEl>
-                                          <p:spTgt spid="3">
-                                            <p:txEl>
-                                              <p:pRg st="8" end="8"/>
-                                            </p:txEl>
-                                          </p:spTgt>
-                                        </p:tgtEl>
-                                        <p:attrNameLst>
-                                          <p:attrName>style.visibility</p:attrName>
-                                        </p:attrNameLst>
-                                      </p:cBhvr>
-                                      <p:to>
-                                        <p:strVal val="visible"/>
-                                      </p:to>
-                                    </p:set>
-                                  </p:childTnLst>
-                                </p:cTn>
-                              </p:par>
-                            </p:childTnLst>
-                          </p:cTn>
-                        </p:par>
-                      </p:childTnLst>
-                    </p:cTn>
-                  </p:par>
-                </p:childTnLst>
-              </p:cTn>
-              <p:prevCondLst>
-                <p:cond evt="onPrev" delay="0">
-                  <p:tgtEl>
-                    <p:sldTgt/>
-                  </p:tgtEl>
-                </p:cond>
-              </p:prevCondLst>
-              <p:nextCondLst>
-                <p:cond evt="onNext" delay="0">
-                  <p:tgtEl>
-                    <p:sldTgt/>
-                  </p:tgtEl>
-                </p:cond>
-              </p:nextCondLst>
-            </p:seq>
-          </p:childTnLst>
-        </p:cTn>
-      </p:par>
-    </p:tnLst>
-  </p:timing>
-</p:sld>
-</file>
-
-<file path=ppt/slides/slide24.xml><?xml version="1.0" encoding="utf-8"?>
-<p:sld xmlns:a="http://schemas.openxmlformats.org/drawingml/2006/main" xmlns:r="http://schemas.openxmlformats.org/officeDocument/2006/relationships" xmlns:p="http://schemas.openxmlformats.org/presentationml/2006/main">
-  <p:cSld>
-    <p:spTree>
-      <p:nvGrpSpPr>
-        <p:cNvPr id="1" name=""/>
-        <p:cNvGrpSpPr/>
-        <p:nvPr/>
-      </p:nvGrpSpPr>
-      <p:grpSpPr>
-        <a:xfrm>
-          <a:off x="0" y="0"/>
-          <a:ext cx="0" cy="0"/>
-          <a:chOff x="0" y="0"/>
-          <a:chExt cx="0" cy="0"/>
-        </a:xfrm>
-      </p:grpSpPr>
-      <p:sp>
-        <p:nvSpPr>
-          <p:cNvPr id="2" name="Title 1">
-            <a:extLst>
-              <a:ext uri="{FF2B5EF4-FFF2-40B4-BE49-F238E27FC236}">
-                <a16:creationId xmlns:a16="http://schemas.microsoft.com/office/drawing/2014/main" id="{2CAD482E-9621-034B-B5B9-A2A3E3815EBF}"/>
-              </a:ext>
-            </a:extLst>
-          </p:cNvPr>
-          <p:cNvSpPr>
-            <a:spLocks noGrp="1"/>
-          </p:cNvSpPr>
-          <p:nvPr>
-            <p:ph type="title"/>
-          </p:nvPr>
-        </p:nvSpPr>
-        <p:spPr>
-          <a:xfrm>
-            <a:off x="220686" y="102829"/>
-            <a:ext cx="7886700" cy="680468"/>
-          </a:xfrm>
-        </p:spPr>
-        <p:txBody>
-          <a:bodyPr/>
-          <a:lstStyle/>
-          <a:p>
-            <a:r>
-              <a:rPr lang="en-US" dirty="0"/>
-              <a:t>Example 2(Optional)</a:t>
-            </a:r>
-          </a:p>
-        </p:txBody>
-      </p:sp>
-      <p:sp>
-        <p:nvSpPr>
-          <p:cNvPr id="3" name="Content Placeholder 2">
-            <a:extLst>
-              <a:ext uri="{FF2B5EF4-FFF2-40B4-BE49-F238E27FC236}">
-                <a16:creationId xmlns:a16="http://schemas.microsoft.com/office/drawing/2014/main" id="{BE9CE75A-CAA3-5646-AB61-E94C601FF013}"/>
-              </a:ext>
-            </a:extLst>
-          </p:cNvPr>
-          <p:cNvSpPr>
-            <a:spLocks noGrp="1"/>
-          </p:cNvSpPr>
-          <p:nvPr>
-            <p:ph idx="1"/>
-          </p:nvPr>
-        </p:nvSpPr>
-        <p:spPr>
-          <a:xfrm>
-            <a:off x="220686" y="769368"/>
-            <a:ext cx="8809013" cy="4842803"/>
-          </a:xfrm>
-        </p:spPr>
-        <p:txBody>
-          <a:bodyPr/>
-          <a:lstStyle/>
-          <a:p>
-            <a:pPr marL="0" indent="0">
-              <a:buNone/>
-            </a:pPr>
-            <a:r>
-              <a:rPr lang="en-US" dirty="0"/>
-              <a:t>This is a second example of a create task. In this example, the input to the program will be a text file. In the previous example, our list was a list of letters that represent some key. </a:t>
-            </a:r>
-          </a:p>
-          <a:p>
-            <a:pPr marL="0" indent="0">
-              <a:buNone/>
-            </a:pPr>
-            <a:endParaRPr lang="en-US" dirty="0"/>
-          </a:p>
-          <a:p>
-            <a:pPr marL="0" indent="0">
-              <a:buNone/>
-            </a:pPr>
-            <a:r>
-              <a:rPr lang="en-US" dirty="0"/>
-              <a:t>Suppose we are writing a program that manages a database of students.  Our list will now store a collection of students. We need a data type that contains information about a student. </a:t>
-            </a:r>
-          </a:p>
-          <a:p>
-            <a:pPr marL="0" indent="0">
-              <a:buNone/>
-            </a:pPr>
-            <a:endParaRPr lang="en-US" dirty="0"/>
-          </a:p>
-          <a:p>
-            <a:pPr marL="0" indent="0">
-              <a:buNone/>
-            </a:pPr>
-            <a:r>
-              <a:rPr lang="en-US" dirty="0"/>
-              <a:t>A student has more than just one piece of information: name, age, id, address, </a:t>
-            </a:r>
-            <a:r>
-              <a:rPr lang="en-US" dirty="0" err="1"/>
-              <a:t>etc</a:t>
-            </a:r>
-            <a:r>
-              <a:rPr lang="en-US" dirty="0"/>
-              <a:t>…These collectively are the </a:t>
-            </a:r>
-            <a:r>
-              <a:rPr lang="en-US" b="1" dirty="0"/>
-              <a:t>data</a:t>
-            </a:r>
-            <a:r>
-              <a:rPr lang="en-US" dirty="0"/>
-              <a:t> of a student.</a:t>
-            </a:r>
-          </a:p>
-          <a:p>
-            <a:pPr marL="0" indent="0">
-              <a:buNone/>
-            </a:pPr>
-            <a:endParaRPr lang="en-US" dirty="0"/>
-          </a:p>
-          <a:p>
-            <a:pPr marL="0" indent="0">
-              <a:buNone/>
-            </a:pPr>
-            <a:r>
-              <a:rPr lang="en-US" dirty="0"/>
-              <a:t> A student might have some </a:t>
-            </a:r>
-            <a:r>
-              <a:rPr lang="en-US" b="1" dirty="0"/>
-              <a:t>functionality</a:t>
-            </a:r>
-            <a:r>
-              <a:rPr lang="en-US" dirty="0"/>
-              <a:t>: ability to print personal information, change their address, update school information. </a:t>
-            </a:r>
-          </a:p>
-          <a:p>
-            <a:pPr marL="0" indent="0">
-              <a:buNone/>
-            </a:pPr>
-            <a:r>
-              <a:rPr lang="en-US" dirty="0"/>
-              <a:t>How do we store such complex information about a student?</a:t>
-            </a:r>
-          </a:p>
-          <a:p>
-            <a:pPr marL="0" indent="0">
-              <a:buNone/>
-            </a:pPr>
-            <a:endParaRPr lang="en-US" dirty="0"/>
-          </a:p>
-          <a:p>
-            <a:pPr marL="0" indent="0">
-              <a:buNone/>
-            </a:pPr>
-            <a:endParaRPr lang="en-US" dirty="0"/>
-          </a:p>
-          <a:p>
-            <a:pPr marL="0" indent="0">
-              <a:buNone/>
-            </a:pPr>
-            <a:endParaRPr lang="en-US" dirty="0"/>
-          </a:p>
-        </p:txBody>
-      </p:sp>
-    </p:spTree>
-    <p:extLst>
-      <p:ext uri="{BB962C8B-B14F-4D97-AF65-F5344CB8AC3E}">
-        <p14:creationId xmlns:p14="http://schemas.microsoft.com/office/powerpoint/2010/main" val="2818469488"/>
-      </p:ext>
-    </p:extLst>
-  </p:cSld>
-  <p:clrMapOvr>
-    <a:masterClrMapping/>
-  </p:clrMapOvr>
-  <p:timing>
-    <p:tnLst>
-      <p:par>
-        <p:cTn id="1" dur="indefinite" restart="never" nodeType="tmRoot">
-          <p:childTnLst>
-            <p:seq concurrent="1" nextAc="seek">
-              <p:cTn id="2" dur="indefinite" nodeType="mainSeq">
-                <p:childTnLst>
-                  <p:par>
-                    <p:cTn id="3" fill="hold">
-                      <p:stCondLst>
-                        <p:cond delay="indefinite"/>
-                      </p:stCondLst>
-                      <p:childTnLst>
-                        <p:par>
-                          <p:cTn id="4" fill="hold">
-                            <p:stCondLst>
-                              <p:cond delay="0"/>
-                            </p:stCondLst>
-                            <p:childTnLst>
-                              <p:par>
-                                <p:cTn id="5" presetID="1" presetClass="entr" presetSubtype="0" fill="hold" nodeType="clickEffect">
-                                  <p:stCondLst>
-                                    <p:cond delay="0"/>
-                                  </p:stCondLst>
-                                  <p:childTnLst>
-                                    <p:set>
-                                      <p:cBhvr>
-                                        <p:cTn id="6" dur="1" fill="hold">
-                                          <p:stCondLst>
-                                            <p:cond delay="0"/>
-                                          </p:stCondLst>
-                                        </p:cTn>
-                                        <p:tgtEl>
-                                          <p:spTgt spid="3">
-                                            <p:txEl>
-                                              <p:pRg st="2" end="2"/>
-                                            </p:txEl>
-                                          </p:spTgt>
-                                        </p:tgtEl>
-                                        <p:attrNameLst>
-                                          <p:attrName>style.visibility</p:attrName>
-                                        </p:attrNameLst>
-                                      </p:cBhvr>
-                                      <p:to>
-                                        <p:strVal val="visible"/>
-                                      </p:to>
-                                    </p:set>
-                                  </p:childTnLst>
-                                </p:cTn>
-                              </p:par>
-                            </p:childTnLst>
-                          </p:cTn>
-                        </p:par>
-                      </p:childTnLst>
-                    </p:cTn>
-                  </p:par>
-                  <p:par>
-                    <p:cTn id="7" fill="hold">
-                      <p:stCondLst>
-                        <p:cond delay="indefinite"/>
-                      </p:stCondLst>
-                      <p:childTnLst>
-                        <p:par>
-                          <p:cTn id="8" fill="hold">
-                            <p:stCondLst>
-                              <p:cond delay="0"/>
-                            </p:stCondLst>
-                            <p:childTnLst>
-                              <p:par>
-                                <p:cTn id="9" presetID="1" presetClass="entr" presetSubtype="0" fill="hold" nodeType="clickEffect">
-                                  <p:stCondLst>
-                                    <p:cond delay="0"/>
-                                  </p:stCondLst>
-                                  <p:childTnLst>
-                                    <p:set>
-                                      <p:cBhvr>
-                                        <p:cTn id="10" dur="1" fill="hold">
-                                          <p:stCondLst>
-                                            <p:cond delay="0"/>
-                                          </p:stCondLst>
-                                        </p:cTn>
-                                        <p:tgtEl>
-                                          <p:spTgt spid="3">
-                                            <p:txEl>
-                                              <p:pRg st="4" end="4"/>
-                                            </p:txEl>
-                                          </p:spTgt>
-                                        </p:tgtEl>
-                                        <p:attrNameLst>
-                                          <p:attrName>style.visibility</p:attrName>
-                                        </p:attrNameLst>
-                                      </p:cBhvr>
-                                      <p:to>
-                                        <p:strVal val="visible"/>
-                                      </p:to>
-                                    </p:set>
-                                  </p:childTnLst>
-                                </p:cTn>
-                              </p:par>
-                            </p:childTnLst>
-                          </p:cTn>
-                        </p:par>
-                      </p:childTnLst>
-                    </p:cTn>
-                  </p:par>
-                  <p:par>
-                    <p:cTn id="11" fill="hold">
-                      <p:stCondLst>
-                        <p:cond delay="indefinite"/>
-                      </p:stCondLst>
-                      <p:childTnLst>
-                        <p:par>
-                          <p:cTn id="12" fill="hold">
-                            <p:stCondLst>
-                              <p:cond delay="0"/>
-                            </p:stCondLst>
-                            <p:childTnLst>
-                              <p:par>
-                                <p:cTn id="13" presetID="1" presetClass="entr" presetSubtype="0" fill="hold" nodeType="clickEffect">
-                                  <p:stCondLst>
-                                    <p:cond delay="0"/>
-                                  </p:stCondLst>
-                                  <p:childTnLst>
-                                    <p:set>
-                                      <p:cBhvr>
-                                        <p:cTn id="14" dur="1" fill="hold">
-                                          <p:stCondLst>
-                                            <p:cond delay="0"/>
-                                          </p:stCondLst>
-                                        </p:cTn>
-                                        <p:tgtEl>
-                                          <p:spTgt spid="3">
-                                            <p:txEl>
-                                              <p:pRg st="6" end="6"/>
-                                            </p:txEl>
-                                          </p:spTgt>
-                                        </p:tgtEl>
-                                        <p:attrNameLst>
-                                          <p:attrName>style.visibility</p:attrName>
-                                        </p:attrNameLst>
-                                      </p:cBhvr>
-                                      <p:to>
-                                        <p:strVal val="visible"/>
-                                      </p:to>
-                                    </p:set>
-                                  </p:childTnLst>
-                                </p:cTn>
-                              </p:par>
-                            </p:childTnLst>
-                          </p:cTn>
-                        </p:par>
-                      </p:childTnLst>
-                    </p:cTn>
-                  </p:par>
-                  <p:par>
-                    <p:cTn id="15" fill="hold">
-                      <p:stCondLst>
-                        <p:cond delay="indefinite"/>
-                      </p:stCondLst>
-                      <p:childTnLst>
-                        <p:par>
-                          <p:cTn id="16" fill="hold">
-                            <p:stCondLst>
-                              <p:cond delay="0"/>
-                            </p:stCondLst>
-                            <p:childTnLst>
-                              <p:par>
-                                <p:cTn id="17" presetID="1" presetClass="entr" presetSubtype="0" fill="hold" nodeType="clickEffect">
-                                  <p:stCondLst>
-                                    <p:cond delay="0"/>
-                                  </p:stCondLst>
-                                  <p:childTnLst>
-                                    <p:set>
-                                      <p:cBhvr>
-                                        <p:cTn id="18" dur="1" fill="hold">
-                                          <p:stCondLst>
-                                            <p:cond delay="0"/>
-                                          </p:stCondLst>
-                                        </p:cTn>
-                                        <p:tgtEl>
-                                          <p:spTgt spid="3">
-                                            <p:txEl>
-                                              <p:pRg st="7" end="7"/>
-                                            </p:txEl>
-                                          </p:spTgt>
-                                        </p:tgtEl>
-                                        <p:attrNameLst>
-                                          <p:attrName>style.visibility</p:attrName>
-                                        </p:attrNameLst>
-                                      </p:cBhvr>
-                                      <p:to>
-                                        <p:strVal val="visible"/>
-                                      </p:to>
-                                    </p:set>
-                                  </p:childTnLst>
-                                </p:cTn>
-                              </p:par>
-                            </p:childTnLst>
-                          </p:cTn>
-                        </p:par>
-                      </p:childTnLst>
-                    </p:cTn>
-                  </p:par>
-                </p:childTnLst>
-              </p:cTn>
-              <p:prevCondLst>
-                <p:cond evt="onPrev" delay="0">
-                  <p:tgtEl>
-                    <p:sldTgt/>
-                  </p:tgtEl>
-                </p:cond>
-              </p:prevCondLst>
-              <p:nextCondLst>
-                <p:cond evt="onNext" delay="0">
-                  <p:tgtEl>
-                    <p:sldTgt/>
-                  </p:tgtEl>
-                </p:cond>
-              </p:nextCondLst>
-            </p:seq>
-          </p:childTnLst>
-        </p:cTn>
-      </p:par>
-    </p:tnLst>
-  </p:timing>
-</p:sld>
-</file>
-
-<file path=ppt/slides/slide25.xml><?xml version="1.0" encoding="utf-8"?>
-<p:sld xmlns:a="http://schemas.openxmlformats.org/drawingml/2006/main" xmlns:r="http://schemas.openxmlformats.org/officeDocument/2006/relationships" xmlns:p="http://schemas.openxmlformats.org/presentationml/2006/main">
-  <p:cSld>
-    <p:spTree>
-      <p:nvGrpSpPr>
-        <p:cNvPr id="1" name=""/>
-        <p:cNvGrpSpPr/>
-        <p:nvPr/>
-      </p:nvGrpSpPr>
-      <p:grpSpPr>
-        <a:xfrm>
-          <a:off x="0" y="0"/>
-          <a:ext cx="0" cy="0"/>
-          <a:chOff x="0" y="0"/>
-          <a:chExt cx="0" cy="0"/>
-        </a:xfrm>
-      </p:grpSpPr>
-      <p:sp>
-        <p:nvSpPr>
-          <p:cNvPr id="2" name="Title 1">
-            <a:extLst>
-              <a:ext uri="{FF2B5EF4-FFF2-40B4-BE49-F238E27FC236}">
-                <a16:creationId xmlns:a16="http://schemas.microsoft.com/office/drawing/2014/main" id="{2CAD482E-9621-034B-B5B9-A2A3E3815EBF}"/>
-              </a:ext>
-            </a:extLst>
-          </p:cNvPr>
-          <p:cNvSpPr>
-            <a:spLocks noGrp="1"/>
-          </p:cNvSpPr>
-          <p:nvPr>
-            <p:ph type="title"/>
-          </p:nvPr>
-        </p:nvSpPr>
-        <p:spPr>
-          <a:xfrm>
-            <a:off x="220686" y="102829"/>
-            <a:ext cx="7886700" cy="680468"/>
-          </a:xfrm>
-        </p:spPr>
-        <p:txBody>
-          <a:bodyPr/>
-          <a:lstStyle/>
-          <a:p>
-            <a:r>
-              <a:rPr lang="en-US" dirty="0"/>
-              <a:t>Example 2(Optional)</a:t>
-            </a:r>
-          </a:p>
-        </p:txBody>
-      </p:sp>
-      <p:sp>
-        <p:nvSpPr>
-          <p:cNvPr id="3" name="Content Placeholder 2">
-            <a:extLst>
-              <a:ext uri="{FF2B5EF4-FFF2-40B4-BE49-F238E27FC236}">
-                <a16:creationId xmlns:a16="http://schemas.microsoft.com/office/drawing/2014/main" id="{BE9CE75A-CAA3-5646-AB61-E94C601FF013}"/>
-              </a:ext>
-            </a:extLst>
-          </p:cNvPr>
-          <p:cNvSpPr>
-            <a:spLocks noGrp="1"/>
-          </p:cNvSpPr>
-          <p:nvPr>
-            <p:ph idx="1"/>
-          </p:nvPr>
-        </p:nvSpPr>
-        <p:spPr>
-          <a:xfrm>
-            <a:off x="220686" y="1016000"/>
-            <a:ext cx="8809013" cy="4596171"/>
-          </a:xfrm>
-        </p:spPr>
-        <p:txBody>
-          <a:bodyPr/>
-          <a:lstStyle/>
-          <a:p>
-            <a:pPr marL="0" indent="0">
-              <a:buNone/>
-            </a:pPr>
-            <a:r>
-              <a:rPr lang="en-US" dirty="0"/>
-              <a:t>We have seen this before in Processing. The class Sprite was able to store many pieces of data about a Sprite: position, velocity, image. It also stored different functionality of what a Sprite can do: draw itself, update itself, get left side of Sprite, set left side of Sprite, etc..</a:t>
-            </a:r>
-          </a:p>
-          <a:p>
-            <a:pPr marL="0" indent="0">
-              <a:buNone/>
-            </a:pPr>
-            <a:endParaRPr lang="en-US" dirty="0"/>
-          </a:p>
-          <a:p>
-            <a:pPr marL="0" indent="0">
-              <a:buNone/>
-            </a:pPr>
-            <a:endParaRPr lang="en-US" dirty="0"/>
-          </a:p>
-          <a:p>
-            <a:pPr marL="0" indent="0">
-              <a:buNone/>
-            </a:pPr>
-            <a:r>
-              <a:rPr lang="en-US" dirty="0"/>
-              <a:t>We like a data type that can bundle </a:t>
-            </a:r>
-            <a:r>
-              <a:rPr lang="en-US" b="1" dirty="0"/>
-              <a:t>data</a:t>
-            </a:r>
-            <a:r>
-              <a:rPr lang="en-US" dirty="0"/>
-              <a:t> and </a:t>
-            </a:r>
-            <a:r>
-              <a:rPr lang="en-US" b="1" dirty="0"/>
-              <a:t>functionality</a:t>
-            </a:r>
-            <a:r>
-              <a:rPr lang="en-US" dirty="0"/>
-              <a:t> into one variable.</a:t>
-            </a:r>
-          </a:p>
-          <a:p>
-            <a:pPr marL="0" indent="0">
-              <a:buNone/>
-            </a:pPr>
-            <a:r>
-              <a:rPr lang="en-US" dirty="0"/>
-              <a:t>A </a:t>
-            </a:r>
-            <a:r>
-              <a:rPr lang="en-US" b="1" dirty="0"/>
-              <a:t>class</a:t>
-            </a:r>
-            <a:r>
-              <a:rPr lang="en-US" dirty="0"/>
-              <a:t> bundles together </a:t>
-            </a:r>
-            <a:r>
-              <a:rPr lang="en-US" i="1" dirty="0"/>
-              <a:t>data </a:t>
-            </a:r>
-            <a:r>
-              <a:rPr lang="en-US" dirty="0"/>
-              <a:t>(instance variables or attributes) and </a:t>
-            </a:r>
-            <a:r>
-              <a:rPr lang="en-US" i="1" dirty="0"/>
-              <a:t>functionality </a:t>
-            </a:r>
-            <a:r>
-              <a:rPr lang="en-US" dirty="0"/>
-              <a:t>(methods). Another name for class is </a:t>
-            </a:r>
-            <a:r>
-              <a:rPr lang="en-US" b="1" dirty="0"/>
-              <a:t>type</a:t>
-            </a:r>
-            <a:r>
-              <a:rPr lang="en-US" dirty="0"/>
-              <a:t>.</a:t>
-            </a:r>
-          </a:p>
-          <a:p>
-            <a:pPr marL="0" indent="0">
-              <a:buNone/>
-            </a:pPr>
-            <a:endParaRPr lang="en-US" dirty="0"/>
-          </a:p>
-          <a:p>
-            <a:pPr marL="0" indent="0">
-              <a:buNone/>
-            </a:pPr>
-            <a:r>
-              <a:rPr lang="en-US" dirty="0"/>
-              <a:t>Motivated by the Sprite class, we will write the Student class. Compare this example to the Sprite class we have used in Processing.</a:t>
-            </a:r>
-          </a:p>
-          <a:p>
-            <a:pPr marL="0" indent="0">
-              <a:buNone/>
-            </a:pPr>
-            <a:endParaRPr lang="en-US" dirty="0"/>
-          </a:p>
-          <a:p>
-            <a:pPr marL="0" indent="0">
-              <a:buNone/>
-            </a:pPr>
-            <a:endParaRPr lang="en-US" dirty="0"/>
-          </a:p>
-          <a:p>
-            <a:pPr marL="0" indent="0">
-              <a:buNone/>
-            </a:pPr>
-            <a:endParaRPr lang="en-US" dirty="0"/>
-          </a:p>
-        </p:txBody>
-      </p:sp>
-    </p:spTree>
-    <p:extLst>
-      <p:ext uri="{BB962C8B-B14F-4D97-AF65-F5344CB8AC3E}">
-        <p14:creationId xmlns:p14="http://schemas.microsoft.com/office/powerpoint/2010/main" val="1495716717"/>
-      </p:ext>
-    </p:extLst>
-  </p:cSld>
-  <p:clrMapOvr>
-    <a:masterClrMapping/>
-  </p:clrMapOvr>
-  <p:timing>
-    <p:tnLst>
-      <p:par>
-        <p:cTn id="1" dur="indefinite" restart="never" nodeType="tmRoot">
-          <p:childTnLst>
-            <p:seq concurrent="1" nextAc="seek">
-              <p:cTn id="2" dur="indefinite" nodeType="mainSeq">
-                <p:childTnLst>
-                  <p:par>
-                    <p:cTn id="3" fill="hold">
-                      <p:stCondLst>
-                        <p:cond delay="indefinite"/>
-                      </p:stCondLst>
-                      <p:childTnLst>
-                        <p:par>
-                          <p:cTn id="4" fill="hold">
-                            <p:stCondLst>
-                              <p:cond delay="0"/>
-                            </p:stCondLst>
-                            <p:childTnLst>
-                              <p:par>
-                                <p:cTn id="5" presetID="1" presetClass="entr" presetSubtype="0" fill="hold" nodeType="clickEffect">
-                                  <p:stCondLst>
-                                    <p:cond delay="0"/>
-                                  </p:stCondLst>
-                                  <p:childTnLst>
-                                    <p:set>
-                                      <p:cBhvr>
-                                        <p:cTn id="6" dur="1" fill="hold">
-                                          <p:stCondLst>
-                                            <p:cond delay="0"/>
-                                          </p:stCondLst>
-                                        </p:cTn>
-                                        <p:tgtEl>
-                                          <p:spTgt spid="3">
-                                            <p:txEl>
-                                              <p:pRg st="3" end="3"/>
-                                            </p:txEl>
-                                          </p:spTgt>
-                                        </p:tgtEl>
-                                        <p:attrNameLst>
-                                          <p:attrName>style.visibility</p:attrName>
-                                        </p:attrNameLst>
-                                      </p:cBhvr>
-                                      <p:to>
-                                        <p:strVal val="visible"/>
-                                      </p:to>
-                                    </p:set>
-                                  </p:childTnLst>
-                                </p:cTn>
-                              </p:par>
-                            </p:childTnLst>
-                          </p:cTn>
-                        </p:par>
-                      </p:childTnLst>
-                    </p:cTn>
-                  </p:par>
-                  <p:par>
-                    <p:cTn id="7" fill="hold">
-                      <p:stCondLst>
-                        <p:cond delay="indefinite"/>
-                      </p:stCondLst>
-                      <p:childTnLst>
-                        <p:par>
-                          <p:cTn id="8" fill="hold">
-                            <p:stCondLst>
-                              <p:cond delay="0"/>
-                            </p:stCondLst>
-                            <p:childTnLst>
-                              <p:par>
-                                <p:cTn id="9" presetID="1" presetClass="entr" presetSubtype="0" fill="hold" nodeType="clickEffect">
-                                  <p:stCondLst>
-                                    <p:cond delay="0"/>
-                                  </p:stCondLst>
-                                  <p:childTnLst>
-                                    <p:set>
-                                      <p:cBhvr>
-                                        <p:cTn id="10" dur="1" fill="hold">
-                                          <p:stCondLst>
-                                            <p:cond delay="0"/>
-                                          </p:stCondLst>
-                                        </p:cTn>
-                                        <p:tgtEl>
-                                          <p:spTgt spid="3">
-                                            <p:txEl>
-                                              <p:pRg st="4" end="4"/>
-                                            </p:txEl>
-                                          </p:spTgt>
-                                        </p:tgtEl>
-                                        <p:attrNameLst>
-                                          <p:attrName>style.visibility</p:attrName>
-                                        </p:attrNameLst>
-                                      </p:cBhvr>
-                                      <p:to>
-                                        <p:strVal val="visible"/>
-                                      </p:to>
-                                    </p:set>
-                                  </p:childTnLst>
-                                </p:cTn>
-                              </p:par>
-                            </p:childTnLst>
-                          </p:cTn>
-                        </p:par>
-                      </p:childTnLst>
-                    </p:cTn>
-                  </p:par>
-                  <p:par>
-                    <p:cTn id="11" fill="hold">
-                      <p:stCondLst>
-                        <p:cond delay="indefinite"/>
-                      </p:stCondLst>
-                      <p:childTnLst>
-                        <p:par>
-                          <p:cTn id="12" fill="hold">
-                            <p:stCondLst>
-                              <p:cond delay="0"/>
-                            </p:stCondLst>
-                            <p:childTnLst>
-                              <p:par>
-                                <p:cTn id="13" presetID="1" presetClass="entr" presetSubtype="0" fill="hold" nodeType="clickEffect">
-                                  <p:stCondLst>
-                                    <p:cond delay="0"/>
-                                  </p:stCondLst>
-                                  <p:childTnLst>
-                                    <p:set>
-                                      <p:cBhvr>
-                                        <p:cTn id="14" dur="1" fill="hold">
-                                          <p:stCondLst>
-                                            <p:cond delay="0"/>
-                                          </p:stCondLst>
-                                        </p:cTn>
-                                        <p:tgtEl>
-                                          <p:spTgt spid="3">
-                                            <p:txEl>
-                                              <p:pRg st="6" end="6"/>
-                                            </p:txEl>
-                                          </p:spTgt>
-                                        </p:tgtEl>
-                                        <p:attrNameLst>
-                                          <p:attrName>style.visibility</p:attrName>
-                                        </p:attrNameLst>
-                                      </p:cBhvr>
-                                      <p:to>
-                                        <p:strVal val="visible"/>
-                                      </p:to>
-                                    </p:set>
-                                  </p:childTnLst>
-                                </p:cTn>
-                              </p:par>
-                            </p:childTnLst>
-                          </p:cTn>
-                        </p:par>
-                      </p:childTnLst>
-                    </p:cTn>
-                  </p:par>
-                </p:childTnLst>
-              </p:cTn>
-              <p:prevCondLst>
-                <p:cond evt="onPrev" delay="0">
-                  <p:tgtEl>
-                    <p:sldTgt/>
-                  </p:tgtEl>
-                </p:cond>
-              </p:prevCondLst>
-              <p:nextCondLst>
-                <p:cond evt="onNext" delay="0">
-                  <p:tgtEl>
-                    <p:sldTgt/>
-                  </p:tgtEl>
-                </p:cond>
-              </p:nextCondLst>
-            </p:seq>
-          </p:childTnLst>
-        </p:cTn>
-      </p:par>
-    </p:tnLst>
-  </p:timing>
-</p:sld>
-</file>
-
-<file path=ppt/slides/slide26.xml><?xml version="1.0" encoding="utf-8"?>
-<p:sld xmlns:a="http://schemas.openxmlformats.org/drawingml/2006/main" xmlns:r="http://schemas.openxmlformats.org/officeDocument/2006/relationships" xmlns:p="http://schemas.openxmlformats.org/presentationml/2006/main">
-  <p:cSld>
-    <p:spTree>
-      <p:nvGrpSpPr>
-        <p:cNvPr id="1" name=""/>
-        <p:cNvGrpSpPr/>
-        <p:nvPr/>
-      </p:nvGrpSpPr>
-      <p:grpSpPr>
-        <a:xfrm>
-          <a:off x="0" y="0"/>
-          <a:ext cx="0" cy="0"/>
-          <a:chOff x="0" y="0"/>
-          <a:chExt cx="0" cy="0"/>
-        </a:xfrm>
-      </p:grpSpPr>
-      <p:sp>
-        <p:nvSpPr>
-          <p:cNvPr id="2" name="Title 1">
-            <a:extLst>
-              <a:ext uri="{FF2B5EF4-FFF2-40B4-BE49-F238E27FC236}">
-                <a16:creationId xmlns:a16="http://schemas.microsoft.com/office/drawing/2014/main" id="{AA3A228F-61D0-D949-A5E7-F83756230BF8}"/>
-              </a:ext>
-            </a:extLst>
-          </p:cNvPr>
-          <p:cNvSpPr>
-            <a:spLocks noGrp="1"/>
-          </p:cNvSpPr>
-          <p:nvPr>
-            <p:ph type="title"/>
-          </p:nvPr>
-        </p:nvSpPr>
-        <p:spPr>
-          <a:xfrm>
-            <a:off x="483848" y="83453"/>
-            <a:ext cx="7053542" cy="535672"/>
-          </a:xfrm>
-        </p:spPr>
-        <p:txBody>
-          <a:bodyPr/>
-          <a:lstStyle/>
-          <a:p>
-            <a:r>
-              <a:rPr lang="en-US" dirty="0"/>
-              <a:t>An Example of a class(Optional)</a:t>
-            </a:r>
-          </a:p>
-        </p:txBody>
-      </p:sp>
-      <p:sp>
-        <p:nvSpPr>
-          <p:cNvPr id="9" name="Content Placeholder 8">
-            <a:extLst>
-              <a:ext uri="{FF2B5EF4-FFF2-40B4-BE49-F238E27FC236}">
-                <a16:creationId xmlns:a16="http://schemas.microsoft.com/office/drawing/2014/main" id="{E3B2E017-30B2-884B-A113-B419A2ED51AD}"/>
-              </a:ext>
-            </a:extLst>
-          </p:cNvPr>
-          <p:cNvSpPr>
-            <a:spLocks noGrp="1"/>
-          </p:cNvSpPr>
-          <p:nvPr>
-            <p:ph idx="1"/>
-          </p:nvPr>
-        </p:nvSpPr>
-        <p:spPr>
-          <a:xfrm>
-            <a:off x="483848" y="619125"/>
-            <a:ext cx="8051725" cy="5095875"/>
-          </a:xfrm>
-        </p:spPr>
-        <p:txBody>
-          <a:bodyPr>
-            <a:noAutofit/>
-          </a:bodyPr>
-          <a:lstStyle/>
-          <a:p>
-            <a:pPr marL="0" indent="0">
-              <a:buNone/>
-            </a:pPr>
-            <a:r>
-              <a:rPr lang="en-US" sz="1600" b="1" dirty="0" err="1">
-                <a:solidFill>
-                  <a:srgbClr val="FF0000"/>
-                </a:solidFill>
-                <a:latin typeface="Inconsolata" panose="020B0609030003000000" pitchFamily="49" charset="77"/>
-              </a:rPr>
-              <a:t>main.py</a:t>
-            </a:r>
-            <a:endParaRPr lang="en-US" sz="1600" b="1" dirty="0">
-              <a:solidFill>
-                <a:srgbClr val="34A327"/>
-              </a:solidFill>
-              <a:latin typeface="Inconsolata" panose="020B0609030003000000" pitchFamily="49" charset="77"/>
-            </a:endParaRPr>
-          </a:p>
-          <a:p>
-            <a:pPr marL="0" indent="0">
-              <a:buNone/>
-            </a:pPr>
-            <a:r>
-              <a:rPr lang="en-US" sz="1600" b="1" dirty="0">
-                <a:solidFill>
-                  <a:srgbClr val="34A327"/>
-                </a:solidFill>
-                <a:latin typeface="Inconsolata" panose="020B0609030003000000" pitchFamily="49" charset="77"/>
-              </a:rPr>
-              <a:t>class</a:t>
-            </a:r>
-            <a:r>
-              <a:rPr lang="en-US" sz="1600" b="1" dirty="0">
-                <a:solidFill>
-                  <a:srgbClr val="000000"/>
-                </a:solidFill>
-                <a:latin typeface="Inconsolata" panose="020B0609030003000000" pitchFamily="49" charset="77"/>
-              </a:rPr>
-              <a:t> </a:t>
-            </a:r>
-            <a:r>
-              <a:rPr lang="en-US" sz="1600" b="1" dirty="0">
-                <a:solidFill>
-                  <a:srgbClr val="3C9FF2"/>
-                </a:solidFill>
-                <a:latin typeface="Inconsolata" panose="020B0609030003000000" pitchFamily="49" charset="77"/>
-              </a:rPr>
-              <a:t>Student:</a:t>
-            </a:r>
-          </a:p>
-          <a:p>
-            <a:pPr marL="0" indent="0">
-              <a:buNone/>
-            </a:pPr>
-            <a:r>
-              <a:rPr lang="en-US" sz="1600" b="1" dirty="0">
-                <a:solidFill>
-                  <a:srgbClr val="3C9FF2"/>
-                </a:solidFill>
-                <a:latin typeface="Inconsolata" panose="020B0609030003000000" pitchFamily="49" charset="77"/>
-              </a:rPr>
-              <a:t>	def __</a:t>
-            </a:r>
-            <a:r>
-              <a:rPr lang="en-US" sz="1600" b="1" dirty="0" err="1">
-                <a:solidFill>
-                  <a:srgbClr val="3C9FF2"/>
-                </a:solidFill>
-                <a:latin typeface="Inconsolata" panose="020B0609030003000000" pitchFamily="49" charset="77"/>
-              </a:rPr>
-              <a:t>init</a:t>
-            </a:r>
-            <a:r>
-              <a:rPr lang="en-US" sz="1600" b="1" dirty="0">
-                <a:solidFill>
-                  <a:srgbClr val="3C9FF2"/>
-                </a:solidFill>
-                <a:latin typeface="Inconsolata" panose="020B0609030003000000" pitchFamily="49" charset="77"/>
-              </a:rPr>
-              <a:t>__(self, </a:t>
-            </a:r>
-            <a:r>
-              <a:rPr lang="en-US" sz="1600" b="1" dirty="0">
-                <a:latin typeface="Inconsolata" panose="020B0609030003000000" pitchFamily="49" charset="77"/>
-              </a:rPr>
-              <a:t>name</a:t>
-            </a:r>
-            <a:r>
-              <a:rPr lang="en-US" sz="1600" b="1" dirty="0">
-                <a:solidFill>
-                  <a:srgbClr val="3C9FF2"/>
-                </a:solidFill>
-                <a:latin typeface="Inconsolata" panose="020B0609030003000000" pitchFamily="49" charset="77"/>
-              </a:rPr>
-              <a:t>, </a:t>
-            </a:r>
-            <a:r>
-              <a:rPr lang="en-US" sz="1600" b="1" dirty="0">
-                <a:latin typeface="Inconsolata" panose="020B0609030003000000" pitchFamily="49" charset="77"/>
-              </a:rPr>
-              <a:t>id</a:t>
-            </a:r>
-            <a:r>
-              <a:rPr lang="en-US" sz="1600" b="1" dirty="0">
-                <a:solidFill>
-                  <a:srgbClr val="3C9FF2"/>
-                </a:solidFill>
-                <a:latin typeface="Inconsolata" panose="020B0609030003000000" pitchFamily="49" charset="77"/>
-              </a:rPr>
-              <a:t>):</a:t>
-            </a:r>
-          </a:p>
-          <a:p>
-            <a:pPr marL="0" indent="0">
-              <a:buNone/>
-            </a:pPr>
-            <a:r>
-              <a:rPr lang="en-US" sz="1600" b="1" dirty="0">
-                <a:solidFill>
-                  <a:srgbClr val="3C9FF2"/>
-                </a:solidFill>
-                <a:latin typeface="Inconsolata" panose="020B0609030003000000" pitchFamily="49" charset="77"/>
-              </a:rPr>
-              <a:t>		</a:t>
-            </a:r>
-            <a:r>
-              <a:rPr lang="en-US" sz="1600" b="1" dirty="0" err="1">
-                <a:latin typeface="Inconsolata" panose="020B0609030003000000" pitchFamily="49" charset="77"/>
-              </a:rPr>
-              <a:t>self.name</a:t>
-            </a:r>
-            <a:r>
-              <a:rPr lang="en-US" sz="1600" b="1" dirty="0">
-                <a:latin typeface="Inconsolata" panose="020B0609030003000000" pitchFamily="49" charset="77"/>
-              </a:rPr>
-              <a:t> </a:t>
-            </a:r>
-            <a:r>
-              <a:rPr lang="en-US" sz="1600" b="1" dirty="0">
-                <a:solidFill>
-                  <a:srgbClr val="3C9FF2"/>
-                </a:solidFill>
-                <a:latin typeface="Inconsolata" panose="020B0609030003000000" pitchFamily="49" charset="77"/>
-              </a:rPr>
-              <a:t>= name</a:t>
-            </a:r>
-          </a:p>
-          <a:p>
-            <a:pPr marL="0" indent="0">
-              <a:buNone/>
-            </a:pPr>
-            <a:r>
-              <a:rPr lang="en-US" sz="1600" b="1" dirty="0">
-                <a:solidFill>
-                  <a:srgbClr val="3C9FF2"/>
-                </a:solidFill>
-                <a:latin typeface="Inconsolata" panose="020B0609030003000000" pitchFamily="49" charset="77"/>
-              </a:rPr>
-              <a:t>		</a:t>
-            </a:r>
-            <a:r>
-              <a:rPr lang="en-US" sz="1600" b="1" dirty="0" err="1">
-                <a:latin typeface="Inconsolata" panose="020B0609030003000000" pitchFamily="49" charset="77"/>
-              </a:rPr>
-              <a:t>self.id</a:t>
-            </a:r>
-            <a:r>
-              <a:rPr lang="en-US" sz="1600" b="1" dirty="0">
-                <a:latin typeface="Inconsolata" panose="020B0609030003000000" pitchFamily="49" charset="77"/>
-              </a:rPr>
-              <a:t> </a:t>
-            </a:r>
-            <a:r>
-              <a:rPr lang="en-US" sz="1600" b="1" dirty="0">
-                <a:solidFill>
-                  <a:srgbClr val="3C9FF2"/>
-                </a:solidFill>
-                <a:latin typeface="Inconsolata" panose="020B0609030003000000" pitchFamily="49" charset="77"/>
-              </a:rPr>
-              <a:t>= id</a:t>
-            </a:r>
-          </a:p>
-          <a:p>
-            <a:pPr marL="0" indent="0">
-              <a:buNone/>
-            </a:pPr>
-            <a:r>
-              <a:rPr lang="en-US" sz="1600" b="1" dirty="0">
-                <a:solidFill>
-                  <a:srgbClr val="3C9FF2"/>
-                </a:solidFill>
-                <a:latin typeface="Inconsolata" panose="020B0609030003000000" pitchFamily="49" charset="77"/>
-              </a:rPr>
-              <a:t>	def </a:t>
-            </a:r>
-            <a:r>
-              <a:rPr lang="en-US" sz="1600" b="1" dirty="0" err="1">
-                <a:solidFill>
-                  <a:srgbClr val="3C9FF2"/>
-                </a:solidFill>
-                <a:latin typeface="Inconsolata" panose="020B0609030003000000" pitchFamily="49" charset="77"/>
-              </a:rPr>
-              <a:t>print_info</a:t>
-            </a:r>
-            <a:r>
-              <a:rPr lang="en-US" sz="1600" b="1" dirty="0">
-                <a:solidFill>
-                  <a:srgbClr val="3C9FF2"/>
-                </a:solidFill>
-                <a:latin typeface="Inconsolata" panose="020B0609030003000000" pitchFamily="49" charset="77"/>
-              </a:rPr>
-              <a:t>(self):</a:t>
-            </a:r>
-          </a:p>
-          <a:p>
-            <a:pPr marL="0" indent="0">
-              <a:buNone/>
-            </a:pPr>
-            <a:r>
-              <a:rPr lang="en-US" sz="1600" b="1" dirty="0">
-                <a:solidFill>
-                  <a:srgbClr val="3C9FF2"/>
-                </a:solidFill>
-                <a:latin typeface="Inconsolata" panose="020B0609030003000000" pitchFamily="49" charset="77"/>
-              </a:rPr>
-              <a:t>		</a:t>
-            </a:r>
-            <a:r>
-              <a:rPr lang="en-US" sz="1600" b="1" dirty="0">
-                <a:latin typeface="Inconsolata" panose="020B0609030003000000" pitchFamily="49" charset="77"/>
-              </a:rPr>
-              <a:t>print(</a:t>
-            </a:r>
-            <a:r>
-              <a:rPr lang="en-US" sz="1600" b="1" dirty="0" err="1">
-                <a:latin typeface="Inconsolata" panose="020B0609030003000000" pitchFamily="49" charset="77"/>
-              </a:rPr>
-              <a:t>self.name</a:t>
-            </a:r>
-            <a:r>
-              <a:rPr lang="en-US" sz="1600" b="1" dirty="0">
-                <a:latin typeface="Inconsolata" panose="020B0609030003000000" pitchFamily="49" charset="77"/>
-              </a:rPr>
-              <a:t>, </a:t>
-            </a:r>
-            <a:r>
-              <a:rPr lang="en-US" sz="1600" b="1" dirty="0" err="1">
-                <a:latin typeface="Inconsolata" panose="020B0609030003000000" pitchFamily="49" charset="77"/>
-              </a:rPr>
-              <a:t>self.id</a:t>
-            </a:r>
-            <a:r>
-              <a:rPr lang="en-US" sz="1600" b="1" dirty="0">
-                <a:latin typeface="Inconsolata" panose="020B0609030003000000" pitchFamily="49" charset="77"/>
-              </a:rPr>
-              <a:t>)</a:t>
-            </a:r>
-            <a:endParaRPr lang="en-US" sz="1600" b="1" dirty="0">
-              <a:solidFill>
-                <a:srgbClr val="34A327"/>
-              </a:solidFill>
-              <a:latin typeface="Inconsolata" panose="020B0609030003000000" pitchFamily="49" charset="77"/>
-            </a:endParaRPr>
-          </a:p>
-          <a:p>
-            <a:pPr marL="0" indent="0">
-              <a:buNone/>
-            </a:pPr>
-            <a:r>
-              <a:rPr lang="en-US" sz="1600" b="1" dirty="0">
-                <a:solidFill>
-                  <a:srgbClr val="34A327"/>
-                </a:solidFill>
-                <a:latin typeface="Inconsolata" panose="020B0609030003000000" pitchFamily="49" charset="77"/>
-              </a:rPr>
-              <a:t>def</a:t>
-            </a:r>
-            <a:r>
-              <a:rPr lang="en-US" sz="1600" b="1" dirty="0">
-                <a:solidFill>
-                  <a:srgbClr val="000000"/>
-                </a:solidFill>
-                <a:latin typeface="Inconsolata" panose="020B0609030003000000" pitchFamily="49" charset="77"/>
-              </a:rPr>
-              <a:t> </a:t>
-            </a:r>
-            <a:r>
-              <a:rPr lang="en-US" sz="1600" b="1" dirty="0">
-                <a:solidFill>
-                  <a:srgbClr val="3C9FF2"/>
-                </a:solidFill>
-                <a:latin typeface="Inconsolata" panose="020B0609030003000000" pitchFamily="49" charset="77"/>
-              </a:rPr>
-              <a:t>main</a:t>
-            </a:r>
-            <a:r>
-              <a:rPr lang="en-US" sz="1600" b="1" dirty="0">
-                <a:solidFill>
-                  <a:srgbClr val="000000"/>
-                </a:solidFill>
-                <a:latin typeface="Inconsolata" panose="020B0609030003000000" pitchFamily="49" charset="77"/>
-              </a:rPr>
-              <a:t>(): </a:t>
-            </a:r>
-          </a:p>
-          <a:p>
-            <a:pPr marL="0" indent="0">
-              <a:buNone/>
-            </a:pPr>
-            <a:r>
-              <a:rPr lang="en-US" sz="1600" b="1" dirty="0">
-                <a:solidFill>
-                  <a:srgbClr val="000000"/>
-                </a:solidFill>
-                <a:latin typeface="Inconsolata" panose="020B0609030003000000" pitchFamily="49" charset="77"/>
-              </a:rPr>
-              <a:t>	s1 = Student("Mike Smith", 34323)</a:t>
-            </a:r>
-          </a:p>
-          <a:p>
-            <a:pPr marL="0" indent="0">
-              <a:buNone/>
-            </a:pPr>
-            <a:r>
-              <a:rPr lang="en-US" sz="1600" b="1" dirty="0">
-                <a:solidFill>
-                  <a:srgbClr val="000000"/>
-                </a:solidFill>
-                <a:latin typeface="Inconsolata" panose="020B0609030003000000" pitchFamily="49" charset="77"/>
-              </a:rPr>
-              <a:t>	s2 = Student("Sarah Jones", 67432)</a:t>
-            </a:r>
-          </a:p>
-          <a:p>
-            <a:pPr marL="0" indent="0">
-              <a:buNone/>
-            </a:pPr>
-            <a:r>
-              <a:rPr lang="en-US" sz="1600" b="1" dirty="0">
-                <a:solidFill>
-                  <a:srgbClr val="000000"/>
-                </a:solidFill>
-                <a:latin typeface="Inconsolata" panose="020B0609030003000000" pitchFamily="49" charset="77"/>
-              </a:rPr>
-              <a:t>	print(s1.name)	</a:t>
-            </a:r>
-            <a:r>
-              <a:rPr lang="en-US" sz="1600" b="1" dirty="0">
-                <a:solidFill>
-                  <a:schemeClr val="accent1"/>
-                </a:solidFill>
-                <a:latin typeface="Inconsolata" panose="020B0609030003000000" pitchFamily="49" charset="77"/>
-              </a:rPr>
-              <a:t># Mike Smith</a:t>
-            </a:r>
-          </a:p>
-          <a:p>
-            <a:pPr marL="0" indent="0">
-              <a:buNone/>
-            </a:pPr>
-            <a:r>
-              <a:rPr lang="en-US" sz="1600" b="1" dirty="0">
-                <a:solidFill>
-                  <a:srgbClr val="000000"/>
-                </a:solidFill>
-                <a:latin typeface="Inconsolata" panose="020B0609030003000000" pitchFamily="49" charset="77"/>
-              </a:rPr>
-              <a:t>	print(s2.name)	</a:t>
-            </a:r>
-            <a:r>
-              <a:rPr lang="en-US" sz="1600" b="1" dirty="0">
-                <a:solidFill>
-                  <a:schemeClr val="accent1"/>
-                </a:solidFill>
-                <a:latin typeface="Inconsolata" panose="020B0609030003000000" pitchFamily="49" charset="77"/>
-              </a:rPr>
-              <a:t># Sarah Jones</a:t>
-            </a:r>
-          </a:p>
-          <a:p>
-            <a:pPr marL="0" indent="0">
-              <a:buNone/>
-            </a:pPr>
-            <a:r>
-              <a:rPr lang="en-US" sz="1600" b="1" dirty="0">
-                <a:solidFill>
-                  <a:srgbClr val="000000"/>
-                </a:solidFill>
-                <a:latin typeface="Inconsolata" panose="020B0609030003000000" pitchFamily="49" charset="77"/>
-              </a:rPr>
-              <a:t>	print(s1.id)		</a:t>
-            </a:r>
-            <a:r>
-              <a:rPr lang="en-US" sz="1600" b="1" dirty="0">
-                <a:solidFill>
-                  <a:schemeClr val="accent1"/>
-                </a:solidFill>
-                <a:latin typeface="Inconsolata" panose="020B0609030003000000" pitchFamily="49" charset="77"/>
-              </a:rPr>
-              <a:t># 34323</a:t>
-            </a:r>
-          </a:p>
-          <a:p>
-            <a:pPr marL="0" indent="0">
-              <a:buNone/>
-            </a:pPr>
-            <a:r>
-              <a:rPr lang="en-US" sz="1600" b="1" dirty="0">
-                <a:solidFill>
-                  <a:srgbClr val="000000"/>
-                </a:solidFill>
-                <a:latin typeface="Inconsolata" panose="020B0609030003000000" pitchFamily="49" charset="77"/>
-              </a:rPr>
-              <a:t>	s1.print_info()	</a:t>
-            </a:r>
-            <a:r>
-              <a:rPr lang="en-US" sz="1600" b="1" dirty="0">
-                <a:solidFill>
-                  <a:schemeClr val="accent1"/>
-                </a:solidFill>
-                <a:latin typeface="Inconsolata" panose="020B0609030003000000" pitchFamily="49" charset="77"/>
-              </a:rPr>
-              <a:t># Mike Smith 34323</a:t>
-            </a:r>
-          </a:p>
-          <a:p>
-            <a:pPr marL="0" indent="0">
-              <a:buNone/>
-            </a:pPr>
-            <a:r>
-              <a:rPr lang="en-US" sz="1600" b="1" dirty="0">
-                <a:solidFill>
-                  <a:srgbClr val="000000"/>
-                </a:solidFill>
-                <a:latin typeface="Inconsolata" panose="020B0609030003000000" pitchFamily="49" charset="77"/>
-              </a:rPr>
-              <a:t>	s2.print_info()	</a:t>
-            </a:r>
-            <a:r>
-              <a:rPr lang="en-US" sz="1600" b="1" dirty="0">
-                <a:solidFill>
-                  <a:schemeClr val="accent1"/>
-                </a:solidFill>
-                <a:latin typeface="Inconsolata" panose="020B0609030003000000" pitchFamily="49" charset="77"/>
-              </a:rPr>
-              <a:t># Sarah Jones 67432</a:t>
-            </a:r>
-          </a:p>
-          <a:p>
-            <a:pPr marL="0" indent="0">
-              <a:buNone/>
-            </a:pPr>
-            <a:r>
-              <a:rPr lang="en-US" sz="1600" b="1" dirty="0">
-                <a:solidFill>
-                  <a:srgbClr val="000000"/>
-                </a:solidFill>
-                <a:latin typeface="Inconsolata" panose="020B0609030003000000" pitchFamily="49" charset="77"/>
-              </a:rPr>
-              <a:t>main()</a:t>
-            </a:r>
-          </a:p>
-          <a:p>
-            <a:pPr marL="0" indent="0">
-              <a:buNone/>
-            </a:pPr>
-            <a:endParaRPr lang="en-US" sz="1600" b="1" dirty="0">
-              <a:solidFill>
-                <a:srgbClr val="000000"/>
-              </a:solidFill>
-              <a:latin typeface="Inconsolata" panose="020B0609030003000000" pitchFamily="49" charset="77"/>
-            </a:endParaRPr>
-          </a:p>
-          <a:p>
-            <a:pPr marL="0" indent="0">
-              <a:buNone/>
-            </a:pPr>
-            <a:endParaRPr lang="en-US" sz="1600" b="1" dirty="0">
-              <a:solidFill>
-                <a:srgbClr val="000000"/>
-              </a:solidFill>
-              <a:latin typeface="Inconsolata" panose="020B0609030003000000" pitchFamily="49" charset="77"/>
-            </a:endParaRPr>
-          </a:p>
-          <a:p>
-            <a:pPr marL="0" indent="0">
-              <a:buNone/>
-            </a:pPr>
-            <a:endParaRPr lang="en-US" sz="1600" b="1" dirty="0">
-              <a:latin typeface="Inconsolata" panose="020B0609030003000000" pitchFamily="49" charset="77"/>
-            </a:endParaRPr>
-          </a:p>
-        </p:txBody>
-      </p:sp>
-      <p:cxnSp>
-        <p:nvCxnSpPr>
-          <p:cNvPr id="5" name="Straight Arrow Connector 4">
-            <a:extLst>
-              <a:ext uri="{FF2B5EF4-FFF2-40B4-BE49-F238E27FC236}">
-                <a16:creationId xmlns:a16="http://schemas.microsoft.com/office/drawing/2014/main" id="{574B46E1-76CC-9549-A9EA-426276DA9BB1}"/>
-              </a:ext>
-            </a:extLst>
-          </p:cNvPr>
-          <p:cNvCxnSpPr>
-            <a:cxnSpLocks/>
-          </p:cNvCxnSpPr>
-          <p:nvPr/>
-        </p:nvCxnSpPr>
-        <p:spPr>
-          <a:xfrm flipV="1">
-            <a:off x="3578061" y="1573619"/>
-            <a:ext cx="0" cy="1701208"/>
-          </a:xfrm>
-          <a:prstGeom prst="straightConnector1">
-            <a:avLst/>
-          </a:prstGeom>
-          <a:ln w="25400">
-            <a:tailEnd type="triangle"/>
-          </a:ln>
-        </p:spPr>
-        <p:style>
-          <a:lnRef idx="1">
-            <a:schemeClr val="dk1"/>
-          </a:lnRef>
-          <a:fillRef idx="0">
-            <a:schemeClr val="dk1"/>
-          </a:fillRef>
-          <a:effectRef idx="0">
-            <a:schemeClr val="dk1"/>
-          </a:effectRef>
-          <a:fontRef idx="minor">
-            <a:schemeClr val="tx1"/>
-          </a:fontRef>
-        </p:style>
-      </p:cxnSp>
-      <p:cxnSp>
-        <p:nvCxnSpPr>
-          <p:cNvPr id="7" name="Straight Arrow Connector 6">
-            <a:extLst>
-              <a:ext uri="{FF2B5EF4-FFF2-40B4-BE49-F238E27FC236}">
-                <a16:creationId xmlns:a16="http://schemas.microsoft.com/office/drawing/2014/main" id="{127FB062-DB15-4646-AE2B-FEAD356A26B0}"/>
-              </a:ext>
-            </a:extLst>
-          </p:cNvPr>
-          <p:cNvCxnSpPr>
-            <a:cxnSpLocks/>
-          </p:cNvCxnSpPr>
-          <p:nvPr/>
-        </p:nvCxnSpPr>
-        <p:spPr>
-          <a:xfrm flipH="1" flipV="1">
-            <a:off x="3987209" y="1573619"/>
-            <a:ext cx="318978" cy="1593444"/>
-          </a:xfrm>
-          <a:prstGeom prst="straightConnector1">
-            <a:avLst/>
-          </a:prstGeom>
-          <a:ln w="25400">
-            <a:tailEnd type="triangle"/>
-          </a:ln>
-        </p:spPr>
-        <p:style>
-          <a:lnRef idx="1">
-            <a:schemeClr val="dk1"/>
-          </a:lnRef>
-          <a:fillRef idx="0">
-            <a:schemeClr val="dk1"/>
-          </a:fillRef>
-          <a:effectRef idx="0">
-            <a:schemeClr val="dk1"/>
-          </a:effectRef>
-          <a:fontRef idx="minor">
-            <a:schemeClr val="tx1"/>
-          </a:fontRef>
-        </p:style>
-      </p:cxnSp>
-      <p:sp>
-        <p:nvSpPr>
-          <p:cNvPr id="8" name="TextBox 7">
-            <a:extLst>
-              <a:ext uri="{FF2B5EF4-FFF2-40B4-BE49-F238E27FC236}">
-                <a16:creationId xmlns:a16="http://schemas.microsoft.com/office/drawing/2014/main" id="{C6364B6A-CF35-B049-A125-AFAFEE462FD5}"/>
-              </a:ext>
-            </a:extLst>
-          </p:cNvPr>
-          <p:cNvSpPr txBox="1"/>
-          <p:nvPr/>
-        </p:nvSpPr>
-        <p:spPr>
-          <a:xfrm>
-            <a:off x="5671321" y="2087818"/>
-            <a:ext cx="2864252" cy="923330"/>
-          </a:xfrm>
-          <a:prstGeom prst="rect">
-            <a:avLst/>
-          </a:prstGeom>
-          <a:noFill/>
-        </p:spPr>
-        <p:txBody>
-          <a:bodyPr wrap="square" rtlCol="0">
-            <a:spAutoFit/>
-          </a:bodyPr>
-          <a:lstStyle/>
-          <a:p>
-            <a:r>
-              <a:rPr lang="en-US" sz="1800" dirty="0">
-                <a:solidFill>
-                  <a:srgbClr val="FF0000"/>
-                </a:solidFill>
-                <a:latin typeface="Gill Sans MT" panose="020B0502020104020203" pitchFamily="34" charset="77"/>
-              </a:rPr>
-              <a:t>Student is a </a:t>
-            </a:r>
-            <a:r>
-              <a:rPr lang="en-US" sz="1800" b="1" dirty="0">
-                <a:solidFill>
-                  <a:srgbClr val="FF0000"/>
-                </a:solidFill>
-                <a:latin typeface="Gill Sans MT" panose="020B0502020104020203" pitchFamily="34" charset="77"/>
-              </a:rPr>
-              <a:t>class</a:t>
-            </a:r>
-            <a:r>
-              <a:rPr lang="en-US" sz="1800" dirty="0">
-                <a:solidFill>
-                  <a:srgbClr val="FF0000"/>
-                </a:solidFill>
-                <a:latin typeface="Gill Sans MT" panose="020B0502020104020203" pitchFamily="34" charset="77"/>
-              </a:rPr>
-              <a:t>(or </a:t>
-            </a:r>
-            <a:r>
-              <a:rPr lang="en-US" sz="1800" b="1" dirty="0">
-                <a:solidFill>
-                  <a:srgbClr val="FF0000"/>
-                </a:solidFill>
-                <a:latin typeface="Gill Sans MT" panose="020B0502020104020203" pitchFamily="34" charset="77"/>
-              </a:rPr>
-              <a:t>type</a:t>
-            </a:r>
-            <a:r>
-              <a:rPr lang="en-US" sz="1800" dirty="0">
-                <a:solidFill>
-                  <a:srgbClr val="FF0000"/>
-                </a:solidFill>
-                <a:latin typeface="Gill Sans MT" panose="020B0502020104020203" pitchFamily="34" charset="77"/>
-              </a:rPr>
-              <a:t>) and s1 and s2 are two of its </a:t>
-            </a:r>
-            <a:r>
-              <a:rPr lang="en-US" sz="1800" b="1" dirty="0">
-                <a:solidFill>
-                  <a:srgbClr val="FF0000"/>
-                </a:solidFill>
-                <a:latin typeface="Gill Sans MT" panose="020B0502020104020203" pitchFamily="34" charset="77"/>
-              </a:rPr>
-              <a:t>objects</a:t>
-            </a:r>
-            <a:r>
-              <a:rPr lang="en-US" sz="1800" dirty="0">
-                <a:solidFill>
-                  <a:srgbClr val="FF0000"/>
-                </a:solidFill>
-                <a:latin typeface="Gill Sans MT" panose="020B0502020104020203" pitchFamily="34" charset="77"/>
-              </a:rPr>
-              <a:t>. </a:t>
-            </a:r>
-          </a:p>
-        </p:txBody>
-      </p:sp>
-      <p:cxnSp>
-        <p:nvCxnSpPr>
-          <p:cNvPr id="11" name="Straight Arrow Connector 10">
-            <a:extLst>
-              <a:ext uri="{FF2B5EF4-FFF2-40B4-BE49-F238E27FC236}">
-                <a16:creationId xmlns:a16="http://schemas.microsoft.com/office/drawing/2014/main" id="{3F8D02A8-381C-254F-9732-2F5C2716B0D3}"/>
-              </a:ext>
-            </a:extLst>
-          </p:cNvPr>
-          <p:cNvCxnSpPr>
-            <a:cxnSpLocks/>
-          </p:cNvCxnSpPr>
-          <p:nvPr/>
-        </p:nvCxnSpPr>
-        <p:spPr>
-          <a:xfrm flipH="1">
-            <a:off x="5037962" y="3047540"/>
-            <a:ext cx="1523152" cy="311829"/>
-          </a:xfrm>
-          <a:prstGeom prst="straightConnector1">
-            <a:avLst/>
-          </a:prstGeom>
-          <a:ln w="25400">
-            <a:tailEnd type="triangle"/>
-          </a:ln>
-        </p:spPr>
-        <p:style>
-          <a:lnRef idx="1">
-            <a:schemeClr val="dk1"/>
-          </a:lnRef>
-          <a:fillRef idx="0">
-            <a:schemeClr val="dk1"/>
-          </a:fillRef>
-          <a:effectRef idx="0">
-            <a:schemeClr val="dk1"/>
-          </a:effectRef>
-          <a:fontRef idx="minor">
-            <a:schemeClr val="tx1"/>
-          </a:fontRef>
-        </p:style>
-      </p:cxnSp>
-    </p:spTree>
-    <p:extLst>
-      <p:ext uri="{BB962C8B-B14F-4D97-AF65-F5344CB8AC3E}">
-        <p14:creationId xmlns:p14="http://schemas.microsoft.com/office/powerpoint/2010/main" val="2984014915"/>
-      </p:ext>
-    </p:extLst>
-  </p:cSld>
-  <p:clrMapOvr>
-    <a:masterClrMapping/>
-  </p:clrMapOvr>
-  <p:timing>
-    <p:tnLst>
-      <p:par>
-        <p:cTn id="1" dur="indefinite" restart="never" nodeType="tmRoot">
-          <p:childTnLst>
-            <p:seq concurrent="1" nextAc="seek">
-              <p:cTn id="2" dur="indefinite" nodeType="mainSeq">
-                <p:childTnLst>
-                  <p:par>
-                    <p:cTn id="3" fill="hold">
-                      <p:stCondLst>
-                        <p:cond delay="indefinite"/>
-                      </p:stCondLst>
-                      <p:childTnLst>
-                        <p:par>
-                          <p:cTn id="4" fill="hold">
-                            <p:stCondLst>
-                              <p:cond delay="0"/>
-                            </p:stCondLst>
-                            <p:childTnLst>
-                              <p:par>
-                                <p:cTn id="5" presetID="1" presetClass="entr" presetSubtype="0" fill="hold" nodeType="clickEffect">
-                                  <p:stCondLst>
-                                    <p:cond delay="0"/>
-                                  </p:stCondLst>
-                                  <p:childTnLst>
-                                    <p:set>
-                                      <p:cBhvr>
-                                        <p:cTn id="6" dur="1" fill="hold">
-                                          <p:stCondLst>
-                                            <p:cond delay="0"/>
-                                          </p:stCondLst>
-                                        </p:cTn>
-                                        <p:tgtEl>
-                                          <p:spTgt spid="9">
-                                            <p:txEl>
-                                              <p:pRg st="1" end="1"/>
-                                            </p:txEl>
-                                          </p:spTgt>
-                                        </p:tgtEl>
-                                        <p:attrNameLst>
-                                          <p:attrName>style.visibility</p:attrName>
-                                        </p:attrNameLst>
-                                      </p:cBhvr>
-                                      <p:to>
-                                        <p:strVal val="visible"/>
-                                      </p:to>
-                                    </p:set>
-                                  </p:childTnLst>
-                                </p:cTn>
-                              </p:par>
-                              <p:par>
-                                <p:cTn id="7" presetID="1" presetClass="entr" presetSubtype="0" fill="hold" nodeType="withEffect">
-                                  <p:stCondLst>
-                                    <p:cond delay="0"/>
-                                  </p:stCondLst>
-                                  <p:childTnLst>
-                                    <p:set>
-                                      <p:cBhvr>
-                                        <p:cTn id="8" dur="1" fill="hold">
-                                          <p:stCondLst>
-                                            <p:cond delay="0"/>
-                                          </p:stCondLst>
-                                        </p:cTn>
-                                        <p:tgtEl>
-                                          <p:spTgt spid="9">
-                                            <p:txEl>
-                                              <p:pRg st="2" end="2"/>
-                                            </p:txEl>
-                                          </p:spTgt>
-                                        </p:tgtEl>
-                                        <p:attrNameLst>
-                                          <p:attrName>style.visibility</p:attrName>
-                                        </p:attrNameLst>
-                                      </p:cBhvr>
-                                      <p:to>
-                                        <p:strVal val="visible"/>
-                                      </p:to>
-                                    </p:set>
-                                  </p:childTnLst>
-                                </p:cTn>
-                              </p:par>
-                              <p:par>
-                                <p:cTn id="9" presetID="1" presetClass="entr" presetSubtype="0" fill="hold" nodeType="withEffect">
-                                  <p:stCondLst>
-                                    <p:cond delay="0"/>
-                                  </p:stCondLst>
-                                  <p:childTnLst>
-                                    <p:set>
-                                      <p:cBhvr>
-                                        <p:cTn id="10" dur="1" fill="hold">
-                                          <p:stCondLst>
-                                            <p:cond delay="0"/>
-                                          </p:stCondLst>
-                                        </p:cTn>
-                                        <p:tgtEl>
-                                          <p:spTgt spid="9">
-                                            <p:txEl>
-                                              <p:pRg st="3" end="3"/>
-                                            </p:txEl>
-                                          </p:spTgt>
-                                        </p:tgtEl>
-                                        <p:attrNameLst>
-                                          <p:attrName>style.visibility</p:attrName>
-                                        </p:attrNameLst>
-                                      </p:cBhvr>
-                                      <p:to>
-                                        <p:strVal val="visible"/>
-                                      </p:to>
-                                    </p:set>
-                                  </p:childTnLst>
-                                </p:cTn>
-                              </p:par>
-                              <p:par>
-                                <p:cTn id="11" presetID="1" presetClass="entr" presetSubtype="0" fill="hold" nodeType="withEffect">
-                                  <p:stCondLst>
-                                    <p:cond delay="0"/>
-                                  </p:stCondLst>
-                                  <p:childTnLst>
-                                    <p:set>
-                                      <p:cBhvr>
-                                        <p:cTn id="12" dur="1" fill="hold">
-                                          <p:stCondLst>
-                                            <p:cond delay="0"/>
-                                          </p:stCondLst>
-                                        </p:cTn>
-                                        <p:tgtEl>
-                                          <p:spTgt spid="9">
-                                            <p:txEl>
-                                              <p:pRg st="4" end="4"/>
-                                            </p:txEl>
-                                          </p:spTgt>
-                                        </p:tgtEl>
-                                        <p:attrNameLst>
-                                          <p:attrName>style.visibility</p:attrName>
-                                        </p:attrNameLst>
-                                      </p:cBhvr>
-                                      <p:to>
-                                        <p:strVal val="visible"/>
-                                      </p:to>
-                                    </p:set>
-                                  </p:childTnLst>
-                                </p:cTn>
-                              </p:par>
-                              <p:par>
-                                <p:cTn id="13" presetID="1" presetClass="entr" presetSubtype="0" fill="hold" nodeType="withEffect">
-                                  <p:stCondLst>
-                                    <p:cond delay="0"/>
-                                  </p:stCondLst>
-                                  <p:childTnLst>
-                                    <p:set>
-                                      <p:cBhvr>
-                                        <p:cTn id="14" dur="1" fill="hold">
-                                          <p:stCondLst>
-                                            <p:cond delay="0"/>
-                                          </p:stCondLst>
-                                        </p:cTn>
-                                        <p:tgtEl>
-                                          <p:spTgt spid="9">
-                                            <p:txEl>
-                                              <p:pRg st="5" end="5"/>
-                                            </p:txEl>
-                                          </p:spTgt>
-                                        </p:tgtEl>
-                                        <p:attrNameLst>
-                                          <p:attrName>style.visibility</p:attrName>
-                                        </p:attrNameLst>
-                                      </p:cBhvr>
-                                      <p:to>
-                                        <p:strVal val="visible"/>
-                                      </p:to>
-                                    </p:set>
-                                  </p:childTnLst>
-                                </p:cTn>
-                              </p:par>
-                              <p:par>
-                                <p:cTn id="15" presetID="1" presetClass="entr" presetSubtype="0" fill="hold" nodeType="withEffect">
-                                  <p:stCondLst>
-                                    <p:cond delay="0"/>
-                                  </p:stCondLst>
-                                  <p:childTnLst>
-                                    <p:set>
-                                      <p:cBhvr>
-                                        <p:cTn id="16" dur="1" fill="hold">
-                                          <p:stCondLst>
-                                            <p:cond delay="0"/>
-                                          </p:stCondLst>
-                                        </p:cTn>
-                                        <p:tgtEl>
-                                          <p:spTgt spid="9">
-                                            <p:txEl>
-                                              <p:pRg st="6" end="6"/>
-                                            </p:txEl>
-                                          </p:spTgt>
-                                        </p:tgtEl>
-                                        <p:attrNameLst>
-                                          <p:attrName>style.visibility</p:attrName>
-                                        </p:attrNameLst>
-                                      </p:cBhvr>
-                                      <p:to>
-                                        <p:strVal val="visible"/>
-                                      </p:to>
-                                    </p:set>
-                                  </p:childTnLst>
-                                </p:cTn>
-                              </p:par>
-                            </p:childTnLst>
-                          </p:cTn>
-                        </p:par>
-                      </p:childTnLst>
-                    </p:cTn>
-                  </p:par>
-                  <p:par>
-                    <p:cTn id="17" fill="hold">
-                      <p:stCondLst>
-                        <p:cond delay="indefinite"/>
-                      </p:stCondLst>
-                      <p:childTnLst>
-                        <p:par>
-                          <p:cTn id="18" fill="hold">
-                            <p:stCondLst>
-                              <p:cond delay="0"/>
-                            </p:stCondLst>
-                            <p:childTnLst>
-                              <p:par>
-                                <p:cTn id="19" presetID="1" presetClass="entr" presetSubtype="0" fill="hold" nodeType="clickEffect">
-                                  <p:stCondLst>
-                                    <p:cond delay="0"/>
-                                  </p:stCondLst>
-                                  <p:childTnLst>
-                                    <p:set>
-                                      <p:cBhvr>
-                                        <p:cTn id="20" dur="1" fill="hold">
-                                          <p:stCondLst>
-                                            <p:cond delay="0"/>
-                                          </p:stCondLst>
-                                        </p:cTn>
-                                        <p:tgtEl>
-                                          <p:spTgt spid="9">
-                                            <p:txEl>
-                                              <p:pRg st="7" end="7"/>
-                                            </p:txEl>
-                                          </p:spTgt>
-                                        </p:tgtEl>
-                                        <p:attrNameLst>
-                                          <p:attrName>style.visibility</p:attrName>
-                                        </p:attrNameLst>
-                                      </p:cBhvr>
-                                      <p:to>
-                                        <p:strVal val="visible"/>
-                                      </p:to>
-                                    </p:set>
-                                  </p:childTnLst>
-                                </p:cTn>
-                              </p:par>
-                              <p:par>
-                                <p:cTn id="21" presetID="1" presetClass="entr" presetSubtype="0" fill="hold" nodeType="withEffect">
-                                  <p:stCondLst>
-                                    <p:cond delay="0"/>
-                                  </p:stCondLst>
-                                  <p:childTnLst>
-                                    <p:set>
-                                      <p:cBhvr>
-                                        <p:cTn id="22" dur="1" fill="hold">
-                                          <p:stCondLst>
-                                            <p:cond delay="0"/>
-                                          </p:stCondLst>
-                                        </p:cTn>
-                                        <p:tgtEl>
-                                          <p:spTgt spid="9">
-                                            <p:txEl>
-                                              <p:pRg st="8" end="8"/>
-                                            </p:txEl>
-                                          </p:spTgt>
-                                        </p:tgtEl>
-                                        <p:attrNameLst>
-                                          <p:attrName>style.visibility</p:attrName>
-                                        </p:attrNameLst>
-                                      </p:cBhvr>
-                                      <p:to>
-                                        <p:strVal val="visible"/>
-                                      </p:to>
-                                    </p:set>
-                                  </p:childTnLst>
-                                </p:cTn>
-                              </p:par>
-                              <p:par>
-                                <p:cTn id="23" presetID="1" presetClass="entr" presetSubtype="0" fill="hold" nodeType="withEffect">
-                                  <p:stCondLst>
-                                    <p:cond delay="0"/>
-                                  </p:stCondLst>
-                                  <p:childTnLst>
-                                    <p:set>
-                                      <p:cBhvr>
-                                        <p:cTn id="24" dur="1" fill="hold">
-                                          <p:stCondLst>
-                                            <p:cond delay="0"/>
-                                          </p:stCondLst>
-                                        </p:cTn>
-                                        <p:tgtEl>
-                                          <p:spTgt spid="5"/>
-                                        </p:tgtEl>
-                                        <p:attrNameLst>
-                                          <p:attrName>style.visibility</p:attrName>
-                                        </p:attrNameLst>
-                                      </p:cBhvr>
-                                      <p:to>
-                                        <p:strVal val="visible"/>
-                                      </p:to>
-                                    </p:set>
-                                  </p:childTnLst>
-                                </p:cTn>
-                              </p:par>
-                              <p:par>
-                                <p:cTn id="25" presetID="1" presetClass="entr" presetSubtype="0" fill="hold" nodeType="withEffect">
-                                  <p:stCondLst>
-                                    <p:cond delay="0"/>
-                                  </p:stCondLst>
-                                  <p:childTnLst>
-                                    <p:set>
-                                      <p:cBhvr>
-                                        <p:cTn id="26" dur="1" fill="hold">
-                                          <p:stCondLst>
-                                            <p:cond delay="0"/>
-                                          </p:stCondLst>
-                                        </p:cTn>
-                                        <p:tgtEl>
-                                          <p:spTgt spid="7"/>
-                                        </p:tgtEl>
-                                        <p:attrNameLst>
-                                          <p:attrName>style.visibility</p:attrName>
-                                        </p:attrNameLst>
-                                      </p:cBhvr>
-                                      <p:to>
-                                        <p:strVal val="visible"/>
-                                      </p:to>
-                                    </p:set>
-                                  </p:childTnLst>
-                                </p:cTn>
-                              </p:par>
-                            </p:childTnLst>
-                          </p:cTn>
-                        </p:par>
-                      </p:childTnLst>
-                    </p:cTn>
-                  </p:par>
-                  <p:par>
-                    <p:cTn id="27" fill="hold">
-                      <p:stCondLst>
-                        <p:cond delay="indefinite"/>
-                      </p:stCondLst>
-                      <p:childTnLst>
-                        <p:par>
-                          <p:cTn id="28" fill="hold">
-                            <p:stCondLst>
-                              <p:cond delay="0"/>
-                            </p:stCondLst>
-                            <p:childTnLst>
-                              <p:par>
-                                <p:cTn id="29" presetID="1" presetClass="entr" presetSubtype="0" fill="hold" nodeType="clickEffect">
-                                  <p:stCondLst>
-                                    <p:cond delay="0"/>
-                                  </p:stCondLst>
-                                  <p:childTnLst>
-                                    <p:set>
-                                      <p:cBhvr>
-                                        <p:cTn id="30" dur="1" fill="hold">
-                                          <p:stCondLst>
-                                            <p:cond delay="0"/>
-                                          </p:stCondLst>
-                                        </p:cTn>
-                                        <p:tgtEl>
-                                          <p:spTgt spid="9">
-                                            <p:txEl>
-                                              <p:pRg st="9" end="9"/>
-                                            </p:txEl>
-                                          </p:spTgt>
-                                        </p:tgtEl>
-                                        <p:attrNameLst>
-                                          <p:attrName>style.visibility</p:attrName>
-                                        </p:attrNameLst>
-                                      </p:cBhvr>
-                                      <p:to>
-                                        <p:strVal val="visible"/>
-                                      </p:to>
-                                    </p:set>
-                                  </p:childTnLst>
-                                </p:cTn>
-                              </p:par>
-                            </p:childTnLst>
-                          </p:cTn>
-                        </p:par>
-                      </p:childTnLst>
-                    </p:cTn>
-                  </p:par>
-                  <p:par>
-                    <p:cTn id="31" fill="hold">
-                      <p:stCondLst>
-                        <p:cond delay="indefinite"/>
-                      </p:stCondLst>
-                      <p:childTnLst>
-                        <p:par>
-                          <p:cTn id="32" fill="hold">
-                            <p:stCondLst>
-                              <p:cond delay="0"/>
-                            </p:stCondLst>
-                            <p:childTnLst>
-                              <p:par>
-                                <p:cTn id="33" presetID="1" presetClass="entr" presetSubtype="0" fill="hold" nodeType="clickEffect">
-                                  <p:stCondLst>
-                                    <p:cond delay="0"/>
-                                  </p:stCondLst>
-                                  <p:childTnLst>
-                                    <p:set>
-                                      <p:cBhvr>
-                                        <p:cTn id="34" dur="1" fill="hold">
-                                          <p:stCondLst>
-                                            <p:cond delay="0"/>
-                                          </p:stCondLst>
-                                        </p:cTn>
-                                        <p:tgtEl>
-                                          <p:spTgt spid="9">
-                                            <p:txEl>
-                                              <p:pRg st="10" end="10"/>
-                                            </p:txEl>
-                                          </p:spTgt>
-                                        </p:tgtEl>
-                                        <p:attrNameLst>
-                                          <p:attrName>style.visibility</p:attrName>
-                                        </p:attrNameLst>
-                                      </p:cBhvr>
-                                      <p:to>
-                                        <p:strVal val="visible"/>
-                                      </p:to>
-                                    </p:set>
-                                  </p:childTnLst>
-                                </p:cTn>
-                              </p:par>
-                            </p:childTnLst>
-                          </p:cTn>
-                        </p:par>
-                      </p:childTnLst>
-                    </p:cTn>
-                  </p:par>
-                  <p:par>
-                    <p:cTn id="35" fill="hold">
-                      <p:stCondLst>
-                        <p:cond delay="indefinite"/>
-                      </p:stCondLst>
-                      <p:childTnLst>
-                        <p:par>
-                          <p:cTn id="36" fill="hold">
-                            <p:stCondLst>
-                              <p:cond delay="0"/>
-                            </p:stCondLst>
-                            <p:childTnLst>
-                              <p:par>
-                                <p:cTn id="37" presetID="1" presetClass="entr" presetSubtype="0" fill="hold" nodeType="clickEffect">
-                                  <p:stCondLst>
-                                    <p:cond delay="0"/>
-                                  </p:stCondLst>
-                                  <p:childTnLst>
-                                    <p:set>
-                                      <p:cBhvr>
-                                        <p:cTn id="38" dur="1" fill="hold">
-                                          <p:stCondLst>
-                                            <p:cond delay="0"/>
-                                          </p:stCondLst>
-                                        </p:cTn>
-                                        <p:tgtEl>
-                                          <p:spTgt spid="9">
-                                            <p:txEl>
-                                              <p:pRg st="11" end="11"/>
-                                            </p:txEl>
-                                          </p:spTgt>
-                                        </p:tgtEl>
-                                        <p:attrNameLst>
-                                          <p:attrName>style.visibility</p:attrName>
-                                        </p:attrNameLst>
-                                      </p:cBhvr>
-                                      <p:to>
-                                        <p:strVal val="visible"/>
-                                      </p:to>
-                                    </p:set>
-                                  </p:childTnLst>
-                                </p:cTn>
-                              </p:par>
-                            </p:childTnLst>
-                          </p:cTn>
-                        </p:par>
-                      </p:childTnLst>
-                    </p:cTn>
-                  </p:par>
-                  <p:par>
-                    <p:cTn id="39" fill="hold">
-                      <p:stCondLst>
-                        <p:cond delay="indefinite"/>
-                      </p:stCondLst>
-                      <p:childTnLst>
-                        <p:par>
-                          <p:cTn id="40" fill="hold">
-                            <p:stCondLst>
-                              <p:cond delay="0"/>
-                            </p:stCondLst>
-                            <p:childTnLst>
-                              <p:par>
-                                <p:cTn id="41" presetID="1" presetClass="entr" presetSubtype="0" fill="hold" nodeType="clickEffect">
-                                  <p:stCondLst>
-                                    <p:cond delay="0"/>
-                                  </p:stCondLst>
-                                  <p:childTnLst>
-                                    <p:set>
-                                      <p:cBhvr>
-                                        <p:cTn id="42" dur="1" fill="hold">
-                                          <p:stCondLst>
-                                            <p:cond delay="0"/>
-                                          </p:stCondLst>
-                                        </p:cTn>
-                                        <p:tgtEl>
-                                          <p:spTgt spid="9">
-                                            <p:txEl>
-                                              <p:pRg st="12" end="12"/>
-                                            </p:txEl>
-                                          </p:spTgt>
-                                        </p:tgtEl>
-                                        <p:attrNameLst>
-                                          <p:attrName>style.visibility</p:attrName>
-                                        </p:attrNameLst>
-                                      </p:cBhvr>
-                                      <p:to>
-                                        <p:strVal val="visible"/>
-                                      </p:to>
-                                    </p:set>
-                                  </p:childTnLst>
-                                </p:cTn>
-                              </p:par>
-                            </p:childTnLst>
-                          </p:cTn>
-                        </p:par>
-                      </p:childTnLst>
-                    </p:cTn>
-                  </p:par>
-                  <p:par>
-                    <p:cTn id="43" fill="hold">
-                      <p:stCondLst>
-                        <p:cond delay="indefinite"/>
-                      </p:stCondLst>
-                      <p:childTnLst>
-                        <p:par>
-                          <p:cTn id="44" fill="hold">
-                            <p:stCondLst>
-                              <p:cond delay="0"/>
-                            </p:stCondLst>
-                            <p:childTnLst>
-                              <p:par>
-                                <p:cTn id="45" presetID="1" presetClass="entr" presetSubtype="0" fill="hold" nodeType="clickEffect">
-                                  <p:stCondLst>
-                                    <p:cond delay="0"/>
-                                  </p:stCondLst>
-                                  <p:childTnLst>
-                                    <p:set>
-                                      <p:cBhvr>
-                                        <p:cTn id="46" dur="1" fill="hold">
-                                          <p:stCondLst>
-                                            <p:cond delay="0"/>
-                                          </p:stCondLst>
-                                        </p:cTn>
-                                        <p:tgtEl>
-                                          <p:spTgt spid="9">
-                                            <p:txEl>
-                                              <p:pRg st="13" end="13"/>
-                                            </p:txEl>
-                                          </p:spTgt>
-                                        </p:tgtEl>
-                                        <p:attrNameLst>
-                                          <p:attrName>style.visibility</p:attrName>
-                                        </p:attrNameLst>
-                                      </p:cBhvr>
-                                      <p:to>
-                                        <p:strVal val="visible"/>
-                                      </p:to>
-                                    </p:set>
-                                  </p:childTnLst>
-                                </p:cTn>
-                              </p:par>
-                            </p:childTnLst>
-                          </p:cTn>
-                        </p:par>
-                      </p:childTnLst>
-                    </p:cTn>
-                  </p:par>
-                  <p:par>
-                    <p:cTn id="47" fill="hold">
-                      <p:stCondLst>
-                        <p:cond delay="indefinite"/>
-                      </p:stCondLst>
-                      <p:childTnLst>
-                        <p:par>
-                          <p:cTn id="48" fill="hold">
-                            <p:stCondLst>
-                              <p:cond delay="0"/>
-                            </p:stCondLst>
-                            <p:childTnLst>
-                              <p:par>
-                                <p:cTn id="49" presetID="1" presetClass="entr" presetSubtype="0" fill="hold" nodeType="clickEffect">
-                                  <p:stCondLst>
-                                    <p:cond delay="0"/>
-                                  </p:stCondLst>
-                                  <p:childTnLst>
-                                    <p:set>
-                                      <p:cBhvr>
-                                        <p:cTn id="50" dur="1" fill="hold">
-                                          <p:stCondLst>
-                                            <p:cond delay="0"/>
-                                          </p:stCondLst>
-                                        </p:cTn>
-                                        <p:tgtEl>
-                                          <p:spTgt spid="9">
-                                            <p:txEl>
-                                              <p:pRg st="14" end="14"/>
-                                            </p:txEl>
-                                          </p:spTgt>
-                                        </p:tgtEl>
-                                        <p:attrNameLst>
-                                          <p:attrName>style.visibility</p:attrName>
-                                        </p:attrNameLst>
-                                      </p:cBhvr>
-                                      <p:to>
-                                        <p:strVal val="visible"/>
-                                      </p:to>
-                                    </p:set>
-                                  </p:childTnLst>
-                                </p:cTn>
-                              </p:par>
-                              <p:par>
-                                <p:cTn id="51" presetID="1" presetClass="entr" presetSubtype="0" fill="hold" nodeType="withEffect">
-                                  <p:stCondLst>
-                                    <p:cond delay="0"/>
-                                  </p:stCondLst>
-                                  <p:childTnLst>
-                                    <p:set>
-                                      <p:cBhvr>
-                                        <p:cTn id="52" dur="1" fill="hold">
-                                          <p:stCondLst>
-                                            <p:cond delay="0"/>
-                                          </p:stCondLst>
-                                        </p:cTn>
-                                        <p:tgtEl>
-                                          <p:spTgt spid="11"/>
-                                        </p:tgtEl>
-                                        <p:attrNameLst>
-                                          <p:attrName>style.visibility</p:attrName>
-                                        </p:attrNameLst>
-                                      </p:cBhvr>
-                                      <p:to>
-                                        <p:strVal val="visible"/>
-                                      </p:to>
-                                    </p:set>
-                                  </p:childTnLst>
-                                </p:cTn>
-                              </p:par>
-                              <p:par>
-                                <p:cTn id="53" presetID="1" presetClass="entr" presetSubtype="0" fill="hold" grpId="0" nodeType="withEffect">
-                                  <p:stCondLst>
-                                    <p:cond delay="0"/>
-                                  </p:stCondLst>
-                                  <p:childTnLst>
-                                    <p:set>
-                                      <p:cBhvr>
-                                        <p:cTn id="54" dur="1" fill="hold">
-                                          <p:stCondLst>
-                                            <p:cond delay="0"/>
-                                          </p:stCondLst>
-                                        </p:cTn>
-                                        <p:tgtEl>
-                                          <p:spTgt spid="8"/>
-                                        </p:tgtEl>
-                                        <p:attrNameLst>
-                                          <p:attrName>style.visibility</p:attrName>
-                                        </p:attrNameLst>
-                                      </p:cBhvr>
-                                      <p:to>
-                                        <p:strVal val="visible"/>
-                                      </p:to>
-                                    </p:set>
-                                  </p:childTnLst>
-                                </p:cTn>
-                              </p:par>
-                            </p:childTnLst>
-                          </p:cTn>
-                        </p:par>
-                      </p:childTnLst>
-                    </p:cTn>
-                  </p:par>
-                </p:childTnLst>
-              </p:cTn>
-              <p:prevCondLst>
-                <p:cond evt="onPrev" delay="0">
-                  <p:tgtEl>
-                    <p:sldTgt/>
-                  </p:tgtEl>
-                </p:cond>
-              </p:prevCondLst>
-              <p:nextCondLst>
-                <p:cond evt="onNext" delay="0">
-                  <p:tgtEl>
-                    <p:sldTgt/>
-                  </p:tgtEl>
-                </p:cond>
-              </p:nextCondLst>
-            </p:seq>
-          </p:childTnLst>
-        </p:cTn>
-      </p:par>
-    </p:tnLst>
-    <p:bldLst>
-      <p:bldP spid="8" grpId="0"/>
-    </p:bldLst>
-  </p:timing>
-</p:sld>
-</file>
-
-<file path=ppt/slides/slide27.xml><?xml version="1.0" encoding="utf-8"?>
-<p:sld xmlns:a="http://schemas.openxmlformats.org/drawingml/2006/main" xmlns:r="http://schemas.openxmlformats.org/officeDocument/2006/relationships" xmlns:p="http://schemas.openxmlformats.org/presentationml/2006/main">
-  <p:cSld>
-    <p:spTree>
-      <p:nvGrpSpPr>
-        <p:cNvPr id="1" name=""/>
-        <p:cNvGrpSpPr/>
-        <p:nvPr/>
-      </p:nvGrpSpPr>
-      <p:grpSpPr>
-        <a:xfrm>
-          <a:off x="0" y="0"/>
-          <a:ext cx="0" cy="0"/>
-          <a:chOff x="0" y="0"/>
-          <a:chExt cx="0" cy="0"/>
-        </a:xfrm>
-      </p:grpSpPr>
-      <p:sp>
-        <p:nvSpPr>
-          <p:cNvPr id="3" name="Content Placeholder 2">
-            <a:extLst>
-              <a:ext uri="{FF2B5EF4-FFF2-40B4-BE49-F238E27FC236}">
-                <a16:creationId xmlns:a16="http://schemas.microsoft.com/office/drawing/2014/main" id="{07B480AF-2DED-464A-83F7-5E54DCD0C557}"/>
-              </a:ext>
-            </a:extLst>
-          </p:cNvPr>
-          <p:cNvSpPr>
-            <a:spLocks noGrp="1"/>
-          </p:cNvSpPr>
-          <p:nvPr>
-            <p:ph idx="1"/>
-          </p:nvPr>
-        </p:nvSpPr>
-        <p:spPr>
-          <a:xfrm>
-            <a:off x="165100" y="304800"/>
-            <a:ext cx="8788400" cy="5168900"/>
-          </a:xfrm>
-        </p:spPr>
-        <p:txBody>
-          <a:bodyPr/>
-          <a:lstStyle/>
-          <a:p>
-            <a:pPr marL="0" indent="0">
-              <a:buNone/>
-            </a:pPr>
-            <a:r>
-              <a:rPr lang="en-US" dirty="0"/>
-              <a:t>(Optional)</a:t>
-            </a:r>
-          </a:p>
-          <a:p>
-            <a:pPr marL="0" indent="0">
-              <a:buNone/>
-            </a:pPr>
-            <a:endParaRPr lang="en-US" dirty="0"/>
-          </a:p>
-          <a:p>
-            <a:pPr marL="0" indent="0">
-              <a:buNone/>
-            </a:pPr>
-            <a:endParaRPr lang="en-US" dirty="0"/>
-          </a:p>
-          <a:p>
-            <a:pPr marL="0" indent="0">
-              <a:buNone/>
-            </a:pPr>
-            <a:r>
-              <a:rPr lang="en-US" dirty="0"/>
-              <a:t>This Create Task example will read in a text file of students: name and list of grades. It will create a list of Student objects and have provide some filtering capabilities. </a:t>
-            </a:r>
-          </a:p>
-          <a:p>
-            <a:pPr marL="0" indent="0">
-              <a:buNone/>
-            </a:pPr>
-            <a:endParaRPr lang="en-US" dirty="0"/>
-          </a:p>
-          <a:p>
-            <a:pPr marL="0" indent="0">
-              <a:buNone/>
-            </a:pPr>
-            <a:r>
-              <a:rPr lang="en-US" dirty="0"/>
-              <a:t>https://</a:t>
-            </a:r>
-            <a:r>
-              <a:rPr lang="en-US" dirty="0" err="1"/>
-              <a:t>replit.com</a:t>
-            </a:r>
-            <a:r>
-              <a:rPr lang="en-US" dirty="0"/>
-              <a:t>/@LongNguyen18/</a:t>
-            </a:r>
-            <a:r>
-              <a:rPr lang="en-US" dirty="0" err="1"/>
-              <a:t>CreateTaskStudentGrades</a:t>
-            </a:r>
-            <a:endParaRPr lang="en-US" dirty="0"/>
-          </a:p>
-        </p:txBody>
-      </p:sp>
-    </p:spTree>
-    <p:extLst>
-      <p:ext uri="{BB962C8B-B14F-4D97-AF65-F5344CB8AC3E}">
-        <p14:creationId xmlns:p14="http://schemas.microsoft.com/office/powerpoint/2010/main" val="3704334471"/>
-      </p:ext>
-    </p:extLst>
-  </p:cSld>
-  <p:clrMapOvr>
-    <a:masterClrMapping/>
-  </p:clrMapOvr>
-</p:sld>
-</file>
-
-<file path=ppt/slides/slide28.xml><?xml version="1.0" encoding="utf-8"?>
-<p:sld xmlns:a="http://schemas.openxmlformats.org/drawingml/2006/main" xmlns:r="http://schemas.openxmlformats.org/officeDocument/2006/relationships" xmlns:p="http://schemas.openxmlformats.org/presentationml/2006/main">
-  <p:cSld>
-    <p:spTree>
-      <p:nvGrpSpPr>
-        <p:cNvPr id="1" name=""/>
-        <p:cNvGrpSpPr/>
-        <p:nvPr/>
-      </p:nvGrpSpPr>
-      <p:grpSpPr>
-        <a:xfrm>
-          <a:off x="0" y="0"/>
-          <a:ext cx="0" cy="0"/>
-          <a:chOff x="0" y="0"/>
-          <a:chExt cx="0" cy="0"/>
-        </a:xfrm>
-      </p:grpSpPr>
-      <p:sp>
-        <p:nvSpPr>
           <p:cNvPr id="2" name="Title 1">
             <a:extLst>
               <a:ext uri="{FF2B5EF4-FFF2-40B4-BE49-F238E27FC236}">
@@ -11774,7 +7009,15 @@
             </a:pPr>
             <a:r>
               <a:rPr lang="en-US" dirty="0"/>
-              <a:t>Code the Program: Troubleshoot, test and refine. Start writing the student developed procedure and test it with hard-coded inputs. For example, from our encrypt example: print(encrypt("hello", sub)). Refine and repeat. </a:t>
+              <a:t>Code the Program: Troubleshoot, test and refine. Start writing the student developed procedure and test it with hard-coded inputs. For example, if you wrote a function called </a:t>
+            </a:r>
+            <a:r>
+              <a:rPr lang="en-US" dirty="0" err="1"/>
+              <a:t>enrypt</a:t>
+            </a:r>
+            <a:r>
+              <a:rPr lang="en-US" dirty="0"/>
+              <a:t>, call it to make sure it works: print(encrypt("hello", sub)). Refine and repeat. </a:t>
             </a:r>
           </a:p>
           <a:p>
@@ -12189,7 +7432,7 @@
 </p:sld>
 </file>
 
-<file path=ppt/slides/slide29.xml><?xml version="1.0" encoding="utf-8"?>
+<file path=ppt/slides/slide2.xml><?xml version="1.0" encoding="utf-8"?>
 <p:sld xmlns:a="http://schemas.openxmlformats.org/drawingml/2006/main" xmlns:r="http://schemas.openxmlformats.org/officeDocument/2006/relationships" xmlns:p="http://schemas.openxmlformats.org/presentationml/2006/main">
   <p:cSld>
     <p:spTree>
@@ -12208,6 +7451,165 @@
       </p:grpSpPr>
       <p:sp>
         <p:nvSpPr>
+          <p:cNvPr id="16385" name="Rectangle 2">
+            <a:extLst>
+              <a:ext uri="{FF2B5EF4-FFF2-40B4-BE49-F238E27FC236}">
+                <a16:creationId xmlns:a16="http://schemas.microsoft.com/office/drawing/2014/main" id="{4498AE75-FAB7-A64A-B652-05526FC15FE3}"/>
+              </a:ext>
+            </a:extLst>
+          </p:cNvPr>
+          <p:cNvSpPr>
+            <a:spLocks noGrp="1" noChangeArrowheads="1"/>
+          </p:cNvSpPr>
+          <p:nvPr>
+            <p:ph type="title"/>
+          </p:nvPr>
+        </p:nvSpPr>
+        <p:spPr>
+          <a:xfrm>
+            <a:off x="238232" y="243221"/>
+            <a:ext cx="7886700" cy="648619"/>
+          </a:xfrm>
+        </p:spPr>
+        <p:txBody>
+          <a:bodyPr/>
+          <a:lstStyle/>
+          <a:p>
+            <a:pPr eaLnBrk="1" hangingPunct="1"/>
+            <a:r>
+              <a:rPr lang="en-US" altLang="en-US" sz="2333" dirty="0">
+                <a:ea typeface="ＭＳ Ｐゴシック" panose="020B0600070205080204" pitchFamily="34" charset="-128"/>
+              </a:rPr>
+              <a:t>Create Task</a:t>
+            </a:r>
+          </a:p>
+        </p:txBody>
+      </p:sp>
+      <p:sp>
+        <p:nvSpPr>
+          <p:cNvPr id="171011" name="Rectangle 3">
+            <a:extLst>
+              <a:ext uri="{FF2B5EF4-FFF2-40B4-BE49-F238E27FC236}">
+                <a16:creationId xmlns:a16="http://schemas.microsoft.com/office/drawing/2014/main" id="{A4934963-D788-7042-9063-DB3982108402}"/>
+              </a:ext>
+            </a:extLst>
+          </p:cNvPr>
+          <p:cNvSpPr>
+            <a:spLocks noGrp="1" noChangeArrowheads="1"/>
+          </p:cNvSpPr>
+          <p:nvPr>
+            <p:ph type="body" idx="1"/>
+          </p:nvPr>
+        </p:nvSpPr>
+        <p:spPr>
+          <a:xfrm>
+            <a:off x="238232" y="891840"/>
+            <a:ext cx="8277118" cy="4255629"/>
+          </a:xfrm>
+        </p:spPr>
+        <p:txBody>
+          <a:bodyPr>
+            <a:normAutofit/>
+          </a:bodyPr>
+          <a:lstStyle/>
+          <a:p>
+            <a:pPr marL="0" indent="0">
+              <a:buNone/>
+              <a:defRPr/>
+            </a:pPr>
+            <a:endParaRPr lang="en-US" sz="2200" dirty="0"/>
+          </a:p>
+          <a:p>
+            <a:pPr marL="0" indent="0">
+              <a:buNone/>
+              <a:defRPr/>
+            </a:pPr>
+            <a:endParaRPr lang="en-US" sz="2200" dirty="0"/>
+          </a:p>
+          <a:p>
+            <a:pPr marL="0" indent="0">
+              <a:buNone/>
+              <a:defRPr/>
+            </a:pPr>
+            <a:endParaRPr lang="en-US" sz="2200" dirty="0"/>
+          </a:p>
+          <a:p>
+            <a:pPr marL="0" indent="0">
+              <a:buNone/>
+              <a:defRPr/>
+            </a:pPr>
+            <a:endParaRPr lang="en-US" sz="2200" dirty="0"/>
+          </a:p>
+          <a:p>
+            <a:pPr eaLnBrk="1" hangingPunct="1">
+              <a:defRPr/>
+            </a:pPr>
+            <a:r>
+              <a:rPr lang="en-US" sz="2200" dirty="0"/>
+              <a:t>Written in Python on </a:t>
+            </a:r>
+            <a:r>
+              <a:rPr lang="en-US" sz="2200" dirty="0" err="1"/>
+              <a:t>replit</a:t>
+            </a:r>
+            <a:endParaRPr lang="en-US" sz="2200" dirty="0"/>
+          </a:p>
+          <a:p>
+            <a:pPr eaLnBrk="1" hangingPunct="1">
+              <a:defRPr/>
+            </a:pPr>
+            <a:r>
+              <a:rPr lang="en-US" sz="2200" dirty="0"/>
+              <a:t>Game, application, or mathematical simulation.</a:t>
+            </a:r>
+          </a:p>
+          <a:p>
+            <a:pPr marL="0" indent="0">
+              <a:buNone/>
+              <a:defRPr/>
+            </a:pPr>
+            <a:endParaRPr lang="en-US" sz="2200" dirty="0"/>
+          </a:p>
+          <a:p>
+            <a:pPr eaLnBrk="1" hangingPunct="1">
+              <a:defRPr/>
+            </a:pPr>
+            <a:endParaRPr lang="en-US" sz="2200" dirty="0"/>
+          </a:p>
+        </p:txBody>
+      </p:sp>
+    </p:spTree>
+    <p:extLst>
+      <p:ext uri="{BB962C8B-B14F-4D97-AF65-F5344CB8AC3E}">
+        <p14:creationId xmlns:p14="http://schemas.microsoft.com/office/powerpoint/2010/main" val="3370589591"/>
+      </p:ext>
+    </p:extLst>
+  </p:cSld>
+  <p:clrMapOvr>
+    <a:masterClrMapping/>
+  </p:clrMapOvr>
+</p:sld>
+</file>
+
+<file path=ppt/slides/slide20.xml><?xml version="1.0" encoding="utf-8"?>
+<p:sld xmlns:a="http://schemas.openxmlformats.org/drawingml/2006/main" xmlns:r="http://schemas.openxmlformats.org/officeDocument/2006/relationships" xmlns:p="http://schemas.openxmlformats.org/presentationml/2006/main">
+  <p:cSld>
+    <p:spTree>
+      <p:nvGrpSpPr>
+        <p:cNvPr id="1" name=""/>
+        <p:cNvGrpSpPr/>
+        <p:nvPr/>
+      </p:nvGrpSpPr>
+      <p:grpSpPr>
+        <a:xfrm>
+          <a:off x="0" y="0"/>
+          <a:ext cx="0" cy="0"/>
+          <a:chOff x="0" y="0"/>
+          <a:chExt cx="0" cy="0"/>
+        </a:xfrm>
+      </p:grpSpPr>
+      <p:sp>
+        <p:nvSpPr>
           <p:cNvPr id="2" name="Title 1">
             <a:extLst>
               <a:ext uri="{FF2B5EF4-FFF2-40B4-BE49-F238E27FC236}">
@@ -12285,7 +7687,7 @@
             </a:pPr>
             <a:r>
               <a:rPr lang="en-US" dirty="0"/>
-              <a:t>Coding(5 hours)</a:t>
+              <a:t>Coding(5 hours)(weekly, we will have a set day to work on this)</a:t>
             </a:r>
           </a:p>
           <a:p>
@@ -12736,7 +8138,7 @@
 </p:sld>
 </file>
 
-<file path=ppt/slides/slide3.xml><?xml version="1.0" encoding="utf-8"?>
+<file path=ppt/slides/slide21.xml><?xml version="1.0" encoding="utf-8"?>
 <p:sld xmlns:a="http://schemas.openxmlformats.org/drawingml/2006/main" xmlns:r="http://schemas.openxmlformats.org/officeDocument/2006/relationships" xmlns:p="http://schemas.openxmlformats.org/presentationml/2006/main">
   <p:cSld>
     <p:spTree>
@@ -12755,254 +8157,6 @@
       </p:grpSpPr>
       <p:sp>
         <p:nvSpPr>
-          <p:cNvPr id="3" name="Content Placeholder 2">
-            <a:extLst>
-              <a:ext uri="{FF2B5EF4-FFF2-40B4-BE49-F238E27FC236}">
-                <a16:creationId xmlns:a16="http://schemas.microsoft.com/office/drawing/2014/main" id="{0CCEF01D-6BE2-8B40-B73C-E8115F523D49}"/>
-              </a:ext>
-            </a:extLst>
-          </p:cNvPr>
-          <p:cNvSpPr>
-            <a:spLocks noGrp="1"/>
-          </p:cNvSpPr>
-          <p:nvPr>
-            <p:ph idx="1"/>
-          </p:nvPr>
-        </p:nvSpPr>
-        <p:spPr>
-          <a:xfrm>
-            <a:off x="184935" y="102743"/>
-            <a:ext cx="8959065" cy="5198722"/>
-          </a:xfrm>
-        </p:spPr>
-        <p:txBody>
-          <a:bodyPr/>
-          <a:lstStyle/>
-          <a:p>
-            <a:pPr marL="0" indent="0">
-              <a:buNone/>
-            </a:pPr>
-            <a:r>
-              <a:rPr lang="en-US" dirty="0"/>
-              <a:t>Programming is a collaborative and creative process that brings ideas to life through the development of software. In the Create performance task, you will design and implement a program that might solve a problem, enable innovation, explore personal interests, or express creativity. Your submission must include the elements listed in the Submission Requirements section below. </a:t>
-            </a:r>
-          </a:p>
-          <a:p>
-            <a:pPr marL="0" indent="0">
-              <a:buNone/>
-            </a:pPr>
-            <a:endParaRPr lang="en-US" dirty="0"/>
-          </a:p>
-          <a:p>
-            <a:pPr marL="0" indent="0">
-              <a:buNone/>
-            </a:pPr>
-            <a:endParaRPr lang="en-US" dirty="0"/>
-          </a:p>
-          <a:p>
-            <a:pPr marL="0" indent="0">
-              <a:buNone/>
-            </a:pPr>
-            <a:r>
-              <a:rPr lang="en-US" dirty="0"/>
-              <a:t>You are allowed to collaborate with your partner(s) on the development of the program only. </a:t>
-            </a:r>
-            <a:r>
-              <a:rPr lang="en-US" b="1" dirty="0"/>
-              <a:t>The written response and the video that you submit for this performance task must be completed individually, without any collaboration with your partner(s) or anyone else. </a:t>
-            </a:r>
-            <a:r>
-              <a:rPr lang="en-US" dirty="0"/>
-              <a:t>You can develop the code segments used in the written responses (parts 3b and 3c) with your partner(s) or on your own during the administration of the performance task. </a:t>
-            </a:r>
-          </a:p>
-          <a:p>
-            <a:pPr marL="0" indent="0">
-              <a:buNone/>
-            </a:pPr>
-            <a:endParaRPr lang="en-US" dirty="0"/>
-          </a:p>
-          <a:p>
-            <a:pPr marL="0" indent="0">
-              <a:buNone/>
-            </a:pPr>
-            <a:r>
-              <a:rPr lang="en-US" dirty="0">
-                <a:solidFill>
-                  <a:srgbClr val="FF0000"/>
-                </a:solidFill>
-              </a:rPr>
-              <a:t>Note: Because of all of the citation requirements, I recommend that you work on this task individually. If the program you are writing requires help from others, consider something simpler!</a:t>
-            </a:r>
-          </a:p>
-          <a:p>
-            <a:pPr marL="0" indent="0">
-              <a:buNone/>
-            </a:pPr>
-            <a:endParaRPr lang="en-US" dirty="0"/>
-          </a:p>
-        </p:txBody>
-      </p:sp>
-    </p:spTree>
-    <p:extLst>
-      <p:ext uri="{BB962C8B-B14F-4D97-AF65-F5344CB8AC3E}">
-        <p14:creationId xmlns:p14="http://schemas.microsoft.com/office/powerpoint/2010/main" val="3188689728"/>
-      </p:ext>
-    </p:extLst>
-  </p:cSld>
-  <p:clrMapOvr>
-    <a:masterClrMapping/>
-  </p:clrMapOvr>
-  <p:timing>
-    <p:tnLst>
-      <p:par>
-        <p:cTn id="1" dur="indefinite" restart="never" nodeType="tmRoot">
-          <p:childTnLst>
-            <p:seq concurrent="1" nextAc="seek">
-              <p:cTn id="2" dur="indefinite" nodeType="mainSeq">
-                <p:childTnLst>
-                  <p:par>
-                    <p:cTn id="3" fill="hold">
-                      <p:stCondLst>
-                        <p:cond delay="indefinite"/>
-                      </p:stCondLst>
-                      <p:childTnLst>
-                        <p:par>
-                          <p:cTn id="4" fill="hold">
-                            <p:stCondLst>
-                              <p:cond delay="0"/>
-                            </p:stCondLst>
-                            <p:childTnLst>
-                              <p:par>
-                                <p:cTn id="5" presetID="1" presetClass="entr" presetSubtype="0" fill="hold" nodeType="clickEffect">
-                                  <p:stCondLst>
-                                    <p:cond delay="0"/>
-                                  </p:stCondLst>
-                                  <p:childTnLst>
-                                    <p:set>
-                                      <p:cBhvr>
-                                        <p:cTn id="6" dur="1" fill="hold">
-                                          <p:stCondLst>
-                                            <p:cond delay="0"/>
-                                          </p:stCondLst>
-                                        </p:cTn>
-                                        <p:tgtEl>
-                                          <p:spTgt spid="3">
-                                            <p:txEl>
-                                              <p:pRg st="3" end="3"/>
-                                            </p:txEl>
-                                          </p:spTgt>
-                                        </p:tgtEl>
-                                        <p:attrNameLst>
-                                          <p:attrName>style.visibility</p:attrName>
-                                        </p:attrNameLst>
-                                      </p:cBhvr>
-                                      <p:to>
-                                        <p:strVal val="visible"/>
-                                      </p:to>
-                                    </p:set>
-                                  </p:childTnLst>
-                                </p:cTn>
-                              </p:par>
-                            </p:childTnLst>
-                          </p:cTn>
-                        </p:par>
-                      </p:childTnLst>
-                    </p:cTn>
-                  </p:par>
-                  <p:par>
-                    <p:cTn id="7" fill="hold">
-                      <p:stCondLst>
-                        <p:cond delay="indefinite"/>
-                      </p:stCondLst>
-                      <p:childTnLst>
-                        <p:par>
-                          <p:cTn id="8" fill="hold">
-                            <p:stCondLst>
-                              <p:cond delay="0"/>
-                            </p:stCondLst>
-                            <p:childTnLst>
-                              <p:par>
-                                <p:cTn id="9" presetID="1" presetClass="entr" presetSubtype="0" fill="hold" nodeType="clickEffect">
-                                  <p:stCondLst>
-                                    <p:cond delay="0"/>
-                                  </p:stCondLst>
-                                  <p:childTnLst>
-                                    <p:set>
-                                      <p:cBhvr>
-                                        <p:cTn id="10" dur="1" fill="hold">
-                                          <p:stCondLst>
-                                            <p:cond delay="0"/>
-                                          </p:stCondLst>
-                                        </p:cTn>
-                                        <p:tgtEl>
-                                          <p:spTgt spid="3">
-                                            <p:txEl>
-                                              <p:pRg st="5" end="5"/>
-                                            </p:txEl>
-                                          </p:spTgt>
-                                        </p:tgtEl>
-                                        <p:attrNameLst>
-                                          <p:attrName>style.visibility</p:attrName>
-                                        </p:attrNameLst>
-                                      </p:cBhvr>
-                                      <p:to>
-                                        <p:strVal val="visible"/>
-                                      </p:to>
-                                    </p:set>
-                                  </p:childTnLst>
-                                </p:cTn>
-                              </p:par>
-                            </p:childTnLst>
-                          </p:cTn>
-                        </p:par>
-                      </p:childTnLst>
-                    </p:cTn>
-                  </p:par>
-                </p:childTnLst>
-              </p:cTn>
-              <p:prevCondLst>
-                <p:cond evt="onPrev" delay="0">
-                  <p:tgtEl>
-                    <p:sldTgt/>
-                  </p:tgtEl>
-                </p:cond>
-              </p:prevCondLst>
-              <p:nextCondLst>
-                <p:cond evt="onNext" delay="0">
-                  <p:tgtEl>
-                    <p:sldTgt/>
-                  </p:tgtEl>
-                </p:cond>
-              </p:nextCondLst>
-            </p:seq>
-          </p:childTnLst>
-        </p:cTn>
-      </p:par>
-    </p:tnLst>
-  </p:timing>
-</p:sld>
-</file>
-
-<file path=ppt/slides/slide30.xml><?xml version="1.0" encoding="utf-8"?>
-<p:sld xmlns:a="http://schemas.openxmlformats.org/drawingml/2006/main" xmlns:r="http://schemas.openxmlformats.org/officeDocument/2006/relationships" xmlns:p="http://schemas.openxmlformats.org/presentationml/2006/main">
-  <p:cSld>
-    <p:spTree>
-      <p:nvGrpSpPr>
-        <p:cNvPr id="1" name=""/>
-        <p:cNvGrpSpPr/>
-        <p:nvPr/>
-      </p:nvGrpSpPr>
-      <p:grpSpPr>
-        <a:xfrm>
-          <a:off x="0" y="0"/>
-          <a:ext cx="0" cy="0"/>
-          <a:chOff x="0" y="0"/>
-          <a:chExt cx="0" cy="0"/>
-        </a:xfrm>
-      </p:grpSpPr>
-      <p:sp>
-        <p:nvSpPr>
           <p:cNvPr id="2" name="Title 1">
             <a:extLst>
               <a:ext uri="{FF2B5EF4-FFF2-40B4-BE49-F238E27FC236}">
@@ -13095,7 +8249,7 @@
             </a:pPr>
             <a:r>
               <a:rPr lang="en-US" dirty="0"/>
-              <a:t>At least one list or dictionary that manages complexity. The list or dictionary should be essential to your program. Your program should be very difficult to write without the use of this list/dictionary. </a:t>
+              <a:t>At least one list(list of tuples) or dictionary that manages complexity. The list or dictionary should be essential to your program. Your program should be very difficult to write without the use of this list/dictionary. </a:t>
             </a:r>
           </a:p>
           <a:p>
@@ -13314,7 +8468,7 @@
 </p:sld>
 </file>
 
-<file path=ppt/slides/slide31.xml><?xml version="1.0" encoding="utf-8"?>
+<file path=ppt/slides/slide22.xml><?xml version="1.0" encoding="utf-8"?>
 <p:sld xmlns:a="http://schemas.openxmlformats.org/drawingml/2006/main" xmlns:r="http://schemas.openxmlformats.org/officeDocument/2006/relationships" xmlns:p="http://schemas.openxmlformats.org/presentationml/2006/main">
   <p:cSld>
     <p:spTree>
@@ -13359,7 +8513,7 @@
           <a:p>
             <a:r>
               <a:rPr lang="en-US" dirty="0"/>
-              <a:t>Program Code</a:t>
+              <a:t>Dates</a:t>
             </a:r>
           </a:p>
         </p:txBody>
@@ -13399,10 +8553,7 @@
             <a:pPr marL="0" indent="0">
               <a:buNone/>
             </a:pPr>
-            <a:r>
-              <a:rPr lang="en-US" dirty="0"/>
-              <a:t>The goal is to complete your code by April 16(day before April break). </a:t>
-            </a:r>
+            <a:endParaRPr lang="en-US" dirty="0"/>
           </a:p>
           <a:p>
             <a:pPr marL="0" indent="0">
@@ -13416,7 +8567,15 @@
             </a:pPr>
             <a:r>
               <a:rPr lang="en-US" dirty="0"/>
-              <a:t>There will be weekly check-ins. See Google classroom assignments. </a:t>
+              <a:t>The goal is to complete your code by end of February(end of </a:t>
+            </a:r>
+            <a:r>
+              <a:rPr lang="en-US" dirty="0" err="1"/>
+              <a:t>Februrary</a:t>
+            </a:r>
+            <a:r>
+              <a:rPr lang="en-US" dirty="0"/>
+              <a:t> break). </a:t>
             </a:r>
           </a:p>
           <a:p>
@@ -13431,40 +8590,8 @@
             </a:pPr>
             <a:r>
               <a:rPr lang="en-US" dirty="0"/>
-              <a:t>First Check In(April 2):  list and student-developed function, tested with hard-coded inputs.</a:t>
-            </a:r>
-          </a:p>
-          <a:p>
-            <a:pPr marL="0" indent="0">
-              <a:buNone/>
-            </a:pPr>
-            <a:r>
-              <a:rPr lang="en-US" dirty="0"/>
-              <a:t>Second Check-In(April 9): helper functions and refining program.</a:t>
-            </a:r>
-          </a:p>
-          <a:p>
-            <a:pPr marL="0" indent="0">
-              <a:buNone/>
-            </a:pPr>
-            <a:r>
-              <a:rPr lang="en-US" dirty="0"/>
-              <a:t>Third Check-In(April 16): main function and finishing up program. At the </a:t>
-            </a:r>
-            <a:r>
-              <a:rPr lang="en-US" dirty="0" err="1"/>
-              <a:t>lastest</a:t>
-            </a:r>
-            <a:r>
-              <a:rPr lang="en-US" dirty="0"/>
-              <a:t>, program should be done after April break.</a:t>
-            </a:r>
-          </a:p>
-          <a:p>
-            <a:pPr marL="0" indent="0">
-              <a:buNone/>
-            </a:pPr>
-            <a:endParaRPr lang="en-US" dirty="0"/>
+              <a:t>There will be weekly check-ins. </a:t>
+            </a:r>
           </a:p>
           <a:p>
             <a:pPr marL="0" indent="0">
@@ -13487,6 +8614,409 @@
     <p:extLst>
       <p:ext uri="{BB962C8B-B14F-4D97-AF65-F5344CB8AC3E}">
         <p14:creationId xmlns:p14="http://schemas.microsoft.com/office/powerpoint/2010/main" val="3916325109"/>
+      </p:ext>
+    </p:extLst>
+  </p:cSld>
+  <p:clrMapOvr>
+    <a:masterClrMapping/>
+  </p:clrMapOvr>
+  <p:timing>
+    <p:tnLst>
+      <p:par>
+        <p:cTn id="1" dur="indefinite" restart="never" nodeType="tmRoot">
+          <p:childTnLst>
+            <p:seq concurrent="1" nextAc="seek">
+              <p:cTn id="2" dur="indefinite" nodeType="mainSeq">
+                <p:childTnLst>
+                  <p:par>
+                    <p:cTn id="3" fill="hold">
+                      <p:stCondLst>
+                        <p:cond delay="indefinite"/>
+                      </p:stCondLst>
+                      <p:childTnLst>
+                        <p:par>
+                          <p:cTn id="4" fill="hold">
+                            <p:stCondLst>
+                              <p:cond delay="0"/>
+                            </p:stCondLst>
+                            <p:childTnLst>
+                              <p:par>
+                                <p:cTn id="5" presetID="1" presetClass="entr" presetSubtype="0" fill="hold" nodeType="clickEffect">
+                                  <p:stCondLst>
+                                    <p:cond delay="0"/>
+                                  </p:stCondLst>
+                                  <p:childTnLst>
+                                    <p:set>
+                                      <p:cBhvr>
+                                        <p:cTn id="6" dur="1" fill="hold">
+                                          <p:stCondLst>
+                                            <p:cond delay="0"/>
+                                          </p:stCondLst>
+                                        </p:cTn>
+                                        <p:tgtEl>
+                                          <p:spTgt spid="3">
+                                            <p:txEl>
+                                              <p:pRg st="5" end="5"/>
+                                            </p:txEl>
+                                          </p:spTgt>
+                                        </p:tgtEl>
+                                        <p:attrNameLst>
+                                          <p:attrName>style.visibility</p:attrName>
+                                        </p:attrNameLst>
+                                      </p:cBhvr>
+                                      <p:to>
+                                        <p:strVal val="visible"/>
+                                      </p:to>
+                                    </p:set>
+                                  </p:childTnLst>
+                                </p:cTn>
+                              </p:par>
+                            </p:childTnLst>
+                          </p:cTn>
+                        </p:par>
+                      </p:childTnLst>
+                    </p:cTn>
+                  </p:par>
+                </p:childTnLst>
+              </p:cTn>
+              <p:prevCondLst>
+                <p:cond evt="onPrev" delay="0">
+                  <p:tgtEl>
+                    <p:sldTgt/>
+                  </p:tgtEl>
+                </p:cond>
+              </p:prevCondLst>
+              <p:nextCondLst>
+                <p:cond evt="onNext" delay="0">
+                  <p:tgtEl>
+                    <p:sldTgt/>
+                  </p:tgtEl>
+                </p:cond>
+              </p:nextCondLst>
+            </p:seq>
+          </p:childTnLst>
+        </p:cTn>
+      </p:par>
+    </p:tnLst>
+  </p:timing>
+</p:sld>
+</file>
+
+<file path=ppt/slides/slide23.xml><?xml version="1.0" encoding="utf-8"?>
+<p:sld xmlns:a="http://schemas.openxmlformats.org/drawingml/2006/main" xmlns:r="http://schemas.openxmlformats.org/officeDocument/2006/relationships" xmlns:p="http://schemas.openxmlformats.org/presentationml/2006/main">
+  <p:cSld>
+    <p:spTree>
+      <p:nvGrpSpPr>
+        <p:cNvPr id="1" name=""/>
+        <p:cNvGrpSpPr/>
+        <p:nvPr/>
+      </p:nvGrpSpPr>
+      <p:grpSpPr>
+        <a:xfrm>
+          <a:off x="0" y="0"/>
+          <a:ext cx="0" cy="0"/>
+          <a:chOff x="0" y="0"/>
+          <a:chExt cx="0" cy="0"/>
+        </a:xfrm>
+      </p:grpSpPr>
+      <p:sp>
+        <p:nvSpPr>
+          <p:cNvPr id="2" name="Title 1">
+            <a:extLst>
+              <a:ext uri="{FF2B5EF4-FFF2-40B4-BE49-F238E27FC236}">
+                <a16:creationId xmlns:a16="http://schemas.microsoft.com/office/drawing/2014/main" id="{2CAD482E-9621-034B-B5B9-A2A3E3815EBF}"/>
+              </a:ext>
+            </a:extLst>
+          </p:cNvPr>
+          <p:cNvSpPr>
+            <a:spLocks noGrp="1"/>
+          </p:cNvSpPr>
+          <p:nvPr>
+            <p:ph type="title"/>
+          </p:nvPr>
+        </p:nvSpPr>
+        <p:spPr>
+          <a:xfrm>
+            <a:off x="220687" y="191729"/>
+            <a:ext cx="7886700" cy="680468"/>
+          </a:xfrm>
+        </p:spPr>
+        <p:txBody>
+          <a:bodyPr/>
+          <a:lstStyle/>
+          <a:p>
+            <a:r>
+              <a:rPr lang="en-US" dirty="0"/>
+              <a:t>Create Task Example 1</a:t>
+            </a:r>
+          </a:p>
+        </p:txBody>
+      </p:sp>
+      <p:sp>
+        <p:nvSpPr>
+          <p:cNvPr id="3" name="Content Placeholder 2">
+            <a:extLst>
+              <a:ext uri="{FF2B5EF4-FFF2-40B4-BE49-F238E27FC236}">
+                <a16:creationId xmlns:a16="http://schemas.microsoft.com/office/drawing/2014/main" id="{BE9CE75A-CAA3-5646-AB61-E94C601FF013}"/>
+              </a:ext>
+            </a:extLst>
+          </p:cNvPr>
+          <p:cNvSpPr>
+            <a:spLocks noGrp="1"/>
+          </p:cNvSpPr>
+          <p:nvPr>
+            <p:ph idx="1"/>
+          </p:nvPr>
+        </p:nvSpPr>
+        <p:spPr>
+          <a:xfrm>
+            <a:off x="220687" y="872197"/>
+            <a:ext cx="8702626" cy="4651074"/>
+          </a:xfrm>
+        </p:spPr>
+        <p:txBody>
+          <a:bodyPr/>
+          <a:lstStyle/>
+          <a:p>
+            <a:pPr marL="0" indent="0">
+              <a:buNone/>
+            </a:pPr>
+            <a:endParaRPr lang="en-US" dirty="0"/>
+          </a:p>
+          <a:p>
+            <a:pPr marL="0" indent="0">
+              <a:buNone/>
+            </a:pPr>
+            <a:endParaRPr lang="en-US" dirty="0"/>
+          </a:p>
+          <a:p>
+            <a:pPr marL="0" indent="0">
+              <a:buNone/>
+            </a:pPr>
+            <a:endParaRPr lang="en-US" dirty="0"/>
+          </a:p>
+          <a:p>
+            <a:pPr marL="0" indent="0">
+              <a:buNone/>
+            </a:pPr>
+            <a:r>
+              <a:rPr lang="en-US" dirty="0"/>
+              <a:t>We will walk through a full example of a Create Task by coding it on </a:t>
+            </a:r>
+            <a:r>
+              <a:rPr lang="en-US" dirty="0" err="1"/>
+              <a:t>replit</a:t>
+            </a:r>
+            <a:r>
+              <a:rPr lang="en-US" dirty="0"/>
+              <a:t> Teams. </a:t>
+            </a:r>
+          </a:p>
+        </p:txBody>
+      </p:sp>
+    </p:spTree>
+    <p:extLst>
+      <p:ext uri="{BB962C8B-B14F-4D97-AF65-F5344CB8AC3E}">
+        <p14:creationId xmlns:p14="http://schemas.microsoft.com/office/powerpoint/2010/main" val="35145435"/>
+      </p:ext>
+    </p:extLst>
+  </p:cSld>
+  <p:clrMapOvr>
+    <a:masterClrMapping/>
+  </p:clrMapOvr>
+  <p:timing>
+    <p:tnLst>
+      <p:par>
+        <p:cTn id="1" dur="indefinite" restart="never" nodeType="tmRoot">
+          <p:childTnLst>
+            <p:seq concurrent="1" nextAc="seek">
+              <p:cTn id="2" dur="indefinite" nodeType="mainSeq">
+                <p:childTnLst>
+                  <p:par>
+                    <p:cTn id="3" fill="hold">
+                      <p:stCondLst>
+                        <p:cond delay="indefinite"/>
+                      </p:stCondLst>
+                      <p:childTnLst>
+                        <p:par>
+                          <p:cTn id="4" fill="hold">
+                            <p:stCondLst>
+                              <p:cond delay="0"/>
+                            </p:stCondLst>
+                            <p:childTnLst>
+                              <p:par>
+                                <p:cTn id="5" presetID="1" presetClass="entr" presetSubtype="0" fill="hold" nodeType="clickEffect">
+                                  <p:stCondLst>
+                                    <p:cond delay="0"/>
+                                  </p:stCondLst>
+                                  <p:childTnLst>
+                                    <p:set>
+                                      <p:cBhvr>
+                                        <p:cTn id="6" dur="1" fill="hold">
+                                          <p:stCondLst>
+                                            <p:cond delay="0"/>
+                                          </p:stCondLst>
+                                        </p:cTn>
+                                        <p:tgtEl>
+                                          <p:spTgt spid="3">
+                                            <p:txEl>
+                                              <p:pRg st="3" end="3"/>
+                                            </p:txEl>
+                                          </p:spTgt>
+                                        </p:tgtEl>
+                                        <p:attrNameLst>
+                                          <p:attrName>style.visibility</p:attrName>
+                                        </p:attrNameLst>
+                                      </p:cBhvr>
+                                      <p:to>
+                                        <p:strVal val="visible"/>
+                                      </p:to>
+                                    </p:set>
+                                  </p:childTnLst>
+                                </p:cTn>
+                              </p:par>
+                            </p:childTnLst>
+                          </p:cTn>
+                        </p:par>
+                      </p:childTnLst>
+                    </p:cTn>
+                  </p:par>
+                </p:childTnLst>
+              </p:cTn>
+              <p:prevCondLst>
+                <p:cond evt="onPrev" delay="0">
+                  <p:tgtEl>
+                    <p:sldTgt/>
+                  </p:tgtEl>
+                </p:cond>
+              </p:prevCondLst>
+              <p:nextCondLst>
+                <p:cond evt="onNext" delay="0">
+                  <p:tgtEl>
+                    <p:sldTgt/>
+                  </p:tgtEl>
+                </p:cond>
+              </p:nextCondLst>
+            </p:seq>
+          </p:childTnLst>
+        </p:cTn>
+      </p:par>
+    </p:tnLst>
+  </p:timing>
+</p:sld>
+</file>
+
+<file path=ppt/slides/slide3.xml><?xml version="1.0" encoding="utf-8"?>
+<p:sld xmlns:a="http://schemas.openxmlformats.org/drawingml/2006/main" xmlns:r="http://schemas.openxmlformats.org/officeDocument/2006/relationships" xmlns:p="http://schemas.openxmlformats.org/presentationml/2006/main">
+  <p:cSld>
+    <p:spTree>
+      <p:nvGrpSpPr>
+        <p:cNvPr id="1" name=""/>
+        <p:cNvGrpSpPr/>
+        <p:nvPr/>
+      </p:nvGrpSpPr>
+      <p:grpSpPr>
+        <a:xfrm>
+          <a:off x="0" y="0"/>
+          <a:ext cx="0" cy="0"/>
+          <a:chOff x="0" y="0"/>
+          <a:chExt cx="0" cy="0"/>
+        </a:xfrm>
+      </p:grpSpPr>
+      <p:sp>
+        <p:nvSpPr>
+          <p:cNvPr id="3" name="Content Placeholder 2">
+            <a:extLst>
+              <a:ext uri="{FF2B5EF4-FFF2-40B4-BE49-F238E27FC236}">
+                <a16:creationId xmlns:a16="http://schemas.microsoft.com/office/drawing/2014/main" id="{0CCEF01D-6BE2-8B40-B73C-E8115F523D49}"/>
+              </a:ext>
+            </a:extLst>
+          </p:cNvPr>
+          <p:cNvSpPr>
+            <a:spLocks noGrp="1"/>
+          </p:cNvSpPr>
+          <p:nvPr>
+            <p:ph idx="1"/>
+          </p:nvPr>
+        </p:nvSpPr>
+        <p:spPr>
+          <a:xfrm>
+            <a:off x="184935" y="102743"/>
+            <a:ext cx="8959065" cy="5198722"/>
+          </a:xfrm>
+        </p:spPr>
+        <p:txBody>
+          <a:bodyPr/>
+          <a:lstStyle/>
+          <a:p>
+            <a:pPr marL="0" indent="0">
+              <a:buNone/>
+            </a:pPr>
+            <a:r>
+              <a:rPr lang="en-US" dirty="0"/>
+              <a:t>Programming is a collaborative and creative process that brings ideas to life through the development of software. In the Create performance task, you will design and implement a program that might solve a problem, enable innovation, explore personal interests, or express creativity. Your submission must include the elements listed in the Submission Requirements section below. </a:t>
+            </a:r>
+          </a:p>
+          <a:p>
+            <a:pPr marL="0" indent="0">
+              <a:buNone/>
+            </a:pPr>
+            <a:endParaRPr lang="en-US" dirty="0"/>
+          </a:p>
+          <a:p>
+            <a:pPr marL="0" indent="0">
+              <a:buNone/>
+            </a:pPr>
+            <a:endParaRPr lang="en-US" dirty="0"/>
+          </a:p>
+          <a:p>
+            <a:pPr marL="0" indent="0">
+              <a:buNone/>
+            </a:pPr>
+            <a:r>
+              <a:rPr lang="en-US" dirty="0"/>
+              <a:t>You are allowed to collaborate with your partner(s) on the development of the program only. </a:t>
+            </a:r>
+            <a:r>
+              <a:rPr lang="en-US" b="1" dirty="0"/>
+              <a:t>The written response and the video that you submit for this performance task must be completed individually, without any collaboration with your partner(s) or anyone else. </a:t>
+            </a:r>
+            <a:r>
+              <a:rPr lang="en-US" dirty="0"/>
+              <a:t>You can develop the code segments used in the written responses (parts 3b and 3c) with your partner(s) or on your own during the administration of the performance task. </a:t>
+            </a:r>
+          </a:p>
+          <a:p>
+            <a:pPr marL="0" indent="0">
+              <a:buNone/>
+            </a:pPr>
+            <a:endParaRPr lang="en-US" dirty="0"/>
+          </a:p>
+          <a:p>
+            <a:pPr marL="0" indent="0">
+              <a:buNone/>
+            </a:pPr>
+            <a:r>
+              <a:rPr lang="en-US" dirty="0">
+                <a:solidFill>
+                  <a:srgbClr val="FF0000"/>
+                </a:solidFill>
+              </a:rPr>
+              <a:t>Note: Because of all of the citation requirements, I recommend that you work on this task individually. If the program you are writing requires help from others, consider something simpler!</a:t>
+            </a:r>
+          </a:p>
+          <a:p>
+            <a:pPr marL="0" indent="0">
+              <a:buNone/>
+            </a:pPr>
+            <a:endParaRPr lang="en-US" dirty="0"/>
+          </a:p>
+        </p:txBody>
+      </p:sp>
+    </p:spTree>
+    <p:extLst>
+      <p:ext uri="{BB962C8B-B14F-4D97-AF65-F5344CB8AC3E}">
+        <p14:creationId xmlns:p14="http://schemas.microsoft.com/office/powerpoint/2010/main" val="3188689728"/>
       </p:ext>
     </p:extLst>
   </p:cSld>
@@ -13599,104 +9129,6 @@
                       </p:childTnLst>
                     </p:cTn>
                   </p:par>
-                  <p:par>
-                    <p:cTn id="11" fill="hold">
-                      <p:stCondLst>
-                        <p:cond delay="indefinite"/>
-                      </p:stCondLst>
-                      <p:childTnLst>
-                        <p:par>
-                          <p:cTn id="12" fill="hold">
-                            <p:stCondLst>
-                              <p:cond delay="0"/>
-                            </p:stCondLst>
-                            <p:childTnLst>
-                              <p:par>
-                                <p:cTn id="13" presetID="1" presetClass="entr" presetSubtype="0" fill="hold" nodeType="clickEffect">
-                                  <p:stCondLst>
-                                    <p:cond delay="0"/>
-                                  </p:stCondLst>
-                                  <p:childTnLst>
-                                    <p:set>
-                                      <p:cBhvr>
-                                        <p:cTn id="14" dur="1" fill="hold">
-                                          <p:stCondLst>
-                                            <p:cond delay="0"/>
-                                          </p:stCondLst>
-                                        </p:cTn>
-                                        <p:tgtEl>
-                                          <p:spTgt spid="3">
-                                            <p:txEl>
-                                              <p:pRg st="6" end="6"/>
-                                            </p:txEl>
-                                          </p:spTgt>
-                                        </p:tgtEl>
-                                        <p:attrNameLst>
-                                          <p:attrName>style.visibility</p:attrName>
-                                        </p:attrNameLst>
-                                      </p:cBhvr>
-                                      <p:to>
-                                        <p:strVal val="visible"/>
-                                      </p:to>
-                                    </p:set>
-                                  </p:childTnLst>
-                                </p:cTn>
-                              </p:par>
-                            </p:childTnLst>
-                          </p:cTn>
-                        </p:par>
-                      </p:childTnLst>
-                    </p:cTn>
-                  </p:par>
-                  <p:par>
-                    <p:cTn id="15" fill="hold">
-                      <p:stCondLst>
-                        <p:cond delay="indefinite"/>
-                      </p:stCondLst>
-                      <p:childTnLst>
-                        <p:par>
-                          <p:cTn id="16" fill="hold">
-                            <p:stCondLst>
-                              <p:cond delay="0"/>
-                            </p:stCondLst>
-                            <p:childTnLst>
-                              <p:par>
-                                <p:cTn id="17" presetID="1" presetClass="entr" presetSubtype="0" fill="hold" nodeType="clickEffect">
-                                  <p:stCondLst>
-                                    <p:cond delay="0"/>
-                                  </p:stCondLst>
-                                  <p:childTnLst>
-                                    <p:set>
-                                      <p:cBhvr>
-                                        <p:cTn id="18" dur="1" fill="hold">
-                                          <p:stCondLst>
-                                            <p:cond delay="0"/>
-                                          </p:stCondLst>
-                                        </p:cTn>
-                                        <p:tgtEl>
-                                          <p:spTgt spid="3">
-                                            <p:txEl>
-                                              <p:pRg st="7" end="7"/>
-                                            </p:txEl>
-                                          </p:spTgt>
-                                        </p:tgtEl>
-                                        <p:attrNameLst>
-                                          <p:attrName>style.visibility</p:attrName>
-                                        </p:attrNameLst>
-                                      </p:cBhvr>
-                                      <p:to>
-                                        <p:strVal val="visible"/>
-                                      </p:to>
-                                    </p:set>
-                                  </p:childTnLst>
-                                </p:cTn>
-                              </p:par>
-                            </p:childTnLst>
-                          </p:cTn>
-                        </p:par>
-                      </p:childTnLst>
-                    </p:cTn>
-                  </p:par>
                 </p:childTnLst>
               </p:cTn>
               <p:prevCondLst>
@@ -13719,568 +9151,6 @@
       </p:par>
     </p:tnLst>
   </p:timing>
-</p:sld>
-</file>
-
-<file path=ppt/slides/slide32.xml><?xml version="1.0" encoding="utf-8"?>
-<p:sld xmlns:a="http://schemas.openxmlformats.org/drawingml/2006/main" xmlns:r="http://schemas.openxmlformats.org/officeDocument/2006/relationships" xmlns:p="http://schemas.openxmlformats.org/presentationml/2006/main">
-  <p:cSld>
-    <p:spTree>
-      <p:nvGrpSpPr>
-        <p:cNvPr id="1" name=""/>
-        <p:cNvGrpSpPr/>
-        <p:nvPr/>
-      </p:nvGrpSpPr>
-      <p:grpSpPr>
-        <a:xfrm>
-          <a:off x="0" y="0"/>
-          <a:ext cx="0" cy="0"/>
-          <a:chOff x="0" y="0"/>
-          <a:chExt cx="0" cy="0"/>
-        </a:xfrm>
-      </p:grpSpPr>
-      <p:sp>
-        <p:nvSpPr>
-          <p:cNvPr id="2" name="Title 1">
-            <a:extLst>
-              <a:ext uri="{FF2B5EF4-FFF2-40B4-BE49-F238E27FC236}">
-                <a16:creationId xmlns:a16="http://schemas.microsoft.com/office/drawing/2014/main" id="{FA100432-FD08-B74C-B1ED-A29F2DDCCC2C}"/>
-              </a:ext>
-            </a:extLst>
-          </p:cNvPr>
-          <p:cNvSpPr>
-            <a:spLocks noGrp="1"/>
-          </p:cNvSpPr>
-          <p:nvPr>
-            <p:ph type="title"/>
-          </p:nvPr>
-        </p:nvSpPr>
-        <p:spPr>
-          <a:xfrm>
-            <a:off x="120650" y="180674"/>
-            <a:ext cx="7715250" cy="443368"/>
-          </a:xfrm>
-        </p:spPr>
-        <p:txBody>
-          <a:bodyPr/>
-          <a:lstStyle/>
-          <a:p>
-            <a:r>
-              <a:rPr lang="en-US" dirty="0"/>
-              <a:t>First Check-In Example:</a:t>
-            </a:r>
-          </a:p>
-        </p:txBody>
-      </p:sp>
-      <p:sp>
-        <p:nvSpPr>
-          <p:cNvPr id="3" name="Content Placeholder 2">
-            <a:extLst>
-              <a:ext uri="{FF2B5EF4-FFF2-40B4-BE49-F238E27FC236}">
-                <a16:creationId xmlns:a16="http://schemas.microsoft.com/office/drawing/2014/main" id="{095AEB11-C94C-8944-8BC0-B5111383C9C5}"/>
-              </a:ext>
-            </a:extLst>
-          </p:cNvPr>
-          <p:cNvSpPr>
-            <a:spLocks noGrp="1"/>
-          </p:cNvSpPr>
-          <p:nvPr>
-            <p:ph idx="1"/>
-          </p:nvPr>
-        </p:nvSpPr>
-        <p:spPr/>
-        <p:txBody>
-          <a:bodyPr/>
-          <a:lstStyle/>
-          <a:p>
-            <a:endParaRPr lang="en-US"/>
-          </a:p>
-        </p:txBody>
-      </p:sp>
-      <p:pic>
-        <p:nvPicPr>
-          <p:cNvPr id="4" name="Picture 3">
-            <a:extLst>
-              <a:ext uri="{FF2B5EF4-FFF2-40B4-BE49-F238E27FC236}">
-                <a16:creationId xmlns:a16="http://schemas.microsoft.com/office/drawing/2014/main" id="{BCA4671A-1610-7E4B-AF2F-6841E021CB67}"/>
-              </a:ext>
-            </a:extLst>
-          </p:cNvPr>
-          <p:cNvPicPr>
-            <a:picLocks noChangeAspect="1"/>
-          </p:cNvPicPr>
-          <p:nvPr/>
-        </p:nvPicPr>
-        <p:blipFill>
-          <a:blip r:embed="rId2"/>
-          <a:stretch>
-            <a:fillRect/>
-          </a:stretch>
-        </p:blipFill>
-        <p:spPr>
-          <a:xfrm>
-            <a:off x="311946" y="1349074"/>
-            <a:ext cx="8279604" cy="4365926"/>
-          </a:xfrm>
-          <a:prstGeom prst="rect">
-            <a:avLst/>
-          </a:prstGeom>
-        </p:spPr>
-      </p:pic>
-      <p:sp>
-        <p:nvSpPr>
-          <p:cNvPr id="5" name="Title 1">
-            <a:extLst>
-              <a:ext uri="{FF2B5EF4-FFF2-40B4-BE49-F238E27FC236}">
-                <a16:creationId xmlns:a16="http://schemas.microsoft.com/office/drawing/2014/main" id="{19A7A71F-DB30-9240-B08C-B4876A1563A9}"/>
-              </a:ext>
-            </a:extLst>
-          </p:cNvPr>
-          <p:cNvSpPr txBox="1">
-            <a:spLocks/>
-          </p:cNvSpPr>
-          <p:nvPr/>
-        </p:nvSpPr>
-        <p:spPr>
-          <a:xfrm>
-            <a:off x="120650" y="624042"/>
-            <a:ext cx="8470900" cy="443368"/>
-          </a:xfrm>
-          <a:prstGeom prst="rect">
-            <a:avLst/>
-          </a:prstGeom>
-        </p:spPr>
-        <p:txBody>
-          <a:bodyPr vert="horz" lIns="91440" tIns="45720" rIns="91440" bIns="45720" rtlCol="0" anchor="ctr">
-            <a:normAutofit fontScale="70000" lnSpcReduction="20000"/>
-          </a:bodyPr>
-          <a:lstStyle>
-            <a:lvl1pPr algn="l" defTabSz="685800" rtl="0" eaLnBrk="1" latinLnBrk="0" hangingPunct="1">
-              <a:lnSpc>
-                <a:spcPct val="90000"/>
-              </a:lnSpc>
-              <a:spcBef>
-                <a:spcPct val="0"/>
-              </a:spcBef>
-              <a:buNone/>
-              <a:defRPr sz="3300" kern="1200">
-                <a:solidFill>
-                  <a:schemeClr val="tx1"/>
-                </a:solidFill>
-                <a:latin typeface="+mj-lt"/>
-                <a:ea typeface="+mj-ea"/>
-                <a:cs typeface="+mj-cs"/>
-              </a:defRPr>
-            </a:lvl1pPr>
-          </a:lstStyle>
-          <a:p>
-            <a:r>
-              <a:rPr lang="en-US" dirty="0"/>
-              <a:t>list and student-developed function, tested with hard-coded inputs.</a:t>
-            </a:r>
-          </a:p>
-        </p:txBody>
-      </p:sp>
-    </p:spTree>
-    <p:extLst>
-      <p:ext uri="{BB962C8B-B14F-4D97-AF65-F5344CB8AC3E}">
-        <p14:creationId xmlns:p14="http://schemas.microsoft.com/office/powerpoint/2010/main" val="3255312717"/>
-      </p:ext>
-    </p:extLst>
-  </p:cSld>
-  <p:clrMapOvr>
-    <a:masterClrMapping/>
-  </p:clrMapOvr>
-</p:sld>
-</file>
-
-<file path=ppt/slides/slide33.xml><?xml version="1.0" encoding="utf-8"?>
-<p:sld xmlns:a="http://schemas.openxmlformats.org/drawingml/2006/main" xmlns:r="http://schemas.openxmlformats.org/officeDocument/2006/relationships" xmlns:p="http://schemas.openxmlformats.org/presentationml/2006/main">
-  <p:cSld>
-    <p:spTree>
-      <p:nvGrpSpPr>
-        <p:cNvPr id="1" name=""/>
-        <p:cNvGrpSpPr/>
-        <p:nvPr/>
-      </p:nvGrpSpPr>
-      <p:grpSpPr>
-        <a:xfrm>
-          <a:off x="0" y="0"/>
-          <a:ext cx="0" cy="0"/>
-          <a:chOff x="0" y="0"/>
-          <a:chExt cx="0" cy="0"/>
-        </a:xfrm>
-      </p:grpSpPr>
-      <p:sp>
-        <p:nvSpPr>
-          <p:cNvPr id="2" name="Title 1">
-            <a:extLst>
-              <a:ext uri="{FF2B5EF4-FFF2-40B4-BE49-F238E27FC236}">
-                <a16:creationId xmlns:a16="http://schemas.microsoft.com/office/drawing/2014/main" id="{FA100432-FD08-B74C-B1ED-A29F2DDCCC2C}"/>
-              </a:ext>
-            </a:extLst>
-          </p:cNvPr>
-          <p:cNvSpPr>
-            <a:spLocks noGrp="1"/>
-          </p:cNvSpPr>
-          <p:nvPr>
-            <p:ph type="title"/>
-          </p:nvPr>
-        </p:nvSpPr>
-        <p:spPr>
-          <a:xfrm>
-            <a:off x="120650" y="180674"/>
-            <a:ext cx="7715250" cy="443368"/>
-          </a:xfrm>
-        </p:spPr>
-        <p:txBody>
-          <a:bodyPr/>
-          <a:lstStyle/>
-          <a:p>
-            <a:r>
-              <a:rPr lang="en-US" dirty="0"/>
-              <a:t>Second Check-In Example:</a:t>
-            </a:r>
-          </a:p>
-        </p:txBody>
-      </p:sp>
-      <p:sp>
-        <p:nvSpPr>
-          <p:cNvPr id="3" name="Content Placeholder 2">
-            <a:extLst>
-              <a:ext uri="{FF2B5EF4-FFF2-40B4-BE49-F238E27FC236}">
-                <a16:creationId xmlns:a16="http://schemas.microsoft.com/office/drawing/2014/main" id="{095AEB11-C94C-8944-8BC0-B5111383C9C5}"/>
-              </a:ext>
-            </a:extLst>
-          </p:cNvPr>
-          <p:cNvSpPr>
-            <a:spLocks noGrp="1"/>
-          </p:cNvSpPr>
-          <p:nvPr>
-            <p:ph idx="1"/>
-          </p:nvPr>
-        </p:nvSpPr>
-        <p:spPr>
-          <a:xfrm>
-            <a:off x="228600" y="1181100"/>
-            <a:ext cx="8915400" cy="4203700"/>
-          </a:xfrm>
-        </p:spPr>
-        <p:txBody>
-          <a:bodyPr/>
-          <a:lstStyle/>
-          <a:p>
-            <a:pPr marL="0" indent="0">
-              <a:buNone/>
-            </a:pPr>
-            <a:r>
-              <a:rPr lang="en-US" dirty="0"/>
-              <a:t>Previous code from last slide PLUS:</a:t>
-            </a:r>
-          </a:p>
-          <a:p>
-            <a:pPr marL="0" indent="0">
-              <a:buNone/>
-            </a:pPr>
-            <a:endParaRPr lang="en-US" dirty="0"/>
-          </a:p>
-          <a:p>
-            <a:pPr marL="0" indent="0">
-              <a:buNone/>
-            </a:pPr>
-            <a:endParaRPr lang="en-US" dirty="0"/>
-          </a:p>
-        </p:txBody>
-      </p:sp>
-      <p:sp>
-        <p:nvSpPr>
-          <p:cNvPr id="5" name="Title 1">
-            <a:extLst>
-              <a:ext uri="{FF2B5EF4-FFF2-40B4-BE49-F238E27FC236}">
-                <a16:creationId xmlns:a16="http://schemas.microsoft.com/office/drawing/2014/main" id="{19A7A71F-DB30-9240-B08C-B4876A1563A9}"/>
-              </a:ext>
-            </a:extLst>
-          </p:cNvPr>
-          <p:cNvSpPr txBox="1">
-            <a:spLocks/>
-          </p:cNvSpPr>
-          <p:nvPr/>
-        </p:nvSpPr>
-        <p:spPr>
-          <a:xfrm>
-            <a:off x="120650" y="624042"/>
-            <a:ext cx="8470900" cy="443368"/>
-          </a:xfrm>
-          <a:prstGeom prst="rect">
-            <a:avLst/>
-          </a:prstGeom>
-        </p:spPr>
-        <p:txBody>
-          <a:bodyPr vert="horz" lIns="91440" tIns="45720" rIns="91440" bIns="45720" rtlCol="0" anchor="ctr">
-            <a:normAutofit/>
-          </a:bodyPr>
-          <a:lstStyle>
-            <a:lvl1pPr algn="l" defTabSz="685800" rtl="0" eaLnBrk="1" latinLnBrk="0" hangingPunct="1">
-              <a:lnSpc>
-                <a:spcPct val="90000"/>
-              </a:lnSpc>
-              <a:spcBef>
-                <a:spcPct val="0"/>
-              </a:spcBef>
-              <a:buNone/>
-              <a:defRPr sz="3300" kern="1200">
-                <a:solidFill>
-                  <a:schemeClr val="tx1"/>
-                </a:solidFill>
-                <a:latin typeface="+mj-lt"/>
-                <a:ea typeface="+mj-ea"/>
-                <a:cs typeface="+mj-cs"/>
-              </a:defRPr>
-            </a:lvl1pPr>
-          </a:lstStyle>
-          <a:p>
-            <a:r>
-              <a:rPr lang="en-US" sz="2300" dirty="0"/>
-              <a:t>helper functions and refining program.</a:t>
-            </a:r>
-          </a:p>
-        </p:txBody>
-      </p:sp>
-      <p:pic>
-        <p:nvPicPr>
-          <p:cNvPr id="6" name="Picture 5">
-            <a:extLst>
-              <a:ext uri="{FF2B5EF4-FFF2-40B4-BE49-F238E27FC236}">
-                <a16:creationId xmlns:a16="http://schemas.microsoft.com/office/drawing/2014/main" id="{B465E76B-E942-B343-82C8-889CC29E0D41}"/>
-              </a:ext>
-            </a:extLst>
-          </p:cNvPr>
-          <p:cNvPicPr>
-            <a:picLocks noChangeAspect="1"/>
-          </p:cNvPicPr>
-          <p:nvPr/>
-        </p:nvPicPr>
-        <p:blipFill>
-          <a:blip r:embed="rId2"/>
-          <a:stretch>
-            <a:fillRect/>
-          </a:stretch>
-        </p:blipFill>
-        <p:spPr>
-          <a:xfrm>
-            <a:off x="114300" y="1892224"/>
-            <a:ext cx="9144000" cy="3642102"/>
-          </a:xfrm>
-          <a:prstGeom prst="rect">
-            <a:avLst/>
-          </a:prstGeom>
-        </p:spPr>
-      </p:pic>
-    </p:spTree>
-    <p:extLst>
-      <p:ext uri="{BB962C8B-B14F-4D97-AF65-F5344CB8AC3E}">
-        <p14:creationId xmlns:p14="http://schemas.microsoft.com/office/powerpoint/2010/main" val="963005197"/>
-      </p:ext>
-    </p:extLst>
-  </p:cSld>
-  <p:clrMapOvr>
-    <a:masterClrMapping/>
-  </p:clrMapOvr>
-</p:sld>
-</file>
-
-<file path=ppt/slides/slide34.xml><?xml version="1.0" encoding="utf-8"?>
-<p:sld xmlns:a="http://schemas.openxmlformats.org/drawingml/2006/main" xmlns:r="http://schemas.openxmlformats.org/officeDocument/2006/relationships" xmlns:p="http://schemas.openxmlformats.org/presentationml/2006/main">
-  <p:cSld>
-    <p:spTree>
-      <p:nvGrpSpPr>
-        <p:cNvPr id="1" name=""/>
-        <p:cNvGrpSpPr/>
-        <p:nvPr/>
-      </p:nvGrpSpPr>
-      <p:grpSpPr>
-        <a:xfrm>
-          <a:off x="0" y="0"/>
-          <a:ext cx="0" cy="0"/>
-          <a:chOff x="0" y="0"/>
-          <a:chExt cx="0" cy="0"/>
-        </a:xfrm>
-      </p:grpSpPr>
-      <p:sp>
-        <p:nvSpPr>
-          <p:cNvPr id="2" name="Title 1">
-            <a:extLst>
-              <a:ext uri="{FF2B5EF4-FFF2-40B4-BE49-F238E27FC236}">
-                <a16:creationId xmlns:a16="http://schemas.microsoft.com/office/drawing/2014/main" id="{FA100432-FD08-B74C-B1ED-A29F2DDCCC2C}"/>
-              </a:ext>
-            </a:extLst>
-          </p:cNvPr>
-          <p:cNvSpPr>
-            <a:spLocks noGrp="1"/>
-          </p:cNvSpPr>
-          <p:nvPr>
-            <p:ph type="title"/>
-          </p:nvPr>
-        </p:nvSpPr>
-        <p:spPr>
-          <a:xfrm>
-            <a:off x="120650" y="180674"/>
-            <a:ext cx="7715250" cy="443368"/>
-          </a:xfrm>
-        </p:spPr>
-        <p:txBody>
-          <a:bodyPr/>
-          <a:lstStyle/>
-          <a:p>
-            <a:r>
-              <a:rPr lang="en-US" dirty="0"/>
-              <a:t>Third Check-In Example:</a:t>
-            </a:r>
-          </a:p>
-        </p:txBody>
-      </p:sp>
-      <p:sp>
-        <p:nvSpPr>
-          <p:cNvPr id="3" name="Content Placeholder 2">
-            <a:extLst>
-              <a:ext uri="{FF2B5EF4-FFF2-40B4-BE49-F238E27FC236}">
-                <a16:creationId xmlns:a16="http://schemas.microsoft.com/office/drawing/2014/main" id="{095AEB11-C94C-8944-8BC0-B5111383C9C5}"/>
-              </a:ext>
-            </a:extLst>
-          </p:cNvPr>
-          <p:cNvSpPr>
-            <a:spLocks noGrp="1"/>
-          </p:cNvSpPr>
-          <p:nvPr>
-            <p:ph idx="1"/>
-          </p:nvPr>
-        </p:nvSpPr>
-        <p:spPr>
-          <a:xfrm>
-            <a:off x="228600" y="1181100"/>
-            <a:ext cx="8915400" cy="4203700"/>
-          </a:xfrm>
-        </p:spPr>
-        <p:txBody>
-          <a:bodyPr/>
-          <a:lstStyle/>
-          <a:p>
-            <a:pPr marL="0" indent="0">
-              <a:buNone/>
-            </a:pPr>
-            <a:r>
-              <a:rPr lang="en-US" dirty="0"/>
-              <a:t>Previous code from last two slides PLUS:</a:t>
-            </a:r>
-          </a:p>
-          <a:p>
-            <a:pPr marL="0" indent="0">
-              <a:buNone/>
-            </a:pPr>
-            <a:endParaRPr lang="en-US" dirty="0"/>
-          </a:p>
-          <a:p>
-            <a:pPr marL="0" indent="0">
-              <a:buNone/>
-            </a:pPr>
-            <a:endParaRPr lang="en-US" dirty="0"/>
-          </a:p>
-        </p:txBody>
-      </p:sp>
-      <p:sp>
-        <p:nvSpPr>
-          <p:cNvPr id="5" name="Title 1">
-            <a:extLst>
-              <a:ext uri="{FF2B5EF4-FFF2-40B4-BE49-F238E27FC236}">
-                <a16:creationId xmlns:a16="http://schemas.microsoft.com/office/drawing/2014/main" id="{19A7A71F-DB30-9240-B08C-B4876A1563A9}"/>
-              </a:ext>
-            </a:extLst>
-          </p:cNvPr>
-          <p:cNvSpPr txBox="1">
-            <a:spLocks/>
-          </p:cNvSpPr>
-          <p:nvPr/>
-        </p:nvSpPr>
-        <p:spPr>
-          <a:xfrm>
-            <a:off x="120650" y="624042"/>
-            <a:ext cx="8470900" cy="443368"/>
-          </a:xfrm>
-          <a:prstGeom prst="rect">
-            <a:avLst/>
-          </a:prstGeom>
-        </p:spPr>
-        <p:txBody>
-          <a:bodyPr vert="horz" lIns="91440" tIns="45720" rIns="91440" bIns="45720" rtlCol="0" anchor="ctr">
-            <a:normAutofit/>
-          </a:bodyPr>
-          <a:lstStyle>
-            <a:lvl1pPr algn="l" defTabSz="685800" rtl="0" eaLnBrk="1" latinLnBrk="0" hangingPunct="1">
-              <a:lnSpc>
-                <a:spcPct val="90000"/>
-              </a:lnSpc>
-              <a:spcBef>
-                <a:spcPct val="0"/>
-              </a:spcBef>
-              <a:buNone/>
-              <a:defRPr sz="3300" kern="1200">
-                <a:solidFill>
-                  <a:schemeClr val="tx1"/>
-                </a:solidFill>
-                <a:latin typeface="+mj-lt"/>
-                <a:ea typeface="+mj-ea"/>
-                <a:cs typeface="+mj-cs"/>
-              </a:defRPr>
-            </a:lvl1pPr>
-          </a:lstStyle>
-          <a:p>
-            <a:r>
-              <a:rPr lang="en-US" sz="2300" dirty="0"/>
-              <a:t>adding main function and finishing up program</a:t>
-            </a:r>
-          </a:p>
-        </p:txBody>
-      </p:sp>
-      <p:pic>
-        <p:nvPicPr>
-          <p:cNvPr id="7" name="Picture 6">
-            <a:extLst>
-              <a:ext uri="{FF2B5EF4-FFF2-40B4-BE49-F238E27FC236}">
-                <a16:creationId xmlns:a16="http://schemas.microsoft.com/office/drawing/2014/main" id="{157F941E-AE1C-2346-8DAE-A5B65AF26313}"/>
-              </a:ext>
-            </a:extLst>
-          </p:cNvPr>
-          <p:cNvPicPr>
-            <a:picLocks noChangeAspect="1"/>
-          </p:cNvPicPr>
-          <p:nvPr/>
-        </p:nvPicPr>
-        <p:blipFill>
-          <a:blip r:embed="rId2"/>
-          <a:stretch>
-            <a:fillRect/>
-          </a:stretch>
-        </p:blipFill>
-        <p:spPr>
-          <a:xfrm>
-            <a:off x="0" y="2008943"/>
-            <a:ext cx="9144000" cy="2548013"/>
-          </a:xfrm>
-          <a:prstGeom prst="rect">
-            <a:avLst/>
-          </a:prstGeom>
-        </p:spPr>
-      </p:pic>
-    </p:spTree>
-    <p:extLst>
-      <p:ext uri="{BB962C8B-B14F-4D97-AF65-F5344CB8AC3E}">
-        <p14:creationId xmlns:p14="http://schemas.microsoft.com/office/powerpoint/2010/main" val="107728642"/>
-      </p:ext>
-    </p:extLst>
-  </p:cSld>
-  <p:clrMapOvr>
-    <a:masterClrMapping/>
-  </p:clrMapOvr>
 </p:sld>
 </file>
 

--- a/courses/apcsp/create_task/create_task.pptx
+++ b/courses/apcsp/create_task/create_task.pptx
@@ -137,7 +137,7 @@
 <file path=ppt/revisionInfo.xml><?xml version="1.0" encoding="utf-8"?>
 <p1510:revInfo xmlns:a="http://schemas.openxmlformats.org/drawingml/2006/main" xmlns:r="http://schemas.openxmlformats.org/officeDocument/2006/relationships" xmlns:p1510="http://schemas.microsoft.com/office/powerpoint/2015/10/main">
   <p1510:revLst>
-    <p1510:client id="{9524EE58-25A9-8F4B-8612-E4B64A01E140}" v="540" dt="2021-12-13T14:41:33.770"/>
+    <p1510:client id="{9524EE58-25A9-8F4B-8612-E4B64A01E140}" v="1014" dt="2021-12-13T16:05:33.069"/>
   </p1510:revLst>
 </p1510:revInfo>
 </file>
@@ -147,7 +147,7 @@
   <pc:docChgLst>
     <pc:chgData name="Long B Nguyen" userId="f59fb8f3-a021-417a-8bc1-65c8d471c621" providerId="ADAL" clId="{9524EE58-25A9-8F4B-8612-E4B64A01E140}"/>
     <pc:docChg chg="custSel addSld delSld modSld">
-      <pc:chgData name="Long B Nguyen" userId="f59fb8f3-a021-417a-8bc1-65c8d471c621" providerId="ADAL" clId="{9524EE58-25A9-8F4B-8612-E4B64A01E140}" dt="2021-12-13T14:41:46.585" v="574" actId="255"/>
+      <pc:chgData name="Long B Nguyen" userId="f59fb8f3-a021-417a-8bc1-65c8d471c621" providerId="ADAL" clId="{9524EE58-25A9-8F4B-8612-E4B64A01E140}" dt="2021-12-13T16:05:33.068" v="1051" actId="20577"/>
       <pc:docMkLst>
         <pc:docMk/>
       </pc:docMkLst>
@@ -203,14 +203,22 @@
           <pc:sldMk cId="1886395027" sldId="308"/>
         </pc:sldMkLst>
       </pc:sldChg>
-      <pc:sldChg chg="modSp add modAnim">
-        <pc:chgData name="Long B Nguyen" userId="f59fb8f3-a021-417a-8bc1-65c8d471c621" providerId="ADAL" clId="{9524EE58-25A9-8F4B-8612-E4B64A01E140}" dt="2021-12-13T14:41:33.770" v="571" actId="20577"/>
+      <pc:sldChg chg="modSp add mod modAnim">
+        <pc:chgData name="Long B Nguyen" userId="f59fb8f3-a021-417a-8bc1-65c8d471c621" providerId="ADAL" clId="{9524EE58-25A9-8F4B-8612-E4B64A01E140}" dt="2021-12-13T16:05:33.068" v="1051" actId="20577"/>
         <pc:sldMkLst>
           <pc:docMk/>
           <pc:sldMk cId="35145435" sldId="309"/>
         </pc:sldMkLst>
         <pc:spChg chg="mod">
-          <ac:chgData name="Long B Nguyen" userId="f59fb8f3-a021-417a-8bc1-65c8d471c621" providerId="ADAL" clId="{9524EE58-25A9-8F4B-8612-E4B64A01E140}" dt="2021-12-13T14:41:33.770" v="571" actId="20577"/>
+          <ac:chgData name="Long B Nguyen" userId="f59fb8f3-a021-417a-8bc1-65c8d471c621" providerId="ADAL" clId="{9524EE58-25A9-8F4B-8612-E4B64A01E140}" dt="2021-12-13T14:43:59.077" v="578" actId="20577"/>
+          <ac:spMkLst>
+            <pc:docMk/>
+            <pc:sldMk cId="35145435" sldId="309"/>
+            <ac:spMk id="2" creationId="{2CAD482E-9621-034B-B5B9-A2A3E3815EBF}"/>
+          </ac:spMkLst>
+        </pc:spChg>
+        <pc:spChg chg="mod">
+          <ac:chgData name="Long B Nguyen" userId="f59fb8f3-a021-417a-8bc1-65c8d471c621" providerId="ADAL" clId="{9524EE58-25A9-8F4B-8612-E4B64A01E140}" dt="2021-12-13T16:05:33.068" v="1051" actId="20577"/>
           <ac:spMkLst>
             <pc:docMk/>
             <pc:sldMk cId="35145435" sldId="309"/>
@@ -8747,7 +8755,7 @@
           <a:p>
             <a:r>
               <a:rPr lang="en-US" dirty="0"/>
-              <a:t>Create Task Example 1</a:t>
+              <a:t>Create Task Example</a:t>
             </a:r>
           </a:p>
         </p:txBody>
@@ -8793,6 +8801,31 @@
             <a:pPr marL="0" indent="0">
               <a:buNone/>
             </a:pPr>
+            <a:r>
+              <a:rPr lang="en-US" dirty="0"/>
+              <a:t>This sample Create Task program is very simple. It reads data from a text file containing </a:t>
+            </a:r>
+            <a:r>
+              <a:rPr lang="en-US" dirty="0" err="1"/>
+              <a:t>students'names</a:t>
+            </a:r>
+            <a:r>
+              <a:rPr lang="en-US" dirty="0"/>
+              <a:t> and their GPAs. It prints out the list of names of students whose </a:t>
+            </a:r>
+            <a:r>
+              <a:rPr lang="en-US" dirty="0" err="1"/>
+              <a:t>gpa</a:t>
+            </a:r>
+            <a:r>
+              <a:rPr lang="en-US" dirty="0"/>
+              <a:t> is below a certain threshold(e.g. 2.0). </a:t>
+            </a:r>
+          </a:p>
+          <a:p>
+            <a:pPr marL="0" indent="0">
+              <a:buNone/>
+            </a:pPr>
             <a:endParaRPr lang="en-US" dirty="0"/>
           </a:p>
           <a:p>
@@ -8801,7 +8834,22 @@
             </a:pPr>
             <a:r>
               <a:rPr lang="en-US" dirty="0"/>
-              <a:t>We will walk through a full example of a Create Task by coding it on </a:t>
+              <a:t>This simple program is enough to get full points on the Create Task! The entire program only takes about 20 lines of code!</a:t>
+            </a:r>
+          </a:p>
+          <a:p>
+            <a:pPr marL="0" indent="0">
+              <a:buNone/>
+            </a:pPr>
+            <a:endParaRPr lang="en-US" dirty="0"/>
+          </a:p>
+          <a:p>
+            <a:pPr marL="0" indent="0">
+              <a:buNone/>
+            </a:pPr>
+            <a:r>
+              <a:rPr lang="en-US" dirty="0"/>
+              <a:t>We'll do </a:t>
             </a:r>
             <a:r>
               <a:rPr lang="en-US" dirty="0" err="1"/>
@@ -8809,8 +8857,14 @@
             </a:r>
             <a:r>
               <a:rPr lang="en-US" dirty="0"/>
-              <a:t> Teams. </a:t>
-            </a:r>
+              <a:t> Teams labs that walk through this entire program. </a:t>
+            </a:r>
+          </a:p>
+          <a:p>
+            <a:pPr marL="0" indent="0">
+              <a:buNone/>
+            </a:pPr>
+            <a:endParaRPr lang="en-US" dirty="0"/>
           </a:p>
         </p:txBody>
       </p:sp>
@@ -8860,7 +8914,105 @@
                                         <p:tgtEl>
                                           <p:spTgt spid="3">
                                             <p:txEl>
-                                              <p:pRg st="3" end="3"/>
+                                              <p:pRg st="2" end="2"/>
+                                            </p:txEl>
+                                          </p:spTgt>
+                                        </p:tgtEl>
+                                        <p:attrNameLst>
+                                          <p:attrName>style.visibility</p:attrName>
+                                        </p:attrNameLst>
+                                      </p:cBhvr>
+                                      <p:to>
+                                        <p:strVal val="visible"/>
+                                      </p:to>
+                                    </p:set>
+                                  </p:childTnLst>
+                                </p:cTn>
+                              </p:par>
+                            </p:childTnLst>
+                          </p:cTn>
+                        </p:par>
+                      </p:childTnLst>
+                    </p:cTn>
+                  </p:par>
+                  <p:par>
+                    <p:cTn id="7" fill="hold">
+                      <p:stCondLst>
+                        <p:cond delay="indefinite"/>
+                      </p:stCondLst>
+                      <p:childTnLst>
+                        <p:par>
+                          <p:cTn id="8" fill="hold">
+                            <p:stCondLst>
+                              <p:cond delay="0"/>
+                            </p:stCondLst>
+                            <p:childTnLst>
+                              <p:par>
+                                <p:cTn id="9" presetID="1" presetClass="entr" presetSubtype="0" fill="hold" nodeType="clickEffect">
+                                  <p:stCondLst>
+                                    <p:cond delay="0"/>
+                                  </p:stCondLst>
+                                  <p:childTnLst>
+                                    <p:set>
+                                      <p:cBhvr>
+                                        <p:cTn id="10" dur="1" fill="hold">
+                                          <p:stCondLst>
+                                            <p:cond delay="0"/>
+                                          </p:stCondLst>
+                                        </p:cTn>
+                                        <p:tgtEl>
+                                          <p:spTgt spid="3">
+                                            <p:txEl>
+                                              <p:pRg st="4" end="4"/>
+                                            </p:txEl>
+                                          </p:spTgt>
+                                        </p:tgtEl>
+                                        <p:attrNameLst>
+                                          <p:attrName>style.visibility</p:attrName>
+                                        </p:attrNameLst>
+                                      </p:cBhvr>
+                                      <p:to>
+                                        <p:strVal val="visible"/>
+                                      </p:to>
+                                    </p:set>
+                                  </p:childTnLst>
+                                </p:cTn>
+                              </p:par>
+                            </p:childTnLst>
+                          </p:cTn>
+                        </p:par>
+                      </p:childTnLst>
+                    </p:cTn>
+                  </p:par>
+                  <p:par>
+                    <p:cTn id="11" fill="hold">
+                      <p:stCondLst>
+                        <p:cond delay="indefinite"/>
+                      </p:stCondLst>
+                      <p:childTnLst>
+                        <p:par>
+                          <p:cTn id="12" fill="hold">
+                            <p:stCondLst>
+                              <p:cond delay="0"/>
+                            </p:stCondLst>
+                            <p:childTnLst>
+                              <p:par>
+                                <p:cTn id="13" presetID="1" presetClass="entr" presetSubtype="0" fill="hold" nodeType="clickEffect">
+                                  <p:stCondLst>
+                                    <p:cond delay="0"/>
+                                  </p:stCondLst>
+                                  <p:childTnLst>
+                                    <p:set>
+                                      <p:cBhvr>
+                                        <p:cTn id="14" dur="1" fill="hold">
+                                          <p:stCondLst>
+                                            <p:cond delay="0"/>
+                                          </p:stCondLst>
+                                        </p:cTn>
+                                        <p:tgtEl>
+                                          <p:spTgt spid="3">
+                                            <p:txEl>
+                                              <p:pRg st="6" end="6"/>
                                             </p:txEl>
                                           </p:spTgt>
                                         </p:tgtEl>

--- a/courses/apcsp/create_task/create_task.pptx
+++ b/courses/apcsp/create_task/create_task.pptx
@@ -137,7 +137,7 @@
 <file path=ppt/revisionInfo.xml><?xml version="1.0" encoding="utf-8"?>
 <p1510:revInfo xmlns:a="http://schemas.openxmlformats.org/drawingml/2006/main" xmlns:r="http://schemas.openxmlformats.org/officeDocument/2006/relationships" xmlns:p1510="http://schemas.microsoft.com/office/powerpoint/2015/10/main">
   <p1510:revLst>
-    <p1510:client id="{9524EE58-25A9-8F4B-8612-E4B64A01E140}" v="1014" dt="2021-12-13T16:05:33.069"/>
+    <p1510:client id="{9524EE58-25A9-8F4B-8612-E4B64A01E140}" v="1061" dt="2021-12-14T15:35:36.461"/>
   </p1510:revLst>
 </p1510:revInfo>
 </file>
@@ -147,7 +147,7 @@
   <pc:docChgLst>
     <pc:chgData name="Long B Nguyen" userId="f59fb8f3-a021-417a-8bc1-65c8d471c621" providerId="ADAL" clId="{9524EE58-25A9-8F4B-8612-E4B64A01E140}"/>
     <pc:docChg chg="custSel addSld delSld modSld">
-      <pc:chgData name="Long B Nguyen" userId="f59fb8f3-a021-417a-8bc1-65c8d471c621" providerId="ADAL" clId="{9524EE58-25A9-8F4B-8612-E4B64A01E140}" dt="2021-12-13T16:05:33.068" v="1051" actId="20577"/>
+      <pc:chgData name="Long B Nguyen" userId="f59fb8f3-a021-417a-8bc1-65c8d471c621" providerId="ADAL" clId="{9524EE58-25A9-8F4B-8612-E4B64A01E140}" dt="2021-12-14T15:35:36.461" v="1098" actId="20577"/>
       <pc:docMkLst>
         <pc:docMk/>
       </pc:docMkLst>
@@ -314,13 +314,13 @@
         </pc:picChg>
       </pc:sldChg>
       <pc:sldChg chg="modSp">
-        <pc:chgData name="Long B Nguyen" userId="f59fb8f3-a021-417a-8bc1-65c8d471c621" providerId="ADAL" clId="{9524EE58-25A9-8F4B-8612-E4B64A01E140}" dt="2021-12-13T14:30:52.683" v="293" actId="20577"/>
+        <pc:chgData name="Long B Nguyen" userId="f59fb8f3-a021-417a-8bc1-65c8d471c621" providerId="ADAL" clId="{9524EE58-25A9-8F4B-8612-E4B64A01E140}" dt="2021-12-14T15:34:39.090" v="1095" actId="20577"/>
         <pc:sldMkLst>
           <pc:docMk/>
           <pc:sldMk cId="500399139" sldId="559"/>
         </pc:sldMkLst>
         <pc:spChg chg="mod">
-          <ac:chgData name="Long B Nguyen" userId="f59fb8f3-a021-417a-8bc1-65c8d471c621" providerId="ADAL" clId="{9524EE58-25A9-8F4B-8612-E4B64A01E140}" dt="2021-12-13T14:30:52.683" v="293" actId="20577"/>
+          <ac:chgData name="Long B Nguyen" userId="f59fb8f3-a021-417a-8bc1-65c8d471c621" providerId="ADAL" clId="{9524EE58-25A9-8F4B-8612-E4B64A01E140}" dt="2021-12-14T15:34:39.090" v="1095" actId="20577"/>
           <ac:spMkLst>
             <pc:docMk/>
             <pc:sldMk cId="500399139" sldId="559"/>
@@ -344,7 +344,7 @@
         </pc:spChg>
       </pc:sldChg>
       <pc:sldChg chg="modSp mod modAnim">
-        <pc:chgData name="Long B Nguyen" userId="f59fb8f3-a021-417a-8bc1-65c8d471c621" providerId="ADAL" clId="{9524EE58-25A9-8F4B-8612-E4B64A01E140}" dt="2021-12-13T12:57:10.156" v="150" actId="20577"/>
+        <pc:chgData name="Long B Nguyen" userId="f59fb8f3-a021-417a-8bc1-65c8d471c621" providerId="ADAL" clId="{9524EE58-25A9-8F4B-8612-E4B64A01E140}" dt="2021-12-14T15:35:36.461" v="1098" actId="20577"/>
         <pc:sldMkLst>
           <pc:docMk/>
           <pc:sldMk cId="3916325109" sldId="561"/>
@@ -358,7 +358,7 @@
           </ac:spMkLst>
         </pc:spChg>
         <pc:spChg chg="mod">
-          <ac:chgData name="Long B Nguyen" userId="f59fb8f3-a021-417a-8bc1-65c8d471c621" providerId="ADAL" clId="{9524EE58-25A9-8F4B-8612-E4B64A01E140}" dt="2021-12-13T12:57:05.451" v="145" actId="20577"/>
+          <ac:chgData name="Long B Nguyen" userId="f59fb8f3-a021-417a-8bc1-65c8d471c621" providerId="ADAL" clId="{9524EE58-25A9-8F4B-8612-E4B64A01E140}" dt="2021-12-14T15:35:36.461" v="1098" actId="20577"/>
           <ac:spMkLst>
             <pc:docMk/>
             <pc:sldMk cId="3916325109" sldId="561"/>
@@ -2696,7 +2696,7 @@
           <a:p>
             <a:fld id="{4AAD347D-5ACD-4C99-B74B-A9C85AD731AF}" type="datetimeFigureOut">
               <a:rPr lang="en-US" smtClean="0"/>
-              <a:t>12/13/21</a:t>
+              <a:t>12/14/21</a:t>
             </a:fld>
             <a:endParaRPr lang="en-US" dirty="0"/>
           </a:p>
@@ -2866,7 +2866,7 @@
           <a:p>
             <a:fld id="{4509A250-FF31-4206-8172-F9D3106AACB1}" type="datetimeFigureOut">
               <a:rPr lang="en-US" smtClean="0"/>
-              <a:t>12/13/21</a:t>
+              <a:t>12/14/21</a:t>
             </a:fld>
             <a:endParaRPr lang="en-US" dirty="0"/>
           </a:p>
@@ -3046,7 +3046,7 @@
           <a:p>
             <a:fld id="{4509A250-FF31-4206-8172-F9D3106AACB1}" type="datetimeFigureOut">
               <a:rPr lang="en-US" smtClean="0"/>
-              <a:t>12/13/21</a:t>
+              <a:t>12/14/21</a:t>
             </a:fld>
             <a:endParaRPr lang="en-US" dirty="0"/>
           </a:p>
@@ -3216,7 +3216,7 @@
           <a:p>
             <a:fld id="{4509A250-FF31-4206-8172-F9D3106AACB1}" type="datetimeFigureOut">
               <a:rPr lang="en-US" smtClean="0"/>
-              <a:t>12/13/21</a:t>
+              <a:t>12/14/21</a:t>
             </a:fld>
             <a:endParaRPr lang="en-US" dirty="0"/>
           </a:p>
@@ -3462,7 +3462,7 @@
           <a:p>
             <a:fld id="{9796027F-7875-4030-9381-8BD8C4F21935}" type="datetimeFigureOut">
               <a:rPr lang="en-US" smtClean="0"/>
-              <a:t>12/13/21</a:t>
+              <a:t>12/14/21</a:t>
             </a:fld>
             <a:endParaRPr lang="en-US" dirty="0"/>
           </a:p>
@@ -3694,7 +3694,7 @@
           <a:p>
             <a:fld id="{9796027F-7875-4030-9381-8BD8C4F21935}" type="datetimeFigureOut">
               <a:rPr lang="en-US" smtClean="0"/>
-              <a:t>12/13/21</a:t>
+              <a:t>12/14/21</a:t>
             </a:fld>
             <a:endParaRPr lang="en-US" dirty="0"/>
           </a:p>
@@ -4061,7 +4061,7 @@
           <a:p>
             <a:fld id="{9796027F-7875-4030-9381-8BD8C4F21935}" type="datetimeFigureOut">
               <a:rPr lang="en-US" smtClean="0"/>
-              <a:t>12/13/21</a:t>
+              <a:t>12/14/21</a:t>
             </a:fld>
             <a:endParaRPr lang="en-US" dirty="0"/>
           </a:p>
@@ -4179,7 +4179,7 @@
           <a:p>
             <a:fld id="{4509A250-FF31-4206-8172-F9D3106AACB1}" type="datetimeFigureOut">
               <a:rPr lang="en-US" smtClean="0"/>
-              <a:t>12/13/21</a:t>
+              <a:t>12/14/21</a:t>
             </a:fld>
             <a:endParaRPr lang="en-US" dirty="0"/>
           </a:p>
@@ -4274,7 +4274,7 @@
           <a:p>
             <a:fld id="{4509A250-FF31-4206-8172-F9D3106AACB1}" type="datetimeFigureOut">
               <a:rPr lang="en-US" smtClean="0"/>
-              <a:t>12/13/21</a:t>
+              <a:t>12/14/21</a:t>
             </a:fld>
             <a:endParaRPr lang="en-US" dirty="0"/>
           </a:p>
@@ -4551,7 +4551,7 @@
           <a:p>
             <a:fld id="{4509A250-FF31-4206-8172-F9D3106AACB1}" type="datetimeFigureOut">
               <a:rPr lang="en-US" smtClean="0"/>
-              <a:t>12/13/21</a:t>
+              <a:t>12/14/21</a:t>
             </a:fld>
             <a:endParaRPr lang="en-US" dirty="0"/>
           </a:p>
@@ -4808,7 +4808,7 @@
           <a:p>
             <a:fld id="{4509A250-FF31-4206-8172-F9D3106AACB1}" type="datetimeFigureOut">
               <a:rPr lang="en-US" smtClean="0"/>
-              <a:t>12/13/21</a:t>
+              <a:t>12/14/21</a:t>
             </a:fld>
             <a:endParaRPr lang="en-US" dirty="0"/>
           </a:p>
@@ -5021,7 +5021,7 @@
           <a:p>
             <a:fld id="{4AAD347D-5ACD-4C99-B74B-A9C85AD731AF}" type="datetimeFigureOut">
               <a:rPr lang="en-US" smtClean="0"/>
-              <a:t>12/13/21</a:t>
+              <a:t>12/14/21</a:t>
             </a:fld>
             <a:endParaRPr lang="en-US" dirty="0"/>
           </a:p>
@@ -7746,7 +7746,17 @@
             </a:pPr>
             <a:r>
               <a:rPr lang="en-US" dirty="0"/>
-              <a:t>Total: 12 hours</a:t>
+              <a:t>Total</a:t>
+            </a:r>
+            <a:r>
+              <a:rPr lang="en-US" dirty="0">
+                <a:sym typeface="Wingdings" pitchFamily="2" charset="2"/>
+              </a:rPr>
+              <a:t>(minimum class time):</a:t>
+            </a:r>
+            <a:r>
+              <a:rPr lang="en-US" dirty="0"/>
+              <a:t> 12 hours</a:t>
             </a:r>
           </a:p>
           <a:p>
@@ -8575,15 +8585,7 @@
             </a:pPr>
             <a:r>
               <a:rPr lang="en-US" dirty="0"/>
-              <a:t>The goal is to complete your code by end of February(end of </a:t>
-            </a:r>
-            <a:r>
-              <a:rPr lang="en-US" dirty="0" err="1"/>
-              <a:t>Februrary</a:t>
-            </a:r>
-            <a:r>
-              <a:rPr lang="en-US" dirty="0"/>
-              <a:t> break). </a:t>
+              <a:t>The goal is to complete your code by end of February(end of February break). </a:t>
             </a:r>
           </a:p>
           <a:p>

--- a/courses/apcsp/create_task/create_task.pptx
+++ b/courses/apcsp/create_task/create_task.pptx
@@ -28,6 +28,10 @@
     <p:sldId id="560" r:id="rId22"/>
     <p:sldId id="561" r:id="rId23"/>
     <p:sldId id="309" r:id="rId24"/>
+    <p:sldId id="563" r:id="rId25"/>
+    <p:sldId id="562" r:id="rId26"/>
+    <p:sldId id="565" r:id="rId27"/>
+    <p:sldId id="566" r:id="rId28"/>
   </p:sldIdLst>
   <p:sldSz cx="9144000" cy="5715000" type="screen16x10"/>
   <p:notesSz cx="6858000" cy="9144000"/>
@@ -137,7 +141,7 @@
 <file path=ppt/revisionInfo.xml><?xml version="1.0" encoding="utf-8"?>
 <p1510:revInfo xmlns:a="http://schemas.openxmlformats.org/drawingml/2006/main" xmlns:r="http://schemas.openxmlformats.org/officeDocument/2006/relationships" xmlns:p1510="http://schemas.microsoft.com/office/powerpoint/2015/10/main">
   <p1510:revLst>
-    <p1510:client id="{9524EE58-25A9-8F4B-8612-E4B64A01E140}" v="1061" dt="2021-12-14T15:35:36.461"/>
+    <p1510:client id="{49B01C95-2323-A046-80CE-B9EF72291F76}" v="1417" dt="2022-01-20T15:16:43.113"/>
   </p1510:revLst>
 </p1510:revInfo>
 </file>
@@ -472,6 +476,191 @@
           <pc:docMk/>
           <pc:sldMk cId="1581961275" sldId="293"/>
         </pc:sldMkLst>
+      </pc:sldChg>
+    </pc:docChg>
+  </pc:docChgLst>
+  <pc:docChgLst>
+    <pc:chgData name="Long Nguyen" userId="f59fb8f3-a021-417a-8bc1-65c8d471c621" providerId="ADAL" clId="{49B01C95-2323-A046-80CE-B9EF72291F76}"/>
+    <pc:docChg chg="custSel addSld delSld modSld">
+      <pc:chgData name="Long Nguyen" userId="f59fb8f3-a021-417a-8bc1-65c8d471c621" providerId="ADAL" clId="{49B01C95-2323-A046-80CE-B9EF72291F76}" dt="2022-01-20T15:17:15.929" v="1506" actId="2696"/>
+      <pc:docMkLst>
+        <pc:docMk/>
+      </pc:docMkLst>
+      <pc:sldChg chg="modSp mod">
+        <pc:chgData name="Long Nguyen" userId="f59fb8f3-a021-417a-8bc1-65c8d471c621" providerId="ADAL" clId="{49B01C95-2323-A046-80CE-B9EF72291F76}" dt="2022-01-20T14:30:30.637" v="6" actId="27636"/>
+        <pc:sldMkLst>
+          <pc:docMk/>
+          <pc:sldMk cId="3188689728" sldId="291"/>
+        </pc:sldMkLst>
+        <pc:spChg chg="mod">
+          <ac:chgData name="Long Nguyen" userId="f59fb8f3-a021-417a-8bc1-65c8d471c621" providerId="ADAL" clId="{49B01C95-2323-A046-80CE-B9EF72291F76}" dt="2022-01-20T14:30:30.637" v="6" actId="27636"/>
+          <ac:spMkLst>
+            <pc:docMk/>
+            <pc:sldMk cId="3188689728" sldId="291"/>
+            <ac:spMk id="3" creationId="{0CCEF01D-6BE2-8B40-B73C-E8115F523D49}"/>
+          </ac:spMkLst>
+        </pc:spChg>
+      </pc:sldChg>
+      <pc:sldChg chg="modSp mod modAnim">
+        <pc:chgData name="Long Nguyen" userId="f59fb8f3-a021-417a-8bc1-65c8d471c621" providerId="ADAL" clId="{49B01C95-2323-A046-80CE-B9EF72291F76}" dt="2022-01-20T14:30:39.441" v="61" actId="20577"/>
+        <pc:sldMkLst>
+          <pc:docMk/>
+          <pc:sldMk cId="35145435" sldId="309"/>
+        </pc:sldMkLst>
+        <pc:spChg chg="mod">
+          <ac:chgData name="Long Nguyen" userId="f59fb8f3-a021-417a-8bc1-65c8d471c621" providerId="ADAL" clId="{49B01C95-2323-A046-80CE-B9EF72291F76}" dt="2022-01-20T14:30:20.924" v="4" actId="20577"/>
+          <ac:spMkLst>
+            <pc:docMk/>
+            <pc:sldMk cId="35145435" sldId="309"/>
+            <ac:spMk id="2" creationId="{2CAD482E-9621-034B-B5B9-A2A3E3815EBF}"/>
+          </ac:spMkLst>
+        </pc:spChg>
+        <pc:spChg chg="mod">
+          <ac:chgData name="Long Nguyen" userId="f59fb8f3-a021-417a-8bc1-65c8d471c621" providerId="ADAL" clId="{49B01C95-2323-A046-80CE-B9EF72291F76}" dt="2022-01-20T14:30:39.441" v="61" actId="20577"/>
+          <ac:spMkLst>
+            <pc:docMk/>
+            <pc:sldMk cId="35145435" sldId="309"/>
+            <ac:spMk id="3" creationId="{BE9CE75A-CAA3-5646-AB61-E94C601FF013}"/>
+          </ac:spMkLst>
+        </pc:spChg>
+      </pc:sldChg>
+      <pc:sldChg chg="modSp mod">
+        <pc:chgData name="Long Nguyen" userId="f59fb8f3-a021-417a-8bc1-65c8d471c621" providerId="ADAL" clId="{49B01C95-2323-A046-80CE-B9EF72291F76}" dt="2022-01-20T14:30:30.667" v="7" actId="27636"/>
+        <pc:sldMkLst>
+          <pc:docMk/>
+          <pc:sldMk cId="500399139" sldId="559"/>
+        </pc:sldMkLst>
+        <pc:spChg chg="mod">
+          <ac:chgData name="Long Nguyen" userId="f59fb8f3-a021-417a-8bc1-65c8d471c621" providerId="ADAL" clId="{49B01C95-2323-A046-80CE-B9EF72291F76}" dt="2022-01-20T14:30:30.667" v="7" actId="27636"/>
+          <ac:spMkLst>
+            <pc:docMk/>
+            <pc:sldMk cId="500399139" sldId="559"/>
+            <ac:spMk id="3" creationId="{C84102BA-DE72-B749-AF52-12A584032098}"/>
+          </ac:spMkLst>
+        </pc:spChg>
+      </pc:sldChg>
+      <pc:sldChg chg="modSp add mod modAnim">
+        <pc:chgData name="Long Nguyen" userId="f59fb8f3-a021-417a-8bc1-65c8d471c621" providerId="ADAL" clId="{49B01C95-2323-A046-80CE-B9EF72291F76}" dt="2022-01-20T14:39:49.491" v="1469" actId="20577"/>
+        <pc:sldMkLst>
+          <pc:docMk/>
+          <pc:sldMk cId="3470864202" sldId="562"/>
+        </pc:sldMkLst>
+        <pc:spChg chg="mod">
+          <ac:chgData name="Long Nguyen" userId="f59fb8f3-a021-417a-8bc1-65c8d471c621" providerId="ADAL" clId="{49B01C95-2323-A046-80CE-B9EF72291F76}" dt="2022-01-20T14:30:48.560" v="83" actId="20577"/>
+          <ac:spMkLst>
+            <pc:docMk/>
+            <pc:sldMk cId="3470864202" sldId="562"/>
+            <ac:spMk id="2" creationId="{2CAD482E-9621-034B-B5B9-A2A3E3815EBF}"/>
+          </ac:spMkLst>
+        </pc:spChg>
+        <pc:spChg chg="mod">
+          <ac:chgData name="Long Nguyen" userId="f59fb8f3-a021-417a-8bc1-65c8d471c621" providerId="ADAL" clId="{49B01C95-2323-A046-80CE-B9EF72291F76}" dt="2022-01-20T14:39:49.491" v="1469" actId="20577"/>
+          <ac:spMkLst>
+            <pc:docMk/>
+            <pc:sldMk cId="3470864202" sldId="562"/>
+            <ac:spMk id="3" creationId="{BE9CE75A-CAA3-5646-AB61-E94C601FF013}"/>
+          </ac:spMkLst>
+        </pc:spChg>
+      </pc:sldChg>
+      <pc:sldChg chg="modSp add mod modAnim">
+        <pc:chgData name="Long Nguyen" userId="f59fb8f3-a021-417a-8bc1-65c8d471c621" providerId="ADAL" clId="{49B01C95-2323-A046-80CE-B9EF72291F76}" dt="2022-01-20T14:38:38.670" v="1299" actId="207"/>
+        <pc:sldMkLst>
+          <pc:docMk/>
+          <pc:sldMk cId="3639780490" sldId="563"/>
+        </pc:sldMkLst>
+        <pc:spChg chg="mod">
+          <ac:chgData name="Long Nguyen" userId="f59fb8f3-a021-417a-8bc1-65c8d471c621" providerId="ADAL" clId="{49B01C95-2323-A046-80CE-B9EF72291F76}" dt="2022-01-20T14:38:38.670" v="1299" actId="207"/>
+          <ac:spMkLst>
+            <pc:docMk/>
+            <pc:sldMk cId="3639780490" sldId="563"/>
+            <ac:spMk id="2" creationId="{2CAD482E-9621-034B-B5B9-A2A3E3815EBF}"/>
+          </ac:spMkLst>
+        </pc:spChg>
+        <pc:spChg chg="mod">
+          <ac:chgData name="Long Nguyen" userId="f59fb8f3-a021-417a-8bc1-65c8d471c621" providerId="ADAL" clId="{49B01C95-2323-A046-80CE-B9EF72291F76}" dt="2022-01-20T14:38:24.918" v="1298" actId="20577"/>
+          <ac:spMkLst>
+            <pc:docMk/>
+            <pc:sldMk cId="3639780490" sldId="563"/>
+            <ac:spMk id="3" creationId="{BE9CE75A-CAA3-5646-AB61-E94C601FF013}"/>
+          </ac:spMkLst>
+        </pc:spChg>
+      </pc:sldChg>
+      <pc:sldChg chg="add del">
+        <pc:chgData name="Long Nguyen" userId="f59fb8f3-a021-417a-8bc1-65c8d471c621" providerId="ADAL" clId="{49B01C95-2323-A046-80CE-B9EF72291F76}" dt="2022-01-20T15:17:15.929" v="1506" actId="2696"/>
+        <pc:sldMkLst>
+          <pc:docMk/>
+          <pc:sldMk cId="2239163408" sldId="564"/>
+        </pc:sldMkLst>
+      </pc:sldChg>
+      <pc:sldChg chg="addSp delSp modSp new mod">
+        <pc:chgData name="Long Nguyen" userId="f59fb8f3-a021-417a-8bc1-65c8d471c621" providerId="ADAL" clId="{49B01C95-2323-A046-80CE-B9EF72291F76}" dt="2022-01-20T15:15:37.144" v="1500" actId="14100"/>
+        <pc:sldMkLst>
+          <pc:docMk/>
+          <pc:sldMk cId="3528122445" sldId="565"/>
+        </pc:sldMkLst>
+        <pc:spChg chg="mod">
+          <ac:chgData name="Long Nguyen" userId="f59fb8f3-a021-417a-8bc1-65c8d471c621" providerId="ADAL" clId="{49B01C95-2323-A046-80CE-B9EF72291F76}" dt="2022-01-20T15:08:48.356" v="1485" actId="20577"/>
+          <ac:spMkLst>
+            <pc:docMk/>
+            <pc:sldMk cId="3528122445" sldId="565"/>
+            <ac:spMk id="2" creationId="{1DCCEC1E-7357-1149-8F7C-2CEA4151DAE9}"/>
+          </ac:spMkLst>
+        </pc:spChg>
+        <pc:picChg chg="add del mod">
+          <ac:chgData name="Long Nguyen" userId="f59fb8f3-a021-417a-8bc1-65c8d471c621" providerId="ADAL" clId="{49B01C95-2323-A046-80CE-B9EF72291F76}" dt="2022-01-20T15:13:23.612" v="1486" actId="478"/>
+          <ac:picMkLst>
+            <pc:docMk/>
+            <pc:sldMk cId="3528122445" sldId="565"/>
+            <ac:picMk id="4" creationId="{7ADA3984-6218-F445-BB71-0401EC3BB8A2}"/>
+          </ac:picMkLst>
+        </pc:picChg>
+        <pc:picChg chg="add mod">
+          <ac:chgData name="Long Nguyen" userId="f59fb8f3-a021-417a-8bc1-65c8d471c621" providerId="ADAL" clId="{49B01C95-2323-A046-80CE-B9EF72291F76}" dt="2022-01-20T15:15:37.144" v="1500" actId="14100"/>
+          <ac:picMkLst>
+            <pc:docMk/>
+            <pc:sldMk cId="3528122445" sldId="565"/>
+            <ac:picMk id="5" creationId="{6D48BE0D-404D-F546-B9A1-4F10BF79DD8F}"/>
+          </ac:picMkLst>
+        </pc:picChg>
+      </pc:sldChg>
+      <pc:sldChg chg="addSp delSp modSp add mod">
+        <pc:chgData name="Long Nguyen" userId="f59fb8f3-a021-417a-8bc1-65c8d471c621" providerId="ADAL" clId="{49B01C95-2323-A046-80CE-B9EF72291F76}" dt="2022-01-20T15:16:47.718" v="1505" actId="1076"/>
+        <pc:sldMkLst>
+          <pc:docMk/>
+          <pc:sldMk cId="648657578" sldId="566"/>
+        </pc:sldMkLst>
+        <pc:spChg chg="mod">
+          <ac:chgData name="Long Nguyen" userId="f59fb8f3-a021-417a-8bc1-65c8d471c621" providerId="ADAL" clId="{49B01C95-2323-A046-80CE-B9EF72291F76}" dt="2022-01-20T15:13:37.265" v="1494" actId="20577"/>
+          <ac:spMkLst>
+            <pc:docMk/>
+            <pc:sldMk cId="648657578" sldId="566"/>
+            <ac:spMk id="2" creationId="{1DCCEC1E-7357-1149-8F7C-2CEA4151DAE9}"/>
+          </ac:spMkLst>
+        </pc:spChg>
+        <pc:picChg chg="add del mod">
+          <ac:chgData name="Long Nguyen" userId="f59fb8f3-a021-417a-8bc1-65c8d471c621" providerId="ADAL" clId="{49B01C95-2323-A046-80CE-B9EF72291F76}" dt="2022-01-20T15:16:42.477" v="1502" actId="478"/>
+          <ac:picMkLst>
+            <pc:docMk/>
+            <pc:sldMk cId="648657578" sldId="566"/>
+            <ac:picMk id="4" creationId="{B3240232-58AD-F649-B63E-5EF7BA068F60}"/>
+          </ac:picMkLst>
+        </pc:picChg>
+        <pc:picChg chg="del">
+          <ac:chgData name="Long Nguyen" userId="f59fb8f3-a021-417a-8bc1-65c8d471c621" providerId="ADAL" clId="{49B01C95-2323-A046-80CE-B9EF72291F76}" dt="2022-01-20T15:13:35.597" v="1492" actId="478"/>
+          <ac:picMkLst>
+            <pc:docMk/>
+            <pc:sldMk cId="648657578" sldId="566"/>
+            <ac:picMk id="5" creationId="{6D48BE0D-404D-F546-B9A1-4F10BF79DD8F}"/>
+          </ac:picMkLst>
+        </pc:picChg>
+        <pc:picChg chg="add mod">
+          <ac:chgData name="Long Nguyen" userId="f59fb8f3-a021-417a-8bc1-65c8d471c621" providerId="ADAL" clId="{49B01C95-2323-A046-80CE-B9EF72291F76}" dt="2022-01-20T15:16:47.718" v="1505" actId="1076"/>
+          <ac:picMkLst>
+            <pc:docMk/>
+            <pc:sldMk cId="648657578" sldId="566"/>
+            <ac:picMk id="6" creationId="{2CE95DB0-E9EF-6D4B-92A5-504B12170E9F}"/>
+          </ac:picMkLst>
+        </pc:picChg>
       </pc:sldChg>
     </pc:docChg>
   </pc:docChgLst>
@@ -2696,7 +2885,7 @@
           <a:p>
             <a:fld id="{4AAD347D-5ACD-4C99-B74B-A9C85AD731AF}" type="datetimeFigureOut">
               <a:rPr lang="en-US" smtClean="0"/>
-              <a:t>12/14/21</a:t>
+              <a:t>1/20/22</a:t>
             </a:fld>
             <a:endParaRPr lang="en-US" dirty="0"/>
           </a:p>
@@ -2866,7 +3055,7 @@
           <a:p>
             <a:fld id="{4509A250-FF31-4206-8172-F9D3106AACB1}" type="datetimeFigureOut">
               <a:rPr lang="en-US" smtClean="0"/>
-              <a:t>12/14/21</a:t>
+              <a:t>1/20/22</a:t>
             </a:fld>
             <a:endParaRPr lang="en-US" dirty="0"/>
           </a:p>
@@ -3046,7 +3235,7 @@
           <a:p>
             <a:fld id="{4509A250-FF31-4206-8172-F9D3106AACB1}" type="datetimeFigureOut">
               <a:rPr lang="en-US" smtClean="0"/>
-              <a:t>12/14/21</a:t>
+              <a:t>1/20/22</a:t>
             </a:fld>
             <a:endParaRPr lang="en-US" dirty="0"/>
           </a:p>
@@ -3216,7 +3405,7 @@
           <a:p>
             <a:fld id="{4509A250-FF31-4206-8172-F9D3106AACB1}" type="datetimeFigureOut">
               <a:rPr lang="en-US" smtClean="0"/>
-              <a:t>12/14/21</a:t>
+              <a:t>1/20/22</a:t>
             </a:fld>
             <a:endParaRPr lang="en-US" dirty="0"/>
           </a:p>
@@ -3462,7 +3651,7 @@
           <a:p>
             <a:fld id="{9796027F-7875-4030-9381-8BD8C4F21935}" type="datetimeFigureOut">
               <a:rPr lang="en-US" smtClean="0"/>
-              <a:t>12/14/21</a:t>
+              <a:t>1/20/22</a:t>
             </a:fld>
             <a:endParaRPr lang="en-US" dirty="0"/>
           </a:p>
@@ -3694,7 +3883,7 @@
           <a:p>
             <a:fld id="{9796027F-7875-4030-9381-8BD8C4F21935}" type="datetimeFigureOut">
               <a:rPr lang="en-US" smtClean="0"/>
-              <a:t>12/14/21</a:t>
+              <a:t>1/20/22</a:t>
             </a:fld>
             <a:endParaRPr lang="en-US" dirty="0"/>
           </a:p>
@@ -4061,7 +4250,7 @@
           <a:p>
             <a:fld id="{9796027F-7875-4030-9381-8BD8C4F21935}" type="datetimeFigureOut">
               <a:rPr lang="en-US" smtClean="0"/>
-              <a:t>12/14/21</a:t>
+              <a:t>1/20/22</a:t>
             </a:fld>
             <a:endParaRPr lang="en-US" dirty="0"/>
           </a:p>
@@ -4179,7 +4368,7 @@
           <a:p>
             <a:fld id="{4509A250-FF31-4206-8172-F9D3106AACB1}" type="datetimeFigureOut">
               <a:rPr lang="en-US" smtClean="0"/>
-              <a:t>12/14/21</a:t>
+              <a:t>1/20/22</a:t>
             </a:fld>
             <a:endParaRPr lang="en-US" dirty="0"/>
           </a:p>
@@ -4274,7 +4463,7 @@
           <a:p>
             <a:fld id="{4509A250-FF31-4206-8172-F9D3106AACB1}" type="datetimeFigureOut">
               <a:rPr lang="en-US" smtClean="0"/>
-              <a:t>12/14/21</a:t>
+              <a:t>1/20/22</a:t>
             </a:fld>
             <a:endParaRPr lang="en-US" dirty="0"/>
           </a:p>
@@ -4551,7 +4740,7 @@
           <a:p>
             <a:fld id="{4509A250-FF31-4206-8172-F9D3106AACB1}" type="datetimeFigureOut">
               <a:rPr lang="en-US" smtClean="0"/>
-              <a:t>12/14/21</a:t>
+              <a:t>1/20/22</a:t>
             </a:fld>
             <a:endParaRPr lang="en-US" dirty="0"/>
           </a:p>
@@ -4808,7 +4997,7 @@
           <a:p>
             <a:fld id="{4509A250-FF31-4206-8172-F9D3106AACB1}" type="datetimeFigureOut">
               <a:rPr lang="en-US" smtClean="0"/>
-              <a:t>12/14/21</a:t>
+              <a:t>1/20/22</a:t>
             </a:fld>
             <a:endParaRPr lang="en-US" dirty="0"/>
           </a:p>
@@ -5021,7 +5210,7 @@
           <a:p>
             <a:fld id="{4AAD347D-5ACD-4C99-B74B-A9C85AD731AF}" type="datetimeFigureOut">
               <a:rPr lang="en-US" smtClean="0"/>
-              <a:t>12/14/21</a:t>
+              <a:t>1/20/22</a:t>
             </a:fld>
             <a:endParaRPr lang="en-US" dirty="0"/>
           </a:p>
@@ -7672,7 +7861,9 @@
           </a:xfrm>
         </p:spPr>
         <p:txBody>
-          <a:bodyPr/>
+          <a:bodyPr>
+            <a:normAutofit lnSpcReduction="10000"/>
+          </a:bodyPr>
           <a:lstStyle/>
           <a:p>
             <a:pPr marL="0" indent="0">
@@ -8757,7 +8948,7 @@
           <a:p>
             <a:r>
               <a:rPr lang="en-US" dirty="0"/>
-              <a:t>Create Task Example</a:t>
+              <a:t>Create Task Full Example</a:t>
             </a:r>
           </a:p>
         </p:txBody>
@@ -8860,6 +9051,29 @@
             <a:r>
               <a:rPr lang="en-US" dirty="0"/>
               <a:t> Teams labs that walk through this entire program. </a:t>
+            </a:r>
+          </a:p>
+          <a:p>
+            <a:pPr marL="0" indent="0">
+              <a:buNone/>
+            </a:pPr>
+            <a:endParaRPr lang="en-US" dirty="0"/>
+          </a:p>
+          <a:p>
+            <a:pPr marL="0" indent="0">
+              <a:buNone/>
+            </a:pPr>
+            <a:r>
+              <a:rPr lang="en-US" dirty="0"/>
+              <a:t>See Create Task 1, 2, 3, 4 on </a:t>
+            </a:r>
+            <a:r>
+              <a:rPr lang="en-US" dirty="0" err="1"/>
+              <a:t>replit</a:t>
+            </a:r>
+            <a:r>
+              <a:rPr lang="en-US" dirty="0"/>
+              <a:t> Teams. </a:t>
             </a:r>
           </a:p>
           <a:p>
@@ -9035,6 +9249,55 @@
                       </p:childTnLst>
                     </p:cTn>
                   </p:par>
+                  <p:par>
+                    <p:cTn id="15" fill="hold">
+                      <p:stCondLst>
+                        <p:cond delay="indefinite"/>
+                      </p:stCondLst>
+                      <p:childTnLst>
+                        <p:par>
+                          <p:cTn id="16" fill="hold">
+                            <p:stCondLst>
+                              <p:cond delay="0"/>
+                            </p:stCondLst>
+                            <p:childTnLst>
+                              <p:par>
+                                <p:cTn id="17" presetID="1" presetClass="entr" presetSubtype="0" fill="hold" nodeType="clickEffect">
+                                  <p:stCondLst>
+                                    <p:cond delay="0"/>
+                                  </p:stCondLst>
+                                  <p:childTnLst>
+                                    <p:set>
+                                      <p:cBhvr>
+                                        <p:cTn id="18" dur="1" fill="hold">
+                                          <p:stCondLst>
+                                            <p:cond delay="0"/>
+                                          </p:stCondLst>
+                                        </p:cTn>
+                                        <p:tgtEl>
+                                          <p:spTgt spid="3">
+                                            <p:txEl>
+                                              <p:pRg st="8" end="8"/>
+                                            </p:txEl>
+                                          </p:spTgt>
+                                        </p:tgtEl>
+                                        <p:attrNameLst>
+                                          <p:attrName>style.visibility</p:attrName>
+                                        </p:attrNameLst>
+                                      </p:cBhvr>
+                                      <p:to>
+                                        <p:strVal val="visible"/>
+                                      </p:to>
+                                    </p:set>
+                                  </p:childTnLst>
+                                </p:cTn>
+                              </p:par>
+                            </p:childTnLst>
+                          </p:cTn>
+                        </p:par>
+                      </p:childTnLst>
+                    </p:cTn>
+                  </p:par>
                 </p:childTnLst>
               </p:cTn>
               <p:prevCondLst>
@@ -9060,6 +9323,530 @@
 </p:sld>
 </file>
 
+<file path=ppt/slides/slide24.xml><?xml version="1.0" encoding="utf-8"?>
+<p:sld xmlns:a="http://schemas.openxmlformats.org/drawingml/2006/main" xmlns:r="http://schemas.openxmlformats.org/officeDocument/2006/relationships" xmlns:p="http://schemas.openxmlformats.org/presentationml/2006/main">
+  <p:cSld>
+    <p:spTree>
+      <p:nvGrpSpPr>
+        <p:cNvPr id="1" name=""/>
+        <p:cNvGrpSpPr/>
+        <p:nvPr/>
+      </p:nvGrpSpPr>
+      <p:grpSpPr>
+        <a:xfrm>
+          <a:off x="0" y="0"/>
+          <a:ext cx="0" cy="0"/>
+          <a:chOff x="0" y="0"/>
+          <a:chExt cx="0" cy="0"/>
+        </a:xfrm>
+      </p:grpSpPr>
+      <p:sp>
+        <p:nvSpPr>
+          <p:cNvPr id="2" name="Title 1">
+            <a:extLst>
+              <a:ext uri="{FF2B5EF4-FFF2-40B4-BE49-F238E27FC236}">
+                <a16:creationId xmlns:a16="http://schemas.microsoft.com/office/drawing/2014/main" id="{2CAD482E-9621-034B-B5B9-A2A3E3815EBF}"/>
+              </a:ext>
+            </a:extLst>
+          </p:cNvPr>
+          <p:cNvSpPr>
+            <a:spLocks noGrp="1"/>
+          </p:cNvSpPr>
+          <p:nvPr>
+            <p:ph type="title"/>
+          </p:nvPr>
+        </p:nvSpPr>
+        <p:spPr>
+          <a:xfrm>
+            <a:off x="220687" y="191729"/>
+            <a:ext cx="7886700" cy="680468"/>
+          </a:xfrm>
+        </p:spPr>
+        <p:txBody>
+          <a:bodyPr/>
+          <a:lstStyle/>
+          <a:p>
+            <a:r>
+              <a:rPr lang="en-US" dirty="0">
+                <a:solidFill>
+                  <a:srgbClr val="FF0000"/>
+                </a:solidFill>
+              </a:rPr>
+              <a:t>Some Additional Requirements</a:t>
+            </a:r>
+          </a:p>
+        </p:txBody>
+      </p:sp>
+      <p:sp>
+        <p:nvSpPr>
+          <p:cNvPr id="3" name="Content Placeholder 2">
+            <a:extLst>
+              <a:ext uri="{FF2B5EF4-FFF2-40B4-BE49-F238E27FC236}">
+                <a16:creationId xmlns:a16="http://schemas.microsoft.com/office/drawing/2014/main" id="{BE9CE75A-CAA3-5646-AB61-E94C601FF013}"/>
+              </a:ext>
+            </a:extLst>
+          </p:cNvPr>
+          <p:cNvSpPr>
+            <a:spLocks noGrp="1"/>
+          </p:cNvSpPr>
+          <p:nvPr>
+            <p:ph idx="1"/>
+          </p:nvPr>
+        </p:nvSpPr>
+        <p:spPr>
+          <a:xfrm>
+            <a:off x="220687" y="872197"/>
+            <a:ext cx="8702626" cy="4651074"/>
+          </a:xfrm>
+        </p:spPr>
+        <p:txBody>
+          <a:bodyPr/>
+          <a:lstStyle/>
+          <a:p>
+            <a:pPr marL="0" indent="0">
+              <a:buNone/>
+            </a:pPr>
+            <a:endParaRPr lang="en-US" dirty="0"/>
+          </a:p>
+          <a:p>
+            <a:pPr marL="0" indent="0">
+              <a:buNone/>
+            </a:pPr>
+            <a:r>
+              <a:rPr lang="en-US" dirty="0"/>
+              <a:t>Many students will be tempted to simply reuse most of the code from the sample Create Task we worked through in class and simply change their dataset.(Create Task 1, 2, 3, 4)</a:t>
+            </a:r>
+          </a:p>
+          <a:p>
+            <a:pPr marL="0" indent="0">
+              <a:buNone/>
+            </a:pPr>
+            <a:endParaRPr lang="en-US" dirty="0"/>
+          </a:p>
+          <a:p>
+            <a:pPr marL="0" indent="0">
+              <a:buNone/>
+            </a:pPr>
+            <a:r>
+              <a:rPr lang="en-US" dirty="0"/>
+              <a:t>To prevent this, here are some additional requirements for your Create Task as well as some more examples to help you brainstorm:</a:t>
+            </a:r>
+          </a:p>
+          <a:p>
+            <a:pPr marL="0" indent="0">
+              <a:buNone/>
+            </a:pPr>
+            <a:endParaRPr lang="en-US" dirty="0"/>
+          </a:p>
+          <a:p>
+            <a:pPr marL="457200" indent="-457200">
+              <a:buAutoNum type="arabicParenR"/>
+            </a:pPr>
+            <a:r>
+              <a:rPr lang="en-US" dirty="0"/>
+              <a:t>You function must have at least TWO parameters. </a:t>
+            </a:r>
+          </a:p>
+          <a:p>
+            <a:pPr marL="457200" indent="-457200">
+              <a:buAutoNum type="arabicParenR"/>
+            </a:pPr>
+            <a:r>
+              <a:rPr lang="en-US" dirty="0"/>
+              <a:t>In your function, you must have at least two conditionals(if-</a:t>
+            </a:r>
+            <a:r>
+              <a:rPr lang="en-US" dirty="0" err="1"/>
+              <a:t>elif</a:t>
+            </a:r>
+            <a:r>
+              <a:rPr lang="en-US" dirty="0"/>
+              <a:t> or if-else).</a:t>
+            </a:r>
+          </a:p>
+        </p:txBody>
+      </p:sp>
+    </p:spTree>
+    <p:extLst>
+      <p:ext uri="{BB962C8B-B14F-4D97-AF65-F5344CB8AC3E}">
+        <p14:creationId xmlns:p14="http://schemas.microsoft.com/office/powerpoint/2010/main" val="3639780490"/>
+      </p:ext>
+    </p:extLst>
+  </p:cSld>
+  <p:clrMapOvr>
+    <a:masterClrMapping/>
+  </p:clrMapOvr>
+</p:sld>
+</file>
+
+<file path=ppt/slides/slide25.xml><?xml version="1.0" encoding="utf-8"?>
+<p:sld xmlns:a="http://schemas.openxmlformats.org/drawingml/2006/main" xmlns:r="http://schemas.openxmlformats.org/officeDocument/2006/relationships" xmlns:p="http://schemas.openxmlformats.org/presentationml/2006/main">
+  <p:cSld>
+    <p:spTree>
+      <p:nvGrpSpPr>
+        <p:cNvPr id="1" name=""/>
+        <p:cNvGrpSpPr/>
+        <p:nvPr/>
+      </p:nvGrpSpPr>
+      <p:grpSpPr>
+        <a:xfrm>
+          <a:off x="0" y="0"/>
+          <a:ext cx="0" cy="0"/>
+          <a:chOff x="0" y="0"/>
+          <a:chExt cx="0" cy="0"/>
+        </a:xfrm>
+      </p:grpSpPr>
+      <p:sp>
+        <p:nvSpPr>
+          <p:cNvPr id="2" name="Title 1">
+            <a:extLst>
+              <a:ext uri="{FF2B5EF4-FFF2-40B4-BE49-F238E27FC236}">
+                <a16:creationId xmlns:a16="http://schemas.microsoft.com/office/drawing/2014/main" id="{2CAD482E-9621-034B-B5B9-A2A3E3815EBF}"/>
+              </a:ext>
+            </a:extLst>
+          </p:cNvPr>
+          <p:cNvSpPr>
+            <a:spLocks noGrp="1"/>
+          </p:cNvSpPr>
+          <p:nvPr>
+            <p:ph type="title"/>
+          </p:nvPr>
+        </p:nvSpPr>
+        <p:spPr>
+          <a:xfrm>
+            <a:off x="220687" y="191729"/>
+            <a:ext cx="7886700" cy="680468"/>
+          </a:xfrm>
+        </p:spPr>
+        <p:txBody>
+          <a:bodyPr/>
+          <a:lstStyle/>
+          <a:p>
+            <a:r>
+              <a:rPr lang="en-US" dirty="0"/>
+              <a:t>More Examples</a:t>
+            </a:r>
+          </a:p>
+        </p:txBody>
+      </p:sp>
+      <p:sp>
+        <p:nvSpPr>
+          <p:cNvPr id="3" name="Content Placeholder 2">
+            <a:extLst>
+              <a:ext uri="{FF2B5EF4-FFF2-40B4-BE49-F238E27FC236}">
+                <a16:creationId xmlns:a16="http://schemas.microsoft.com/office/drawing/2014/main" id="{BE9CE75A-CAA3-5646-AB61-E94C601FF013}"/>
+              </a:ext>
+            </a:extLst>
+          </p:cNvPr>
+          <p:cNvSpPr>
+            <a:spLocks noGrp="1"/>
+          </p:cNvSpPr>
+          <p:nvPr>
+            <p:ph idx="1"/>
+          </p:nvPr>
+        </p:nvSpPr>
+        <p:spPr>
+          <a:xfrm>
+            <a:off x="220687" y="872197"/>
+            <a:ext cx="8702626" cy="4651074"/>
+          </a:xfrm>
+        </p:spPr>
+        <p:txBody>
+          <a:bodyPr/>
+          <a:lstStyle/>
+          <a:p>
+            <a:pPr marL="0" indent="0">
+              <a:buNone/>
+            </a:pPr>
+            <a:endParaRPr lang="en-US" dirty="0"/>
+          </a:p>
+          <a:p>
+            <a:pPr marL="0" indent="0">
+              <a:buNone/>
+            </a:pPr>
+            <a:endParaRPr lang="en-US" dirty="0"/>
+          </a:p>
+          <a:p>
+            <a:pPr marL="0" indent="0">
+              <a:buNone/>
+            </a:pPr>
+            <a:r>
+              <a:rPr lang="en-US" dirty="0"/>
+              <a:t>The most essential component of the Create Task is the student-developed function. It is also the trickiest part about the Create Task. If you are thoughtful and plan carefully for this part BEFORE you start coding, it can save a lot of time later on. </a:t>
+            </a:r>
+          </a:p>
+          <a:p>
+            <a:pPr marL="0" indent="0">
+              <a:buNone/>
+            </a:pPr>
+            <a:endParaRPr lang="en-US" dirty="0"/>
+          </a:p>
+          <a:p>
+            <a:pPr marL="0" indent="0">
+              <a:buNone/>
+            </a:pPr>
+            <a:r>
+              <a:rPr lang="en-US" dirty="0"/>
+              <a:t>The next few slides go over some more examples that can help you come up with your own function. </a:t>
+            </a:r>
+          </a:p>
+          <a:p>
+            <a:pPr marL="0" indent="0">
+              <a:buNone/>
+            </a:pPr>
+            <a:endParaRPr lang="en-US" dirty="0"/>
+          </a:p>
+        </p:txBody>
+      </p:sp>
+    </p:spTree>
+    <p:extLst>
+      <p:ext uri="{BB962C8B-B14F-4D97-AF65-F5344CB8AC3E}">
+        <p14:creationId xmlns:p14="http://schemas.microsoft.com/office/powerpoint/2010/main" val="3470864202"/>
+      </p:ext>
+    </p:extLst>
+  </p:cSld>
+  <p:clrMapOvr>
+    <a:masterClrMapping/>
+  </p:clrMapOvr>
+</p:sld>
+</file>
+
+<file path=ppt/slides/slide26.xml><?xml version="1.0" encoding="utf-8"?>
+<p:sld xmlns:a="http://schemas.openxmlformats.org/drawingml/2006/main" xmlns:r="http://schemas.openxmlformats.org/officeDocument/2006/relationships" xmlns:p="http://schemas.openxmlformats.org/presentationml/2006/main">
+  <p:cSld>
+    <p:spTree>
+      <p:nvGrpSpPr>
+        <p:cNvPr id="1" name=""/>
+        <p:cNvGrpSpPr/>
+        <p:nvPr/>
+      </p:nvGrpSpPr>
+      <p:grpSpPr>
+        <a:xfrm>
+          <a:off x="0" y="0"/>
+          <a:ext cx="0" cy="0"/>
+          <a:chOff x="0" y="0"/>
+          <a:chExt cx="0" cy="0"/>
+        </a:xfrm>
+      </p:grpSpPr>
+      <p:sp>
+        <p:nvSpPr>
+          <p:cNvPr id="2" name="Title 1">
+            <a:extLst>
+              <a:ext uri="{FF2B5EF4-FFF2-40B4-BE49-F238E27FC236}">
+                <a16:creationId xmlns:a16="http://schemas.microsoft.com/office/drawing/2014/main" id="{1DCCEC1E-7357-1149-8F7C-2CEA4151DAE9}"/>
+              </a:ext>
+            </a:extLst>
+          </p:cNvPr>
+          <p:cNvSpPr>
+            <a:spLocks noGrp="1"/>
+          </p:cNvSpPr>
+          <p:nvPr>
+            <p:ph type="title"/>
+          </p:nvPr>
+        </p:nvSpPr>
+        <p:spPr>
+          <a:xfrm>
+            <a:off x="115246" y="80893"/>
+            <a:ext cx="7886700" cy="1104636"/>
+          </a:xfrm>
+        </p:spPr>
+        <p:txBody>
+          <a:bodyPr/>
+          <a:lstStyle/>
+          <a:p>
+            <a:r>
+              <a:rPr lang="en-US" dirty="0"/>
+              <a:t>Example 1:</a:t>
+            </a:r>
+          </a:p>
+        </p:txBody>
+      </p:sp>
+      <p:sp>
+        <p:nvSpPr>
+          <p:cNvPr id="3" name="Content Placeholder 2">
+            <a:extLst>
+              <a:ext uri="{FF2B5EF4-FFF2-40B4-BE49-F238E27FC236}">
+                <a16:creationId xmlns:a16="http://schemas.microsoft.com/office/drawing/2014/main" id="{F773E99D-30D4-D94F-8298-17199E753AE3}"/>
+              </a:ext>
+            </a:extLst>
+          </p:cNvPr>
+          <p:cNvSpPr>
+            <a:spLocks noGrp="1"/>
+          </p:cNvSpPr>
+          <p:nvPr>
+            <p:ph idx="1"/>
+          </p:nvPr>
+        </p:nvSpPr>
+        <p:spPr/>
+        <p:txBody>
+          <a:bodyPr/>
+          <a:lstStyle/>
+          <a:p>
+            <a:endParaRPr lang="en-US"/>
+          </a:p>
+        </p:txBody>
+      </p:sp>
+      <p:pic>
+        <p:nvPicPr>
+          <p:cNvPr id="5" name="Picture 4">
+            <a:extLst>
+              <a:ext uri="{FF2B5EF4-FFF2-40B4-BE49-F238E27FC236}">
+                <a16:creationId xmlns:a16="http://schemas.microsoft.com/office/drawing/2014/main" id="{6D48BE0D-404D-F546-B9A1-4F10BF79DD8F}"/>
+              </a:ext>
+            </a:extLst>
+          </p:cNvPr>
+          <p:cNvPicPr>
+            <a:picLocks noChangeAspect="1"/>
+          </p:cNvPicPr>
+          <p:nvPr/>
+        </p:nvPicPr>
+        <p:blipFill>
+          <a:blip r:embed="rId2"/>
+          <a:stretch>
+            <a:fillRect/>
+          </a:stretch>
+        </p:blipFill>
+        <p:spPr>
+          <a:xfrm>
+            <a:off x="390418" y="1043820"/>
+            <a:ext cx="7428216" cy="4484960"/>
+          </a:xfrm>
+          <a:prstGeom prst="rect">
+            <a:avLst/>
+          </a:prstGeom>
+        </p:spPr>
+      </p:pic>
+    </p:spTree>
+    <p:extLst>
+      <p:ext uri="{BB962C8B-B14F-4D97-AF65-F5344CB8AC3E}">
+        <p14:creationId xmlns:p14="http://schemas.microsoft.com/office/powerpoint/2010/main" val="3528122445"/>
+      </p:ext>
+    </p:extLst>
+  </p:cSld>
+  <p:clrMapOvr>
+    <a:masterClrMapping/>
+  </p:clrMapOvr>
+</p:sld>
+</file>
+
+<file path=ppt/slides/slide27.xml><?xml version="1.0" encoding="utf-8"?>
+<p:sld xmlns:a="http://schemas.openxmlformats.org/drawingml/2006/main" xmlns:r="http://schemas.openxmlformats.org/officeDocument/2006/relationships" xmlns:p="http://schemas.openxmlformats.org/presentationml/2006/main">
+  <p:cSld>
+    <p:spTree>
+      <p:nvGrpSpPr>
+        <p:cNvPr id="1" name=""/>
+        <p:cNvGrpSpPr/>
+        <p:nvPr/>
+      </p:nvGrpSpPr>
+      <p:grpSpPr>
+        <a:xfrm>
+          <a:off x="0" y="0"/>
+          <a:ext cx="0" cy="0"/>
+          <a:chOff x="0" y="0"/>
+          <a:chExt cx="0" cy="0"/>
+        </a:xfrm>
+      </p:grpSpPr>
+      <p:sp>
+        <p:nvSpPr>
+          <p:cNvPr id="2" name="Title 1">
+            <a:extLst>
+              <a:ext uri="{FF2B5EF4-FFF2-40B4-BE49-F238E27FC236}">
+                <a16:creationId xmlns:a16="http://schemas.microsoft.com/office/drawing/2014/main" id="{1DCCEC1E-7357-1149-8F7C-2CEA4151DAE9}"/>
+              </a:ext>
+            </a:extLst>
+          </p:cNvPr>
+          <p:cNvSpPr>
+            <a:spLocks noGrp="1"/>
+          </p:cNvSpPr>
+          <p:nvPr>
+            <p:ph type="title"/>
+          </p:nvPr>
+        </p:nvSpPr>
+        <p:spPr>
+          <a:xfrm>
+            <a:off x="115246" y="80893"/>
+            <a:ext cx="7886700" cy="1104636"/>
+          </a:xfrm>
+        </p:spPr>
+        <p:txBody>
+          <a:bodyPr/>
+          <a:lstStyle/>
+          <a:p>
+            <a:r>
+              <a:rPr lang="en-US" dirty="0"/>
+              <a:t>Example 2:</a:t>
+            </a:r>
+          </a:p>
+        </p:txBody>
+      </p:sp>
+      <p:sp>
+        <p:nvSpPr>
+          <p:cNvPr id="3" name="Content Placeholder 2">
+            <a:extLst>
+              <a:ext uri="{FF2B5EF4-FFF2-40B4-BE49-F238E27FC236}">
+                <a16:creationId xmlns:a16="http://schemas.microsoft.com/office/drawing/2014/main" id="{F773E99D-30D4-D94F-8298-17199E753AE3}"/>
+              </a:ext>
+            </a:extLst>
+          </p:cNvPr>
+          <p:cNvSpPr>
+            <a:spLocks noGrp="1"/>
+          </p:cNvSpPr>
+          <p:nvPr>
+            <p:ph idx="1"/>
+          </p:nvPr>
+        </p:nvSpPr>
+        <p:spPr/>
+        <p:txBody>
+          <a:bodyPr/>
+          <a:lstStyle/>
+          <a:p>
+            <a:endParaRPr lang="en-US"/>
+          </a:p>
+        </p:txBody>
+      </p:sp>
+      <p:pic>
+        <p:nvPicPr>
+          <p:cNvPr id="6" name="Picture 5">
+            <a:extLst>
+              <a:ext uri="{FF2B5EF4-FFF2-40B4-BE49-F238E27FC236}">
+                <a16:creationId xmlns:a16="http://schemas.microsoft.com/office/drawing/2014/main" id="{2CE95DB0-E9EF-6D4B-92A5-504B12170E9F}"/>
+              </a:ext>
+            </a:extLst>
+          </p:cNvPr>
+          <p:cNvPicPr>
+            <a:picLocks noChangeAspect="1"/>
+          </p:cNvPicPr>
+          <p:nvPr/>
+        </p:nvPicPr>
+        <p:blipFill>
+          <a:blip r:embed="rId2"/>
+          <a:stretch>
+            <a:fillRect/>
+          </a:stretch>
+        </p:blipFill>
+        <p:spPr>
+          <a:xfrm>
+            <a:off x="340117" y="1066492"/>
+            <a:ext cx="7375775" cy="4353982"/>
+          </a:xfrm>
+          <a:prstGeom prst="rect">
+            <a:avLst/>
+          </a:prstGeom>
+        </p:spPr>
+      </p:pic>
+    </p:spTree>
+    <p:extLst>
+      <p:ext uri="{BB962C8B-B14F-4D97-AF65-F5344CB8AC3E}">
+        <p14:creationId xmlns:p14="http://schemas.microsoft.com/office/powerpoint/2010/main" val="648657578"/>
+      </p:ext>
+    </p:extLst>
+  </p:cSld>
+  <p:clrMapOvr>
+    <a:masterClrMapping/>
+  </p:clrMapOvr>
+</p:sld>
+</file>
+
 <file path=ppt/slides/slide3.xml><?xml version="1.0" encoding="utf-8"?>
 <p:sld xmlns:a="http://schemas.openxmlformats.org/drawingml/2006/main" xmlns:r="http://schemas.openxmlformats.org/officeDocument/2006/relationships" xmlns:p="http://schemas.openxmlformats.org/presentationml/2006/main">
   <p:cSld>
@@ -9100,7 +9887,9 @@
           </a:xfrm>
         </p:spPr>
         <p:txBody>
-          <a:bodyPr/>
+          <a:bodyPr>
+            <a:normAutofit lnSpcReduction="10000"/>
+          </a:bodyPr>
           <a:lstStyle/>
           <a:p>
             <a:pPr marL="0" indent="0">

--- a/courses/apcsp/create_task/create_task.pptx
+++ b/courses/apcsp/create_task/create_task.pptx
@@ -26,12 +26,11 @@
     <p:sldId id="557" r:id="rId20"/>
     <p:sldId id="559" r:id="rId21"/>
     <p:sldId id="560" r:id="rId22"/>
-    <p:sldId id="561" r:id="rId23"/>
-    <p:sldId id="309" r:id="rId24"/>
-    <p:sldId id="563" r:id="rId25"/>
-    <p:sldId id="562" r:id="rId26"/>
-    <p:sldId id="565" r:id="rId27"/>
-    <p:sldId id="566" r:id="rId28"/>
+    <p:sldId id="309" r:id="rId23"/>
+    <p:sldId id="562" r:id="rId24"/>
+    <p:sldId id="565" r:id="rId25"/>
+    <p:sldId id="566" r:id="rId26"/>
+    <p:sldId id="568" r:id="rId27"/>
   </p:sldIdLst>
   <p:sldSz cx="9144000" cy="5715000" type="screen16x10"/>
   <p:notesSz cx="6858000" cy="9144000"/>
@@ -141,13 +140,2285 @@
 <file path=ppt/revisionInfo.xml><?xml version="1.0" encoding="utf-8"?>
 <p1510:revInfo xmlns:a="http://schemas.openxmlformats.org/drawingml/2006/main" xmlns:r="http://schemas.openxmlformats.org/officeDocument/2006/relationships" xmlns:p1510="http://schemas.microsoft.com/office/powerpoint/2015/10/main">
   <p1510:revLst>
-    <p1510:client id="{49B01C95-2323-A046-80CE-B9EF72291F76}" v="1417" dt="2022-01-20T15:16:43.113"/>
+    <p1510:client id="{D60C57D7-CFE2-A74A-9812-FD74A3F6123F}" v="121" dt="2023-01-10T16:39:07.164"/>
   </p1510:revLst>
 </p1510:revInfo>
 </file>
 
 <file path=ppt/changesInfos/changesInfo1.xml><?xml version="1.0" encoding="utf-8"?>
 <pc:chgInfo xmlns:a="http://schemas.openxmlformats.org/drawingml/2006/main" xmlns:r="http://schemas.openxmlformats.org/officeDocument/2006/relationships" xmlns:ac="http://schemas.microsoft.com/office/drawing/2013/main/command" xmlns:pc="http://schemas.microsoft.com/office/powerpoint/2013/main/command">
+  <pc:docChgLst>
+    <pc:chgData name="Long B Nguyen" userId="f59fb8f3-a021-417a-8bc1-65c8d471c621" providerId="ADAL" clId="{0A2D55A0-81A8-4E44-855B-5488B777D4BD}"/>
+    <pc:docChg chg="modSld">
+      <pc:chgData name="Long B Nguyen" userId="f59fb8f3-a021-417a-8bc1-65c8d471c621" providerId="ADAL" clId="{0A2D55A0-81A8-4E44-855B-5488B777D4BD}" dt="2020-09-24T11:47:44.276" v="418" actId="20577"/>
+      <pc:docMkLst>
+        <pc:docMk/>
+      </pc:docMkLst>
+      <pc:sldChg chg="modSp modAnim">
+        <pc:chgData name="Long B Nguyen" userId="f59fb8f3-a021-417a-8bc1-65c8d471c621" providerId="ADAL" clId="{0A2D55A0-81A8-4E44-855B-5488B777D4BD}" dt="2020-09-22T13:34:32.844" v="130" actId="20577"/>
+        <pc:sldMkLst>
+          <pc:docMk/>
+          <pc:sldMk cId="2207246265" sldId="257"/>
+        </pc:sldMkLst>
+        <pc:spChg chg="mod">
+          <ac:chgData name="Long B Nguyen" userId="f59fb8f3-a021-417a-8bc1-65c8d471c621" providerId="ADAL" clId="{0A2D55A0-81A8-4E44-855B-5488B777D4BD}" dt="2020-09-22T13:34:32.844" v="130" actId="20577"/>
+          <ac:spMkLst>
+            <pc:docMk/>
+            <pc:sldMk cId="2207246265" sldId="257"/>
+            <ac:spMk id="9" creationId="{E3B2E017-30B2-884B-A113-B419A2ED51AD}"/>
+          </ac:spMkLst>
+        </pc:spChg>
+      </pc:sldChg>
+      <pc:sldChg chg="modSp">
+        <pc:chgData name="Long B Nguyen" userId="f59fb8f3-a021-417a-8bc1-65c8d471c621" providerId="ADAL" clId="{0A2D55A0-81A8-4E44-855B-5488B777D4BD}" dt="2020-09-24T11:45:20.841" v="278" actId="113"/>
+        <pc:sldMkLst>
+          <pc:docMk/>
+          <pc:sldMk cId="3625497833" sldId="265"/>
+        </pc:sldMkLst>
+        <pc:spChg chg="mod">
+          <ac:chgData name="Long B Nguyen" userId="f59fb8f3-a021-417a-8bc1-65c8d471c621" providerId="ADAL" clId="{0A2D55A0-81A8-4E44-855B-5488B777D4BD}" dt="2020-09-24T11:45:20.841" v="278" actId="113"/>
+          <ac:spMkLst>
+            <pc:docMk/>
+            <pc:sldMk cId="3625497833" sldId="265"/>
+            <ac:spMk id="9" creationId="{E3B2E017-30B2-884B-A113-B419A2ED51AD}"/>
+          </ac:spMkLst>
+        </pc:spChg>
+      </pc:sldChg>
+      <pc:sldChg chg="modSp">
+        <pc:chgData name="Long B Nguyen" userId="f59fb8f3-a021-417a-8bc1-65c8d471c621" providerId="ADAL" clId="{0A2D55A0-81A8-4E44-855B-5488B777D4BD}" dt="2020-09-24T11:45:34.022" v="279" actId="113"/>
+        <pc:sldMkLst>
+          <pc:docMk/>
+          <pc:sldMk cId="4224307978" sldId="270"/>
+        </pc:sldMkLst>
+        <pc:spChg chg="mod">
+          <ac:chgData name="Long B Nguyen" userId="f59fb8f3-a021-417a-8bc1-65c8d471c621" providerId="ADAL" clId="{0A2D55A0-81A8-4E44-855B-5488B777D4BD}" dt="2020-09-24T11:45:34.022" v="279" actId="113"/>
+          <ac:spMkLst>
+            <pc:docMk/>
+            <pc:sldMk cId="4224307978" sldId="270"/>
+            <ac:spMk id="9" creationId="{E3B2E017-30B2-884B-A113-B419A2ED51AD}"/>
+          </ac:spMkLst>
+        </pc:spChg>
+      </pc:sldChg>
+      <pc:sldChg chg="modSp">
+        <pc:chgData name="Long B Nguyen" userId="f59fb8f3-a021-417a-8bc1-65c8d471c621" providerId="ADAL" clId="{0A2D55A0-81A8-4E44-855B-5488B777D4BD}" dt="2020-09-24T11:45:51.041" v="280" actId="113"/>
+        <pc:sldMkLst>
+          <pc:docMk/>
+          <pc:sldMk cId="2130507588" sldId="271"/>
+        </pc:sldMkLst>
+        <pc:spChg chg="mod">
+          <ac:chgData name="Long B Nguyen" userId="f59fb8f3-a021-417a-8bc1-65c8d471c621" providerId="ADAL" clId="{0A2D55A0-81A8-4E44-855B-5488B777D4BD}" dt="2020-09-24T11:45:51.041" v="280" actId="113"/>
+          <ac:spMkLst>
+            <pc:docMk/>
+            <pc:sldMk cId="2130507588" sldId="271"/>
+            <ac:spMk id="9" creationId="{E3B2E017-30B2-884B-A113-B419A2ED51AD}"/>
+          </ac:spMkLst>
+        </pc:spChg>
+      </pc:sldChg>
+      <pc:sldChg chg="modSp">
+        <pc:chgData name="Long B Nguyen" userId="f59fb8f3-a021-417a-8bc1-65c8d471c621" providerId="ADAL" clId="{0A2D55A0-81A8-4E44-855B-5488B777D4BD}" dt="2020-09-24T11:24:03.241" v="154" actId="113"/>
+        <pc:sldMkLst>
+          <pc:docMk/>
+          <pc:sldMk cId="587435069" sldId="272"/>
+        </pc:sldMkLst>
+        <pc:spChg chg="mod">
+          <ac:chgData name="Long B Nguyen" userId="f59fb8f3-a021-417a-8bc1-65c8d471c621" providerId="ADAL" clId="{0A2D55A0-81A8-4E44-855B-5488B777D4BD}" dt="2020-09-24T11:24:03.241" v="154" actId="113"/>
+          <ac:spMkLst>
+            <pc:docMk/>
+            <pc:sldMk cId="587435069" sldId="272"/>
+            <ac:spMk id="9" creationId="{E3B2E017-30B2-884B-A113-B419A2ED51AD}"/>
+          </ac:spMkLst>
+        </pc:spChg>
+      </pc:sldChg>
+      <pc:sldChg chg="modSp">
+        <pc:chgData name="Long B Nguyen" userId="f59fb8f3-a021-417a-8bc1-65c8d471c621" providerId="ADAL" clId="{0A2D55A0-81A8-4E44-855B-5488B777D4BD}" dt="2020-09-22T04:40:52.026" v="101" actId="20577"/>
+        <pc:sldMkLst>
+          <pc:docMk/>
+          <pc:sldMk cId="2925367410" sldId="280"/>
+        </pc:sldMkLst>
+        <pc:spChg chg="mod">
+          <ac:chgData name="Long B Nguyen" userId="f59fb8f3-a021-417a-8bc1-65c8d471c621" providerId="ADAL" clId="{0A2D55A0-81A8-4E44-855B-5488B777D4BD}" dt="2020-09-22T04:40:52.026" v="101" actId="20577"/>
+          <ac:spMkLst>
+            <pc:docMk/>
+            <pc:sldMk cId="2925367410" sldId="280"/>
+            <ac:spMk id="9" creationId="{E3B2E017-30B2-884B-A113-B419A2ED51AD}"/>
+          </ac:spMkLst>
+        </pc:spChg>
+      </pc:sldChg>
+      <pc:sldChg chg="modSp">
+        <pc:chgData name="Long B Nguyen" userId="f59fb8f3-a021-417a-8bc1-65c8d471c621" providerId="ADAL" clId="{0A2D55A0-81A8-4E44-855B-5488B777D4BD}" dt="2020-09-24T11:23:44.909" v="153" actId="113"/>
+        <pc:sldMkLst>
+          <pc:docMk/>
+          <pc:sldMk cId="2119170476" sldId="281"/>
+        </pc:sldMkLst>
+        <pc:spChg chg="mod">
+          <ac:chgData name="Long B Nguyen" userId="f59fb8f3-a021-417a-8bc1-65c8d471c621" providerId="ADAL" clId="{0A2D55A0-81A8-4E44-855B-5488B777D4BD}" dt="2020-09-24T11:23:44.909" v="153" actId="113"/>
+          <ac:spMkLst>
+            <pc:docMk/>
+            <pc:sldMk cId="2119170476" sldId="281"/>
+            <ac:spMk id="9" creationId="{E3B2E017-30B2-884B-A113-B419A2ED51AD}"/>
+          </ac:spMkLst>
+        </pc:spChg>
+      </pc:sldChg>
+      <pc:sldChg chg="modSp">
+        <pc:chgData name="Long B Nguyen" userId="f59fb8f3-a021-417a-8bc1-65c8d471c621" providerId="ADAL" clId="{0A2D55A0-81A8-4E44-855B-5488B777D4BD}" dt="2020-09-22T13:32:11.637" v="120" actId="20577"/>
+        <pc:sldMkLst>
+          <pc:docMk/>
+          <pc:sldMk cId="558223950" sldId="285"/>
+        </pc:sldMkLst>
+        <pc:spChg chg="mod">
+          <ac:chgData name="Long B Nguyen" userId="f59fb8f3-a021-417a-8bc1-65c8d471c621" providerId="ADAL" clId="{0A2D55A0-81A8-4E44-855B-5488B777D4BD}" dt="2020-09-22T13:32:11.637" v="120" actId="20577"/>
+          <ac:spMkLst>
+            <pc:docMk/>
+            <pc:sldMk cId="558223950" sldId="285"/>
+            <ac:spMk id="9" creationId="{E3B2E017-30B2-884B-A113-B419A2ED51AD}"/>
+          </ac:spMkLst>
+        </pc:spChg>
+      </pc:sldChg>
+      <pc:sldChg chg="modSp mod modAnim">
+        <pc:chgData name="Long B Nguyen" userId="f59fb8f3-a021-417a-8bc1-65c8d471c621" providerId="ADAL" clId="{0A2D55A0-81A8-4E44-855B-5488B777D4BD}" dt="2020-09-24T11:46:06.195" v="281" actId="113"/>
+        <pc:sldMkLst>
+          <pc:docMk/>
+          <pc:sldMk cId="3711861066" sldId="295"/>
+        </pc:sldMkLst>
+        <pc:spChg chg="mod">
+          <ac:chgData name="Long B Nguyen" userId="f59fb8f3-a021-417a-8bc1-65c8d471c621" providerId="ADAL" clId="{0A2D55A0-81A8-4E44-855B-5488B777D4BD}" dt="2020-09-24T11:46:06.195" v="281" actId="113"/>
+          <ac:spMkLst>
+            <pc:docMk/>
+            <pc:sldMk cId="3711861066" sldId="295"/>
+            <ac:spMk id="9" creationId="{E3B2E017-30B2-884B-A113-B419A2ED51AD}"/>
+          </ac:spMkLst>
+        </pc:spChg>
+      </pc:sldChg>
+      <pc:sldChg chg="addSp modSp mod modAnim">
+        <pc:chgData name="Long B Nguyen" userId="f59fb8f3-a021-417a-8bc1-65c8d471c621" providerId="ADAL" clId="{0A2D55A0-81A8-4E44-855B-5488B777D4BD}" dt="2020-09-22T13:39:28.298" v="138" actId="14100"/>
+        <pc:sldMkLst>
+          <pc:docMk/>
+          <pc:sldMk cId="3705756631" sldId="300"/>
+        </pc:sldMkLst>
+        <pc:cxnChg chg="mod">
+          <ac:chgData name="Long B Nguyen" userId="f59fb8f3-a021-417a-8bc1-65c8d471c621" providerId="ADAL" clId="{0A2D55A0-81A8-4E44-855B-5488B777D4BD}" dt="2020-09-22T13:38:57.311" v="131" actId="14100"/>
+          <ac:cxnSpMkLst>
+            <pc:docMk/>
+            <pc:sldMk cId="3705756631" sldId="300"/>
+            <ac:cxnSpMk id="12" creationId="{9E356615-13B9-8146-8C06-5A99446B4AB7}"/>
+          </ac:cxnSpMkLst>
+        </pc:cxnChg>
+        <pc:cxnChg chg="add mod">
+          <ac:chgData name="Long B Nguyen" userId="f59fb8f3-a021-417a-8bc1-65c8d471c621" providerId="ADAL" clId="{0A2D55A0-81A8-4E44-855B-5488B777D4BD}" dt="2020-09-22T13:39:28.298" v="138" actId="14100"/>
+          <ac:cxnSpMkLst>
+            <pc:docMk/>
+            <pc:sldMk cId="3705756631" sldId="300"/>
+            <ac:cxnSpMk id="13" creationId="{7F2977E9-F9B1-0644-931A-CE158F3CAECE}"/>
+          </ac:cxnSpMkLst>
+        </pc:cxnChg>
+      </pc:sldChg>
+      <pc:sldChg chg="modSp">
+        <pc:chgData name="Long B Nguyen" userId="f59fb8f3-a021-417a-8bc1-65c8d471c621" providerId="ADAL" clId="{0A2D55A0-81A8-4E44-855B-5488B777D4BD}" dt="2020-09-24T11:45:02.282" v="277" actId="113"/>
+        <pc:sldMkLst>
+          <pc:docMk/>
+          <pc:sldMk cId="3618694306" sldId="301"/>
+        </pc:sldMkLst>
+        <pc:spChg chg="mod">
+          <ac:chgData name="Long B Nguyen" userId="f59fb8f3-a021-417a-8bc1-65c8d471c621" providerId="ADAL" clId="{0A2D55A0-81A8-4E44-855B-5488B777D4BD}" dt="2020-09-24T11:45:02.282" v="277" actId="113"/>
+          <ac:spMkLst>
+            <pc:docMk/>
+            <pc:sldMk cId="3618694306" sldId="301"/>
+            <ac:spMk id="9" creationId="{E3B2E017-30B2-884B-A113-B419A2ED51AD}"/>
+          </ac:spMkLst>
+        </pc:spChg>
+      </pc:sldChg>
+      <pc:sldChg chg="modSp mod">
+        <pc:chgData name="Long B Nguyen" userId="f59fb8f3-a021-417a-8bc1-65c8d471c621" providerId="ADAL" clId="{0A2D55A0-81A8-4E44-855B-5488B777D4BD}" dt="2020-09-24T11:47:44.276" v="418" actId="20577"/>
+        <pc:sldMkLst>
+          <pc:docMk/>
+          <pc:sldMk cId="2064379448" sldId="302"/>
+        </pc:sldMkLst>
+        <pc:spChg chg="mod">
+          <ac:chgData name="Long B Nguyen" userId="f59fb8f3-a021-417a-8bc1-65c8d471c621" providerId="ADAL" clId="{0A2D55A0-81A8-4E44-855B-5488B777D4BD}" dt="2020-09-24T11:47:44.276" v="418" actId="20577"/>
+          <ac:spMkLst>
+            <pc:docMk/>
+            <pc:sldMk cId="2064379448" sldId="302"/>
+            <ac:spMk id="9" creationId="{E3B2E017-30B2-884B-A113-B419A2ED51AD}"/>
+          </ac:spMkLst>
+        </pc:spChg>
+      </pc:sldChg>
+    </pc:docChg>
+  </pc:docChgLst>
+  <pc:docChgLst>
+    <pc:chgData name="Long B Nguyen" userId="f59fb8f3-a021-417a-8bc1-65c8d471c621" providerId="ADAL" clId="{EFBCD846-B2A3-1B4C-B729-1BDD8BB3398F}"/>
+    <pc:docChg chg="custSel addSld delSld modSld">
+      <pc:chgData name="Long B Nguyen" userId="f59fb8f3-a021-417a-8bc1-65c8d471c621" providerId="ADAL" clId="{EFBCD846-B2A3-1B4C-B729-1BDD8BB3398F}" dt="2019-06-15T13:28:52.721" v="979" actId="20577"/>
+      <pc:docMkLst>
+        <pc:docMk/>
+      </pc:docMkLst>
+      <pc:sldChg chg="modSp">
+        <pc:chgData name="Long B Nguyen" userId="f59fb8f3-a021-417a-8bc1-65c8d471c621" providerId="ADAL" clId="{EFBCD846-B2A3-1B4C-B729-1BDD8BB3398F}" dt="2019-06-15T13:28:52.721" v="979" actId="20577"/>
+        <pc:sldMkLst>
+          <pc:docMk/>
+          <pc:sldMk cId="2207246265" sldId="257"/>
+        </pc:sldMkLst>
+        <pc:spChg chg="mod">
+          <ac:chgData name="Long B Nguyen" userId="f59fb8f3-a021-417a-8bc1-65c8d471c621" providerId="ADAL" clId="{EFBCD846-B2A3-1B4C-B729-1BDD8BB3398F}" dt="2019-06-15T13:28:52.721" v="979" actId="20577"/>
+          <ac:spMkLst>
+            <pc:docMk/>
+            <pc:sldMk cId="2207246265" sldId="257"/>
+            <ac:spMk id="9" creationId="{E3B2E017-30B2-884B-A113-B419A2ED51AD}"/>
+          </ac:spMkLst>
+        </pc:spChg>
+      </pc:sldChg>
+      <pc:sldChg chg="delSp modSp">
+        <pc:chgData name="Long B Nguyen" userId="f59fb8f3-a021-417a-8bc1-65c8d471c621" providerId="ADAL" clId="{EFBCD846-B2A3-1B4C-B729-1BDD8BB3398F}" dt="2019-06-15T12:37:48.814" v="503" actId="20577"/>
+        <pc:sldMkLst>
+          <pc:docMk/>
+          <pc:sldMk cId="4103067120" sldId="261"/>
+        </pc:sldMkLst>
+        <pc:spChg chg="del">
+          <ac:chgData name="Long B Nguyen" userId="f59fb8f3-a021-417a-8bc1-65c8d471c621" providerId="ADAL" clId="{EFBCD846-B2A3-1B4C-B729-1BDD8BB3398F}" dt="2019-06-15T12:33:20.052" v="122" actId="478"/>
+          <ac:spMkLst>
+            <pc:docMk/>
+            <pc:sldMk cId="4103067120" sldId="261"/>
+            <ac:spMk id="6" creationId="{76E456FD-D331-974E-9966-139D852DE6B8}"/>
+          </ac:spMkLst>
+        </pc:spChg>
+        <pc:spChg chg="mod">
+          <ac:chgData name="Long B Nguyen" userId="f59fb8f3-a021-417a-8bc1-65c8d471c621" providerId="ADAL" clId="{EFBCD846-B2A3-1B4C-B729-1BDD8BB3398F}" dt="2019-06-15T12:37:48.814" v="503" actId="20577"/>
+          <ac:spMkLst>
+            <pc:docMk/>
+            <pc:sldMk cId="4103067120" sldId="261"/>
+            <ac:spMk id="9" creationId="{E3B2E017-30B2-884B-A113-B419A2ED51AD}"/>
+          </ac:spMkLst>
+        </pc:spChg>
+        <pc:picChg chg="del">
+          <ac:chgData name="Long B Nguyen" userId="f59fb8f3-a021-417a-8bc1-65c8d471c621" providerId="ADAL" clId="{EFBCD846-B2A3-1B4C-B729-1BDD8BB3398F}" dt="2019-06-15T12:32:55.159" v="19" actId="478"/>
+          <ac:picMkLst>
+            <pc:docMk/>
+            <pc:sldMk cId="4103067120" sldId="261"/>
+            <ac:picMk id="4" creationId="{83CF82C8-FC88-4642-A338-FD014F4CAC2D}"/>
+          </ac:picMkLst>
+        </pc:picChg>
+        <pc:picChg chg="del">
+          <ac:chgData name="Long B Nguyen" userId="f59fb8f3-a021-417a-8bc1-65c8d471c621" providerId="ADAL" clId="{EFBCD846-B2A3-1B4C-B729-1BDD8BB3398F}" dt="2019-06-15T12:33:47.423" v="200" actId="478"/>
+          <ac:picMkLst>
+            <pc:docMk/>
+            <pc:sldMk cId="4103067120" sldId="261"/>
+            <ac:picMk id="5" creationId="{703FD9BD-7F29-8C40-B080-09EE1CB5D9E1}"/>
+          </ac:picMkLst>
+        </pc:picChg>
+      </pc:sldChg>
+      <pc:sldChg chg="addSp delSp modSp add">
+        <pc:chgData name="Long B Nguyen" userId="f59fb8f3-a021-417a-8bc1-65c8d471c621" providerId="ADAL" clId="{EFBCD846-B2A3-1B4C-B729-1BDD8BB3398F}" dt="2019-06-15T12:53:05.508" v="927" actId="1076"/>
+        <pc:sldMkLst>
+          <pc:docMk/>
+          <pc:sldMk cId="905114398" sldId="264"/>
+        </pc:sldMkLst>
+        <pc:spChg chg="add mod">
+          <ac:chgData name="Long B Nguyen" userId="f59fb8f3-a021-417a-8bc1-65c8d471c621" providerId="ADAL" clId="{EFBCD846-B2A3-1B4C-B729-1BDD8BB3398F}" dt="2019-06-15T12:52:08.118" v="852" actId="20577"/>
+          <ac:spMkLst>
+            <pc:docMk/>
+            <pc:sldMk cId="905114398" sldId="264"/>
+            <ac:spMk id="3" creationId="{9851CEEB-B8D2-EA41-9A10-1BC744107E4C}"/>
+          </ac:spMkLst>
+        </pc:spChg>
+        <pc:spChg chg="add mod">
+          <ac:chgData name="Long B Nguyen" userId="f59fb8f3-a021-417a-8bc1-65c8d471c621" providerId="ADAL" clId="{EFBCD846-B2A3-1B4C-B729-1BDD8BB3398F}" dt="2019-06-15T12:52:32.879" v="864" actId="1076"/>
+          <ac:spMkLst>
+            <pc:docMk/>
+            <pc:sldMk cId="905114398" sldId="264"/>
+            <ac:spMk id="5" creationId="{3E8F7CED-693F-5A43-87EB-5E21C02FDA13}"/>
+          </ac:spMkLst>
+        </pc:spChg>
+        <pc:spChg chg="add mod">
+          <ac:chgData name="Long B Nguyen" userId="f59fb8f3-a021-417a-8bc1-65c8d471c621" providerId="ADAL" clId="{EFBCD846-B2A3-1B4C-B729-1BDD8BB3398F}" dt="2019-06-15T12:52:47.831" v="922" actId="20577"/>
+          <ac:spMkLst>
+            <pc:docMk/>
+            <pc:sldMk cId="905114398" sldId="264"/>
+            <ac:spMk id="7" creationId="{C56845F4-C671-F849-8613-50BD132A5D50}"/>
+          </ac:spMkLst>
+        </pc:spChg>
+        <pc:spChg chg="mod">
+          <ac:chgData name="Long B Nguyen" userId="f59fb8f3-a021-417a-8bc1-65c8d471c621" providerId="ADAL" clId="{EFBCD846-B2A3-1B4C-B729-1BDD8BB3398F}" dt="2019-06-15T12:44:37.697" v="710" actId="20577"/>
+          <ac:spMkLst>
+            <pc:docMk/>
+            <pc:sldMk cId="905114398" sldId="264"/>
+            <ac:spMk id="9" creationId="{E3B2E017-30B2-884B-A113-B419A2ED51AD}"/>
+          </ac:spMkLst>
+        </pc:spChg>
+        <pc:picChg chg="add mod">
+          <ac:chgData name="Long B Nguyen" userId="f59fb8f3-a021-417a-8bc1-65c8d471c621" providerId="ADAL" clId="{EFBCD846-B2A3-1B4C-B729-1BDD8BB3398F}" dt="2019-06-15T12:53:05.508" v="927" actId="1076"/>
+          <ac:picMkLst>
+            <pc:docMk/>
+            <pc:sldMk cId="905114398" sldId="264"/>
+            <ac:picMk id="6" creationId="{4FD3269E-CE30-EB4E-AFDF-1494248BF8F8}"/>
+          </ac:picMkLst>
+        </pc:picChg>
+        <pc:picChg chg="add del mod">
+          <ac:chgData name="Long B Nguyen" userId="f59fb8f3-a021-417a-8bc1-65c8d471c621" providerId="ADAL" clId="{EFBCD846-B2A3-1B4C-B729-1BDD8BB3398F}" dt="2019-06-15T12:53:00.696" v="926" actId="478"/>
+          <ac:picMkLst>
+            <pc:docMk/>
+            <pc:sldMk cId="905114398" sldId="264"/>
+            <ac:picMk id="8" creationId="{F0F0B752-3555-A843-B5E5-0B49E86B4389}"/>
+          </ac:picMkLst>
+        </pc:picChg>
+        <pc:picChg chg="add del mod">
+          <ac:chgData name="Long B Nguyen" userId="f59fb8f3-a021-417a-8bc1-65c8d471c621" providerId="ADAL" clId="{EFBCD846-B2A3-1B4C-B729-1BDD8BB3398F}" dt="2019-06-15T12:52:59.443" v="925" actId="478"/>
+          <ac:picMkLst>
+            <pc:docMk/>
+            <pc:sldMk cId="905114398" sldId="264"/>
+            <ac:picMk id="10" creationId="{3FFB2B8C-F15D-4541-8E74-DEB48CBE078C}"/>
+          </ac:picMkLst>
+        </pc:picChg>
+      </pc:sldChg>
+      <pc:sldChg chg="addSp delSp modSp add">
+        <pc:chgData name="Long B Nguyen" userId="f59fb8f3-a021-417a-8bc1-65c8d471c621" providerId="ADAL" clId="{EFBCD846-B2A3-1B4C-B729-1BDD8BB3398F}" dt="2019-06-15T12:44:43.357" v="712" actId="20577"/>
+        <pc:sldMkLst>
+          <pc:docMk/>
+          <pc:sldMk cId="2081483973" sldId="296"/>
+        </pc:sldMkLst>
+        <pc:spChg chg="mod">
+          <ac:chgData name="Long B Nguyen" userId="f59fb8f3-a021-417a-8bc1-65c8d471c621" providerId="ADAL" clId="{EFBCD846-B2A3-1B4C-B729-1BDD8BB3398F}" dt="2019-06-15T12:40:46.852" v="572" actId="20577"/>
+          <ac:spMkLst>
+            <pc:docMk/>
+            <pc:sldMk cId="2081483973" sldId="296"/>
+            <ac:spMk id="6" creationId="{76E456FD-D331-974E-9966-139D852DE6B8}"/>
+          </ac:spMkLst>
+        </pc:spChg>
+        <pc:spChg chg="mod">
+          <ac:chgData name="Long B Nguyen" userId="f59fb8f3-a021-417a-8bc1-65c8d471c621" providerId="ADAL" clId="{EFBCD846-B2A3-1B4C-B729-1BDD8BB3398F}" dt="2019-06-15T12:44:43.357" v="712" actId="20577"/>
+          <ac:spMkLst>
+            <pc:docMk/>
+            <pc:sldMk cId="2081483973" sldId="296"/>
+            <ac:spMk id="9" creationId="{E3B2E017-30B2-884B-A113-B419A2ED51AD}"/>
+          </ac:spMkLst>
+        </pc:spChg>
+        <pc:picChg chg="add mod">
+          <ac:chgData name="Long B Nguyen" userId="f59fb8f3-a021-417a-8bc1-65c8d471c621" providerId="ADAL" clId="{EFBCD846-B2A3-1B4C-B729-1BDD8BB3398F}" dt="2019-06-15T12:40:50.154" v="588" actId="1035"/>
+          <ac:picMkLst>
+            <pc:docMk/>
+            <pc:sldMk cId="2081483973" sldId="296"/>
+            <ac:picMk id="3" creationId="{9A8E9CD0-D9B3-8E4C-9599-C519FA3BF22B}"/>
+          </ac:picMkLst>
+        </pc:picChg>
+        <pc:picChg chg="del mod">
+          <ac:chgData name="Long B Nguyen" userId="f59fb8f3-a021-417a-8bc1-65c8d471c621" providerId="ADAL" clId="{EFBCD846-B2A3-1B4C-B729-1BDD8BB3398F}" dt="2019-06-15T12:38:05.510" v="504" actId="478"/>
+          <ac:picMkLst>
+            <pc:docMk/>
+            <pc:sldMk cId="2081483973" sldId="296"/>
+            <ac:picMk id="4" creationId="{83CF82C8-FC88-4642-A338-FD014F4CAC2D}"/>
+          </ac:picMkLst>
+        </pc:picChg>
+        <pc:picChg chg="del mod">
+          <ac:chgData name="Long B Nguyen" userId="f59fb8f3-a021-417a-8bc1-65c8d471c621" providerId="ADAL" clId="{EFBCD846-B2A3-1B4C-B729-1BDD8BB3398F}" dt="2019-06-15T12:39:38.481" v="556" actId="478"/>
+          <ac:picMkLst>
+            <pc:docMk/>
+            <pc:sldMk cId="2081483973" sldId="296"/>
+            <ac:picMk id="5" creationId="{703FD9BD-7F29-8C40-B080-09EE1CB5D9E1}"/>
+          </ac:picMkLst>
+        </pc:picChg>
+        <pc:picChg chg="add mod">
+          <ac:chgData name="Long B Nguyen" userId="f59fb8f3-a021-417a-8bc1-65c8d471c621" providerId="ADAL" clId="{EFBCD846-B2A3-1B4C-B729-1BDD8BB3398F}" dt="2019-06-15T12:40:52.555" v="597" actId="1035"/>
+          <ac:picMkLst>
+            <pc:docMk/>
+            <pc:sldMk cId="2081483973" sldId="296"/>
+            <ac:picMk id="7" creationId="{09184722-0D16-5E47-A514-4348651A24BB}"/>
+          </ac:picMkLst>
+        </pc:picChg>
+        <pc:picChg chg="add mod">
+          <ac:chgData name="Long B Nguyen" userId="f59fb8f3-a021-417a-8bc1-65c8d471c621" providerId="ADAL" clId="{EFBCD846-B2A3-1B4C-B729-1BDD8BB3398F}" dt="2019-06-15T12:41:30.254" v="602" actId="1076"/>
+          <ac:picMkLst>
+            <pc:docMk/>
+            <pc:sldMk cId="2081483973" sldId="296"/>
+            <ac:picMk id="8" creationId="{778F82F4-110D-C843-8F5C-71BDAE030887}"/>
+          </ac:picMkLst>
+        </pc:picChg>
+      </pc:sldChg>
+    </pc:docChg>
+  </pc:docChgLst>
+  <pc:docChgLst>
+    <pc:chgData name="Long B Nguyen" userId="f59fb8f3-a021-417a-8bc1-65c8d471c621" providerId="ADAL" clId="{920E45FF-707A-564B-83B3-9BA7BB1D0D1B}"/>
+    <pc:docChg chg="custSel addSld delSld modSld">
+      <pc:chgData name="Long B Nguyen" userId="f59fb8f3-a021-417a-8bc1-65c8d471c621" providerId="ADAL" clId="{920E45FF-707A-564B-83B3-9BA7BB1D0D1B}" dt="2021-03-25T13:59:06.614" v="7705" actId="478"/>
+      <pc:docMkLst>
+        <pc:docMk/>
+      </pc:docMkLst>
+      <pc:sldChg chg="del">
+        <pc:chgData name="Long B Nguyen" userId="f59fb8f3-a021-417a-8bc1-65c8d471c621" providerId="ADAL" clId="{920E45FF-707A-564B-83B3-9BA7BB1D0D1B}" dt="2021-03-09T12:16:12.775" v="0" actId="2696"/>
+        <pc:sldMkLst>
+          <pc:docMk/>
+          <pc:sldMk cId="2207246265" sldId="257"/>
+        </pc:sldMkLst>
+      </pc:sldChg>
+      <pc:sldChg chg="del">
+        <pc:chgData name="Long B Nguyen" userId="f59fb8f3-a021-417a-8bc1-65c8d471c621" providerId="ADAL" clId="{920E45FF-707A-564B-83B3-9BA7BB1D0D1B}" dt="2021-03-09T12:16:12.775" v="0" actId="2696"/>
+        <pc:sldMkLst>
+          <pc:docMk/>
+          <pc:sldMk cId="216453293" sldId="258"/>
+        </pc:sldMkLst>
+      </pc:sldChg>
+      <pc:sldChg chg="del">
+        <pc:chgData name="Long B Nguyen" userId="f59fb8f3-a021-417a-8bc1-65c8d471c621" providerId="ADAL" clId="{920E45FF-707A-564B-83B3-9BA7BB1D0D1B}" dt="2021-03-09T12:16:12.775" v="0" actId="2696"/>
+        <pc:sldMkLst>
+          <pc:docMk/>
+          <pc:sldMk cId="1889908786" sldId="259"/>
+        </pc:sldMkLst>
+      </pc:sldChg>
+      <pc:sldChg chg="del">
+        <pc:chgData name="Long B Nguyen" userId="f59fb8f3-a021-417a-8bc1-65c8d471c621" providerId="ADAL" clId="{920E45FF-707A-564B-83B3-9BA7BB1D0D1B}" dt="2021-03-09T12:16:12.775" v="0" actId="2696"/>
+        <pc:sldMkLst>
+          <pc:docMk/>
+          <pc:sldMk cId="3958537657" sldId="260"/>
+        </pc:sldMkLst>
+      </pc:sldChg>
+      <pc:sldChg chg="del">
+        <pc:chgData name="Long B Nguyen" userId="f59fb8f3-a021-417a-8bc1-65c8d471c621" providerId="ADAL" clId="{920E45FF-707A-564B-83B3-9BA7BB1D0D1B}" dt="2021-03-09T12:16:12.775" v="0" actId="2696"/>
+        <pc:sldMkLst>
+          <pc:docMk/>
+          <pc:sldMk cId="4103067120" sldId="261"/>
+        </pc:sldMkLst>
+      </pc:sldChg>
+      <pc:sldChg chg="del">
+        <pc:chgData name="Long B Nguyen" userId="f59fb8f3-a021-417a-8bc1-65c8d471c621" providerId="ADAL" clId="{920E45FF-707A-564B-83B3-9BA7BB1D0D1B}" dt="2021-03-09T12:16:12.775" v="0" actId="2696"/>
+        <pc:sldMkLst>
+          <pc:docMk/>
+          <pc:sldMk cId="905114398" sldId="264"/>
+        </pc:sldMkLst>
+      </pc:sldChg>
+      <pc:sldChg chg="del">
+        <pc:chgData name="Long B Nguyen" userId="f59fb8f3-a021-417a-8bc1-65c8d471c621" providerId="ADAL" clId="{920E45FF-707A-564B-83B3-9BA7BB1D0D1B}" dt="2021-03-09T12:16:12.775" v="0" actId="2696"/>
+        <pc:sldMkLst>
+          <pc:docMk/>
+          <pc:sldMk cId="3625497833" sldId="265"/>
+        </pc:sldMkLst>
+      </pc:sldChg>
+      <pc:sldChg chg="del">
+        <pc:chgData name="Long B Nguyen" userId="f59fb8f3-a021-417a-8bc1-65c8d471c621" providerId="ADAL" clId="{920E45FF-707A-564B-83B3-9BA7BB1D0D1B}" dt="2021-03-09T12:16:12.775" v="0" actId="2696"/>
+        <pc:sldMkLst>
+          <pc:docMk/>
+          <pc:sldMk cId="1690910164" sldId="267"/>
+        </pc:sldMkLst>
+      </pc:sldChg>
+      <pc:sldChg chg="del">
+        <pc:chgData name="Long B Nguyen" userId="f59fb8f3-a021-417a-8bc1-65c8d471c621" providerId="ADAL" clId="{920E45FF-707A-564B-83B3-9BA7BB1D0D1B}" dt="2021-03-09T12:16:12.775" v="0" actId="2696"/>
+        <pc:sldMkLst>
+          <pc:docMk/>
+          <pc:sldMk cId="3290810672" sldId="269"/>
+        </pc:sldMkLst>
+      </pc:sldChg>
+      <pc:sldChg chg="del">
+        <pc:chgData name="Long B Nguyen" userId="f59fb8f3-a021-417a-8bc1-65c8d471c621" providerId="ADAL" clId="{920E45FF-707A-564B-83B3-9BA7BB1D0D1B}" dt="2021-03-09T12:16:12.775" v="0" actId="2696"/>
+        <pc:sldMkLst>
+          <pc:docMk/>
+          <pc:sldMk cId="4224307978" sldId="270"/>
+        </pc:sldMkLst>
+      </pc:sldChg>
+      <pc:sldChg chg="del">
+        <pc:chgData name="Long B Nguyen" userId="f59fb8f3-a021-417a-8bc1-65c8d471c621" providerId="ADAL" clId="{920E45FF-707A-564B-83B3-9BA7BB1D0D1B}" dt="2021-03-09T12:16:12.775" v="0" actId="2696"/>
+        <pc:sldMkLst>
+          <pc:docMk/>
+          <pc:sldMk cId="2130507588" sldId="271"/>
+        </pc:sldMkLst>
+      </pc:sldChg>
+      <pc:sldChg chg="del">
+        <pc:chgData name="Long B Nguyen" userId="f59fb8f3-a021-417a-8bc1-65c8d471c621" providerId="ADAL" clId="{920E45FF-707A-564B-83B3-9BA7BB1D0D1B}" dt="2021-03-09T12:16:12.775" v="0" actId="2696"/>
+        <pc:sldMkLst>
+          <pc:docMk/>
+          <pc:sldMk cId="587435069" sldId="272"/>
+        </pc:sldMkLst>
+      </pc:sldChg>
+      <pc:sldChg chg="modSp add mod">
+        <pc:chgData name="Long B Nguyen" userId="f59fb8f3-a021-417a-8bc1-65c8d471c621" providerId="ADAL" clId="{920E45FF-707A-564B-83B3-9BA7BB1D0D1B}" dt="2021-03-09T14:59:26.652" v="1720" actId="20577"/>
+        <pc:sldMkLst>
+          <pc:docMk/>
+          <pc:sldMk cId="3370589591" sldId="274"/>
+        </pc:sldMkLst>
+        <pc:spChg chg="mod">
+          <ac:chgData name="Long B Nguyen" userId="f59fb8f3-a021-417a-8bc1-65c8d471c621" providerId="ADAL" clId="{920E45FF-707A-564B-83B3-9BA7BB1D0D1B}" dt="2021-03-09T12:16:45.103" v="20" actId="1076"/>
+          <ac:spMkLst>
+            <pc:docMk/>
+            <pc:sldMk cId="3370589591" sldId="274"/>
+            <ac:spMk id="16385" creationId="{4498AE75-FAB7-A64A-B652-05526FC15FE3}"/>
+          </ac:spMkLst>
+        </pc:spChg>
+        <pc:spChg chg="mod">
+          <ac:chgData name="Long B Nguyen" userId="f59fb8f3-a021-417a-8bc1-65c8d471c621" providerId="ADAL" clId="{920E45FF-707A-564B-83B3-9BA7BB1D0D1B}" dt="2021-03-09T14:59:26.652" v="1720" actId="20577"/>
+          <ac:spMkLst>
+            <pc:docMk/>
+            <pc:sldMk cId="3370589591" sldId="274"/>
+            <ac:spMk id="171011" creationId="{A4934963-D788-7042-9063-DB3982108402}"/>
+          </ac:spMkLst>
+        </pc:spChg>
+      </pc:sldChg>
+      <pc:sldChg chg="del">
+        <pc:chgData name="Long B Nguyen" userId="f59fb8f3-a021-417a-8bc1-65c8d471c621" providerId="ADAL" clId="{920E45FF-707A-564B-83B3-9BA7BB1D0D1B}" dt="2021-03-09T12:16:12.775" v="0" actId="2696"/>
+        <pc:sldMkLst>
+          <pc:docMk/>
+          <pc:sldMk cId="2925367410" sldId="280"/>
+        </pc:sldMkLst>
+      </pc:sldChg>
+      <pc:sldChg chg="del">
+        <pc:chgData name="Long B Nguyen" userId="f59fb8f3-a021-417a-8bc1-65c8d471c621" providerId="ADAL" clId="{920E45FF-707A-564B-83B3-9BA7BB1D0D1B}" dt="2021-03-09T12:16:12.775" v="0" actId="2696"/>
+        <pc:sldMkLst>
+          <pc:docMk/>
+          <pc:sldMk cId="2119170476" sldId="281"/>
+        </pc:sldMkLst>
+      </pc:sldChg>
+      <pc:sldChg chg="modSp add del mod">
+        <pc:chgData name="Long B Nguyen" userId="f59fb8f3-a021-417a-8bc1-65c8d471c621" providerId="ADAL" clId="{920E45FF-707A-564B-83B3-9BA7BB1D0D1B}" dt="2021-03-10T13:28:34.854" v="1983" actId="2696"/>
+        <pc:sldMkLst>
+          <pc:docMk/>
+          <pc:sldMk cId="2464407252" sldId="281"/>
+        </pc:sldMkLst>
+        <pc:spChg chg="mod">
+          <ac:chgData name="Long B Nguyen" userId="f59fb8f3-a021-417a-8bc1-65c8d471c621" providerId="ADAL" clId="{920E45FF-707A-564B-83B3-9BA7BB1D0D1B}" dt="2021-03-10T13:28:32.906" v="1982" actId="20577"/>
+          <ac:spMkLst>
+            <pc:docMk/>
+            <pc:sldMk cId="2464407252" sldId="281"/>
+            <ac:spMk id="34817" creationId="{11AEAF6E-9EFD-D249-8491-C28965D0E38A}"/>
+          </ac:spMkLst>
+        </pc:spChg>
+        <pc:spChg chg="mod">
+          <ac:chgData name="Long B Nguyen" userId="f59fb8f3-a021-417a-8bc1-65c8d471c621" providerId="ADAL" clId="{920E45FF-707A-564B-83B3-9BA7BB1D0D1B}" dt="2021-03-09T14:59:07.679" v="1718" actId="1076"/>
+          <ac:spMkLst>
+            <pc:docMk/>
+            <pc:sldMk cId="2464407252" sldId="281"/>
+            <ac:spMk id="34818" creationId="{E3F2A32A-6990-8744-8B08-C65BDFED5DBE}"/>
+          </ac:spMkLst>
+        </pc:spChg>
+      </pc:sldChg>
+      <pc:sldChg chg="del">
+        <pc:chgData name="Long B Nguyen" userId="f59fb8f3-a021-417a-8bc1-65c8d471c621" providerId="ADAL" clId="{920E45FF-707A-564B-83B3-9BA7BB1D0D1B}" dt="2021-03-09T12:16:12.775" v="0" actId="2696"/>
+        <pc:sldMkLst>
+          <pc:docMk/>
+          <pc:sldMk cId="1438711869" sldId="284"/>
+        </pc:sldMkLst>
+      </pc:sldChg>
+      <pc:sldChg chg="del">
+        <pc:chgData name="Long B Nguyen" userId="f59fb8f3-a021-417a-8bc1-65c8d471c621" providerId="ADAL" clId="{920E45FF-707A-564B-83B3-9BA7BB1D0D1B}" dt="2021-03-09T12:16:12.775" v="0" actId="2696"/>
+        <pc:sldMkLst>
+          <pc:docMk/>
+          <pc:sldMk cId="558223950" sldId="285"/>
+        </pc:sldMkLst>
+      </pc:sldChg>
+      <pc:sldChg chg="modSp mod">
+        <pc:chgData name="Long B Nguyen" userId="f59fb8f3-a021-417a-8bc1-65c8d471c621" providerId="ADAL" clId="{920E45FF-707A-564B-83B3-9BA7BB1D0D1B}" dt="2021-03-09T12:16:19.398" v="16" actId="20577"/>
+        <pc:sldMkLst>
+          <pc:docMk/>
+          <pc:sldMk cId="3974060782" sldId="289"/>
+        </pc:sldMkLst>
+        <pc:spChg chg="mod">
+          <ac:chgData name="Long B Nguyen" userId="f59fb8f3-a021-417a-8bc1-65c8d471c621" providerId="ADAL" clId="{920E45FF-707A-564B-83B3-9BA7BB1D0D1B}" dt="2021-03-09T12:16:16.506" v="15" actId="20577"/>
+          <ac:spMkLst>
+            <pc:docMk/>
+            <pc:sldMk cId="3974060782" sldId="289"/>
+            <ac:spMk id="2" creationId="{6117A749-B1BA-E24B-8FB0-0604EF651FB3}"/>
+          </ac:spMkLst>
+        </pc:spChg>
+        <pc:spChg chg="mod">
+          <ac:chgData name="Long B Nguyen" userId="f59fb8f3-a021-417a-8bc1-65c8d471c621" providerId="ADAL" clId="{920E45FF-707A-564B-83B3-9BA7BB1D0D1B}" dt="2021-03-09T12:16:19.398" v="16" actId="20577"/>
+          <ac:spMkLst>
+            <pc:docMk/>
+            <pc:sldMk cId="3974060782" sldId="289"/>
+            <ac:spMk id="3" creationId="{1BDC47C8-6776-7B44-9CD4-95FC91452D62}"/>
+          </ac:spMkLst>
+        </pc:spChg>
+      </pc:sldChg>
+      <pc:sldChg chg="addSp modSp new mod">
+        <pc:chgData name="Long B Nguyen" userId="f59fb8f3-a021-417a-8bc1-65c8d471c621" providerId="ADAL" clId="{920E45FF-707A-564B-83B3-9BA7BB1D0D1B}" dt="2021-03-09T12:30:44.527" v="166" actId="1076"/>
+        <pc:sldMkLst>
+          <pc:docMk/>
+          <pc:sldMk cId="3060627139" sldId="290"/>
+        </pc:sldMkLst>
+        <pc:picChg chg="add mod">
+          <ac:chgData name="Long B Nguyen" userId="f59fb8f3-a021-417a-8bc1-65c8d471c621" providerId="ADAL" clId="{920E45FF-707A-564B-83B3-9BA7BB1D0D1B}" dt="2021-03-09T12:30:44.527" v="166" actId="1076"/>
+          <ac:picMkLst>
+            <pc:docMk/>
+            <pc:sldMk cId="3060627139" sldId="290"/>
+            <ac:picMk id="4" creationId="{6F3D8FDF-8A26-D44A-94CC-CBE96B1D996C}"/>
+          </ac:picMkLst>
+        </pc:picChg>
+      </pc:sldChg>
+      <pc:sldChg chg="new del">
+        <pc:chgData name="Long B Nguyen" userId="f59fb8f3-a021-417a-8bc1-65c8d471c621" providerId="ADAL" clId="{920E45FF-707A-564B-83B3-9BA7BB1D0D1B}" dt="2021-03-09T12:18:38.411" v="60" actId="2696"/>
+        <pc:sldMkLst>
+          <pc:docMk/>
+          <pc:sldMk cId="700054667" sldId="291"/>
+        </pc:sldMkLst>
+      </pc:sldChg>
+      <pc:sldChg chg="addSp delSp modSp new mod modAnim">
+        <pc:chgData name="Long B Nguyen" userId="f59fb8f3-a021-417a-8bc1-65c8d471c621" providerId="ADAL" clId="{920E45FF-707A-564B-83B3-9BA7BB1D0D1B}" dt="2021-03-10T13:27:50.019" v="1970"/>
+        <pc:sldMkLst>
+          <pc:docMk/>
+          <pc:sldMk cId="3188689728" sldId="291"/>
+        </pc:sldMkLst>
+        <pc:spChg chg="del">
+          <ac:chgData name="Long B Nguyen" userId="f59fb8f3-a021-417a-8bc1-65c8d471c621" providerId="ADAL" clId="{920E45FF-707A-564B-83B3-9BA7BB1D0D1B}" dt="2021-03-09T12:18:46.248" v="65" actId="478"/>
+          <ac:spMkLst>
+            <pc:docMk/>
+            <pc:sldMk cId="3188689728" sldId="291"/>
+            <ac:spMk id="2" creationId="{BA467186-28F1-3046-8AF9-CBBDBC266CBD}"/>
+          </ac:spMkLst>
+        </pc:spChg>
+        <pc:spChg chg="mod">
+          <ac:chgData name="Long B Nguyen" userId="f59fb8f3-a021-417a-8bc1-65c8d471c621" providerId="ADAL" clId="{920E45FF-707A-564B-83B3-9BA7BB1D0D1B}" dt="2021-03-09T15:00:59.922" v="1968" actId="207"/>
+          <ac:spMkLst>
+            <pc:docMk/>
+            <pc:sldMk cId="3188689728" sldId="291"/>
+            <ac:spMk id="3" creationId="{0CCEF01D-6BE2-8B40-B73C-E8115F523D49}"/>
+          </ac:spMkLst>
+        </pc:spChg>
+        <pc:spChg chg="add del mod">
+          <ac:chgData name="Long B Nguyen" userId="f59fb8f3-a021-417a-8bc1-65c8d471c621" providerId="ADAL" clId="{920E45FF-707A-564B-83B3-9BA7BB1D0D1B}" dt="2021-03-09T15:00:06.432" v="1723" actId="478"/>
+          <ac:spMkLst>
+            <pc:docMk/>
+            <pc:sldMk cId="3188689728" sldId="291"/>
+            <ac:spMk id="4" creationId="{B5756428-57C4-C742-9489-D55E4E64446E}"/>
+          </ac:spMkLst>
+        </pc:spChg>
+      </pc:sldChg>
+      <pc:sldChg chg="addSp modSp new del mod">
+        <pc:chgData name="Long B Nguyen" userId="f59fb8f3-a021-417a-8bc1-65c8d471c621" providerId="ADAL" clId="{920E45FF-707A-564B-83B3-9BA7BB1D0D1B}" dt="2021-03-09T12:30:02.789" v="162" actId="2696"/>
+        <pc:sldMkLst>
+          <pc:docMk/>
+          <pc:sldMk cId="1409926149" sldId="292"/>
+        </pc:sldMkLst>
+        <pc:spChg chg="mod">
+          <ac:chgData name="Long B Nguyen" userId="f59fb8f3-a021-417a-8bc1-65c8d471c621" providerId="ADAL" clId="{920E45FF-707A-564B-83B3-9BA7BB1D0D1B}" dt="2021-03-09T12:20:32.233" v="87" actId="20577"/>
+          <ac:spMkLst>
+            <pc:docMk/>
+            <pc:sldMk cId="1409926149" sldId="292"/>
+            <ac:spMk id="2" creationId="{568931FE-8405-6D44-9EC1-D987F6FE97E0}"/>
+          </ac:spMkLst>
+        </pc:spChg>
+        <pc:picChg chg="add mod">
+          <ac:chgData name="Long B Nguyen" userId="f59fb8f3-a021-417a-8bc1-65c8d471c621" providerId="ADAL" clId="{920E45FF-707A-564B-83B3-9BA7BB1D0D1B}" dt="2021-03-09T12:20:29.761" v="75" actId="1076"/>
+          <ac:picMkLst>
+            <pc:docMk/>
+            <pc:sldMk cId="1409926149" sldId="292"/>
+            <ac:picMk id="4" creationId="{1804EC61-F984-8649-A13C-49F5D0213753}"/>
+          </ac:picMkLst>
+        </pc:picChg>
+      </pc:sldChg>
+      <pc:sldChg chg="add">
+        <pc:chgData name="Long B Nguyen" userId="f59fb8f3-a021-417a-8bc1-65c8d471c621" providerId="ADAL" clId="{920E45FF-707A-564B-83B3-9BA7BB1D0D1B}" dt="2021-03-09T12:30:06.907" v="163"/>
+        <pc:sldMkLst>
+          <pc:docMk/>
+          <pc:sldMk cId="2755149540" sldId="292"/>
+        </pc:sldMkLst>
+      </pc:sldChg>
+      <pc:sldChg chg="del">
+        <pc:chgData name="Long B Nguyen" userId="f59fb8f3-a021-417a-8bc1-65c8d471c621" providerId="ADAL" clId="{920E45FF-707A-564B-83B3-9BA7BB1D0D1B}" dt="2021-03-09T12:16:12.775" v="0" actId="2696"/>
+        <pc:sldMkLst>
+          <pc:docMk/>
+          <pc:sldMk cId="1581961275" sldId="293"/>
+        </pc:sldMkLst>
+      </pc:sldChg>
+      <pc:sldChg chg="addSp delSp modSp new mod">
+        <pc:chgData name="Long B Nguyen" userId="f59fb8f3-a021-417a-8bc1-65c8d471c621" providerId="ADAL" clId="{920E45FF-707A-564B-83B3-9BA7BB1D0D1B}" dt="2021-03-09T12:21:48.886" v="91" actId="1076"/>
+        <pc:sldMkLst>
+          <pc:docMk/>
+          <pc:sldMk cId="1975834179" sldId="293"/>
+        </pc:sldMkLst>
+        <pc:spChg chg="del">
+          <ac:chgData name="Long B Nguyen" userId="f59fb8f3-a021-417a-8bc1-65c8d471c621" providerId="ADAL" clId="{920E45FF-707A-564B-83B3-9BA7BB1D0D1B}" dt="2021-03-09T12:21:45.345" v="89" actId="478"/>
+          <ac:spMkLst>
+            <pc:docMk/>
+            <pc:sldMk cId="1975834179" sldId="293"/>
+            <ac:spMk id="2" creationId="{5B43D669-1C0D-8647-9EE0-ACF7592A34C1}"/>
+          </ac:spMkLst>
+        </pc:spChg>
+        <pc:spChg chg="del">
+          <ac:chgData name="Long B Nguyen" userId="f59fb8f3-a021-417a-8bc1-65c8d471c621" providerId="ADAL" clId="{920E45FF-707A-564B-83B3-9BA7BB1D0D1B}" dt="2021-03-09T12:21:46.991" v="90"/>
+          <ac:spMkLst>
+            <pc:docMk/>
+            <pc:sldMk cId="1975834179" sldId="293"/>
+            <ac:spMk id="3" creationId="{48DFA0B0-6849-A947-97E5-0B99076AA4EA}"/>
+          </ac:spMkLst>
+        </pc:spChg>
+        <pc:picChg chg="add mod">
+          <ac:chgData name="Long B Nguyen" userId="f59fb8f3-a021-417a-8bc1-65c8d471c621" providerId="ADAL" clId="{920E45FF-707A-564B-83B3-9BA7BB1D0D1B}" dt="2021-03-09T12:21:48.886" v="91" actId="1076"/>
+          <ac:picMkLst>
+            <pc:docMk/>
+            <pc:sldMk cId="1975834179" sldId="293"/>
+            <ac:picMk id="4" creationId="{4E1F62D6-4581-1640-8ED4-FBC91B065917}"/>
+          </ac:picMkLst>
+        </pc:picChg>
+      </pc:sldChg>
+      <pc:sldChg chg="addSp modSp new mod">
+        <pc:chgData name="Long B Nguyen" userId="f59fb8f3-a021-417a-8bc1-65c8d471c621" providerId="ADAL" clId="{920E45FF-707A-564B-83B3-9BA7BB1D0D1B}" dt="2021-03-09T12:22:32.425" v="96" actId="1076"/>
+        <pc:sldMkLst>
+          <pc:docMk/>
+          <pc:sldMk cId="3607987310" sldId="294"/>
+        </pc:sldMkLst>
+        <pc:picChg chg="add mod">
+          <ac:chgData name="Long B Nguyen" userId="f59fb8f3-a021-417a-8bc1-65c8d471c621" providerId="ADAL" clId="{920E45FF-707A-564B-83B3-9BA7BB1D0D1B}" dt="2021-03-09T12:22:10.908" v="94" actId="1076"/>
+          <ac:picMkLst>
+            <pc:docMk/>
+            <pc:sldMk cId="3607987310" sldId="294"/>
+            <ac:picMk id="4" creationId="{BF99C365-AFD6-5349-BDD9-31E21D24AC2B}"/>
+          </ac:picMkLst>
+        </pc:picChg>
+        <pc:picChg chg="add mod">
+          <ac:chgData name="Long B Nguyen" userId="f59fb8f3-a021-417a-8bc1-65c8d471c621" providerId="ADAL" clId="{920E45FF-707A-564B-83B3-9BA7BB1D0D1B}" dt="2021-03-09T12:22:32.425" v="96" actId="1076"/>
+          <ac:picMkLst>
+            <pc:docMk/>
+            <pc:sldMk cId="3607987310" sldId="294"/>
+            <ac:picMk id="5" creationId="{81FBF7FA-8967-1540-B6A1-DA4AB2FE2A38}"/>
+          </ac:picMkLst>
+        </pc:picChg>
+      </pc:sldChg>
+      <pc:sldChg chg="addSp modSp new mod">
+        <pc:chgData name="Long B Nguyen" userId="f59fb8f3-a021-417a-8bc1-65c8d471c621" providerId="ADAL" clId="{920E45FF-707A-564B-83B3-9BA7BB1D0D1B}" dt="2021-03-09T12:23:58.493" v="108" actId="1076"/>
+        <pc:sldMkLst>
+          <pc:docMk/>
+          <pc:sldMk cId="3509019239" sldId="295"/>
+        </pc:sldMkLst>
+        <pc:picChg chg="add mod">
+          <ac:chgData name="Long B Nguyen" userId="f59fb8f3-a021-417a-8bc1-65c8d471c621" providerId="ADAL" clId="{920E45FF-707A-564B-83B3-9BA7BB1D0D1B}" dt="2021-03-09T12:22:48.668" v="99" actId="1076"/>
+          <ac:picMkLst>
+            <pc:docMk/>
+            <pc:sldMk cId="3509019239" sldId="295"/>
+            <ac:picMk id="4" creationId="{44EB853C-D5A5-0142-B52F-6324DB3017B7}"/>
+          </ac:picMkLst>
+        </pc:picChg>
+        <pc:picChg chg="add mod">
+          <ac:chgData name="Long B Nguyen" userId="f59fb8f3-a021-417a-8bc1-65c8d471c621" providerId="ADAL" clId="{920E45FF-707A-564B-83B3-9BA7BB1D0D1B}" dt="2021-03-09T12:23:49.814" v="106" actId="1076"/>
+          <ac:picMkLst>
+            <pc:docMk/>
+            <pc:sldMk cId="3509019239" sldId="295"/>
+            <ac:picMk id="5" creationId="{0139728A-9217-EB47-8C88-DC64BF1AF4CA}"/>
+          </ac:picMkLst>
+        </pc:picChg>
+        <pc:picChg chg="add mod">
+          <ac:chgData name="Long B Nguyen" userId="f59fb8f3-a021-417a-8bc1-65c8d471c621" providerId="ADAL" clId="{920E45FF-707A-564B-83B3-9BA7BB1D0D1B}" dt="2021-03-09T12:23:58.493" v="108" actId="1076"/>
+          <ac:picMkLst>
+            <pc:docMk/>
+            <pc:sldMk cId="3509019239" sldId="295"/>
+            <ac:picMk id="6" creationId="{391A00DB-11B7-1C4F-A467-834357B0E5EF}"/>
+          </ac:picMkLst>
+        </pc:picChg>
+      </pc:sldChg>
+      <pc:sldChg chg="del">
+        <pc:chgData name="Long B Nguyen" userId="f59fb8f3-a021-417a-8bc1-65c8d471c621" providerId="ADAL" clId="{920E45FF-707A-564B-83B3-9BA7BB1D0D1B}" dt="2021-03-09T12:16:12.775" v="0" actId="2696"/>
+        <pc:sldMkLst>
+          <pc:docMk/>
+          <pc:sldMk cId="3711861066" sldId="295"/>
+        </pc:sldMkLst>
+      </pc:sldChg>
+      <pc:sldChg chg="addSp delSp modSp new mod">
+        <pc:chgData name="Long B Nguyen" userId="f59fb8f3-a021-417a-8bc1-65c8d471c621" providerId="ADAL" clId="{920E45FF-707A-564B-83B3-9BA7BB1D0D1B}" dt="2021-03-09T12:27:02.875" v="123" actId="1076"/>
+        <pc:sldMkLst>
+          <pc:docMk/>
+          <pc:sldMk cId="1560082541" sldId="296"/>
+        </pc:sldMkLst>
+        <pc:picChg chg="add del mod">
+          <ac:chgData name="Long B Nguyen" userId="f59fb8f3-a021-417a-8bc1-65c8d471c621" providerId="ADAL" clId="{920E45FF-707A-564B-83B3-9BA7BB1D0D1B}" dt="2021-03-09T12:23:47.331" v="105" actId="21"/>
+          <ac:picMkLst>
+            <pc:docMk/>
+            <pc:sldMk cId="1560082541" sldId="296"/>
+            <ac:picMk id="4" creationId="{A958929C-4D3B-F643-8AD4-9CC1765A49B1}"/>
+          </ac:picMkLst>
+        </pc:picChg>
+        <pc:picChg chg="add mod">
+          <ac:chgData name="Long B Nguyen" userId="f59fb8f3-a021-417a-8bc1-65c8d471c621" providerId="ADAL" clId="{920E45FF-707A-564B-83B3-9BA7BB1D0D1B}" dt="2021-03-09T12:27:02.875" v="123" actId="1076"/>
+          <ac:picMkLst>
+            <pc:docMk/>
+            <pc:sldMk cId="1560082541" sldId="296"/>
+            <ac:picMk id="5" creationId="{23579F0B-4635-8647-AC63-5180C63AFDF4}"/>
+          </ac:picMkLst>
+        </pc:picChg>
+        <pc:picChg chg="add del mod">
+          <ac:chgData name="Long B Nguyen" userId="f59fb8f3-a021-417a-8bc1-65c8d471c621" providerId="ADAL" clId="{920E45FF-707A-564B-83B3-9BA7BB1D0D1B}" dt="2021-03-09T12:27:01.246" v="122" actId="478"/>
+          <ac:picMkLst>
+            <pc:docMk/>
+            <pc:sldMk cId="1560082541" sldId="296"/>
+            <ac:picMk id="6" creationId="{6E4CC2A2-87AF-A149-9652-C5BEA04D1079}"/>
+          </ac:picMkLst>
+        </pc:picChg>
+      </pc:sldChg>
+      <pc:sldChg chg="del">
+        <pc:chgData name="Long B Nguyen" userId="f59fb8f3-a021-417a-8bc1-65c8d471c621" providerId="ADAL" clId="{920E45FF-707A-564B-83B3-9BA7BB1D0D1B}" dt="2021-03-09T12:16:12.775" v="0" actId="2696"/>
+        <pc:sldMkLst>
+          <pc:docMk/>
+          <pc:sldMk cId="2081483973" sldId="296"/>
+        </pc:sldMkLst>
+      </pc:sldChg>
+      <pc:sldChg chg="addSp modSp new mod">
+        <pc:chgData name="Long B Nguyen" userId="f59fb8f3-a021-417a-8bc1-65c8d471c621" providerId="ADAL" clId="{920E45FF-707A-564B-83B3-9BA7BB1D0D1B}" dt="2021-03-09T12:24:52.619" v="117" actId="14100"/>
+        <pc:sldMkLst>
+          <pc:docMk/>
+          <pc:sldMk cId="2517486256" sldId="297"/>
+        </pc:sldMkLst>
+        <pc:picChg chg="add mod">
+          <ac:chgData name="Long B Nguyen" userId="f59fb8f3-a021-417a-8bc1-65c8d471c621" providerId="ADAL" clId="{920E45FF-707A-564B-83B3-9BA7BB1D0D1B}" dt="2021-03-09T12:24:52.619" v="117" actId="14100"/>
+          <ac:picMkLst>
+            <pc:docMk/>
+            <pc:sldMk cId="2517486256" sldId="297"/>
+            <ac:picMk id="4" creationId="{CDEFDA8B-B992-9342-B9F8-53DAB874D5B8}"/>
+          </ac:picMkLst>
+        </pc:picChg>
+        <pc:picChg chg="add mod">
+          <ac:chgData name="Long B Nguyen" userId="f59fb8f3-a021-417a-8bc1-65c8d471c621" providerId="ADAL" clId="{920E45FF-707A-564B-83B3-9BA7BB1D0D1B}" dt="2021-03-09T12:24:49.779" v="116" actId="1076"/>
+          <ac:picMkLst>
+            <pc:docMk/>
+            <pc:sldMk cId="2517486256" sldId="297"/>
+            <ac:picMk id="5" creationId="{5AB7D984-9986-344E-974D-D888122BDC90}"/>
+          </ac:picMkLst>
+        </pc:picChg>
+      </pc:sldChg>
+      <pc:sldChg chg="addSp new">
+        <pc:chgData name="Long B Nguyen" userId="f59fb8f3-a021-417a-8bc1-65c8d471c621" providerId="ADAL" clId="{920E45FF-707A-564B-83B3-9BA7BB1D0D1B}" dt="2021-03-09T12:27:16.243" v="125"/>
+        <pc:sldMkLst>
+          <pc:docMk/>
+          <pc:sldMk cId="2398448081" sldId="298"/>
+        </pc:sldMkLst>
+        <pc:picChg chg="add">
+          <ac:chgData name="Long B Nguyen" userId="f59fb8f3-a021-417a-8bc1-65c8d471c621" providerId="ADAL" clId="{920E45FF-707A-564B-83B3-9BA7BB1D0D1B}" dt="2021-03-09T12:27:16.243" v="125"/>
+          <ac:picMkLst>
+            <pc:docMk/>
+            <pc:sldMk cId="2398448081" sldId="298"/>
+            <ac:picMk id="4" creationId="{400A85EA-16D8-B443-B8DC-81D509B09F7F}"/>
+          </ac:picMkLst>
+        </pc:picChg>
+      </pc:sldChg>
+      <pc:sldChg chg="del">
+        <pc:chgData name="Long B Nguyen" userId="f59fb8f3-a021-417a-8bc1-65c8d471c621" providerId="ADAL" clId="{920E45FF-707A-564B-83B3-9BA7BB1D0D1B}" dt="2021-03-09T12:16:12.775" v="0" actId="2696"/>
+        <pc:sldMkLst>
+          <pc:docMk/>
+          <pc:sldMk cId="2878025650" sldId="298"/>
+        </pc:sldMkLst>
+      </pc:sldChg>
+      <pc:sldChg chg="addSp new">
+        <pc:chgData name="Long B Nguyen" userId="f59fb8f3-a021-417a-8bc1-65c8d471c621" providerId="ADAL" clId="{920E45FF-707A-564B-83B3-9BA7BB1D0D1B}" dt="2021-03-09T12:27:41.188" v="127"/>
+        <pc:sldMkLst>
+          <pc:docMk/>
+          <pc:sldMk cId="178214256" sldId="299"/>
+        </pc:sldMkLst>
+        <pc:picChg chg="add">
+          <ac:chgData name="Long B Nguyen" userId="f59fb8f3-a021-417a-8bc1-65c8d471c621" providerId="ADAL" clId="{920E45FF-707A-564B-83B3-9BA7BB1D0D1B}" dt="2021-03-09T12:27:41.188" v="127"/>
+          <ac:picMkLst>
+            <pc:docMk/>
+            <pc:sldMk cId="178214256" sldId="299"/>
+            <ac:picMk id="4" creationId="{CE68473D-2B77-7449-9E81-EBC05D0883F7}"/>
+          </ac:picMkLst>
+        </pc:picChg>
+      </pc:sldChg>
+      <pc:sldChg chg="del">
+        <pc:chgData name="Long B Nguyen" userId="f59fb8f3-a021-417a-8bc1-65c8d471c621" providerId="ADAL" clId="{920E45FF-707A-564B-83B3-9BA7BB1D0D1B}" dt="2021-03-09T12:16:12.775" v="0" actId="2696"/>
+        <pc:sldMkLst>
+          <pc:docMk/>
+          <pc:sldMk cId="1822161854" sldId="299"/>
+        </pc:sldMkLst>
+      </pc:sldChg>
+      <pc:sldChg chg="del">
+        <pc:chgData name="Long B Nguyen" userId="f59fb8f3-a021-417a-8bc1-65c8d471c621" providerId="ADAL" clId="{920E45FF-707A-564B-83B3-9BA7BB1D0D1B}" dt="2021-03-09T12:16:12.775" v="0" actId="2696"/>
+        <pc:sldMkLst>
+          <pc:docMk/>
+          <pc:sldMk cId="3705756631" sldId="300"/>
+        </pc:sldMkLst>
+      </pc:sldChg>
+      <pc:sldChg chg="addSp delSp modSp new mod">
+        <pc:chgData name="Long B Nguyen" userId="f59fb8f3-a021-417a-8bc1-65c8d471c621" providerId="ADAL" clId="{920E45FF-707A-564B-83B3-9BA7BB1D0D1B}" dt="2021-03-09T12:28:25.178" v="152" actId="113"/>
+        <pc:sldMkLst>
+          <pc:docMk/>
+          <pc:sldMk cId="4244750941" sldId="300"/>
+        </pc:sldMkLst>
+        <pc:spChg chg="del">
+          <ac:chgData name="Long B Nguyen" userId="f59fb8f3-a021-417a-8bc1-65c8d471c621" providerId="ADAL" clId="{920E45FF-707A-564B-83B3-9BA7BB1D0D1B}" dt="2021-03-09T12:28:18.600" v="149" actId="478"/>
+          <ac:spMkLst>
+            <pc:docMk/>
+            <pc:sldMk cId="4244750941" sldId="300"/>
+            <ac:spMk id="2" creationId="{A83D8E15-C804-DE46-9686-BF4D857CF8E6}"/>
+          </ac:spMkLst>
+        </pc:spChg>
+        <pc:spChg chg="del">
+          <ac:chgData name="Long B Nguyen" userId="f59fb8f3-a021-417a-8bc1-65c8d471c621" providerId="ADAL" clId="{920E45FF-707A-564B-83B3-9BA7BB1D0D1B}" dt="2021-03-09T12:28:21.136" v="150" actId="478"/>
+          <ac:spMkLst>
+            <pc:docMk/>
+            <pc:sldMk cId="4244750941" sldId="300"/>
+            <ac:spMk id="3" creationId="{CA3D188B-CA1D-6A4C-AF47-6D4474729212}"/>
+          </ac:spMkLst>
+        </pc:spChg>
+        <pc:spChg chg="add mod">
+          <ac:chgData name="Long B Nguyen" userId="f59fb8f3-a021-417a-8bc1-65c8d471c621" providerId="ADAL" clId="{920E45FF-707A-564B-83B3-9BA7BB1D0D1B}" dt="2021-03-09T12:28:25.178" v="152" actId="113"/>
+          <ac:spMkLst>
+            <pc:docMk/>
+            <pc:sldMk cId="4244750941" sldId="300"/>
+            <ac:spMk id="5" creationId="{A7A12944-A27C-664D-B361-CA3189DBCD3F}"/>
+          </ac:spMkLst>
+        </pc:spChg>
+        <pc:picChg chg="add mod">
+          <ac:chgData name="Long B Nguyen" userId="f59fb8f3-a021-417a-8bc1-65c8d471c621" providerId="ADAL" clId="{920E45FF-707A-564B-83B3-9BA7BB1D0D1B}" dt="2021-03-09T12:28:15.187" v="147" actId="1076"/>
+          <ac:picMkLst>
+            <pc:docMk/>
+            <pc:sldMk cId="4244750941" sldId="300"/>
+            <ac:picMk id="4" creationId="{8B212309-4083-A94B-9938-897B10EFFF64}"/>
+          </ac:picMkLst>
+        </pc:picChg>
+      </pc:sldChg>
+      <pc:sldChg chg="addSp new">
+        <pc:chgData name="Long B Nguyen" userId="f59fb8f3-a021-417a-8bc1-65c8d471c621" providerId="ADAL" clId="{920E45FF-707A-564B-83B3-9BA7BB1D0D1B}" dt="2021-03-09T12:28:45.949" v="154"/>
+        <pc:sldMkLst>
+          <pc:docMk/>
+          <pc:sldMk cId="3554970501" sldId="301"/>
+        </pc:sldMkLst>
+        <pc:picChg chg="add">
+          <ac:chgData name="Long B Nguyen" userId="f59fb8f3-a021-417a-8bc1-65c8d471c621" providerId="ADAL" clId="{920E45FF-707A-564B-83B3-9BA7BB1D0D1B}" dt="2021-03-09T12:28:45.949" v="154"/>
+          <ac:picMkLst>
+            <pc:docMk/>
+            <pc:sldMk cId="3554970501" sldId="301"/>
+            <ac:picMk id="4" creationId="{2FEBAF38-3332-1E48-8E8B-5F239F9682E8}"/>
+          </ac:picMkLst>
+        </pc:picChg>
+      </pc:sldChg>
+      <pc:sldChg chg="del">
+        <pc:chgData name="Long B Nguyen" userId="f59fb8f3-a021-417a-8bc1-65c8d471c621" providerId="ADAL" clId="{920E45FF-707A-564B-83B3-9BA7BB1D0D1B}" dt="2021-03-09T12:16:12.775" v="0" actId="2696"/>
+        <pc:sldMkLst>
+          <pc:docMk/>
+          <pc:sldMk cId="3618694306" sldId="301"/>
+        </pc:sldMkLst>
+      </pc:sldChg>
+      <pc:sldChg chg="addSp delSp modSp new mod">
+        <pc:chgData name="Long B Nguyen" userId="f59fb8f3-a021-417a-8bc1-65c8d471c621" providerId="ADAL" clId="{920E45FF-707A-564B-83B3-9BA7BB1D0D1B}" dt="2021-03-09T12:29:48.797" v="161" actId="478"/>
+        <pc:sldMkLst>
+          <pc:docMk/>
+          <pc:sldMk cId="1398428475" sldId="302"/>
+        </pc:sldMkLst>
+        <pc:spChg chg="del">
+          <ac:chgData name="Long B Nguyen" userId="f59fb8f3-a021-417a-8bc1-65c8d471c621" providerId="ADAL" clId="{920E45FF-707A-564B-83B3-9BA7BB1D0D1B}" dt="2021-03-09T12:29:48.797" v="161" actId="478"/>
+          <ac:spMkLst>
+            <pc:docMk/>
+            <pc:sldMk cId="1398428475" sldId="302"/>
+            <ac:spMk id="2" creationId="{AC833A82-2DA6-3648-962F-3B5CE3F19F0B}"/>
+          </ac:spMkLst>
+        </pc:spChg>
+        <pc:spChg chg="add mod">
+          <ac:chgData name="Long B Nguyen" userId="f59fb8f3-a021-417a-8bc1-65c8d471c621" providerId="ADAL" clId="{920E45FF-707A-564B-83B3-9BA7BB1D0D1B}" dt="2021-03-09T12:29:42.807" v="159" actId="20577"/>
+          <ac:spMkLst>
+            <pc:docMk/>
+            <pc:sldMk cId="1398428475" sldId="302"/>
+            <ac:spMk id="5" creationId="{8D0DC39A-C34F-D24D-96D3-762432C07CBE}"/>
+          </ac:spMkLst>
+        </pc:spChg>
+        <pc:picChg chg="add mod">
+          <ac:chgData name="Long B Nguyen" userId="f59fb8f3-a021-417a-8bc1-65c8d471c621" providerId="ADAL" clId="{920E45FF-707A-564B-83B3-9BA7BB1D0D1B}" dt="2021-03-09T12:29:44.815" v="160" actId="1076"/>
+          <ac:picMkLst>
+            <pc:docMk/>
+            <pc:sldMk cId="1398428475" sldId="302"/>
+            <ac:picMk id="4" creationId="{AC55923E-01AC-D84E-B63B-CD4FE4477586}"/>
+          </ac:picMkLst>
+        </pc:picChg>
+      </pc:sldChg>
+      <pc:sldChg chg="del">
+        <pc:chgData name="Long B Nguyen" userId="f59fb8f3-a021-417a-8bc1-65c8d471c621" providerId="ADAL" clId="{920E45FF-707A-564B-83B3-9BA7BB1D0D1B}" dt="2021-03-09T12:16:12.775" v="0" actId="2696"/>
+        <pc:sldMkLst>
+          <pc:docMk/>
+          <pc:sldMk cId="2064379448" sldId="302"/>
+        </pc:sldMkLst>
+      </pc:sldChg>
+      <pc:sldChg chg="addSp new">
+        <pc:chgData name="Long B Nguyen" userId="f59fb8f3-a021-417a-8bc1-65c8d471c621" providerId="ADAL" clId="{920E45FF-707A-564B-83B3-9BA7BB1D0D1B}" dt="2021-03-09T12:31:01.383" v="168"/>
+        <pc:sldMkLst>
+          <pc:docMk/>
+          <pc:sldMk cId="660749694" sldId="303"/>
+        </pc:sldMkLst>
+        <pc:picChg chg="add">
+          <ac:chgData name="Long B Nguyen" userId="f59fb8f3-a021-417a-8bc1-65c8d471c621" providerId="ADAL" clId="{920E45FF-707A-564B-83B3-9BA7BB1D0D1B}" dt="2021-03-09T12:31:01.383" v="168"/>
+          <ac:picMkLst>
+            <pc:docMk/>
+            <pc:sldMk cId="660749694" sldId="303"/>
+            <ac:picMk id="4" creationId="{92879868-FC29-0640-AF3A-B2EBCE09842F}"/>
+          </ac:picMkLst>
+        </pc:picChg>
+      </pc:sldChg>
+      <pc:sldChg chg="del">
+        <pc:chgData name="Long B Nguyen" userId="f59fb8f3-a021-417a-8bc1-65c8d471c621" providerId="ADAL" clId="{920E45FF-707A-564B-83B3-9BA7BB1D0D1B}" dt="2021-03-09T12:16:12.775" v="0" actId="2696"/>
+        <pc:sldMkLst>
+          <pc:docMk/>
+          <pc:sldMk cId="3993483693" sldId="303"/>
+        </pc:sldMkLst>
+      </pc:sldChg>
+      <pc:sldChg chg="addSp modSp new mod">
+        <pc:chgData name="Long B Nguyen" userId="f59fb8f3-a021-417a-8bc1-65c8d471c621" providerId="ADAL" clId="{920E45FF-707A-564B-83B3-9BA7BB1D0D1B}" dt="2021-03-09T12:32:01.926" v="171" actId="14100"/>
+        <pc:sldMkLst>
+          <pc:docMk/>
+          <pc:sldMk cId="1176093166" sldId="304"/>
+        </pc:sldMkLst>
+        <pc:picChg chg="add mod">
+          <ac:chgData name="Long B Nguyen" userId="f59fb8f3-a021-417a-8bc1-65c8d471c621" providerId="ADAL" clId="{920E45FF-707A-564B-83B3-9BA7BB1D0D1B}" dt="2021-03-09T12:32:01.926" v="171" actId="14100"/>
+          <ac:picMkLst>
+            <pc:docMk/>
+            <pc:sldMk cId="1176093166" sldId="304"/>
+            <ac:picMk id="4" creationId="{2212F94D-B8E9-9946-BD55-A5A335B8323A}"/>
+          </ac:picMkLst>
+        </pc:picChg>
+      </pc:sldChg>
+      <pc:sldChg chg="delSp modSp new del mod">
+        <pc:chgData name="Long B Nguyen" userId="f59fb8f3-a021-417a-8bc1-65c8d471c621" providerId="ADAL" clId="{920E45FF-707A-564B-83B3-9BA7BB1D0D1B}" dt="2021-03-09T14:58:05.830" v="1707" actId="2696"/>
+        <pc:sldMkLst>
+          <pc:docMk/>
+          <pc:sldMk cId="626458273" sldId="305"/>
+        </pc:sldMkLst>
+        <pc:spChg chg="del">
+          <ac:chgData name="Long B Nguyen" userId="f59fb8f3-a021-417a-8bc1-65c8d471c621" providerId="ADAL" clId="{920E45FF-707A-564B-83B3-9BA7BB1D0D1B}" dt="2021-03-09T12:57:18.776" v="175" actId="478"/>
+          <ac:spMkLst>
+            <pc:docMk/>
+            <pc:sldMk cId="626458273" sldId="305"/>
+            <ac:spMk id="2" creationId="{B7D53956-4C9D-8F46-812E-6937C0A6C403}"/>
+          </ac:spMkLst>
+        </pc:spChg>
+        <pc:spChg chg="mod">
+          <ac:chgData name="Long B Nguyen" userId="f59fb8f3-a021-417a-8bc1-65c8d471c621" providerId="ADAL" clId="{920E45FF-707A-564B-83B3-9BA7BB1D0D1B}" dt="2021-03-09T14:30:38.573" v="668" actId="21"/>
+          <ac:spMkLst>
+            <pc:docMk/>
+            <pc:sldMk cId="626458273" sldId="305"/>
+            <ac:spMk id="3" creationId="{CBFD419E-8D9F-A048-9781-F9229F372A92}"/>
+          </ac:spMkLst>
+        </pc:spChg>
+      </pc:sldChg>
+      <pc:sldChg chg="delSp modSp new mod modAnim">
+        <pc:chgData name="Long B Nguyen" userId="f59fb8f3-a021-417a-8bc1-65c8d471c621" providerId="ADAL" clId="{920E45FF-707A-564B-83B3-9BA7BB1D0D1B}" dt="2021-03-15T04:36:55.445" v="2023" actId="20577"/>
+        <pc:sldMkLst>
+          <pc:docMk/>
+          <pc:sldMk cId="728426104" sldId="306"/>
+        </pc:sldMkLst>
+        <pc:spChg chg="del">
+          <ac:chgData name="Long B Nguyen" userId="f59fb8f3-a021-417a-8bc1-65c8d471c621" providerId="ADAL" clId="{920E45FF-707A-564B-83B3-9BA7BB1D0D1B}" dt="2021-03-09T14:29:07.669" v="353" actId="478"/>
+          <ac:spMkLst>
+            <pc:docMk/>
+            <pc:sldMk cId="728426104" sldId="306"/>
+            <ac:spMk id="2" creationId="{5A5CE86E-01BC-4449-BFF3-D833BAD0B628}"/>
+          </ac:spMkLst>
+        </pc:spChg>
+        <pc:spChg chg="mod">
+          <ac:chgData name="Long B Nguyen" userId="f59fb8f3-a021-417a-8bc1-65c8d471c621" providerId="ADAL" clId="{920E45FF-707A-564B-83B3-9BA7BB1D0D1B}" dt="2021-03-15T04:36:55.445" v="2023" actId="20577"/>
+          <ac:spMkLst>
+            <pc:docMk/>
+            <pc:sldMk cId="728426104" sldId="306"/>
+            <ac:spMk id="3" creationId="{ED8E330A-0574-5B43-A1B4-044AE8138EBC}"/>
+          </ac:spMkLst>
+        </pc:spChg>
+      </pc:sldChg>
+      <pc:sldChg chg="delSp modSp new mod modAnim">
+        <pc:chgData name="Long B Nguyen" userId="f59fb8f3-a021-417a-8bc1-65c8d471c621" providerId="ADAL" clId="{920E45FF-707A-564B-83B3-9BA7BB1D0D1B}" dt="2021-03-10T13:28:18.421" v="1976"/>
+        <pc:sldMkLst>
+          <pc:docMk/>
+          <pc:sldMk cId="2699723502" sldId="307"/>
+        </pc:sldMkLst>
+        <pc:spChg chg="del">
+          <ac:chgData name="Long B Nguyen" userId="f59fb8f3-a021-417a-8bc1-65c8d471c621" providerId="ADAL" clId="{920E45FF-707A-564B-83B3-9BA7BB1D0D1B}" dt="2021-03-09T14:53:35.141" v="1011" actId="478"/>
+          <ac:spMkLst>
+            <pc:docMk/>
+            <pc:sldMk cId="2699723502" sldId="307"/>
+            <ac:spMk id="2" creationId="{3C2166BD-4FA9-0B4D-A459-E30BFE8672C3}"/>
+          </ac:spMkLst>
+        </pc:spChg>
+        <pc:spChg chg="mod">
+          <ac:chgData name="Long B Nguyen" userId="f59fb8f3-a021-417a-8bc1-65c8d471c621" providerId="ADAL" clId="{920E45FF-707A-564B-83B3-9BA7BB1D0D1B}" dt="2021-03-09T14:58:41.811" v="1717" actId="20577"/>
+          <ac:spMkLst>
+            <pc:docMk/>
+            <pc:sldMk cId="2699723502" sldId="307"/>
+            <ac:spMk id="3" creationId="{07A68376-B585-E14E-9D3B-3DDBFB3E4329}"/>
+          </ac:spMkLst>
+        </pc:spChg>
+      </pc:sldChg>
+      <pc:sldChg chg="modSp new del mod">
+        <pc:chgData name="Long B Nguyen" userId="f59fb8f3-a021-417a-8bc1-65c8d471c621" providerId="ADAL" clId="{920E45FF-707A-564B-83B3-9BA7BB1D0D1B}" dt="2021-03-15T12:13:25.387" v="2914" actId="2696"/>
+        <pc:sldMkLst>
+          <pc:docMk/>
+          <pc:sldMk cId="1173666888" sldId="308"/>
+        </pc:sldMkLst>
+        <pc:spChg chg="mod">
+          <ac:chgData name="Long B Nguyen" userId="f59fb8f3-a021-417a-8bc1-65c8d471c621" providerId="ADAL" clId="{920E45FF-707A-564B-83B3-9BA7BB1D0D1B}" dt="2021-03-15T04:38:21.619" v="2051" actId="14100"/>
+          <ac:spMkLst>
+            <pc:docMk/>
+            <pc:sldMk cId="1173666888" sldId="308"/>
+            <ac:spMk id="2" creationId="{2CAD482E-9621-034B-B5B9-A2A3E3815EBF}"/>
+          </ac:spMkLst>
+        </pc:spChg>
+        <pc:spChg chg="mod">
+          <ac:chgData name="Long B Nguyen" userId="f59fb8f3-a021-417a-8bc1-65c8d471c621" providerId="ADAL" clId="{920E45FF-707A-564B-83B3-9BA7BB1D0D1B}" dt="2021-03-15T11:59:15.087" v="2507" actId="20577"/>
+          <ac:spMkLst>
+            <pc:docMk/>
+            <pc:sldMk cId="1173666888" sldId="308"/>
+            <ac:spMk id="3" creationId="{BE9CE75A-CAA3-5646-AB61-E94C601FF013}"/>
+          </ac:spMkLst>
+        </pc:spChg>
+      </pc:sldChg>
+      <pc:sldChg chg="modSp add mod modAnim">
+        <pc:chgData name="Long B Nguyen" userId="f59fb8f3-a021-417a-8bc1-65c8d471c621" providerId="ADAL" clId="{920E45FF-707A-564B-83B3-9BA7BB1D0D1B}" dt="2021-03-19T13:59:55.213" v="3323" actId="20577"/>
+        <pc:sldMkLst>
+          <pc:docMk/>
+          <pc:sldMk cId="1886395027" sldId="308"/>
+        </pc:sldMkLst>
+        <pc:spChg chg="mod">
+          <ac:chgData name="Long B Nguyen" userId="f59fb8f3-a021-417a-8bc1-65c8d471c621" providerId="ADAL" clId="{920E45FF-707A-564B-83B3-9BA7BB1D0D1B}" dt="2021-03-19T13:59:55.213" v="3323" actId="20577"/>
+          <ac:spMkLst>
+            <pc:docMk/>
+            <pc:sldMk cId="1886395027" sldId="308"/>
+            <ac:spMk id="2" creationId="{2CAD482E-9621-034B-B5B9-A2A3E3815EBF}"/>
+          </ac:spMkLst>
+        </pc:spChg>
+        <pc:spChg chg="mod">
+          <ac:chgData name="Long B Nguyen" userId="f59fb8f3-a021-417a-8bc1-65c8d471c621" providerId="ADAL" clId="{920E45FF-707A-564B-83B3-9BA7BB1D0D1B}" dt="2021-03-15T12:13:37.645" v="2937" actId="20577"/>
+          <ac:spMkLst>
+            <pc:docMk/>
+            <pc:sldMk cId="1886395027" sldId="308"/>
+            <ac:spMk id="3" creationId="{BE9CE75A-CAA3-5646-AB61-E94C601FF013}"/>
+          </ac:spMkLst>
+        </pc:spChg>
+      </pc:sldChg>
+      <pc:sldChg chg="modSp add mod modAnim">
+        <pc:chgData name="Long B Nguyen" userId="f59fb8f3-a021-417a-8bc1-65c8d471c621" providerId="ADAL" clId="{920E45FF-707A-564B-83B3-9BA7BB1D0D1B}" dt="2021-03-19T13:59:46.339" v="3317" actId="20577"/>
+        <pc:sldMkLst>
+          <pc:docMk/>
+          <pc:sldMk cId="2859835922" sldId="309"/>
+        </pc:sldMkLst>
+        <pc:spChg chg="mod">
+          <ac:chgData name="Long B Nguyen" userId="f59fb8f3-a021-417a-8bc1-65c8d471c621" providerId="ADAL" clId="{920E45FF-707A-564B-83B3-9BA7BB1D0D1B}" dt="2021-03-19T13:59:46.339" v="3317" actId="20577"/>
+          <ac:spMkLst>
+            <pc:docMk/>
+            <pc:sldMk cId="2859835922" sldId="309"/>
+            <ac:spMk id="2" creationId="{2CAD482E-9621-034B-B5B9-A2A3E3815EBF}"/>
+          </ac:spMkLst>
+        </pc:spChg>
+        <pc:spChg chg="mod">
+          <ac:chgData name="Long B Nguyen" userId="f59fb8f3-a021-417a-8bc1-65c8d471c621" providerId="ADAL" clId="{920E45FF-707A-564B-83B3-9BA7BB1D0D1B}" dt="2021-03-16T12:39:40.609" v="3248" actId="20577"/>
+          <ac:spMkLst>
+            <pc:docMk/>
+            <pc:sldMk cId="2859835922" sldId="309"/>
+            <ac:spMk id="3" creationId="{BE9CE75A-CAA3-5646-AB61-E94C601FF013}"/>
+          </ac:spMkLst>
+        </pc:spChg>
+      </pc:sldChg>
+      <pc:sldChg chg="modSp add mod modAnim">
+        <pc:chgData name="Long B Nguyen" userId="f59fb8f3-a021-417a-8bc1-65c8d471c621" providerId="ADAL" clId="{920E45FF-707A-564B-83B3-9BA7BB1D0D1B}" dt="2021-03-19T13:59:51.229" v="3321" actId="20577"/>
+        <pc:sldMkLst>
+          <pc:docMk/>
+          <pc:sldMk cId="472026148" sldId="310"/>
+        </pc:sldMkLst>
+        <pc:spChg chg="mod">
+          <ac:chgData name="Long B Nguyen" userId="f59fb8f3-a021-417a-8bc1-65c8d471c621" providerId="ADAL" clId="{920E45FF-707A-564B-83B3-9BA7BB1D0D1B}" dt="2021-03-19T13:59:51.229" v="3321" actId="20577"/>
+          <ac:spMkLst>
+            <pc:docMk/>
+            <pc:sldMk cId="472026148" sldId="310"/>
+            <ac:spMk id="2" creationId="{2CAD482E-9621-034B-B5B9-A2A3E3815EBF}"/>
+          </ac:spMkLst>
+        </pc:spChg>
+        <pc:spChg chg="mod">
+          <ac:chgData name="Long B Nguyen" userId="f59fb8f3-a021-417a-8bc1-65c8d471c621" providerId="ADAL" clId="{920E45FF-707A-564B-83B3-9BA7BB1D0D1B}" dt="2021-03-15T12:05:29.835" v="2913" actId="20577"/>
+          <ac:spMkLst>
+            <pc:docMk/>
+            <pc:sldMk cId="472026148" sldId="310"/>
+            <ac:spMk id="3" creationId="{BE9CE75A-CAA3-5646-AB61-E94C601FF013}"/>
+          </ac:spMkLst>
+        </pc:spChg>
+      </pc:sldChg>
+      <pc:sldChg chg="modSp add mod modAnim">
+        <pc:chgData name="Long B Nguyen" userId="f59fb8f3-a021-417a-8bc1-65c8d471c621" providerId="ADAL" clId="{920E45FF-707A-564B-83B3-9BA7BB1D0D1B}" dt="2021-03-19T14:00:00.147" v="3327" actId="20577"/>
+        <pc:sldMkLst>
+          <pc:docMk/>
+          <pc:sldMk cId="2074214818" sldId="311"/>
+        </pc:sldMkLst>
+        <pc:spChg chg="mod">
+          <ac:chgData name="Long B Nguyen" userId="f59fb8f3-a021-417a-8bc1-65c8d471c621" providerId="ADAL" clId="{920E45FF-707A-564B-83B3-9BA7BB1D0D1B}" dt="2021-03-19T14:00:00.147" v="3327" actId="20577"/>
+          <ac:spMkLst>
+            <pc:docMk/>
+            <pc:sldMk cId="2074214818" sldId="311"/>
+            <ac:spMk id="2" creationId="{2CAD482E-9621-034B-B5B9-A2A3E3815EBF}"/>
+          </ac:spMkLst>
+        </pc:spChg>
+        <pc:spChg chg="mod">
+          <ac:chgData name="Long B Nguyen" userId="f59fb8f3-a021-417a-8bc1-65c8d471c621" providerId="ADAL" clId="{920E45FF-707A-564B-83B3-9BA7BB1D0D1B}" dt="2021-03-19T13:59:35.857" v="3315" actId="20577"/>
+          <ac:spMkLst>
+            <pc:docMk/>
+            <pc:sldMk cId="2074214818" sldId="311"/>
+            <ac:spMk id="3" creationId="{BE9CE75A-CAA3-5646-AB61-E94C601FF013}"/>
+          </ac:spMkLst>
+        </pc:spChg>
+      </pc:sldChg>
+      <pc:sldChg chg="delSp modSp new mod">
+        <pc:chgData name="Long B Nguyen" userId="f59fb8f3-a021-417a-8bc1-65c8d471c621" providerId="ADAL" clId="{920E45FF-707A-564B-83B3-9BA7BB1D0D1B}" dt="2021-03-25T12:51:00.237" v="4641" actId="20577"/>
+        <pc:sldMkLst>
+          <pc:docMk/>
+          <pc:sldMk cId="3704334471" sldId="312"/>
+        </pc:sldMkLst>
+        <pc:spChg chg="del">
+          <ac:chgData name="Long B Nguyen" userId="f59fb8f3-a021-417a-8bc1-65c8d471c621" providerId="ADAL" clId="{920E45FF-707A-564B-83B3-9BA7BB1D0D1B}" dt="2021-03-19T14:14:29.993" v="4401" actId="478"/>
+          <ac:spMkLst>
+            <pc:docMk/>
+            <pc:sldMk cId="3704334471" sldId="312"/>
+            <ac:spMk id="2" creationId="{D3A11481-A1F2-2C4A-B13E-2D83E61DA610}"/>
+          </ac:spMkLst>
+        </pc:spChg>
+        <pc:spChg chg="mod">
+          <ac:chgData name="Long B Nguyen" userId="f59fb8f3-a021-417a-8bc1-65c8d471c621" providerId="ADAL" clId="{920E45FF-707A-564B-83B3-9BA7BB1D0D1B}" dt="2021-03-25T12:51:00.237" v="4641" actId="20577"/>
+          <ac:spMkLst>
+            <pc:docMk/>
+            <pc:sldMk cId="3704334471" sldId="312"/>
+            <ac:spMk id="3" creationId="{07B480AF-2DED-464A-83F7-5E54DCD0C557}"/>
+          </ac:spMkLst>
+        </pc:spChg>
+      </pc:sldChg>
+      <pc:sldChg chg="modSp add mod modAnim">
+        <pc:chgData name="Long B Nguyen" userId="f59fb8f3-a021-417a-8bc1-65c8d471c621" providerId="ADAL" clId="{920E45FF-707A-564B-83B3-9BA7BB1D0D1B}" dt="2021-03-25T12:51:06.687" v="4651" actId="20577"/>
+        <pc:sldMkLst>
+          <pc:docMk/>
+          <pc:sldMk cId="2818469488" sldId="313"/>
+        </pc:sldMkLst>
+        <pc:spChg chg="mod">
+          <ac:chgData name="Long B Nguyen" userId="f59fb8f3-a021-417a-8bc1-65c8d471c621" providerId="ADAL" clId="{920E45FF-707A-564B-83B3-9BA7BB1D0D1B}" dt="2021-03-25T12:51:06.687" v="4651" actId="20577"/>
+          <ac:spMkLst>
+            <pc:docMk/>
+            <pc:sldMk cId="2818469488" sldId="313"/>
+            <ac:spMk id="2" creationId="{2CAD482E-9621-034B-B5B9-A2A3E3815EBF}"/>
+          </ac:spMkLst>
+        </pc:spChg>
+        <pc:spChg chg="mod">
+          <ac:chgData name="Long B Nguyen" userId="f59fb8f3-a021-417a-8bc1-65c8d471c621" providerId="ADAL" clId="{920E45FF-707A-564B-83B3-9BA7BB1D0D1B}" dt="2021-03-19T14:13:03.873" v="4395" actId="20577"/>
+          <ac:spMkLst>
+            <pc:docMk/>
+            <pc:sldMk cId="2818469488" sldId="313"/>
+            <ac:spMk id="3" creationId="{BE9CE75A-CAA3-5646-AB61-E94C601FF013}"/>
+          </ac:spMkLst>
+        </pc:spChg>
+      </pc:sldChg>
+      <pc:sldChg chg="modSp add mod modAnim">
+        <pc:chgData name="Long B Nguyen" userId="f59fb8f3-a021-417a-8bc1-65c8d471c621" providerId="ADAL" clId="{920E45FF-707A-564B-83B3-9BA7BB1D0D1B}" dt="2021-03-25T12:50:40.317" v="4615" actId="20577"/>
+        <pc:sldMkLst>
+          <pc:docMk/>
+          <pc:sldMk cId="1495716717" sldId="314"/>
+        </pc:sldMkLst>
+        <pc:spChg chg="mod">
+          <ac:chgData name="Long B Nguyen" userId="f59fb8f3-a021-417a-8bc1-65c8d471c621" providerId="ADAL" clId="{920E45FF-707A-564B-83B3-9BA7BB1D0D1B}" dt="2021-03-25T12:50:40.317" v="4615" actId="20577"/>
+          <ac:spMkLst>
+            <pc:docMk/>
+            <pc:sldMk cId="1495716717" sldId="314"/>
+            <ac:spMk id="2" creationId="{2CAD482E-9621-034B-B5B9-A2A3E3815EBF}"/>
+          </ac:spMkLst>
+        </pc:spChg>
+        <pc:spChg chg="mod">
+          <ac:chgData name="Long B Nguyen" userId="f59fb8f3-a021-417a-8bc1-65c8d471c621" providerId="ADAL" clId="{920E45FF-707A-564B-83B3-9BA7BB1D0D1B}" dt="2021-03-19T14:12:30.024" v="4387" actId="1076"/>
+          <ac:spMkLst>
+            <pc:docMk/>
+            <pc:sldMk cId="1495716717" sldId="314"/>
+            <ac:spMk id="3" creationId="{BE9CE75A-CAA3-5646-AB61-E94C601FF013}"/>
+          </ac:spMkLst>
+        </pc:spChg>
+      </pc:sldChg>
+      <pc:sldChg chg="add del">
+        <pc:chgData name="Long B Nguyen" userId="f59fb8f3-a021-417a-8bc1-65c8d471c621" providerId="ADAL" clId="{920E45FF-707A-564B-83B3-9BA7BB1D0D1B}" dt="2021-03-15T11:59:19.192" v="2508" actId="2696"/>
+        <pc:sldMkLst>
+          <pc:docMk/>
+          <pc:sldMk cId="2189312620" sldId="356"/>
+        </pc:sldMkLst>
+      </pc:sldChg>
+      <pc:sldChg chg="addSp delSp modSp add mod delAnim modAnim">
+        <pc:chgData name="Long B Nguyen" userId="f59fb8f3-a021-417a-8bc1-65c8d471c621" providerId="ADAL" clId="{920E45FF-707A-564B-83B3-9BA7BB1D0D1B}" dt="2021-03-25T12:50:48.736" v="4625" actId="20577"/>
+        <pc:sldMkLst>
+          <pc:docMk/>
+          <pc:sldMk cId="2984014915" sldId="556"/>
+        </pc:sldMkLst>
+        <pc:spChg chg="mod">
+          <ac:chgData name="Long B Nguyen" userId="f59fb8f3-a021-417a-8bc1-65c8d471c621" providerId="ADAL" clId="{920E45FF-707A-564B-83B3-9BA7BB1D0D1B}" dt="2021-03-25T12:50:48.736" v="4625" actId="20577"/>
+          <ac:spMkLst>
+            <pc:docMk/>
+            <pc:sldMk cId="2984014915" sldId="556"/>
+            <ac:spMk id="2" creationId="{AA3A228F-61D0-D949-A5E7-F83756230BF8}"/>
+          </ac:spMkLst>
+        </pc:spChg>
+        <pc:spChg chg="del">
+          <ac:chgData name="Long B Nguyen" userId="f59fb8f3-a021-417a-8bc1-65c8d471c621" providerId="ADAL" clId="{920E45FF-707A-564B-83B3-9BA7BB1D0D1B}" dt="2021-03-19T14:11:36.215" v="4299" actId="478"/>
+          <ac:spMkLst>
+            <pc:docMk/>
+            <pc:sldMk cId="2984014915" sldId="556"/>
+            <ac:spMk id="4" creationId="{337D7E28-6576-C043-832E-2CDC9179B6E0}"/>
+          </ac:spMkLst>
+        </pc:spChg>
+        <pc:spChg chg="add mod">
+          <ac:chgData name="Long B Nguyen" userId="f59fb8f3-a021-417a-8bc1-65c8d471c621" providerId="ADAL" clId="{920E45FF-707A-564B-83B3-9BA7BB1D0D1B}" dt="2021-03-19T14:10:24.465" v="4298" actId="1076"/>
+          <ac:spMkLst>
+            <pc:docMk/>
+            <pc:sldMk cId="2984014915" sldId="556"/>
+            <ac:spMk id="8" creationId="{C6364B6A-CF35-B049-A125-AFAFEE462FD5}"/>
+          </ac:spMkLst>
+        </pc:spChg>
+        <pc:cxnChg chg="del">
+          <ac:chgData name="Long B Nguyen" userId="f59fb8f3-a021-417a-8bc1-65c8d471c621" providerId="ADAL" clId="{920E45FF-707A-564B-83B3-9BA7BB1D0D1B}" dt="2021-03-19T14:11:36.215" v="4299" actId="478"/>
+          <ac:cxnSpMkLst>
+            <pc:docMk/>
+            <pc:sldMk cId="2984014915" sldId="556"/>
+            <ac:cxnSpMk id="10" creationId="{A7554D4B-A0AA-934D-95C7-A5055505D0B9}"/>
+          </ac:cxnSpMkLst>
+        </pc:cxnChg>
+        <pc:cxnChg chg="add mod">
+          <ac:chgData name="Long B Nguyen" userId="f59fb8f3-a021-417a-8bc1-65c8d471c621" providerId="ADAL" clId="{920E45FF-707A-564B-83B3-9BA7BB1D0D1B}" dt="2021-03-19T14:10:00.425" v="4294" actId="1076"/>
+          <ac:cxnSpMkLst>
+            <pc:docMk/>
+            <pc:sldMk cId="2984014915" sldId="556"/>
+            <ac:cxnSpMk id="11" creationId="{3F8D02A8-381C-254F-9732-2F5C2716B0D3}"/>
+          </ac:cxnSpMkLst>
+        </pc:cxnChg>
+      </pc:sldChg>
+      <pc:sldChg chg="modSp new mod modAnim">
+        <pc:chgData name="Long B Nguyen" userId="f59fb8f3-a021-417a-8bc1-65c8d471c621" providerId="ADAL" clId="{920E45FF-707A-564B-83B3-9BA7BB1D0D1B}" dt="2021-03-25T12:58:07.801" v="5656"/>
+        <pc:sldMkLst>
+          <pc:docMk/>
+          <pc:sldMk cId="1336684213" sldId="557"/>
+        </pc:sldMkLst>
+        <pc:spChg chg="mod">
+          <ac:chgData name="Long B Nguyen" userId="f59fb8f3-a021-417a-8bc1-65c8d471c621" providerId="ADAL" clId="{920E45FF-707A-564B-83B3-9BA7BB1D0D1B}" dt="2021-03-25T12:51:47.923" v="4696" actId="14100"/>
+          <ac:spMkLst>
+            <pc:docMk/>
+            <pc:sldMk cId="1336684213" sldId="557"/>
+            <ac:spMk id="2" creationId="{556B981A-229A-B54C-ACC7-41D2A16654A0}"/>
+          </ac:spMkLst>
+        </pc:spChg>
+        <pc:spChg chg="mod">
+          <ac:chgData name="Long B Nguyen" userId="f59fb8f3-a021-417a-8bc1-65c8d471c621" providerId="ADAL" clId="{920E45FF-707A-564B-83B3-9BA7BB1D0D1B}" dt="2021-03-25T12:57:47.974" v="5650" actId="14100"/>
+          <ac:spMkLst>
+            <pc:docMk/>
+            <pc:sldMk cId="1336684213" sldId="557"/>
+            <ac:spMk id="3" creationId="{C84102BA-DE72-B749-AF52-12A584032098}"/>
+          </ac:spMkLst>
+        </pc:spChg>
+      </pc:sldChg>
+      <pc:sldChg chg="addSp modSp new mod">
+        <pc:chgData name="Long B Nguyen" userId="f59fb8f3-a021-417a-8bc1-65c8d471c621" providerId="ADAL" clId="{920E45FF-707A-564B-83B3-9BA7BB1D0D1B}" dt="2021-03-25T13:22:14.316" v="7563" actId="1076"/>
+        <pc:sldMkLst>
+          <pc:docMk/>
+          <pc:sldMk cId="3255312717" sldId="558"/>
+        </pc:sldMkLst>
+        <pc:spChg chg="mod">
+          <ac:chgData name="Long B Nguyen" userId="f59fb8f3-a021-417a-8bc1-65c8d471c621" providerId="ADAL" clId="{920E45FF-707A-564B-83B3-9BA7BB1D0D1B}" dt="2021-03-25T13:21:40.860" v="7553" actId="20577"/>
+          <ac:spMkLst>
+            <pc:docMk/>
+            <pc:sldMk cId="3255312717" sldId="558"/>
+            <ac:spMk id="2" creationId="{FA100432-FD08-B74C-B1ED-A29F2DDCCC2C}"/>
+          </ac:spMkLst>
+        </pc:spChg>
+        <pc:spChg chg="add mod">
+          <ac:chgData name="Long B Nguyen" userId="f59fb8f3-a021-417a-8bc1-65c8d471c621" providerId="ADAL" clId="{920E45FF-707A-564B-83B3-9BA7BB1D0D1B}" dt="2021-03-25T13:22:11.934" v="7562" actId="1076"/>
+          <ac:spMkLst>
+            <pc:docMk/>
+            <pc:sldMk cId="3255312717" sldId="558"/>
+            <ac:spMk id="5" creationId="{19A7A71F-DB30-9240-B08C-B4876A1563A9}"/>
+          </ac:spMkLst>
+        </pc:spChg>
+        <pc:picChg chg="add mod">
+          <ac:chgData name="Long B Nguyen" userId="f59fb8f3-a021-417a-8bc1-65c8d471c621" providerId="ADAL" clId="{920E45FF-707A-564B-83B3-9BA7BB1D0D1B}" dt="2021-03-25T13:22:14.316" v="7563" actId="1076"/>
+          <ac:picMkLst>
+            <pc:docMk/>
+            <pc:sldMk cId="3255312717" sldId="558"/>
+            <ac:picMk id="4" creationId="{BCA4671A-1610-7E4B-AF2F-6841E021CB67}"/>
+          </ac:picMkLst>
+        </pc:picChg>
+      </pc:sldChg>
+      <pc:sldChg chg="modSp add mod modAnim">
+        <pc:chgData name="Long B Nguyen" userId="f59fb8f3-a021-417a-8bc1-65c8d471c621" providerId="ADAL" clId="{920E45FF-707A-564B-83B3-9BA7BB1D0D1B}" dt="2021-03-25T13:18:19.820" v="7510"/>
+        <pc:sldMkLst>
+          <pc:docMk/>
+          <pc:sldMk cId="500399139" sldId="559"/>
+        </pc:sldMkLst>
+        <pc:spChg chg="mod">
+          <ac:chgData name="Long B Nguyen" userId="f59fb8f3-a021-417a-8bc1-65c8d471c621" providerId="ADAL" clId="{920E45FF-707A-564B-83B3-9BA7BB1D0D1B}" dt="2021-03-25T13:17:14.139" v="7479" actId="1076"/>
+          <ac:spMkLst>
+            <pc:docMk/>
+            <pc:sldMk cId="500399139" sldId="559"/>
+            <ac:spMk id="2" creationId="{556B981A-229A-B54C-ACC7-41D2A16654A0}"/>
+          </ac:spMkLst>
+        </pc:spChg>
+        <pc:spChg chg="mod">
+          <ac:chgData name="Long B Nguyen" userId="f59fb8f3-a021-417a-8bc1-65c8d471c621" providerId="ADAL" clId="{920E45FF-707A-564B-83B3-9BA7BB1D0D1B}" dt="2021-03-25T13:17:34.477" v="7509" actId="14100"/>
+          <ac:spMkLst>
+            <pc:docMk/>
+            <pc:sldMk cId="500399139" sldId="559"/>
+            <ac:spMk id="3" creationId="{C84102BA-DE72-B749-AF52-12A584032098}"/>
+          </ac:spMkLst>
+        </pc:spChg>
+      </pc:sldChg>
+      <pc:sldChg chg="modSp add mod modAnim">
+        <pc:chgData name="Long B Nguyen" userId="f59fb8f3-a021-417a-8bc1-65c8d471c621" providerId="ADAL" clId="{920E45FF-707A-564B-83B3-9BA7BB1D0D1B}" dt="2021-03-25T13:18:37.970" v="7515" actId="20577"/>
+        <pc:sldMkLst>
+          <pc:docMk/>
+          <pc:sldMk cId="781774871" sldId="560"/>
+        </pc:sldMkLst>
+        <pc:spChg chg="mod">
+          <ac:chgData name="Long B Nguyen" userId="f59fb8f3-a021-417a-8bc1-65c8d471c621" providerId="ADAL" clId="{920E45FF-707A-564B-83B3-9BA7BB1D0D1B}" dt="2021-03-25T13:01:44.720" v="5953" actId="20577"/>
+          <ac:spMkLst>
+            <pc:docMk/>
+            <pc:sldMk cId="781774871" sldId="560"/>
+            <ac:spMk id="2" creationId="{556B981A-229A-B54C-ACC7-41D2A16654A0}"/>
+          </ac:spMkLst>
+        </pc:spChg>
+        <pc:spChg chg="mod">
+          <ac:chgData name="Long B Nguyen" userId="f59fb8f3-a021-417a-8bc1-65c8d471c621" providerId="ADAL" clId="{920E45FF-707A-564B-83B3-9BA7BB1D0D1B}" dt="2021-03-25T13:18:37.970" v="7515" actId="20577"/>
+          <ac:spMkLst>
+            <pc:docMk/>
+            <pc:sldMk cId="781774871" sldId="560"/>
+            <ac:spMk id="3" creationId="{C84102BA-DE72-B749-AF52-12A584032098}"/>
+          </ac:spMkLst>
+        </pc:spChg>
+      </pc:sldChg>
+      <pc:sldChg chg="modSp add mod modAnim">
+        <pc:chgData name="Long B Nguyen" userId="f59fb8f3-a021-417a-8bc1-65c8d471c621" providerId="ADAL" clId="{920E45FF-707A-564B-83B3-9BA7BB1D0D1B}" dt="2021-03-25T13:18:49.464" v="7519"/>
+        <pc:sldMkLst>
+          <pc:docMk/>
+          <pc:sldMk cId="3916325109" sldId="561"/>
+        </pc:sldMkLst>
+        <pc:spChg chg="mod">
+          <ac:chgData name="Long B Nguyen" userId="f59fb8f3-a021-417a-8bc1-65c8d471c621" providerId="ADAL" clId="{920E45FF-707A-564B-83B3-9BA7BB1D0D1B}" dt="2021-03-25T13:15:44.155" v="7236" actId="20577"/>
+          <ac:spMkLst>
+            <pc:docMk/>
+            <pc:sldMk cId="3916325109" sldId="561"/>
+            <ac:spMk id="3" creationId="{C84102BA-DE72-B749-AF52-12A584032098}"/>
+          </ac:spMkLst>
+        </pc:spChg>
+      </pc:sldChg>
+      <pc:sldChg chg="addSp delSp modSp add mod">
+        <pc:chgData name="Long B Nguyen" userId="f59fb8f3-a021-417a-8bc1-65c8d471c621" providerId="ADAL" clId="{920E45FF-707A-564B-83B3-9BA7BB1D0D1B}" dt="2021-03-25T13:59:06.614" v="7705" actId="478"/>
+        <pc:sldMkLst>
+          <pc:docMk/>
+          <pc:sldMk cId="963005197" sldId="562"/>
+        </pc:sldMkLst>
+        <pc:spChg chg="mod">
+          <ac:chgData name="Long B Nguyen" userId="f59fb8f3-a021-417a-8bc1-65c8d471c621" providerId="ADAL" clId="{920E45FF-707A-564B-83B3-9BA7BB1D0D1B}" dt="2021-03-25T13:22:24.323" v="7575" actId="20577"/>
+          <ac:spMkLst>
+            <pc:docMk/>
+            <pc:sldMk cId="963005197" sldId="562"/>
+            <ac:spMk id="2" creationId="{FA100432-FD08-B74C-B1ED-A29F2DDCCC2C}"/>
+          </ac:spMkLst>
+        </pc:spChg>
+        <pc:spChg chg="mod">
+          <ac:chgData name="Long B Nguyen" userId="f59fb8f3-a021-417a-8bc1-65c8d471c621" providerId="ADAL" clId="{920E45FF-707A-564B-83B3-9BA7BB1D0D1B}" dt="2021-03-25T13:23:29.763" v="7636" actId="20577"/>
+          <ac:spMkLst>
+            <pc:docMk/>
+            <pc:sldMk cId="963005197" sldId="562"/>
+            <ac:spMk id="3" creationId="{095AEB11-C94C-8944-8BC0-B5111383C9C5}"/>
+          </ac:spMkLst>
+        </pc:spChg>
+        <pc:spChg chg="mod">
+          <ac:chgData name="Long B Nguyen" userId="f59fb8f3-a021-417a-8bc1-65c8d471c621" providerId="ADAL" clId="{920E45FF-707A-564B-83B3-9BA7BB1D0D1B}" dt="2021-03-25T13:22:53.628" v="7580" actId="255"/>
+          <ac:spMkLst>
+            <pc:docMk/>
+            <pc:sldMk cId="963005197" sldId="562"/>
+            <ac:spMk id="5" creationId="{19A7A71F-DB30-9240-B08C-B4876A1563A9}"/>
+          </ac:spMkLst>
+        </pc:spChg>
+        <pc:picChg chg="del">
+          <ac:chgData name="Long B Nguyen" userId="f59fb8f3-a021-417a-8bc1-65c8d471c621" providerId="ADAL" clId="{920E45FF-707A-564B-83B3-9BA7BB1D0D1B}" dt="2021-03-25T13:23:13.808" v="7581" actId="478"/>
+          <ac:picMkLst>
+            <pc:docMk/>
+            <pc:sldMk cId="963005197" sldId="562"/>
+            <ac:picMk id="4" creationId="{BCA4671A-1610-7E4B-AF2F-6841E021CB67}"/>
+          </ac:picMkLst>
+        </pc:picChg>
+        <pc:picChg chg="add mod">
+          <ac:chgData name="Long B Nguyen" userId="f59fb8f3-a021-417a-8bc1-65c8d471c621" providerId="ADAL" clId="{920E45FF-707A-564B-83B3-9BA7BB1D0D1B}" dt="2021-03-25T13:23:32.453" v="7638" actId="1076"/>
+          <ac:picMkLst>
+            <pc:docMk/>
+            <pc:sldMk cId="963005197" sldId="562"/>
+            <ac:picMk id="6" creationId="{B465E76B-E942-B343-82C8-889CC29E0D41}"/>
+          </ac:picMkLst>
+        </pc:picChg>
+        <pc:picChg chg="add del mod">
+          <ac:chgData name="Long B Nguyen" userId="f59fb8f3-a021-417a-8bc1-65c8d471c621" providerId="ADAL" clId="{920E45FF-707A-564B-83B3-9BA7BB1D0D1B}" dt="2021-03-25T13:59:06.614" v="7705" actId="478"/>
+          <ac:picMkLst>
+            <pc:docMk/>
+            <pc:sldMk cId="963005197" sldId="562"/>
+            <ac:picMk id="7" creationId="{157F941E-AE1C-2346-8DAE-A5B65AF26313}"/>
+          </ac:picMkLst>
+        </pc:picChg>
+      </pc:sldChg>
+      <pc:sldChg chg="delSp modSp add mod">
+        <pc:chgData name="Long B Nguyen" userId="f59fb8f3-a021-417a-8bc1-65c8d471c621" providerId="ADAL" clId="{920E45FF-707A-564B-83B3-9BA7BB1D0D1B}" dt="2021-03-25T13:24:38.150" v="7703" actId="20577"/>
+        <pc:sldMkLst>
+          <pc:docMk/>
+          <pc:sldMk cId="107728642" sldId="563"/>
+        </pc:sldMkLst>
+        <pc:spChg chg="mod">
+          <ac:chgData name="Long B Nguyen" userId="f59fb8f3-a021-417a-8bc1-65c8d471c621" providerId="ADAL" clId="{920E45FF-707A-564B-83B3-9BA7BB1D0D1B}" dt="2021-03-25T13:24:19.128" v="7651" actId="20577"/>
+          <ac:spMkLst>
+            <pc:docMk/>
+            <pc:sldMk cId="107728642" sldId="563"/>
+            <ac:spMk id="2" creationId="{FA100432-FD08-B74C-B1ED-A29F2DDCCC2C}"/>
+          </ac:spMkLst>
+        </pc:spChg>
+        <pc:spChg chg="mod">
+          <ac:chgData name="Long B Nguyen" userId="f59fb8f3-a021-417a-8bc1-65c8d471c621" providerId="ADAL" clId="{920E45FF-707A-564B-83B3-9BA7BB1D0D1B}" dt="2021-03-25T13:24:29.440" v="7658" actId="20577"/>
+          <ac:spMkLst>
+            <pc:docMk/>
+            <pc:sldMk cId="107728642" sldId="563"/>
+            <ac:spMk id="3" creationId="{095AEB11-C94C-8944-8BC0-B5111383C9C5}"/>
+          </ac:spMkLst>
+        </pc:spChg>
+        <pc:spChg chg="mod">
+          <ac:chgData name="Long B Nguyen" userId="f59fb8f3-a021-417a-8bc1-65c8d471c621" providerId="ADAL" clId="{920E45FF-707A-564B-83B3-9BA7BB1D0D1B}" dt="2021-03-25T13:24:38.150" v="7703" actId="20577"/>
+          <ac:spMkLst>
+            <pc:docMk/>
+            <pc:sldMk cId="107728642" sldId="563"/>
+            <ac:spMk id="5" creationId="{19A7A71F-DB30-9240-B08C-B4876A1563A9}"/>
+          </ac:spMkLst>
+        </pc:spChg>
+        <pc:picChg chg="del">
+          <ac:chgData name="Long B Nguyen" userId="f59fb8f3-a021-417a-8bc1-65c8d471c621" providerId="ADAL" clId="{920E45FF-707A-564B-83B3-9BA7BB1D0D1B}" dt="2021-03-25T13:24:23.397" v="7652" actId="478"/>
+          <ac:picMkLst>
+            <pc:docMk/>
+            <pc:sldMk cId="107728642" sldId="563"/>
+            <ac:picMk id="6" creationId="{B465E76B-E942-B343-82C8-889CC29E0D41}"/>
+          </ac:picMkLst>
+        </pc:picChg>
+        <pc:picChg chg="mod">
+          <ac:chgData name="Long B Nguyen" userId="f59fb8f3-a021-417a-8bc1-65c8d471c621" providerId="ADAL" clId="{920E45FF-707A-564B-83B3-9BA7BB1D0D1B}" dt="2021-03-25T13:24:25.692" v="7653" actId="1076"/>
+          <ac:picMkLst>
+            <pc:docMk/>
+            <pc:sldMk cId="107728642" sldId="563"/>
+            <ac:picMk id="7" creationId="{157F941E-AE1C-2346-8DAE-A5B65AF26313}"/>
+          </ac:picMkLst>
+        </pc:picChg>
+      </pc:sldChg>
+    </pc:docChg>
+  </pc:docChgLst>
+  <pc:docChgLst>
+    <pc:chgData name="Long Nguyen" userId="f59fb8f3-a021-417a-8bc1-65c8d471c621" providerId="ADAL" clId="{49B01C95-2323-A046-80CE-B9EF72291F76}"/>
+    <pc:docChg chg="custSel addSld delSld modSld">
+      <pc:chgData name="Long Nguyen" userId="f59fb8f3-a021-417a-8bc1-65c8d471c621" providerId="ADAL" clId="{49B01C95-2323-A046-80CE-B9EF72291F76}" dt="2022-01-20T15:17:15.929" v="1506" actId="2696"/>
+      <pc:docMkLst>
+        <pc:docMk/>
+      </pc:docMkLst>
+      <pc:sldChg chg="modSp mod">
+        <pc:chgData name="Long Nguyen" userId="f59fb8f3-a021-417a-8bc1-65c8d471c621" providerId="ADAL" clId="{49B01C95-2323-A046-80CE-B9EF72291F76}" dt="2022-01-20T14:30:30.637" v="6" actId="27636"/>
+        <pc:sldMkLst>
+          <pc:docMk/>
+          <pc:sldMk cId="3188689728" sldId="291"/>
+        </pc:sldMkLst>
+        <pc:spChg chg="mod">
+          <ac:chgData name="Long Nguyen" userId="f59fb8f3-a021-417a-8bc1-65c8d471c621" providerId="ADAL" clId="{49B01C95-2323-A046-80CE-B9EF72291F76}" dt="2022-01-20T14:30:30.637" v="6" actId="27636"/>
+          <ac:spMkLst>
+            <pc:docMk/>
+            <pc:sldMk cId="3188689728" sldId="291"/>
+            <ac:spMk id="3" creationId="{0CCEF01D-6BE2-8B40-B73C-E8115F523D49}"/>
+          </ac:spMkLst>
+        </pc:spChg>
+      </pc:sldChg>
+      <pc:sldChg chg="modSp mod modAnim">
+        <pc:chgData name="Long Nguyen" userId="f59fb8f3-a021-417a-8bc1-65c8d471c621" providerId="ADAL" clId="{49B01C95-2323-A046-80CE-B9EF72291F76}" dt="2022-01-20T14:30:39.441" v="61" actId="20577"/>
+        <pc:sldMkLst>
+          <pc:docMk/>
+          <pc:sldMk cId="35145435" sldId="309"/>
+        </pc:sldMkLst>
+        <pc:spChg chg="mod">
+          <ac:chgData name="Long Nguyen" userId="f59fb8f3-a021-417a-8bc1-65c8d471c621" providerId="ADAL" clId="{49B01C95-2323-A046-80CE-B9EF72291F76}" dt="2022-01-20T14:30:20.924" v="4" actId="20577"/>
+          <ac:spMkLst>
+            <pc:docMk/>
+            <pc:sldMk cId="35145435" sldId="309"/>
+            <ac:spMk id="2" creationId="{2CAD482E-9621-034B-B5B9-A2A3E3815EBF}"/>
+          </ac:spMkLst>
+        </pc:spChg>
+        <pc:spChg chg="mod">
+          <ac:chgData name="Long Nguyen" userId="f59fb8f3-a021-417a-8bc1-65c8d471c621" providerId="ADAL" clId="{49B01C95-2323-A046-80CE-B9EF72291F76}" dt="2022-01-20T14:30:39.441" v="61" actId="20577"/>
+          <ac:spMkLst>
+            <pc:docMk/>
+            <pc:sldMk cId="35145435" sldId="309"/>
+            <ac:spMk id="3" creationId="{BE9CE75A-CAA3-5646-AB61-E94C601FF013}"/>
+          </ac:spMkLst>
+        </pc:spChg>
+      </pc:sldChg>
+      <pc:sldChg chg="modSp mod">
+        <pc:chgData name="Long Nguyen" userId="f59fb8f3-a021-417a-8bc1-65c8d471c621" providerId="ADAL" clId="{49B01C95-2323-A046-80CE-B9EF72291F76}" dt="2022-01-20T14:30:30.667" v="7" actId="27636"/>
+        <pc:sldMkLst>
+          <pc:docMk/>
+          <pc:sldMk cId="500399139" sldId="559"/>
+        </pc:sldMkLst>
+        <pc:spChg chg="mod">
+          <ac:chgData name="Long Nguyen" userId="f59fb8f3-a021-417a-8bc1-65c8d471c621" providerId="ADAL" clId="{49B01C95-2323-A046-80CE-B9EF72291F76}" dt="2022-01-20T14:30:30.667" v="7" actId="27636"/>
+          <ac:spMkLst>
+            <pc:docMk/>
+            <pc:sldMk cId="500399139" sldId="559"/>
+            <ac:spMk id="3" creationId="{C84102BA-DE72-B749-AF52-12A584032098}"/>
+          </ac:spMkLst>
+        </pc:spChg>
+      </pc:sldChg>
+      <pc:sldChg chg="modSp add mod modAnim">
+        <pc:chgData name="Long Nguyen" userId="f59fb8f3-a021-417a-8bc1-65c8d471c621" providerId="ADAL" clId="{49B01C95-2323-A046-80CE-B9EF72291F76}" dt="2022-01-20T14:39:49.491" v="1469" actId="20577"/>
+        <pc:sldMkLst>
+          <pc:docMk/>
+          <pc:sldMk cId="3470864202" sldId="562"/>
+        </pc:sldMkLst>
+        <pc:spChg chg="mod">
+          <ac:chgData name="Long Nguyen" userId="f59fb8f3-a021-417a-8bc1-65c8d471c621" providerId="ADAL" clId="{49B01C95-2323-A046-80CE-B9EF72291F76}" dt="2022-01-20T14:30:48.560" v="83" actId="20577"/>
+          <ac:spMkLst>
+            <pc:docMk/>
+            <pc:sldMk cId="3470864202" sldId="562"/>
+            <ac:spMk id="2" creationId="{2CAD482E-9621-034B-B5B9-A2A3E3815EBF}"/>
+          </ac:spMkLst>
+        </pc:spChg>
+        <pc:spChg chg="mod">
+          <ac:chgData name="Long Nguyen" userId="f59fb8f3-a021-417a-8bc1-65c8d471c621" providerId="ADAL" clId="{49B01C95-2323-A046-80CE-B9EF72291F76}" dt="2022-01-20T14:39:49.491" v="1469" actId="20577"/>
+          <ac:spMkLst>
+            <pc:docMk/>
+            <pc:sldMk cId="3470864202" sldId="562"/>
+            <ac:spMk id="3" creationId="{BE9CE75A-CAA3-5646-AB61-E94C601FF013}"/>
+          </ac:spMkLst>
+        </pc:spChg>
+      </pc:sldChg>
+      <pc:sldChg chg="modSp add mod modAnim">
+        <pc:chgData name="Long Nguyen" userId="f59fb8f3-a021-417a-8bc1-65c8d471c621" providerId="ADAL" clId="{49B01C95-2323-A046-80CE-B9EF72291F76}" dt="2022-01-20T14:38:38.670" v="1299" actId="207"/>
+        <pc:sldMkLst>
+          <pc:docMk/>
+          <pc:sldMk cId="3639780490" sldId="563"/>
+        </pc:sldMkLst>
+        <pc:spChg chg="mod">
+          <ac:chgData name="Long Nguyen" userId="f59fb8f3-a021-417a-8bc1-65c8d471c621" providerId="ADAL" clId="{49B01C95-2323-A046-80CE-B9EF72291F76}" dt="2022-01-20T14:38:38.670" v="1299" actId="207"/>
+          <ac:spMkLst>
+            <pc:docMk/>
+            <pc:sldMk cId="3639780490" sldId="563"/>
+            <ac:spMk id="2" creationId="{2CAD482E-9621-034B-B5B9-A2A3E3815EBF}"/>
+          </ac:spMkLst>
+        </pc:spChg>
+        <pc:spChg chg="mod">
+          <ac:chgData name="Long Nguyen" userId="f59fb8f3-a021-417a-8bc1-65c8d471c621" providerId="ADAL" clId="{49B01C95-2323-A046-80CE-B9EF72291F76}" dt="2022-01-20T14:38:24.918" v="1298" actId="20577"/>
+          <ac:spMkLst>
+            <pc:docMk/>
+            <pc:sldMk cId="3639780490" sldId="563"/>
+            <ac:spMk id="3" creationId="{BE9CE75A-CAA3-5646-AB61-E94C601FF013}"/>
+          </ac:spMkLst>
+        </pc:spChg>
+      </pc:sldChg>
+      <pc:sldChg chg="add del">
+        <pc:chgData name="Long Nguyen" userId="f59fb8f3-a021-417a-8bc1-65c8d471c621" providerId="ADAL" clId="{49B01C95-2323-A046-80CE-B9EF72291F76}" dt="2022-01-20T15:17:15.929" v="1506" actId="2696"/>
+        <pc:sldMkLst>
+          <pc:docMk/>
+          <pc:sldMk cId="2239163408" sldId="564"/>
+        </pc:sldMkLst>
+      </pc:sldChg>
+      <pc:sldChg chg="addSp delSp modSp new mod">
+        <pc:chgData name="Long Nguyen" userId="f59fb8f3-a021-417a-8bc1-65c8d471c621" providerId="ADAL" clId="{49B01C95-2323-A046-80CE-B9EF72291F76}" dt="2022-01-20T15:15:37.144" v="1500" actId="14100"/>
+        <pc:sldMkLst>
+          <pc:docMk/>
+          <pc:sldMk cId="3528122445" sldId="565"/>
+        </pc:sldMkLst>
+        <pc:spChg chg="mod">
+          <ac:chgData name="Long Nguyen" userId="f59fb8f3-a021-417a-8bc1-65c8d471c621" providerId="ADAL" clId="{49B01C95-2323-A046-80CE-B9EF72291F76}" dt="2022-01-20T15:08:48.356" v="1485" actId="20577"/>
+          <ac:spMkLst>
+            <pc:docMk/>
+            <pc:sldMk cId="3528122445" sldId="565"/>
+            <ac:spMk id="2" creationId="{1DCCEC1E-7357-1149-8F7C-2CEA4151DAE9}"/>
+          </ac:spMkLst>
+        </pc:spChg>
+        <pc:picChg chg="add del mod">
+          <ac:chgData name="Long Nguyen" userId="f59fb8f3-a021-417a-8bc1-65c8d471c621" providerId="ADAL" clId="{49B01C95-2323-A046-80CE-B9EF72291F76}" dt="2022-01-20T15:13:23.612" v="1486" actId="478"/>
+          <ac:picMkLst>
+            <pc:docMk/>
+            <pc:sldMk cId="3528122445" sldId="565"/>
+            <ac:picMk id="4" creationId="{7ADA3984-6218-F445-BB71-0401EC3BB8A2}"/>
+          </ac:picMkLst>
+        </pc:picChg>
+        <pc:picChg chg="add mod">
+          <ac:chgData name="Long Nguyen" userId="f59fb8f3-a021-417a-8bc1-65c8d471c621" providerId="ADAL" clId="{49B01C95-2323-A046-80CE-B9EF72291F76}" dt="2022-01-20T15:15:37.144" v="1500" actId="14100"/>
+          <ac:picMkLst>
+            <pc:docMk/>
+            <pc:sldMk cId="3528122445" sldId="565"/>
+            <ac:picMk id="5" creationId="{6D48BE0D-404D-F546-B9A1-4F10BF79DD8F}"/>
+          </ac:picMkLst>
+        </pc:picChg>
+      </pc:sldChg>
+      <pc:sldChg chg="addSp delSp modSp add mod">
+        <pc:chgData name="Long Nguyen" userId="f59fb8f3-a021-417a-8bc1-65c8d471c621" providerId="ADAL" clId="{49B01C95-2323-A046-80CE-B9EF72291F76}" dt="2022-01-20T15:16:47.718" v="1505" actId="1076"/>
+        <pc:sldMkLst>
+          <pc:docMk/>
+          <pc:sldMk cId="648657578" sldId="566"/>
+        </pc:sldMkLst>
+        <pc:spChg chg="mod">
+          <ac:chgData name="Long Nguyen" userId="f59fb8f3-a021-417a-8bc1-65c8d471c621" providerId="ADAL" clId="{49B01C95-2323-A046-80CE-B9EF72291F76}" dt="2022-01-20T15:13:37.265" v="1494" actId="20577"/>
+          <ac:spMkLst>
+            <pc:docMk/>
+            <pc:sldMk cId="648657578" sldId="566"/>
+            <ac:spMk id="2" creationId="{1DCCEC1E-7357-1149-8F7C-2CEA4151DAE9}"/>
+          </ac:spMkLst>
+        </pc:spChg>
+        <pc:picChg chg="add del mod">
+          <ac:chgData name="Long Nguyen" userId="f59fb8f3-a021-417a-8bc1-65c8d471c621" providerId="ADAL" clId="{49B01C95-2323-A046-80CE-B9EF72291F76}" dt="2022-01-20T15:16:42.477" v="1502" actId="478"/>
+          <ac:picMkLst>
+            <pc:docMk/>
+            <pc:sldMk cId="648657578" sldId="566"/>
+            <ac:picMk id="4" creationId="{B3240232-58AD-F649-B63E-5EF7BA068F60}"/>
+          </ac:picMkLst>
+        </pc:picChg>
+        <pc:picChg chg="del">
+          <ac:chgData name="Long Nguyen" userId="f59fb8f3-a021-417a-8bc1-65c8d471c621" providerId="ADAL" clId="{49B01C95-2323-A046-80CE-B9EF72291F76}" dt="2022-01-20T15:13:35.597" v="1492" actId="478"/>
+          <ac:picMkLst>
+            <pc:docMk/>
+            <pc:sldMk cId="648657578" sldId="566"/>
+            <ac:picMk id="5" creationId="{6D48BE0D-404D-F546-B9A1-4F10BF79DD8F}"/>
+          </ac:picMkLst>
+        </pc:picChg>
+        <pc:picChg chg="add mod">
+          <ac:chgData name="Long Nguyen" userId="f59fb8f3-a021-417a-8bc1-65c8d471c621" providerId="ADAL" clId="{49B01C95-2323-A046-80CE-B9EF72291F76}" dt="2022-01-20T15:16:47.718" v="1505" actId="1076"/>
+          <ac:picMkLst>
+            <pc:docMk/>
+            <pc:sldMk cId="648657578" sldId="566"/>
+            <ac:picMk id="6" creationId="{2CE95DB0-E9EF-6D4B-92A5-504B12170E9F}"/>
+          </ac:picMkLst>
+        </pc:picChg>
+      </pc:sldChg>
+    </pc:docChg>
+  </pc:docChgLst>
+  <pc:docChgLst>
+    <pc:chgData name="Long B Nguyen" userId="f59fb8f3-a021-417a-8bc1-65c8d471c621" providerId="ADAL" clId="{1AE11430-C232-BB4B-AD26-649DB56977B5}"/>
+    <pc:docChg chg="undo redo custSel addSld delSld modSld">
+      <pc:chgData name="Long B Nguyen" userId="f59fb8f3-a021-417a-8bc1-65c8d471c621" providerId="ADAL" clId="{1AE11430-C232-BB4B-AD26-649DB56977B5}" dt="2019-09-09T17:47:35.004" v="3847" actId="20577"/>
+      <pc:docMkLst>
+        <pc:docMk/>
+      </pc:docMkLst>
+      <pc:sldChg chg="modSp modAnim">
+        <pc:chgData name="Long B Nguyen" userId="f59fb8f3-a021-417a-8bc1-65c8d471c621" providerId="ADAL" clId="{1AE11430-C232-BB4B-AD26-649DB56977B5}" dt="2019-09-08T13:43:19.919" v="3758" actId="20577"/>
+        <pc:sldMkLst>
+          <pc:docMk/>
+          <pc:sldMk cId="2207246265" sldId="257"/>
+        </pc:sldMkLst>
+        <pc:spChg chg="mod">
+          <ac:chgData name="Long B Nguyen" userId="f59fb8f3-a021-417a-8bc1-65c8d471c621" providerId="ADAL" clId="{1AE11430-C232-BB4B-AD26-649DB56977B5}" dt="2019-09-08T13:43:19.919" v="3758" actId="20577"/>
+          <ac:spMkLst>
+            <pc:docMk/>
+            <pc:sldMk cId="2207246265" sldId="257"/>
+            <ac:spMk id="9" creationId="{E3B2E017-30B2-884B-A113-B419A2ED51AD}"/>
+          </ac:spMkLst>
+        </pc:spChg>
+      </pc:sldChg>
+      <pc:sldChg chg="modAnim">
+        <pc:chgData name="Long B Nguyen" userId="f59fb8f3-a021-417a-8bc1-65c8d471c621" providerId="ADAL" clId="{1AE11430-C232-BB4B-AD26-649DB56977B5}" dt="2019-09-06T12:00:47.170" v="1759"/>
+        <pc:sldMkLst>
+          <pc:docMk/>
+          <pc:sldMk cId="216453293" sldId="258"/>
+        </pc:sldMkLst>
+      </pc:sldChg>
+      <pc:sldChg chg="modSp modAnim">
+        <pc:chgData name="Long B Nguyen" userId="f59fb8f3-a021-417a-8bc1-65c8d471c621" providerId="ADAL" clId="{1AE11430-C232-BB4B-AD26-649DB56977B5}" dt="2019-09-06T12:47:10.593" v="2626" actId="20577"/>
+        <pc:sldMkLst>
+          <pc:docMk/>
+          <pc:sldMk cId="1889908786" sldId="259"/>
+        </pc:sldMkLst>
+        <pc:spChg chg="mod">
+          <ac:chgData name="Long B Nguyen" userId="f59fb8f3-a021-417a-8bc1-65c8d471c621" providerId="ADAL" clId="{1AE11430-C232-BB4B-AD26-649DB56977B5}" dt="2019-09-06T12:47:10.593" v="2626" actId="20577"/>
+          <ac:spMkLst>
+            <pc:docMk/>
+            <pc:sldMk cId="1889908786" sldId="259"/>
+            <ac:spMk id="9" creationId="{E3B2E017-30B2-884B-A113-B419A2ED51AD}"/>
+          </ac:spMkLst>
+        </pc:spChg>
+      </pc:sldChg>
+      <pc:sldChg chg="modAnim">
+        <pc:chgData name="Long B Nguyen" userId="f59fb8f3-a021-417a-8bc1-65c8d471c621" providerId="ADAL" clId="{1AE11430-C232-BB4B-AD26-649DB56977B5}" dt="2019-09-06T12:01:13.835" v="1764"/>
+        <pc:sldMkLst>
+          <pc:docMk/>
+          <pc:sldMk cId="3958537657" sldId="260"/>
+        </pc:sldMkLst>
+      </pc:sldChg>
+      <pc:sldChg chg="modSp modAnim">
+        <pc:chgData name="Long B Nguyen" userId="f59fb8f3-a021-417a-8bc1-65c8d471c621" providerId="ADAL" clId="{1AE11430-C232-BB4B-AD26-649DB56977B5}" dt="2019-09-06T12:11:54.554" v="2202"/>
+        <pc:sldMkLst>
+          <pc:docMk/>
+          <pc:sldMk cId="4103067120" sldId="261"/>
+        </pc:sldMkLst>
+        <pc:spChg chg="mod">
+          <ac:chgData name="Long B Nguyen" userId="f59fb8f3-a021-417a-8bc1-65c8d471c621" providerId="ADAL" clId="{1AE11430-C232-BB4B-AD26-649DB56977B5}" dt="2019-09-06T12:11:41.807" v="2200"/>
+          <ac:spMkLst>
+            <pc:docMk/>
+            <pc:sldMk cId="4103067120" sldId="261"/>
+            <ac:spMk id="2" creationId="{AA3A228F-61D0-D949-A5E7-F83756230BF8}"/>
+          </ac:spMkLst>
+        </pc:spChg>
+        <pc:spChg chg="mod">
+          <ac:chgData name="Long B Nguyen" userId="f59fb8f3-a021-417a-8bc1-65c8d471c621" providerId="ADAL" clId="{1AE11430-C232-BB4B-AD26-649DB56977B5}" dt="2019-09-06T12:11:20.438" v="2197"/>
+          <ac:spMkLst>
+            <pc:docMk/>
+            <pc:sldMk cId="4103067120" sldId="261"/>
+            <ac:spMk id="9" creationId="{E3B2E017-30B2-884B-A113-B419A2ED51AD}"/>
+          </ac:spMkLst>
+        </pc:spChg>
+      </pc:sldChg>
+      <pc:sldChg chg="modSp modAnim">
+        <pc:chgData name="Long B Nguyen" userId="f59fb8f3-a021-417a-8bc1-65c8d471c621" providerId="ADAL" clId="{1AE11430-C232-BB4B-AD26-649DB56977B5}" dt="2019-09-06T12:01:55.113" v="1772"/>
+        <pc:sldMkLst>
+          <pc:docMk/>
+          <pc:sldMk cId="905114398" sldId="264"/>
+        </pc:sldMkLst>
+        <pc:spChg chg="mod">
+          <ac:chgData name="Long B Nguyen" userId="f59fb8f3-a021-417a-8bc1-65c8d471c621" providerId="ADAL" clId="{1AE11430-C232-BB4B-AD26-649DB56977B5}" dt="2019-08-18T17:31:33.798" v="932" actId="1035"/>
+          <ac:spMkLst>
+            <pc:docMk/>
+            <pc:sldMk cId="905114398" sldId="264"/>
+            <ac:spMk id="5" creationId="{3E8F7CED-693F-5A43-87EB-5E21C02FDA13}"/>
+          </ac:spMkLst>
+        </pc:spChg>
+        <pc:spChg chg="mod">
+          <ac:chgData name="Long B Nguyen" userId="f59fb8f3-a021-417a-8bc1-65c8d471c621" providerId="ADAL" clId="{1AE11430-C232-BB4B-AD26-649DB56977B5}" dt="2019-08-18T17:31:30.381" v="927" actId="1036"/>
+          <ac:spMkLst>
+            <pc:docMk/>
+            <pc:sldMk cId="905114398" sldId="264"/>
+            <ac:spMk id="7" creationId="{C56845F4-C671-F849-8613-50BD132A5D50}"/>
+          </ac:spMkLst>
+        </pc:spChg>
+      </pc:sldChg>
+      <pc:sldChg chg="add modAnim">
+        <pc:chgData name="Long B Nguyen" userId="f59fb8f3-a021-417a-8bc1-65c8d471c621" providerId="ADAL" clId="{1AE11430-C232-BB4B-AD26-649DB56977B5}" dt="2019-09-06T12:12:32.620" v="2209"/>
+        <pc:sldMkLst>
+          <pc:docMk/>
+          <pc:sldMk cId="3625497833" sldId="265"/>
+        </pc:sldMkLst>
+      </pc:sldChg>
+      <pc:sldChg chg="modSp modAnim">
+        <pc:chgData name="Long B Nguyen" userId="f59fb8f3-a021-417a-8bc1-65c8d471c621" providerId="ADAL" clId="{1AE11430-C232-BB4B-AD26-649DB56977B5}" dt="2019-09-06T12:12:47.303" v="2211"/>
+        <pc:sldMkLst>
+          <pc:docMk/>
+          <pc:sldMk cId="3290810672" sldId="269"/>
+        </pc:sldMkLst>
+        <pc:spChg chg="mod">
+          <ac:chgData name="Long B Nguyen" userId="f59fb8f3-a021-417a-8bc1-65c8d471c621" providerId="ADAL" clId="{1AE11430-C232-BB4B-AD26-649DB56977B5}" dt="2019-08-18T12:12:17.916" v="143" actId="20577"/>
+          <ac:spMkLst>
+            <pc:docMk/>
+            <pc:sldMk cId="3290810672" sldId="269"/>
+            <ac:spMk id="2" creationId="{AA3A228F-61D0-D949-A5E7-F83756230BF8}"/>
+          </ac:spMkLst>
+        </pc:spChg>
+        <pc:spChg chg="mod">
+          <ac:chgData name="Long B Nguyen" userId="f59fb8f3-a021-417a-8bc1-65c8d471c621" providerId="ADAL" clId="{1AE11430-C232-BB4B-AD26-649DB56977B5}" dt="2019-08-18T12:12:25.863" v="146" actId="313"/>
+          <ac:spMkLst>
+            <pc:docMk/>
+            <pc:sldMk cId="3290810672" sldId="269"/>
+            <ac:spMk id="9" creationId="{E3B2E017-30B2-884B-A113-B419A2ED51AD}"/>
+          </ac:spMkLst>
+        </pc:spChg>
+      </pc:sldChg>
+      <pc:sldChg chg="modAnim">
+        <pc:chgData name="Long B Nguyen" userId="f59fb8f3-a021-417a-8bc1-65c8d471c621" providerId="ADAL" clId="{1AE11430-C232-BB4B-AD26-649DB56977B5}" dt="2019-09-06T12:13:15.473" v="2214"/>
+        <pc:sldMkLst>
+          <pc:docMk/>
+          <pc:sldMk cId="4224307978" sldId="270"/>
+        </pc:sldMkLst>
+      </pc:sldChg>
+      <pc:sldChg chg="modAnim">
+        <pc:chgData name="Long B Nguyen" userId="f59fb8f3-a021-417a-8bc1-65c8d471c621" providerId="ADAL" clId="{1AE11430-C232-BB4B-AD26-649DB56977B5}" dt="2019-09-06T12:13:26.729" v="2217"/>
+        <pc:sldMkLst>
+          <pc:docMk/>
+          <pc:sldMk cId="2130507588" sldId="271"/>
+        </pc:sldMkLst>
+      </pc:sldChg>
+      <pc:sldChg chg="modAnim">
+        <pc:chgData name="Long B Nguyen" userId="f59fb8f3-a021-417a-8bc1-65c8d471c621" providerId="ADAL" clId="{1AE11430-C232-BB4B-AD26-649DB56977B5}" dt="2019-09-06T12:13:47.554" v="2220"/>
+        <pc:sldMkLst>
+          <pc:docMk/>
+          <pc:sldMk cId="587435069" sldId="272"/>
+        </pc:sldMkLst>
+      </pc:sldChg>
+      <pc:sldChg chg="add modAnim">
+        <pc:chgData name="Long B Nguyen" userId="f59fb8f3-a021-417a-8bc1-65c8d471c621" providerId="ADAL" clId="{1AE11430-C232-BB4B-AD26-649DB56977B5}" dt="2019-09-09T14:37:29.949" v="3770"/>
+        <pc:sldMkLst>
+          <pc:docMk/>
+          <pc:sldMk cId="2925367410" sldId="280"/>
+        </pc:sldMkLst>
+      </pc:sldChg>
+      <pc:sldChg chg="addSp modSp add modAnim">
+        <pc:chgData name="Long B Nguyen" userId="f59fb8f3-a021-417a-8bc1-65c8d471c621" providerId="ADAL" clId="{1AE11430-C232-BB4B-AD26-649DB56977B5}" dt="2019-09-09T14:37:22.532" v="3768"/>
+        <pc:sldMkLst>
+          <pc:docMk/>
+          <pc:sldMk cId="2119170476" sldId="281"/>
+        </pc:sldMkLst>
+        <pc:spChg chg="mod">
+          <ac:chgData name="Long B Nguyen" userId="f59fb8f3-a021-417a-8bc1-65c8d471c621" providerId="ADAL" clId="{1AE11430-C232-BB4B-AD26-649DB56977B5}" dt="2019-09-07T18:06:17.812" v="3666" actId="20577"/>
+          <ac:spMkLst>
+            <pc:docMk/>
+            <pc:sldMk cId="2119170476" sldId="281"/>
+            <ac:spMk id="3" creationId="{899F54E7-5FE4-EF45-9CE3-B2C76F14DE7B}"/>
+          </ac:spMkLst>
+        </pc:spChg>
+        <pc:spChg chg="add mod">
+          <ac:chgData name="Long B Nguyen" userId="f59fb8f3-a021-417a-8bc1-65c8d471c621" providerId="ADAL" clId="{1AE11430-C232-BB4B-AD26-649DB56977B5}" dt="2019-09-08T00:53:48.725" v="3683" actId="20577"/>
+          <ac:spMkLst>
+            <pc:docMk/>
+            <pc:sldMk cId="2119170476" sldId="281"/>
+            <ac:spMk id="5" creationId="{A837F494-BE4D-5645-A5EE-61E70636208A}"/>
+          </ac:spMkLst>
+        </pc:spChg>
+      </pc:sldChg>
+      <pc:sldChg chg="modSp">
+        <pc:chgData name="Long B Nguyen" userId="f59fb8f3-a021-417a-8bc1-65c8d471c621" providerId="ADAL" clId="{1AE11430-C232-BB4B-AD26-649DB56977B5}" dt="2019-08-17T12:29:37.843" v="139" actId="20577"/>
+        <pc:sldMkLst>
+          <pc:docMk/>
+          <pc:sldMk cId="1438711869" sldId="284"/>
+        </pc:sldMkLst>
+        <pc:spChg chg="mod">
+          <ac:chgData name="Long B Nguyen" userId="f59fb8f3-a021-417a-8bc1-65c8d471c621" providerId="ADAL" clId="{1AE11430-C232-BB4B-AD26-649DB56977B5}" dt="2019-08-17T12:29:37.843" v="139" actId="20577"/>
+          <ac:spMkLst>
+            <pc:docMk/>
+            <pc:sldMk cId="1438711869" sldId="284"/>
+            <ac:spMk id="9" creationId="{E3B2E017-30B2-884B-A113-B419A2ED51AD}"/>
+          </ac:spMkLst>
+        </pc:spChg>
+      </pc:sldChg>
+      <pc:sldChg chg="modAnim">
+        <pc:chgData name="Long B Nguyen" userId="f59fb8f3-a021-417a-8bc1-65c8d471c621" providerId="ADAL" clId="{1AE11430-C232-BB4B-AD26-649DB56977B5}" dt="2019-09-06T12:00:34.398" v="1756"/>
+        <pc:sldMkLst>
+          <pc:docMk/>
+          <pc:sldMk cId="558223950" sldId="285"/>
+        </pc:sldMkLst>
+      </pc:sldChg>
+      <pc:sldChg chg="modSp">
+        <pc:chgData name="Long B Nguyen" userId="f59fb8f3-a021-417a-8bc1-65c8d471c621" providerId="ADAL" clId="{1AE11430-C232-BB4B-AD26-649DB56977B5}" dt="2019-09-08T13:30:11.346" v="3742" actId="20577"/>
+        <pc:sldMkLst>
+          <pc:docMk/>
+          <pc:sldMk cId="3974060782" sldId="289"/>
+        </pc:sldMkLst>
+        <pc:spChg chg="mod">
+          <ac:chgData name="Long B Nguyen" userId="f59fb8f3-a021-417a-8bc1-65c8d471c621" providerId="ADAL" clId="{1AE11430-C232-BB4B-AD26-649DB56977B5}" dt="2019-09-08T13:30:11.346" v="3742" actId="20577"/>
+          <ac:spMkLst>
+            <pc:docMk/>
+            <pc:sldMk cId="3974060782" sldId="289"/>
+            <ac:spMk id="3" creationId="{1BDC47C8-6776-7B44-9CD4-95FC91452D62}"/>
+          </ac:spMkLst>
+        </pc:spChg>
+      </pc:sldChg>
+      <pc:sldChg chg="modSp modAnim">
+        <pc:chgData name="Long B Nguyen" userId="f59fb8f3-a021-417a-8bc1-65c8d471c621" providerId="ADAL" clId="{1AE11430-C232-BB4B-AD26-649DB56977B5}" dt="2019-09-06T12:14:43.144" v="2225"/>
+        <pc:sldMkLst>
+          <pc:docMk/>
+          <pc:sldMk cId="1581961275" sldId="293"/>
+        </pc:sldMkLst>
+        <pc:spChg chg="mod">
+          <ac:chgData name="Long B Nguyen" userId="f59fb8f3-a021-417a-8bc1-65c8d471c621" providerId="ADAL" clId="{1AE11430-C232-BB4B-AD26-649DB56977B5}" dt="2019-08-18T12:13:18.755" v="157" actId="20577"/>
+          <ac:spMkLst>
+            <pc:docMk/>
+            <pc:sldMk cId="1581961275" sldId="293"/>
+            <ac:spMk id="3" creationId="{4D0CDBB4-7D15-3740-9E57-F40B8D812406}"/>
+          </ac:spMkLst>
+        </pc:spChg>
+      </pc:sldChg>
+      <pc:sldChg chg="add del">
+        <pc:chgData name="Long B Nguyen" userId="f59fb8f3-a021-417a-8bc1-65c8d471c621" providerId="ADAL" clId="{1AE11430-C232-BB4B-AD26-649DB56977B5}" dt="2019-09-08T13:30:25.596" v="3744" actId="2696"/>
+        <pc:sldMkLst>
+          <pc:docMk/>
+          <pc:sldMk cId="1406993528" sldId="295"/>
+        </pc:sldMkLst>
+      </pc:sldChg>
+      <pc:sldChg chg="modSp add del">
+        <pc:chgData name="Long B Nguyen" userId="f59fb8f3-a021-417a-8bc1-65c8d471c621" providerId="ADAL" clId="{1AE11430-C232-BB4B-AD26-649DB56977B5}" dt="2019-09-08T03:40:41.216" v="3694"/>
+        <pc:sldMkLst>
+          <pc:docMk/>
+          <pc:sldMk cId="3617353163" sldId="295"/>
+        </pc:sldMkLst>
+        <pc:spChg chg="mod">
+          <ac:chgData name="Long B Nguyen" userId="f59fb8f3-a021-417a-8bc1-65c8d471c621" providerId="ADAL" clId="{1AE11430-C232-BB4B-AD26-649DB56977B5}" dt="2019-09-08T03:40:41.011" v="3693" actId="20577"/>
+          <ac:spMkLst>
+            <pc:docMk/>
+            <pc:sldMk cId="3617353163" sldId="295"/>
+            <ac:spMk id="9" creationId="{E3B2E017-30B2-884B-A113-B419A2ED51AD}"/>
+          </ac:spMkLst>
+        </pc:spChg>
+      </pc:sldChg>
+      <pc:sldChg chg="add modAnim">
+        <pc:chgData name="Long B Nguyen" userId="f59fb8f3-a021-417a-8bc1-65c8d471c621" providerId="ADAL" clId="{1AE11430-C232-BB4B-AD26-649DB56977B5}" dt="2019-09-09T14:36:59.230" v="3764"/>
+        <pc:sldMkLst>
+          <pc:docMk/>
+          <pc:sldMk cId="3711861066" sldId="295"/>
+        </pc:sldMkLst>
+      </pc:sldChg>
+      <pc:sldChg chg="addSp modSp">
+        <pc:chgData name="Long B Nguyen" userId="f59fb8f3-a021-417a-8bc1-65c8d471c621" providerId="ADAL" clId="{1AE11430-C232-BB4B-AD26-649DB56977B5}" dt="2019-09-06T12:07:28.617" v="1782" actId="1036"/>
+        <pc:sldMkLst>
+          <pc:docMk/>
+          <pc:sldMk cId="2081483973" sldId="296"/>
+        </pc:sldMkLst>
+        <pc:spChg chg="mod">
+          <ac:chgData name="Long B Nguyen" userId="f59fb8f3-a021-417a-8bc1-65c8d471c621" providerId="ADAL" clId="{1AE11430-C232-BB4B-AD26-649DB56977B5}" dt="2019-08-18T20:06:16.104" v="1479" actId="20577"/>
+          <ac:spMkLst>
+            <pc:docMk/>
+            <pc:sldMk cId="2081483973" sldId="296"/>
+            <ac:spMk id="6" creationId="{76E456FD-D331-974E-9966-139D852DE6B8}"/>
+          </ac:spMkLst>
+        </pc:spChg>
+        <pc:cxnChg chg="add mod">
+          <ac:chgData name="Long B Nguyen" userId="f59fb8f3-a021-417a-8bc1-65c8d471c621" providerId="ADAL" clId="{1AE11430-C232-BB4B-AD26-649DB56977B5}" dt="2019-09-06T12:07:28.617" v="1782" actId="1036"/>
+          <ac:cxnSpMkLst>
+            <pc:docMk/>
+            <pc:sldMk cId="2081483973" sldId="296"/>
+            <ac:cxnSpMk id="10" creationId="{79C2D392-8520-8A48-983C-712692DD187A}"/>
+          </ac:cxnSpMkLst>
+        </pc:cxnChg>
+      </pc:sldChg>
+      <pc:sldChg chg="addSp delSp modSp add modAnim">
+        <pc:chgData name="Long B Nguyen" userId="f59fb8f3-a021-417a-8bc1-65c8d471c621" providerId="ADAL" clId="{1AE11430-C232-BB4B-AD26-649DB56977B5}" dt="2019-09-06T12:02:22.263" v="1776"/>
+        <pc:sldMkLst>
+          <pc:docMk/>
+          <pc:sldMk cId="2878025650" sldId="298"/>
+        </pc:sldMkLst>
+        <pc:spChg chg="mod">
+          <ac:chgData name="Long B Nguyen" userId="f59fb8f3-a021-417a-8bc1-65c8d471c621" providerId="ADAL" clId="{1AE11430-C232-BB4B-AD26-649DB56977B5}" dt="2019-08-18T17:26:04.938" v="856" actId="255"/>
+          <ac:spMkLst>
+            <pc:docMk/>
+            <pc:sldMk cId="2878025650" sldId="298"/>
+            <ac:spMk id="2" creationId="{AA3A228F-61D0-D949-A5E7-F83756230BF8}"/>
+          </ac:spMkLst>
+        </pc:spChg>
+        <pc:spChg chg="del mod">
+          <ac:chgData name="Long B Nguyen" userId="f59fb8f3-a021-417a-8bc1-65c8d471c621" providerId="ADAL" clId="{1AE11430-C232-BB4B-AD26-649DB56977B5}" dt="2019-08-18T12:22:26.382" v="342" actId="478"/>
+          <ac:spMkLst>
+            <pc:docMk/>
+            <pc:sldMk cId="2878025650" sldId="298"/>
+            <ac:spMk id="3" creationId="{9851CEEB-B8D2-EA41-9A10-1BC744107E4C}"/>
+          </ac:spMkLst>
+        </pc:spChg>
+        <pc:spChg chg="del">
+          <ac:chgData name="Long B Nguyen" userId="f59fb8f3-a021-417a-8bc1-65c8d471c621" providerId="ADAL" clId="{1AE11430-C232-BB4B-AD26-649DB56977B5}" dt="2019-08-18T12:22:29.661" v="343" actId="478"/>
+          <ac:spMkLst>
+            <pc:docMk/>
+            <pc:sldMk cId="2878025650" sldId="298"/>
+            <ac:spMk id="5" creationId="{3E8F7CED-693F-5A43-87EB-5E21C02FDA13}"/>
+          </ac:spMkLst>
+        </pc:spChg>
+        <pc:spChg chg="del">
+          <ac:chgData name="Long B Nguyen" userId="f59fb8f3-a021-417a-8bc1-65c8d471c621" providerId="ADAL" clId="{1AE11430-C232-BB4B-AD26-649DB56977B5}" dt="2019-08-18T12:22:32.011" v="344" actId="478"/>
+          <ac:spMkLst>
+            <pc:docMk/>
+            <pc:sldMk cId="2878025650" sldId="298"/>
+            <ac:spMk id="7" creationId="{C56845F4-C671-F849-8613-50BD132A5D50}"/>
+          </ac:spMkLst>
+        </pc:spChg>
+        <pc:spChg chg="add mod">
+          <ac:chgData name="Long B Nguyen" userId="f59fb8f3-a021-417a-8bc1-65c8d471c621" providerId="ADAL" clId="{1AE11430-C232-BB4B-AD26-649DB56977B5}" dt="2019-08-18T20:03:11.804" v="1337" actId="14100"/>
+          <ac:spMkLst>
+            <pc:docMk/>
+            <pc:sldMk cId="2878025650" sldId="298"/>
+            <ac:spMk id="8" creationId="{89664AE0-03B1-F343-A3F2-F049D077AF98}"/>
+          </ac:spMkLst>
+        </pc:spChg>
+        <pc:spChg chg="mod">
+          <ac:chgData name="Long B Nguyen" userId="f59fb8f3-a021-417a-8bc1-65c8d471c621" providerId="ADAL" clId="{1AE11430-C232-BB4B-AD26-649DB56977B5}" dt="2019-09-06T12:02:01.131" v="1774" actId="1076"/>
+          <ac:spMkLst>
+            <pc:docMk/>
+            <pc:sldMk cId="2878025650" sldId="298"/>
+            <ac:spMk id="9" creationId="{E3B2E017-30B2-884B-A113-B419A2ED51AD}"/>
+          </ac:spMkLst>
+        </pc:spChg>
+        <pc:spChg chg="add mod">
+          <ac:chgData name="Long B Nguyen" userId="f59fb8f3-a021-417a-8bc1-65c8d471c621" providerId="ADAL" clId="{1AE11430-C232-BB4B-AD26-649DB56977B5}" dt="2019-08-18T20:03:17.375" v="1358" actId="1038"/>
+          <ac:spMkLst>
+            <pc:docMk/>
+            <pc:sldMk cId="2878025650" sldId="298"/>
+            <ac:spMk id="13" creationId="{FEE970F2-C39B-7749-9FEC-3601AB1AE7E6}"/>
+          </ac:spMkLst>
+        </pc:spChg>
+        <pc:spChg chg="add mod">
+          <ac:chgData name="Long B Nguyen" userId="f59fb8f3-a021-417a-8bc1-65c8d471c621" providerId="ADAL" clId="{1AE11430-C232-BB4B-AD26-649DB56977B5}" dt="2019-08-18T17:26:46.916" v="866" actId="1076"/>
+          <ac:spMkLst>
+            <pc:docMk/>
+            <pc:sldMk cId="2878025650" sldId="298"/>
+            <ac:spMk id="18" creationId="{72E2D77A-5904-7544-B8AE-F3CD3EA5A4E0}"/>
+          </ac:spMkLst>
+        </pc:spChg>
+        <pc:picChg chg="del">
+          <ac:chgData name="Long B Nguyen" userId="f59fb8f3-a021-417a-8bc1-65c8d471c621" providerId="ADAL" clId="{1AE11430-C232-BB4B-AD26-649DB56977B5}" dt="2019-08-18T12:18:37.789" v="242" actId="478"/>
+          <ac:picMkLst>
+            <pc:docMk/>
+            <pc:sldMk cId="2878025650" sldId="298"/>
+            <ac:picMk id="6" creationId="{4FD3269E-CE30-EB4E-AFDF-1494248BF8F8}"/>
+          </ac:picMkLst>
+        </pc:picChg>
+        <pc:cxnChg chg="add mod">
+          <ac:chgData name="Long B Nguyen" userId="f59fb8f3-a021-417a-8bc1-65c8d471c621" providerId="ADAL" clId="{1AE11430-C232-BB4B-AD26-649DB56977B5}" dt="2019-08-18T17:26:52.269" v="867" actId="14100"/>
+          <ac:cxnSpMkLst>
+            <pc:docMk/>
+            <pc:sldMk cId="2878025650" sldId="298"/>
+            <ac:cxnSpMk id="10" creationId="{7B79EDEB-21CF-C34B-A2E5-A09E60D29E45}"/>
+          </ac:cxnSpMkLst>
+        </pc:cxnChg>
+        <pc:cxnChg chg="add mod">
+          <ac:chgData name="Long B Nguyen" userId="f59fb8f3-a021-417a-8bc1-65c8d471c621" providerId="ADAL" clId="{1AE11430-C232-BB4B-AD26-649DB56977B5}" dt="2019-08-18T17:26:55.322" v="868" actId="14100"/>
+          <ac:cxnSpMkLst>
+            <pc:docMk/>
+            <pc:sldMk cId="2878025650" sldId="298"/>
+            <ac:cxnSpMk id="14" creationId="{67BD5D1A-21FF-5E44-BC9A-F45708385466}"/>
+          </ac:cxnSpMkLst>
+        </pc:cxnChg>
+        <pc:cxnChg chg="add mod">
+          <ac:chgData name="Long B Nguyen" userId="f59fb8f3-a021-417a-8bc1-65c8d471c621" providerId="ADAL" clId="{1AE11430-C232-BB4B-AD26-649DB56977B5}" dt="2019-08-18T17:26:43.517" v="865" actId="14100"/>
+          <ac:cxnSpMkLst>
+            <pc:docMk/>
+            <pc:sldMk cId="2878025650" sldId="298"/>
+            <ac:cxnSpMk id="19" creationId="{F27838C9-39D0-B347-A820-EEA046CD6709}"/>
+          </ac:cxnSpMkLst>
+        </pc:cxnChg>
+      </pc:sldChg>
+      <pc:sldChg chg="modSp add modAnim">
+        <pc:chgData name="Long B Nguyen" userId="f59fb8f3-a021-417a-8bc1-65c8d471c621" providerId="ADAL" clId="{1AE11430-C232-BB4B-AD26-649DB56977B5}" dt="2019-09-06T17:29:53.284" v="3526" actId="20577"/>
+        <pc:sldMkLst>
+          <pc:docMk/>
+          <pc:sldMk cId="1822161854" sldId="299"/>
+        </pc:sldMkLst>
+        <pc:spChg chg="mod">
+          <ac:chgData name="Long B Nguyen" userId="f59fb8f3-a021-417a-8bc1-65c8d471c621" providerId="ADAL" clId="{1AE11430-C232-BB4B-AD26-649DB56977B5}" dt="2019-09-06T17:29:53.284" v="3526" actId="20577"/>
+          <ac:spMkLst>
+            <pc:docMk/>
+            <pc:sldMk cId="1822161854" sldId="299"/>
+            <ac:spMk id="9" creationId="{E3B2E017-30B2-884B-A113-B419A2ED51AD}"/>
+          </ac:spMkLst>
+        </pc:spChg>
+      </pc:sldChg>
+      <pc:sldChg chg="addSp modSp add modAnim">
+        <pc:chgData name="Long B Nguyen" userId="f59fb8f3-a021-417a-8bc1-65c8d471c621" providerId="ADAL" clId="{1AE11430-C232-BB4B-AD26-649DB56977B5}" dt="2019-09-06T13:03:18.321" v="3520"/>
+        <pc:sldMkLst>
+          <pc:docMk/>
+          <pc:sldMk cId="3705756631" sldId="300"/>
+        </pc:sldMkLst>
+        <pc:spChg chg="mod">
+          <ac:chgData name="Long B Nguyen" userId="f59fb8f3-a021-417a-8bc1-65c8d471c621" providerId="ADAL" clId="{1AE11430-C232-BB4B-AD26-649DB56977B5}" dt="2019-09-06T12:17:56.704" v="2383" actId="1076"/>
+          <ac:spMkLst>
+            <pc:docMk/>
+            <pc:sldMk cId="3705756631" sldId="300"/>
+            <ac:spMk id="6" creationId="{6BAD279A-662B-2340-A1DC-179A92D4104E}"/>
+          </ac:spMkLst>
+        </pc:spChg>
+        <pc:spChg chg="mod">
+          <ac:chgData name="Long B Nguyen" userId="f59fb8f3-a021-417a-8bc1-65c8d471c621" providerId="ADAL" clId="{1AE11430-C232-BB4B-AD26-649DB56977B5}" dt="2019-08-18T20:29:07.910" v="1659" actId="14100"/>
+          <ac:spMkLst>
+            <pc:docMk/>
+            <pc:sldMk cId="3705756631" sldId="300"/>
+            <ac:spMk id="8" creationId="{D6E9479C-6E60-544B-AB53-771C1DA554BF}"/>
+          </ac:spMkLst>
+        </pc:spChg>
+        <pc:spChg chg="mod">
+          <ac:chgData name="Long B Nguyen" userId="f59fb8f3-a021-417a-8bc1-65c8d471c621" providerId="ADAL" clId="{1AE11430-C232-BB4B-AD26-649DB56977B5}" dt="2019-09-06T12:18:48.833" v="2410" actId="20577"/>
+          <ac:spMkLst>
+            <pc:docMk/>
+            <pc:sldMk cId="3705756631" sldId="300"/>
+            <ac:spMk id="9" creationId="{E3B2E017-30B2-884B-A113-B419A2ED51AD}"/>
+          </ac:spMkLst>
+        </pc:spChg>
+        <pc:picChg chg="mod">
+          <ac:chgData name="Long B Nguyen" userId="f59fb8f3-a021-417a-8bc1-65c8d471c621" providerId="ADAL" clId="{1AE11430-C232-BB4B-AD26-649DB56977B5}" dt="2019-08-18T20:28:11.336" v="1636" actId="1038"/>
+          <ac:picMkLst>
+            <pc:docMk/>
+            <pc:sldMk cId="3705756631" sldId="300"/>
+            <ac:picMk id="4" creationId="{D25370B2-DE41-AD4B-BC83-7E699BF3BBAC}"/>
+          </ac:picMkLst>
+        </pc:picChg>
+        <pc:picChg chg="mod">
+          <ac:chgData name="Long B Nguyen" userId="f59fb8f3-a021-417a-8bc1-65c8d471c621" providerId="ADAL" clId="{1AE11430-C232-BB4B-AD26-649DB56977B5}" dt="2019-09-06T12:17:12.448" v="2333" actId="1035"/>
+          <ac:picMkLst>
+            <pc:docMk/>
+            <pc:sldMk cId="3705756631" sldId="300"/>
+            <ac:picMk id="5" creationId="{A95D34AC-544E-0747-85EC-3132C6002DB7}"/>
+          </ac:picMkLst>
+        </pc:picChg>
+        <pc:cxnChg chg="add mod">
+          <ac:chgData name="Long B Nguyen" userId="f59fb8f3-a021-417a-8bc1-65c8d471c621" providerId="ADAL" clId="{1AE11430-C232-BB4B-AD26-649DB56977B5}" dt="2019-08-18T20:28:11.336" v="1636" actId="1038"/>
+          <ac:cxnSpMkLst>
+            <pc:docMk/>
+            <pc:sldMk cId="3705756631" sldId="300"/>
+            <ac:cxnSpMk id="10" creationId="{C00F6DEC-900C-7547-B9DF-066B1FC4F965}"/>
+          </ac:cxnSpMkLst>
+        </pc:cxnChg>
+        <pc:cxnChg chg="add mod">
+          <ac:chgData name="Long B Nguyen" userId="f59fb8f3-a021-417a-8bc1-65c8d471c621" providerId="ADAL" clId="{1AE11430-C232-BB4B-AD26-649DB56977B5}" dt="2019-09-06T12:17:16.805" v="2334" actId="14100"/>
+          <ac:cxnSpMkLst>
+            <pc:docMk/>
+            <pc:sldMk cId="3705756631" sldId="300"/>
+            <ac:cxnSpMk id="11" creationId="{920B4F76-EF34-AD42-BD9F-440FD65CBAAF}"/>
+          </ac:cxnSpMkLst>
+        </pc:cxnChg>
+        <pc:cxnChg chg="add mod">
+          <ac:chgData name="Long B Nguyen" userId="f59fb8f3-a021-417a-8bc1-65c8d471c621" providerId="ADAL" clId="{1AE11430-C232-BB4B-AD26-649DB56977B5}" dt="2019-09-06T12:18:07.726" v="2388" actId="14100"/>
+          <ac:cxnSpMkLst>
+            <pc:docMk/>
+            <pc:sldMk cId="3705756631" sldId="300"/>
+            <ac:cxnSpMk id="12" creationId="{9E356615-13B9-8146-8C06-5A99446B4AB7}"/>
+          </ac:cxnSpMkLst>
+        </pc:cxnChg>
+        <pc:cxnChg chg="add mod">
+          <ac:chgData name="Long B Nguyen" userId="f59fb8f3-a021-417a-8bc1-65c8d471c621" providerId="ADAL" clId="{1AE11430-C232-BB4B-AD26-649DB56977B5}" dt="2019-09-06T12:20:47.899" v="2427" actId="14100"/>
+          <ac:cxnSpMkLst>
+            <pc:docMk/>
+            <pc:sldMk cId="3705756631" sldId="300"/>
+            <ac:cxnSpMk id="16" creationId="{4EB36C7B-D764-EA4E-A9BB-8A4FB52323FB}"/>
+          </ac:cxnSpMkLst>
+        </pc:cxnChg>
+      </pc:sldChg>
+      <pc:sldChg chg="modSp add modAnim">
+        <pc:chgData name="Long B Nguyen" userId="f59fb8f3-a021-417a-8bc1-65c8d471c621" providerId="ADAL" clId="{1AE11430-C232-BB4B-AD26-649DB56977B5}" dt="2019-09-06T12:12:03.011" v="2205"/>
+        <pc:sldMkLst>
+          <pc:docMk/>
+          <pc:sldMk cId="3618694306" sldId="301"/>
+        </pc:sldMkLst>
+        <pc:spChg chg="mod">
+          <ac:chgData name="Long B Nguyen" userId="f59fb8f3-a021-417a-8bc1-65c8d471c621" providerId="ADAL" clId="{1AE11430-C232-BB4B-AD26-649DB56977B5}" dt="2019-09-06T12:11:29.676" v="2199" actId="20577"/>
+          <ac:spMkLst>
+            <pc:docMk/>
+            <pc:sldMk cId="3618694306" sldId="301"/>
+            <ac:spMk id="9" creationId="{E3B2E017-30B2-884B-A113-B419A2ED51AD}"/>
+          </ac:spMkLst>
+        </pc:spChg>
+      </pc:sldChg>
+      <pc:sldChg chg="delSp modSp add delAnim modAnim">
+        <pc:chgData name="Long B Nguyen" userId="f59fb8f3-a021-417a-8bc1-65c8d471c621" providerId="ADAL" clId="{1AE11430-C232-BB4B-AD26-649DB56977B5}" dt="2019-09-09T17:47:35.004" v="3847" actId="20577"/>
+        <pc:sldMkLst>
+          <pc:docMk/>
+          <pc:sldMk cId="2064379448" sldId="302"/>
+        </pc:sldMkLst>
+        <pc:spChg chg="mod">
+          <ac:chgData name="Long B Nguyen" userId="f59fb8f3-a021-417a-8bc1-65c8d471c621" providerId="ADAL" clId="{1AE11430-C232-BB4B-AD26-649DB56977B5}" dt="2019-09-06T12:53:05.244" v="3123" actId="20577"/>
+          <ac:spMkLst>
+            <pc:docMk/>
+            <pc:sldMk cId="2064379448" sldId="302"/>
+            <ac:spMk id="2" creationId="{AA3A228F-61D0-D949-A5E7-F83756230BF8}"/>
+          </ac:spMkLst>
+        </pc:spChg>
+        <pc:spChg chg="del mod">
+          <ac:chgData name="Long B Nguyen" userId="f59fb8f3-a021-417a-8bc1-65c8d471c621" providerId="ADAL" clId="{1AE11430-C232-BB4B-AD26-649DB56977B5}" dt="2019-09-06T12:47:52.102" v="2634" actId="478"/>
+          <ac:spMkLst>
+            <pc:docMk/>
+            <pc:sldMk cId="2064379448" sldId="302"/>
+            <ac:spMk id="3" creationId="{4D0CDBB4-7D15-3740-9E57-F40B8D812406}"/>
+          </ac:spMkLst>
+        </pc:spChg>
+        <pc:spChg chg="mod">
+          <ac:chgData name="Long B Nguyen" userId="f59fb8f3-a021-417a-8bc1-65c8d471c621" providerId="ADAL" clId="{1AE11430-C232-BB4B-AD26-649DB56977B5}" dt="2019-09-09T17:47:35.004" v="3847" actId="20577"/>
+          <ac:spMkLst>
+            <pc:docMk/>
+            <pc:sldMk cId="2064379448" sldId="302"/>
+            <ac:spMk id="9" creationId="{E3B2E017-30B2-884B-A113-B419A2ED51AD}"/>
+          </ac:spMkLst>
+        </pc:spChg>
+      </pc:sldChg>
+      <pc:sldChg chg="modSp add">
+        <pc:chgData name="Long B Nguyen" userId="f59fb8f3-a021-417a-8bc1-65c8d471c621" providerId="ADAL" clId="{1AE11430-C232-BB4B-AD26-649DB56977B5}" dt="2019-09-08T00:54:16.876" v="3685" actId="20577"/>
+        <pc:sldMkLst>
+          <pc:docMk/>
+          <pc:sldMk cId="3993483693" sldId="303"/>
+        </pc:sldMkLst>
+        <pc:spChg chg="mod">
+          <ac:chgData name="Long B Nguyen" userId="f59fb8f3-a021-417a-8bc1-65c8d471c621" providerId="ADAL" clId="{1AE11430-C232-BB4B-AD26-649DB56977B5}" dt="2019-09-06T12:53:13.798" v="3126" actId="20577"/>
+          <ac:spMkLst>
+            <pc:docMk/>
+            <pc:sldMk cId="3993483693" sldId="303"/>
+            <ac:spMk id="2" creationId="{AA3A228F-61D0-D949-A5E7-F83756230BF8}"/>
+          </ac:spMkLst>
+        </pc:spChg>
+        <pc:spChg chg="mod">
+          <ac:chgData name="Long B Nguyen" userId="f59fb8f3-a021-417a-8bc1-65c8d471c621" providerId="ADAL" clId="{1AE11430-C232-BB4B-AD26-649DB56977B5}" dt="2019-09-08T00:54:16.876" v="3685" actId="20577"/>
+          <ac:spMkLst>
+            <pc:docMk/>
+            <pc:sldMk cId="3993483693" sldId="303"/>
+            <ac:spMk id="9" creationId="{E3B2E017-30B2-884B-A113-B419A2ED51AD}"/>
+          </ac:spMkLst>
+        </pc:spChg>
+      </pc:sldChg>
+      <pc:sldChg chg="add del">
+        <pc:chgData name="Long B Nguyen" userId="f59fb8f3-a021-417a-8bc1-65c8d471c621" providerId="ADAL" clId="{1AE11430-C232-BB4B-AD26-649DB56977B5}" dt="2019-09-08T03:41:42.114" v="3702" actId="2696"/>
+        <pc:sldMkLst>
+          <pc:docMk/>
+          <pc:sldMk cId="1735411058" sldId="304"/>
+        </pc:sldMkLst>
+      </pc:sldChg>
+    </pc:docChg>
+  </pc:docChgLst>
   <pc:docChgLst>
     <pc:chgData name="Long B Nguyen" userId="f59fb8f3-a021-417a-8bc1-65c8d471c621" providerId="ADAL" clId="{9524EE58-25A9-8F4B-8612-E4B64A01E140}"/>
     <pc:docChg chg="custSel addSld delSld modSld">
@@ -480,43 +2751,35 @@
     </pc:docChg>
   </pc:docChgLst>
   <pc:docChgLst>
-    <pc:chgData name="Long Nguyen" userId="f59fb8f3-a021-417a-8bc1-65c8d471c621" providerId="ADAL" clId="{49B01C95-2323-A046-80CE-B9EF72291F76}"/>
+    <pc:chgData name="Long Nguyen" userId="f59fb8f3-a021-417a-8bc1-65c8d471c621" providerId="ADAL" clId="{D60C57D7-CFE2-A74A-9812-FD74A3F6123F}"/>
     <pc:docChg chg="custSel addSld delSld modSld">
-      <pc:chgData name="Long Nguyen" userId="f59fb8f3-a021-417a-8bc1-65c8d471c621" providerId="ADAL" clId="{49B01C95-2323-A046-80CE-B9EF72291F76}" dt="2022-01-20T15:17:15.929" v="1506" actId="2696"/>
+      <pc:chgData name="Long Nguyen" userId="f59fb8f3-a021-417a-8bc1-65c8d471c621" providerId="ADAL" clId="{D60C57D7-CFE2-A74A-9812-FD74A3F6123F}" dt="2023-01-10T16:50:05.542" v="1396" actId="20577"/>
       <pc:docMkLst>
         <pc:docMk/>
       </pc:docMkLst>
       <pc:sldChg chg="modSp mod">
-        <pc:chgData name="Long Nguyen" userId="f59fb8f3-a021-417a-8bc1-65c8d471c621" providerId="ADAL" clId="{49B01C95-2323-A046-80CE-B9EF72291F76}" dt="2022-01-20T14:30:30.637" v="6" actId="27636"/>
-        <pc:sldMkLst>
-          <pc:docMk/>
-          <pc:sldMk cId="3188689728" sldId="291"/>
-        </pc:sldMkLst>
-        <pc:spChg chg="mod">
-          <ac:chgData name="Long Nguyen" userId="f59fb8f3-a021-417a-8bc1-65c8d471c621" providerId="ADAL" clId="{49B01C95-2323-A046-80CE-B9EF72291F76}" dt="2022-01-20T14:30:30.637" v="6" actId="27636"/>
-          <ac:spMkLst>
-            <pc:docMk/>
-            <pc:sldMk cId="3188689728" sldId="291"/>
-            <ac:spMk id="3" creationId="{0CCEF01D-6BE2-8B40-B73C-E8115F523D49}"/>
-          </ac:spMkLst>
-        </pc:spChg>
-      </pc:sldChg>
-      <pc:sldChg chg="modSp mod modAnim">
-        <pc:chgData name="Long Nguyen" userId="f59fb8f3-a021-417a-8bc1-65c8d471c621" providerId="ADAL" clId="{49B01C95-2323-A046-80CE-B9EF72291F76}" dt="2022-01-20T14:30:39.441" v="61" actId="20577"/>
+        <pc:chgData name="Long Nguyen" userId="f59fb8f3-a021-417a-8bc1-65c8d471c621" providerId="ADAL" clId="{D60C57D7-CFE2-A74A-9812-FD74A3F6123F}" dt="2023-01-10T16:19:39.018" v="36" actId="20577"/>
+        <pc:sldMkLst>
+          <pc:docMk/>
+          <pc:sldMk cId="3370589591" sldId="274"/>
+        </pc:sldMkLst>
+        <pc:spChg chg="mod">
+          <ac:chgData name="Long Nguyen" userId="f59fb8f3-a021-417a-8bc1-65c8d471c621" providerId="ADAL" clId="{D60C57D7-CFE2-A74A-9812-FD74A3F6123F}" dt="2023-01-10T16:19:39.018" v="36" actId="20577"/>
+          <ac:spMkLst>
+            <pc:docMk/>
+            <pc:sldMk cId="3370589591" sldId="274"/>
+            <ac:spMk id="171011" creationId="{A4934963-D788-7042-9063-DB3982108402}"/>
+          </ac:spMkLst>
+        </pc:spChg>
+      </pc:sldChg>
+      <pc:sldChg chg="modSp modAnim">
+        <pc:chgData name="Long Nguyen" userId="f59fb8f3-a021-417a-8bc1-65c8d471c621" providerId="ADAL" clId="{D60C57D7-CFE2-A74A-9812-FD74A3F6123F}" dt="2023-01-10T16:21:58.607" v="135" actId="20577"/>
         <pc:sldMkLst>
           <pc:docMk/>
           <pc:sldMk cId="35145435" sldId="309"/>
         </pc:sldMkLst>
         <pc:spChg chg="mod">
-          <ac:chgData name="Long Nguyen" userId="f59fb8f3-a021-417a-8bc1-65c8d471c621" providerId="ADAL" clId="{49B01C95-2323-A046-80CE-B9EF72291F76}" dt="2022-01-20T14:30:20.924" v="4" actId="20577"/>
-          <ac:spMkLst>
-            <pc:docMk/>
-            <pc:sldMk cId="35145435" sldId="309"/>
-            <ac:spMk id="2" creationId="{2CAD482E-9621-034B-B5B9-A2A3E3815EBF}"/>
-          </ac:spMkLst>
-        </pc:spChg>
-        <pc:spChg chg="mod">
-          <ac:chgData name="Long Nguyen" userId="f59fb8f3-a021-417a-8bc1-65c8d471c621" providerId="ADAL" clId="{49B01C95-2323-A046-80CE-B9EF72291F76}" dt="2022-01-20T14:30:39.441" v="61" actId="20577"/>
+          <ac:chgData name="Long Nguyen" userId="f59fb8f3-a021-417a-8bc1-65c8d471c621" providerId="ADAL" clId="{D60C57D7-CFE2-A74A-9812-FD74A3F6123F}" dt="2023-01-10T16:21:58.607" v="135" actId="20577"/>
           <ac:spMkLst>
             <pc:docMk/>
             <pc:sldMk cId="35145435" sldId="309"/>
@@ -524,60 +2787,36 @@
           </ac:spMkLst>
         </pc:spChg>
       </pc:sldChg>
-      <pc:sldChg chg="modSp mod">
-        <pc:chgData name="Long Nguyen" userId="f59fb8f3-a021-417a-8bc1-65c8d471c621" providerId="ADAL" clId="{49B01C95-2323-A046-80CE-B9EF72291F76}" dt="2022-01-20T14:30:30.667" v="7" actId="27636"/>
-        <pc:sldMkLst>
-          <pc:docMk/>
-          <pc:sldMk cId="500399139" sldId="559"/>
-        </pc:sldMkLst>
-        <pc:spChg chg="mod">
-          <ac:chgData name="Long Nguyen" userId="f59fb8f3-a021-417a-8bc1-65c8d471c621" providerId="ADAL" clId="{49B01C95-2323-A046-80CE-B9EF72291F76}" dt="2022-01-20T14:30:30.667" v="7" actId="27636"/>
-          <ac:spMkLst>
-            <pc:docMk/>
-            <pc:sldMk cId="500399139" sldId="559"/>
+      <pc:sldChg chg="modSp mod modAnim">
+        <pc:chgData name="Long Nguyen" userId="f59fb8f3-a021-417a-8bc1-65c8d471c621" providerId="ADAL" clId="{D60C57D7-CFE2-A74A-9812-FD74A3F6123F}" dt="2023-01-10T16:23:29.190" v="160" actId="20577"/>
+        <pc:sldMkLst>
+          <pc:docMk/>
+          <pc:sldMk cId="781774871" sldId="560"/>
+        </pc:sldMkLst>
+        <pc:spChg chg="mod">
+          <ac:chgData name="Long Nguyen" userId="f59fb8f3-a021-417a-8bc1-65c8d471c621" providerId="ADAL" clId="{D60C57D7-CFE2-A74A-9812-FD74A3F6123F}" dt="2023-01-10T16:23:29.190" v="160" actId="20577"/>
+          <ac:spMkLst>
+            <pc:docMk/>
+            <pc:sldMk cId="781774871" sldId="560"/>
             <ac:spMk id="3" creationId="{C84102BA-DE72-B749-AF52-12A584032098}"/>
           </ac:spMkLst>
         </pc:spChg>
       </pc:sldChg>
-      <pc:sldChg chg="modSp add mod modAnim">
-        <pc:chgData name="Long Nguyen" userId="f59fb8f3-a021-417a-8bc1-65c8d471c621" providerId="ADAL" clId="{49B01C95-2323-A046-80CE-B9EF72291F76}" dt="2022-01-20T14:39:49.491" v="1469" actId="20577"/>
-        <pc:sldMkLst>
-          <pc:docMk/>
-          <pc:sldMk cId="3470864202" sldId="562"/>
-        </pc:sldMkLst>
-        <pc:spChg chg="mod">
-          <ac:chgData name="Long Nguyen" userId="f59fb8f3-a021-417a-8bc1-65c8d471c621" providerId="ADAL" clId="{49B01C95-2323-A046-80CE-B9EF72291F76}" dt="2022-01-20T14:30:48.560" v="83" actId="20577"/>
-          <ac:spMkLst>
-            <pc:docMk/>
-            <pc:sldMk cId="3470864202" sldId="562"/>
-            <ac:spMk id="2" creationId="{2CAD482E-9621-034B-B5B9-A2A3E3815EBF}"/>
-          </ac:spMkLst>
-        </pc:spChg>
-        <pc:spChg chg="mod">
-          <ac:chgData name="Long Nguyen" userId="f59fb8f3-a021-417a-8bc1-65c8d471c621" providerId="ADAL" clId="{49B01C95-2323-A046-80CE-B9EF72291F76}" dt="2022-01-20T14:39:49.491" v="1469" actId="20577"/>
-          <ac:spMkLst>
-            <pc:docMk/>
-            <pc:sldMk cId="3470864202" sldId="562"/>
-            <ac:spMk id="3" creationId="{BE9CE75A-CAA3-5646-AB61-E94C601FF013}"/>
-          </ac:spMkLst>
-        </pc:spChg>
-      </pc:sldChg>
-      <pc:sldChg chg="modSp add mod modAnim">
-        <pc:chgData name="Long Nguyen" userId="f59fb8f3-a021-417a-8bc1-65c8d471c621" providerId="ADAL" clId="{49B01C95-2323-A046-80CE-B9EF72291F76}" dt="2022-01-20T14:38:38.670" v="1299" actId="207"/>
+      <pc:sldChg chg="del">
+        <pc:chgData name="Long Nguyen" userId="f59fb8f3-a021-417a-8bc1-65c8d471c621" providerId="ADAL" clId="{D60C57D7-CFE2-A74A-9812-FD74A3F6123F}" dt="2023-01-10T16:21:43.348" v="134" actId="2696"/>
+        <pc:sldMkLst>
+          <pc:docMk/>
+          <pc:sldMk cId="3916325109" sldId="561"/>
+        </pc:sldMkLst>
+      </pc:sldChg>
+      <pc:sldChg chg="modSp del mod">
+        <pc:chgData name="Long Nguyen" userId="f59fb8f3-a021-417a-8bc1-65c8d471c621" providerId="ADAL" clId="{D60C57D7-CFE2-A74A-9812-FD74A3F6123F}" dt="2023-01-10T16:23:50.187" v="161" actId="2696"/>
         <pc:sldMkLst>
           <pc:docMk/>
           <pc:sldMk cId="3639780490" sldId="563"/>
         </pc:sldMkLst>
         <pc:spChg chg="mod">
-          <ac:chgData name="Long Nguyen" userId="f59fb8f3-a021-417a-8bc1-65c8d471c621" providerId="ADAL" clId="{49B01C95-2323-A046-80CE-B9EF72291F76}" dt="2022-01-20T14:38:38.670" v="1299" actId="207"/>
-          <ac:spMkLst>
-            <pc:docMk/>
-            <pc:sldMk cId="3639780490" sldId="563"/>
-            <ac:spMk id="2" creationId="{2CAD482E-9621-034B-B5B9-A2A3E3815EBF}"/>
-          </ac:spMkLst>
-        </pc:spChg>
-        <pc:spChg chg="mod">
-          <ac:chgData name="Long Nguyen" userId="f59fb8f3-a021-417a-8bc1-65c8d471c621" providerId="ADAL" clId="{49B01C95-2323-A046-80CE-B9EF72291F76}" dt="2022-01-20T14:38:24.918" v="1298" actId="20577"/>
+          <ac:chgData name="Long Nguyen" userId="f59fb8f3-a021-417a-8bc1-65c8d471c621" providerId="ADAL" clId="{D60C57D7-CFE2-A74A-9812-FD74A3F6123F}" dt="2023-01-10T16:23:02.621" v="137" actId="21"/>
           <ac:spMkLst>
             <pc:docMk/>
             <pc:sldMk cId="3639780490" sldId="563"/>
@@ -585,2169 +2824,35 @@
           </ac:spMkLst>
         </pc:spChg>
       </pc:sldChg>
-      <pc:sldChg chg="add del">
-        <pc:chgData name="Long Nguyen" userId="f59fb8f3-a021-417a-8bc1-65c8d471c621" providerId="ADAL" clId="{49B01C95-2323-A046-80CE-B9EF72291F76}" dt="2022-01-20T15:17:15.929" v="1506" actId="2696"/>
-        <pc:sldMkLst>
-          <pc:docMk/>
-          <pc:sldMk cId="2239163408" sldId="564"/>
-        </pc:sldMkLst>
-      </pc:sldChg>
-      <pc:sldChg chg="addSp delSp modSp new mod">
-        <pc:chgData name="Long Nguyen" userId="f59fb8f3-a021-417a-8bc1-65c8d471c621" providerId="ADAL" clId="{49B01C95-2323-A046-80CE-B9EF72291F76}" dt="2022-01-20T15:15:37.144" v="1500" actId="14100"/>
-        <pc:sldMkLst>
-          <pc:docMk/>
-          <pc:sldMk cId="3528122445" sldId="565"/>
-        </pc:sldMkLst>
-        <pc:spChg chg="mod">
-          <ac:chgData name="Long Nguyen" userId="f59fb8f3-a021-417a-8bc1-65c8d471c621" providerId="ADAL" clId="{49B01C95-2323-A046-80CE-B9EF72291F76}" dt="2022-01-20T15:08:48.356" v="1485" actId="20577"/>
-          <ac:spMkLst>
-            <pc:docMk/>
-            <pc:sldMk cId="3528122445" sldId="565"/>
-            <ac:spMk id="2" creationId="{1DCCEC1E-7357-1149-8F7C-2CEA4151DAE9}"/>
-          </ac:spMkLst>
-        </pc:spChg>
-        <pc:picChg chg="add del mod">
-          <ac:chgData name="Long Nguyen" userId="f59fb8f3-a021-417a-8bc1-65c8d471c621" providerId="ADAL" clId="{49B01C95-2323-A046-80CE-B9EF72291F76}" dt="2022-01-20T15:13:23.612" v="1486" actId="478"/>
-          <ac:picMkLst>
-            <pc:docMk/>
-            <pc:sldMk cId="3528122445" sldId="565"/>
-            <ac:picMk id="4" creationId="{7ADA3984-6218-F445-BB71-0401EC3BB8A2}"/>
-          </ac:picMkLst>
-        </pc:picChg>
-        <pc:picChg chg="add mod">
-          <ac:chgData name="Long Nguyen" userId="f59fb8f3-a021-417a-8bc1-65c8d471c621" providerId="ADAL" clId="{49B01C95-2323-A046-80CE-B9EF72291F76}" dt="2022-01-20T15:15:37.144" v="1500" actId="14100"/>
-          <ac:picMkLst>
-            <pc:docMk/>
-            <pc:sldMk cId="3528122445" sldId="565"/>
-            <ac:picMk id="5" creationId="{6D48BE0D-404D-F546-B9A1-4F10BF79DD8F}"/>
-          </ac:picMkLst>
-        </pc:picChg>
-      </pc:sldChg>
-      <pc:sldChg chg="addSp delSp modSp add mod">
-        <pc:chgData name="Long Nguyen" userId="f59fb8f3-a021-417a-8bc1-65c8d471c621" providerId="ADAL" clId="{49B01C95-2323-A046-80CE-B9EF72291F76}" dt="2022-01-20T15:16:47.718" v="1505" actId="1076"/>
-        <pc:sldMkLst>
-          <pc:docMk/>
-          <pc:sldMk cId="648657578" sldId="566"/>
-        </pc:sldMkLst>
-        <pc:spChg chg="mod">
-          <ac:chgData name="Long Nguyen" userId="f59fb8f3-a021-417a-8bc1-65c8d471c621" providerId="ADAL" clId="{49B01C95-2323-A046-80CE-B9EF72291F76}" dt="2022-01-20T15:13:37.265" v="1494" actId="20577"/>
-          <ac:spMkLst>
-            <pc:docMk/>
-            <pc:sldMk cId="648657578" sldId="566"/>
-            <ac:spMk id="2" creationId="{1DCCEC1E-7357-1149-8F7C-2CEA4151DAE9}"/>
-          </ac:spMkLst>
-        </pc:spChg>
-        <pc:picChg chg="add del mod">
-          <ac:chgData name="Long Nguyen" userId="f59fb8f3-a021-417a-8bc1-65c8d471c621" providerId="ADAL" clId="{49B01C95-2323-A046-80CE-B9EF72291F76}" dt="2022-01-20T15:16:42.477" v="1502" actId="478"/>
-          <ac:picMkLst>
-            <pc:docMk/>
-            <pc:sldMk cId="648657578" sldId="566"/>
-            <ac:picMk id="4" creationId="{B3240232-58AD-F649-B63E-5EF7BA068F60}"/>
-          </ac:picMkLst>
-        </pc:picChg>
-        <pc:picChg chg="del">
-          <ac:chgData name="Long Nguyen" userId="f59fb8f3-a021-417a-8bc1-65c8d471c621" providerId="ADAL" clId="{49B01C95-2323-A046-80CE-B9EF72291F76}" dt="2022-01-20T15:13:35.597" v="1492" actId="478"/>
-          <ac:picMkLst>
-            <pc:docMk/>
-            <pc:sldMk cId="648657578" sldId="566"/>
-            <ac:picMk id="5" creationId="{6D48BE0D-404D-F546-B9A1-4F10BF79DD8F}"/>
-          </ac:picMkLst>
-        </pc:picChg>
-        <pc:picChg chg="add mod">
-          <ac:chgData name="Long Nguyen" userId="f59fb8f3-a021-417a-8bc1-65c8d471c621" providerId="ADAL" clId="{49B01C95-2323-A046-80CE-B9EF72291F76}" dt="2022-01-20T15:16:47.718" v="1505" actId="1076"/>
-          <ac:picMkLst>
-            <pc:docMk/>
-            <pc:sldMk cId="648657578" sldId="566"/>
-            <ac:picMk id="6" creationId="{2CE95DB0-E9EF-6D4B-92A5-504B12170E9F}"/>
-          </ac:picMkLst>
-        </pc:picChg>
-      </pc:sldChg>
-    </pc:docChg>
-  </pc:docChgLst>
-  <pc:docChgLst>
-    <pc:chgData name="Long B Nguyen" userId="f59fb8f3-a021-417a-8bc1-65c8d471c621" providerId="ADAL" clId="{EFBCD846-B2A3-1B4C-B729-1BDD8BB3398F}"/>
-    <pc:docChg chg="custSel addSld delSld modSld">
-      <pc:chgData name="Long B Nguyen" userId="f59fb8f3-a021-417a-8bc1-65c8d471c621" providerId="ADAL" clId="{EFBCD846-B2A3-1B4C-B729-1BDD8BB3398F}" dt="2019-06-15T13:28:52.721" v="979" actId="20577"/>
-      <pc:docMkLst>
-        <pc:docMk/>
-      </pc:docMkLst>
-      <pc:sldChg chg="modSp">
-        <pc:chgData name="Long B Nguyen" userId="f59fb8f3-a021-417a-8bc1-65c8d471c621" providerId="ADAL" clId="{EFBCD846-B2A3-1B4C-B729-1BDD8BB3398F}" dt="2019-06-15T13:28:52.721" v="979" actId="20577"/>
-        <pc:sldMkLst>
-          <pc:docMk/>
-          <pc:sldMk cId="2207246265" sldId="257"/>
-        </pc:sldMkLst>
-        <pc:spChg chg="mod">
-          <ac:chgData name="Long B Nguyen" userId="f59fb8f3-a021-417a-8bc1-65c8d471c621" providerId="ADAL" clId="{EFBCD846-B2A3-1B4C-B729-1BDD8BB3398F}" dt="2019-06-15T13:28:52.721" v="979" actId="20577"/>
-          <ac:spMkLst>
-            <pc:docMk/>
-            <pc:sldMk cId="2207246265" sldId="257"/>
-            <ac:spMk id="9" creationId="{E3B2E017-30B2-884B-A113-B419A2ED51AD}"/>
-          </ac:spMkLst>
-        </pc:spChg>
-      </pc:sldChg>
-      <pc:sldChg chg="delSp modSp">
-        <pc:chgData name="Long B Nguyen" userId="f59fb8f3-a021-417a-8bc1-65c8d471c621" providerId="ADAL" clId="{EFBCD846-B2A3-1B4C-B729-1BDD8BB3398F}" dt="2019-06-15T12:37:48.814" v="503" actId="20577"/>
-        <pc:sldMkLst>
-          <pc:docMk/>
-          <pc:sldMk cId="4103067120" sldId="261"/>
-        </pc:sldMkLst>
-        <pc:spChg chg="del">
-          <ac:chgData name="Long B Nguyen" userId="f59fb8f3-a021-417a-8bc1-65c8d471c621" providerId="ADAL" clId="{EFBCD846-B2A3-1B4C-B729-1BDD8BB3398F}" dt="2019-06-15T12:33:20.052" v="122" actId="478"/>
-          <ac:spMkLst>
-            <pc:docMk/>
-            <pc:sldMk cId="4103067120" sldId="261"/>
-            <ac:spMk id="6" creationId="{76E456FD-D331-974E-9966-139D852DE6B8}"/>
-          </ac:spMkLst>
-        </pc:spChg>
-        <pc:spChg chg="mod">
-          <ac:chgData name="Long B Nguyen" userId="f59fb8f3-a021-417a-8bc1-65c8d471c621" providerId="ADAL" clId="{EFBCD846-B2A3-1B4C-B729-1BDD8BB3398F}" dt="2019-06-15T12:37:48.814" v="503" actId="20577"/>
-          <ac:spMkLst>
-            <pc:docMk/>
-            <pc:sldMk cId="4103067120" sldId="261"/>
-            <ac:spMk id="9" creationId="{E3B2E017-30B2-884B-A113-B419A2ED51AD}"/>
-          </ac:spMkLst>
-        </pc:spChg>
-        <pc:picChg chg="del">
-          <ac:chgData name="Long B Nguyen" userId="f59fb8f3-a021-417a-8bc1-65c8d471c621" providerId="ADAL" clId="{EFBCD846-B2A3-1B4C-B729-1BDD8BB3398F}" dt="2019-06-15T12:32:55.159" v="19" actId="478"/>
-          <ac:picMkLst>
-            <pc:docMk/>
-            <pc:sldMk cId="4103067120" sldId="261"/>
-            <ac:picMk id="4" creationId="{83CF82C8-FC88-4642-A338-FD014F4CAC2D}"/>
-          </ac:picMkLst>
-        </pc:picChg>
-        <pc:picChg chg="del">
-          <ac:chgData name="Long B Nguyen" userId="f59fb8f3-a021-417a-8bc1-65c8d471c621" providerId="ADAL" clId="{EFBCD846-B2A3-1B4C-B729-1BDD8BB3398F}" dt="2019-06-15T12:33:47.423" v="200" actId="478"/>
-          <ac:picMkLst>
-            <pc:docMk/>
-            <pc:sldMk cId="4103067120" sldId="261"/>
-            <ac:picMk id="5" creationId="{703FD9BD-7F29-8C40-B080-09EE1CB5D9E1}"/>
-          </ac:picMkLst>
-        </pc:picChg>
-      </pc:sldChg>
-      <pc:sldChg chg="addSp delSp modSp add">
-        <pc:chgData name="Long B Nguyen" userId="f59fb8f3-a021-417a-8bc1-65c8d471c621" providerId="ADAL" clId="{EFBCD846-B2A3-1B4C-B729-1BDD8BB3398F}" dt="2019-06-15T12:53:05.508" v="927" actId="1076"/>
-        <pc:sldMkLst>
-          <pc:docMk/>
-          <pc:sldMk cId="905114398" sldId="264"/>
-        </pc:sldMkLst>
-        <pc:spChg chg="add mod">
-          <ac:chgData name="Long B Nguyen" userId="f59fb8f3-a021-417a-8bc1-65c8d471c621" providerId="ADAL" clId="{EFBCD846-B2A3-1B4C-B729-1BDD8BB3398F}" dt="2019-06-15T12:52:08.118" v="852" actId="20577"/>
-          <ac:spMkLst>
-            <pc:docMk/>
-            <pc:sldMk cId="905114398" sldId="264"/>
-            <ac:spMk id="3" creationId="{9851CEEB-B8D2-EA41-9A10-1BC744107E4C}"/>
-          </ac:spMkLst>
-        </pc:spChg>
-        <pc:spChg chg="add mod">
-          <ac:chgData name="Long B Nguyen" userId="f59fb8f3-a021-417a-8bc1-65c8d471c621" providerId="ADAL" clId="{EFBCD846-B2A3-1B4C-B729-1BDD8BB3398F}" dt="2019-06-15T12:52:32.879" v="864" actId="1076"/>
-          <ac:spMkLst>
-            <pc:docMk/>
-            <pc:sldMk cId="905114398" sldId="264"/>
-            <ac:spMk id="5" creationId="{3E8F7CED-693F-5A43-87EB-5E21C02FDA13}"/>
-          </ac:spMkLst>
-        </pc:spChg>
-        <pc:spChg chg="add mod">
-          <ac:chgData name="Long B Nguyen" userId="f59fb8f3-a021-417a-8bc1-65c8d471c621" providerId="ADAL" clId="{EFBCD846-B2A3-1B4C-B729-1BDD8BB3398F}" dt="2019-06-15T12:52:47.831" v="922" actId="20577"/>
-          <ac:spMkLst>
-            <pc:docMk/>
-            <pc:sldMk cId="905114398" sldId="264"/>
-            <ac:spMk id="7" creationId="{C56845F4-C671-F849-8613-50BD132A5D50}"/>
-          </ac:spMkLst>
-        </pc:spChg>
-        <pc:spChg chg="mod">
-          <ac:chgData name="Long B Nguyen" userId="f59fb8f3-a021-417a-8bc1-65c8d471c621" providerId="ADAL" clId="{EFBCD846-B2A3-1B4C-B729-1BDD8BB3398F}" dt="2019-06-15T12:44:37.697" v="710" actId="20577"/>
-          <ac:spMkLst>
-            <pc:docMk/>
-            <pc:sldMk cId="905114398" sldId="264"/>
-            <ac:spMk id="9" creationId="{E3B2E017-30B2-884B-A113-B419A2ED51AD}"/>
-          </ac:spMkLst>
-        </pc:spChg>
-        <pc:picChg chg="add mod">
-          <ac:chgData name="Long B Nguyen" userId="f59fb8f3-a021-417a-8bc1-65c8d471c621" providerId="ADAL" clId="{EFBCD846-B2A3-1B4C-B729-1BDD8BB3398F}" dt="2019-06-15T12:53:05.508" v="927" actId="1076"/>
-          <ac:picMkLst>
-            <pc:docMk/>
-            <pc:sldMk cId="905114398" sldId="264"/>
-            <ac:picMk id="6" creationId="{4FD3269E-CE30-EB4E-AFDF-1494248BF8F8}"/>
-          </ac:picMkLst>
-        </pc:picChg>
-        <pc:picChg chg="add del mod">
-          <ac:chgData name="Long B Nguyen" userId="f59fb8f3-a021-417a-8bc1-65c8d471c621" providerId="ADAL" clId="{EFBCD846-B2A3-1B4C-B729-1BDD8BB3398F}" dt="2019-06-15T12:53:00.696" v="926" actId="478"/>
-          <ac:picMkLst>
-            <pc:docMk/>
-            <pc:sldMk cId="905114398" sldId="264"/>
-            <ac:picMk id="8" creationId="{F0F0B752-3555-A843-B5E5-0B49E86B4389}"/>
-          </ac:picMkLst>
-        </pc:picChg>
-        <pc:picChg chg="add del mod">
-          <ac:chgData name="Long B Nguyen" userId="f59fb8f3-a021-417a-8bc1-65c8d471c621" providerId="ADAL" clId="{EFBCD846-B2A3-1B4C-B729-1BDD8BB3398F}" dt="2019-06-15T12:52:59.443" v="925" actId="478"/>
-          <ac:picMkLst>
-            <pc:docMk/>
-            <pc:sldMk cId="905114398" sldId="264"/>
-            <ac:picMk id="10" creationId="{3FFB2B8C-F15D-4541-8E74-DEB48CBE078C}"/>
-          </ac:picMkLst>
-        </pc:picChg>
-      </pc:sldChg>
-      <pc:sldChg chg="addSp delSp modSp add">
-        <pc:chgData name="Long B Nguyen" userId="f59fb8f3-a021-417a-8bc1-65c8d471c621" providerId="ADAL" clId="{EFBCD846-B2A3-1B4C-B729-1BDD8BB3398F}" dt="2019-06-15T12:44:43.357" v="712" actId="20577"/>
-        <pc:sldMkLst>
-          <pc:docMk/>
-          <pc:sldMk cId="2081483973" sldId="296"/>
-        </pc:sldMkLst>
-        <pc:spChg chg="mod">
-          <ac:chgData name="Long B Nguyen" userId="f59fb8f3-a021-417a-8bc1-65c8d471c621" providerId="ADAL" clId="{EFBCD846-B2A3-1B4C-B729-1BDD8BB3398F}" dt="2019-06-15T12:40:46.852" v="572" actId="20577"/>
-          <ac:spMkLst>
-            <pc:docMk/>
-            <pc:sldMk cId="2081483973" sldId="296"/>
-            <ac:spMk id="6" creationId="{76E456FD-D331-974E-9966-139D852DE6B8}"/>
-          </ac:spMkLst>
-        </pc:spChg>
-        <pc:spChg chg="mod">
-          <ac:chgData name="Long B Nguyen" userId="f59fb8f3-a021-417a-8bc1-65c8d471c621" providerId="ADAL" clId="{EFBCD846-B2A3-1B4C-B729-1BDD8BB3398F}" dt="2019-06-15T12:44:43.357" v="712" actId="20577"/>
-          <ac:spMkLst>
-            <pc:docMk/>
-            <pc:sldMk cId="2081483973" sldId="296"/>
-            <ac:spMk id="9" creationId="{E3B2E017-30B2-884B-A113-B419A2ED51AD}"/>
-          </ac:spMkLst>
-        </pc:spChg>
-        <pc:picChg chg="add mod">
-          <ac:chgData name="Long B Nguyen" userId="f59fb8f3-a021-417a-8bc1-65c8d471c621" providerId="ADAL" clId="{EFBCD846-B2A3-1B4C-B729-1BDD8BB3398F}" dt="2019-06-15T12:40:50.154" v="588" actId="1035"/>
-          <ac:picMkLst>
-            <pc:docMk/>
-            <pc:sldMk cId="2081483973" sldId="296"/>
-            <ac:picMk id="3" creationId="{9A8E9CD0-D9B3-8E4C-9599-C519FA3BF22B}"/>
-          </ac:picMkLst>
-        </pc:picChg>
-        <pc:picChg chg="del mod">
-          <ac:chgData name="Long B Nguyen" userId="f59fb8f3-a021-417a-8bc1-65c8d471c621" providerId="ADAL" clId="{EFBCD846-B2A3-1B4C-B729-1BDD8BB3398F}" dt="2019-06-15T12:38:05.510" v="504" actId="478"/>
-          <ac:picMkLst>
-            <pc:docMk/>
-            <pc:sldMk cId="2081483973" sldId="296"/>
-            <ac:picMk id="4" creationId="{83CF82C8-FC88-4642-A338-FD014F4CAC2D}"/>
-          </ac:picMkLst>
-        </pc:picChg>
-        <pc:picChg chg="del mod">
-          <ac:chgData name="Long B Nguyen" userId="f59fb8f3-a021-417a-8bc1-65c8d471c621" providerId="ADAL" clId="{EFBCD846-B2A3-1B4C-B729-1BDD8BB3398F}" dt="2019-06-15T12:39:38.481" v="556" actId="478"/>
-          <ac:picMkLst>
-            <pc:docMk/>
-            <pc:sldMk cId="2081483973" sldId="296"/>
-            <ac:picMk id="5" creationId="{703FD9BD-7F29-8C40-B080-09EE1CB5D9E1}"/>
-          </ac:picMkLst>
-        </pc:picChg>
-        <pc:picChg chg="add mod">
-          <ac:chgData name="Long B Nguyen" userId="f59fb8f3-a021-417a-8bc1-65c8d471c621" providerId="ADAL" clId="{EFBCD846-B2A3-1B4C-B729-1BDD8BB3398F}" dt="2019-06-15T12:40:52.555" v="597" actId="1035"/>
-          <ac:picMkLst>
-            <pc:docMk/>
-            <pc:sldMk cId="2081483973" sldId="296"/>
-            <ac:picMk id="7" creationId="{09184722-0D16-5E47-A514-4348651A24BB}"/>
-          </ac:picMkLst>
-        </pc:picChg>
-        <pc:picChg chg="add mod">
-          <ac:chgData name="Long B Nguyen" userId="f59fb8f3-a021-417a-8bc1-65c8d471c621" providerId="ADAL" clId="{EFBCD846-B2A3-1B4C-B729-1BDD8BB3398F}" dt="2019-06-15T12:41:30.254" v="602" actId="1076"/>
-          <ac:picMkLst>
-            <pc:docMk/>
-            <pc:sldMk cId="2081483973" sldId="296"/>
-            <ac:picMk id="8" creationId="{778F82F4-110D-C843-8F5C-71BDAE030887}"/>
-          </ac:picMkLst>
-        </pc:picChg>
-      </pc:sldChg>
-    </pc:docChg>
-  </pc:docChgLst>
-  <pc:docChgLst>
-    <pc:chgData name="Long B Nguyen" userId="f59fb8f3-a021-417a-8bc1-65c8d471c621" providerId="ADAL" clId="{0A2D55A0-81A8-4E44-855B-5488B777D4BD}"/>
-    <pc:docChg chg="modSld">
-      <pc:chgData name="Long B Nguyen" userId="f59fb8f3-a021-417a-8bc1-65c8d471c621" providerId="ADAL" clId="{0A2D55A0-81A8-4E44-855B-5488B777D4BD}" dt="2020-09-24T11:47:44.276" v="418" actId="20577"/>
-      <pc:docMkLst>
-        <pc:docMk/>
-      </pc:docMkLst>
-      <pc:sldChg chg="modSp modAnim">
-        <pc:chgData name="Long B Nguyen" userId="f59fb8f3-a021-417a-8bc1-65c8d471c621" providerId="ADAL" clId="{0A2D55A0-81A8-4E44-855B-5488B777D4BD}" dt="2020-09-22T13:34:32.844" v="130" actId="20577"/>
-        <pc:sldMkLst>
-          <pc:docMk/>
-          <pc:sldMk cId="2207246265" sldId="257"/>
-        </pc:sldMkLst>
-        <pc:spChg chg="mod">
-          <ac:chgData name="Long B Nguyen" userId="f59fb8f3-a021-417a-8bc1-65c8d471c621" providerId="ADAL" clId="{0A2D55A0-81A8-4E44-855B-5488B777D4BD}" dt="2020-09-22T13:34:32.844" v="130" actId="20577"/>
-          <ac:spMkLst>
-            <pc:docMk/>
-            <pc:sldMk cId="2207246265" sldId="257"/>
-            <ac:spMk id="9" creationId="{E3B2E017-30B2-884B-A113-B419A2ED51AD}"/>
-          </ac:spMkLst>
-        </pc:spChg>
-      </pc:sldChg>
-      <pc:sldChg chg="modSp">
-        <pc:chgData name="Long B Nguyen" userId="f59fb8f3-a021-417a-8bc1-65c8d471c621" providerId="ADAL" clId="{0A2D55A0-81A8-4E44-855B-5488B777D4BD}" dt="2020-09-24T11:45:20.841" v="278" actId="113"/>
-        <pc:sldMkLst>
-          <pc:docMk/>
-          <pc:sldMk cId="3625497833" sldId="265"/>
-        </pc:sldMkLst>
-        <pc:spChg chg="mod">
-          <ac:chgData name="Long B Nguyen" userId="f59fb8f3-a021-417a-8bc1-65c8d471c621" providerId="ADAL" clId="{0A2D55A0-81A8-4E44-855B-5488B777D4BD}" dt="2020-09-24T11:45:20.841" v="278" actId="113"/>
-          <ac:spMkLst>
-            <pc:docMk/>
-            <pc:sldMk cId="3625497833" sldId="265"/>
-            <ac:spMk id="9" creationId="{E3B2E017-30B2-884B-A113-B419A2ED51AD}"/>
-          </ac:spMkLst>
-        </pc:spChg>
-      </pc:sldChg>
-      <pc:sldChg chg="modSp">
-        <pc:chgData name="Long B Nguyen" userId="f59fb8f3-a021-417a-8bc1-65c8d471c621" providerId="ADAL" clId="{0A2D55A0-81A8-4E44-855B-5488B777D4BD}" dt="2020-09-24T11:45:34.022" v="279" actId="113"/>
-        <pc:sldMkLst>
-          <pc:docMk/>
-          <pc:sldMk cId="4224307978" sldId="270"/>
-        </pc:sldMkLst>
-        <pc:spChg chg="mod">
-          <ac:chgData name="Long B Nguyen" userId="f59fb8f3-a021-417a-8bc1-65c8d471c621" providerId="ADAL" clId="{0A2D55A0-81A8-4E44-855B-5488B777D4BD}" dt="2020-09-24T11:45:34.022" v="279" actId="113"/>
-          <ac:spMkLst>
-            <pc:docMk/>
-            <pc:sldMk cId="4224307978" sldId="270"/>
-            <ac:spMk id="9" creationId="{E3B2E017-30B2-884B-A113-B419A2ED51AD}"/>
-          </ac:spMkLst>
-        </pc:spChg>
-      </pc:sldChg>
-      <pc:sldChg chg="modSp">
-        <pc:chgData name="Long B Nguyen" userId="f59fb8f3-a021-417a-8bc1-65c8d471c621" providerId="ADAL" clId="{0A2D55A0-81A8-4E44-855B-5488B777D4BD}" dt="2020-09-24T11:45:51.041" v="280" actId="113"/>
-        <pc:sldMkLst>
-          <pc:docMk/>
-          <pc:sldMk cId="2130507588" sldId="271"/>
-        </pc:sldMkLst>
-        <pc:spChg chg="mod">
-          <ac:chgData name="Long B Nguyen" userId="f59fb8f3-a021-417a-8bc1-65c8d471c621" providerId="ADAL" clId="{0A2D55A0-81A8-4E44-855B-5488B777D4BD}" dt="2020-09-24T11:45:51.041" v="280" actId="113"/>
-          <ac:spMkLst>
-            <pc:docMk/>
-            <pc:sldMk cId="2130507588" sldId="271"/>
-            <ac:spMk id="9" creationId="{E3B2E017-30B2-884B-A113-B419A2ED51AD}"/>
-          </ac:spMkLst>
-        </pc:spChg>
-      </pc:sldChg>
-      <pc:sldChg chg="modSp">
-        <pc:chgData name="Long B Nguyen" userId="f59fb8f3-a021-417a-8bc1-65c8d471c621" providerId="ADAL" clId="{0A2D55A0-81A8-4E44-855B-5488B777D4BD}" dt="2020-09-24T11:24:03.241" v="154" actId="113"/>
-        <pc:sldMkLst>
-          <pc:docMk/>
-          <pc:sldMk cId="587435069" sldId="272"/>
-        </pc:sldMkLst>
-        <pc:spChg chg="mod">
-          <ac:chgData name="Long B Nguyen" userId="f59fb8f3-a021-417a-8bc1-65c8d471c621" providerId="ADAL" clId="{0A2D55A0-81A8-4E44-855B-5488B777D4BD}" dt="2020-09-24T11:24:03.241" v="154" actId="113"/>
-          <ac:spMkLst>
-            <pc:docMk/>
-            <pc:sldMk cId="587435069" sldId="272"/>
-            <ac:spMk id="9" creationId="{E3B2E017-30B2-884B-A113-B419A2ED51AD}"/>
-          </ac:spMkLst>
-        </pc:spChg>
-      </pc:sldChg>
-      <pc:sldChg chg="modSp">
-        <pc:chgData name="Long B Nguyen" userId="f59fb8f3-a021-417a-8bc1-65c8d471c621" providerId="ADAL" clId="{0A2D55A0-81A8-4E44-855B-5488B777D4BD}" dt="2020-09-22T04:40:52.026" v="101" actId="20577"/>
-        <pc:sldMkLst>
-          <pc:docMk/>
-          <pc:sldMk cId="2925367410" sldId="280"/>
-        </pc:sldMkLst>
-        <pc:spChg chg="mod">
-          <ac:chgData name="Long B Nguyen" userId="f59fb8f3-a021-417a-8bc1-65c8d471c621" providerId="ADAL" clId="{0A2D55A0-81A8-4E44-855B-5488B777D4BD}" dt="2020-09-22T04:40:52.026" v="101" actId="20577"/>
-          <ac:spMkLst>
-            <pc:docMk/>
-            <pc:sldMk cId="2925367410" sldId="280"/>
-            <ac:spMk id="9" creationId="{E3B2E017-30B2-884B-A113-B419A2ED51AD}"/>
-          </ac:spMkLst>
-        </pc:spChg>
-      </pc:sldChg>
-      <pc:sldChg chg="modSp">
-        <pc:chgData name="Long B Nguyen" userId="f59fb8f3-a021-417a-8bc1-65c8d471c621" providerId="ADAL" clId="{0A2D55A0-81A8-4E44-855B-5488B777D4BD}" dt="2020-09-24T11:23:44.909" v="153" actId="113"/>
-        <pc:sldMkLst>
-          <pc:docMk/>
-          <pc:sldMk cId="2119170476" sldId="281"/>
-        </pc:sldMkLst>
-        <pc:spChg chg="mod">
-          <ac:chgData name="Long B Nguyen" userId="f59fb8f3-a021-417a-8bc1-65c8d471c621" providerId="ADAL" clId="{0A2D55A0-81A8-4E44-855B-5488B777D4BD}" dt="2020-09-24T11:23:44.909" v="153" actId="113"/>
-          <ac:spMkLst>
-            <pc:docMk/>
-            <pc:sldMk cId="2119170476" sldId="281"/>
-            <ac:spMk id="9" creationId="{E3B2E017-30B2-884B-A113-B419A2ED51AD}"/>
-          </ac:spMkLst>
-        </pc:spChg>
-      </pc:sldChg>
-      <pc:sldChg chg="modSp">
-        <pc:chgData name="Long B Nguyen" userId="f59fb8f3-a021-417a-8bc1-65c8d471c621" providerId="ADAL" clId="{0A2D55A0-81A8-4E44-855B-5488B777D4BD}" dt="2020-09-22T13:32:11.637" v="120" actId="20577"/>
-        <pc:sldMkLst>
-          <pc:docMk/>
-          <pc:sldMk cId="558223950" sldId="285"/>
-        </pc:sldMkLst>
-        <pc:spChg chg="mod">
-          <ac:chgData name="Long B Nguyen" userId="f59fb8f3-a021-417a-8bc1-65c8d471c621" providerId="ADAL" clId="{0A2D55A0-81A8-4E44-855B-5488B777D4BD}" dt="2020-09-22T13:32:11.637" v="120" actId="20577"/>
-          <ac:spMkLst>
-            <pc:docMk/>
-            <pc:sldMk cId="558223950" sldId="285"/>
-            <ac:spMk id="9" creationId="{E3B2E017-30B2-884B-A113-B419A2ED51AD}"/>
-          </ac:spMkLst>
-        </pc:spChg>
-      </pc:sldChg>
-      <pc:sldChg chg="modSp mod modAnim">
-        <pc:chgData name="Long B Nguyen" userId="f59fb8f3-a021-417a-8bc1-65c8d471c621" providerId="ADAL" clId="{0A2D55A0-81A8-4E44-855B-5488B777D4BD}" dt="2020-09-24T11:46:06.195" v="281" actId="113"/>
-        <pc:sldMkLst>
-          <pc:docMk/>
-          <pc:sldMk cId="3711861066" sldId="295"/>
-        </pc:sldMkLst>
-        <pc:spChg chg="mod">
-          <ac:chgData name="Long B Nguyen" userId="f59fb8f3-a021-417a-8bc1-65c8d471c621" providerId="ADAL" clId="{0A2D55A0-81A8-4E44-855B-5488B777D4BD}" dt="2020-09-24T11:46:06.195" v="281" actId="113"/>
-          <ac:spMkLst>
-            <pc:docMk/>
-            <pc:sldMk cId="3711861066" sldId="295"/>
-            <ac:spMk id="9" creationId="{E3B2E017-30B2-884B-A113-B419A2ED51AD}"/>
-          </ac:spMkLst>
-        </pc:spChg>
-      </pc:sldChg>
-      <pc:sldChg chg="addSp modSp mod modAnim">
-        <pc:chgData name="Long B Nguyen" userId="f59fb8f3-a021-417a-8bc1-65c8d471c621" providerId="ADAL" clId="{0A2D55A0-81A8-4E44-855B-5488B777D4BD}" dt="2020-09-22T13:39:28.298" v="138" actId="14100"/>
-        <pc:sldMkLst>
-          <pc:docMk/>
-          <pc:sldMk cId="3705756631" sldId="300"/>
-        </pc:sldMkLst>
-        <pc:cxnChg chg="mod">
-          <ac:chgData name="Long B Nguyen" userId="f59fb8f3-a021-417a-8bc1-65c8d471c621" providerId="ADAL" clId="{0A2D55A0-81A8-4E44-855B-5488B777D4BD}" dt="2020-09-22T13:38:57.311" v="131" actId="14100"/>
-          <ac:cxnSpMkLst>
-            <pc:docMk/>
-            <pc:sldMk cId="3705756631" sldId="300"/>
-            <ac:cxnSpMk id="12" creationId="{9E356615-13B9-8146-8C06-5A99446B4AB7}"/>
-          </ac:cxnSpMkLst>
-        </pc:cxnChg>
-        <pc:cxnChg chg="add mod">
-          <ac:chgData name="Long B Nguyen" userId="f59fb8f3-a021-417a-8bc1-65c8d471c621" providerId="ADAL" clId="{0A2D55A0-81A8-4E44-855B-5488B777D4BD}" dt="2020-09-22T13:39:28.298" v="138" actId="14100"/>
-          <ac:cxnSpMkLst>
-            <pc:docMk/>
-            <pc:sldMk cId="3705756631" sldId="300"/>
-            <ac:cxnSpMk id="13" creationId="{7F2977E9-F9B1-0644-931A-CE158F3CAECE}"/>
-          </ac:cxnSpMkLst>
-        </pc:cxnChg>
-      </pc:sldChg>
-      <pc:sldChg chg="modSp">
-        <pc:chgData name="Long B Nguyen" userId="f59fb8f3-a021-417a-8bc1-65c8d471c621" providerId="ADAL" clId="{0A2D55A0-81A8-4E44-855B-5488B777D4BD}" dt="2020-09-24T11:45:02.282" v="277" actId="113"/>
-        <pc:sldMkLst>
-          <pc:docMk/>
-          <pc:sldMk cId="3618694306" sldId="301"/>
-        </pc:sldMkLst>
-        <pc:spChg chg="mod">
-          <ac:chgData name="Long B Nguyen" userId="f59fb8f3-a021-417a-8bc1-65c8d471c621" providerId="ADAL" clId="{0A2D55A0-81A8-4E44-855B-5488B777D4BD}" dt="2020-09-24T11:45:02.282" v="277" actId="113"/>
-          <ac:spMkLst>
-            <pc:docMk/>
-            <pc:sldMk cId="3618694306" sldId="301"/>
-            <ac:spMk id="9" creationId="{E3B2E017-30B2-884B-A113-B419A2ED51AD}"/>
-          </ac:spMkLst>
-        </pc:spChg>
-      </pc:sldChg>
-      <pc:sldChg chg="modSp mod">
-        <pc:chgData name="Long B Nguyen" userId="f59fb8f3-a021-417a-8bc1-65c8d471c621" providerId="ADAL" clId="{0A2D55A0-81A8-4E44-855B-5488B777D4BD}" dt="2020-09-24T11:47:44.276" v="418" actId="20577"/>
-        <pc:sldMkLst>
-          <pc:docMk/>
-          <pc:sldMk cId="2064379448" sldId="302"/>
-        </pc:sldMkLst>
-        <pc:spChg chg="mod">
-          <ac:chgData name="Long B Nguyen" userId="f59fb8f3-a021-417a-8bc1-65c8d471c621" providerId="ADAL" clId="{0A2D55A0-81A8-4E44-855B-5488B777D4BD}" dt="2020-09-24T11:47:44.276" v="418" actId="20577"/>
-          <ac:spMkLst>
-            <pc:docMk/>
-            <pc:sldMk cId="2064379448" sldId="302"/>
-            <ac:spMk id="9" creationId="{E3B2E017-30B2-884B-A113-B419A2ED51AD}"/>
-          </ac:spMkLst>
-        </pc:spChg>
-      </pc:sldChg>
-    </pc:docChg>
-  </pc:docChgLst>
-  <pc:docChgLst>
-    <pc:chgData name="Long B Nguyen" userId="f59fb8f3-a021-417a-8bc1-65c8d471c621" providerId="ADAL" clId="{920E45FF-707A-564B-83B3-9BA7BB1D0D1B}"/>
-    <pc:docChg chg="custSel addSld delSld modSld">
-      <pc:chgData name="Long B Nguyen" userId="f59fb8f3-a021-417a-8bc1-65c8d471c621" providerId="ADAL" clId="{920E45FF-707A-564B-83B3-9BA7BB1D0D1B}" dt="2021-03-25T13:59:06.614" v="7705" actId="478"/>
-      <pc:docMkLst>
-        <pc:docMk/>
-      </pc:docMkLst>
-      <pc:sldChg chg="del">
-        <pc:chgData name="Long B Nguyen" userId="f59fb8f3-a021-417a-8bc1-65c8d471c621" providerId="ADAL" clId="{920E45FF-707A-564B-83B3-9BA7BB1D0D1B}" dt="2021-03-09T12:16:12.775" v="0" actId="2696"/>
-        <pc:sldMkLst>
-          <pc:docMk/>
-          <pc:sldMk cId="2207246265" sldId="257"/>
-        </pc:sldMkLst>
-      </pc:sldChg>
-      <pc:sldChg chg="del">
-        <pc:chgData name="Long B Nguyen" userId="f59fb8f3-a021-417a-8bc1-65c8d471c621" providerId="ADAL" clId="{920E45FF-707A-564B-83B3-9BA7BB1D0D1B}" dt="2021-03-09T12:16:12.775" v="0" actId="2696"/>
-        <pc:sldMkLst>
-          <pc:docMk/>
-          <pc:sldMk cId="216453293" sldId="258"/>
-        </pc:sldMkLst>
-      </pc:sldChg>
-      <pc:sldChg chg="del">
-        <pc:chgData name="Long B Nguyen" userId="f59fb8f3-a021-417a-8bc1-65c8d471c621" providerId="ADAL" clId="{920E45FF-707A-564B-83B3-9BA7BB1D0D1B}" dt="2021-03-09T12:16:12.775" v="0" actId="2696"/>
-        <pc:sldMkLst>
-          <pc:docMk/>
-          <pc:sldMk cId="1889908786" sldId="259"/>
-        </pc:sldMkLst>
-      </pc:sldChg>
-      <pc:sldChg chg="del">
-        <pc:chgData name="Long B Nguyen" userId="f59fb8f3-a021-417a-8bc1-65c8d471c621" providerId="ADAL" clId="{920E45FF-707A-564B-83B3-9BA7BB1D0D1B}" dt="2021-03-09T12:16:12.775" v="0" actId="2696"/>
-        <pc:sldMkLst>
-          <pc:docMk/>
-          <pc:sldMk cId="3958537657" sldId="260"/>
-        </pc:sldMkLst>
-      </pc:sldChg>
-      <pc:sldChg chg="del">
-        <pc:chgData name="Long B Nguyen" userId="f59fb8f3-a021-417a-8bc1-65c8d471c621" providerId="ADAL" clId="{920E45FF-707A-564B-83B3-9BA7BB1D0D1B}" dt="2021-03-09T12:16:12.775" v="0" actId="2696"/>
-        <pc:sldMkLst>
-          <pc:docMk/>
-          <pc:sldMk cId="4103067120" sldId="261"/>
-        </pc:sldMkLst>
-      </pc:sldChg>
-      <pc:sldChg chg="del">
-        <pc:chgData name="Long B Nguyen" userId="f59fb8f3-a021-417a-8bc1-65c8d471c621" providerId="ADAL" clId="{920E45FF-707A-564B-83B3-9BA7BB1D0D1B}" dt="2021-03-09T12:16:12.775" v="0" actId="2696"/>
-        <pc:sldMkLst>
-          <pc:docMk/>
-          <pc:sldMk cId="905114398" sldId="264"/>
-        </pc:sldMkLst>
-      </pc:sldChg>
-      <pc:sldChg chg="del">
-        <pc:chgData name="Long B Nguyen" userId="f59fb8f3-a021-417a-8bc1-65c8d471c621" providerId="ADAL" clId="{920E45FF-707A-564B-83B3-9BA7BB1D0D1B}" dt="2021-03-09T12:16:12.775" v="0" actId="2696"/>
-        <pc:sldMkLst>
-          <pc:docMk/>
-          <pc:sldMk cId="3625497833" sldId="265"/>
-        </pc:sldMkLst>
-      </pc:sldChg>
-      <pc:sldChg chg="del">
-        <pc:chgData name="Long B Nguyen" userId="f59fb8f3-a021-417a-8bc1-65c8d471c621" providerId="ADAL" clId="{920E45FF-707A-564B-83B3-9BA7BB1D0D1B}" dt="2021-03-09T12:16:12.775" v="0" actId="2696"/>
-        <pc:sldMkLst>
-          <pc:docMk/>
-          <pc:sldMk cId="1690910164" sldId="267"/>
-        </pc:sldMkLst>
-      </pc:sldChg>
-      <pc:sldChg chg="del">
-        <pc:chgData name="Long B Nguyen" userId="f59fb8f3-a021-417a-8bc1-65c8d471c621" providerId="ADAL" clId="{920E45FF-707A-564B-83B3-9BA7BB1D0D1B}" dt="2021-03-09T12:16:12.775" v="0" actId="2696"/>
-        <pc:sldMkLst>
-          <pc:docMk/>
-          <pc:sldMk cId="3290810672" sldId="269"/>
-        </pc:sldMkLst>
-      </pc:sldChg>
-      <pc:sldChg chg="del">
-        <pc:chgData name="Long B Nguyen" userId="f59fb8f3-a021-417a-8bc1-65c8d471c621" providerId="ADAL" clId="{920E45FF-707A-564B-83B3-9BA7BB1D0D1B}" dt="2021-03-09T12:16:12.775" v="0" actId="2696"/>
-        <pc:sldMkLst>
-          <pc:docMk/>
-          <pc:sldMk cId="4224307978" sldId="270"/>
-        </pc:sldMkLst>
-      </pc:sldChg>
-      <pc:sldChg chg="del">
-        <pc:chgData name="Long B Nguyen" userId="f59fb8f3-a021-417a-8bc1-65c8d471c621" providerId="ADAL" clId="{920E45FF-707A-564B-83B3-9BA7BB1D0D1B}" dt="2021-03-09T12:16:12.775" v="0" actId="2696"/>
-        <pc:sldMkLst>
-          <pc:docMk/>
-          <pc:sldMk cId="2130507588" sldId="271"/>
-        </pc:sldMkLst>
-      </pc:sldChg>
-      <pc:sldChg chg="del">
-        <pc:chgData name="Long B Nguyen" userId="f59fb8f3-a021-417a-8bc1-65c8d471c621" providerId="ADAL" clId="{920E45FF-707A-564B-83B3-9BA7BB1D0D1B}" dt="2021-03-09T12:16:12.775" v="0" actId="2696"/>
-        <pc:sldMkLst>
-          <pc:docMk/>
-          <pc:sldMk cId="587435069" sldId="272"/>
+      <pc:sldChg chg="new del">
+        <pc:chgData name="Long Nguyen" userId="f59fb8f3-a021-417a-8bc1-65c8d471c621" providerId="ADAL" clId="{D60C57D7-CFE2-A74A-9812-FD74A3F6123F}" dt="2023-01-10T16:45:15.528" v="1110" actId="2696"/>
+        <pc:sldMkLst>
+          <pc:docMk/>
+          <pc:sldMk cId="3501866240" sldId="567"/>
         </pc:sldMkLst>
       </pc:sldChg>
       <pc:sldChg chg="modSp add mod">
-        <pc:chgData name="Long B Nguyen" userId="f59fb8f3-a021-417a-8bc1-65c8d471c621" providerId="ADAL" clId="{920E45FF-707A-564B-83B3-9BA7BB1D0D1B}" dt="2021-03-09T14:59:26.652" v="1720" actId="20577"/>
-        <pc:sldMkLst>
-          <pc:docMk/>
-          <pc:sldMk cId="3370589591" sldId="274"/>
-        </pc:sldMkLst>
-        <pc:spChg chg="mod">
-          <ac:chgData name="Long B Nguyen" userId="f59fb8f3-a021-417a-8bc1-65c8d471c621" providerId="ADAL" clId="{920E45FF-707A-564B-83B3-9BA7BB1D0D1B}" dt="2021-03-09T12:16:45.103" v="20" actId="1076"/>
-          <ac:spMkLst>
-            <pc:docMk/>
-            <pc:sldMk cId="3370589591" sldId="274"/>
-            <ac:spMk id="16385" creationId="{4498AE75-FAB7-A64A-B652-05526FC15FE3}"/>
-          </ac:spMkLst>
-        </pc:spChg>
-        <pc:spChg chg="mod">
-          <ac:chgData name="Long B Nguyen" userId="f59fb8f3-a021-417a-8bc1-65c8d471c621" providerId="ADAL" clId="{920E45FF-707A-564B-83B3-9BA7BB1D0D1B}" dt="2021-03-09T14:59:26.652" v="1720" actId="20577"/>
-          <ac:spMkLst>
-            <pc:docMk/>
-            <pc:sldMk cId="3370589591" sldId="274"/>
-            <ac:spMk id="171011" creationId="{A4934963-D788-7042-9063-DB3982108402}"/>
-          </ac:spMkLst>
-        </pc:spChg>
-      </pc:sldChg>
-      <pc:sldChg chg="del">
-        <pc:chgData name="Long B Nguyen" userId="f59fb8f3-a021-417a-8bc1-65c8d471c621" providerId="ADAL" clId="{920E45FF-707A-564B-83B3-9BA7BB1D0D1B}" dt="2021-03-09T12:16:12.775" v="0" actId="2696"/>
-        <pc:sldMkLst>
-          <pc:docMk/>
-          <pc:sldMk cId="2925367410" sldId="280"/>
-        </pc:sldMkLst>
-      </pc:sldChg>
-      <pc:sldChg chg="del">
-        <pc:chgData name="Long B Nguyen" userId="f59fb8f3-a021-417a-8bc1-65c8d471c621" providerId="ADAL" clId="{920E45FF-707A-564B-83B3-9BA7BB1D0D1B}" dt="2021-03-09T12:16:12.775" v="0" actId="2696"/>
-        <pc:sldMkLst>
-          <pc:docMk/>
-          <pc:sldMk cId="2119170476" sldId="281"/>
-        </pc:sldMkLst>
-      </pc:sldChg>
-      <pc:sldChg chg="modSp add del mod">
-        <pc:chgData name="Long B Nguyen" userId="f59fb8f3-a021-417a-8bc1-65c8d471c621" providerId="ADAL" clId="{920E45FF-707A-564B-83B3-9BA7BB1D0D1B}" dt="2021-03-10T13:28:34.854" v="1983" actId="2696"/>
-        <pc:sldMkLst>
-          <pc:docMk/>
-          <pc:sldMk cId="2464407252" sldId="281"/>
-        </pc:sldMkLst>
-        <pc:spChg chg="mod">
-          <ac:chgData name="Long B Nguyen" userId="f59fb8f3-a021-417a-8bc1-65c8d471c621" providerId="ADAL" clId="{920E45FF-707A-564B-83B3-9BA7BB1D0D1B}" dt="2021-03-10T13:28:32.906" v="1982" actId="20577"/>
-          <ac:spMkLst>
-            <pc:docMk/>
-            <pc:sldMk cId="2464407252" sldId="281"/>
-            <ac:spMk id="34817" creationId="{11AEAF6E-9EFD-D249-8491-C28965D0E38A}"/>
-          </ac:spMkLst>
-        </pc:spChg>
-        <pc:spChg chg="mod">
-          <ac:chgData name="Long B Nguyen" userId="f59fb8f3-a021-417a-8bc1-65c8d471c621" providerId="ADAL" clId="{920E45FF-707A-564B-83B3-9BA7BB1D0D1B}" dt="2021-03-09T14:59:07.679" v="1718" actId="1076"/>
-          <ac:spMkLst>
-            <pc:docMk/>
-            <pc:sldMk cId="2464407252" sldId="281"/>
-            <ac:spMk id="34818" creationId="{E3F2A32A-6990-8744-8B08-C65BDFED5DBE}"/>
-          </ac:spMkLst>
-        </pc:spChg>
-      </pc:sldChg>
-      <pc:sldChg chg="del">
-        <pc:chgData name="Long B Nguyen" userId="f59fb8f3-a021-417a-8bc1-65c8d471c621" providerId="ADAL" clId="{920E45FF-707A-564B-83B3-9BA7BB1D0D1B}" dt="2021-03-09T12:16:12.775" v="0" actId="2696"/>
-        <pc:sldMkLst>
-          <pc:docMk/>
-          <pc:sldMk cId="1438711869" sldId="284"/>
-        </pc:sldMkLst>
-      </pc:sldChg>
-      <pc:sldChg chg="del">
-        <pc:chgData name="Long B Nguyen" userId="f59fb8f3-a021-417a-8bc1-65c8d471c621" providerId="ADAL" clId="{920E45FF-707A-564B-83B3-9BA7BB1D0D1B}" dt="2021-03-09T12:16:12.775" v="0" actId="2696"/>
-        <pc:sldMkLst>
-          <pc:docMk/>
-          <pc:sldMk cId="558223950" sldId="285"/>
-        </pc:sldMkLst>
-      </pc:sldChg>
-      <pc:sldChg chg="modSp mod">
-        <pc:chgData name="Long B Nguyen" userId="f59fb8f3-a021-417a-8bc1-65c8d471c621" providerId="ADAL" clId="{920E45FF-707A-564B-83B3-9BA7BB1D0D1B}" dt="2021-03-09T12:16:19.398" v="16" actId="20577"/>
-        <pc:sldMkLst>
-          <pc:docMk/>
-          <pc:sldMk cId="3974060782" sldId="289"/>
-        </pc:sldMkLst>
-        <pc:spChg chg="mod">
-          <ac:chgData name="Long B Nguyen" userId="f59fb8f3-a021-417a-8bc1-65c8d471c621" providerId="ADAL" clId="{920E45FF-707A-564B-83B3-9BA7BB1D0D1B}" dt="2021-03-09T12:16:16.506" v="15" actId="20577"/>
-          <ac:spMkLst>
-            <pc:docMk/>
-            <pc:sldMk cId="3974060782" sldId="289"/>
-            <ac:spMk id="2" creationId="{6117A749-B1BA-E24B-8FB0-0604EF651FB3}"/>
-          </ac:spMkLst>
-        </pc:spChg>
-        <pc:spChg chg="mod">
-          <ac:chgData name="Long B Nguyen" userId="f59fb8f3-a021-417a-8bc1-65c8d471c621" providerId="ADAL" clId="{920E45FF-707A-564B-83B3-9BA7BB1D0D1B}" dt="2021-03-09T12:16:19.398" v="16" actId="20577"/>
-          <ac:spMkLst>
-            <pc:docMk/>
-            <pc:sldMk cId="3974060782" sldId="289"/>
-            <ac:spMk id="3" creationId="{1BDC47C8-6776-7B44-9CD4-95FC91452D62}"/>
-          </ac:spMkLst>
-        </pc:spChg>
-      </pc:sldChg>
-      <pc:sldChg chg="addSp modSp new mod">
-        <pc:chgData name="Long B Nguyen" userId="f59fb8f3-a021-417a-8bc1-65c8d471c621" providerId="ADAL" clId="{920E45FF-707A-564B-83B3-9BA7BB1D0D1B}" dt="2021-03-09T12:30:44.527" v="166" actId="1076"/>
-        <pc:sldMkLst>
-          <pc:docMk/>
-          <pc:sldMk cId="3060627139" sldId="290"/>
-        </pc:sldMkLst>
-        <pc:picChg chg="add mod">
-          <ac:chgData name="Long B Nguyen" userId="f59fb8f3-a021-417a-8bc1-65c8d471c621" providerId="ADAL" clId="{920E45FF-707A-564B-83B3-9BA7BB1D0D1B}" dt="2021-03-09T12:30:44.527" v="166" actId="1076"/>
-          <ac:picMkLst>
-            <pc:docMk/>
-            <pc:sldMk cId="3060627139" sldId="290"/>
-            <ac:picMk id="4" creationId="{6F3D8FDF-8A26-D44A-94CC-CBE96B1D996C}"/>
-          </ac:picMkLst>
-        </pc:picChg>
-      </pc:sldChg>
-      <pc:sldChg chg="new del">
-        <pc:chgData name="Long B Nguyen" userId="f59fb8f3-a021-417a-8bc1-65c8d471c621" providerId="ADAL" clId="{920E45FF-707A-564B-83B3-9BA7BB1D0D1B}" dt="2021-03-09T12:18:38.411" v="60" actId="2696"/>
-        <pc:sldMkLst>
-          <pc:docMk/>
-          <pc:sldMk cId="700054667" sldId="291"/>
-        </pc:sldMkLst>
-      </pc:sldChg>
-      <pc:sldChg chg="addSp delSp modSp new mod modAnim">
-        <pc:chgData name="Long B Nguyen" userId="f59fb8f3-a021-417a-8bc1-65c8d471c621" providerId="ADAL" clId="{920E45FF-707A-564B-83B3-9BA7BB1D0D1B}" dt="2021-03-10T13:27:50.019" v="1970"/>
-        <pc:sldMkLst>
-          <pc:docMk/>
-          <pc:sldMk cId="3188689728" sldId="291"/>
-        </pc:sldMkLst>
-        <pc:spChg chg="del">
-          <ac:chgData name="Long B Nguyen" userId="f59fb8f3-a021-417a-8bc1-65c8d471c621" providerId="ADAL" clId="{920E45FF-707A-564B-83B3-9BA7BB1D0D1B}" dt="2021-03-09T12:18:46.248" v="65" actId="478"/>
-          <ac:spMkLst>
-            <pc:docMk/>
-            <pc:sldMk cId="3188689728" sldId="291"/>
-            <ac:spMk id="2" creationId="{BA467186-28F1-3046-8AF9-CBBDBC266CBD}"/>
-          </ac:spMkLst>
-        </pc:spChg>
-        <pc:spChg chg="mod">
-          <ac:chgData name="Long B Nguyen" userId="f59fb8f3-a021-417a-8bc1-65c8d471c621" providerId="ADAL" clId="{920E45FF-707A-564B-83B3-9BA7BB1D0D1B}" dt="2021-03-09T15:00:59.922" v="1968" actId="207"/>
-          <ac:spMkLst>
-            <pc:docMk/>
-            <pc:sldMk cId="3188689728" sldId="291"/>
-            <ac:spMk id="3" creationId="{0CCEF01D-6BE2-8B40-B73C-E8115F523D49}"/>
-          </ac:spMkLst>
-        </pc:spChg>
-        <pc:spChg chg="add del mod">
-          <ac:chgData name="Long B Nguyen" userId="f59fb8f3-a021-417a-8bc1-65c8d471c621" providerId="ADAL" clId="{920E45FF-707A-564B-83B3-9BA7BB1D0D1B}" dt="2021-03-09T15:00:06.432" v="1723" actId="478"/>
-          <ac:spMkLst>
-            <pc:docMk/>
-            <pc:sldMk cId="3188689728" sldId="291"/>
-            <ac:spMk id="4" creationId="{B5756428-57C4-C742-9489-D55E4E64446E}"/>
-          </ac:spMkLst>
-        </pc:spChg>
-      </pc:sldChg>
-      <pc:sldChg chg="addSp modSp new del mod">
-        <pc:chgData name="Long B Nguyen" userId="f59fb8f3-a021-417a-8bc1-65c8d471c621" providerId="ADAL" clId="{920E45FF-707A-564B-83B3-9BA7BB1D0D1B}" dt="2021-03-09T12:30:02.789" v="162" actId="2696"/>
-        <pc:sldMkLst>
-          <pc:docMk/>
-          <pc:sldMk cId="1409926149" sldId="292"/>
-        </pc:sldMkLst>
-        <pc:spChg chg="mod">
-          <ac:chgData name="Long B Nguyen" userId="f59fb8f3-a021-417a-8bc1-65c8d471c621" providerId="ADAL" clId="{920E45FF-707A-564B-83B3-9BA7BB1D0D1B}" dt="2021-03-09T12:20:32.233" v="87" actId="20577"/>
-          <ac:spMkLst>
-            <pc:docMk/>
-            <pc:sldMk cId="1409926149" sldId="292"/>
-            <ac:spMk id="2" creationId="{568931FE-8405-6D44-9EC1-D987F6FE97E0}"/>
-          </ac:spMkLst>
-        </pc:spChg>
-        <pc:picChg chg="add mod">
-          <ac:chgData name="Long B Nguyen" userId="f59fb8f3-a021-417a-8bc1-65c8d471c621" providerId="ADAL" clId="{920E45FF-707A-564B-83B3-9BA7BB1D0D1B}" dt="2021-03-09T12:20:29.761" v="75" actId="1076"/>
-          <ac:picMkLst>
-            <pc:docMk/>
-            <pc:sldMk cId="1409926149" sldId="292"/>
-            <ac:picMk id="4" creationId="{1804EC61-F984-8649-A13C-49F5D0213753}"/>
-          </ac:picMkLst>
-        </pc:picChg>
-      </pc:sldChg>
-      <pc:sldChg chg="add">
-        <pc:chgData name="Long B Nguyen" userId="f59fb8f3-a021-417a-8bc1-65c8d471c621" providerId="ADAL" clId="{920E45FF-707A-564B-83B3-9BA7BB1D0D1B}" dt="2021-03-09T12:30:06.907" v="163"/>
-        <pc:sldMkLst>
-          <pc:docMk/>
-          <pc:sldMk cId="2755149540" sldId="292"/>
-        </pc:sldMkLst>
-      </pc:sldChg>
-      <pc:sldChg chg="del">
-        <pc:chgData name="Long B Nguyen" userId="f59fb8f3-a021-417a-8bc1-65c8d471c621" providerId="ADAL" clId="{920E45FF-707A-564B-83B3-9BA7BB1D0D1B}" dt="2021-03-09T12:16:12.775" v="0" actId="2696"/>
-        <pc:sldMkLst>
-          <pc:docMk/>
-          <pc:sldMk cId="1581961275" sldId="293"/>
-        </pc:sldMkLst>
-      </pc:sldChg>
-      <pc:sldChg chg="addSp delSp modSp new mod">
-        <pc:chgData name="Long B Nguyen" userId="f59fb8f3-a021-417a-8bc1-65c8d471c621" providerId="ADAL" clId="{920E45FF-707A-564B-83B3-9BA7BB1D0D1B}" dt="2021-03-09T12:21:48.886" v="91" actId="1076"/>
-        <pc:sldMkLst>
-          <pc:docMk/>
-          <pc:sldMk cId="1975834179" sldId="293"/>
-        </pc:sldMkLst>
-        <pc:spChg chg="del">
-          <ac:chgData name="Long B Nguyen" userId="f59fb8f3-a021-417a-8bc1-65c8d471c621" providerId="ADAL" clId="{920E45FF-707A-564B-83B3-9BA7BB1D0D1B}" dt="2021-03-09T12:21:45.345" v="89" actId="478"/>
-          <ac:spMkLst>
-            <pc:docMk/>
-            <pc:sldMk cId="1975834179" sldId="293"/>
-            <ac:spMk id="2" creationId="{5B43D669-1C0D-8647-9EE0-ACF7592A34C1}"/>
-          </ac:spMkLst>
-        </pc:spChg>
-        <pc:spChg chg="del">
-          <ac:chgData name="Long B Nguyen" userId="f59fb8f3-a021-417a-8bc1-65c8d471c621" providerId="ADAL" clId="{920E45FF-707A-564B-83B3-9BA7BB1D0D1B}" dt="2021-03-09T12:21:46.991" v="90"/>
-          <ac:spMkLst>
-            <pc:docMk/>
-            <pc:sldMk cId="1975834179" sldId="293"/>
-            <ac:spMk id="3" creationId="{48DFA0B0-6849-A947-97E5-0B99076AA4EA}"/>
-          </ac:spMkLst>
-        </pc:spChg>
-        <pc:picChg chg="add mod">
-          <ac:chgData name="Long B Nguyen" userId="f59fb8f3-a021-417a-8bc1-65c8d471c621" providerId="ADAL" clId="{920E45FF-707A-564B-83B3-9BA7BB1D0D1B}" dt="2021-03-09T12:21:48.886" v="91" actId="1076"/>
-          <ac:picMkLst>
-            <pc:docMk/>
-            <pc:sldMk cId="1975834179" sldId="293"/>
-            <ac:picMk id="4" creationId="{4E1F62D6-4581-1640-8ED4-FBC91B065917}"/>
-          </ac:picMkLst>
-        </pc:picChg>
-      </pc:sldChg>
-      <pc:sldChg chg="addSp modSp new mod">
-        <pc:chgData name="Long B Nguyen" userId="f59fb8f3-a021-417a-8bc1-65c8d471c621" providerId="ADAL" clId="{920E45FF-707A-564B-83B3-9BA7BB1D0D1B}" dt="2021-03-09T12:22:32.425" v="96" actId="1076"/>
-        <pc:sldMkLst>
-          <pc:docMk/>
-          <pc:sldMk cId="3607987310" sldId="294"/>
-        </pc:sldMkLst>
-        <pc:picChg chg="add mod">
-          <ac:chgData name="Long B Nguyen" userId="f59fb8f3-a021-417a-8bc1-65c8d471c621" providerId="ADAL" clId="{920E45FF-707A-564B-83B3-9BA7BB1D0D1B}" dt="2021-03-09T12:22:10.908" v="94" actId="1076"/>
-          <ac:picMkLst>
-            <pc:docMk/>
-            <pc:sldMk cId="3607987310" sldId="294"/>
-            <ac:picMk id="4" creationId="{BF99C365-AFD6-5349-BDD9-31E21D24AC2B}"/>
-          </ac:picMkLst>
-        </pc:picChg>
-        <pc:picChg chg="add mod">
-          <ac:chgData name="Long B Nguyen" userId="f59fb8f3-a021-417a-8bc1-65c8d471c621" providerId="ADAL" clId="{920E45FF-707A-564B-83B3-9BA7BB1D0D1B}" dt="2021-03-09T12:22:32.425" v="96" actId="1076"/>
-          <ac:picMkLst>
-            <pc:docMk/>
-            <pc:sldMk cId="3607987310" sldId="294"/>
-            <ac:picMk id="5" creationId="{81FBF7FA-8967-1540-B6A1-DA4AB2FE2A38}"/>
-          </ac:picMkLst>
-        </pc:picChg>
-      </pc:sldChg>
-      <pc:sldChg chg="addSp modSp new mod">
-        <pc:chgData name="Long B Nguyen" userId="f59fb8f3-a021-417a-8bc1-65c8d471c621" providerId="ADAL" clId="{920E45FF-707A-564B-83B3-9BA7BB1D0D1B}" dt="2021-03-09T12:23:58.493" v="108" actId="1076"/>
-        <pc:sldMkLst>
-          <pc:docMk/>
-          <pc:sldMk cId="3509019239" sldId="295"/>
-        </pc:sldMkLst>
-        <pc:picChg chg="add mod">
-          <ac:chgData name="Long B Nguyen" userId="f59fb8f3-a021-417a-8bc1-65c8d471c621" providerId="ADAL" clId="{920E45FF-707A-564B-83B3-9BA7BB1D0D1B}" dt="2021-03-09T12:22:48.668" v="99" actId="1076"/>
-          <ac:picMkLst>
-            <pc:docMk/>
-            <pc:sldMk cId="3509019239" sldId="295"/>
-            <ac:picMk id="4" creationId="{44EB853C-D5A5-0142-B52F-6324DB3017B7}"/>
-          </ac:picMkLst>
-        </pc:picChg>
-        <pc:picChg chg="add mod">
-          <ac:chgData name="Long B Nguyen" userId="f59fb8f3-a021-417a-8bc1-65c8d471c621" providerId="ADAL" clId="{920E45FF-707A-564B-83B3-9BA7BB1D0D1B}" dt="2021-03-09T12:23:49.814" v="106" actId="1076"/>
-          <ac:picMkLst>
-            <pc:docMk/>
-            <pc:sldMk cId="3509019239" sldId="295"/>
-            <ac:picMk id="5" creationId="{0139728A-9217-EB47-8C88-DC64BF1AF4CA}"/>
-          </ac:picMkLst>
-        </pc:picChg>
-        <pc:picChg chg="add mod">
-          <ac:chgData name="Long B Nguyen" userId="f59fb8f3-a021-417a-8bc1-65c8d471c621" providerId="ADAL" clId="{920E45FF-707A-564B-83B3-9BA7BB1D0D1B}" dt="2021-03-09T12:23:58.493" v="108" actId="1076"/>
-          <ac:picMkLst>
-            <pc:docMk/>
-            <pc:sldMk cId="3509019239" sldId="295"/>
-            <ac:picMk id="6" creationId="{391A00DB-11B7-1C4F-A467-834357B0E5EF}"/>
-          </ac:picMkLst>
-        </pc:picChg>
-      </pc:sldChg>
-      <pc:sldChg chg="del">
-        <pc:chgData name="Long B Nguyen" userId="f59fb8f3-a021-417a-8bc1-65c8d471c621" providerId="ADAL" clId="{920E45FF-707A-564B-83B3-9BA7BB1D0D1B}" dt="2021-03-09T12:16:12.775" v="0" actId="2696"/>
-        <pc:sldMkLst>
-          <pc:docMk/>
-          <pc:sldMk cId="3711861066" sldId="295"/>
-        </pc:sldMkLst>
-      </pc:sldChg>
-      <pc:sldChg chg="addSp delSp modSp new mod">
-        <pc:chgData name="Long B Nguyen" userId="f59fb8f3-a021-417a-8bc1-65c8d471c621" providerId="ADAL" clId="{920E45FF-707A-564B-83B3-9BA7BB1D0D1B}" dt="2021-03-09T12:27:02.875" v="123" actId="1076"/>
-        <pc:sldMkLst>
-          <pc:docMk/>
-          <pc:sldMk cId="1560082541" sldId="296"/>
-        </pc:sldMkLst>
-        <pc:picChg chg="add del mod">
-          <ac:chgData name="Long B Nguyen" userId="f59fb8f3-a021-417a-8bc1-65c8d471c621" providerId="ADAL" clId="{920E45FF-707A-564B-83B3-9BA7BB1D0D1B}" dt="2021-03-09T12:23:47.331" v="105" actId="21"/>
-          <ac:picMkLst>
-            <pc:docMk/>
-            <pc:sldMk cId="1560082541" sldId="296"/>
-            <ac:picMk id="4" creationId="{A958929C-4D3B-F643-8AD4-9CC1765A49B1}"/>
-          </ac:picMkLst>
-        </pc:picChg>
-        <pc:picChg chg="add mod">
-          <ac:chgData name="Long B Nguyen" userId="f59fb8f3-a021-417a-8bc1-65c8d471c621" providerId="ADAL" clId="{920E45FF-707A-564B-83B3-9BA7BB1D0D1B}" dt="2021-03-09T12:27:02.875" v="123" actId="1076"/>
-          <ac:picMkLst>
-            <pc:docMk/>
-            <pc:sldMk cId="1560082541" sldId="296"/>
-            <ac:picMk id="5" creationId="{23579F0B-4635-8647-AC63-5180C63AFDF4}"/>
-          </ac:picMkLst>
-        </pc:picChg>
-        <pc:picChg chg="add del mod">
-          <ac:chgData name="Long B Nguyen" userId="f59fb8f3-a021-417a-8bc1-65c8d471c621" providerId="ADAL" clId="{920E45FF-707A-564B-83B3-9BA7BB1D0D1B}" dt="2021-03-09T12:27:01.246" v="122" actId="478"/>
-          <ac:picMkLst>
-            <pc:docMk/>
-            <pc:sldMk cId="1560082541" sldId="296"/>
-            <ac:picMk id="6" creationId="{6E4CC2A2-87AF-A149-9652-C5BEA04D1079}"/>
-          </ac:picMkLst>
-        </pc:picChg>
-      </pc:sldChg>
-      <pc:sldChg chg="del">
-        <pc:chgData name="Long B Nguyen" userId="f59fb8f3-a021-417a-8bc1-65c8d471c621" providerId="ADAL" clId="{920E45FF-707A-564B-83B3-9BA7BB1D0D1B}" dt="2021-03-09T12:16:12.775" v="0" actId="2696"/>
-        <pc:sldMkLst>
-          <pc:docMk/>
-          <pc:sldMk cId="2081483973" sldId="296"/>
-        </pc:sldMkLst>
-      </pc:sldChg>
-      <pc:sldChg chg="addSp modSp new mod">
-        <pc:chgData name="Long B Nguyen" userId="f59fb8f3-a021-417a-8bc1-65c8d471c621" providerId="ADAL" clId="{920E45FF-707A-564B-83B3-9BA7BB1D0D1B}" dt="2021-03-09T12:24:52.619" v="117" actId="14100"/>
-        <pc:sldMkLst>
-          <pc:docMk/>
-          <pc:sldMk cId="2517486256" sldId="297"/>
-        </pc:sldMkLst>
-        <pc:picChg chg="add mod">
-          <ac:chgData name="Long B Nguyen" userId="f59fb8f3-a021-417a-8bc1-65c8d471c621" providerId="ADAL" clId="{920E45FF-707A-564B-83B3-9BA7BB1D0D1B}" dt="2021-03-09T12:24:52.619" v="117" actId="14100"/>
-          <ac:picMkLst>
-            <pc:docMk/>
-            <pc:sldMk cId="2517486256" sldId="297"/>
-            <ac:picMk id="4" creationId="{CDEFDA8B-B992-9342-B9F8-53DAB874D5B8}"/>
-          </ac:picMkLst>
-        </pc:picChg>
-        <pc:picChg chg="add mod">
-          <ac:chgData name="Long B Nguyen" userId="f59fb8f3-a021-417a-8bc1-65c8d471c621" providerId="ADAL" clId="{920E45FF-707A-564B-83B3-9BA7BB1D0D1B}" dt="2021-03-09T12:24:49.779" v="116" actId="1076"/>
-          <ac:picMkLst>
-            <pc:docMk/>
-            <pc:sldMk cId="2517486256" sldId="297"/>
-            <ac:picMk id="5" creationId="{5AB7D984-9986-344E-974D-D888122BDC90}"/>
-          </ac:picMkLst>
-        </pc:picChg>
-      </pc:sldChg>
-      <pc:sldChg chg="addSp new">
-        <pc:chgData name="Long B Nguyen" userId="f59fb8f3-a021-417a-8bc1-65c8d471c621" providerId="ADAL" clId="{920E45FF-707A-564B-83B3-9BA7BB1D0D1B}" dt="2021-03-09T12:27:16.243" v="125"/>
-        <pc:sldMkLst>
-          <pc:docMk/>
-          <pc:sldMk cId="2398448081" sldId="298"/>
-        </pc:sldMkLst>
-        <pc:picChg chg="add">
-          <ac:chgData name="Long B Nguyen" userId="f59fb8f3-a021-417a-8bc1-65c8d471c621" providerId="ADAL" clId="{920E45FF-707A-564B-83B3-9BA7BB1D0D1B}" dt="2021-03-09T12:27:16.243" v="125"/>
-          <ac:picMkLst>
-            <pc:docMk/>
-            <pc:sldMk cId="2398448081" sldId="298"/>
-            <ac:picMk id="4" creationId="{400A85EA-16D8-B443-B8DC-81D509B09F7F}"/>
-          </ac:picMkLst>
-        </pc:picChg>
-      </pc:sldChg>
-      <pc:sldChg chg="del">
-        <pc:chgData name="Long B Nguyen" userId="f59fb8f3-a021-417a-8bc1-65c8d471c621" providerId="ADAL" clId="{920E45FF-707A-564B-83B3-9BA7BB1D0D1B}" dt="2021-03-09T12:16:12.775" v="0" actId="2696"/>
-        <pc:sldMkLst>
-          <pc:docMk/>
-          <pc:sldMk cId="2878025650" sldId="298"/>
-        </pc:sldMkLst>
-      </pc:sldChg>
-      <pc:sldChg chg="addSp new">
-        <pc:chgData name="Long B Nguyen" userId="f59fb8f3-a021-417a-8bc1-65c8d471c621" providerId="ADAL" clId="{920E45FF-707A-564B-83B3-9BA7BB1D0D1B}" dt="2021-03-09T12:27:41.188" v="127"/>
-        <pc:sldMkLst>
-          <pc:docMk/>
-          <pc:sldMk cId="178214256" sldId="299"/>
-        </pc:sldMkLst>
-        <pc:picChg chg="add">
-          <ac:chgData name="Long B Nguyen" userId="f59fb8f3-a021-417a-8bc1-65c8d471c621" providerId="ADAL" clId="{920E45FF-707A-564B-83B3-9BA7BB1D0D1B}" dt="2021-03-09T12:27:41.188" v="127"/>
-          <ac:picMkLst>
-            <pc:docMk/>
-            <pc:sldMk cId="178214256" sldId="299"/>
-            <ac:picMk id="4" creationId="{CE68473D-2B77-7449-9E81-EBC05D0883F7}"/>
-          </ac:picMkLst>
-        </pc:picChg>
-      </pc:sldChg>
-      <pc:sldChg chg="del">
-        <pc:chgData name="Long B Nguyen" userId="f59fb8f3-a021-417a-8bc1-65c8d471c621" providerId="ADAL" clId="{920E45FF-707A-564B-83B3-9BA7BB1D0D1B}" dt="2021-03-09T12:16:12.775" v="0" actId="2696"/>
-        <pc:sldMkLst>
-          <pc:docMk/>
-          <pc:sldMk cId="1822161854" sldId="299"/>
-        </pc:sldMkLst>
-      </pc:sldChg>
-      <pc:sldChg chg="del">
-        <pc:chgData name="Long B Nguyen" userId="f59fb8f3-a021-417a-8bc1-65c8d471c621" providerId="ADAL" clId="{920E45FF-707A-564B-83B3-9BA7BB1D0D1B}" dt="2021-03-09T12:16:12.775" v="0" actId="2696"/>
-        <pc:sldMkLst>
-          <pc:docMk/>
-          <pc:sldMk cId="3705756631" sldId="300"/>
-        </pc:sldMkLst>
-      </pc:sldChg>
-      <pc:sldChg chg="addSp delSp modSp new mod">
-        <pc:chgData name="Long B Nguyen" userId="f59fb8f3-a021-417a-8bc1-65c8d471c621" providerId="ADAL" clId="{920E45FF-707A-564B-83B3-9BA7BB1D0D1B}" dt="2021-03-09T12:28:25.178" v="152" actId="113"/>
-        <pc:sldMkLst>
-          <pc:docMk/>
-          <pc:sldMk cId="4244750941" sldId="300"/>
-        </pc:sldMkLst>
-        <pc:spChg chg="del">
-          <ac:chgData name="Long B Nguyen" userId="f59fb8f3-a021-417a-8bc1-65c8d471c621" providerId="ADAL" clId="{920E45FF-707A-564B-83B3-9BA7BB1D0D1B}" dt="2021-03-09T12:28:18.600" v="149" actId="478"/>
-          <ac:spMkLst>
-            <pc:docMk/>
-            <pc:sldMk cId="4244750941" sldId="300"/>
-            <ac:spMk id="2" creationId="{A83D8E15-C804-DE46-9686-BF4D857CF8E6}"/>
-          </ac:spMkLst>
-        </pc:spChg>
-        <pc:spChg chg="del">
-          <ac:chgData name="Long B Nguyen" userId="f59fb8f3-a021-417a-8bc1-65c8d471c621" providerId="ADAL" clId="{920E45FF-707A-564B-83B3-9BA7BB1D0D1B}" dt="2021-03-09T12:28:21.136" v="150" actId="478"/>
-          <ac:spMkLst>
-            <pc:docMk/>
-            <pc:sldMk cId="4244750941" sldId="300"/>
-            <ac:spMk id="3" creationId="{CA3D188B-CA1D-6A4C-AF47-6D4474729212}"/>
-          </ac:spMkLst>
-        </pc:spChg>
-        <pc:spChg chg="add mod">
-          <ac:chgData name="Long B Nguyen" userId="f59fb8f3-a021-417a-8bc1-65c8d471c621" providerId="ADAL" clId="{920E45FF-707A-564B-83B3-9BA7BB1D0D1B}" dt="2021-03-09T12:28:25.178" v="152" actId="113"/>
-          <ac:spMkLst>
-            <pc:docMk/>
-            <pc:sldMk cId="4244750941" sldId="300"/>
-            <ac:spMk id="5" creationId="{A7A12944-A27C-664D-B361-CA3189DBCD3F}"/>
-          </ac:spMkLst>
-        </pc:spChg>
-        <pc:picChg chg="add mod">
-          <ac:chgData name="Long B Nguyen" userId="f59fb8f3-a021-417a-8bc1-65c8d471c621" providerId="ADAL" clId="{920E45FF-707A-564B-83B3-9BA7BB1D0D1B}" dt="2021-03-09T12:28:15.187" v="147" actId="1076"/>
-          <ac:picMkLst>
-            <pc:docMk/>
-            <pc:sldMk cId="4244750941" sldId="300"/>
-            <ac:picMk id="4" creationId="{8B212309-4083-A94B-9938-897B10EFFF64}"/>
-          </ac:picMkLst>
-        </pc:picChg>
-      </pc:sldChg>
-      <pc:sldChg chg="addSp new">
-        <pc:chgData name="Long B Nguyen" userId="f59fb8f3-a021-417a-8bc1-65c8d471c621" providerId="ADAL" clId="{920E45FF-707A-564B-83B3-9BA7BB1D0D1B}" dt="2021-03-09T12:28:45.949" v="154"/>
-        <pc:sldMkLst>
-          <pc:docMk/>
-          <pc:sldMk cId="3554970501" sldId="301"/>
-        </pc:sldMkLst>
-        <pc:picChg chg="add">
-          <ac:chgData name="Long B Nguyen" userId="f59fb8f3-a021-417a-8bc1-65c8d471c621" providerId="ADAL" clId="{920E45FF-707A-564B-83B3-9BA7BB1D0D1B}" dt="2021-03-09T12:28:45.949" v="154"/>
-          <ac:picMkLst>
-            <pc:docMk/>
-            <pc:sldMk cId="3554970501" sldId="301"/>
-            <ac:picMk id="4" creationId="{2FEBAF38-3332-1E48-8E8B-5F239F9682E8}"/>
-          </ac:picMkLst>
-        </pc:picChg>
-      </pc:sldChg>
-      <pc:sldChg chg="del">
-        <pc:chgData name="Long B Nguyen" userId="f59fb8f3-a021-417a-8bc1-65c8d471c621" providerId="ADAL" clId="{920E45FF-707A-564B-83B3-9BA7BB1D0D1B}" dt="2021-03-09T12:16:12.775" v="0" actId="2696"/>
-        <pc:sldMkLst>
-          <pc:docMk/>
-          <pc:sldMk cId="3618694306" sldId="301"/>
-        </pc:sldMkLst>
-      </pc:sldChg>
-      <pc:sldChg chg="addSp delSp modSp new mod">
-        <pc:chgData name="Long B Nguyen" userId="f59fb8f3-a021-417a-8bc1-65c8d471c621" providerId="ADAL" clId="{920E45FF-707A-564B-83B3-9BA7BB1D0D1B}" dt="2021-03-09T12:29:48.797" v="161" actId="478"/>
-        <pc:sldMkLst>
-          <pc:docMk/>
-          <pc:sldMk cId="1398428475" sldId="302"/>
-        </pc:sldMkLst>
-        <pc:spChg chg="del">
-          <ac:chgData name="Long B Nguyen" userId="f59fb8f3-a021-417a-8bc1-65c8d471c621" providerId="ADAL" clId="{920E45FF-707A-564B-83B3-9BA7BB1D0D1B}" dt="2021-03-09T12:29:48.797" v="161" actId="478"/>
-          <ac:spMkLst>
-            <pc:docMk/>
-            <pc:sldMk cId="1398428475" sldId="302"/>
-            <ac:spMk id="2" creationId="{AC833A82-2DA6-3648-962F-3B5CE3F19F0B}"/>
-          </ac:spMkLst>
-        </pc:spChg>
-        <pc:spChg chg="add mod">
-          <ac:chgData name="Long B Nguyen" userId="f59fb8f3-a021-417a-8bc1-65c8d471c621" providerId="ADAL" clId="{920E45FF-707A-564B-83B3-9BA7BB1D0D1B}" dt="2021-03-09T12:29:42.807" v="159" actId="20577"/>
-          <ac:spMkLst>
-            <pc:docMk/>
-            <pc:sldMk cId="1398428475" sldId="302"/>
-            <ac:spMk id="5" creationId="{8D0DC39A-C34F-D24D-96D3-762432C07CBE}"/>
-          </ac:spMkLst>
-        </pc:spChg>
-        <pc:picChg chg="add mod">
-          <ac:chgData name="Long B Nguyen" userId="f59fb8f3-a021-417a-8bc1-65c8d471c621" providerId="ADAL" clId="{920E45FF-707A-564B-83B3-9BA7BB1D0D1B}" dt="2021-03-09T12:29:44.815" v="160" actId="1076"/>
-          <ac:picMkLst>
-            <pc:docMk/>
-            <pc:sldMk cId="1398428475" sldId="302"/>
-            <ac:picMk id="4" creationId="{AC55923E-01AC-D84E-B63B-CD4FE4477586}"/>
-          </ac:picMkLst>
-        </pc:picChg>
-      </pc:sldChg>
-      <pc:sldChg chg="del">
-        <pc:chgData name="Long B Nguyen" userId="f59fb8f3-a021-417a-8bc1-65c8d471c621" providerId="ADAL" clId="{920E45FF-707A-564B-83B3-9BA7BB1D0D1B}" dt="2021-03-09T12:16:12.775" v="0" actId="2696"/>
-        <pc:sldMkLst>
-          <pc:docMk/>
-          <pc:sldMk cId="2064379448" sldId="302"/>
-        </pc:sldMkLst>
-      </pc:sldChg>
-      <pc:sldChg chg="addSp new">
-        <pc:chgData name="Long B Nguyen" userId="f59fb8f3-a021-417a-8bc1-65c8d471c621" providerId="ADAL" clId="{920E45FF-707A-564B-83B3-9BA7BB1D0D1B}" dt="2021-03-09T12:31:01.383" v="168"/>
-        <pc:sldMkLst>
-          <pc:docMk/>
-          <pc:sldMk cId="660749694" sldId="303"/>
-        </pc:sldMkLst>
-        <pc:picChg chg="add">
-          <ac:chgData name="Long B Nguyen" userId="f59fb8f3-a021-417a-8bc1-65c8d471c621" providerId="ADAL" clId="{920E45FF-707A-564B-83B3-9BA7BB1D0D1B}" dt="2021-03-09T12:31:01.383" v="168"/>
-          <ac:picMkLst>
-            <pc:docMk/>
-            <pc:sldMk cId="660749694" sldId="303"/>
-            <ac:picMk id="4" creationId="{92879868-FC29-0640-AF3A-B2EBCE09842F}"/>
-          </ac:picMkLst>
-        </pc:picChg>
-      </pc:sldChg>
-      <pc:sldChg chg="del">
-        <pc:chgData name="Long B Nguyen" userId="f59fb8f3-a021-417a-8bc1-65c8d471c621" providerId="ADAL" clId="{920E45FF-707A-564B-83B3-9BA7BB1D0D1B}" dt="2021-03-09T12:16:12.775" v="0" actId="2696"/>
-        <pc:sldMkLst>
-          <pc:docMk/>
-          <pc:sldMk cId="3993483693" sldId="303"/>
-        </pc:sldMkLst>
-      </pc:sldChg>
-      <pc:sldChg chg="addSp modSp new mod">
-        <pc:chgData name="Long B Nguyen" userId="f59fb8f3-a021-417a-8bc1-65c8d471c621" providerId="ADAL" clId="{920E45FF-707A-564B-83B3-9BA7BB1D0D1B}" dt="2021-03-09T12:32:01.926" v="171" actId="14100"/>
-        <pc:sldMkLst>
-          <pc:docMk/>
-          <pc:sldMk cId="1176093166" sldId="304"/>
-        </pc:sldMkLst>
-        <pc:picChg chg="add mod">
-          <ac:chgData name="Long B Nguyen" userId="f59fb8f3-a021-417a-8bc1-65c8d471c621" providerId="ADAL" clId="{920E45FF-707A-564B-83B3-9BA7BB1D0D1B}" dt="2021-03-09T12:32:01.926" v="171" actId="14100"/>
-          <ac:picMkLst>
-            <pc:docMk/>
-            <pc:sldMk cId="1176093166" sldId="304"/>
-            <ac:picMk id="4" creationId="{2212F94D-B8E9-9946-BD55-A5A335B8323A}"/>
-          </ac:picMkLst>
-        </pc:picChg>
-      </pc:sldChg>
-      <pc:sldChg chg="delSp modSp new del mod">
-        <pc:chgData name="Long B Nguyen" userId="f59fb8f3-a021-417a-8bc1-65c8d471c621" providerId="ADAL" clId="{920E45FF-707A-564B-83B3-9BA7BB1D0D1B}" dt="2021-03-09T14:58:05.830" v="1707" actId="2696"/>
-        <pc:sldMkLst>
-          <pc:docMk/>
-          <pc:sldMk cId="626458273" sldId="305"/>
-        </pc:sldMkLst>
-        <pc:spChg chg="del">
-          <ac:chgData name="Long B Nguyen" userId="f59fb8f3-a021-417a-8bc1-65c8d471c621" providerId="ADAL" clId="{920E45FF-707A-564B-83B3-9BA7BB1D0D1B}" dt="2021-03-09T12:57:18.776" v="175" actId="478"/>
-          <ac:spMkLst>
-            <pc:docMk/>
-            <pc:sldMk cId="626458273" sldId="305"/>
-            <ac:spMk id="2" creationId="{B7D53956-4C9D-8F46-812E-6937C0A6C403}"/>
-          </ac:spMkLst>
-        </pc:spChg>
-        <pc:spChg chg="mod">
-          <ac:chgData name="Long B Nguyen" userId="f59fb8f3-a021-417a-8bc1-65c8d471c621" providerId="ADAL" clId="{920E45FF-707A-564B-83B3-9BA7BB1D0D1B}" dt="2021-03-09T14:30:38.573" v="668" actId="21"/>
-          <ac:spMkLst>
-            <pc:docMk/>
-            <pc:sldMk cId="626458273" sldId="305"/>
-            <ac:spMk id="3" creationId="{CBFD419E-8D9F-A048-9781-F9229F372A92}"/>
-          </ac:spMkLst>
-        </pc:spChg>
-      </pc:sldChg>
-      <pc:sldChg chg="delSp modSp new mod modAnim">
-        <pc:chgData name="Long B Nguyen" userId="f59fb8f3-a021-417a-8bc1-65c8d471c621" providerId="ADAL" clId="{920E45FF-707A-564B-83B3-9BA7BB1D0D1B}" dt="2021-03-15T04:36:55.445" v="2023" actId="20577"/>
-        <pc:sldMkLst>
-          <pc:docMk/>
-          <pc:sldMk cId="728426104" sldId="306"/>
-        </pc:sldMkLst>
-        <pc:spChg chg="del">
-          <ac:chgData name="Long B Nguyen" userId="f59fb8f3-a021-417a-8bc1-65c8d471c621" providerId="ADAL" clId="{920E45FF-707A-564B-83B3-9BA7BB1D0D1B}" dt="2021-03-09T14:29:07.669" v="353" actId="478"/>
-          <ac:spMkLst>
-            <pc:docMk/>
-            <pc:sldMk cId="728426104" sldId="306"/>
-            <ac:spMk id="2" creationId="{5A5CE86E-01BC-4449-BFF3-D833BAD0B628}"/>
-          </ac:spMkLst>
-        </pc:spChg>
-        <pc:spChg chg="mod">
-          <ac:chgData name="Long B Nguyen" userId="f59fb8f3-a021-417a-8bc1-65c8d471c621" providerId="ADAL" clId="{920E45FF-707A-564B-83B3-9BA7BB1D0D1B}" dt="2021-03-15T04:36:55.445" v="2023" actId="20577"/>
-          <ac:spMkLst>
-            <pc:docMk/>
-            <pc:sldMk cId="728426104" sldId="306"/>
-            <ac:spMk id="3" creationId="{ED8E330A-0574-5B43-A1B4-044AE8138EBC}"/>
-          </ac:spMkLst>
-        </pc:spChg>
-      </pc:sldChg>
-      <pc:sldChg chg="delSp modSp new mod modAnim">
-        <pc:chgData name="Long B Nguyen" userId="f59fb8f3-a021-417a-8bc1-65c8d471c621" providerId="ADAL" clId="{920E45FF-707A-564B-83B3-9BA7BB1D0D1B}" dt="2021-03-10T13:28:18.421" v="1976"/>
-        <pc:sldMkLst>
-          <pc:docMk/>
-          <pc:sldMk cId="2699723502" sldId="307"/>
-        </pc:sldMkLst>
-        <pc:spChg chg="del">
-          <ac:chgData name="Long B Nguyen" userId="f59fb8f3-a021-417a-8bc1-65c8d471c621" providerId="ADAL" clId="{920E45FF-707A-564B-83B3-9BA7BB1D0D1B}" dt="2021-03-09T14:53:35.141" v="1011" actId="478"/>
-          <ac:spMkLst>
-            <pc:docMk/>
-            <pc:sldMk cId="2699723502" sldId="307"/>
-            <ac:spMk id="2" creationId="{3C2166BD-4FA9-0B4D-A459-E30BFE8672C3}"/>
-          </ac:spMkLst>
-        </pc:spChg>
-        <pc:spChg chg="mod">
-          <ac:chgData name="Long B Nguyen" userId="f59fb8f3-a021-417a-8bc1-65c8d471c621" providerId="ADAL" clId="{920E45FF-707A-564B-83B3-9BA7BB1D0D1B}" dt="2021-03-09T14:58:41.811" v="1717" actId="20577"/>
-          <ac:spMkLst>
-            <pc:docMk/>
-            <pc:sldMk cId="2699723502" sldId="307"/>
-            <ac:spMk id="3" creationId="{07A68376-B585-E14E-9D3B-3DDBFB3E4329}"/>
-          </ac:spMkLst>
-        </pc:spChg>
-      </pc:sldChg>
-      <pc:sldChg chg="modSp new del mod">
-        <pc:chgData name="Long B Nguyen" userId="f59fb8f3-a021-417a-8bc1-65c8d471c621" providerId="ADAL" clId="{920E45FF-707A-564B-83B3-9BA7BB1D0D1B}" dt="2021-03-15T12:13:25.387" v="2914" actId="2696"/>
-        <pc:sldMkLst>
-          <pc:docMk/>
-          <pc:sldMk cId="1173666888" sldId="308"/>
-        </pc:sldMkLst>
-        <pc:spChg chg="mod">
-          <ac:chgData name="Long B Nguyen" userId="f59fb8f3-a021-417a-8bc1-65c8d471c621" providerId="ADAL" clId="{920E45FF-707A-564B-83B3-9BA7BB1D0D1B}" dt="2021-03-15T04:38:21.619" v="2051" actId="14100"/>
-          <ac:spMkLst>
-            <pc:docMk/>
-            <pc:sldMk cId="1173666888" sldId="308"/>
+        <pc:chgData name="Long Nguyen" userId="f59fb8f3-a021-417a-8bc1-65c8d471c621" providerId="ADAL" clId="{D60C57D7-CFE2-A74A-9812-FD74A3F6123F}" dt="2023-01-10T16:50:05.542" v="1396" actId="20577"/>
+        <pc:sldMkLst>
+          <pc:docMk/>
+          <pc:sldMk cId="4246284132" sldId="568"/>
+        </pc:sldMkLst>
+        <pc:spChg chg="mod">
+          <ac:chgData name="Long Nguyen" userId="f59fb8f3-a021-417a-8bc1-65c8d471c621" providerId="ADAL" clId="{D60C57D7-CFE2-A74A-9812-FD74A3F6123F}" dt="2023-01-10T16:24:09.591" v="173" actId="20577"/>
+          <ac:spMkLst>
+            <pc:docMk/>
+            <pc:sldMk cId="4246284132" sldId="568"/>
             <ac:spMk id="2" creationId="{2CAD482E-9621-034B-B5B9-A2A3E3815EBF}"/>
           </ac:spMkLst>
         </pc:spChg>
         <pc:spChg chg="mod">
-          <ac:chgData name="Long B Nguyen" userId="f59fb8f3-a021-417a-8bc1-65c8d471c621" providerId="ADAL" clId="{920E45FF-707A-564B-83B3-9BA7BB1D0D1B}" dt="2021-03-15T11:59:15.087" v="2507" actId="20577"/>
-          <ac:spMkLst>
-            <pc:docMk/>
-            <pc:sldMk cId="1173666888" sldId="308"/>
+          <ac:chgData name="Long Nguyen" userId="f59fb8f3-a021-417a-8bc1-65c8d471c621" providerId="ADAL" clId="{D60C57D7-CFE2-A74A-9812-FD74A3F6123F}" dt="2023-01-10T16:50:05.542" v="1396" actId="20577"/>
+          <ac:spMkLst>
+            <pc:docMk/>
+            <pc:sldMk cId="4246284132" sldId="568"/>
             <ac:spMk id="3" creationId="{BE9CE75A-CAA3-5646-AB61-E94C601FF013}"/>
           </ac:spMkLst>
         </pc:spChg>
-      </pc:sldChg>
-      <pc:sldChg chg="modSp add mod modAnim">
-        <pc:chgData name="Long B Nguyen" userId="f59fb8f3-a021-417a-8bc1-65c8d471c621" providerId="ADAL" clId="{920E45FF-707A-564B-83B3-9BA7BB1D0D1B}" dt="2021-03-19T13:59:55.213" v="3323" actId="20577"/>
-        <pc:sldMkLst>
-          <pc:docMk/>
-          <pc:sldMk cId="1886395027" sldId="308"/>
-        </pc:sldMkLst>
-        <pc:spChg chg="mod">
-          <ac:chgData name="Long B Nguyen" userId="f59fb8f3-a021-417a-8bc1-65c8d471c621" providerId="ADAL" clId="{920E45FF-707A-564B-83B3-9BA7BB1D0D1B}" dt="2021-03-19T13:59:55.213" v="3323" actId="20577"/>
-          <ac:spMkLst>
-            <pc:docMk/>
-            <pc:sldMk cId="1886395027" sldId="308"/>
-            <ac:spMk id="2" creationId="{2CAD482E-9621-034B-B5B9-A2A3E3815EBF}"/>
-          </ac:spMkLst>
-        </pc:spChg>
-        <pc:spChg chg="mod">
-          <ac:chgData name="Long B Nguyen" userId="f59fb8f3-a021-417a-8bc1-65c8d471c621" providerId="ADAL" clId="{920E45FF-707A-564B-83B3-9BA7BB1D0D1B}" dt="2021-03-15T12:13:37.645" v="2937" actId="20577"/>
-          <ac:spMkLst>
-            <pc:docMk/>
-            <pc:sldMk cId="1886395027" sldId="308"/>
-            <ac:spMk id="3" creationId="{BE9CE75A-CAA3-5646-AB61-E94C601FF013}"/>
-          </ac:spMkLst>
-        </pc:spChg>
-      </pc:sldChg>
-      <pc:sldChg chg="modSp add mod modAnim">
-        <pc:chgData name="Long B Nguyen" userId="f59fb8f3-a021-417a-8bc1-65c8d471c621" providerId="ADAL" clId="{920E45FF-707A-564B-83B3-9BA7BB1D0D1B}" dt="2021-03-19T13:59:46.339" v="3317" actId="20577"/>
-        <pc:sldMkLst>
-          <pc:docMk/>
-          <pc:sldMk cId="2859835922" sldId="309"/>
-        </pc:sldMkLst>
-        <pc:spChg chg="mod">
-          <ac:chgData name="Long B Nguyen" userId="f59fb8f3-a021-417a-8bc1-65c8d471c621" providerId="ADAL" clId="{920E45FF-707A-564B-83B3-9BA7BB1D0D1B}" dt="2021-03-19T13:59:46.339" v="3317" actId="20577"/>
-          <ac:spMkLst>
-            <pc:docMk/>
-            <pc:sldMk cId="2859835922" sldId="309"/>
-            <ac:spMk id="2" creationId="{2CAD482E-9621-034B-B5B9-A2A3E3815EBF}"/>
-          </ac:spMkLst>
-        </pc:spChg>
-        <pc:spChg chg="mod">
-          <ac:chgData name="Long B Nguyen" userId="f59fb8f3-a021-417a-8bc1-65c8d471c621" providerId="ADAL" clId="{920E45FF-707A-564B-83B3-9BA7BB1D0D1B}" dt="2021-03-16T12:39:40.609" v="3248" actId="20577"/>
-          <ac:spMkLst>
-            <pc:docMk/>
-            <pc:sldMk cId="2859835922" sldId="309"/>
-            <ac:spMk id="3" creationId="{BE9CE75A-CAA3-5646-AB61-E94C601FF013}"/>
-          </ac:spMkLst>
-        </pc:spChg>
-      </pc:sldChg>
-      <pc:sldChg chg="modSp add mod modAnim">
-        <pc:chgData name="Long B Nguyen" userId="f59fb8f3-a021-417a-8bc1-65c8d471c621" providerId="ADAL" clId="{920E45FF-707A-564B-83B3-9BA7BB1D0D1B}" dt="2021-03-19T13:59:51.229" v="3321" actId="20577"/>
-        <pc:sldMkLst>
-          <pc:docMk/>
-          <pc:sldMk cId="472026148" sldId="310"/>
-        </pc:sldMkLst>
-        <pc:spChg chg="mod">
-          <ac:chgData name="Long B Nguyen" userId="f59fb8f3-a021-417a-8bc1-65c8d471c621" providerId="ADAL" clId="{920E45FF-707A-564B-83B3-9BA7BB1D0D1B}" dt="2021-03-19T13:59:51.229" v="3321" actId="20577"/>
-          <ac:spMkLst>
-            <pc:docMk/>
-            <pc:sldMk cId="472026148" sldId="310"/>
-            <ac:spMk id="2" creationId="{2CAD482E-9621-034B-B5B9-A2A3E3815EBF}"/>
-          </ac:spMkLst>
-        </pc:spChg>
-        <pc:spChg chg="mod">
-          <ac:chgData name="Long B Nguyen" userId="f59fb8f3-a021-417a-8bc1-65c8d471c621" providerId="ADAL" clId="{920E45FF-707A-564B-83B3-9BA7BB1D0D1B}" dt="2021-03-15T12:05:29.835" v="2913" actId="20577"/>
-          <ac:spMkLst>
-            <pc:docMk/>
-            <pc:sldMk cId="472026148" sldId="310"/>
-            <ac:spMk id="3" creationId="{BE9CE75A-CAA3-5646-AB61-E94C601FF013}"/>
-          </ac:spMkLst>
-        </pc:spChg>
-      </pc:sldChg>
-      <pc:sldChg chg="modSp add mod modAnim">
-        <pc:chgData name="Long B Nguyen" userId="f59fb8f3-a021-417a-8bc1-65c8d471c621" providerId="ADAL" clId="{920E45FF-707A-564B-83B3-9BA7BB1D0D1B}" dt="2021-03-19T14:00:00.147" v="3327" actId="20577"/>
-        <pc:sldMkLst>
-          <pc:docMk/>
-          <pc:sldMk cId="2074214818" sldId="311"/>
-        </pc:sldMkLst>
-        <pc:spChg chg="mod">
-          <ac:chgData name="Long B Nguyen" userId="f59fb8f3-a021-417a-8bc1-65c8d471c621" providerId="ADAL" clId="{920E45FF-707A-564B-83B3-9BA7BB1D0D1B}" dt="2021-03-19T14:00:00.147" v="3327" actId="20577"/>
-          <ac:spMkLst>
-            <pc:docMk/>
-            <pc:sldMk cId="2074214818" sldId="311"/>
-            <ac:spMk id="2" creationId="{2CAD482E-9621-034B-B5B9-A2A3E3815EBF}"/>
-          </ac:spMkLst>
-        </pc:spChg>
-        <pc:spChg chg="mod">
-          <ac:chgData name="Long B Nguyen" userId="f59fb8f3-a021-417a-8bc1-65c8d471c621" providerId="ADAL" clId="{920E45FF-707A-564B-83B3-9BA7BB1D0D1B}" dt="2021-03-19T13:59:35.857" v="3315" actId="20577"/>
-          <ac:spMkLst>
-            <pc:docMk/>
-            <pc:sldMk cId="2074214818" sldId="311"/>
-            <ac:spMk id="3" creationId="{BE9CE75A-CAA3-5646-AB61-E94C601FF013}"/>
-          </ac:spMkLst>
-        </pc:spChg>
-      </pc:sldChg>
-      <pc:sldChg chg="delSp modSp new mod">
-        <pc:chgData name="Long B Nguyen" userId="f59fb8f3-a021-417a-8bc1-65c8d471c621" providerId="ADAL" clId="{920E45FF-707A-564B-83B3-9BA7BB1D0D1B}" dt="2021-03-25T12:51:00.237" v="4641" actId="20577"/>
-        <pc:sldMkLst>
-          <pc:docMk/>
-          <pc:sldMk cId="3704334471" sldId="312"/>
-        </pc:sldMkLst>
-        <pc:spChg chg="del">
-          <ac:chgData name="Long B Nguyen" userId="f59fb8f3-a021-417a-8bc1-65c8d471c621" providerId="ADAL" clId="{920E45FF-707A-564B-83B3-9BA7BB1D0D1B}" dt="2021-03-19T14:14:29.993" v="4401" actId="478"/>
-          <ac:spMkLst>
-            <pc:docMk/>
-            <pc:sldMk cId="3704334471" sldId="312"/>
-            <ac:spMk id="2" creationId="{D3A11481-A1F2-2C4A-B13E-2D83E61DA610}"/>
-          </ac:spMkLst>
-        </pc:spChg>
-        <pc:spChg chg="mod">
-          <ac:chgData name="Long B Nguyen" userId="f59fb8f3-a021-417a-8bc1-65c8d471c621" providerId="ADAL" clId="{920E45FF-707A-564B-83B3-9BA7BB1D0D1B}" dt="2021-03-25T12:51:00.237" v="4641" actId="20577"/>
-          <ac:spMkLst>
-            <pc:docMk/>
-            <pc:sldMk cId="3704334471" sldId="312"/>
-            <ac:spMk id="3" creationId="{07B480AF-2DED-464A-83F7-5E54DCD0C557}"/>
-          </ac:spMkLst>
-        </pc:spChg>
-      </pc:sldChg>
-      <pc:sldChg chg="modSp add mod modAnim">
-        <pc:chgData name="Long B Nguyen" userId="f59fb8f3-a021-417a-8bc1-65c8d471c621" providerId="ADAL" clId="{920E45FF-707A-564B-83B3-9BA7BB1D0D1B}" dt="2021-03-25T12:51:06.687" v="4651" actId="20577"/>
-        <pc:sldMkLst>
-          <pc:docMk/>
-          <pc:sldMk cId="2818469488" sldId="313"/>
-        </pc:sldMkLst>
-        <pc:spChg chg="mod">
-          <ac:chgData name="Long B Nguyen" userId="f59fb8f3-a021-417a-8bc1-65c8d471c621" providerId="ADAL" clId="{920E45FF-707A-564B-83B3-9BA7BB1D0D1B}" dt="2021-03-25T12:51:06.687" v="4651" actId="20577"/>
-          <ac:spMkLst>
-            <pc:docMk/>
-            <pc:sldMk cId="2818469488" sldId="313"/>
-            <ac:spMk id="2" creationId="{2CAD482E-9621-034B-B5B9-A2A3E3815EBF}"/>
-          </ac:spMkLst>
-        </pc:spChg>
-        <pc:spChg chg="mod">
-          <ac:chgData name="Long B Nguyen" userId="f59fb8f3-a021-417a-8bc1-65c8d471c621" providerId="ADAL" clId="{920E45FF-707A-564B-83B3-9BA7BB1D0D1B}" dt="2021-03-19T14:13:03.873" v="4395" actId="20577"/>
-          <ac:spMkLst>
-            <pc:docMk/>
-            <pc:sldMk cId="2818469488" sldId="313"/>
-            <ac:spMk id="3" creationId="{BE9CE75A-CAA3-5646-AB61-E94C601FF013}"/>
-          </ac:spMkLst>
-        </pc:spChg>
-      </pc:sldChg>
-      <pc:sldChg chg="modSp add mod modAnim">
-        <pc:chgData name="Long B Nguyen" userId="f59fb8f3-a021-417a-8bc1-65c8d471c621" providerId="ADAL" clId="{920E45FF-707A-564B-83B3-9BA7BB1D0D1B}" dt="2021-03-25T12:50:40.317" v="4615" actId="20577"/>
-        <pc:sldMkLst>
-          <pc:docMk/>
-          <pc:sldMk cId="1495716717" sldId="314"/>
-        </pc:sldMkLst>
-        <pc:spChg chg="mod">
-          <ac:chgData name="Long B Nguyen" userId="f59fb8f3-a021-417a-8bc1-65c8d471c621" providerId="ADAL" clId="{920E45FF-707A-564B-83B3-9BA7BB1D0D1B}" dt="2021-03-25T12:50:40.317" v="4615" actId="20577"/>
-          <ac:spMkLst>
-            <pc:docMk/>
-            <pc:sldMk cId="1495716717" sldId="314"/>
-            <ac:spMk id="2" creationId="{2CAD482E-9621-034B-B5B9-A2A3E3815EBF}"/>
-          </ac:spMkLst>
-        </pc:spChg>
-        <pc:spChg chg="mod">
-          <ac:chgData name="Long B Nguyen" userId="f59fb8f3-a021-417a-8bc1-65c8d471c621" providerId="ADAL" clId="{920E45FF-707A-564B-83B3-9BA7BB1D0D1B}" dt="2021-03-19T14:12:30.024" v="4387" actId="1076"/>
-          <ac:spMkLst>
-            <pc:docMk/>
-            <pc:sldMk cId="1495716717" sldId="314"/>
-            <ac:spMk id="3" creationId="{BE9CE75A-CAA3-5646-AB61-E94C601FF013}"/>
-          </ac:spMkLst>
-        </pc:spChg>
-      </pc:sldChg>
-      <pc:sldChg chg="add del">
-        <pc:chgData name="Long B Nguyen" userId="f59fb8f3-a021-417a-8bc1-65c8d471c621" providerId="ADAL" clId="{920E45FF-707A-564B-83B3-9BA7BB1D0D1B}" dt="2021-03-15T11:59:19.192" v="2508" actId="2696"/>
-        <pc:sldMkLst>
-          <pc:docMk/>
-          <pc:sldMk cId="2189312620" sldId="356"/>
-        </pc:sldMkLst>
-      </pc:sldChg>
-      <pc:sldChg chg="addSp delSp modSp add mod delAnim modAnim">
-        <pc:chgData name="Long B Nguyen" userId="f59fb8f3-a021-417a-8bc1-65c8d471c621" providerId="ADAL" clId="{920E45FF-707A-564B-83B3-9BA7BB1D0D1B}" dt="2021-03-25T12:50:48.736" v="4625" actId="20577"/>
-        <pc:sldMkLst>
-          <pc:docMk/>
-          <pc:sldMk cId="2984014915" sldId="556"/>
-        </pc:sldMkLst>
-        <pc:spChg chg="mod">
-          <ac:chgData name="Long B Nguyen" userId="f59fb8f3-a021-417a-8bc1-65c8d471c621" providerId="ADAL" clId="{920E45FF-707A-564B-83B3-9BA7BB1D0D1B}" dt="2021-03-25T12:50:48.736" v="4625" actId="20577"/>
-          <ac:spMkLst>
-            <pc:docMk/>
-            <pc:sldMk cId="2984014915" sldId="556"/>
-            <ac:spMk id="2" creationId="{AA3A228F-61D0-D949-A5E7-F83756230BF8}"/>
-          </ac:spMkLst>
-        </pc:spChg>
-        <pc:spChg chg="del">
-          <ac:chgData name="Long B Nguyen" userId="f59fb8f3-a021-417a-8bc1-65c8d471c621" providerId="ADAL" clId="{920E45FF-707A-564B-83B3-9BA7BB1D0D1B}" dt="2021-03-19T14:11:36.215" v="4299" actId="478"/>
-          <ac:spMkLst>
-            <pc:docMk/>
-            <pc:sldMk cId="2984014915" sldId="556"/>
-            <ac:spMk id="4" creationId="{337D7E28-6576-C043-832E-2CDC9179B6E0}"/>
-          </ac:spMkLst>
-        </pc:spChg>
-        <pc:spChg chg="add mod">
-          <ac:chgData name="Long B Nguyen" userId="f59fb8f3-a021-417a-8bc1-65c8d471c621" providerId="ADAL" clId="{920E45FF-707A-564B-83B3-9BA7BB1D0D1B}" dt="2021-03-19T14:10:24.465" v="4298" actId="1076"/>
-          <ac:spMkLst>
-            <pc:docMk/>
-            <pc:sldMk cId="2984014915" sldId="556"/>
-            <ac:spMk id="8" creationId="{C6364B6A-CF35-B049-A125-AFAFEE462FD5}"/>
-          </ac:spMkLst>
-        </pc:spChg>
-        <pc:cxnChg chg="del">
-          <ac:chgData name="Long B Nguyen" userId="f59fb8f3-a021-417a-8bc1-65c8d471c621" providerId="ADAL" clId="{920E45FF-707A-564B-83B3-9BA7BB1D0D1B}" dt="2021-03-19T14:11:36.215" v="4299" actId="478"/>
-          <ac:cxnSpMkLst>
-            <pc:docMk/>
-            <pc:sldMk cId="2984014915" sldId="556"/>
-            <ac:cxnSpMk id="10" creationId="{A7554D4B-A0AA-934D-95C7-A5055505D0B9}"/>
-          </ac:cxnSpMkLst>
-        </pc:cxnChg>
-        <pc:cxnChg chg="add mod">
-          <ac:chgData name="Long B Nguyen" userId="f59fb8f3-a021-417a-8bc1-65c8d471c621" providerId="ADAL" clId="{920E45FF-707A-564B-83B3-9BA7BB1D0D1B}" dt="2021-03-19T14:10:00.425" v="4294" actId="1076"/>
-          <ac:cxnSpMkLst>
-            <pc:docMk/>
-            <pc:sldMk cId="2984014915" sldId="556"/>
-            <ac:cxnSpMk id="11" creationId="{3F8D02A8-381C-254F-9732-2F5C2716B0D3}"/>
-          </ac:cxnSpMkLst>
-        </pc:cxnChg>
-      </pc:sldChg>
-      <pc:sldChg chg="modSp new mod modAnim">
-        <pc:chgData name="Long B Nguyen" userId="f59fb8f3-a021-417a-8bc1-65c8d471c621" providerId="ADAL" clId="{920E45FF-707A-564B-83B3-9BA7BB1D0D1B}" dt="2021-03-25T12:58:07.801" v="5656"/>
-        <pc:sldMkLst>
-          <pc:docMk/>
-          <pc:sldMk cId="1336684213" sldId="557"/>
-        </pc:sldMkLst>
-        <pc:spChg chg="mod">
-          <ac:chgData name="Long B Nguyen" userId="f59fb8f3-a021-417a-8bc1-65c8d471c621" providerId="ADAL" clId="{920E45FF-707A-564B-83B3-9BA7BB1D0D1B}" dt="2021-03-25T12:51:47.923" v="4696" actId="14100"/>
-          <ac:spMkLst>
-            <pc:docMk/>
-            <pc:sldMk cId="1336684213" sldId="557"/>
-            <ac:spMk id="2" creationId="{556B981A-229A-B54C-ACC7-41D2A16654A0}"/>
-          </ac:spMkLst>
-        </pc:spChg>
-        <pc:spChg chg="mod">
-          <ac:chgData name="Long B Nguyen" userId="f59fb8f3-a021-417a-8bc1-65c8d471c621" providerId="ADAL" clId="{920E45FF-707A-564B-83B3-9BA7BB1D0D1B}" dt="2021-03-25T12:57:47.974" v="5650" actId="14100"/>
-          <ac:spMkLst>
-            <pc:docMk/>
-            <pc:sldMk cId="1336684213" sldId="557"/>
-            <ac:spMk id="3" creationId="{C84102BA-DE72-B749-AF52-12A584032098}"/>
-          </ac:spMkLst>
-        </pc:spChg>
-      </pc:sldChg>
-      <pc:sldChg chg="addSp modSp new mod">
-        <pc:chgData name="Long B Nguyen" userId="f59fb8f3-a021-417a-8bc1-65c8d471c621" providerId="ADAL" clId="{920E45FF-707A-564B-83B3-9BA7BB1D0D1B}" dt="2021-03-25T13:22:14.316" v="7563" actId="1076"/>
-        <pc:sldMkLst>
-          <pc:docMk/>
-          <pc:sldMk cId="3255312717" sldId="558"/>
-        </pc:sldMkLst>
-        <pc:spChg chg="mod">
-          <ac:chgData name="Long B Nguyen" userId="f59fb8f3-a021-417a-8bc1-65c8d471c621" providerId="ADAL" clId="{920E45FF-707A-564B-83B3-9BA7BB1D0D1B}" dt="2021-03-25T13:21:40.860" v="7553" actId="20577"/>
-          <ac:spMkLst>
-            <pc:docMk/>
-            <pc:sldMk cId="3255312717" sldId="558"/>
-            <ac:spMk id="2" creationId="{FA100432-FD08-B74C-B1ED-A29F2DDCCC2C}"/>
-          </ac:spMkLst>
-        </pc:spChg>
-        <pc:spChg chg="add mod">
-          <ac:chgData name="Long B Nguyen" userId="f59fb8f3-a021-417a-8bc1-65c8d471c621" providerId="ADAL" clId="{920E45FF-707A-564B-83B3-9BA7BB1D0D1B}" dt="2021-03-25T13:22:11.934" v="7562" actId="1076"/>
-          <ac:spMkLst>
-            <pc:docMk/>
-            <pc:sldMk cId="3255312717" sldId="558"/>
-            <ac:spMk id="5" creationId="{19A7A71F-DB30-9240-B08C-B4876A1563A9}"/>
-          </ac:spMkLst>
-        </pc:spChg>
-        <pc:picChg chg="add mod">
-          <ac:chgData name="Long B Nguyen" userId="f59fb8f3-a021-417a-8bc1-65c8d471c621" providerId="ADAL" clId="{920E45FF-707A-564B-83B3-9BA7BB1D0D1B}" dt="2021-03-25T13:22:14.316" v="7563" actId="1076"/>
-          <ac:picMkLst>
-            <pc:docMk/>
-            <pc:sldMk cId="3255312717" sldId="558"/>
-            <ac:picMk id="4" creationId="{BCA4671A-1610-7E4B-AF2F-6841E021CB67}"/>
-          </ac:picMkLst>
-        </pc:picChg>
-      </pc:sldChg>
-      <pc:sldChg chg="modSp add mod modAnim">
-        <pc:chgData name="Long B Nguyen" userId="f59fb8f3-a021-417a-8bc1-65c8d471c621" providerId="ADAL" clId="{920E45FF-707A-564B-83B3-9BA7BB1D0D1B}" dt="2021-03-25T13:18:19.820" v="7510"/>
-        <pc:sldMkLst>
-          <pc:docMk/>
-          <pc:sldMk cId="500399139" sldId="559"/>
-        </pc:sldMkLst>
-        <pc:spChg chg="mod">
-          <ac:chgData name="Long B Nguyen" userId="f59fb8f3-a021-417a-8bc1-65c8d471c621" providerId="ADAL" clId="{920E45FF-707A-564B-83B3-9BA7BB1D0D1B}" dt="2021-03-25T13:17:14.139" v="7479" actId="1076"/>
-          <ac:spMkLst>
-            <pc:docMk/>
-            <pc:sldMk cId="500399139" sldId="559"/>
-            <ac:spMk id="2" creationId="{556B981A-229A-B54C-ACC7-41D2A16654A0}"/>
-          </ac:spMkLst>
-        </pc:spChg>
-        <pc:spChg chg="mod">
-          <ac:chgData name="Long B Nguyen" userId="f59fb8f3-a021-417a-8bc1-65c8d471c621" providerId="ADAL" clId="{920E45FF-707A-564B-83B3-9BA7BB1D0D1B}" dt="2021-03-25T13:17:34.477" v="7509" actId="14100"/>
-          <ac:spMkLst>
-            <pc:docMk/>
-            <pc:sldMk cId="500399139" sldId="559"/>
-            <ac:spMk id="3" creationId="{C84102BA-DE72-B749-AF52-12A584032098}"/>
-          </ac:spMkLst>
-        </pc:spChg>
-      </pc:sldChg>
-      <pc:sldChg chg="modSp add mod modAnim">
-        <pc:chgData name="Long B Nguyen" userId="f59fb8f3-a021-417a-8bc1-65c8d471c621" providerId="ADAL" clId="{920E45FF-707A-564B-83B3-9BA7BB1D0D1B}" dt="2021-03-25T13:18:37.970" v="7515" actId="20577"/>
-        <pc:sldMkLst>
-          <pc:docMk/>
-          <pc:sldMk cId="781774871" sldId="560"/>
-        </pc:sldMkLst>
-        <pc:spChg chg="mod">
-          <ac:chgData name="Long B Nguyen" userId="f59fb8f3-a021-417a-8bc1-65c8d471c621" providerId="ADAL" clId="{920E45FF-707A-564B-83B3-9BA7BB1D0D1B}" dt="2021-03-25T13:01:44.720" v="5953" actId="20577"/>
-          <ac:spMkLst>
-            <pc:docMk/>
-            <pc:sldMk cId="781774871" sldId="560"/>
-            <ac:spMk id="2" creationId="{556B981A-229A-B54C-ACC7-41D2A16654A0}"/>
-          </ac:spMkLst>
-        </pc:spChg>
-        <pc:spChg chg="mod">
-          <ac:chgData name="Long B Nguyen" userId="f59fb8f3-a021-417a-8bc1-65c8d471c621" providerId="ADAL" clId="{920E45FF-707A-564B-83B3-9BA7BB1D0D1B}" dt="2021-03-25T13:18:37.970" v="7515" actId="20577"/>
-          <ac:spMkLst>
-            <pc:docMk/>
-            <pc:sldMk cId="781774871" sldId="560"/>
-            <ac:spMk id="3" creationId="{C84102BA-DE72-B749-AF52-12A584032098}"/>
-          </ac:spMkLst>
-        </pc:spChg>
-      </pc:sldChg>
-      <pc:sldChg chg="modSp add mod modAnim">
-        <pc:chgData name="Long B Nguyen" userId="f59fb8f3-a021-417a-8bc1-65c8d471c621" providerId="ADAL" clId="{920E45FF-707A-564B-83B3-9BA7BB1D0D1B}" dt="2021-03-25T13:18:49.464" v="7519"/>
-        <pc:sldMkLst>
-          <pc:docMk/>
-          <pc:sldMk cId="3916325109" sldId="561"/>
-        </pc:sldMkLst>
-        <pc:spChg chg="mod">
-          <ac:chgData name="Long B Nguyen" userId="f59fb8f3-a021-417a-8bc1-65c8d471c621" providerId="ADAL" clId="{920E45FF-707A-564B-83B3-9BA7BB1D0D1B}" dt="2021-03-25T13:15:44.155" v="7236" actId="20577"/>
-          <ac:spMkLst>
-            <pc:docMk/>
-            <pc:sldMk cId="3916325109" sldId="561"/>
-            <ac:spMk id="3" creationId="{C84102BA-DE72-B749-AF52-12A584032098}"/>
-          </ac:spMkLst>
-        </pc:spChg>
-      </pc:sldChg>
-      <pc:sldChg chg="addSp delSp modSp add mod">
-        <pc:chgData name="Long B Nguyen" userId="f59fb8f3-a021-417a-8bc1-65c8d471c621" providerId="ADAL" clId="{920E45FF-707A-564B-83B3-9BA7BB1D0D1B}" dt="2021-03-25T13:59:06.614" v="7705" actId="478"/>
-        <pc:sldMkLst>
-          <pc:docMk/>
-          <pc:sldMk cId="963005197" sldId="562"/>
-        </pc:sldMkLst>
-        <pc:spChg chg="mod">
-          <ac:chgData name="Long B Nguyen" userId="f59fb8f3-a021-417a-8bc1-65c8d471c621" providerId="ADAL" clId="{920E45FF-707A-564B-83B3-9BA7BB1D0D1B}" dt="2021-03-25T13:22:24.323" v="7575" actId="20577"/>
-          <ac:spMkLst>
-            <pc:docMk/>
-            <pc:sldMk cId="963005197" sldId="562"/>
-            <ac:spMk id="2" creationId="{FA100432-FD08-B74C-B1ED-A29F2DDCCC2C}"/>
-          </ac:spMkLst>
-        </pc:spChg>
-        <pc:spChg chg="mod">
-          <ac:chgData name="Long B Nguyen" userId="f59fb8f3-a021-417a-8bc1-65c8d471c621" providerId="ADAL" clId="{920E45FF-707A-564B-83B3-9BA7BB1D0D1B}" dt="2021-03-25T13:23:29.763" v="7636" actId="20577"/>
-          <ac:spMkLst>
-            <pc:docMk/>
-            <pc:sldMk cId="963005197" sldId="562"/>
-            <ac:spMk id="3" creationId="{095AEB11-C94C-8944-8BC0-B5111383C9C5}"/>
-          </ac:spMkLst>
-        </pc:spChg>
-        <pc:spChg chg="mod">
-          <ac:chgData name="Long B Nguyen" userId="f59fb8f3-a021-417a-8bc1-65c8d471c621" providerId="ADAL" clId="{920E45FF-707A-564B-83B3-9BA7BB1D0D1B}" dt="2021-03-25T13:22:53.628" v="7580" actId="255"/>
-          <ac:spMkLst>
-            <pc:docMk/>
-            <pc:sldMk cId="963005197" sldId="562"/>
-            <ac:spMk id="5" creationId="{19A7A71F-DB30-9240-B08C-B4876A1563A9}"/>
-          </ac:spMkLst>
-        </pc:spChg>
-        <pc:picChg chg="del">
-          <ac:chgData name="Long B Nguyen" userId="f59fb8f3-a021-417a-8bc1-65c8d471c621" providerId="ADAL" clId="{920E45FF-707A-564B-83B3-9BA7BB1D0D1B}" dt="2021-03-25T13:23:13.808" v="7581" actId="478"/>
-          <ac:picMkLst>
-            <pc:docMk/>
-            <pc:sldMk cId="963005197" sldId="562"/>
-            <ac:picMk id="4" creationId="{BCA4671A-1610-7E4B-AF2F-6841E021CB67}"/>
-          </ac:picMkLst>
-        </pc:picChg>
-        <pc:picChg chg="add mod">
-          <ac:chgData name="Long B Nguyen" userId="f59fb8f3-a021-417a-8bc1-65c8d471c621" providerId="ADAL" clId="{920E45FF-707A-564B-83B3-9BA7BB1D0D1B}" dt="2021-03-25T13:23:32.453" v="7638" actId="1076"/>
-          <ac:picMkLst>
-            <pc:docMk/>
-            <pc:sldMk cId="963005197" sldId="562"/>
-            <ac:picMk id="6" creationId="{B465E76B-E942-B343-82C8-889CC29E0D41}"/>
-          </ac:picMkLst>
-        </pc:picChg>
-        <pc:picChg chg="add del mod">
-          <ac:chgData name="Long B Nguyen" userId="f59fb8f3-a021-417a-8bc1-65c8d471c621" providerId="ADAL" clId="{920E45FF-707A-564B-83B3-9BA7BB1D0D1B}" dt="2021-03-25T13:59:06.614" v="7705" actId="478"/>
-          <ac:picMkLst>
-            <pc:docMk/>
-            <pc:sldMk cId="963005197" sldId="562"/>
-            <ac:picMk id="7" creationId="{157F941E-AE1C-2346-8DAE-A5B65AF26313}"/>
-          </ac:picMkLst>
-        </pc:picChg>
-      </pc:sldChg>
-      <pc:sldChg chg="delSp modSp add mod">
-        <pc:chgData name="Long B Nguyen" userId="f59fb8f3-a021-417a-8bc1-65c8d471c621" providerId="ADAL" clId="{920E45FF-707A-564B-83B3-9BA7BB1D0D1B}" dt="2021-03-25T13:24:38.150" v="7703" actId="20577"/>
-        <pc:sldMkLst>
-          <pc:docMk/>
-          <pc:sldMk cId="107728642" sldId="563"/>
-        </pc:sldMkLst>
-        <pc:spChg chg="mod">
-          <ac:chgData name="Long B Nguyen" userId="f59fb8f3-a021-417a-8bc1-65c8d471c621" providerId="ADAL" clId="{920E45FF-707A-564B-83B3-9BA7BB1D0D1B}" dt="2021-03-25T13:24:19.128" v="7651" actId="20577"/>
-          <ac:spMkLst>
-            <pc:docMk/>
-            <pc:sldMk cId="107728642" sldId="563"/>
-            <ac:spMk id="2" creationId="{FA100432-FD08-B74C-B1ED-A29F2DDCCC2C}"/>
-          </ac:spMkLst>
-        </pc:spChg>
-        <pc:spChg chg="mod">
-          <ac:chgData name="Long B Nguyen" userId="f59fb8f3-a021-417a-8bc1-65c8d471c621" providerId="ADAL" clId="{920E45FF-707A-564B-83B3-9BA7BB1D0D1B}" dt="2021-03-25T13:24:29.440" v="7658" actId="20577"/>
-          <ac:spMkLst>
-            <pc:docMk/>
-            <pc:sldMk cId="107728642" sldId="563"/>
-            <ac:spMk id="3" creationId="{095AEB11-C94C-8944-8BC0-B5111383C9C5}"/>
-          </ac:spMkLst>
-        </pc:spChg>
-        <pc:spChg chg="mod">
-          <ac:chgData name="Long B Nguyen" userId="f59fb8f3-a021-417a-8bc1-65c8d471c621" providerId="ADAL" clId="{920E45FF-707A-564B-83B3-9BA7BB1D0D1B}" dt="2021-03-25T13:24:38.150" v="7703" actId="20577"/>
-          <ac:spMkLst>
-            <pc:docMk/>
-            <pc:sldMk cId="107728642" sldId="563"/>
-            <ac:spMk id="5" creationId="{19A7A71F-DB30-9240-B08C-B4876A1563A9}"/>
-          </ac:spMkLst>
-        </pc:spChg>
-        <pc:picChg chg="del">
-          <ac:chgData name="Long B Nguyen" userId="f59fb8f3-a021-417a-8bc1-65c8d471c621" providerId="ADAL" clId="{920E45FF-707A-564B-83B3-9BA7BB1D0D1B}" dt="2021-03-25T13:24:23.397" v="7652" actId="478"/>
-          <ac:picMkLst>
-            <pc:docMk/>
-            <pc:sldMk cId="107728642" sldId="563"/>
-            <ac:picMk id="6" creationId="{B465E76B-E942-B343-82C8-889CC29E0D41}"/>
-          </ac:picMkLst>
-        </pc:picChg>
-        <pc:picChg chg="mod">
-          <ac:chgData name="Long B Nguyen" userId="f59fb8f3-a021-417a-8bc1-65c8d471c621" providerId="ADAL" clId="{920E45FF-707A-564B-83B3-9BA7BB1D0D1B}" dt="2021-03-25T13:24:25.692" v="7653" actId="1076"/>
-          <ac:picMkLst>
-            <pc:docMk/>
-            <pc:sldMk cId="107728642" sldId="563"/>
-            <ac:picMk id="7" creationId="{157F941E-AE1C-2346-8DAE-A5B65AF26313}"/>
-          </ac:picMkLst>
-        </pc:picChg>
-      </pc:sldChg>
-    </pc:docChg>
-  </pc:docChgLst>
-  <pc:docChgLst>
-    <pc:chgData name="Long B Nguyen" userId="f59fb8f3-a021-417a-8bc1-65c8d471c621" providerId="ADAL" clId="{1AE11430-C232-BB4B-AD26-649DB56977B5}"/>
-    <pc:docChg chg="undo redo custSel addSld delSld modSld">
-      <pc:chgData name="Long B Nguyen" userId="f59fb8f3-a021-417a-8bc1-65c8d471c621" providerId="ADAL" clId="{1AE11430-C232-BB4B-AD26-649DB56977B5}" dt="2019-09-09T17:47:35.004" v="3847" actId="20577"/>
-      <pc:docMkLst>
-        <pc:docMk/>
-      </pc:docMkLst>
-      <pc:sldChg chg="modSp modAnim">
-        <pc:chgData name="Long B Nguyen" userId="f59fb8f3-a021-417a-8bc1-65c8d471c621" providerId="ADAL" clId="{1AE11430-C232-BB4B-AD26-649DB56977B5}" dt="2019-09-08T13:43:19.919" v="3758" actId="20577"/>
-        <pc:sldMkLst>
-          <pc:docMk/>
-          <pc:sldMk cId="2207246265" sldId="257"/>
-        </pc:sldMkLst>
-        <pc:spChg chg="mod">
-          <ac:chgData name="Long B Nguyen" userId="f59fb8f3-a021-417a-8bc1-65c8d471c621" providerId="ADAL" clId="{1AE11430-C232-BB4B-AD26-649DB56977B5}" dt="2019-09-08T13:43:19.919" v="3758" actId="20577"/>
-          <ac:spMkLst>
-            <pc:docMk/>
-            <pc:sldMk cId="2207246265" sldId="257"/>
-            <ac:spMk id="9" creationId="{E3B2E017-30B2-884B-A113-B419A2ED51AD}"/>
-          </ac:spMkLst>
-        </pc:spChg>
-      </pc:sldChg>
-      <pc:sldChg chg="modAnim">
-        <pc:chgData name="Long B Nguyen" userId="f59fb8f3-a021-417a-8bc1-65c8d471c621" providerId="ADAL" clId="{1AE11430-C232-BB4B-AD26-649DB56977B5}" dt="2019-09-06T12:00:47.170" v="1759"/>
-        <pc:sldMkLst>
-          <pc:docMk/>
-          <pc:sldMk cId="216453293" sldId="258"/>
-        </pc:sldMkLst>
-      </pc:sldChg>
-      <pc:sldChg chg="modSp modAnim">
-        <pc:chgData name="Long B Nguyen" userId="f59fb8f3-a021-417a-8bc1-65c8d471c621" providerId="ADAL" clId="{1AE11430-C232-BB4B-AD26-649DB56977B5}" dt="2019-09-06T12:47:10.593" v="2626" actId="20577"/>
-        <pc:sldMkLst>
-          <pc:docMk/>
-          <pc:sldMk cId="1889908786" sldId="259"/>
-        </pc:sldMkLst>
-        <pc:spChg chg="mod">
-          <ac:chgData name="Long B Nguyen" userId="f59fb8f3-a021-417a-8bc1-65c8d471c621" providerId="ADAL" clId="{1AE11430-C232-BB4B-AD26-649DB56977B5}" dt="2019-09-06T12:47:10.593" v="2626" actId="20577"/>
-          <ac:spMkLst>
-            <pc:docMk/>
-            <pc:sldMk cId="1889908786" sldId="259"/>
-            <ac:spMk id="9" creationId="{E3B2E017-30B2-884B-A113-B419A2ED51AD}"/>
-          </ac:spMkLst>
-        </pc:spChg>
-      </pc:sldChg>
-      <pc:sldChg chg="modAnim">
-        <pc:chgData name="Long B Nguyen" userId="f59fb8f3-a021-417a-8bc1-65c8d471c621" providerId="ADAL" clId="{1AE11430-C232-BB4B-AD26-649DB56977B5}" dt="2019-09-06T12:01:13.835" v="1764"/>
-        <pc:sldMkLst>
-          <pc:docMk/>
-          <pc:sldMk cId="3958537657" sldId="260"/>
-        </pc:sldMkLst>
-      </pc:sldChg>
-      <pc:sldChg chg="modSp modAnim">
-        <pc:chgData name="Long B Nguyen" userId="f59fb8f3-a021-417a-8bc1-65c8d471c621" providerId="ADAL" clId="{1AE11430-C232-BB4B-AD26-649DB56977B5}" dt="2019-09-06T12:11:54.554" v="2202"/>
-        <pc:sldMkLst>
-          <pc:docMk/>
-          <pc:sldMk cId="4103067120" sldId="261"/>
-        </pc:sldMkLst>
-        <pc:spChg chg="mod">
-          <ac:chgData name="Long B Nguyen" userId="f59fb8f3-a021-417a-8bc1-65c8d471c621" providerId="ADAL" clId="{1AE11430-C232-BB4B-AD26-649DB56977B5}" dt="2019-09-06T12:11:41.807" v="2200"/>
-          <ac:spMkLst>
-            <pc:docMk/>
-            <pc:sldMk cId="4103067120" sldId="261"/>
-            <ac:spMk id="2" creationId="{AA3A228F-61D0-D949-A5E7-F83756230BF8}"/>
-          </ac:spMkLst>
-        </pc:spChg>
-        <pc:spChg chg="mod">
-          <ac:chgData name="Long B Nguyen" userId="f59fb8f3-a021-417a-8bc1-65c8d471c621" providerId="ADAL" clId="{1AE11430-C232-BB4B-AD26-649DB56977B5}" dt="2019-09-06T12:11:20.438" v="2197"/>
-          <ac:spMkLst>
-            <pc:docMk/>
-            <pc:sldMk cId="4103067120" sldId="261"/>
-            <ac:spMk id="9" creationId="{E3B2E017-30B2-884B-A113-B419A2ED51AD}"/>
-          </ac:spMkLst>
-        </pc:spChg>
-      </pc:sldChg>
-      <pc:sldChg chg="modSp modAnim">
-        <pc:chgData name="Long B Nguyen" userId="f59fb8f3-a021-417a-8bc1-65c8d471c621" providerId="ADAL" clId="{1AE11430-C232-BB4B-AD26-649DB56977B5}" dt="2019-09-06T12:01:55.113" v="1772"/>
-        <pc:sldMkLst>
-          <pc:docMk/>
-          <pc:sldMk cId="905114398" sldId="264"/>
-        </pc:sldMkLst>
-        <pc:spChg chg="mod">
-          <ac:chgData name="Long B Nguyen" userId="f59fb8f3-a021-417a-8bc1-65c8d471c621" providerId="ADAL" clId="{1AE11430-C232-BB4B-AD26-649DB56977B5}" dt="2019-08-18T17:31:33.798" v="932" actId="1035"/>
-          <ac:spMkLst>
-            <pc:docMk/>
-            <pc:sldMk cId="905114398" sldId="264"/>
-            <ac:spMk id="5" creationId="{3E8F7CED-693F-5A43-87EB-5E21C02FDA13}"/>
-          </ac:spMkLst>
-        </pc:spChg>
-        <pc:spChg chg="mod">
-          <ac:chgData name="Long B Nguyen" userId="f59fb8f3-a021-417a-8bc1-65c8d471c621" providerId="ADAL" clId="{1AE11430-C232-BB4B-AD26-649DB56977B5}" dt="2019-08-18T17:31:30.381" v="927" actId="1036"/>
-          <ac:spMkLst>
-            <pc:docMk/>
-            <pc:sldMk cId="905114398" sldId="264"/>
-            <ac:spMk id="7" creationId="{C56845F4-C671-F849-8613-50BD132A5D50}"/>
-          </ac:spMkLst>
-        </pc:spChg>
-      </pc:sldChg>
-      <pc:sldChg chg="add modAnim">
-        <pc:chgData name="Long B Nguyen" userId="f59fb8f3-a021-417a-8bc1-65c8d471c621" providerId="ADAL" clId="{1AE11430-C232-BB4B-AD26-649DB56977B5}" dt="2019-09-06T12:12:32.620" v="2209"/>
-        <pc:sldMkLst>
-          <pc:docMk/>
-          <pc:sldMk cId="3625497833" sldId="265"/>
-        </pc:sldMkLst>
-      </pc:sldChg>
-      <pc:sldChg chg="modSp modAnim">
-        <pc:chgData name="Long B Nguyen" userId="f59fb8f3-a021-417a-8bc1-65c8d471c621" providerId="ADAL" clId="{1AE11430-C232-BB4B-AD26-649DB56977B5}" dt="2019-09-06T12:12:47.303" v="2211"/>
-        <pc:sldMkLst>
-          <pc:docMk/>
-          <pc:sldMk cId="3290810672" sldId="269"/>
-        </pc:sldMkLst>
-        <pc:spChg chg="mod">
-          <ac:chgData name="Long B Nguyen" userId="f59fb8f3-a021-417a-8bc1-65c8d471c621" providerId="ADAL" clId="{1AE11430-C232-BB4B-AD26-649DB56977B5}" dt="2019-08-18T12:12:17.916" v="143" actId="20577"/>
-          <ac:spMkLst>
-            <pc:docMk/>
-            <pc:sldMk cId="3290810672" sldId="269"/>
-            <ac:spMk id="2" creationId="{AA3A228F-61D0-D949-A5E7-F83756230BF8}"/>
-          </ac:spMkLst>
-        </pc:spChg>
-        <pc:spChg chg="mod">
-          <ac:chgData name="Long B Nguyen" userId="f59fb8f3-a021-417a-8bc1-65c8d471c621" providerId="ADAL" clId="{1AE11430-C232-BB4B-AD26-649DB56977B5}" dt="2019-08-18T12:12:25.863" v="146" actId="313"/>
-          <ac:spMkLst>
-            <pc:docMk/>
-            <pc:sldMk cId="3290810672" sldId="269"/>
-            <ac:spMk id="9" creationId="{E3B2E017-30B2-884B-A113-B419A2ED51AD}"/>
-          </ac:spMkLst>
-        </pc:spChg>
-      </pc:sldChg>
-      <pc:sldChg chg="modAnim">
-        <pc:chgData name="Long B Nguyen" userId="f59fb8f3-a021-417a-8bc1-65c8d471c621" providerId="ADAL" clId="{1AE11430-C232-BB4B-AD26-649DB56977B5}" dt="2019-09-06T12:13:15.473" v="2214"/>
-        <pc:sldMkLst>
-          <pc:docMk/>
-          <pc:sldMk cId="4224307978" sldId="270"/>
-        </pc:sldMkLst>
-      </pc:sldChg>
-      <pc:sldChg chg="modAnim">
-        <pc:chgData name="Long B Nguyen" userId="f59fb8f3-a021-417a-8bc1-65c8d471c621" providerId="ADAL" clId="{1AE11430-C232-BB4B-AD26-649DB56977B5}" dt="2019-09-06T12:13:26.729" v="2217"/>
-        <pc:sldMkLst>
-          <pc:docMk/>
-          <pc:sldMk cId="2130507588" sldId="271"/>
-        </pc:sldMkLst>
-      </pc:sldChg>
-      <pc:sldChg chg="modAnim">
-        <pc:chgData name="Long B Nguyen" userId="f59fb8f3-a021-417a-8bc1-65c8d471c621" providerId="ADAL" clId="{1AE11430-C232-BB4B-AD26-649DB56977B5}" dt="2019-09-06T12:13:47.554" v="2220"/>
-        <pc:sldMkLst>
-          <pc:docMk/>
-          <pc:sldMk cId="587435069" sldId="272"/>
-        </pc:sldMkLst>
-      </pc:sldChg>
-      <pc:sldChg chg="add modAnim">
-        <pc:chgData name="Long B Nguyen" userId="f59fb8f3-a021-417a-8bc1-65c8d471c621" providerId="ADAL" clId="{1AE11430-C232-BB4B-AD26-649DB56977B5}" dt="2019-09-09T14:37:29.949" v="3770"/>
-        <pc:sldMkLst>
-          <pc:docMk/>
-          <pc:sldMk cId="2925367410" sldId="280"/>
-        </pc:sldMkLst>
-      </pc:sldChg>
-      <pc:sldChg chg="addSp modSp add modAnim">
-        <pc:chgData name="Long B Nguyen" userId="f59fb8f3-a021-417a-8bc1-65c8d471c621" providerId="ADAL" clId="{1AE11430-C232-BB4B-AD26-649DB56977B5}" dt="2019-09-09T14:37:22.532" v="3768"/>
-        <pc:sldMkLst>
-          <pc:docMk/>
-          <pc:sldMk cId="2119170476" sldId="281"/>
-        </pc:sldMkLst>
-        <pc:spChg chg="mod">
-          <ac:chgData name="Long B Nguyen" userId="f59fb8f3-a021-417a-8bc1-65c8d471c621" providerId="ADAL" clId="{1AE11430-C232-BB4B-AD26-649DB56977B5}" dt="2019-09-07T18:06:17.812" v="3666" actId="20577"/>
-          <ac:spMkLst>
-            <pc:docMk/>
-            <pc:sldMk cId="2119170476" sldId="281"/>
-            <ac:spMk id="3" creationId="{899F54E7-5FE4-EF45-9CE3-B2C76F14DE7B}"/>
-          </ac:spMkLst>
-        </pc:spChg>
-        <pc:spChg chg="add mod">
-          <ac:chgData name="Long B Nguyen" userId="f59fb8f3-a021-417a-8bc1-65c8d471c621" providerId="ADAL" clId="{1AE11430-C232-BB4B-AD26-649DB56977B5}" dt="2019-09-08T00:53:48.725" v="3683" actId="20577"/>
-          <ac:spMkLst>
-            <pc:docMk/>
-            <pc:sldMk cId="2119170476" sldId="281"/>
-            <ac:spMk id="5" creationId="{A837F494-BE4D-5645-A5EE-61E70636208A}"/>
-          </ac:spMkLst>
-        </pc:spChg>
-      </pc:sldChg>
-      <pc:sldChg chg="modSp">
-        <pc:chgData name="Long B Nguyen" userId="f59fb8f3-a021-417a-8bc1-65c8d471c621" providerId="ADAL" clId="{1AE11430-C232-BB4B-AD26-649DB56977B5}" dt="2019-08-17T12:29:37.843" v="139" actId="20577"/>
-        <pc:sldMkLst>
-          <pc:docMk/>
-          <pc:sldMk cId="1438711869" sldId="284"/>
-        </pc:sldMkLst>
-        <pc:spChg chg="mod">
-          <ac:chgData name="Long B Nguyen" userId="f59fb8f3-a021-417a-8bc1-65c8d471c621" providerId="ADAL" clId="{1AE11430-C232-BB4B-AD26-649DB56977B5}" dt="2019-08-17T12:29:37.843" v="139" actId="20577"/>
-          <ac:spMkLst>
-            <pc:docMk/>
-            <pc:sldMk cId="1438711869" sldId="284"/>
-            <ac:spMk id="9" creationId="{E3B2E017-30B2-884B-A113-B419A2ED51AD}"/>
-          </ac:spMkLst>
-        </pc:spChg>
-      </pc:sldChg>
-      <pc:sldChg chg="modAnim">
-        <pc:chgData name="Long B Nguyen" userId="f59fb8f3-a021-417a-8bc1-65c8d471c621" providerId="ADAL" clId="{1AE11430-C232-BB4B-AD26-649DB56977B5}" dt="2019-09-06T12:00:34.398" v="1756"/>
-        <pc:sldMkLst>
-          <pc:docMk/>
-          <pc:sldMk cId="558223950" sldId="285"/>
-        </pc:sldMkLst>
-      </pc:sldChg>
-      <pc:sldChg chg="modSp">
-        <pc:chgData name="Long B Nguyen" userId="f59fb8f3-a021-417a-8bc1-65c8d471c621" providerId="ADAL" clId="{1AE11430-C232-BB4B-AD26-649DB56977B5}" dt="2019-09-08T13:30:11.346" v="3742" actId="20577"/>
-        <pc:sldMkLst>
-          <pc:docMk/>
-          <pc:sldMk cId="3974060782" sldId="289"/>
-        </pc:sldMkLst>
-        <pc:spChg chg="mod">
-          <ac:chgData name="Long B Nguyen" userId="f59fb8f3-a021-417a-8bc1-65c8d471c621" providerId="ADAL" clId="{1AE11430-C232-BB4B-AD26-649DB56977B5}" dt="2019-09-08T13:30:11.346" v="3742" actId="20577"/>
-          <ac:spMkLst>
-            <pc:docMk/>
-            <pc:sldMk cId="3974060782" sldId="289"/>
-            <ac:spMk id="3" creationId="{1BDC47C8-6776-7B44-9CD4-95FC91452D62}"/>
-          </ac:spMkLst>
-        </pc:spChg>
-      </pc:sldChg>
-      <pc:sldChg chg="modSp modAnim">
-        <pc:chgData name="Long B Nguyen" userId="f59fb8f3-a021-417a-8bc1-65c8d471c621" providerId="ADAL" clId="{1AE11430-C232-BB4B-AD26-649DB56977B5}" dt="2019-09-06T12:14:43.144" v="2225"/>
-        <pc:sldMkLst>
-          <pc:docMk/>
-          <pc:sldMk cId="1581961275" sldId="293"/>
-        </pc:sldMkLst>
-        <pc:spChg chg="mod">
-          <ac:chgData name="Long B Nguyen" userId="f59fb8f3-a021-417a-8bc1-65c8d471c621" providerId="ADAL" clId="{1AE11430-C232-BB4B-AD26-649DB56977B5}" dt="2019-08-18T12:13:18.755" v="157" actId="20577"/>
-          <ac:spMkLst>
-            <pc:docMk/>
-            <pc:sldMk cId="1581961275" sldId="293"/>
-            <ac:spMk id="3" creationId="{4D0CDBB4-7D15-3740-9E57-F40B8D812406}"/>
-          </ac:spMkLst>
-        </pc:spChg>
-      </pc:sldChg>
-      <pc:sldChg chg="add del">
-        <pc:chgData name="Long B Nguyen" userId="f59fb8f3-a021-417a-8bc1-65c8d471c621" providerId="ADAL" clId="{1AE11430-C232-BB4B-AD26-649DB56977B5}" dt="2019-09-08T13:30:25.596" v="3744" actId="2696"/>
-        <pc:sldMkLst>
-          <pc:docMk/>
-          <pc:sldMk cId="1406993528" sldId="295"/>
-        </pc:sldMkLst>
-      </pc:sldChg>
-      <pc:sldChg chg="modSp add del">
-        <pc:chgData name="Long B Nguyen" userId="f59fb8f3-a021-417a-8bc1-65c8d471c621" providerId="ADAL" clId="{1AE11430-C232-BB4B-AD26-649DB56977B5}" dt="2019-09-08T03:40:41.216" v="3694"/>
-        <pc:sldMkLst>
-          <pc:docMk/>
-          <pc:sldMk cId="3617353163" sldId="295"/>
-        </pc:sldMkLst>
-        <pc:spChg chg="mod">
-          <ac:chgData name="Long B Nguyen" userId="f59fb8f3-a021-417a-8bc1-65c8d471c621" providerId="ADAL" clId="{1AE11430-C232-BB4B-AD26-649DB56977B5}" dt="2019-09-08T03:40:41.011" v="3693" actId="20577"/>
-          <ac:spMkLst>
-            <pc:docMk/>
-            <pc:sldMk cId="3617353163" sldId="295"/>
-            <ac:spMk id="9" creationId="{E3B2E017-30B2-884B-A113-B419A2ED51AD}"/>
-          </ac:spMkLst>
-        </pc:spChg>
-      </pc:sldChg>
-      <pc:sldChg chg="add modAnim">
-        <pc:chgData name="Long B Nguyen" userId="f59fb8f3-a021-417a-8bc1-65c8d471c621" providerId="ADAL" clId="{1AE11430-C232-BB4B-AD26-649DB56977B5}" dt="2019-09-09T14:36:59.230" v="3764"/>
-        <pc:sldMkLst>
-          <pc:docMk/>
-          <pc:sldMk cId="3711861066" sldId="295"/>
-        </pc:sldMkLst>
-      </pc:sldChg>
-      <pc:sldChg chg="addSp modSp">
-        <pc:chgData name="Long B Nguyen" userId="f59fb8f3-a021-417a-8bc1-65c8d471c621" providerId="ADAL" clId="{1AE11430-C232-BB4B-AD26-649DB56977B5}" dt="2019-09-06T12:07:28.617" v="1782" actId="1036"/>
-        <pc:sldMkLst>
-          <pc:docMk/>
-          <pc:sldMk cId="2081483973" sldId="296"/>
-        </pc:sldMkLst>
-        <pc:spChg chg="mod">
-          <ac:chgData name="Long B Nguyen" userId="f59fb8f3-a021-417a-8bc1-65c8d471c621" providerId="ADAL" clId="{1AE11430-C232-BB4B-AD26-649DB56977B5}" dt="2019-08-18T20:06:16.104" v="1479" actId="20577"/>
-          <ac:spMkLst>
-            <pc:docMk/>
-            <pc:sldMk cId="2081483973" sldId="296"/>
-            <ac:spMk id="6" creationId="{76E456FD-D331-974E-9966-139D852DE6B8}"/>
-          </ac:spMkLst>
-        </pc:spChg>
-        <pc:cxnChg chg="add mod">
-          <ac:chgData name="Long B Nguyen" userId="f59fb8f3-a021-417a-8bc1-65c8d471c621" providerId="ADAL" clId="{1AE11430-C232-BB4B-AD26-649DB56977B5}" dt="2019-09-06T12:07:28.617" v="1782" actId="1036"/>
-          <ac:cxnSpMkLst>
-            <pc:docMk/>
-            <pc:sldMk cId="2081483973" sldId="296"/>
-            <ac:cxnSpMk id="10" creationId="{79C2D392-8520-8A48-983C-712692DD187A}"/>
-          </ac:cxnSpMkLst>
-        </pc:cxnChg>
-      </pc:sldChg>
-      <pc:sldChg chg="addSp delSp modSp add modAnim">
-        <pc:chgData name="Long B Nguyen" userId="f59fb8f3-a021-417a-8bc1-65c8d471c621" providerId="ADAL" clId="{1AE11430-C232-BB4B-AD26-649DB56977B5}" dt="2019-09-06T12:02:22.263" v="1776"/>
-        <pc:sldMkLst>
-          <pc:docMk/>
-          <pc:sldMk cId="2878025650" sldId="298"/>
-        </pc:sldMkLst>
-        <pc:spChg chg="mod">
-          <ac:chgData name="Long B Nguyen" userId="f59fb8f3-a021-417a-8bc1-65c8d471c621" providerId="ADAL" clId="{1AE11430-C232-BB4B-AD26-649DB56977B5}" dt="2019-08-18T17:26:04.938" v="856" actId="255"/>
-          <ac:spMkLst>
-            <pc:docMk/>
-            <pc:sldMk cId="2878025650" sldId="298"/>
-            <ac:spMk id="2" creationId="{AA3A228F-61D0-D949-A5E7-F83756230BF8}"/>
-          </ac:spMkLst>
-        </pc:spChg>
-        <pc:spChg chg="del mod">
-          <ac:chgData name="Long B Nguyen" userId="f59fb8f3-a021-417a-8bc1-65c8d471c621" providerId="ADAL" clId="{1AE11430-C232-BB4B-AD26-649DB56977B5}" dt="2019-08-18T12:22:26.382" v="342" actId="478"/>
-          <ac:spMkLst>
-            <pc:docMk/>
-            <pc:sldMk cId="2878025650" sldId="298"/>
-            <ac:spMk id="3" creationId="{9851CEEB-B8D2-EA41-9A10-1BC744107E4C}"/>
-          </ac:spMkLst>
-        </pc:spChg>
-        <pc:spChg chg="del">
-          <ac:chgData name="Long B Nguyen" userId="f59fb8f3-a021-417a-8bc1-65c8d471c621" providerId="ADAL" clId="{1AE11430-C232-BB4B-AD26-649DB56977B5}" dt="2019-08-18T12:22:29.661" v="343" actId="478"/>
-          <ac:spMkLst>
-            <pc:docMk/>
-            <pc:sldMk cId="2878025650" sldId="298"/>
-            <ac:spMk id="5" creationId="{3E8F7CED-693F-5A43-87EB-5E21C02FDA13}"/>
-          </ac:spMkLst>
-        </pc:spChg>
-        <pc:spChg chg="del">
-          <ac:chgData name="Long B Nguyen" userId="f59fb8f3-a021-417a-8bc1-65c8d471c621" providerId="ADAL" clId="{1AE11430-C232-BB4B-AD26-649DB56977B5}" dt="2019-08-18T12:22:32.011" v="344" actId="478"/>
-          <ac:spMkLst>
-            <pc:docMk/>
-            <pc:sldMk cId="2878025650" sldId="298"/>
-            <ac:spMk id="7" creationId="{C56845F4-C671-F849-8613-50BD132A5D50}"/>
-          </ac:spMkLst>
-        </pc:spChg>
-        <pc:spChg chg="add mod">
-          <ac:chgData name="Long B Nguyen" userId="f59fb8f3-a021-417a-8bc1-65c8d471c621" providerId="ADAL" clId="{1AE11430-C232-BB4B-AD26-649DB56977B5}" dt="2019-08-18T20:03:11.804" v="1337" actId="14100"/>
-          <ac:spMkLst>
-            <pc:docMk/>
-            <pc:sldMk cId="2878025650" sldId="298"/>
-            <ac:spMk id="8" creationId="{89664AE0-03B1-F343-A3F2-F049D077AF98}"/>
-          </ac:spMkLst>
-        </pc:spChg>
-        <pc:spChg chg="mod">
-          <ac:chgData name="Long B Nguyen" userId="f59fb8f3-a021-417a-8bc1-65c8d471c621" providerId="ADAL" clId="{1AE11430-C232-BB4B-AD26-649DB56977B5}" dt="2019-09-06T12:02:01.131" v="1774" actId="1076"/>
-          <ac:spMkLst>
-            <pc:docMk/>
-            <pc:sldMk cId="2878025650" sldId="298"/>
-            <ac:spMk id="9" creationId="{E3B2E017-30B2-884B-A113-B419A2ED51AD}"/>
-          </ac:spMkLst>
-        </pc:spChg>
-        <pc:spChg chg="add mod">
-          <ac:chgData name="Long B Nguyen" userId="f59fb8f3-a021-417a-8bc1-65c8d471c621" providerId="ADAL" clId="{1AE11430-C232-BB4B-AD26-649DB56977B5}" dt="2019-08-18T20:03:17.375" v="1358" actId="1038"/>
-          <ac:spMkLst>
-            <pc:docMk/>
-            <pc:sldMk cId="2878025650" sldId="298"/>
-            <ac:spMk id="13" creationId="{FEE970F2-C39B-7749-9FEC-3601AB1AE7E6}"/>
-          </ac:spMkLst>
-        </pc:spChg>
-        <pc:spChg chg="add mod">
-          <ac:chgData name="Long B Nguyen" userId="f59fb8f3-a021-417a-8bc1-65c8d471c621" providerId="ADAL" clId="{1AE11430-C232-BB4B-AD26-649DB56977B5}" dt="2019-08-18T17:26:46.916" v="866" actId="1076"/>
-          <ac:spMkLst>
-            <pc:docMk/>
-            <pc:sldMk cId="2878025650" sldId="298"/>
-            <ac:spMk id="18" creationId="{72E2D77A-5904-7544-B8AE-F3CD3EA5A4E0}"/>
-          </ac:spMkLst>
-        </pc:spChg>
-        <pc:picChg chg="del">
-          <ac:chgData name="Long B Nguyen" userId="f59fb8f3-a021-417a-8bc1-65c8d471c621" providerId="ADAL" clId="{1AE11430-C232-BB4B-AD26-649DB56977B5}" dt="2019-08-18T12:18:37.789" v="242" actId="478"/>
-          <ac:picMkLst>
-            <pc:docMk/>
-            <pc:sldMk cId="2878025650" sldId="298"/>
-            <ac:picMk id="6" creationId="{4FD3269E-CE30-EB4E-AFDF-1494248BF8F8}"/>
-          </ac:picMkLst>
-        </pc:picChg>
-        <pc:cxnChg chg="add mod">
-          <ac:chgData name="Long B Nguyen" userId="f59fb8f3-a021-417a-8bc1-65c8d471c621" providerId="ADAL" clId="{1AE11430-C232-BB4B-AD26-649DB56977B5}" dt="2019-08-18T17:26:52.269" v="867" actId="14100"/>
-          <ac:cxnSpMkLst>
-            <pc:docMk/>
-            <pc:sldMk cId="2878025650" sldId="298"/>
-            <ac:cxnSpMk id="10" creationId="{7B79EDEB-21CF-C34B-A2E5-A09E60D29E45}"/>
-          </ac:cxnSpMkLst>
-        </pc:cxnChg>
-        <pc:cxnChg chg="add mod">
-          <ac:chgData name="Long B Nguyen" userId="f59fb8f3-a021-417a-8bc1-65c8d471c621" providerId="ADAL" clId="{1AE11430-C232-BB4B-AD26-649DB56977B5}" dt="2019-08-18T17:26:55.322" v="868" actId="14100"/>
-          <ac:cxnSpMkLst>
-            <pc:docMk/>
-            <pc:sldMk cId="2878025650" sldId="298"/>
-            <ac:cxnSpMk id="14" creationId="{67BD5D1A-21FF-5E44-BC9A-F45708385466}"/>
-          </ac:cxnSpMkLst>
-        </pc:cxnChg>
-        <pc:cxnChg chg="add mod">
-          <ac:chgData name="Long B Nguyen" userId="f59fb8f3-a021-417a-8bc1-65c8d471c621" providerId="ADAL" clId="{1AE11430-C232-BB4B-AD26-649DB56977B5}" dt="2019-08-18T17:26:43.517" v="865" actId="14100"/>
-          <ac:cxnSpMkLst>
-            <pc:docMk/>
-            <pc:sldMk cId="2878025650" sldId="298"/>
-            <ac:cxnSpMk id="19" creationId="{F27838C9-39D0-B347-A820-EEA046CD6709}"/>
-          </ac:cxnSpMkLst>
-        </pc:cxnChg>
-      </pc:sldChg>
-      <pc:sldChg chg="modSp add modAnim">
-        <pc:chgData name="Long B Nguyen" userId="f59fb8f3-a021-417a-8bc1-65c8d471c621" providerId="ADAL" clId="{1AE11430-C232-BB4B-AD26-649DB56977B5}" dt="2019-09-06T17:29:53.284" v="3526" actId="20577"/>
-        <pc:sldMkLst>
-          <pc:docMk/>
-          <pc:sldMk cId="1822161854" sldId="299"/>
-        </pc:sldMkLst>
-        <pc:spChg chg="mod">
-          <ac:chgData name="Long B Nguyen" userId="f59fb8f3-a021-417a-8bc1-65c8d471c621" providerId="ADAL" clId="{1AE11430-C232-BB4B-AD26-649DB56977B5}" dt="2019-09-06T17:29:53.284" v="3526" actId="20577"/>
-          <ac:spMkLst>
-            <pc:docMk/>
-            <pc:sldMk cId="1822161854" sldId="299"/>
-            <ac:spMk id="9" creationId="{E3B2E017-30B2-884B-A113-B419A2ED51AD}"/>
-          </ac:spMkLst>
-        </pc:spChg>
-      </pc:sldChg>
-      <pc:sldChg chg="addSp modSp add modAnim">
-        <pc:chgData name="Long B Nguyen" userId="f59fb8f3-a021-417a-8bc1-65c8d471c621" providerId="ADAL" clId="{1AE11430-C232-BB4B-AD26-649DB56977B5}" dt="2019-09-06T13:03:18.321" v="3520"/>
-        <pc:sldMkLst>
-          <pc:docMk/>
-          <pc:sldMk cId="3705756631" sldId="300"/>
-        </pc:sldMkLst>
-        <pc:spChg chg="mod">
-          <ac:chgData name="Long B Nguyen" userId="f59fb8f3-a021-417a-8bc1-65c8d471c621" providerId="ADAL" clId="{1AE11430-C232-BB4B-AD26-649DB56977B5}" dt="2019-09-06T12:17:56.704" v="2383" actId="1076"/>
-          <ac:spMkLst>
-            <pc:docMk/>
-            <pc:sldMk cId="3705756631" sldId="300"/>
-            <ac:spMk id="6" creationId="{6BAD279A-662B-2340-A1DC-179A92D4104E}"/>
-          </ac:spMkLst>
-        </pc:spChg>
-        <pc:spChg chg="mod">
-          <ac:chgData name="Long B Nguyen" userId="f59fb8f3-a021-417a-8bc1-65c8d471c621" providerId="ADAL" clId="{1AE11430-C232-BB4B-AD26-649DB56977B5}" dt="2019-08-18T20:29:07.910" v="1659" actId="14100"/>
-          <ac:spMkLst>
-            <pc:docMk/>
-            <pc:sldMk cId="3705756631" sldId="300"/>
-            <ac:spMk id="8" creationId="{D6E9479C-6E60-544B-AB53-771C1DA554BF}"/>
-          </ac:spMkLst>
-        </pc:spChg>
-        <pc:spChg chg="mod">
-          <ac:chgData name="Long B Nguyen" userId="f59fb8f3-a021-417a-8bc1-65c8d471c621" providerId="ADAL" clId="{1AE11430-C232-BB4B-AD26-649DB56977B5}" dt="2019-09-06T12:18:48.833" v="2410" actId="20577"/>
-          <ac:spMkLst>
-            <pc:docMk/>
-            <pc:sldMk cId="3705756631" sldId="300"/>
-            <ac:spMk id="9" creationId="{E3B2E017-30B2-884B-A113-B419A2ED51AD}"/>
-          </ac:spMkLst>
-        </pc:spChg>
-        <pc:picChg chg="mod">
-          <ac:chgData name="Long B Nguyen" userId="f59fb8f3-a021-417a-8bc1-65c8d471c621" providerId="ADAL" clId="{1AE11430-C232-BB4B-AD26-649DB56977B5}" dt="2019-08-18T20:28:11.336" v="1636" actId="1038"/>
-          <ac:picMkLst>
-            <pc:docMk/>
-            <pc:sldMk cId="3705756631" sldId="300"/>
-            <ac:picMk id="4" creationId="{D25370B2-DE41-AD4B-BC83-7E699BF3BBAC}"/>
-          </ac:picMkLst>
-        </pc:picChg>
-        <pc:picChg chg="mod">
-          <ac:chgData name="Long B Nguyen" userId="f59fb8f3-a021-417a-8bc1-65c8d471c621" providerId="ADAL" clId="{1AE11430-C232-BB4B-AD26-649DB56977B5}" dt="2019-09-06T12:17:12.448" v="2333" actId="1035"/>
-          <ac:picMkLst>
-            <pc:docMk/>
-            <pc:sldMk cId="3705756631" sldId="300"/>
-            <ac:picMk id="5" creationId="{A95D34AC-544E-0747-85EC-3132C6002DB7}"/>
-          </ac:picMkLst>
-        </pc:picChg>
-        <pc:cxnChg chg="add mod">
-          <ac:chgData name="Long B Nguyen" userId="f59fb8f3-a021-417a-8bc1-65c8d471c621" providerId="ADAL" clId="{1AE11430-C232-BB4B-AD26-649DB56977B5}" dt="2019-08-18T20:28:11.336" v="1636" actId="1038"/>
-          <ac:cxnSpMkLst>
-            <pc:docMk/>
-            <pc:sldMk cId="3705756631" sldId="300"/>
-            <ac:cxnSpMk id="10" creationId="{C00F6DEC-900C-7547-B9DF-066B1FC4F965}"/>
-          </ac:cxnSpMkLst>
-        </pc:cxnChg>
-        <pc:cxnChg chg="add mod">
-          <ac:chgData name="Long B Nguyen" userId="f59fb8f3-a021-417a-8bc1-65c8d471c621" providerId="ADAL" clId="{1AE11430-C232-BB4B-AD26-649DB56977B5}" dt="2019-09-06T12:17:16.805" v="2334" actId="14100"/>
-          <ac:cxnSpMkLst>
-            <pc:docMk/>
-            <pc:sldMk cId="3705756631" sldId="300"/>
-            <ac:cxnSpMk id="11" creationId="{920B4F76-EF34-AD42-BD9F-440FD65CBAAF}"/>
-          </ac:cxnSpMkLst>
-        </pc:cxnChg>
-        <pc:cxnChg chg="add mod">
-          <ac:chgData name="Long B Nguyen" userId="f59fb8f3-a021-417a-8bc1-65c8d471c621" providerId="ADAL" clId="{1AE11430-C232-BB4B-AD26-649DB56977B5}" dt="2019-09-06T12:18:07.726" v="2388" actId="14100"/>
-          <ac:cxnSpMkLst>
-            <pc:docMk/>
-            <pc:sldMk cId="3705756631" sldId="300"/>
-            <ac:cxnSpMk id="12" creationId="{9E356615-13B9-8146-8C06-5A99446B4AB7}"/>
-          </ac:cxnSpMkLst>
-        </pc:cxnChg>
-        <pc:cxnChg chg="add mod">
-          <ac:chgData name="Long B Nguyen" userId="f59fb8f3-a021-417a-8bc1-65c8d471c621" providerId="ADAL" clId="{1AE11430-C232-BB4B-AD26-649DB56977B5}" dt="2019-09-06T12:20:47.899" v="2427" actId="14100"/>
-          <ac:cxnSpMkLst>
-            <pc:docMk/>
-            <pc:sldMk cId="3705756631" sldId="300"/>
-            <ac:cxnSpMk id="16" creationId="{4EB36C7B-D764-EA4E-A9BB-8A4FB52323FB}"/>
-          </ac:cxnSpMkLst>
-        </pc:cxnChg>
-      </pc:sldChg>
-      <pc:sldChg chg="modSp add modAnim">
-        <pc:chgData name="Long B Nguyen" userId="f59fb8f3-a021-417a-8bc1-65c8d471c621" providerId="ADAL" clId="{1AE11430-C232-BB4B-AD26-649DB56977B5}" dt="2019-09-06T12:12:03.011" v="2205"/>
-        <pc:sldMkLst>
-          <pc:docMk/>
-          <pc:sldMk cId="3618694306" sldId="301"/>
-        </pc:sldMkLst>
-        <pc:spChg chg="mod">
-          <ac:chgData name="Long B Nguyen" userId="f59fb8f3-a021-417a-8bc1-65c8d471c621" providerId="ADAL" clId="{1AE11430-C232-BB4B-AD26-649DB56977B5}" dt="2019-09-06T12:11:29.676" v="2199" actId="20577"/>
-          <ac:spMkLst>
-            <pc:docMk/>
-            <pc:sldMk cId="3618694306" sldId="301"/>
-            <ac:spMk id="9" creationId="{E3B2E017-30B2-884B-A113-B419A2ED51AD}"/>
-          </ac:spMkLst>
-        </pc:spChg>
-      </pc:sldChg>
-      <pc:sldChg chg="delSp modSp add delAnim modAnim">
-        <pc:chgData name="Long B Nguyen" userId="f59fb8f3-a021-417a-8bc1-65c8d471c621" providerId="ADAL" clId="{1AE11430-C232-BB4B-AD26-649DB56977B5}" dt="2019-09-09T17:47:35.004" v="3847" actId="20577"/>
-        <pc:sldMkLst>
-          <pc:docMk/>
-          <pc:sldMk cId="2064379448" sldId="302"/>
-        </pc:sldMkLst>
-        <pc:spChg chg="mod">
-          <ac:chgData name="Long B Nguyen" userId="f59fb8f3-a021-417a-8bc1-65c8d471c621" providerId="ADAL" clId="{1AE11430-C232-BB4B-AD26-649DB56977B5}" dt="2019-09-06T12:53:05.244" v="3123" actId="20577"/>
-          <ac:spMkLst>
-            <pc:docMk/>
-            <pc:sldMk cId="2064379448" sldId="302"/>
-            <ac:spMk id="2" creationId="{AA3A228F-61D0-D949-A5E7-F83756230BF8}"/>
-          </ac:spMkLst>
-        </pc:spChg>
-        <pc:spChg chg="del mod">
-          <ac:chgData name="Long B Nguyen" userId="f59fb8f3-a021-417a-8bc1-65c8d471c621" providerId="ADAL" clId="{1AE11430-C232-BB4B-AD26-649DB56977B5}" dt="2019-09-06T12:47:52.102" v="2634" actId="478"/>
-          <ac:spMkLst>
-            <pc:docMk/>
-            <pc:sldMk cId="2064379448" sldId="302"/>
-            <ac:spMk id="3" creationId="{4D0CDBB4-7D15-3740-9E57-F40B8D812406}"/>
-          </ac:spMkLst>
-        </pc:spChg>
-        <pc:spChg chg="mod">
-          <ac:chgData name="Long B Nguyen" userId="f59fb8f3-a021-417a-8bc1-65c8d471c621" providerId="ADAL" clId="{1AE11430-C232-BB4B-AD26-649DB56977B5}" dt="2019-09-09T17:47:35.004" v="3847" actId="20577"/>
-          <ac:spMkLst>
-            <pc:docMk/>
-            <pc:sldMk cId="2064379448" sldId="302"/>
-            <ac:spMk id="9" creationId="{E3B2E017-30B2-884B-A113-B419A2ED51AD}"/>
-          </ac:spMkLst>
-        </pc:spChg>
-      </pc:sldChg>
-      <pc:sldChg chg="modSp add">
-        <pc:chgData name="Long B Nguyen" userId="f59fb8f3-a021-417a-8bc1-65c8d471c621" providerId="ADAL" clId="{1AE11430-C232-BB4B-AD26-649DB56977B5}" dt="2019-09-08T00:54:16.876" v="3685" actId="20577"/>
-        <pc:sldMkLst>
-          <pc:docMk/>
-          <pc:sldMk cId="3993483693" sldId="303"/>
-        </pc:sldMkLst>
-        <pc:spChg chg="mod">
-          <ac:chgData name="Long B Nguyen" userId="f59fb8f3-a021-417a-8bc1-65c8d471c621" providerId="ADAL" clId="{1AE11430-C232-BB4B-AD26-649DB56977B5}" dt="2019-09-06T12:53:13.798" v="3126" actId="20577"/>
-          <ac:spMkLst>
-            <pc:docMk/>
-            <pc:sldMk cId="3993483693" sldId="303"/>
-            <ac:spMk id="2" creationId="{AA3A228F-61D0-D949-A5E7-F83756230BF8}"/>
-          </ac:spMkLst>
-        </pc:spChg>
-        <pc:spChg chg="mod">
-          <ac:chgData name="Long B Nguyen" userId="f59fb8f3-a021-417a-8bc1-65c8d471c621" providerId="ADAL" clId="{1AE11430-C232-BB4B-AD26-649DB56977B5}" dt="2019-09-08T00:54:16.876" v="3685" actId="20577"/>
-          <ac:spMkLst>
-            <pc:docMk/>
-            <pc:sldMk cId="3993483693" sldId="303"/>
-            <ac:spMk id="9" creationId="{E3B2E017-30B2-884B-A113-B419A2ED51AD}"/>
-          </ac:spMkLst>
-        </pc:spChg>
-      </pc:sldChg>
-      <pc:sldChg chg="add del">
-        <pc:chgData name="Long B Nguyen" userId="f59fb8f3-a021-417a-8bc1-65c8d471c621" providerId="ADAL" clId="{1AE11430-C232-BB4B-AD26-649DB56977B5}" dt="2019-09-08T03:41:42.114" v="3702" actId="2696"/>
-        <pc:sldMkLst>
-          <pc:docMk/>
-          <pc:sldMk cId="1735411058" sldId="304"/>
-        </pc:sldMkLst>
       </pc:sldChg>
     </pc:docChg>
   </pc:docChgLst>
@@ -2885,7 +2990,7 @@
           <a:p>
             <a:fld id="{4AAD347D-5ACD-4C99-B74B-A9C85AD731AF}" type="datetimeFigureOut">
               <a:rPr lang="en-US" smtClean="0"/>
-              <a:t>1/20/22</a:t>
+              <a:t>1/10/23</a:t>
             </a:fld>
             <a:endParaRPr lang="en-US" dirty="0"/>
           </a:p>
@@ -3055,7 +3160,7 @@
           <a:p>
             <a:fld id="{4509A250-FF31-4206-8172-F9D3106AACB1}" type="datetimeFigureOut">
               <a:rPr lang="en-US" smtClean="0"/>
-              <a:t>1/20/22</a:t>
+              <a:t>1/10/23</a:t>
             </a:fld>
             <a:endParaRPr lang="en-US" dirty="0"/>
           </a:p>
@@ -3235,7 +3340,7 @@
           <a:p>
             <a:fld id="{4509A250-FF31-4206-8172-F9D3106AACB1}" type="datetimeFigureOut">
               <a:rPr lang="en-US" smtClean="0"/>
-              <a:t>1/20/22</a:t>
+              <a:t>1/10/23</a:t>
             </a:fld>
             <a:endParaRPr lang="en-US" dirty="0"/>
           </a:p>
@@ -3405,7 +3510,7 @@
           <a:p>
             <a:fld id="{4509A250-FF31-4206-8172-F9D3106AACB1}" type="datetimeFigureOut">
               <a:rPr lang="en-US" smtClean="0"/>
-              <a:t>1/20/22</a:t>
+              <a:t>1/10/23</a:t>
             </a:fld>
             <a:endParaRPr lang="en-US" dirty="0"/>
           </a:p>
@@ -3651,7 +3756,7 @@
           <a:p>
             <a:fld id="{9796027F-7875-4030-9381-8BD8C4F21935}" type="datetimeFigureOut">
               <a:rPr lang="en-US" smtClean="0"/>
-              <a:t>1/20/22</a:t>
+              <a:t>1/10/23</a:t>
             </a:fld>
             <a:endParaRPr lang="en-US" dirty="0"/>
           </a:p>
@@ -3883,7 +3988,7 @@
           <a:p>
             <a:fld id="{9796027F-7875-4030-9381-8BD8C4F21935}" type="datetimeFigureOut">
               <a:rPr lang="en-US" smtClean="0"/>
-              <a:t>1/20/22</a:t>
+              <a:t>1/10/23</a:t>
             </a:fld>
             <a:endParaRPr lang="en-US" dirty="0"/>
           </a:p>
@@ -4250,7 +4355,7 @@
           <a:p>
             <a:fld id="{9796027F-7875-4030-9381-8BD8C4F21935}" type="datetimeFigureOut">
               <a:rPr lang="en-US" smtClean="0"/>
-              <a:t>1/20/22</a:t>
+              <a:t>1/10/23</a:t>
             </a:fld>
             <a:endParaRPr lang="en-US" dirty="0"/>
           </a:p>
@@ -4368,7 +4473,7 @@
           <a:p>
             <a:fld id="{4509A250-FF31-4206-8172-F9D3106AACB1}" type="datetimeFigureOut">
               <a:rPr lang="en-US" smtClean="0"/>
-              <a:t>1/20/22</a:t>
+              <a:t>1/10/23</a:t>
             </a:fld>
             <a:endParaRPr lang="en-US" dirty="0"/>
           </a:p>
@@ -4463,7 +4568,7 @@
           <a:p>
             <a:fld id="{4509A250-FF31-4206-8172-F9D3106AACB1}" type="datetimeFigureOut">
               <a:rPr lang="en-US" smtClean="0"/>
-              <a:t>1/20/22</a:t>
+              <a:t>1/10/23</a:t>
             </a:fld>
             <a:endParaRPr lang="en-US" dirty="0"/>
           </a:p>
@@ -4740,7 +4845,7 @@
           <a:p>
             <a:fld id="{4509A250-FF31-4206-8172-F9D3106AACB1}" type="datetimeFigureOut">
               <a:rPr lang="en-US" smtClean="0"/>
-              <a:t>1/20/22</a:t>
+              <a:t>1/10/23</a:t>
             </a:fld>
             <a:endParaRPr lang="en-US" dirty="0"/>
           </a:p>
@@ -4997,7 +5102,7 @@
           <a:p>
             <a:fld id="{4509A250-FF31-4206-8172-F9D3106AACB1}" type="datetimeFigureOut">
               <a:rPr lang="en-US" smtClean="0"/>
-              <a:t>1/20/22</a:t>
+              <a:t>1/10/23</a:t>
             </a:fld>
             <a:endParaRPr lang="en-US" dirty="0"/>
           </a:p>
@@ -5210,7 +5315,7 @@
           <a:p>
             <a:fld id="{4AAD347D-5ACD-4C99-B74B-A9C85AD731AF}" type="datetimeFigureOut">
               <a:rPr lang="en-US" smtClean="0"/>
-              <a:t>1/20/22</a:t>
+              <a:t>1/10/23</a:t>
             </a:fld>
             <a:endParaRPr lang="en-US" dirty="0"/>
           </a:p>
@@ -7747,7 +7852,7 @@
             </a:r>
             <a:r>
               <a:rPr lang="en-US" sz="2200" dirty="0" err="1"/>
-              <a:t>replit</a:t>
+              <a:t>replit or use Processing</a:t>
             </a:r>
             <a:endParaRPr lang="en-US" sz="2200" dirty="0"/>
           </a:p>
@@ -8420,7 +8525,9 @@
           </a:xfrm>
         </p:spPr>
         <p:txBody>
-          <a:bodyPr/>
+          <a:bodyPr>
+            <a:normAutofit fontScale="92500" lnSpcReduction="10000"/>
+          </a:bodyPr>
           <a:lstStyle/>
           <a:p>
             <a:pPr marL="457200" indent="-457200">
@@ -8458,7 +8565,7 @@
             </a:pPr>
             <a:r>
               <a:rPr lang="en-US" dirty="0"/>
-              <a:t>At least one list(list of tuples) or dictionary that manages complexity. The list or dictionary should be essential to your program. Your program should be very difficult to write without the use of this list/dictionary. </a:t>
+              <a:t>At least one list(list of tuples, or list of objects, list of Sprites if you use Processing) that manages complexity. The list should be essential to your program. Your program should be very difficult to write without the use of this list/dictionary. </a:t>
             </a:r>
           </a:p>
           <a:p>
@@ -8468,6 +8575,41 @@
             <a:r>
               <a:rPr lang="en-US" dirty="0"/>
               <a:t>At least one student-developed procedure that has an algorithm which uses one or more parameters that used iteration(loops) and selection(conditionals).</a:t>
+            </a:r>
+          </a:p>
+          <a:p>
+            <a:pPr marL="0" indent="0">
+              <a:buNone/>
+            </a:pPr>
+            <a:r>
+              <a:rPr lang="en-US" dirty="0"/>
+              <a:t>	A) You function must have at least TWO parameters. </a:t>
+            </a:r>
+          </a:p>
+          <a:p>
+            <a:pPr marL="0" indent="0">
+              <a:buNone/>
+            </a:pPr>
+            <a:r>
+              <a:rPr lang="en-US" dirty="0"/>
+              <a:t>	B) In your function, you must have at least two conditionals(if-</a:t>
+            </a:r>
+            <a:r>
+              <a:rPr lang="en-US" dirty="0" err="1"/>
+              <a:t>elif</a:t>
+            </a:r>
+            <a:r>
+              <a:rPr lang="en-US" dirty="0"/>
+              <a:t> or if-else).</a:t>
+            </a:r>
+          </a:p>
+          <a:p>
+            <a:pPr marL="0" indent="0">
+              <a:buNone/>
+            </a:pPr>
+            <a:r>
+              <a:rPr lang="en-US" dirty="0"/>
+              <a:t> </a:t>
             </a:r>
           </a:p>
           <a:p>
@@ -8652,6 +8794,153 @@
                       </p:childTnLst>
                     </p:cTn>
                   </p:par>
+                  <p:par>
+                    <p:cTn id="15" fill="hold">
+                      <p:stCondLst>
+                        <p:cond delay="indefinite"/>
+                      </p:stCondLst>
+                      <p:childTnLst>
+                        <p:par>
+                          <p:cTn id="16" fill="hold">
+                            <p:stCondLst>
+                              <p:cond delay="0"/>
+                            </p:stCondLst>
+                            <p:childTnLst>
+                              <p:par>
+                                <p:cTn id="17" presetID="1" presetClass="entr" presetSubtype="0" fill="hold" nodeType="clickEffect">
+                                  <p:stCondLst>
+                                    <p:cond delay="0"/>
+                                  </p:stCondLst>
+                                  <p:childTnLst>
+                                    <p:set>
+                                      <p:cBhvr>
+                                        <p:cTn id="18" dur="1" fill="hold">
+                                          <p:stCondLst>
+                                            <p:cond delay="0"/>
+                                          </p:stCondLst>
+                                        </p:cTn>
+                                        <p:tgtEl>
+                                          <p:spTgt spid="3">
+                                            <p:txEl>
+                                              <p:pRg st="6" end="6"/>
+                                            </p:txEl>
+                                          </p:spTgt>
+                                        </p:tgtEl>
+                                        <p:attrNameLst>
+                                          <p:attrName>style.visibility</p:attrName>
+                                        </p:attrNameLst>
+                                      </p:cBhvr>
+                                      <p:to>
+                                        <p:strVal val="visible"/>
+                                      </p:to>
+                                    </p:set>
+                                  </p:childTnLst>
+                                </p:cTn>
+                              </p:par>
+                            </p:childTnLst>
+                          </p:cTn>
+                        </p:par>
+                      </p:childTnLst>
+                    </p:cTn>
+                  </p:par>
+                  <p:par>
+                    <p:cTn id="19" fill="hold">
+                      <p:stCondLst>
+                        <p:cond delay="indefinite"/>
+                      </p:stCondLst>
+                      <p:childTnLst>
+                        <p:par>
+                          <p:cTn id="20" fill="hold">
+                            <p:stCondLst>
+                              <p:cond delay="0"/>
+                            </p:stCondLst>
+                            <p:childTnLst>
+                              <p:par>
+                                <p:cTn id="21" presetID="1" presetClass="entr" presetSubtype="0" fill="hold" nodeType="clickEffect">
+                                  <p:stCondLst>
+                                    <p:cond delay="0"/>
+                                  </p:stCondLst>
+                                  <p:childTnLst>
+                                    <p:set>
+                                      <p:cBhvr>
+                                        <p:cTn id="22" dur="1" fill="hold">
+                                          <p:stCondLst>
+                                            <p:cond delay="0"/>
+                                          </p:stCondLst>
+                                        </p:cTn>
+                                        <p:tgtEl>
+                                          <p:spTgt spid="3">
+                                            <p:txEl>
+                                              <p:pRg st="7" end="7"/>
+                                            </p:txEl>
+                                          </p:spTgt>
+                                        </p:tgtEl>
+                                        <p:attrNameLst>
+                                          <p:attrName>style.visibility</p:attrName>
+                                        </p:attrNameLst>
+                                      </p:cBhvr>
+                                      <p:to>
+                                        <p:strVal val="visible"/>
+                                      </p:to>
+                                    </p:set>
+                                  </p:childTnLst>
+                                </p:cTn>
+                              </p:par>
+                            </p:childTnLst>
+                          </p:cTn>
+                        </p:par>
+                      </p:childTnLst>
+                    </p:cTn>
+                  </p:par>
+                  <p:par>
+                    <p:cTn id="23" fill="hold">
+                      <p:stCondLst>
+                        <p:cond delay="indefinite"/>
+                      </p:stCondLst>
+                      <p:childTnLst>
+                        <p:par>
+                          <p:cTn id="24" fill="hold">
+                            <p:stCondLst>
+                              <p:cond delay="0"/>
+                            </p:stCondLst>
+                            <p:childTnLst>
+                              <p:par>
+                                <p:cTn id="25" presetID="1" presetClass="entr" presetSubtype="0" fill="hold" nodeType="clickEffect">
+                                  <p:stCondLst>
+                                    <p:cond delay="0"/>
+                                  </p:stCondLst>
+                                  <p:childTnLst>
+                                    <p:set>
+                                      <p:cBhvr>
+                                        <p:cTn id="26" dur="1" fill="hold">
+                                          <p:stCondLst>
+                                            <p:cond delay="0"/>
+                                          </p:stCondLst>
+                                        </p:cTn>
+                                        <p:tgtEl>
+                                          <p:spTgt spid="3">
+                                            <p:txEl>
+                                              <p:pRg st="8" end="8"/>
+                                            </p:txEl>
+                                          </p:spTgt>
+                                        </p:tgtEl>
+                                        <p:attrNameLst>
+                                          <p:attrName>style.visibility</p:attrName>
+                                        </p:attrNameLst>
+                                      </p:cBhvr>
+                                      <p:to>
+                                        <p:strVal val="visible"/>
+                                      </p:to>
+                                    </p:set>
+                                  </p:childTnLst>
+                                </p:cTn>
+                              </p:par>
+                            </p:childTnLst>
+                          </p:cTn>
+                        </p:par>
+                      </p:childTnLst>
+                    </p:cTn>
+                  </p:par>
                 </p:childTnLst>
               </p:cTn>
               <p:prevCondLst>
@@ -8699,232 +8988,6 @@
           <p:cNvPr id="2" name="Title 1">
             <a:extLst>
               <a:ext uri="{FF2B5EF4-FFF2-40B4-BE49-F238E27FC236}">
-                <a16:creationId xmlns:a16="http://schemas.microsoft.com/office/drawing/2014/main" id="{556B981A-229A-B54C-ACC7-41D2A16654A0}"/>
-              </a:ext>
-            </a:extLst>
-          </p:cNvPr>
-          <p:cNvSpPr>
-            <a:spLocks noGrp="1"/>
-          </p:cNvSpPr>
-          <p:nvPr>
-            <p:ph type="title"/>
-          </p:nvPr>
-        </p:nvSpPr>
-        <p:spPr>
-          <a:xfrm>
-            <a:off x="190500" y="254001"/>
-            <a:ext cx="8324850" cy="622300"/>
-          </a:xfrm>
-        </p:spPr>
-        <p:txBody>
-          <a:bodyPr/>
-          <a:lstStyle/>
-          <a:p>
-            <a:r>
-              <a:rPr lang="en-US" dirty="0"/>
-              <a:t>Dates</a:t>
-            </a:r>
-          </a:p>
-        </p:txBody>
-      </p:sp>
-      <p:sp>
-        <p:nvSpPr>
-          <p:cNvPr id="3" name="Content Placeholder 2">
-            <a:extLst>
-              <a:ext uri="{FF2B5EF4-FFF2-40B4-BE49-F238E27FC236}">
-                <a16:creationId xmlns:a16="http://schemas.microsoft.com/office/drawing/2014/main" id="{C84102BA-DE72-B749-AF52-12A584032098}"/>
-              </a:ext>
-            </a:extLst>
-          </p:cNvPr>
-          <p:cNvSpPr>
-            <a:spLocks noGrp="1"/>
-          </p:cNvSpPr>
-          <p:nvPr>
-            <p:ph idx="1"/>
-          </p:nvPr>
-        </p:nvSpPr>
-        <p:spPr>
-          <a:xfrm>
-            <a:off x="190500" y="876302"/>
-            <a:ext cx="8496300" cy="4686298"/>
-          </a:xfrm>
-        </p:spPr>
-        <p:txBody>
-          <a:bodyPr/>
-          <a:lstStyle/>
-          <a:p>
-            <a:pPr marL="457200" indent="-457200">
-              <a:buAutoNum type="arabicParenR"/>
-            </a:pPr>
-            <a:endParaRPr lang="en-US" dirty="0"/>
-          </a:p>
-          <a:p>
-            <a:pPr marL="0" indent="0">
-              <a:buNone/>
-            </a:pPr>
-            <a:endParaRPr lang="en-US" dirty="0"/>
-          </a:p>
-          <a:p>
-            <a:pPr marL="0" indent="0">
-              <a:buNone/>
-            </a:pPr>
-            <a:endParaRPr lang="en-US" dirty="0"/>
-          </a:p>
-          <a:p>
-            <a:pPr marL="0" indent="0">
-              <a:buNone/>
-            </a:pPr>
-            <a:r>
-              <a:rPr lang="en-US" dirty="0"/>
-              <a:t>The goal is to complete your code by end of February(end of February break). </a:t>
-            </a:r>
-          </a:p>
-          <a:p>
-            <a:pPr marL="0" indent="0">
-              <a:buNone/>
-            </a:pPr>
-            <a:endParaRPr lang="en-US" dirty="0"/>
-          </a:p>
-          <a:p>
-            <a:pPr marL="0" indent="0">
-              <a:buNone/>
-            </a:pPr>
-            <a:r>
-              <a:rPr lang="en-US" dirty="0"/>
-              <a:t>There will be weekly check-ins. </a:t>
-            </a:r>
-          </a:p>
-          <a:p>
-            <a:pPr marL="0" indent="0">
-              <a:buNone/>
-            </a:pPr>
-            <a:endParaRPr lang="en-US" dirty="0"/>
-          </a:p>
-          <a:p>
-            <a:pPr marL="0" indent="0">
-              <a:buNone/>
-            </a:pPr>
-            <a:r>
-              <a:rPr lang="en-US" dirty="0"/>
-              <a:t> </a:t>
-            </a:r>
-          </a:p>
-        </p:txBody>
-      </p:sp>
-    </p:spTree>
-    <p:extLst>
-      <p:ext uri="{BB962C8B-B14F-4D97-AF65-F5344CB8AC3E}">
-        <p14:creationId xmlns:p14="http://schemas.microsoft.com/office/powerpoint/2010/main" val="3916325109"/>
-      </p:ext>
-    </p:extLst>
-  </p:cSld>
-  <p:clrMapOvr>
-    <a:masterClrMapping/>
-  </p:clrMapOvr>
-  <p:timing>
-    <p:tnLst>
-      <p:par>
-        <p:cTn id="1" dur="indefinite" restart="never" nodeType="tmRoot">
-          <p:childTnLst>
-            <p:seq concurrent="1" nextAc="seek">
-              <p:cTn id="2" dur="indefinite" nodeType="mainSeq">
-                <p:childTnLst>
-                  <p:par>
-                    <p:cTn id="3" fill="hold">
-                      <p:stCondLst>
-                        <p:cond delay="indefinite"/>
-                      </p:stCondLst>
-                      <p:childTnLst>
-                        <p:par>
-                          <p:cTn id="4" fill="hold">
-                            <p:stCondLst>
-                              <p:cond delay="0"/>
-                            </p:stCondLst>
-                            <p:childTnLst>
-                              <p:par>
-                                <p:cTn id="5" presetID="1" presetClass="entr" presetSubtype="0" fill="hold" nodeType="clickEffect">
-                                  <p:stCondLst>
-                                    <p:cond delay="0"/>
-                                  </p:stCondLst>
-                                  <p:childTnLst>
-                                    <p:set>
-                                      <p:cBhvr>
-                                        <p:cTn id="6" dur="1" fill="hold">
-                                          <p:stCondLst>
-                                            <p:cond delay="0"/>
-                                          </p:stCondLst>
-                                        </p:cTn>
-                                        <p:tgtEl>
-                                          <p:spTgt spid="3">
-                                            <p:txEl>
-                                              <p:pRg st="5" end="5"/>
-                                            </p:txEl>
-                                          </p:spTgt>
-                                        </p:tgtEl>
-                                        <p:attrNameLst>
-                                          <p:attrName>style.visibility</p:attrName>
-                                        </p:attrNameLst>
-                                      </p:cBhvr>
-                                      <p:to>
-                                        <p:strVal val="visible"/>
-                                      </p:to>
-                                    </p:set>
-                                  </p:childTnLst>
-                                </p:cTn>
-                              </p:par>
-                            </p:childTnLst>
-                          </p:cTn>
-                        </p:par>
-                      </p:childTnLst>
-                    </p:cTn>
-                  </p:par>
-                </p:childTnLst>
-              </p:cTn>
-              <p:prevCondLst>
-                <p:cond evt="onPrev" delay="0">
-                  <p:tgtEl>
-                    <p:sldTgt/>
-                  </p:tgtEl>
-                </p:cond>
-              </p:prevCondLst>
-              <p:nextCondLst>
-                <p:cond evt="onNext" delay="0">
-                  <p:tgtEl>
-                    <p:sldTgt/>
-                  </p:tgtEl>
-                </p:cond>
-              </p:nextCondLst>
-            </p:seq>
-          </p:childTnLst>
-        </p:cTn>
-      </p:par>
-    </p:tnLst>
-  </p:timing>
-</p:sld>
-</file>
-
-<file path=ppt/slides/slide23.xml><?xml version="1.0" encoding="utf-8"?>
-<p:sld xmlns:a="http://schemas.openxmlformats.org/drawingml/2006/main" xmlns:r="http://schemas.openxmlformats.org/officeDocument/2006/relationships" xmlns:p="http://schemas.openxmlformats.org/presentationml/2006/main">
-  <p:cSld>
-    <p:spTree>
-      <p:nvGrpSpPr>
-        <p:cNvPr id="1" name=""/>
-        <p:cNvGrpSpPr/>
-        <p:nvPr/>
-      </p:nvGrpSpPr>
-      <p:grpSpPr>
-        <a:xfrm>
-          <a:off x="0" y="0"/>
-          <a:ext cx="0" cy="0"/>
-          <a:chOff x="0" y="0"/>
-          <a:chExt cx="0" cy="0"/>
-        </a:xfrm>
-      </p:grpSpPr>
-      <p:sp>
-        <p:nvSpPr>
-          <p:cNvPr id="2" name="Title 1">
-            <a:extLst>
-              <a:ext uri="{FF2B5EF4-FFF2-40B4-BE49-F238E27FC236}">
                 <a16:creationId xmlns:a16="http://schemas.microsoft.com/office/drawing/2014/main" id="{2CAD482E-9621-034B-B5B9-A2A3E3815EBF}"/>
               </a:ext>
             </a:extLst>
@@ -9058,23 +9121,6 @@
               <a:buNone/>
             </a:pPr>
             <a:endParaRPr lang="en-US" dirty="0"/>
-          </a:p>
-          <a:p>
-            <a:pPr marL="0" indent="0">
-              <a:buNone/>
-            </a:pPr>
-            <a:r>
-              <a:rPr lang="en-US" dirty="0"/>
-              <a:t>See Create Task 1, 2, 3, 4 on </a:t>
-            </a:r>
-            <a:r>
-              <a:rPr lang="en-US" dirty="0" err="1"/>
-              <a:t>replit</a:t>
-            </a:r>
-            <a:r>
-              <a:rPr lang="en-US" dirty="0"/>
-              <a:t> Teams. </a:t>
-            </a:r>
           </a:p>
           <a:p>
             <a:pPr marL="0" indent="0">
@@ -9249,55 +9295,6 @@
                       </p:childTnLst>
                     </p:cTn>
                   </p:par>
-                  <p:par>
-                    <p:cTn id="15" fill="hold">
-                      <p:stCondLst>
-                        <p:cond delay="indefinite"/>
-                      </p:stCondLst>
-                      <p:childTnLst>
-                        <p:par>
-                          <p:cTn id="16" fill="hold">
-                            <p:stCondLst>
-                              <p:cond delay="0"/>
-                            </p:stCondLst>
-                            <p:childTnLst>
-                              <p:par>
-                                <p:cTn id="17" presetID="1" presetClass="entr" presetSubtype="0" fill="hold" nodeType="clickEffect">
-                                  <p:stCondLst>
-                                    <p:cond delay="0"/>
-                                  </p:stCondLst>
-                                  <p:childTnLst>
-                                    <p:set>
-                                      <p:cBhvr>
-                                        <p:cTn id="18" dur="1" fill="hold">
-                                          <p:stCondLst>
-                                            <p:cond delay="0"/>
-                                          </p:stCondLst>
-                                        </p:cTn>
-                                        <p:tgtEl>
-                                          <p:spTgt spid="3">
-                                            <p:txEl>
-                                              <p:pRg st="8" end="8"/>
-                                            </p:txEl>
-                                          </p:spTgt>
-                                        </p:tgtEl>
-                                        <p:attrNameLst>
-                                          <p:attrName>style.visibility</p:attrName>
-                                        </p:attrNameLst>
-                                      </p:cBhvr>
-                                      <p:to>
-                                        <p:strVal val="visible"/>
-                                      </p:to>
-                                    </p:set>
-                                  </p:childTnLst>
-                                </p:cTn>
-                              </p:par>
-                            </p:childTnLst>
-                          </p:cTn>
-                        </p:par>
-                      </p:childTnLst>
-                    </p:cTn>
-                  </p:par>
                 </p:childTnLst>
               </p:cTn>
               <p:prevCondLst>
@@ -9323,7 +9320,7 @@
 </p:sld>
 </file>
 
-<file path=ppt/slides/slide24.xml><?xml version="1.0" encoding="utf-8"?>
+<file path=ppt/slides/slide23.xml><?xml version="1.0" encoding="utf-8"?>
 <p:sld xmlns:a="http://schemas.openxmlformats.org/drawingml/2006/main" xmlns:r="http://schemas.openxmlformats.org/officeDocument/2006/relationships" xmlns:p="http://schemas.openxmlformats.org/presentationml/2006/main">
   <p:cSld>
     <p:spTree>
@@ -9367,12 +9364,8 @@
           <a:lstStyle/>
           <a:p>
             <a:r>
-              <a:rPr lang="en-US" dirty="0">
-                <a:solidFill>
-                  <a:srgbClr val="FF0000"/>
-                </a:solidFill>
-              </a:rPr>
-              <a:t>Some Additional Requirements</a:t>
+              <a:rPr lang="en-US" dirty="0"/>
+              <a:t>More Examples</a:t>
             </a:r>
           </a:p>
         </p:txBody>
@@ -9412,158 +9405,6 @@
             <a:pPr marL="0" indent="0">
               <a:buNone/>
             </a:pPr>
-            <a:r>
-              <a:rPr lang="en-US" dirty="0"/>
-              <a:t>Many students will be tempted to simply reuse most of the code from the sample Create Task we worked through in class and simply change their dataset.(Create Task 1, 2, 3, 4)</a:t>
-            </a:r>
-          </a:p>
-          <a:p>
-            <a:pPr marL="0" indent="0">
-              <a:buNone/>
-            </a:pPr>
-            <a:endParaRPr lang="en-US" dirty="0"/>
-          </a:p>
-          <a:p>
-            <a:pPr marL="0" indent="0">
-              <a:buNone/>
-            </a:pPr>
-            <a:r>
-              <a:rPr lang="en-US" dirty="0"/>
-              <a:t>To prevent this, here are some additional requirements for your Create Task as well as some more examples to help you brainstorm:</a:t>
-            </a:r>
-          </a:p>
-          <a:p>
-            <a:pPr marL="0" indent="0">
-              <a:buNone/>
-            </a:pPr>
-            <a:endParaRPr lang="en-US" dirty="0"/>
-          </a:p>
-          <a:p>
-            <a:pPr marL="457200" indent="-457200">
-              <a:buAutoNum type="arabicParenR"/>
-            </a:pPr>
-            <a:r>
-              <a:rPr lang="en-US" dirty="0"/>
-              <a:t>You function must have at least TWO parameters. </a:t>
-            </a:r>
-          </a:p>
-          <a:p>
-            <a:pPr marL="457200" indent="-457200">
-              <a:buAutoNum type="arabicParenR"/>
-            </a:pPr>
-            <a:r>
-              <a:rPr lang="en-US" dirty="0"/>
-              <a:t>In your function, you must have at least two conditionals(if-</a:t>
-            </a:r>
-            <a:r>
-              <a:rPr lang="en-US" dirty="0" err="1"/>
-              <a:t>elif</a:t>
-            </a:r>
-            <a:r>
-              <a:rPr lang="en-US" dirty="0"/>
-              <a:t> or if-else).</a:t>
-            </a:r>
-          </a:p>
-        </p:txBody>
-      </p:sp>
-    </p:spTree>
-    <p:extLst>
-      <p:ext uri="{BB962C8B-B14F-4D97-AF65-F5344CB8AC3E}">
-        <p14:creationId xmlns:p14="http://schemas.microsoft.com/office/powerpoint/2010/main" val="3639780490"/>
-      </p:ext>
-    </p:extLst>
-  </p:cSld>
-  <p:clrMapOvr>
-    <a:masterClrMapping/>
-  </p:clrMapOvr>
-</p:sld>
-</file>
-
-<file path=ppt/slides/slide25.xml><?xml version="1.0" encoding="utf-8"?>
-<p:sld xmlns:a="http://schemas.openxmlformats.org/drawingml/2006/main" xmlns:r="http://schemas.openxmlformats.org/officeDocument/2006/relationships" xmlns:p="http://schemas.openxmlformats.org/presentationml/2006/main">
-  <p:cSld>
-    <p:spTree>
-      <p:nvGrpSpPr>
-        <p:cNvPr id="1" name=""/>
-        <p:cNvGrpSpPr/>
-        <p:nvPr/>
-      </p:nvGrpSpPr>
-      <p:grpSpPr>
-        <a:xfrm>
-          <a:off x="0" y="0"/>
-          <a:ext cx="0" cy="0"/>
-          <a:chOff x="0" y="0"/>
-          <a:chExt cx="0" cy="0"/>
-        </a:xfrm>
-      </p:grpSpPr>
-      <p:sp>
-        <p:nvSpPr>
-          <p:cNvPr id="2" name="Title 1">
-            <a:extLst>
-              <a:ext uri="{FF2B5EF4-FFF2-40B4-BE49-F238E27FC236}">
-                <a16:creationId xmlns:a16="http://schemas.microsoft.com/office/drawing/2014/main" id="{2CAD482E-9621-034B-B5B9-A2A3E3815EBF}"/>
-              </a:ext>
-            </a:extLst>
-          </p:cNvPr>
-          <p:cNvSpPr>
-            <a:spLocks noGrp="1"/>
-          </p:cNvSpPr>
-          <p:nvPr>
-            <p:ph type="title"/>
-          </p:nvPr>
-        </p:nvSpPr>
-        <p:spPr>
-          <a:xfrm>
-            <a:off x="220687" y="191729"/>
-            <a:ext cx="7886700" cy="680468"/>
-          </a:xfrm>
-        </p:spPr>
-        <p:txBody>
-          <a:bodyPr/>
-          <a:lstStyle/>
-          <a:p>
-            <a:r>
-              <a:rPr lang="en-US" dirty="0"/>
-              <a:t>More Examples</a:t>
-            </a:r>
-          </a:p>
-        </p:txBody>
-      </p:sp>
-      <p:sp>
-        <p:nvSpPr>
-          <p:cNvPr id="3" name="Content Placeholder 2">
-            <a:extLst>
-              <a:ext uri="{FF2B5EF4-FFF2-40B4-BE49-F238E27FC236}">
-                <a16:creationId xmlns:a16="http://schemas.microsoft.com/office/drawing/2014/main" id="{BE9CE75A-CAA3-5646-AB61-E94C601FF013}"/>
-              </a:ext>
-            </a:extLst>
-          </p:cNvPr>
-          <p:cNvSpPr>
-            <a:spLocks noGrp="1"/>
-          </p:cNvSpPr>
-          <p:nvPr>
-            <p:ph idx="1"/>
-          </p:nvPr>
-        </p:nvSpPr>
-        <p:spPr>
-          <a:xfrm>
-            <a:off x="220687" y="872197"/>
-            <a:ext cx="8702626" cy="4651074"/>
-          </a:xfrm>
-        </p:spPr>
-        <p:txBody>
-          <a:bodyPr/>
-          <a:lstStyle/>
-          <a:p>
-            <a:pPr marL="0" indent="0">
-              <a:buNone/>
-            </a:pPr>
-            <a:endParaRPr lang="en-US" dirty="0"/>
-          </a:p>
-          <a:p>
-            <a:pPr marL="0" indent="0">
-              <a:buNone/>
-            </a:pPr>
             <a:endParaRPr lang="en-US" dirty="0"/>
           </a:p>
           <a:p>
@@ -9611,7 +9452,7 @@
 </p:sld>
 </file>
 
-<file path=ppt/slides/slide26.xml><?xml version="1.0" encoding="utf-8"?>
+<file path=ppt/slides/slide24.xml><?xml version="1.0" encoding="utf-8"?>
 <p:sld xmlns:a="http://schemas.openxmlformats.org/drawingml/2006/main" xmlns:r="http://schemas.openxmlformats.org/officeDocument/2006/relationships" xmlns:p="http://schemas.openxmlformats.org/presentationml/2006/main">
   <p:cSld>
     <p:spTree>
@@ -9729,7 +9570,7 @@
 </p:sld>
 </file>
 
-<file path=ppt/slides/slide27.xml><?xml version="1.0" encoding="utf-8"?>
+<file path=ppt/slides/slide25.xml><?xml version="1.0" encoding="utf-8"?>
 <p:sld xmlns:a="http://schemas.openxmlformats.org/drawingml/2006/main" xmlns:r="http://schemas.openxmlformats.org/officeDocument/2006/relationships" xmlns:p="http://schemas.openxmlformats.org/presentationml/2006/main">
   <p:cSld>
     <p:spTree>
@@ -9838,6 +9679,145 @@
     <p:extLst>
       <p:ext uri="{BB962C8B-B14F-4D97-AF65-F5344CB8AC3E}">
         <p14:creationId xmlns:p14="http://schemas.microsoft.com/office/powerpoint/2010/main" val="648657578"/>
+      </p:ext>
+    </p:extLst>
+  </p:cSld>
+  <p:clrMapOvr>
+    <a:masterClrMapping/>
+  </p:clrMapOvr>
+</p:sld>
+</file>
+
+<file path=ppt/slides/slide26.xml><?xml version="1.0" encoding="utf-8"?>
+<p:sld xmlns:a="http://schemas.openxmlformats.org/drawingml/2006/main" xmlns:r="http://schemas.openxmlformats.org/officeDocument/2006/relationships" xmlns:p="http://schemas.openxmlformats.org/presentationml/2006/main">
+  <p:cSld>
+    <p:spTree>
+      <p:nvGrpSpPr>
+        <p:cNvPr id="1" name=""/>
+        <p:cNvGrpSpPr/>
+        <p:nvPr/>
+      </p:nvGrpSpPr>
+      <p:grpSpPr>
+        <a:xfrm>
+          <a:off x="0" y="0"/>
+          <a:ext cx="0" cy="0"/>
+          <a:chOff x="0" y="0"/>
+          <a:chExt cx="0" cy="0"/>
+        </a:xfrm>
+      </p:grpSpPr>
+      <p:sp>
+        <p:nvSpPr>
+          <p:cNvPr id="2" name="Title 1">
+            <a:extLst>
+              <a:ext uri="{FF2B5EF4-FFF2-40B4-BE49-F238E27FC236}">
+                <a16:creationId xmlns:a16="http://schemas.microsoft.com/office/drawing/2014/main" id="{2CAD482E-9621-034B-B5B9-A2A3E3815EBF}"/>
+              </a:ext>
+            </a:extLst>
+          </p:cNvPr>
+          <p:cNvSpPr>
+            <a:spLocks noGrp="1"/>
+          </p:cNvSpPr>
+          <p:nvPr>
+            <p:ph type="title"/>
+          </p:nvPr>
+        </p:nvSpPr>
+        <p:spPr>
+          <a:xfrm>
+            <a:off x="220687" y="191729"/>
+            <a:ext cx="7886700" cy="680468"/>
+          </a:xfrm>
+        </p:spPr>
+        <p:txBody>
+          <a:bodyPr/>
+          <a:lstStyle/>
+          <a:p>
+            <a:r>
+              <a:rPr lang="en-US" dirty="0"/>
+              <a:t>Some Ideas</a:t>
+            </a:r>
+          </a:p>
+        </p:txBody>
+      </p:sp>
+      <p:sp>
+        <p:nvSpPr>
+          <p:cNvPr id="3" name="Content Placeholder 2">
+            <a:extLst>
+              <a:ext uri="{FF2B5EF4-FFF2-40B4-BE49-F238E27FC236}">
+                <a16:creationId xmlns:a16="http://schemas.microsoft.com/office/drawing/2014/main" id="{BE9CE75A-CAA3-5646-AB61-E94C601FF013}"/>
+              </a:ext>
+            </a:extLst>
+          </p:cNvPr>
+          <p:cNvSpPr>
+            <a:spLocks noGrp="1"/>
+          </p:cNvSpPr>
+          <p:nvPr>
+            <p:ph idx="1"/>
+          </p:nvPr>
+        </p:nvSpPr>
+        <p:spPr>
+          <a:xfrm>
+            <a:off x="220687" y="872197"/>
+            <a:ext cx="8702626" cy="4651074"/>
+          </a:xfrm>
+        </p:spPr>
+        <p:txBody>
+          <a:bodyPr/>
+          <a:lstStyle/>
+          <a:p>
+            <a:pPr marL="0" indent="0">
+              <a:buNone/>
+            </a:pPr>
+            <a:endParaRPr lang="en-US" dirty="0"/>
+          </a:p>
+          <a:p>
+            <a:pPr marL="457200" indent="-457200">
+              <a:buAutoNum type="arabicParenR"/>
+            </a:pPr>
+            <a:r>
+              <a:rPr lang="en-US" dirty="0"/>
+              <a:t>We did a lab on Alcohol Consumption. That dataset and many other interesting datasets can be found on Kaggle(</a:t>
+            </a:r>
+            <a:r>
+              <a:rPr lang="en-US" dirty="0">
+                <a:hlinkClick r:id="rId2"/>
+              </a:rPr>
+              <a:t>https://www.kaggle.com/datasets</a:t>
+            </a:r>
+            <a:r>
+              <a:rPr lang="en-US" dirty="0"/>
+              <a:t>).  Find a dataset that is interesting and use it to do something similar like the Alchohol consumption lab. Datasets on Kaggle tend to include many columns; it might be necessary to delete most of the columns and keep only a few. </a:t>
+            </a:r>
+          </a:p>
+          <a:p>
+            <a:pPr marL="457200" indent="-457200">
+              <a:buAutoNum type="arabicParenR"/>
+            </a:pPr>
+            <a:r>
+              <a:rPr lang="en-US" dirty="0"/>
+              <a:t>Kaggle datasets are in a nice csv file format. If you are looking for data elsewhere, you might need to convert your dataset to a text file. More examples: NFL quarterback statistics, NBA statistics, market capitalization or stock prices of companies, cars data, climate data, etc…</a:t>
+            </a:r>
+          </a:p>
+          <a:p>
+            <a:pPr marL="457200" indent="-457200">
+              <a:buAutoNum type="arabicParenR"/>
+            </a:pPr>
+            <a:r>
+              <a:rPr lang="en-US" dirty="0"/>
+              <a:t>Write a game or app using Processing. </a:t>
+            </a:r>
+          </a:p>
+          <a:p>
+            <a:pPr marL="0" indent="0">
+              <a:buNone/>
+            </a:pPr>
+            <a:endParaRPr lang="en-US" dirty="0"/>
+          </a:p>
+        </p:txBody>
+      </p:sp>
+    </p:spTree>
+    <p:extLst>
+      <p:ext uri="{BB962C8B-B14F-4D97-AF65-F5344CB8AC3E}">
+        <p14:creationId xmlns:p14="http://schemas.microsoft.com/office/powerpoint/2010/main" val="4246284132"/>
       </p:ext>
     </p:extLst>
   </p:cSld>
